--- a/blokchejn-platforma-dlya-avtomatizovanoyi-platizhnoyi-sistemi-zahist-zvitu-z-tehnologichnoyi-praktiki-2023-5-30-16-16-39.pptx
+++ b/blokchejn-platforma-dlya-avtomatizovanoyi-platizhnoyi-sistemi-zahist-zvitu-z-tehnologichnoyi-praktiki-2023-5-30-16-16-39.pptx
@@ -1,21 +1,132 @@
 
 <file path=ppt/presentation.xml><?xml version="1.0" encoding="utf-8"?>
-<p:presentation xmlns:a="http://schemas.openxmlformats.org/drawingml/2006/main" xmlns:r="http://schemas.openxmlformats.org/officeDocument/2006/relationships" xmlns:p="http://schemas.openxmlformats.org/presentationml/2006/main" xmlns:m="http://schemas.openxmlformats.org/officeDocument/2006/math" xmlns:w="http://schemas.openxmlformats.org/wordprocessingml/2006/main" showSpecialPlsOnTitleSld="0">
+<p:presentation xmlns:a="http://schemas.openxmlformats.org/drawingml/2006/main" xmlns:r="http://schemas.openxmlformats.org/officeDocument/2006/relationships" xmlns:p="http://schemas.openxmlformats.org/presentationml/2006/main" showSpecialPlsOnTitleSld="0">
   <p:sldMasterIdLst>
     <p:sldMasterId id="2147483648" r:id="rId1"/>
   </p:sldMasterIdLst>
   <p:sldIdLst>
-    <p:sldId id="256" r:id="rId3"/>
-    <p:sldId id="257" r:id="rId4"/>
-    <p:sldId id="258" r:id="rId5"/>
-    <p:sldId id="259" r:id="rId6"/>
-    <p:sldId id="260" r:id="rId7"/>
-    <p:sldId id="261" r:id="rId8"/>
-    <p:sldId id="262" r:id="rId9"/>
-    <p:sldId id="263" r:id="rId10"/>
+    <p:sldId id="256" r:id="rId2"/>
+    <p:sldId id="257" r:id="rId3"/>
+    <p:sldId id="258" r:id="rId4"/>
+    <p:sldId id="259" r:id="rId5"/>
+    <p:sldId id="260" r:id="rId6"/>
+    <p:sldId id="261" r:id="rId7"/>
+    <p:sldId id="262" r:id="rId8"/>
+    <p:sldId id="263" r:id="rId9"/>
   </p:sldIdLst>
   <p:sldSz cx="12192000" cy="6413500"/>
   <p:notesSz cx="12192000" cy="6413500"/>
+  <p:defaultTextStyle>
+    <a:defPPr>
+      <a:defRPr lang="ru-RU"/>
+    </a:defPPr>
+    <a:lvl1pPr marL="0" algn="l" defTabSz="914400" rtl="0" eaLnBrk="1" latinLnBrk="0" hangingPunct="1">
+      <a:defRPr sz="1800" kern="1200">
+        <a:solidFill>
+          <a:schemeClr val="tx1"/>
+        </a:solidFill>
+        <a:latin typeface="+mn-lt"/>
+        <a:ea typeface="+mn-ea"/>
+        <a:cs typeface="+mn-cs"/>
+      </a:defRPr>
+    </a:lvl1pPr>
+    <a:lvl2pPr marL="457200" algn="l" defTabSz="914400" rtl="0" eaLnBrk="1" latinLnBrk="0" hangingPunct="1">
+      <a:defRPr sz="1800" kern="1200">
+        <a:solidFill>
+          <a:schemeClr val="tx1"/>
+        </a:solidFill>
+        <a:latin typeface="+mn-lt"/>
+        <a:ea typeface="+mn-ea"/>
+        <a:cs typeface="+mn-cs"/>
+      </a:defRPr>
+    </a:lvl2pPr>
+    <a:lvl3pPr marL="914400" algn="l" defTabSz="914400" rtl="0" eaLnBrk="1" latinLnBrk="0" hangingPunct="1">
+      <a:defRPr sz="1800" kern="1200">
+        <a:solidFill>
+          <a:schemeClr val="tx1"/>
+        </a:solidFill>
+        <a:latin typeface="+mn-lt"/>
+        <a:ea typeface="+mn-ea"/>
+        <a:cs typeface="+mn-cs"/>
+      </a:defRPr>
+    </a:lvl3pPr>
+    <a:lvl4pPr marL="1371600" algn="l" defTabSz="914400" rtl="0" eaLnBrk="1" latinLnBrk="0" hangingPunct="1">
+      <a:defRPr sz="1800" kern="1200">
+        <a:solidFill>
+          <a:schemeClr val="tx1"/>
+        </a:solidFill>
+        <a:latin typeface="+mn-lt"/>
+        <a:ea typeface="+mn-ea"/>
+        <a:cs typeface="+mn-cs"/>
+      </a:defRPr>
+    </a:lvl4pPr>
+    <a:lvl5pPr marL="1828800" algn="l" defTabSz="914400" rtl="0" eaLnBrk="1" latinLnBrk="0" hangingPunct="1">
+      <a:defRPr sz="1800" kern="1200">
+        <a:solidFill>
+          <a:schemeClr val="tx1"/>
+        </a:solidFill>
+        <a:latin typeface="+mn-lt"/>
+        <a:ea typeface="+mn-ea"/>
+        <a:cs typeface="+mn-cs"/>
+      </a:defRPr>
+    </a:lvl5pPr>
+    <a:lvl6pPr marL="2286000" algn="l" defTabSz="914400" rtl="0" eaLnBrk="1" latinLnBrk="0" hangingPunct="1">
+      <a:defRPr sz="1800" kern="1200">
+        <a:solidFill>
+          <a:schemeClr val="tx1"/>
+        </a:solidFill>
+        <a:latin typeface="+mn-lt"/>
+        <a:ea typeface="+mn-ea"/>
+        <a:cs typeface="+mn-cs"/>
+      </a:defRPr>
+    </a:lvl6pPr>
+    <a:lvl7pPr marL="2743200" algn="l" defTabSz="914400" rtl="0" eaLnBrk="1" latinLnBrk="0" hangingPunct="1">
+      <a:defRPr sz="1800" kern="1200">
+        <a:solidFill>
+          <a:schemeClr val="tx1"/>
+        </a:solidFill>
+        <a:latin typeface="+mn-lt"/>
+        <a:ea typeface="+mn-ea"/>
+        <a:cs typeface="+mn-cs"/>
+      </a:defRPr>
+    </a:lvl7pPr>
+    <a:lvl8pPr marL="3200400" algn="l" defTabSz="914400" rtl="0" eaLnBrk="1" latinLnBrk="0" hangingPunct="1">
+      <a:defRPr sz="1800" kern="1200">
+        <a:solidFill>
+          <a:schemeClr val="tx1"/>
+        </a:solidFill>
+        <a:latin typeface="+mn-lt"/>
+        <a:ea typeface="+mn-ea"/>
+        <a:cs typeface="+mn-cs"/>
+      </a:defRPr>
+    </a:lvl8pPr>
+    <a:lvl9pPr marL="3657600" algn="l" defTabSz="914400" rtl="0" eaLnBrk="1" latinLnBrk="0" hangingPunct="1">
+      <a:defRPr sz="1800" kern="1200">
+        <a:solidFill>
+          <a:schemeClr val="tx1"/>
+        </a:solidFill>
+        <a:latin typeface="+mn-lt"/>
+        <a:ea typeface="+mn-ea"/>
+        <a:cs typeface="+mn-cs"/>
+      </a:defRPr>
+    </a:lvl9pPr>
+  </p:defaultTextStyle>
+  <p:extLst>
+    <p:ext uri="{EFAFB233-063F-42B5-8137-9DF3F51BA10A}">
+      <p15:sldGuideLst xmlns:p15="http://schemas.microsoft.com/office/powerpoint/2012/main">
+        <p15:guide id="1" orient="horz" pos="2880">
+          <p15:clr>
+            <a:srgbClr val="A4A3A4"/>
+          </p15:clr>
+        </p15:guide>
+        <p15:guide id="2" pos="2160">
+          <p15:clr>
+            <a:srgbClr val="A4A3A4"/>
+          </p15:clr>
+        </p15:guide>
+      </p15:sldGuideLst>
+    </p:ext>
+  </p:extLst>
 </p:presentation>
 </file>
 
@@ -771,10 +882,10 @@
 </file>
 
 <file path=ppt/diagrams/data1.xml><?xml version="1.0" encoding="utf-8"?>
-<dgm:dataModel xmlns:dgm="http://schemas.openxmlformats.org/drawingml/2006/diagram" xmlns:a="http://schemas.openxmlformats.org/drawingml/2006/main" xmlns:r="http://schemas.openxmlformats.org/officeDocument/2006/relationships">
+<dgm:dataModel xmlns:dgm="http://schemas.openxmlformats.org/drawingml/2006/diagram" xmlns:a="http://schemas.openxmlformats.org/drawingml/2006/main">
   <dgm:ptLst>
     <dgm:pt modelId="{0E58EF5D-A4F6-406B-9846-A092BE01EB22}" type="doc">
-      <dgm:prSet loTypeId="urn:microsoft.com/office/officeart/2016/7/layout/LinearBlockProcessNumbered" loCatId="process" qsTypeId="urn:microsoft.com/office/officeart/2005/8/quickstyle/simple1" qsCatId="simple" csTypeId="urn:microsoft.com/office/officeart/2005/8/colors/accent0_3" csCatId="mainScheme"/>
+      <dgm:prSet loTypeId="urn:microsoft.com/office/officeart/2016/7/layout/LinearBlockProcessNumbered" loCatId="process" qsTypeId="urn:microsoft.com/office/officeart/2005/8/quickstyle/simple1#1" qsCatId="simple" csTypeId="urn:microsoft.com/office/officeart/2005/8/colors/accent0_3" csCatId="mainScheme"/>
       <dgm:spPr bwMode="auto"/>
       <dgm:t>
         <a:bodyPr/>
@@ -791,7 +902,7 @@
       <dgm:prSet phldrT="" custT="1"/>
       <dgm:spPr bwMode="auto"/>
       <dgm:t>
-        <a:bodyPr vertOverflow="overflow" horzOverflow="overflow" vert="horz" rtlCol="0" fromWordArt="0" anchor="t" forceAA="0" upright="0" compatLnSpc="0"/>
+        <a:bodyPr vertOverflow="overflow" horzOverflow="overflow" vert="horz" rtlCol="0" fromWordArt="0" anchor="t" forceAA="0" compatLnSpc="0"/>
         <a:lstStyle/>
         <a:p>
           <a:pPr marL="0" indent="0" algn="l" defTabSz="1155699">
@@ -851,10 +962,10 @@
       </dgm:t>
     </dgm:pt>
     <dgm:pt modelId="{94A4947D-84AB-48E6-8DBD-B0FB7DCFE83A}" type="sibTrans" cxnId="{63E21DF4-5FBC-443D-9BC9-43B65A7BD892}">
-      <dgm:prSet phldr="0" phldrT="01"/>
+      <dgm:prSet phldrT="01" phldr="0"/>
       <dgm:spPr bwMode="auto"/>
       <dgm:t>
-        <a:bodyPr vertOverflow="overflow" horzOverflow="overflow" vert="horz" rtlCol="0" fromWordArt="0" anchor="ctr" forceAA="0" upright="0" compatLnSpc="0"/>
+        <a:bodyPr vertOverflow="overflow" horzOverflow="overflow" vert="horz" rtlCol="0" fromWordArt="0" anchor="ctr" forceAA="0" compatLnSpc="0"/>
         <a:lstStyle/>
         <a:p>
           <a:pPr marL="0" indent="0" algn="l" defTabSz="2933698">
@@ -887,7 +998,7 @@
       <dgm:prSet phldrT="" custT="1"/>
       <dgm:spPr bwMode="auto"/>
       <dgm:t>
-        <a:bodyPr vertOverflow="overflow" horzOverflow="overflow" vert="horz" rtlCol="0" fromWordArt="0" anchor="t" forceAA="0" upright="0" compatLnSpc="0"/>
+        <a:bodyPr vertOverflow="overflow" horzOverflow="overflow" vert="horz" rtlCol="0" fromWordArt="0" anchor="t" forceAA="0" compatLnSpc="0"/>
         <a:lstStyle/>
         <a:p>
           <a:pPr marL="0" indent="0" algn="l" defTabSz="1155699">
@@ -937,10 +1048,10 @@
       </dgm:t>
     </dgm:pt>
     <dgm:pt modelId="{EB3BD4AE-D7EC-449F-9FEC-6862480B356F}" type="sibTrans" cxnId="{7C51A667-6AED-4C0F-A3C5-24DCB9960B16}">
-      <dgm:prSet phldr="0" phldrT="02"/>
+      <dgm:prSet phldrT="02" phldr="0"/>
       <dgm:spPr bwMode="auto"/>
       <dgm:t>
-        <a:bodyPr vertOverflow="overflow" horzOverflow="overflow" vert="horz" rtlCol="0" fromWordArt="0" anchor="ctr" forceAA="0" upright="0" compatLnSpc="0"/>
+        <a:bodyPr vertOverflow="overflow" horzOverflow="overflow" vert="horz" rtlCol="0" fromWordArt="0" anchor="ctr" forceAA="0" compatLnSpc="0"/>
         <a:lstStyle/>
         <a:p>
           <a:pPr marL="0" indent="0" algn="l" defTabSz="2933698">
@@ -973,7 +1084,7 @@
       <dgm:prSet phldrT="" custT="1"/>
       <dgm:spPr bwMode="auto"/>
       <dgm:t>
-        <a:bodyPr vertOverflow="overflow" horzOverflow="overflow" vert="horz" rtlCol="0" fromWordArt="0" anchor="t" forceAA="0" upright="0" compatLnSpc="0"/>
+        <a:bodyPr vertOverflow="overflow" horzOverflow="overflow" vert="horz" rtlCol="0" fromWordArt="0" anchor="t" forceAA="0" compatLnSpc="0"/>
         <a:lstStyle/>
         <a:p>
           <a:pPr marL="0" indent="0" algn="l" defTabSz="1155699">
@@ -1023,10 +1134,10 @@
       </dgm:t>
     </dgm:pt>
     <dgm:pt modelId="{4CBAFDCC-6EA0-4DEA-9121-2062BC43DD0B}" type="sibTrans" cxnId="{4ED74027-7C0D-4D16-A0CB-88ADEB6B9117}">
-      <dgm:prSet phldr="0" phldrT="03"/>
+      <dgm:prSet phldrT="03" phldr="0"/>
       <dgm:spPr bwMode="auto"/>
       <dgm:t>
-        <a:bodyPr vertOverflow="overflow" horzOverflow="overflow" vert="horz" rtlCol="0" fromWordArt="0" anchor="ctr" forceAA="0" upright="0" compatLnSpc="0"/>
+        <a:bodyPr vertOverflow="overflow" horzOverflow="overflow" vert="horz" rtlCol="0" fromWordArt="0" anchor="ctr" forceAA="0" compatLnSpc="0"/>
         <a:lstStyle/>
         <a:p>
           <a:pPr marL="0" indent="0" algn="l" defTabSz="2933698">
@@ -1073,7 +1184,7 @@
       <dgm:spPr bwMode="auto"/>
     </dgm:pt>
     <dgm:pt modelId="{9749F921-1780-4BC4-94D4-CA6CB4386FA2}" type="pres">
-      <dgm:prSet custLinFactY="245" presAssocID="{53958BD8-D0F9-43A4-A8E7-C43BE5627982}" presName="bgRect" presStyleLbl="alignNode1" presStyleIdx="0" presStyleCnt="3"/>
+      <dgm:prSet presAssocID="{53958BD8-D0F9-43A4-A8E7-C43BE5627982}" presName="bgRect" presStyleLbl="alignNode1" presStyleIdx="0" presStyleCnt="3" custLinFactY="245"/>
       <dgm:spPr bwMode="auto">
         <a:solidFill>
           <a:schemeClr val="bg2">
@@ -1226,35 +1337,28 @@
   <dgm:whole/>
   <dgm:extLst>
     <a:ext uri="http://schemas.microsoft.com/office/drawing/2008/diagram">
-      <dsp:dataModelExt xmlns:dsp="http://schemas.microsoft.com/office/drawing/2008/diagram" relId="rId1" minVer="http://schemas.openxmlformats.org/drawingml/2006/diagram"/>
+      <dsp:dataModelExt xmlns:dsp="http://schemas.microsoft.com/office/drawing/2008/diagram" relId="rId6" minVer="http://schemas.openxmlformats.org/drawingml/2006/diagram"/>
     </a:ext>
   </dgm:extLst>
 </dgm:dataModel>
 </file>
 
 <file path=ppt/diagrams/drawing1.xml><?xml version="1.0" encoding="utf-8"?>
-<dsp:drawing xmlns:dsp="http://schemas.microsoft.com/office/drawing/2008/diagram" xmlns:dgm="http://schemas.openxmlformats.org/drawingml/2006/diagram" xmlns:a="http://schemas.openxmlformats.org/drawingml/2006/main" xmlns:r="http://schemas.openxmlformats.org/officeDocument/2006/relationships">
+<dsp:drawing xmlns:dgm="http://schemas.openxmlformats.org/drawingml/2006/diagram" xmlns:dsp="http://schemas.microsoft.com/office/drawing/2008/diagram" xmlns:a="http://schemas.openxmlformats.org/drawingml/2006/main">
   <dsp:spTree>
     <dsp:nvGrpSpPr>
-      <dsp:cNvPr id="2074519304" name=""/>
+      <dsp:cNvPr id="0" name=""/>
       <dsp:cNvGrpSpPr/>
     </dsp:nvGrpSpPr>
-    <dsp:grpSpPr bwMode="auto">
-      <a:xfrm>
-        <a:off x="0" y="0"/>
-        <a:ext cx="9905999" cy="4082074"/>
-        <a:chOff x="0" y="0"/>
-        <a:chExt cx="9905999" cy="4082074"/>
-      </a:xfrm>
-    </dsp:grpSpPr>
+    <dsp:grpSpPr/>
     <dsp:sp modelId="{9749F921-1780-4BC4-94D4-CA6CB4386FA2}">
       <dsp:nvSpPr>
-        <dsp:cNvPr id="1136623150" name=""/>
+        <dsp:cNvPr id="0" name=""/>
         <dsp:cNvSpPr/>
       </dsp:nvSpPr>
       <dsp:spPr bwMode="auto">
         <a:xfrm>
-          <a:off x="772" y="169692"/>
+          <a:off x="773" y="169659"/>
           <a:ext cx="3134319" cy="3761183"/>
         </a:xfrm>
         <a:prstGeom prst="rect">
@@ -1287,7 +1391,7 @@
         </a:fontRef>
       </dsp:style>
       <dsp:txBody>
-        <a:bodyPr spcFirstLastPara="0" vertOverflow="overflow" horzOverflow="overflow" vert="horz" wrap="square" lIns="309600" tIns="0" rIns="309600" bIns="330199" numCol="1" spcCol="1269" rtlCol="0" fromWordArt="0" anchor="t" anchorCtr="0" forceAA="0" upright="0" compatLnSpc="0">
+        <a:bodyPr spcFirstLastPara="0" vertOverflow="overflow" horzOverflow="overflow" vert="horz" wrap="square" lIns="309601" tIns="0" rIns="309601" bIns="330200" numCol="1" spcCol="1270" rtlCol="0" fromWordArt="0" anchor="t" anchorCtr="0" forceAA="0" compatLnSpc="0">
           <a:noAutofit/>
         </a:bodyPr>
         <a:lstStyle/>
@@ -1297,7 +1401,7 @@
               <a:spcPct val="90000"/>
             </a:lnSpc>
             <a:spcBef>
-              <a:spcPts val="0"/>
+              <a:spcPct val="0"/>
             </a:spcBef>
             <a:spcAft>
               <a:spcPts val="0"/>
@@ -1306,7 +1410,7 @@
             <a:defRPr/>
           </a:pPr>
           <a:r>
-            <a:rPr lang="en-US" sz="1600" b="0" i="0" u="none" strike="noStrike" cap="none" spc="0">
+            <a:rPr lang="en-US" sz="1600" b="0" i="0" u="none" strike="noStrike" kern="1200" cap="none" spc="0">
               <a:solidFill>
                 <a:schemeClr val="tx1"/>
               </a:solidFill>
@@ -1316,7 +1420,7 @@
             <a:t>Розробити блокчейн-систему з гібридною мережевою архітектурою, що дозволить зменшити затримку транзакцій та підвищити масштабованість мережі.</a:t>
           </a:r>
           <a:r>
-            <a:rPr lang="en-US" sz="1600">
+            <a:rPr lang="en-US" sz="1600" kern="1200">
               <a:solidFill>
                 <a:schemeClr val="tx1"/>
               </a:solidFill>
@@ -1325,7 +1429,7 @@
             </a:rPr>
             <a:t> </a:t>
           </a:r>
-          <a:endParaRPr sz="1600">
+          <a:endParaRPr sz="1600" kern="1200">
             <a:solidFill>
               <a:schemeClr val="tx1"/>
             </a:solidFill>
@@ -1335,30 +1439,30 @@
         </a:p>
       </dsp:txBody>
       <dsp:txXfrm>
-        <a:off x="772" y="1674166"/>
-        <a:ext cx="3134319" cy="2256709"/>
+        <a:off x="773" y="1674133"/>
+        <a:ext cx="3134319" cy="2256710"/>
       </dsp:txXfrm>
     </dsp:sp>
     <dsp:sp modelId="{D0B42A7F-7E0A-460C-B101-1C3B5702C205}">
       <dsp:nvSpPr>
-        <dsp:cNvPr id="907636213" name=""/>
+        <dsp:cNvPr id="0" name=""/>
         <dsp:cNvSpPr/>
       </dsp:nvSpPr>
       <dsp:spPr bwMode="auto">
         <a:xfrm>
-          <a:off x="772" y="160444"/>
-          <a:ext cx="3134319" cy="1504472"/>
+          <a:off x="773" y="160445"/>
+          <a:ext cx="3134319" cy="1504473"/>
         </a:xfrm>
         <a:prstGeom prst="rect">
           <a:avLst/>
         </a:prstGeom>
         <a:noFill/>
-        <a:ln w="12700" cap="flat" cmpd="sng" algn="ctr">
+        <a:ln w="25400" cap="flat" cmpd="sng" algn="ctr">
           <a:noFill/>
           <a:prstDash val="solid"/>
-          <a:miter lim="800000"/>
         </a:ln>
         <a:effectLst/>
+        <a:sp3d/>
       </dsp:spPr>
       <dsp:style>
         <a:lnRef idx="2">
@@ -1375,7 +1479,7 @@
         </a:fontRef>
       </dsp:style>
       <dsp:txBody>
-        <a:bodyPr spcFirstLastPara="0" vertOverflow="overflow" horzOverflow="overflow" vert="horz" wrap="square" lIns="309600" tIns="165099" rIns="309600" bIns="165099" numCol="1" spcCol="1269" rtlCol="0" fromWordArt="0" anchor="ctr" anchorCtr="0" forceAA="0" upright="0" compatLnSpc="0">
+        <a:bodyPr spcFirstLastPara="0" vertOverflow="overflow" horzOverflow="overflow" vert="horz" wrap="square" lIns="309601" tIns="165100" rIns="309601" bIns="165100" numCol="1" spcCol="1270" rtlCol="0" fromWordArt="0" anchor="ctr" anchorCtr="0" forceAA="0" compatLnSpc="0">
           <a:noAutofit/>
         </a:bodyPr>
         <a:lstStyle/>
@@ -1385,7 +1489,7 @@
               <a:spcPct val="90000"/>
             </a:lnSpc>
             <a:spcBef>
-              <a:spcPts val="0"/>
+              <a:spcPct val="0"/>
             </a:spcBef>
             <a:spcAft>
               <a:spcPts val="0"/>
@@ -1394,31 +1498,31 @@
             <a:defRPr/>
           </a:pPr>
           <a:r>
-            <a:rPr lang="en-US" sz="6600">
+            <a:rPr lang="en-US" sz="6600" kern="1200">
               <a:latin typeface="Times New Roman"/>
               <a:cs typeface="Times New Roman"/>
             </a:rPr>
             <a:t>01</a:t>
           </a:r>
-          <a:endParaRPr sz="6600">
+          <a:endParaRPr sz="6600" kern="1200">
             <a:latin typeface="Times New Roman"/>
             <a:cs typeface="Times New Roman"/>
           </a:endParaRPr>
         </a:p>
       </dsp:txBody>
       <dsp:txXfrm>
-        <a:off x="772" y="160444"/>
-        <a:ext cx="3134319" cy="1504472"/>
+        <a:off x="773" y="160445"/>
+        <a:ext cx="3134319" cy="1504473"/>
       </dsp:txXfrm>
     </dsp:sp>
     <dsp:sp modelId="{616554C9-C9F5-4BED-AF29-560C61D9FF69}">
       <dsp:nvSpPr>
-        <dsp:cNvPr id="239062988" name=""/>
+        <dsp:cNvPr id="0" name=""/>
         <dsp:cNvSpPr/>
       </dsp:nvSpPr>
       <dsp:spPr bwMode="auto">
         <a:xfrm>
-          <a:off x="3385838" y="160444"/>
+          <a:off x="3385839" y="160445"/>
           <a:ext cx="3134319" cy="3761183"/>
         </a:xfrm>
         <a:prstGeom prst="rect">
@@ -1451,7 +1555,7 @@
         </a:fontRef>
       </dsp:style>
       <dsp:txBody>
-        <a:bodyPr spcFirstLastPara="0" vertOverflow="overflow" horzOverflow="overflow" vert="horz" wrap="square" lIns="309600" tIns="0" rIns="309600" bIns="330199" numCol="1" spcCol="1269" rtlCol="0" fromWordArt="0" anchor="t" anchorCtr="0" forceAA="0" upright="0" compatLnSpc="0">
+        <a:bodyPr spcFirstLastPara="0" vertOverflow="overflow" horzOverflow="overflow" vert="horz" wrap="square" lIns="309601" tIns="0" rIns="309601" bIns="330200" numCol="1" spcCol="1270" rtlCol="0" fromWordArt="0" anchor="t" anchorCtr="0" forceAA="0" compatLnSpc="0">
           <a:noAutofit/>
         </a:bodyPr>
         <a:lstStyle/>
@@ -1461,7 +1565,7 @@
               <a:spcPct val="90000"/>
             </a:lnSpc>
             <a:spcBef>
-              <a:spcPts val="0"/>
+              <a:spcPct val="0"/>
             </a:spcBef>
             <a:spcAft>
               <a:spcPts val="0"/>
@@ -1470,7 +1574,7 @@
             <a:defRPr/>
           </a:pPr>
           <a:r>
-            <a:rPr lang="en-US" sz="1600" b="0" i="0" u="none" strike="noStrike" cap="none" spc="0">
+            <a:rPr lang="en-US" sz="1600" b="0" i="0" u="none" strike="noStrike" kern="1200" cap="none" spc="0">
               <a:solidFill>
                 <a:schemeClr val="tx1"/>
               </a:solidFill>
@@ -1479,7 +1583,7 @@
             </a:rPr>
             <a:t>Реалізувати гібридний механізм консенсусу, що поєднує в собі доказ часу, що минув (PoET) та доказ роботи (PoW), з метою зменшення ризиків централізації та зниження енергоспоживання у порівнянні з традиційними блокчейн-системами.</a:t>
           </a:r>
-          <a:endParaRPr sz="1600">
+          <a:endParaRPr sz="1600" kern="1200">
             <a:solidFill>
               <a:schemeClr val="tx1"/>
             </a:solidFill>
@@ -1489,30 +1593,30 @@
         </a:p>
       </dsp:txBody>
       <dsp:txXfrm>
-        <a:off x="3385838" y="1664919"/>
-        <a:ext cx="3134319" cy="2256709"/>
+        <a:off x="3385839" y="1664918"/>
+        <a:ext cx="3134319" cy="2256710"/>
       </dsp:txXfrm>
     </dsp:sp>
     <dsp:sp modelId="{723F350A-D7AE-46BC-AA77-CC6E62B2E8AF}">
       <dsp:nvSpPr>
-        <dsp:cNvPr id="1545472626" name=""/>
+        <dsp:cNvPr id="0" name=""/>
         <dsp:cNvSpPr/>
       </dsp:nvSpPr>
       <dsp:spPr bwMode="auto">
         <a:xfrm>
-          <a:off x="3385838" y="160444"/>
-          <a:ext cx="3134319" cy="1504472"/>
+          <a:off x="3385839" y="160445"/>
+          <a:ext cx="3134319" cy="1504473"/>
         </a:xfrm>
         <a:prstGeom prst="rect">
           <a:avLst/>
         </a:prstGeom>
         <a:noFill/>
-        <a:ln w="12700" cap="flat" cmpd="sng" algn="ctr">
+        <a:ln w="25400" cap="flat" cmpd="sng" algn="ctr">
           <a:noFill/>
           <a:prstDash val="solid"/>
-          <a:miter lim="800000"/>
         </a:ln>
         <a:effectLst/>
+        <a:sp3d/>
       </dsp:spPr>
       <dsp:style>
         <a:lnRef idx="2">
@@ -1529,7 +1633,7 @@
         </a:fontRef>
       </dsp:style>
       <dsp:txBody>
-        <a:bodyPr spcFirstLastPara="0" vertOverflow="overflow" horzOverflow="overflow" vert="horz" wrap="square" lIns="309600" tIns="165099" rIns="309600" bIns="165099" numCol="1" spcCol="1269" rtlCol="0" fromWordArt="0" anchor="ctr" anchorCtr="0" forceAA="0" upright="0" compatLnSpc="0">
+        <a:bodyPr spcFirstLastPara="0" vertOverflow="overflow" horzOverflow="overflow" vert="horz" wrap="square" lIns="309601" tIns="165100" rIns="309601" bIns="165100" numCol="1" spcCol="1270" rtlCol="0" fromWordArt="0" anchor="ctr" anchorCtr="0" forceAA="0" compatLnSpc="0">
           <a:noAutofit/>
         </a:bodyPr>
         <a:lstStyle/>
@@ -1539,7 +1643,7 @@
               <a:spcPct val="90000"/>
             </a:lnSpc>
             <a:spcBef>
-              <a:spcPts val="0"/>
+              <a:spcPct val="0"/>
             </a:spcBef>
             <a:spcAft>
               <a:spcPts val="0"/>
@@ -1548,31 +1652,31 @@
             <a:defRPr/>
           </a:pPr>
           <a:r>
-            <a:rPr lang="en-US" sz="6600">
+            <a:rPr lang="en-US" sz="6600" kern="1200">
               <a:latin typeface="Times New Roman"/>
               <a:cs typeface="Times New Roman"/>
             </a:rPr>
             <a:t>02</a:t>
           </a:r>
-          <a:endParaRPr sz="6600">
+          <a:endParaRPr sz="6600" kern="1200">
             <a:latin typeface="Times New Roman"/>
             <a:cs typeface="Times New Roman"/>
           </a:endParaRPr>
         </a:p>
       </dsp:txBody>
       <dsp:txXfrm>
-        <a:off x="3385838" y="160444"/>
-        <a:ext cx="3134319" cy="1504472"/>
+        <a:off x="3385839" y="160445"/>
+        <a:ext cx="3134319" cy="1504473"/>
       </dsp:txXfrm>
     </dsp:sp>
     <dsp:sp modelId="{F141C49C-E8E4-49F4-AAC3-2EB38F33B50A}">
       <dsp:nvSpPr>
-        <dsp:cNvPr id="1237793526" name=""/>
+        <dsp:cNvPr id="0" name=""/>
         <dsp:cNvSpPr/>
       </dsp:nvSpPr>
       <dsp:spPr bwMode="auto">
         <a:xfrm>
-          <a:off x="6770904" y="160444"/>
+          <a:off x="6770905" y="160445"/>
           <a:ext cx="3134319" cy="3761183"/>
         </a:xfrm>
         <a:prstGeom prst="rect">
@@ -1605,7 +1709,7 @@
         </a:fontRef>
       </dsp:style>
       <dsp:txBody>
-        <a:bodyPr spcFirstLastPara="0" vertOverflow="overflow" horzOverflow="overflow" vert="horz" wrap="square" lIns="309600" tIns="0" rIns="309600" bIns="330199" numCol="1" spcCol="1269" rtlCol="0" fromWordArt="0" anchor="t" anchorCtr="0" forceAA="0" upright="0" compatLnSpc="0">
+        <a:bodyPr spcFirstLastPara="0" vertOverflow="overflow" horzOverflow="overflow" vert="horz" wrap="square" lIns="309601" tIns="0" rIns="309601" bIns="330200" numCol="1" spcCol="1270" rtlCol="0" fromWordArt="0" anchor="t" anchorCtr="0" forceAA="0" compatLnSpc="0">
           <a:noAutofit/>
         </a:bodyPr>
         <a:lstStyle/>
@@ -1615,7 +1719,7 @@
               <a:spcPct val="90000"/>
             </a:lnSpc>
             <a:spcBef>
-              <a:spcPts val="0"/>
+              <a:spcPct val="0"/>
             </a:spcBef>
             <a:spcAft>
               <a:spcPts val="0"/>
@@ -1624,7 +1728,7 @@
             <a:defRPr/>
           </a:pPr>
           <a:r>
-            <a:rPr lang="en-US" sz="1600" b="0" i="0" u="none" strike="noStrike" cap="none" spc="0">
+            <a:rPr lang="en-US" sz="1600" b="0" i="0" u="none" strike="noStrike" kern="1200" cap="none" spc="0">
               <a:solidFill>
                 <a:schemeClr val="tx1"/>
               </a:solidFill>
@@ -1633,7 +1737,7 @@
             </a:rPr>
             <a:t>Вирішення проблеми високих комісійних витрат за рахунок підтримки ефективної роботи мережі навіть при великих обсягах транзакцій, що забезпечує нижчу комісію за транзакції для користувачів.</a:t>
           </a:r>
-          <a:endParaRPr sz="1600">
+          <a:endParaRPr sz="1600" kern="1200">
             <a:solidFill>
               <a:schemeClr val="tx1"/>
             </a:solidFill>
@@ -1643,30 +1747,30 @@
         </a:p>
       </dsp:txBody>
       <dsp:txXfrm>
-        <a:off x="6770904" y="1664919"/>
-        <a:ext cx="3134319" cy="2256709"/>
+        <a:off x="6770905" y="1664918"/>
+        <a:ext cx="3134319" cy="2256710"/>
       </dsp:txXfrm>
     </dsp:sp>
     <dsp:sp modelId="{2596FFBD-2FDB-463F-99E6-18EDF6E874AC}">
       <dsp:nvSpPr>
-        <dsp:cNvPr id="395084396" name=""/>
+        <dsp:cNvPr id="0" name=""/>
         <dsp:cNvSpPr/>
       </dsp:nvSpPr>
       <dsp:spPr bwMode="auto">
         <a:xfrm>
-          <a:off x="6770904" y="160444"/>
-          <a:ext cx="3134319" cy="1504472"/>
+          <a:off x="6770905" y="160445"/>
+          <a:ext cx="3134319" cy="1504473"/>
         </a:xfrm>
         <a:prstGeom prst="rect">
           <a:avLst/>
         </a:prstGeom>
         <a:noFill/>
-        <a:ln w="12700" cap="flat" cmpd="sng" algn="ctr">
+        <a:ln w="25400" cap="flat" cmpd="sng" algn="ctr">
           <a:noFill/>
           <a:prstDash val="solid"/>
-          <a:miter lim="800000"/>
         </a:ln>
         <a:effectLst/>
+        <a:sp3d/>
       </dsp:spPr>
       <dsp:style>
         <a:lnRef idx="2">
@@ -1683,7 +1787,7 @@
         </a:fontRef>
       </dsp:style>
       <dsp:txBody>
-        <a:bodyPr spcFirstLastPara="0" vertOverflow="overflow" horzOverflow="overflow" vert="horz" wrap="square" lIns="309600" tIns="165099" rIns="309600" bIns="165099" numCol="1" spcCol="1269" rtlCol="0" fromWordArt="0" anchor="ctr" anchorCtr="0" forceAA="0" upright="0" compatLnSpc="0">
+        <a:bodyPr spcFirstLastPara="0" vertOverflow="overflow" horzOverflow="overflow" vert="horz" wrap="square" lIns="309601" tIns="165100" rIns="309601" bIns="165100" numCol="1" spcCol="1270" rtlCol="0" fromWordArt="0" anchor="ctr" anchorCtr="0" forceAA="0" compatLnSpc="0">
           <a:noAutofit/>
         </a:bodyPr>
         <a:lstStyle/>
@@ -1693,7 +1797,7 @@
               <a:spcPct val="90000"/>
             </a:lnSpc>
             <a:spcBef>
-              <a:spcPts val="0"/>
+              <a:spcPct val="0"/>
             </a:spcBef>
             <a:spcAft>
               <a:spcPts val="0"/>
@@ -1702,21 +1806,21 @@
             <a:defRPr/>
           </a:pPr>
           <a:r>
-            <a:rPr lang="en-US" sz="6600">
+            <a:rPr lang="en-US" sz="6600" kern="1200">
               <a:latin typeface="Times New Roman"/>
               <a:cs typeface="Times New Roman"/>
             </a:rPr>
             <a:t>03</a:t>
           </a:r>
-          <a:endParaRPr sz="6600">
+          <a:endParaRPr sz="6600" kern="1200">
             <a:latin typeface="Times New Roman"/>
             <a:cs typeface="Times New Roman"/>
           </a:endParaRPr>
         </a:p>
       </dsp:txBody>
       <dsp:txXfrm>
-        <a:off x="6770904" y="160444"/>
-        <a:ext cx="3134319" cy="1504472"/>
+        <a:off x="6770905" y="160445"/>
+        <a:ext cx="3134319" cy="1504473"/>
       </dsp:txXfrm>
     </dsp:sp>
   </dsp:spTree>
@@ -1724,7 +1828,7 @@
 </file>
 
 <file path=ppt/diagrams/layout1.xml><?xml version="1.0" encoding="utf-8"?>
-<dgm:layoutDef xmlns:dgm="http://schemas.openxmlformats.org/drawingml/2006/diagram" xmlns:a="http://schemas.openxmlformats.org/drawingml/2006/main" xmlns:r="http://schemas.openxmlformats.org/officeDocument/2006/relationships" uniqueId="urn:microsoft.com/office/officeart/2016/7/layout/LinearBlockProcessNumbered">
+<dgm:layoutDef xmlns:dgm="http://schemas.openxmlformats.org/drawingml/2006/diagram" xmlns:a="http://schemas.openxmlformats.org/drawingml/2006/main" uniqueId="urn:microsoft.com/office/officeart/2016/7/layout/LinearBlockProcessNumbered">
   <dgm:title val="Linear Block Process Numbered"/>
   <dgm:desc val="Used to show a progression; a timeline; sequential steps in a task, process, or workflow; or to emphasize movement or direction. Automatic numbers have been introduced to show the steps of the process. Level 1 text and Level 2 text both appears in a rectangle."/>
   <dgm:catLst>
@@ -1871,20 +1975,20 @@
       <dgm:param type="linDir" val="fromL"/>
       <dgm:param type="nodeVertAlign" val="t"/>
     </dgm:alg>
-    <dgm:shape r:blip="">
+    <dgm:shape xmlns:r="http://schemas.openxmlformats.org/officeDocument/2006/relationships" r:blip="">
       <dgm:adjLst/>
     </dgm:shape>
     <dgm:presOf/>
     <dgm:constrLst>
       <dgm:constr type="h" for="ch" forName="compositeNode" refType="h"/>
       <dgm:constr type="w" for="ch" forName="compositeNode" refType="w"/>
-      <dgm:constr type="w" for="des" forName="simulatedConn" refType="w" refFor="ch" refForName="compositeNode" fact="0.150000"/>
+      <dgm:constr type="w" for="des" forName="simulatedConn" refType="w" refFor="ch" refForName="compositeNode" fact="0.15"/>
       <dgm:constr type="h" for="des" forName="simulatedConn" refType="w" refFor="des" refForName="simulatedConn"/>
-      <dgm:constr type="h" for="des" forName="vSp1" refType="w" refFor="ch" refForName="compositeNode" fact="0.800000"/>
-      <dgm:constr type="h" for="des" forName="vSp2" refType="w" refFor="ch" refForName="compositeNode" fact="0.070000"/>
+      <dgm:constr type="h" for="des" forName="vSp1" refType="w" refFor="ch" refForName="compositeNode" fact="0.8"/>
+      <dgm:constr type="h" for="des" forName="vSp2" refType="w" refFor="ch" refForName="compositeNode" fact="0.07"/>
       <dgm:constr type="w" for="ch" forName="vProcSp" refType="w" refFor="des" refForName="simulatedConn" op="equ"/>
       <dgm:constr type="h" for="ch" forName="vProcSp" refType="h" refFor="ch" refForName="compositeNode" op="equ"/>
-      <dgm:constr type="w" for="ch" forName="sibTrans" refType="w" refFor="ch" refForName="compositeNode" fact="0.080000"/>
+      <dgm:constr type="w" for="ch" forName="sibTrans" refType="w" refFor="ch" refForName="compositeNode" fact="0.08"/>
       <dgm:constr type="primFontSz" for="des" forName="sibTransNodeRect" op="equ"/>
       <dgm:constr type="primFontSz" for="des" forName="nodeRect" op="equ"/>
     </dgm:constrLst>
@@ -1896,17 +2000,17 @@
         </dgm:varLst>
         <dgm:alg type="composite"/>
         <dgm:constrLst>
-          <dgm:constr type="h" refType="w" op="lte" fact="1.200000"/>
+          <dgm:constr type="h" refType="w" op="lte" fact="1.2"/>
           <dgm:constr type="w" for="ch" forName="bgRect" refType="w"/>
           <dgm:constr type="h" for="ch" forName="bgRect" refType="h"/>
           <dgm:constr type="t" for="ch" forName="bgRect"/>
           <dgm:constr type="l" for="ch" forName="bgRect"/>
           <dgm:constr type="w" for="ch" forName="sibTransNodeRect" refType="w" refFor="ch" refForName="bgRect"/>
-          <dgm:constr type="h" for="ch" forName="sibTransNodeRect" refType="h" refFor="ch" refForName="bgRect" fact="0.400000"/>
+          <dgm:constr type="h" for="ch" forName="sibTransNodeRect" refType="h" refFor="ch" refForName="bgRect" fact="0.4"/>
           <dgm:constr type="t" for="ch" forName="sibTransNodeRect"/>
           <dgm:constr type="l" for="ch" forName="sibTransNodeRect"/>
           <dgm:constr type="r" for="ch" forName="nodeRect" refType="r" refFor="ch" refForName="bgRect"/>
-          <dgm:constr type="h" for="ch" forName="nodeRect" refType="h" refFor="ch" refForName="bgRect" fact="0.600000"/>
+          <dgm:constr type="h" for="ch" forName="nodeRect" refType="h" refFor="ch" refForName="bgRect" fact="0.6"/>
           <dgm:constr type="t" for="ch" forName="nodeRect" refType="b" refFor="ch" refForName="sibTransNodeRect"/>
           <dgm:constr type="l" for="ch" forName="nodeRect" refType="l" refFor="ch" refForName="bgRect"/>
         </dgm:constrLst>
@@ -1915,16 +2019,16 @@
         </dgm:ruleLst>
         <dgm:layoutNode name="bgRect" styleLbl="alignNode1">
           <dgm:alg type="sp"/>
-          <dgm:shape type="rect" r:blip="">
+          <dgm:shape xmlns:r="http://schemas.openxmlformats.org/officeDocument/2006/relationships" type="rect" r:blip="">
             <dgm:adjLst>
-              <dgm:adj idx="1" val="0.050000"/>
+              <dgm:adj idx="1" val="0.05"/>
             </dgm:adjLst>
           </dgm:shape>
           <dgm:presOf axis="self"/>
           <dgm:constrLst/>
           <dgm:ruleLst/>
         </dgm:layoutNode>
-        <dgm:forEach name="Name19" axis="followSib" ptType="sibTrans" cnt="1" hideLastTrans="0">
+        <dgm:forEach name="Name19" axis="followSib" ptType="sibTrans" hideLastTrans="0" cnt="1">
           <dgm:layoutNode name="sibTransNodeRect" styleLbl="alignNode1">
             <dgm:varLst>
               <dgm:chMax val="0"/>
@@ -1935,14 +2039,14 @@
               <dgm:param type="parTxLTRAlign" val="l"/>
               <dgm:param type="parTxRTLAlign" val="l"/>
             </dgm:alg>
-            <dgm:shape type="rect" r:blip="" hideGeom="1">
+            <dgm:shape xmlns:r="http://schemas.openxmlformats.org/officeDocument/2006/relationships" type="rect" r:blip="" hideGeom="1">
               <dgm:adjLst/>
             </dgm:shape>
             <dgm:constrLst>
               <dgm:constr type="primFontSz" val="66"/>
               <dgm:constr type="tMarg" val="13"/>
-              <dgm:constr type="lMarg" refType="w" fact="0.280000"/>
-              <dgm:constr type="rMarg" refType="w" fact="0.280000"/>
+              <dgm:constr type="lMarg" refType="w" fact="0.28"/>
+              <dgm:constr type="rMarg" refType="w" fact="0.28"/>
               <dgm:constr type="bMarg" val="13"/>
             </dgm:constrLst>
             <dgm:ruleLst>
@@ -1961,15 +2065,15 @@
             <dgm:param type="txAnchorVert" val="t"/>
             <dgm:param type="stBulletLvl" val="2"/>
           </dgm:alg>
-          <dgm:shape type="rect" r:blip="" hideGeom="1">
+          <dgm:shape xmlns:r="http://schemas.openxmlformats.org/officeDocument/2006/relationships" type="rect" r:blip="" hideGeom="1">
             <dgm:adjLst/>
           </dgm:shape>
           <dgm:presOf axis="desOrSelf" ptType="node"/>
           <dgm:constrLst>
             <dgm:constr type="primFontSz" val="26"/>
             <dgm:constr type="tMarg"/>
-            <dgm:constr type="lMarg" refType="w" fact="0.280000"/>
-            <dgm:constr type="rMarg" refType="w" fact="0.280000"/>
+            <dgm:constr type="lMarg" refType="w" fact="0.28"/>
+            <dgm:constr type="rMarg" refType="w" fact="0.28"/>
             <dgm:constr type="bMarg" val="26"/>
           </dgm:constrLst>
           <dgm:ruleLst>
@@ -1980,7 +2084,7 @@
       <dgm:forEach name="Name14" axis="followSib" ptType="sibTrans" cnt="1">
         <dgm:layoutNode name="sibTrans">
           <dgm:alg type="sp"/>
-          <dgm:shape r:blip="">
+          <dgm:shape xmlns:r="http://schemas.openxmlformats.org/officeDocument/2006/relationships" r:blip="">
             <dgm:adjLst/>
           </dgm:shape>
           <dgm:presOf/>
@@ -1994,7 +2098,7 @@
 </file>
 
 <file path=ppt/diagrams/quickStyle1.xml><?xml version="1.0" encoding="utf-8"?>
-<dgm:styleDef xmlns:dgm="http://schemas.openxmlformats.org/drawingml/2006/diagram" xmlns:a="http://schemas.openxmlformats.org/drawingml/2006/main" uniqueId="urn:microsoft.com/office/officeart/2005/8/quickstyle/simple1">
+<dgm:styleDef xmlns:dgm="http://schemas.openxmlformats.org/drawingml/2006/diagram" xmlns:a="http://schemas.openxmlformats.org/drawingml/2006/main" uniqueId="urn:microsoft.com/office/officeart/2005/8/quickstyle/simple1#1">
   <dgm:title val=""/>
   <dgm:desc val=""/>
   <dgm:catLst>
@@ -2010,15 +2114,7 @@
       <a:lightRig rig="threePt" dir="t"/>
     </dgm:scene3d>
     <dgm:sp3d/>
-    <dgm:txPr>
-      <a:bodyPr/>
-      <a:p>
-        <a:pPr>
-          <a:defRPr/>
-        </a:pPr>
-        <a:endParaRPr/>
-      </a:p>
-    </dgm:txPr>
+    <dgm:txPr/>
     <dgm:style>
       <a:lnRef idx="2">
         <a:srgbClr val="000000"/>
@@ -2040,15 +2136,7 @@
       <a:lightRig rig="threePt" dir="t"/>
     </dgm:scene3d>
     <dgm:sp3d/>
-    <dgm:txPr>
-      <a:bodyPr/>
-      <a:p>
-        <a:pPr>
-          <a:defRPr/>
-        </a:pPr>
-        <a:endParaRPr/>
-      </a:p>
-    </dgm:txPr>
+    <dgm:txPr/>
     <dgm:style>
       <a:lnRef idx="2">
         <a:srgbClr val="000000"/>
@@ -2070,15 +2158,7 @@
       <a:lightRig rig="threePt" dir="t"/>
     </dgm:scene3d>
     <dgm:sp3d/>
-    <dgm:txPr>
-      <a:bodyPr/>
-      <a:p>
-        <a:pPr>
-          <a:defRPr/>
-        </a:pPr>
-        <a:endParaRPr/>
-      </a:p>
-    </dgm:txPr>
+    <dgm:txPr/>
     <dgm:style>
       <a:lnRef idx="2">
         <a:srgbClr val="000000"/>
@@ -2100,15 +2180,7 @@
       <a:lightRig rig="threePt" dir="t"/>
     </dgm:scene3d>
     <dgm:sp3d/>
-    <dgm:txPr>
-      <a:bodyPr/>
-      <a:p>
-        <a:pPr>
-          <a:defRPr/>
-        </a:pPr>
-        <a:endParaRPr/>
-      </a:p>
-    </dgm:txPr>
+    <dgm:txPr/>
     <dgm:style>
       <a:lnRef idx="2">
         <a:srgbClr val="000000"/>
@@ -2130,15 +2202,7 @@
       <a:lightRig rig="threePt" dir="t"/>
     </dgm:scene3d>
     <dgm:sp3d/>
-    <dgm:txPr>
-      <a:bodyPr/>
-      <a:p>
-        <a:pPr>
-          <a:defRPr/>
-        </a:pPr>
-        <a:endParaRPr/>
-      </a:p>
-    </dgm:txPr>
+    <dgm:txPr/>
     <dgm:style>
       <a:lnRef idx="2">
         <a:srgbClr val="000000"/>
@@ -2160,15 +2224,7 @@
       <a:lightRig rig="threePt" dir="t"/>
     </dgm:scene3d>
     <dgm:sp3d/>
-    <dgm:txPr>
-      <a:bodyPr/>
-      <a:p>
-        <a:pPr>
-          <a:defRPr/>
-        </a:pPr>
-        <a:endParaRPr/>
-      </a:p>
-    </dgm:txPr>
+    <dgm:txPr/>
     <dgm:style>
       <a:lnRef idx="2">
         <a:srgbClr val="000000"/>
@@ -2190,15 +2246,7 @@
       <a:lightRig rig="threePt" dir="t"/>
     </dgm:scene3d>
     <dgm:sp3d/>
-    <dgm:txPr>
-      <a:bodyPr/>
-      <a:p>
-        <a:pPr>
-          <a:defRPr/>
-        </a:pPr>
-        <a:endParaRPr/>
-      </a:p>
-    </dgm:txPr>
+    <dgm:txPr/>
     <dgm:style>
       <a:lnRef idx="2">
         <a:srgbClr val="000000"/>
@@ -2220,15 +2268,7 @@
       <a:lightRig rig="threePt" dir="t"/>
     </dgm:scene3d>
     <dgm:sp3d/>
-    <dgm:txPr>
-      <a:bodyPr/>
-      <a:p>
-        <a:pPr>
-          <a:defRPr/>
-        </a:pPr>
-        <a:endParaRPr/>
-      </a:p>
-    </dgm:txPr>
+    <dgm:txPr/>
     <dgm:style>
       <a:lnRef idx="2">
         <a:srgbClr val="000000"/>
@@ -2250,15 +2290,7 @@
       <a:lightRig rig="threePt" dir="t"/>
     </dgm:scene3d>
     <dgm:sp3d/>
-    <dgm:txPr>
-      <a:bodyPr/>
-      <a:p>
-        <a:pPr>
-          <a:defRPr/>
-        </a:pPr>
-        <a:endParaRPr/>
-      </a:p>
-    </dgm:txPr>
+    <dgm:txPr/>
     <dgm:style>
       <a:lnRef idx="2">
         <a:srgbClr val="000000"/>
@@ -2278,15 +2310,7 @@
       <a:lightRig rig="threePt" dir="t"/>
     </dgm:scene3d>
     <dgm:sp3d/>
-    <dgm:txPr>
-      <a:bodyPr/>
-      <a:p>
-        <a:pPr>
-          <a:defRPr/>
-        </a:pPr>
-        <a:endParaRPr/>
-      </a:p>
-    </dgm:txPr>
+    <dgm:txPr/>
     <dgm:style>
       <a:lnRef idx="2">
         <a:srgbClr val="000000"/>
@@ -2306,15 +2330,7 @@
       <a:lightRig rig="threePt" dir="t"/>
     </dgm:scene3d>
     <dgm:sp3d/>
-    <dgm:txPr>
-      <a:bodyPr/>
-      <a:p>
-        <a:pPr>
-          <a:defRPr/>
-        </a:pPr>
-        <a:endParaRPr/>
-      </a:p>
-    </dgm:txPr>
+    <dgm:txPr/>
     <dgm:style>
       <a:lnRef idx="2">
         <a:srgbClr val="000000"/>
@@ -2334,15 +2350,7 @@
       <a:lightRig rig="threePt" dir="t"/>
     </dgm:scene3d>
     <dgm:sp3d/>
-    <dgm:txPr>
-      <a:bodyPr/>
-      <a:p>
-        <a:pPr>
-          <a:defRPr/>
-        </a:pPr>
-        <a:endParaRPr/>
-      </a:p>
-    </dgm:txPr>
+    <dgm:txPr/>
     <dgm:style>
       <a:lnRef idx="0">
         <a:srgbClr val="000000"/>
@@ -2364,15 +2372,7 @@
       <a:lightRig rig="threePt" dir="t"/>
     </dgm:scene3d>
     <dgm:sp3d/>
-    <dgm:txPr>
-      <a:bodyPr/>
-      <a:p>
-        <a:pPr>
-          <a:defRPr/>
-        </a:pPr>
-        <a:endParaRPr/>
-      </a:p>
-    </dgm:txPr>
+    <dgm:txPr/>
     <dgm:style>
       <a:lnRef idx="0">
         <a:srgbClr val="000000"/>
@@ -2394,15 +2394,7 @@
       <a:lightRig rig="threePt" dir="t"/>
     </dgm:scene3d>
     <dgm:sp3d/>
-    <dgm:txPr>
-      <a:bodyPr/>
-      <a:p>
-        <a:pPr>
-          <a:defRPr/>
-        </a:pPr>
-        <a:endParaRPr/>
-      </a:p>
-    </dgm:txPr>
+    <dgm:txPr/>
     <dgm:style>
       <a:lnRef idx="0">
         <a:srgbClr val="000000"/>
@@ -2424,15 +2416,7 @@
       <a:lightRig rig="threePt" dir="t"/>
     </dgm:scene3d>
     <dgm:sp3d/>
-    <dgm:txPr>
-      <a:bodyPr/>
-      <a:p>
-        <a:pPr>
-          <a:defRPr/>
-        </a:pPr>
-        <a:endParaRPr/>
-      </a:p>
-    </dgm:txPr>
+    <dgm:txPr/>
     <dgm:style>
       <a:lnRef idx="1">
         <a:srgbClr val="000000"/>
@@ -2452,15 +2436,7 @@
       <a:lightRig rig="threePt" dir="t"/>
     </dgm:scene3d>
     <dgm:sp3d/>
-    <dgm:txPr>
-      <a:bodyPr/>
-      <a:p>
-        <a:pPr>
-          <a:defRPr/>
-        </a:pPr>
-        <a:endParaRPr/>
-      </a:p>
-    </dgm:txPr>
+    <dgm:txPr/>
     <dgm:style>
       <a:lnRef idx="2">
         <a:srgbClr val="000000"/>
@@ -2480,15 +2456,7 @@
       <a:lightRig rig="threePt" dir="t"/>
     </dgm:scene3d>
     <dgm:sp3d/>
-    <dgm:txPr>
-      <a:bodyPr/>
-      <a:p>
-        <a:pPr>
-          <a:defRPr/>
-        </a:pPr>
-        <a:endParaRPr/>
-      </a:p>
-    </dgm:txPr>
+    <dgm:txPr/>
     <dgm:style>
       <a:lnRef idx="2">
         <a:srgbClr val="000000"/>
@@ -2510,15 +2478,7 @@
       <a:lightRig rig="threePt" dir="t"/>
     </dgm:scene3d>
     <dgm:sp3d/>
-    <dgm:txPr>
-      <a:bodyPr/>
-      <a:p>
-        <a:pPr>
-          <a:defRPr/>
-        </a:pPr>
-        <a:endParaRPr/>
-      </a:p>
-    </dgm:txPr>
+    <dgm:txPr/>
     <dgm:style>
       <a:lnRef idx="2">
         <a:srgbClr val="000000"/>
@@ -2540,15 +2500,7 @@
       <a:lightRig rig="threePt" dir="t"/>
     </dgm:scene3d>
     <dgm:sp3d/>
-    <dgm:txPr>
-      <a:bodyPr/>
-      <a:p>
-        <a:pPr>
-          <a:defRPr/>
-        </a:pPr>
-        <a:endParaRPr/>
-      </a:p>
-    </dgm:txPr>
+    <dgm:txPr/>
     <dgm:style>
       <a:lnRef idx="2">
         <a:srgbClr val="000000"/>
@@ -2570,15 +2522,7 @@
       <a:lightRig rig="threePt" dir="t"/>
     </dgm:scene3d>
     <dgm:sp3d/>
-    <dgm:txPr>
-      <a:bodyPr/>
-      <a:p>
-        <a:pPr>
-          <a:defRPr/>
-        </a:pPr>
-        <a:endParaRPr/>
-      </a:p>
-    </dgm:txPr>
+    <dgm:txPr/>
     <dgm:style>
       <a:lnRef idx="2">
         <a:srgbClr val="000000"/>
@@ -2600,15 +2544,7 @@
       <a:lightRig rig="threePt" dir="t"/>
     </dgm:scene3d>
     <dgm:sp3d/>
-    <dgm:txPr>
-      <a:bodyPr/>
-      <a:p>
-        <a:pPr>
-          <a:defRPr/>
-        </a:pPr>
-        <a:endParaRPr/>
-      </a:p>
-    </dgm:txPr>
+    <dgm:txPr/>
     <dgm:style>
       <a:lnRef idx="2">
         <a:srgbClr val="000000"/>
@@ -2630,15 +2566,7 @@
       <a:lightRig rig="threePt" dir="t"/>
     </dgm:scene3d>
     <dgm:sp3d/>
-    <dgm:txPr>
-      <a:bodyPr/>
-      <a:p>
-        <a:pPr>
-          <a:defRPr/>
-        </a:pPr>
-        <a:endParaRPr/>
-      </a:p>
-    </dgm:txPr>
+    <dgm:txPr/>
     <dgm:style>
       <a:lnRef idx="2">
         <a:srgbClr val="000000"/>
@@ -2660,15 +2588,7 @@
       <a:lightRig rig="threePt" dir="t"/>
     </dgm:scene3d>
     <dgm:sp3d/>
-    <dgm:txPr>
-      <a:bodyPr/>
-      <a:p>
-        <a:pPr>
-          <a:defRPr/>
-        </a:pPr>
-        <a:endParaRPr/>
-      </a:p>
-    </dgm:txPr>
+    <dgm:txPr/>
     <dgm:style>
       <a:lnRef idx="2">
         <a:srgbClr val="000000"/>
@@ -2690,15 +2610,7 @@
       <a:lightRig rig="threePt" dir="t"/>
     </dgm:scene3d>
     <dgm:sp3d/>
-    <dgm:txPr>
-      <a:bodyPr/>
-      <a:p>
-        <a:pPr>
-          <a:defRPr/>
-        </a:pPr>
-        <a:endParaRPr/>
-      </a:p>
-    </dgm:txPr>
+    <dgm:txPr/>
     <dgm:style>
       <a:lnRef idx="2">
         <a:srgbClr val="000000"/>
@@ -2720,15 +2632,7 @@
       <a:lightRig rig="threePt" dir="t"/>
     </dgm:scene3d>
     <dgm:sp3d/>
-    <dgm:txPr>
-      <a:bodyPr/>
-      <a:p>
-        <a:pPr>
-          <a:defRPr/>
-        </a:pPr>
-        <a:endParaRPr/>
-      </a:p>
-    </dgm:txPr>
+    <dgm:txPr/>
     <dgm:style>
       <a:lnRef idx="2">
         <a:srgbClr val="000000"/>
@@ -2750,15 +2654,7 @@
       <a:lightRig rig="threePt" dir="t"/>
     </dgm:scene3d>
     <dgm:sp3d/>
-    <dgm:txPr>
-      <a:bodyPr/>
-      <a:p>
-        <a:pPr>
-          <a:defRPr/>
-        </a:pPr>
-        <a:endParaRPr/>
-      </a:p>
-    </dgm:txPr>
+    <dgm:txPr/>
     <dgm:style>
       <a:lnRef idx="2">
         <a:srgbClr val="000000"/>
@@ -2778,15 +2674,7 @@
       <a:lightRig rig="threePt" dir="t"/>
     </dgm:scene3d>
     <dgm:sp3d/>
-    <dgm:txPr>
-      <a:bodyPr/>
-      <a:p>
-        <a:pPr>
-          <a:defRPr/>
-        </a:pPr>
-        <a:endParaRPr/>
-      </a:p>
-    </dgm:txPr>
+    <dgm:txPr/>
     <dgm:style>
       <a:lnRef idx="2">
         <a:srgbClr val="000000"/>
@@ -2806,15 +2694,7 @@
       <a:lightRig rig="threePt" dir="t"/>
     </dgm:scene3d>
     <dgm:sp3d/>
-    <dgm:txPr>
-      <a:bodyPr/>
-      <a:p>
-        <a:pPr>
-          <a:defRPr/>
-        </a:pPr>
-        <a:endParaRPr/>
-      </a:p>
-    </dgm:txPr>
+    <dgm:txPr/>
     <dgm:style>
       <a:lnRef idx="2">
         <a:srgbClr val="000000"/>
@@ -2834,15 +2714,7 @@
       <a:lightRig rig="threePt" dir="t"/>
     </dgm:scene3d>
     <dgm:sp3d/>
-    <dgm:txPr>
-      <a:bodyPr/>
-      <a:p>
-        <a:pPr>
-          <a:defRPr/>
-        </a:pPr>
-        <a:endParaRPr/>
-      </a:p>
-    </dgm:txPr>
+    <dgm:txPr/>
     <dgm:style>
       <a:lnRef idx="2">
         <a:srgbClr val="000000"/>
@@ -2862,15 +2734,7 @@
       <a:lightRig rig="threePt" dir="t"/>
     </dgm:scene3d>
     <dgm:sp3d/>
-    <dgm:txPr>
-      <a:bodyPr/>
-      <a:p>
-        <a:pPr>
-          <a:defRPr/>
-        </a:pPr>
-        <a:endParaRPr/>
-      </a:p>
-    </dgm:txPr>
+    <dgm:txPr/>
     <dgm:style>
       <a:lnRef idx="2">
         <a:srgbClr val="000000"/>
@@ -2890,15 +2754,7 @@
       <a:lightRig rig="threePt" dir="t"/>
     </dgm:scene3d>
     <dgm:sp3d/>
-    <dgm:txPr>
-      <a:bodyPr/>
-      <a:p>
-        <a:pPr>
-          <a:defRPr/>
-        </a:pPr>
-        <a:endParaRPr/>
-      </a:p>
-    </dgm:txPr>
+    <dgm:txPr/>
     <dgm:style>
       <a:lnRef idx="2">
         <a:srgbClr val="000000"/>
@@ -2918,15 +2774,7 @@
       <a:lightRig rig="threePt" dir="t"/>
     </dgm:scene3d>
     <dgm:sp3d/>
-    <dgm:txPr>
-      <a:bodyPr/>
-      <a:p>
-        <a:pPr>
-          <a:defRPr/>
-        </a:pPr>
-        <a:endParaRPr/>
-      </a:p>
-    </dgm:txPr>
+    <dgm:txPr/>
     <dgm:style>
       <a:lnRef idx="2">
         <a:srgbClr val="000000"/>
@@ -2946,15 +2794,7 @@
       <a:lightRig rig="threePt" dir="t"/>
     </dgm:scene3d>
     <dgm:sp3d/>
-    <dgm:txPr>
-      <a:bodyPr/>
-      <a:p>
-        <a:pPr>
-          <a:defRPr/>
-        </a:pPr>
-        <a:endParaRPr/>
-      </a:p>
-    </dgm:txPr>
+    <dgm:txPr/>
     <dgm:style>
       <a:lnRef idx="1">
         <a:srgbClr val="000000"/>
@@ -2974,15 +2814,7 @@
       <a:lightRig rig="threePt" dir="t"/>
     </dgm:scene3d>
     <dgm:sp3d/>
-    <dgm:txPr>
-      <a:bodyPr/>
-      <a:p>
-        <a:pPr>
-          <a:defRPr/>
-        </a:pPr>
-        <a:endParaRPr/>
-      </a:p>
-    </dgm:txPr>
+    <dgm:txPr/>
     <dgm:style>
       <a:lnRef idx="2">
         <a:srgbClr val="000000"/>
@@ -3002,15 +2834,7 @@
       <a:lightRig rig="threePt" dir="t"/>
     </dgm:scene3d>
     <dgm:sp3d/>
-    <dgm:txPr>
-      <a:bodyPr/>
-      <a:p>
-        <a:pPr>
-          <a:defRPr/>
-        </a:pPr>
-        <a:endParaRPr/>
-      </a:p>
-    </dgm:txPr>
+    <dgm:txPr/>
     <dgm:style>
       <a:lnRef idx="2">
         <a:srgbClr val="000000"/>
@@ -3030,15 +2854,7 @@
       <a:lightRig rig="threePt" dir="t"/>
     </dgm:scene3d>
     <dgm:sp3d/>
-    <dgm:txPr>
-      <a:bodyPr/>
-      <a:p>
-        <a:pPr>
-          <a:defRPr/>
-        </a:pPr>
-        <a:endParaRPr/>
-      </a:p>
-    </dgm:txPr>
+    <dgm:txPr/>
     <dgm:style>
       <a:lnRef idx="2">
         <a:srgbClr val="000000"/>
@@ -3058,15 +2874,7 @@
       <a:lightRig rig="threePt" dir="t"/>
     </dgm:scene3d>
     <dgm:sp3d/>
-    <dgm:txPr>
-      <a:bodyPr/>
-      <a:p>
-        <a:pPr>
-          <a:defRPr/>
-        </a:pPr>
-        <a:endParaRPr/>
-      </a:p>
-    </dgm:txPr>
+    <dgm:txPr/>
     <dgm:style>
       <a:lnRef idx="2">
         <a:srgbClr val="000000"/>
@@ -3086,15 +2894,7 @@
       <a:lightRig rig="threePt" dir="t"/>
     </dgm:scene3d>
     <dgm:sp3d/>
-    <dgm:txPr>
-      <a:bodyPr/>
-      <a:p>
-        <a:pPr>
-          <a:defRPr/>
-        </a:pPr>
-        <a:endParaRPr/>
-      </a:p>
-    </dgm:txPr>
+    <dgm:txPr/>
     <dgm:style>
       <a:lnRef idx="2">
         <a:srgbClr val="000000"/>
@@ -3114,15 +2914,7 @@
       <a:lightRig rig="threePt" dir="t"/>
     </dgm:scene3d>
     <dgm:sp3d/>
-    <dgm:txPr>
-      <a:bodyPr/>
-      <a:p>
-        <a:pPr>
-          <a:defRPr/>
-        </a:pPr>
-        <a:endParaRPr/>
-      </a:p>
-    </dgm:txPr>
+    <dgm:txPr/>
     <dgm:style>
       <a:lnRef idx="2">
         <a:srgbClr val="000000"/>
@@ -3142,15 +2934,7 @@
       <a:lightRig rig="threePt" dir="t"/>
     </dgm:scene3d>
     <dgm:sp3d/>
-    <dgm:txPr>
-      <a:bodyPr/>
-      <a:p>
-        <a:pPr>
-          <a:defRPr/>
-        </a:pPr>
-        <a:endParaRPr/>
-      </a:p>
-    </dgm:txPr>
+    <dgm:txPr/>
     <dgm:style>
       <a:lnRef idx="2">
         <a:srgbClr val="000000"/>
@@ -3170,15 +2954,7 @@
       <a:lightRig rig="threePt" dir="t"/>
     </dgm:scene3d>
     <dgm:sp3d/>
-    <dgm:txPr>
-      <a:bodyPr/>
-      <a:p>
-        <a:pPr>
-          <a:defRPr/>
-        </a:pPr>
-        <a:endParaRPr/>
-      </a:p>
-    </dgm:txPr>
+    <dgm:txPr/>
     <dgm:style>
       <a:lnRef idx="2">
         <a:srgbClr val="000000"/>
@@ -3198,15 +2974,7 @@
       <a:lightRig rig="threePt" dir="t"/>
     </dgm:scene3d>
     <dgm:sp3d/>
-    <dgm:txPr>
-      <a:bodyPr/>
-      <a:p>
-        <a:pPr>
-          <a:defRPr/>
-        </a:pPr>
-        <a:endParaRPr/>
-      </a:p>
-    </dgm:txPr>
+    <dgm:txPr/>
     <dgm:style>
       <a:lnRef idx="2">
         <a:srgbClr val="000000"/>
@@ -3226,15 +2994,7 @@
       <a:lightRig rig="threePt" dir="t"/>
     </dgm:scene3d>
     <dgm:sp3d/>
-    <dgm:txPr>
-      <a:bodyPr/>
-      <a:p>
-        <a:pPr>
-          <a:defRPr/>
-        </a:pPr>
-        <a:endParaRPr/>
-      </a:p>
-    </dgm:txPr>
+    <dgm:txPr/>
     <dgm:style>
       <a:lnRef idx="2">
         <a:srgbClr val="000000"/>
@@ -3254,15 +3014,7 @@
       <a:lightRig rig="threePt" dir="t"/>
     </dgm:scene3d>
     <dgm:sp3d/>
-    <dgm:txPr>
-      <a:bodyPr/>
-      <a:p>
-        <a:pPr>
-          <a:defRPr/>
-        </a:pPr>
-        <a:endParaRPr/>
-      </a:p>
-    </dgm:txPr>
+    <dgm:txPr/>
     <dgm:style>
       <a:lnRef idx="2">
         <a:srgbClr val="000000"/>
@@ -3282,15 +3034,7 @@
       <a:lightRig rig="threePt" dir="t"/>
     </dgm:scene3d>
     <dgm:sp3d/>
-    <dgm:txPr>
-      <a:bodyPr/>
-      <a:p>
-        <a:pPr>
-          <a:defRPr/>
-        </a:pPr>
-        <a:endParaRPr/>
-      </a:p>
-    </dgm:txPr>
+    <dgm:txPr/>
     <dgm:style>
       <a:lnRef idx="0">
         <a:srgbClr val="000000"/>
@@ -3310,15 +3054,7 @@
       <a:lightRig rig="threePt" dir="t"/>
     </dgm:scene3d>
     <dgm:sp3d/>
-    <dgm:txPr>
-      <a:bodyPr/>
-      <a:p>
-        <a:pPr>
-          <a:defRPr/>
-        </a:pPr>
-        <a:endParaRPr/>
-      </a:p>
-    </dgm:txPr>
+    <dgm:txPr/>
     <dgm:style>
       <a:lnRef idx="0">
         <a:srgbClr val="000000"/>
@@ -3338,15 +3074,7 @@
       <a:lightRig rig="threePt" dir="t"/>
     </dgm:scene3d>
     <dgm:sp3d/>
-    <dgm:txPr>
-      <a:bodyPr/>
-      <a:p>
-        <a:pPr>
-          <a:defRPr/>
-        </a:pPr>
-        <a:endParaRPr/>
-      </a:p>
-    </dgm:txPr>
+    <dgm:txPr/>
     <dgm:style>
       <a:lnRef idx="0">
         <a:srgbClr val="000000"/>
@@ -3366,15 +3094,7 @@
       <a:lightRig rig="threePt" dir="t"/>
     </dgm:scene3d>
     <dgm:sp3d/>
-    <dgm:txPr>
-      <a:bodyPr/>
-      <a:p>
-        <a:pPr>
-          <a:defRPr/>
-        </a:pPr>
-        <a:endParaRPr/>
-      </a:p>
-    </dgm:txPr>
+    <dgm:txPr/>
     <dgm:style>
       <a:lnRef idx="2">
         <a:srgbClr val="000000"/>
@@ -3394,15 +3114,7 @@
       <a:lightRig rig="threePt" dir="t"/>
     </dgm:scene3d>
     <dgm:sp3d/>
-    <dgm:txPr>
-      <a:bodyPr/>
-      <a:p>
-        <a:pPr>
-          <a:defRPr/>
-        </a:pPr>
-        <a:endParaRPr/>
-      </a:p>
-    </dgm:txPr>
+    <dgm:txPr/>
     <dgm:style>
       <a:lnRef idx="0">
         <a:srgbClr val="000000"/>
@@ -3420,7 +3132,7 @@
 </file>
 
 <file path=ppt/slideLayouts/slideLayout1.xml><?xml version="1.0" encoding="utf-8"?>
-<p:sldLayout xmlns:a="http://schemas.openxmlformats.org/drawingml/2006/main" xmlns:r="http://schemas.openxmlformats.org/officeDocument/2006/relationships" xmlns:p="http://schemas.openxmlformats.org/presentationml/2006/main" xmlns:m="http://schemas.openxmlformats.org/officeDocument/2006/math" xmlns:w="http://schemas.openxmlformats.org/wordprocessingml/2006/main" matchingName="" preserve="1" showMasterPhAnim="0" type="obj" userDrawn="1">
+<p:sldLayout xmlns:a="http://schemas.openxmlformats.org/drawingml/2006/main" xmlns:r="http://schemas.openxmlformats.org/officeDocument/2006/relationships" xmlns:p="http://schemas.openxmlformats.org/presentationml/2006/main" showMasterPhAnim="0" type="obj" preserve="1" userDrawn="1">
   <p:cSld name="Title Slide">
     <p:spTree>
       <p:nvGrpSpPr>
@@ -3570,7 +3282,7 @@
             </a:pPr>
             <a:fld id="{1D8BD707-D9CF-40AE-B4C6-C98DA3205C09}" type="datetimeFigureOut">
               <a:rPr lang="en-US"/>
-              <a:t/>
+              <a:t>6/1/2023</a:t>
             </a:fld>
             <a:endParaRPr/>
           </a:p>
@@ -3606,7 +3318,7 @@
             </a:pPr>
             <a:fld id="{B6F15528-21DE-4FAA-801E-634DDDAF4B2B}" type="slidenum">
               <a:rPr/>
-              <a:t/>
+              <a:t>‹#›</a:t>
             </a:fld>
             <a:endParaRPr/>
           </a:p>
@@ -3621,7 +3333,7 @@
 </file>
 
 <file path=ppt/slideLayouts/slideLayout2.xml><?xml version="1.0" encoding="utf-8"?>
-<p:sldLayout xmlns:a="http://schemas.openxmlformats.org/drawingml/2006/main" xmlns:r="http://schemas.openxmlformats.org/officeDocument/2006/relationships" xmlns:p="http://schemas.openxmlformats.org/presentationml/2006/main" xmlns:m="http://schemas.openxmlformats.org/officeDocument/2006/math" xmlns:w="http://schemas.openxmlformats.org/wordprocessingml/2006/main" matchingName="" preserve="1" showMasterPhAnim="0" type="obj" userDrawn="1">
+<p:sldLayout xmlns:a="http://schemas.openxmlformats.org/drawingml/2006/main" xmlns:r="http://schemas.openxmlformats.org/officeDocument/2006/relationships" xmlns:p="http://schemas.openxmlformats.org/presentationml/2006/main" showMasterPhAnim="0" type="obj" preserve="1" userDrawn="1">
   <p:cSld name="Title and Content">
     <p:spTree>
       <p:nvGrpSpPr>
@@ -3757,7 +3469,7 @@
             </a:pPr>
             <a:fld id="{1D8BD707-D9CF-40AE-B4C6-C98DA3205C09}" type="datetimeFigureOut">
               <a:rPr lang="en-US"/>
-              <a:t/>
+              <a:t>6/1/2023</a:t>
             </a:fld>
             <a:endParaRPr/>
           </a:p>
@@ -3793,7 +3505,7 @@
             </a:pPr>
             <a:fld id="{B6F15528-21DE-4FAA-801E-634DDDAF4B2B}" type="slidenum">
               <a:rPr/>
-              <a:t/>
+              <a:t>‹#›</a:t>
             </a:fld>
             <a:endParaRPr/>
           </a:p>
@@ -3808,7 +3520,7 @@
 </file>
 
 <file path=ppt/slideLayouts/slideLayout3.xml><?xml version="1.0" encoding="utf-8"?>
-<p:sldLayout xmlns:a="http://schemas.openxmlformats.org/drawingml/2006/main" xmlns:r="http://schemas.openxmlformats.org/officeDocument/2006/relationships" xmlns:p="http://schemas.openxmlformats.org/presentationml/2006/main" xmlns:m="http://schemas.openxmlformats.org/officeDocument/2006/math" xmlns:w="http://schemas.openxmlformats.org/wordprocessingml/2006/main" matchingName="" preserve="1" showMasterPhAnim="0" type="obj" userDrawn="1">
+<p:sldLayout xmlns:a="http://schemas.openxmlformats.org/drawingml/2006/main" xmlns:r="http://schemas.openxmlformats.org/officeDocument/2006/relationships" xmlns:p="http://schemas.openxmlformats.org/presentationml/2006/main" showMasterPhAnim="0" type="obj" preserve="1" userDrawn="1">
   <p:cSld name="Two Content">
     <p:spTree>
       <p:nvGrpSpPr>
@@ -3990,7 +3702,7 @@
             </a:pPr>
             <a:fld id="{1D8BD707-D9CF-40AE-B4C6-C98DA3205C09}" type="datetimeFigureOut">
               <a:rPr lang="en-US"/>
-              <a:t/>
+              <a:t>6/1/2023</a:t>
             </a:fld>
             <a:endParaRPr/>
           </a:p>
@@ -4026,7 +3738,7 @@
             </a:pPr>
             <a:fld id="{B6F15528-21DE-4FAA-801E-634DDDAF4B2B}" type="slidenum">
               <a:rPr/>
-              <a:t/>
+              <a:t>‹#›</a:t>
             </a:fld>
             <a:endParaRPr/>
           </a:p>
@@ -4041,7 +3753,7 @@
 </file>
 
 <file path=ppt/slideLayouts/slideLayout4.xml><?xml version="1.0" encoding="utf-8"?>
-<p:sldLayout xmlns:a="http://schemas.openxmlformats.org/drawingml/2006/main" xmlns:r="http://schemas.openxmlformats.org/officeDocument/2006/relationships" xmlns:p="http://schemas.openxmlformats.org/presentationml/2006/main" xmlns:m="http://schemas.openxmlformats.org/officeDocument/2006/math" xmlns:w="http://schemas.openxmlformats.org/wordprocessingml/2006/main" matchingName="" preserve="1" showMasterPhAnim="0" type="obj" userDrawn="1">
+<p:sldLayout xmlns:a="http://schemas.openxmlformats.org/drawingml/2006/main" xmlns:r="http://schemas.openxmlformats.org/officeDocument/2006/relationships" xmlns:p="http://schemas.openxmlformats.org/presentationml/2006/main" showMasterPhAnim="0" type="obj" preserve="1" userDrawn="1">
   <p:cSld name="Title Only">
     <p:spTree>
       <p:nvGrpSpPr>
@@ -4151,7 +3863,7 @@
             </a:pPr>
             <a:fld id="{1D8BD707-D9CF-40AE-B4C6-C98DA3205C09}" type="datetimeFigureOut">
               <a:rPr lang="en-US"/>
-              <a:t/>
+              <a:t>6/1/2023</a:t>
             </a:fld>
             <a:endParaRPr/>
           </a:p>
@@ -4187,7 +3899,7 @@
             </a:pPr>
             <a:fld id="{B6F15528-21DE-4FAA-801E-634DDDAF4B2B}" type="slidenum">
               <a:rPr/>
-              <a:t/>
+              <a:t>‹#›</a:t>
             </a:fld>
             <a:endParaRPr/>
           </a:p>
@@ -4202,7 +3914,7 @@
 </file>
 
 <file path=ppt/slideLayouts/slideLayout5.xml><?xml version="1.0" encoding="utf-8"?>
-<p:sldLayout xmlns:a="http://schemas.openxmlformats.org/drawingml/2006/main" xmlns:r="http://schemas.openxmlformats.org/officeDocument/2006/relationships" xmlns:p="http://schemas.openxmlformats.org/presentationml/2006/main" xmlns:m="http://schemas.openxmlformats.org/officeDocument/2006/math" xmlns:w="http://schemas.openxmlformats.org/wordprocessingml/2006/main" matchingName="" preserve="1" showMasterPhAnim="0" type="obj" userDrawn="1">
+<p:sldLayout xmlns:a="http://schemas.openxmlformats.org/drawingml/2006/main" xmlns:r="http://schemas.openxmlformats.org/officeDocument/2006/relationships" xmlns:p="http://schemas.openxmlformats.org/presentationml/2006/main" showMasterPhAnim="0" type="obj" preserve="1" userDrawn="1">
   <p:cSld name="Blank">
     <p:spTree>
       <p:nvGrpSpPr>
@@ -4280,7 +3992,7 @@
             </a:pPr>
             <a:fld id="{1D8BD707-D9CF-40AE-B4C6-C98DA3205C09}" type="datetimeFigureOut">
               <a:rPr lang="en-US"/>
-              <a:t/>
+              <a:t>6/1/2023</a:t>
             </a:fld>
             <a:endParaRPr/>
           </a:p>
@@ -4316,7 +4028,7 @@
             </a:pPr>
             <a:fld id="{B6F15528-21DE-4FAA-801E-634DDDAF4B2B}" type="slidenum">
               <a:rPr/>
-              <a:t/>
+              <a:t>‹#›</a:t>
             </a:fld>
             <a:endParaRPr/>
           </a:p>
@@ -4331,13 +4043,14 @@
 </file>
 
 <file path=ppt/slideMasters/slideMaster1.xml><?xml version="1.0" encoding="utf-8"?>
-<p:sldMaster xmlns:a="http://schemas.openxmlformats.org/drawingml/2006/main" xmlns:r="http://schemas.openxmlformats.org/officeDocument/2006/relationships" xmlns:p="http://schemas.openxmlformats.org/presentationml/2006/main" xmlns:m="http://schemas.openxmlformats.org/officeDocument/2006/math" xmlns:w="http://schemas.openxmlformats.org/wordprocessingml/2006/main" preserve="0">
-  <p:cSld name="">
+<p:sldMaster xmlns:a="http://schemas.openxmlformats.org/drawingml/2006/main" xmlns:r="http://schemas.openxmlformats.org/officeDocument/2006/relationships" xmlns:p="http://schemas.openxmlformats.org/presentationml/2006/main">
+  <p:cSld>
     <p:bg>
-      <p:bgPr shadeToTitle="0">
+      <p:bgPr>
         <a:solidFill>
           <a:schemeClr val="bg1"/>
         </a:solidFill>
+        <a:effectLst/>
       </p:bgPr>
     </p:bg>
     <p:spTree>
@@ -4372,7 +4085,7 @@
             <a:cxnLst/>
             <a:rect l="l" t="t" r="r" b="b"/>
             <a:pathLst>
-              <a:path w="9944100" h="5591175" fill="norm" stroke="1" extrusionOk="0">
+              <a:path w="9944100" h="5591175" extrusionOk="0">
                 <a:moveTo>
                   <a:pt x="9732199" y="5591174"/>
                 </a:moveTo>
@@ -4666,7 +4379,7 @@
             </a:pPr>
             <a:fld id="{1D8BD707-D9CF-40AE-B4C6-C98DA3205C09}" type="datetimeFigureOut">
               <a:rPr lang="en-US"/>
-              <a:t/>
+              <a:t>6/1/2023</a:t>
             </a:fld>
             <a:endParaRPr/>
           </a:p>
@@ -4712,7 +4425,7 @@
             </a:pPr>
             <a:fld id="{B6F15528-21DE-4FAA-801E-634DDDAF4B2B}" type="slidenum">
               <a:rPr/>
-              <a:t/>
+              <a:t>‹#›</a:t>
             </a:fld>
             <a:endParaRPr/>
           </a:p>
@@ -4728,7 +4441,7 @@
     <p:sldLayoutId id="2147483652" r:id="rId4"/>
     <p:sldLayoutId id="2147483653" r:id="rId5"/>
   </p:sldLayoutIdLst>
-  <p:hf dt="0" ftr="0" hdr="0" sldNum="1"/>
+  <p:hf hdr="0" ftr="0" dt="0"/>
   <p:txStyles>
     <p:titleStyle>
       <a:lvl1pPr>
@@ -4874,13 +4587,14 @@
 </file>
 
 <file path=ppt/slides/slide1.xml><?xml version="1.0" encoding="utf-8"?>
-<p:sld xmlns:a="http://schemas.openxmlformats.org/drawingml/2006/main" xmlns:r="http://schemas.openxmlformats.org/officeDocument/2006/relationships" xmlns:p="http://schemas.openxmlformats.org/presentationml/2006/main" xmlns:m="http://schemas.openxmlformats.org/officeDocument/2006/math" xmlns:w="http://schemas.openxmlformats.org/wordprocessingml/2006/main" showMasterPhAnim="0" show="1">
-  <p:cSld name="">
+<p:sld xmlns:a="http://schemas.openxmlformats.org/drawingml/2006/main" xmlns:r="http://schemas.openxmlformats.org/officeDocument/2006/relationships" xmlns:p="http://schemas.openxmlformats.org/presentationml/2006/main" showMasterPhAnim="0">
+  <p:cSld>
     <p:bg>
-      <p:bgPr shadeToTitle="0">
+      <p:bgPr>
         <a:solidFill>
           <a:schemeClr val="bg2"/>
         </a:solidFill>
+        <a:effectLst/>
       </p:bgPr>
     </p:bg>
     <p:spTree>
@@ -4910,7 +4624,7 @@
         <p:spPr bwMode="auto">
           <a:xfrm>
             <a:off x="1908967" y="1997740"/>
-            <a:ext cx="8403909" cy="2257017"/>
+            <a:ext cx="8403909" cy="2791213"/>
           </a:xfrm>
           <a:prstGeom prst="rect">
             <a:avLst/>
@@ -4932,244 +4646,97 @@
               <a:defRPr/>
             </a:pPr>
             <a:r>
-              <a:rPr sz="3950" spc="-85"/>
-              <a:t>Б</a:t>
-            </a:r>
-            <a:r>
-              <a:rPr sz="3950" spc="-30"/>
-              <a:t>ло</a:t>
-            </a:r>
-            <a:r>
-              <a:rPr sz="3950" spc="-190"/>
-              <a:t>к</a:t>
-            </a:r>
-            <a:r>
-              <a:rPr sz="3950" spc="-30"/>
-              <a:t>че</a:t>
-            </a:r>
-            <a:r>
-              <a:rPr sz="3950" spc="-35"/>
-              <a:t>йн</a:t>
-            </a:r>
-            <a:r>
-              <a:rPr sz="2750" b="0" spc="425">
+              <a:rPr lang="ru-RU" sz="3950" spc="-85" dirty="0" err="1"/>
+              <a:t>Однорангова</a:t>
+            </a:r>
+            <a:r>
+              <a:rPr lang="ru-RU" sz="3950" spc="-85" dirty="0"/>
+              <a:t> мережа на </a:t>
+            </a:r>
+            <a:r>
+              <a:rPr lang="ru-RU" sz="3950" spc="-85" dirty="0" err="1"/>
+              <a:t>основі</a:t>
+            </a:r>
+            <a:r>
+              <a:rPr lang="ru-RU" sz="3950" spc="-85" dirty="0"/>
+              <a:t> блокчейн для </a:t>
+            </a:r>
+            <a:r>
+              <a:rPr lang="ru-RU" sz="3950" spc="-85" dirty="0" err="1"/>
+              <a:t>автоматизованої</a:t>
+            </a:r>
+            <a:r>
+              <a:rPr lang="ru-RU" sz="3950" spc="-85" dirty="0"/>
+              <a:t> </a:t>
+            </a:r>
+            <a:r>
+              <a:rPr lang="ru-RU" sz="3950" spc="-85" dirty="0" err="1"/>
+              <a:t>платіжної</a:t>
+            </a:r>
+            <a:r>
+              <a:rPr lang="ru-RU" sz="3950" spc="-85" dirty="0"/>
+              <a:t> </a:t>
+            </a:r>
+            <a:r>
+              <a:rPr lang="ru-RU" sz="3950" spc="-85" dirty="0" err="1"/>
+              <a:t>системи</a:t>
+            </a:r>
+            <a:r>
+              <a:rPr sz="2750" b="0" spc="320" dirty="0">
                 <a:latin typeface="Constantia"/>
                 <a:cs typeface="Constantia"/>
               </a:rPr>
-              <a:t>-</a:t>
-            </a:r>
-            <a:r>
-              <a:rPr sz="3950" spc="-35"/>
-              <a:t>п</a:t>
-            </a:r>
-            <a:r>
-              <a:rPr sz="3950" spc="-30"/>
-              <a:t>л</a:t>
-            </a:r>
-            <a:r>
-              <a:rPr sz="3950" spc="-140"/>
-              <a:t>а</a:t>
-            </a:r>
-            <a:r>
-              <a:rPr sz="3950" spc="-35"/>
+              <a:t>:  </a:t>
+            </a:r>
+            <a:r>
+              <a:rPr sz="3950" spc="-35" dirty="0" err="1"/>
+              <a:t>захис</a:t>
+            </a:r>
+            <a:r>
+              <a:rPr sz="3950" spc="5" dirty="0" err="1"/>
               <a:t>т</a:t>
             </a:r>
             <a:r>
-              <a:rPr sz="3950" spc="-35"/>
-              <a:t>ф</a:t>
-            </a:r>
-            <a:r>
-              <a:rPr sz="3950" spc="-35"/>
-              <a:t>о</a:t>
-            </a:r>
-            <a:r>
-              <a:rPr sz="3950" spc="-95"/>
-              <a:t>р</a:t>
-            </a:r>
-            <a:r>
-              <a:rPr sz="3950" spc="-60"/>
-              <a:t>м</a:t>
-            </a:r>
-            <a:r>
-              <a:rPr sz="3950" spc="5"/>
-              <a:t>а</a:t>
-            </a:r>
-            <a:r>
-              <a:rPr sz="3950" spc="-235"/>
+              <a:rPr sz="3950" spc="-235" dirty="0"/>
               <a:t> </a:t>
             </a:r>
             <a:r>
-              <a:rPr sz="3950" spc="-30"/>
-              <a:t>дл</a:t>
-            </a:r>
-            <a:r>
-              <a:rPr sz="3950" spc="5"/>
-              <a:t>я  </a:t>
-            </a:r>
-            <a:r>
-              <a:rPr sz="3950" spc="-35"/>
-              <a:t>а</a:t>
-            </a:r>
-            <a:r>
-              <a:rPr sz="3950" spc="-130"/>
-              <a:t>в</a:t>
-            </a:r>
-            <a:r>
-              <a:rPr sz="3950" spc="-90"/>
+              <a:rPr sz="3950" spc="-35" dirty="0" err="1"/>
+              <a:t>зві</a:t>
+            </a:r>
+            <a:r>
+              <a:rPr sz="3950" spc="-90" dirty="0" err="1"/>
               <a:t>т</a:t>
             </a:r>
             <a:r>
-              <a:rPr sz="3950" spc="-114"/>
-              <a:t>о</a:t>
-            </a:r>
-            <a:r>
-              <a:rPr sz="3950" spc="-60"/>
-              <a:t>м</a:t>
-            </a:r>
-            <a:r>
-              <a:rPr sz="3950" spc="-140"/>
-              <a:t>а</a:t>
-            </a:r>
-            <a:r>
-              <a:rPr sz="3950" spc="-35"/>
-              <a:t>т</a:t>
-            </a:r>
-            <a:r>
-              <a:rPr sz="3950" spc="-35"/>
-              <a:t>и</a:t>
-            </a:r>
-            <a:r>
-              <a:rPr sz="3950" spc="-60"/>
+              <a:rPr sz="3950" spc="5" dirty="0" err="1"/>
+              <a:t>у</a:t>
+            </a:r>
+            <a:r>
+              <a:rPr sz="3950" spc="-235" dirty="0"/>
+              <a:t> </a:t>
+            </a:r>
+            <a:r>
+              <a:rPr sz="3950" spc="5" dirty="0"/>
               <a:t>з</a:t>
             </a:r>
             <a:r>
-              <a:rPr sz="3950" spc="-135"/>
-              <a:t>о</a:t>
-            </a:r>
-            <a:r>
-              <a:rPr sz="3950" spc="-30"/>
-              <a:t>ва</a:t>
-            </a:r>
-            <a:r>
-              <a:rPr sz="3950" spc="-35"/>
-              <a:t>н</a:t>
-            </a:r>
-            <a:r>
-              <a:rPr sz="3950" spc="-35"/>
-              <a:t>о</a:t>
-            </a:r>
-            <a:r>
-              <a:rPr sz="3950" spc="5"/>
-              <a:t>ї</a:t>
-            </a:r>
-            <a:r>
-              <a:rPr sz="3950" spc="-235"/>
+              <a:rPr sz="3950" spc="-235" dirty="0"/>
               <a:t> </a:t>
             </a:r>
             <a:r>
-              <a:rPr sz="3950" spc="-35"/>
-              <a:t>п</a:t>
-            </a:r>
-            <a:r>
-              <a:rPr sz="3950" spc="-30"/>
-              <a:t>л</a:t>
-            </a:r>
-            <a:r>
-              <a:rPr sz="3950" spc="-140"/>
-              <a:t>а</a:t>
-            </a:r>
-            <a:r>
-              <a:rPr sz="3950" spc="-35"/>
-              <a:t>ті</a:t>
-            </a:r>
-            <a:r>
-              <a:rPr sz="3950" spc="-35"/>
-              <a:t>жн</a:t>
-            </a:r>
-            <a:r>
-              <a:rPr sz="3950" spc="-35"/>
-              <a:t>о</a:t>
-            </a:r>
-            <a:r>
-              <a:rPr sz="3950" spc="5"/>
-              <a:t>ї</a:t>
-            </a:r>
-            <a:r>
-              <a:rPr sz="3950" spc="-235"/>
+              <a:rPr sz="3950" spc="-35" dirty="0" err="1"/>
+              <a:t>курсової</a:t>
+            </a:r>
+            <a:r>
+              <a:rPr sz="3950" spc="-35" dirty="0"/>
               <a:t> </a:t>
             </a:r>
             <a:r>
-              <a:rPr sz="3950" spc="-35"/>
-              <a:t>с</a:t>
-            </a:r>
-            <a:r>
-              <a:rPr sz="3950" spc="-35"/>
-              <a:t>и</a:t>
-            </a:r>
-            <a:r>
-              <a:rPr sz="3950" spc="-35"/>
-              <a:t>сте</a:t>
-            </a:r>
-            <a:r>
-              <a:rPr sz="3950" spc="-35"/>
-              <a:t>ми</a:t>
-            </a:r>
-            <a:r>
-              <a:rPr sz="2750" b="0" spc="320">
-                <a:latin typeface="Constantia"/>
-                <a:cs typeface="Constantia"/>
-              </a:rPr>
-              <a:t>:  </a:t>
-            </a:r>
-            <a:r>
-              <a:rPr sz="3950" spc="-35"/>
-              <a:t>зах</a:t>
-            </a:r>
-            <a:r>
-              <a:rPr sz="3950" spc="-35"/>
-              <a:t>и</a:t>
-            </a:r>
-            <a:r>
-              <a:rPr sz="3950" spc="-35"/>
-              <a:t>с</a:t>
-            </a:r>
-            <a:r>
-              <a:rPr sz="3950" spc="5"/>
-              <a:t>т</a:t>
-            </a:r>
-            <a:r>
-              <a:rPr sz="3950" spc="-235"/>
-              <a:t> </a:t>
-            </a:r>
-            <a:r>
-              <a:rPr sz="3950" spc="-35"/>
-              <a:t>зві</a:t>
-            </a:r>
-            <a:r>
-              <a:rPr sz="3950" spc="-90"/>
-              <a:t>т</a:t>
-            </a:r>
-            <a:r>
-              <a:rPr sz="3950" spc="5"/>
-              <a:t>у</a:t>
-            </a:r>
-            <a:r>
-              <a:rPr sz="3950" spc="-235"/>
-              <a:t> </a:t>
-            </a:r>
-            <a:r>
-              <a:rPr sz="3950" spc="5"/>
-              <a:t>з</a:t>
-            </a:r>
-            <a:r>
-              <a:rPr sz="3950" spc="-235"/>
-              <a:t> </a:t>
-            </a:r>
-            <a:r>
-              <a:rPr sz="3950" spc="-35"/>
-              <a:t>курсової роботи</a:t>
-            </a:r>
-            <a:endParaRPr sz="3950">
+              <a:rPr sz="3950" spc="-35" dirty="0" err="1"/>
+              <a:t>роботи</a:t>
+            </a:r>
+            <a:endParaRPr sz="3950" dirty="0">
               <a:latin typeface="Constantia"/>
               <a:cs typeface="Constantia"/>
             </a:endParaRPr>
@@ -5185,7 +4752,7 @@
               <a:defRPr/>
             </a:pPr>
             <a:r>
-              <a:rPr sz="1400" b="0" spc="10">
+              <a:rPr sz="1400" b="0" spc="10" dirty="0" err="1">
                 <a:solidFill>
                   <a:srgbClr val="777064"/>
                 </a:solidFill>
@@ -5195,7 +4762,7 @@
               <a:t>виконав</a:t>
             </a:r>
             <a:r>
-              <a:rPr sz="1000" b="0" spc="10">
+              <a:rPr sz="1000" b="0" spc="10" dirty="0">
                 <a:solidFill>
                   <a:srgbClr val="777064"/>
                 </a:solidFill>
@@ -5205,7 +4772,7 @@
               <a:t>: </a:t>
             </a:r>
             <a:r>
-              <a:rPr sz="1400" b="0" spc="105">
+              <a:rPr sz="1400" b="0" spc="105" dirty="0">
                 <a:solidFill>
                   <a:srgbClr val="777064"/>
                 </a:solidFill>
@@ -5215,7 +4782,7 @@
               <a:t>ІПЗ</a:t>
             </a:r>
             <a:r>
-              <a:rPr sz="1000" b="0" spc="105">
+              <a:rPr sz="1000" b="0" spc="105" dirty="0">
                 <a:solidFill>
                   <a:srgbClr val="777064"/>
                 </a:solidFill>
@@ -5225,7 +4792,7 @@
               <a:t>-</a:t>
             </a:r>
             <a:r>
-              <a:rPr sz="1050" b="0" spc="105">
+              <a:rPr sz="1050" b="0" spc="105" dirty="0">
                 <a:solidFill>
                   <a:srgbClr val="777064"/>
                 </a:solidFill>
@@ -5235,47 +4802,87 @@
               <a:t>33 </a:t>
             </a:r>
             <a:r>
-              <a:rPr sz="1400" b="0" spc="-20">
+              <a:rPr sz="1400" b="0" spc="-20" dirty="0" err="1">
                 <a:solidFill>
                   <a:srgbClr val="777064"/>
                 </a:solidFill>
                 <a:latin typeface="Times New Roman"/>
                 <a:cs typeface="Times New Roman"/>
               </a:rPr>
-              <a:t>Гоша </a:t>
-            </a:r>
-            <a:r>
-              <a:rPr sz="1400" b="0" spc="10">
+              <a:t>Гоша</a:t>
+            </a:r>
+            <a:r>
+              <a:rPr sz="1400" b="0" spc="-20" dirty="0">
                 <a:solidFill>
                   <a:srgbClr val="777064"/>
                 </a:solidFill>
                 <a:latin typeface="Times New Roman"/>
                 <a:cs typeface="Times New Roman"/>
               </a:rPr>
-              <a:t>Давід </a:t>
-            </a:r>
-            <a:r>
-              <a:rPr sz="1400" b="0" spc="5">
+              <a:t> </a:t>
+            </a:r>
+            <a:r>
+              <a:rPr sz="1400" b="0" spc="10" dirty="0" err="1">
                 <a:solidFill>
                   <a:srgbClr val="777064"/>
                 </a:solidFill>
                 <a:latin typeface="Times New Roman"/>
                 <a:cs typeface="Times New Roman"/>
               </a:rPr>
-              <a:t>Олександрович </a:t>
-            </a:r>
-            <a:r>
-              <a:rPr sz="1400" b="0" spc="10">
+              <a:t>Давід</a:t>
+            </a:r>
+            <a:r>
+              <a:rPr sz="1400" b="0" spc="10" dirty="0">
                 <a:solidFill>
                   <a:srgbClr val="777064"/>
                 </a:solidFill>
                 <a:latin typeface="Times New Roman"/>
                 <a:cs typeface="Times New Roman"/>
               </a:rPr>
-              <a:t> керівник</a:t>
-            </a:r>
-            <a:r>
-              <a:rPr sz="1000" b="0" spc="10">
+              <a:t> </a:t>
+            </a:r>
+            <a:r>
+              <a:rPr sz="1400" b="0" spc="5" dirty="0" err="1">
+                <a:solidFill>
+                  <a:srgbClr val="777064"/>
+                </a:solidFill>
+                <a:latin typeface="Times New Roman"/>
+                <a:cs typeface="Times New Roman"/>
+              </a:rPr>
+              <a:t>Олександрович</a:t>
+            </a:r>
+            <a:r>
+              <a:rPr sz="1400" b="0" spc="5" dirty="0">
+                <a:solidFill>
+                  <a:srgbClr val="777064"/>
+                </a:solidFill>
+                <a:latin typeface="Times New Roman"/>
+                <a:cs typeface="Times New Roman"/>
+              </a:rPr>
+              <a:t> </a:t>
+            </a:r>
+            <a:r>
+              <a:rPr sz="1400" b="0" spc="10" dirty="0">
+                <a:solidFill>
+                  <a:srgbClr val="777064"/>
+                </a:solidFill>
+                <a:latin typeface="Times New Roman"/>
+                <a:cs typeface="Times New Roman"/>
+              </a:rPr>
+              <a:t> </a:t>
+            </a:r>
+            <a:r>
+              <a:rPr sz="1400" b="0" spc="10" dirty="0" err="1">
+                <a:solidFill>
+                  <a:srgbClr val="777064"/>
+                </a:solidFill>
+                <a:latin typeface="Times New Roman"/>
+                <a:cs typeface="Times New Roman"/>
+              </a:rPr>
+              <a:t>керівник</a:t>
+            </a:r>
+            <a:r>
+              <a:rPr sz="1000" b="0" spc="10" dirty="0">
                 <a:solidFill>
                   <a:srgbClr val="777064"/>
                 </a:solidFill>
@@ -5285,7 +4892,7 @@
               <a:t>:</a:t>
             </a:r>
             <a:r>
-              <a:rPr sz="1000" b="0" spc="80">
+              <a:rPr sz="1000" b="0" spc="80" dirty="0">
                 <a:solidFill>
                   <a:srgbClr val="777064"/>
                 </a:solidFill>
@@ -5295,7 +4902,7 @@
               <a:t> </a:t>
             </a:r>
             <a:r>
-              <a:rPr sz="1400" b="0" spc="50">
+              <a:rPr sz="1400" b="0" spc="50" dirty="0" err="1">
                 <a:solidFill>
                   <a:srgbClr val="777064"/>
                 </a:solidFill>
@@ -5305,7 +4912,7 @@
               <a:t>д</a:t>
             </a:r>
             <a:r>
-              <a:rPr sz="1000" b="0" spc="50">
+              <a:rPr sz="1000" b="0" spc="50" dirty="0" err="1">
                 <a:solidFill>
                   <a:srgbClr val="777064"/>
                 </a:solidFill>
@@ -5315,7 +4922,7 @@
               <a:t>.</a:t>
             </a:r>
             <a:r>
-              <a:rPr sz="1400" b="0" spc="50">
+              <a:rPr sz="1400" b="0" spc="50" dirty="0" err="1">
                 <a:solidFill>
                   <a:srgbClr val="777064"/>
                 </a:solidFill>
@@ -5325,7 +4932,7 @@
               <a:t>т</a:t>
             </a:r>
             <a:r>
-              <a:rPr sz="1000" b="0" spc="50">
+              <a:rPr sz="1000" b="0" spc="50" dirty="0" err="1">
                 <a:solidFill>
                   <a:srgbClr val="777064"/>
                 </a:solidFill>
@@ -5335,7 +4942,7 @@
               <a:t>.</a:t>
             </a:r>
             <a:r>
-              <a:rPr sz="1400" b="0" spc="50">
+              <a:rPr sz="1400" b="0" spc="50" dirty="0" err="1">
                 <a:solidFill>
                   <a:srgbClr val="777064"/>
                 </a:solidFill>
@@ -5345,7 +4952,7 @@
               <a:t>н</a:t>
             </a:r>
             <a:r>
-              <a:rPr sz="1000" b="0" spc="50">
+              <a:rPr sz="1000" b="0" spc="50" dirty="0">
                 <a:solidFill>
                   <a:srgbClr val="777064"/>
                 </a:solidFill>
@@ -5355,7 +4962,7 @@
               <a:t>.</a:t>
             </a:r>
             <a:r>
-              <a:rPr sz="1000" b="0" spc="45">
+              <a:rPr sz="1000" b="0" spc="45" dirty="0">
                 <a:solidFill>
                   <a:srgbClr val="777064"/>
                 </a:solidFill>
@@ -5365,7 +4972,7 @@
               <a:t> </a:t>
             </a:r>
             <a:r>
-              <a:rPr sz="1400" b="0" spc="50">
+              <a:rPr sz="1400" b="0" spc="50" dirty="0" err="1">
                 <a:solidFill>
                   <a:srgbClr val="777064"/>
                 </a:solidFill>
@@ -5375,7 +4982,7 @@
               <a:t>с</a:t>
             </a:r>
             <a:r>
-              <a:rPr sz="1000" b="0" spc="50">
+              <a:rPr sz="1000" b="0" spc="50" dirty="0" err="1">
                 <a:solidFill>
                   <a:srgbClr val="777064"/>
                 </a:solidFill>
@@ -5385,7 +4992,7 @@
               <a:t>.</a:t>
             </a:r>
             <a:r>
-              <a:rPr sz="1400" b="0" spc="50">
+              <a:rPr sz="1400" b="0" spc="50" dirty="0" err="1">
                 <a:solidFill>
                   <a:srgbClr val="777064"/>
                 </a:solidFill>
@@ -5395,7 +5002,7 @@
               <a:t>н</a:t>
             </a:r>
             <a:r>
-              <a:rPr sz="1000" b="0" spc="50">
+              <a:rPr sz="1000" b="0" spc="50" dirty="0" err="1">
                 <a:solidFill>
                   <a:srgbClr val="777064"/>
                 </a:solidFill>
@@ -5405,7 +5012,7 @@
               <a:t>.</a:t>
             </a:r>
             <a:r>
-              <a:rPr sz="1400" b="0" spc="50">
+              <a:rPr sz="1400" b="0" spc="50" dirty="0" err="1">
                 <a:solidFill>
                   <a:srgbClr val="777064"/>
                 </a:solidFill>
@@ -5415,7 +5022,7 @@
               <a:t>с</a:t>
             </a:r>
             <a:r>
-              <a:rPr sz="1000" b="0" spc="50">
+              <a:rPr sz="1000" b="0" spc="50" dirty="0">
                 <a:solidFill>
                   <a:srgbClr val="777064"/>
                 </a:solidFill>
@@ -5425,7 +5032,7 @@
               <a:t>.</a:t>
             </a:r>
             <a:r>
-              <a:rPr sz="1000" b="0" spc="45">
+              <a:rPr sz="1000" b="0" spc="45" dirty="0">
                 <a:solidFill>
                   <a:srgbClr val="777064"/>
                 </a:solidFill>
@@ -5435,7 +5042,7 @@
               <a:t> </a:t>
             </a:r>
             <a:r>
-              <a:rPr sz="1400" b="0" spc="10">
+              <a:rPr sz="1400" b="0" spc="10" dirty="0" err="1">
                 <a:solidFill>
                   <a:srgbClr val="777064"/>
                 </a:solidFill>
@@ -5445,7 +5052,7 @@
               <a:t>Порєв</a:t>
             </a:r>
             <a:r>
-              <a:rPr sz="1400" b="0" spc="-15">
+              <a:rPr sz="1400" b="0" spc="-15" dirty="0">
                 <a:solidFill>
                   <a:srgbClr val="777064"/>
                 </a:solidFill>
@@ -5455,7 +5062,7 @@
               <a:t> </a:t>
             </a:r>
             <a:r>
-              <a:rPr sz="1400" b="0" spc="-5">
+              <a:rPr sz="1400" b="0" spc="-5" dirty="0" err="1">
                 <a:solidFill>
                   <a:srgbClr val="777064"/>
                 </a:solidFill>
@@ -5465,7 +5072,7 @@
               <a:t>Геннадій</a:t>
             </a:r>
             <a:r>
-              <a:rPr sz="1400" b="0" spc="-15">
+              <a:rPr sz="1400" b="0" spc="-15" dirty="0">
                 <a:solidFill>
                   <a:srgbClr val="777064"/>
                 </a:solidFill>
@@ -5475,7 +5082,7 @@
               <a:t> </a:t>
             </a:r>
             <a:r>
-              <a:rPr sz="1400" b="0" spc="5">
+              <a:rPr sz="1400" b="0" spc="5" dirty="0" err="1">
                 <a:solidFill>
                   <a:srgbClr val="777064"/>
                 </a:solidFill>
@@ -5484,7 +5091,7 @@
               </a:rPr>
               <a:t>Володимирович</a:t>
             </a:r>
-            <a:endParaRPr sz="1400">
+            <a:endParaRPr sz="1400" dirty="0">
               <a:latin typeface="Times New Roman"/>
               <a:cs typeface="Times New Roman"/>
             </a:endParaRPr>
@@ -5496,25 +5103,18 @@
   <p:clrMapOvr>
     <a:masterClrMapping/>
   </p:clrMapOvr>
-  <mc:AlternateContent xmlns:mc="http://schemas.openxmlformats.org/markup-compatibility/2006">
-    <mc:Choice xmlns:p14="http://schemas.microsoft.com/office/powerpoint/2010/main" Requires="p14">
-      <p:transition p14:dur="2000" advClick="1"/>
-    </mc:Choice>
-    <mc:Fallback>
-      <p:transition advClick="1"/>
-    </mc:Fallback>
-  </mc:AlternateContent>
 </p:sld>
 </file>
 
 <file path=ppt/slides/slide2.xml><?xml version="1.0" encoding="utf-8"?>
-<p:sld xmlns:a="http://schemas.openxmlformats.org/drawingml/2006/main" xmlns:r="http://schemas.openxmlformats.org/officeDocument/2006/relationships" xmlns:p="http://schemas.openxmlformats.org/presentationml/2006/main" xmlns:m="http://schemas.openxmlformats.org/officeDocument/2006/math" xmlns:w="http://schemas.openxmlformats.org/wordprocessingml/2006/main" showMasterPhAnim="0" show="1">
-  <p:cSld name="">
+<p:sld xmlns:a="http://schemas.openxmlformats.org/drawingml/2006/main" xmlns:r="http://schemas.openxmlformats.org/officeDocument/2006/relationships" xmlns:p="http://schemas.openxmlformats.org/presentationml/2006/main" showMasterPhAnim="0">
+  <p:cSld>
     <p:bg>
-      <p:bgPr shadeToTitle="0">
+      <p:bgPr>
         <a:solidFill>
           <a:schemeClr val="bg2"/>
         </a:solidFill>
+        <a:effectLst/>
       </p:bgPr>
     </p:bg>
     <p:spTree>
@@ -6170,7 +5770,7 @@
             </a:pPr>
             <a:fld id="{463EBB89-A090-98B5-54B2-490824F887C2}" type="slidenum">
               <a:rPr sz="2800"/>
-              <a:t/>
+              <a:t>2</a:t>
             </a:fld>
             <a:endParaRPr/>
           </a:p>
@@ -6178,12 +5778,12 @@
       </p:sp>
       <p:sp>
         <p:nvSpPr>
-          <p:cNvPr id="240949868" name=""/>
+          <p:cNvPr id="240949868" name="Прямоугольник 240949867"/>
           <p:cNvSpPr/>
           <p:nvPr/>
         </p:nvSpPr>
         <p:spPr bwMode="auto">
-          <a:xfrm flipH="0" flipV="0">
+          <a:xfrm>
             <a:off x="11655882" y="27613"/>
             <a:ext cx="527111" cy="545606"/>
           </a:xfrm>
@@ -6222,27 +5822,20 @@
   <p:clrMapOvr>
     <a:masterClrMapping/>
   </p:clrMapOvr>
-  <mc:AlternateContent xmlns:mc="http://schemas.openxmlformats.org/markup-compatibility/2006">
-    <mc:Choice xmlns:p14="http://schemas.microsoft.com/office/powerpoint/2010/main" Requires="p14">
-      <p:transition p14:dur="2000" advClick="1"/>
-    </mc:Choice>
-    <mc:Fallback>
-      <p:transition advClick="1"/>
-    </mc:Fallback>
-  </mc:AlternateContent>
 </p:sld>
 </file>
 
 <file path=ppt/slides/slide3.xml><?xml version="1.0" encoding="utf-8"?>
-<p:sld xmlns:a="http://schemas.openxmlformats.org/drawingml/2006/main" xmlns:r="http://schemas.openxmlformats.org/officeDocument/2006/relationships" xmlns:p="http://schemas.openxmlformats.org/presentationml/2006/main" xmlns:m="http://schemas.openxmlformats.org/officeDocument/2006/math" xmlns:w="http://schemas.openxmlformats.org/wordprocessingml/2006/main" showMasterPhAnim="0" show="1">
-  <p:cSld name="">
+<p:sld xmlns:a="http://schemas.openxmlformats.org/drawingml/2006/main" xmlns:r="http://schemas.openxmlformats.org/officeDocument/2006/relationships" xmlns:p="http://schemas.openxmlformats.org/presentationml/2006/main" showMasterPhAnim="0">
+  <p:cSld>
     <p:bg>
-      <p:bgPr shadeToTitle="0">
+      <p:bgPr>
         <a:solidFill>
           <a:schemeClr val="bg2">
             <a:lumMod val="90000"/>
           </a:schemeClr>
         </a:solidFill>
+        <a:effectLst/>
       </p:bgPr>
     </p:bg>
     <p:spTree>
@@ -6270,7 +5863,7 @@
           </p:nvPr>
         </p:nvSpPr>
         <p:spPr bwMode="auto">
-          <a:xfrm flipH="0" flipV="0">
+          <a:xfrm>
             <a:off x="1374823" y="1570735"/>
             <a:ext cx="3167400" cy="375009"/>
           </a:xfrm>
@@ -6438,7 +6031,7 @@
             </a:pPr>
             <a:fld id="{800E96F8-DC0B-3B60-9520-15C92079DBC9}" type="slidenum">
               <a:rPr sz="2800"/>
-              <a:t/>
+              <a:t>3</a:t>
             </a:fld>
             <a:endParaRPr/>
           </a:p>
@@ -6446,12 +6039,12 @@
       </p:sp>
       <p:sp>
         <p:nvSpPr>
-          <p:cNvPr id="242329620" name=""/>
+          <p:cNvPr id="242329620" name="Прямоугольник 242329619"/>
           <p:cNvSpPr/>
           <p:nvPr/>
         </p:nvSpPr>
         <p:spPr bwMode="auto">
-          <a:xfrm flipH="0" flipV="0">
+          <a:xfrm>
             <a:off x="11655882" y="27612"/>
             <a:ext cx="527110" cy="545605"/>
           </a:xfrm>
@@ -6490,27 +6083,20 @@
   <p:clrMapOvr>
     <a:masterClrMapping/>
   </p:clrMapOvr>
-  <mc:AlternateContent xmlns:mc="http://schemas.openxmlformats.org/markup-compatibility/2006">
-    <mc:Choice xmlns:p14="http://schemas.microsoft.com/office/powerpoint/2010/main" Requires="p14">
-      <p:transition p14:dur="2000" advClick="1"/>
-    </mc:Choice>
-    <mc:Fallback>
-      <p:transition advClick="1"/>
-    </mc:Fallback>
-  </mc:AlternateContent>
 </p:sld>
 </file>
 
 <file path=ppt/slides/slide4.xml><?xml version="1.0" encoding="utf-8"?>
-<p:sld xmlns:a="http://schemas.openxmlformats.org/drawingml/2006/main" xmlns:r="http://schemas.openxmlformats.org/officeDocument/2006/relationships" xmlns:p="http://schemas.openxmlformats.org/presentationml/2006/main" xmlns:m="http://schemas.openxmlformats.org/officeDocument/2006/math" xmlns:w="http://schemas.openxmlformats.org/wordprocessingml/2006/main" showMasterPhAnim="0" show="1">
-  <p:cSld name="">
+<p:sld xmlns:a="http://schemas.openxmlformats.org/drawingml/2006/main" xmlns:r="http://schemas.openxmlformats.org/officeDocument/2006/relationships" xmlns:p="http://schemas.openxmlformats.org/presentationml/2006/main" showMasterPhAnim="0">
+  <p:cSld>
     <p:bg>
-      <p:bgPr shadeToTitle="0">
+      <p:bgPr>
         <a:solidFill>
           <a:schemeClr val="bg2">
             <a:lumMod val="90000"/>
           </a:schemeClr>
         </a:solidFill>
+        <a:effectLst/>
       </p:bgPr>
     </p:bg>
     <p:spTree>
@@ -6538,7 +6124,7 @@
           </p:nvPr>
         </p:nvSpPr>
         <p:spPr bwMode="auto">
-          <a:xfrm flipH="0" flipV="0">
+          <a:xfrm>
             <a:off x="5262743" y="382221"/>
             <a:ext cx="2506883" cy="381994"/>
           </a:xfrm>
@@ -6663,7 +6249,7 @@
             </a:pPr>
             <a:fld id="{20263524-D5DE-1C53-E1D9-127239483711}" type="slidenum">
               <a:rPr sz="2800"/>
-              <a:t/>
+              <a:t>4</a:t>
             </a:fld>
             <a:endParaRPr/>
           </a:p>
@@ -6671,12 +6257,12 @@
       </p:sp>
       <p:sp>
         <p:nvSpPr>
-          <p:cNvPr id="1279590635" name=""/>
+          <p:cNvPr id="1279590635" name="Прямоугольник 1279590634"/>
           <p:cNvSpPr/>
           <p:nvPr/>
         </p:nvSpPr>
         <p:spPr bwMode="auto">
-          <a:xfrm flipH="0" flipV="0">
+          <a:xfrm>
             <a:off x="11655882" y="27612"/>
             <a:ext cx="527110" cy="545605"/>
           </a:xfrm>
@@ -6714,21 +6300,19 @@
         <p:nvGraphicFramePr>
           <p:cNvPr id="79125462" name="Content Placeholder 2"/>
           <p:cNvGraphicFramePr>
-            <a:graphicFrameLocks xmlns:a="http://schemas.openxmlformats.org/drawingml/2006/main" noGrp="1"/>
+            <a:graphicFrameLocks noGrp="1"/>
           </p:cNvGraphicFramePr>
           <p:nvPr>
             <p:ph idx="1"/>
           </p:nvPr>
         </p:nvGraphicFramePr>
-        <p:xfrm flipH="0" flipV="0">
+        <p:xfrm>
           <a:off x="1141150" y="2133234"/>
           <a:ext cx="9905999" cy="4082074"/>
-          <a:chOff x="0" y="0"/>
-          <a:chExt cx="9905999" cy="4082074"/>
         </p:xfrm>
         <a:graphic>
           <a:graphicData uri="http://schemas.openxmlformats.org/drawingml/2006/diagram">
-            <dgm:relIds xmlns:dgm="http://schemas.openxmlformats.org/drawingml/2006/diagram" xmlns:r="http://schemas.openxmlformats.org/officeDocument/2006/relationships" r:dm="rId2" r:lo="rId5" r:qs="rId6" r:cs="rId4"/>
+            <dgm:relIds xmlns:dgm="http://schemas.openxmlformats.org/drawingml/2006/diagram" xmlns:r="http://schemas.openxmlformats.org/officeDocument/2006/relationships" r:dm="rId2" r:lo="rId3" r:qs="rId4" r:cs="rId5"/>
           </a:graphicData>
         </a:graphic>
       </p:graphicFrame>
@@ -6737,27 +6321,20 @@
   <p:clrMapOvr>
     <a:masterClrMapping/>
   </p:clrMapOvr>
-  <mc:AlternateContent xmlns:mc="http://schemas.openxmlformats.org/markup-compatibility/2006">
-    <mc:Choice xmlns:p14="http://schemas.microsoft.com/office/powerpoint/2010/main" Requires="p14">
-      <p:transition p14:dur="2000" advClick="1"/>
-    </mc:Choice>
-    <mc:Fallback>
-      <p:transition advClick="1"/>
-    </mc:Fallback>
-  </mc:AlternateContent>
 </p:sld>
 </file>
 
 <file path=ppt/slides/slide5.xml><?xml version="1.0" encoding="utf-8"?>
-<p:sld xmlns:a="http://schemas.openxmlformats.org/drawingml/2006/main" xmlns:r="http://schemas.openxmlformats.org/officeDocument/2006/relationships" xmlns:p="http://schemas.openxmlformats.org/presentationml/2006/main" xmlns:m="http://schemas.openxmlformats.org/officeDocument/2006/math" xmlns:w="http://schemas.openxmlformats.org/wordprocessingml/2006/main" showMasterPhAnim="0" show="1">
-  <p:cSld name="">
+<p:sld xmlns:a="http://schemas.openxmlformats.org/drawingml/2006/main" xmlns:r="http://schemas.openxmlformats.org/officeDocument/2006/relationships" xmlns:p="http://schemas.openxmlformats.org/presentationml/2006/main" showMasterPhAnim="0">
+  <p:cSld>
     <p:bg>
-      <p:bgPr shadeToTitle="0">
+      <p:bgPr>
         <a:solidFill>
           <a:schemeClr val="bg2">
             <a:lumMod val="90000"/>
           </a:schemeClr>
         </a:solidFill>
+        <a:effectLst/>
       </p:bgPr>
     </p:bg>
     <p:spTree>
@@ -8538,7 +8115,7 @@
             </a:pPr>
             <a:fld id="{E30B309A-D4E2-0742-10D1-CF203A329559}" type="slidenum">
               <a:rPr sz="2800"/>
-              <a:t/>
+              <a:t>5</a:t>
             </a:fld>
             <a:endParaRPr/>
           </a:p>
@@ -8546,12 +8123,12 @@
       </p:sp>
       <p:sp>
         <p:nvSpPr>
-          <p:cNvPr id="2098987259" name=""/>
+          <p:cNvPr id="2098987259" name="Прямоугольник 2098987258"/>
           <p:cNvSpPr/>
           <p:nvPr/>
         </p:nvSpPr>
         <p:spPr bwMode="auto">
-          <a:xfrm flipH="0" flipV="0">
+          <a:xfrm>
             <a:off x="11655882" y="27612"/>
             <a:ext cx="527110" cy="545605"/>
           </a:xfrm>
@@ -8587,7 +8164,7 @@
       </p:sp>
       <p:pic>
         <p:nvPicPr>
-          <p:cNvPr id="1572832858" name=""/>
+          <p:cNvPr id="1572832858" name="Рисунок 1572832857"/>
           <p:cNvPicPr>
             <a:picLocks noChangeAspect="1"/>
           </p:cNvPicPr>
@@ -8598,7 +8175,7 @@
           <a:stretch/>
         </p:blipFill>
         <p:spPr bwMode="auto">
-          <a:xfrm flipH="0" flipV="0">
+          <a:xfrm>
             <a:off x="5697815" y="1475544"/>
             <a:ext cx="5161537" cy="3846177"/>
           </a:xfrm>
@@ -8612,27 +8189,20 @@
   <p:clrMapOvr>
     <a:masterClrMapping/>
   </p:clrMapOvr>
-  <mc:AlternateContent xmlns:mc="http://schemas.openxmlformats.org/markup-compatibility/2006">
-    <mc:Choice xmlns:p14="http://schemas.microsoft.com/office/powerpoint/2010/main" Requires="p14">
-      <p:transition p14:dur="2000" advClick="1"/>
-    </mc:Choice>
-    <mc:Fallback>
-      <p:transition advClick="1"/>
-    </mc:Fallback>
-  </mc:AlternateContent>
 </p:sld>
 </file>
 
 <file path=ppt/slides/slide6.xml><?xml version="1.0" encoding="utf-8"?>
-<p:sld xmlns:a="http://schemas.openxmlformats.org/drawingml/2006/main" xmlns:r="http://schemas.openxmlformats.org/officeDocument/2006/relationships" xmlns:p="http://schemas.openxmlformats.org/presentationml/2006/main" xmlns:m="http://schemas.openxmlformats.org/officeDocument/2006/math" xmlns:w="http://schemas.openxmlformats.org/wordprocessingml/2006/main" showMasterPhAnim="0" show="1">
-  <p:cSld name="">
+<p:sld xmlns:a="http://schemas.openxmlformats.org/drawingml/2006/main" xmlns:r="http://schemas.openxmlformats.org/officeDocument/2006/relationships" xmlns:p="http://schemas.openxmlformats.org/presentationml/2006/main" showMasterPhAnim="0">
+  <p:cSld>
     <p:bg>
-      <p:bgPr shadeToTitle="0">
+      <p:bgPr>
         <a:solidFill>
           <a:schemeClr val="bg2">
             <a:lumMod val="90000"/>
           </a:schemeClr>
         </a:solidFill>
+        <a:effectLst/>
       </p:bgPr>
     </p:bg>
     <p:spTree>
@@ -8871,7 +8441,47 @@
                 <a:latin typeface="Times New Roman"/>
                 <a:cs typeface="Times New Roman"/>
               </a:rPr>
-              <a:t>чином</a:t>
+              <a:t>чином, щоб </a:t>
+            </a:r>
+            <a:r>
+              <a:rPr sz="1400" spc="5">
+                <a:solidFill>
+                  <a:schemeClr val="tx1"/>
+                </a:solidFill>
+                <a:latin typeface="Times New Roman"/>
+                <a:cs typeface="Times New Roman"/>
+              </a:rPr>
+              <a:t>забезпечити максимальну безпеку </a:t>
+            </a:r>
+            <a:r>
+              <a:rPr sz="1400" spc="20">
+                <a:solidFill>
+                  <a:schemeClr val="tx1"/>
+                </a:solidFill>
+                <a:latin typeface="Times New Roman"/>
+                <a:cs typeface="Times New Roman"/>
+              </a:rPr>
+              <a:t>та </a:t>
+            </a:r>
+            <a:r>
+              <a:rPr sz="1400" spc="25">
+                <a:solidFill>
+                  <a:schemeClr val="tx1"/>
+                </a:solidFill>
+                <a:latin typeface="Times New Roman"/>
+                <a:cs typeface="Times New Roman"/>
+              </a:rPr>
+              <a:t> </a:t>
+            </a:r>
+            <a:r>
+              <a:rPr sz="1400" spc="5">
+                <a:solidFill>
+                  <a:schemeClr val="tx1"/>
+                </a:solidFill>
+                <a:latin typeface="Times New Roman"/>
+                <a:cs typeface="Times New Roman"/>
+              </a:rPr>
+              <a:t>зручність використання </a:t>
             </a:r>
             <a:r>
               <a:rPr sz="1400" spc="10">
@@ -8881,7 +8491,67 @@
                 <a:latin typeface="Times New Roman"/>
                 <a:cs typeface="Times New Roman"/>
               </a:rPr>
-              <a:t>, </a:t>
+              <a:t>для </a:t>
+            </a:r>
+            <a:r>
+              <a:rPr sz="1400" spc="-5">
+                <a:solidFill>
+                  <a:schemeClr val="tx1"/>
+                </a:solidFill>
+                <a:latin typeface="Times New Roman"/>
+                <a:cs typeface="Times New Roman"/>
+              </a:rPr>
+              <a:t>широкого </a:t>
+            </a:r>
+            <a:r>
+              <a:rPr sz="1400" spc="-15">
+                <a:solidFill>
+                  <a:schemeClr val="tx1"/>
+                </a:solidFill>
+                <a:latin typeface="Times New Roman"/>
+                <a:cs typeface="Times New Roman"/>
+              </a:rPr>
+              <a:t>кола </a:t>
+            </a:r>
+            <a:r>
+              <a:rPr sz="1400" spc="-5">
+                <a:solidFill>
+                  <a:schemeClr val="tx1"/>
+                </a:solidFill>
+                <a:latin typeface="Times New Roman"/>
+                <a:cs typeface="Times New Roman"/>
+              </a:rPr>
+              <a:t>користувачів. </a:t>
+            </a:r>
+            <a:r>
+              <a:rPr sz="1400">
+                <a:solidFill>
+                  <a:schemeClr val="tx1"/>
+                </a:solidFill>
+                <a:latin typeface="Times New Roman"/>
+                <a:cs typeface="Times New Roman"/>
+              </a:rPr>
+              <a:t> </a:t>
+            </a:r>
+            <a:r>
+              <a:rPr sz="1400" spc="5">
+                <a:solidFill>
+                  <a:schemeClr val="tx1"/>
+                </a:solidFill>
+                <a:latin typeface="Times New Roman"/>
+                <a:cs typeface="Times New Roman"/>
+              </a:rPr>
+              <a:t>Система </a:t>
+            </a:r>
+            <a:r>
+              <a:rPr sz="1400">
+                <a:solidFill>
+                  <a:schemeClr val="tx1"/>
+                </a:solidFill>
+                <a:latin typeface="Times New Roman"/>
+                <a:cs typeface="Times New Roman"/>
+              </a:rPr>
+              <a:t>включає </a:t>
             </a:r>
             <a:r>
               <a:rPr sz="1400" spc="10">
@@ -8891,7 +8561,17 @@
                 <a:latin typeface="Times New Roman"/>
                 <a:cs typeface="Times New Roman"/>
               </a:rPr>
-              <a:t>щоб </a:t>
+              <a:t>в себе </a:t>
+            </a:r>
+            <a:r>
+              <a:rPr sz="1400" spc="15">
+                <a:solidFill>
+                  <a:schemeClr val="tx1"/>
+                </a:solidFill>
+                <a:latin typeface="Times New Roman"/>
+                <a:cs typeface="Times New Roman"/>
+              </a:rPr>
+              <a:t>веб-гаманець </a:t>
             </a:r>
             <a:r>
               <a:rPr sz="1400" spc="5">
@@ -8901,7 +8581,537 @@
                 <a:latin typeface="Times New Roman"/>
                 <a:cs typeface="Times New Roman"/>
               </a:rPr>
-              <a:t>забезпечити максимальну безпеку </a:t>
+              <a:t>і </a:t>
+            </a:r>
+            <a:r>
+              <a:rPr sz="1400">
+                <a:solidFill>
+                  <a:schemeClr val="tx1"/>
+                </a:solidFill>
+                <a:latin typeface="Times New Roman"/>
+                <a:cs typeface="Times New Roman"/>
+              </a:rPr>
+              <a:t>консольний </a:t>
+            </a:r>
+            <a:r>
+              <a:rPr sz="1400" spc="5">
+                <a:solidFill>
+                  <a:schemeClr val="tx1"/>
+                </a:solidFill>
+                <a:latin typeface="Times New Roman"/>
+                <a:cs typeface="Times New Roman"/>
+              </a:rPr>
+              <a:t> </a:t>
+            </a:r>
+            <a:r>
+              <a:rPr sz="1400" spc="10">
+                <a:solidFill>
+                  <a:schemeClr val="tx1"/>
+                </a:solidFill>
+                <a:latin typeface="Times New Roman"/>
+                <a:cs typeface="Times New Roman"/>
+              </a:rPr>
+              <a:t>інтерфейс, </a:t>
+            </a:r>
+            <a:r>
+              <a:rPr sz="1400" spc="15">
+                <a:solidFill>
+                  <a:schemeClr val="tx1"/>
+                </a:solidFill>
+                <a:latin typeface="Times New Roman"/>
+                <a:cs typeface="Times New Roman"/>
+              </a:rPr>
+              <a:t>що </a:t>
+            </a:r>
+            <a:r>
+              <a:rPr sz="1400" spc="10">
+                <a:solidFill>
+                  <a:schemeClr val="tx1"/>
+                </a:solidFill>
+                <a:latin typeface="Times New Roman"/>
+                <a:cs typeface="Times New Roman"/>
+              </a:rPr>
+              <a:t>робить </a:t>
+            </a:r>
+            <a:r>
+              <a:rPr sz="1400" spc="5">
+                <a:solidFill>
+                  <a:schemeClr val="tx1"/>
+                </a:solidFill>
+                <a:latin typeface="Times New Roman"/>
+                <a:cs typeface="Times New Roman"/>
+              </a:rPr>
+              <a:t>її </a:t>
+            </a:r>
+            <a:r>
+              <a:rPr sz="1400" spc="10">
+                <a:solidFill>
+                  <a:schemeClr val="tx1"/>
+                </a:solidFill>
+                <a:latin typeface="Times New Roman"/>
+                <a:cs typeface="Times New Roman"/>
+              </a:rPr>
+              <a:t>доступною як для досвідчених </a:t>
+            </a:r>
+            <a:r>
+              <a:rPr sz="1400" spc="15">
+                <a:solidFill>
+                  <a:schemeClr val="tx1"/>
+                </a:solidFill>
+                <a:latin typeface="Times New Roman"/>
+                <a:cs typeface="Times New Roman"/>
+              </a:rPr>
+              <a:t> </a:t>
+            </a:r>
+            <a:r>
+              <a:rPr sz="1400" spc="-5">
+                <a:solidFill>
+                  <a:schemeClr val="tx1"/>
+                </a:solidFill>
+                <a:latin typeface="Times New Roman"/>
+                <a:cs typeface="Times New Roman"/>
+              </a:rPr>
+              <a:t>користувачів </a:t>
+            </a:r>
+            <a:r>
+              <a:rPr sz="1400" spc="10">
+                <a:solidFill>
+                  <a:schemeClr val="tx1"/>
+                </a:solidFill>
+                <a:latin typeface="Times New Roman"/>
+                <a:cs typeface="Times New Roman"/>
+              </a:rPr>
+              <a:t>криптовалют, </a:t>
+            </a:r>
+            <a:r>
+              <a:rPr sz="1400" spc="15">
+                <a:solidFill>
+                  <a:schemeClr val="tx1"/>
+                </a:solidFill>
+                <a:latin typeface="Times New Roman"/>
+                <a:cs typeface="Times New Roman"/>
+              </a:rPr>
+              <a:t>так </a:t>
+            </a:r>
+            <a:r>
+              <a:rPr sz="1400" spc="5">
+                <a:solidFill>
+                  <a:schemeClr val="tx1"/>
+                </a:solidFill>
+                <a:latin typeface="Times New Roman"/>
+                <a:cs typeface="Times New Roman"/>
+              </a:rPr>
+              <a:t>і </a:t>
+            </a:r>
+            <a:r>
+              <a:rPr sz="1400" spc="10">
+                <a:solidFill>
+                  <a:schemeClr val="tx1"/>
+                </a:solidFill>
+                <a:latin typeface="Times New Roman"/>
+                <a:cs typeface="Times New Roman"/>
+              </a:rPr>
+              <a:t>для </a:t>
+            </a:r>
+            <a:r>
+              <a:rPr sz="1400" spc="15">
+                <a:solidFill>
+                  <a:schemeClr val="tx1"/>
+                </a:solidFill>
+                <a:latin typeface="Times New Roman"/>
+                <a:cs typeface="Times New Roman"/>
+              </a:rPr>
+              <a:t>тих, </a:t>
+            </a:r>
+            <a:r>
+              <a:rPr sz="1400" spc="-10">
+                <a:solidFill>
+                  <a:schemeClr val="tx1"/>
+                </a:solidFill>
+                <a:latin typeface="Times New Roman"/>
+                <a:cs typeface="Times New Roman"/>
+              </a:rPr>
+              <a:t>хто </a:t>
+            </a:r>
+            <a:r>
+              <a:rPr sz="1400" spc="10">
+                <a:solidFill>
+                  <a:schemeClr val="tx1"/>
+                </a:solidFill>
+                <a:latin typeface="Times New Roman"/>
+                <a:cs typeface="Times New Roman"/>
+              </a:rPr>
+              <a:t>ними не </a:t>
+            </a:r>
+            <a:r>
+              <a:rPr sz="1400" spc="15">
+                <a:solidFill>
+                  <a:schemeClr val="tx1"/>
+                </a:solidFill>
+                <a:latin typeface="Times New Roman"/>
+                <a:cs typeface="Times New Roman"/>
+              </a:rPr>
+              <a:t> </a:t>
+            </a:r>
+            <a:r>
+              <a:rPr sz="1400" spc="5">
+                <a:solidFill>
+                  <a:schemeClr val="tx1"/>
+                </a:solidFill>
+                <a:latin typeface="Times New Roman"/>
+                <a:cs typeface="Times New Roman"/>
+              </a:rPr>
+              <a:t>володіє. </a:t>
+            </a:r>
+            <a:r>
+              <a:rPr sz="1400" spc="10">
+                <a:solidFill>
+                  <a:schemeClr val="tx1"/>
+                </a:solidFill>
+                <a:latin typeface="Times New Roman"/>
+                <a:cs typeface="Times New Roman"/>
+              </a:rPr>
+              <a:t>Програмні </a:t>
+            </a:r>
+            <a:r>
+              <a:rPr sz="1400">
+                <a:solidFill>
+                  <a:schemeClr val="tx1"/>
+                </a:solidFill>
+                <a:latin typeface="Times New Roman"/>
+                <a:cs typeface="Times New Roman"/>
+              </a:rPr>
+              <a:t>компоненти включають </a:t>
+            </a:r>
+            <a:r>
+              <a:rPr sz="1400" spc="10">
+                <a:solidFill>
+                  <a:schemeClr val="tx1"/>
+                </a:solidFill>
+                <a:latin typeface="Times New Roman"/>
+                <a:cs typeface="Times New Roman"/>
+              </a:rPr>
+              <a:t>в себе </a:t>
+            </a:r>
+            <a:r>
+              <a:rPr sz="1400" spc="15">
+                <a:solidFill>
+                  <a:schemeClr val="tx1"/>
+                </a:solidFill>
+                <a:latin typeface="Times New Roman"/>
+                <a:cs typeface="Times New Roman"/>
+              </a:rPr>
+              <a:t> </a:t>
+            </a:r>
+            <a:r>
+              <a:rPr sz="1400" spc="55">
+                <a:solidFill>
+                  <a:schemeClr val="tx1"/>
+                </a:solidFill>
+                <a:latin typeface="Times New Roman"/>
+                <a:cs typeface="Times New Roman"/>
+              </a:rPr>
+              <a:t>Blockchain</a:t>
+            </a:r>
+            <a:r>
+              <a:rPr sz="1400" spc="-10">
+                <a:solidFill>
+                  <a:schemeClr val="tx1"/>
+                </a:solidFill>
+                <a:latin typeface="Times New Roman"/>
+                <a:cs typeface="Times New Roman"/>
+              </a:rPr>
+              <a:t> </a:t>
+            </a:r>
+            <a:r>
+              <a:rPr sz="1400" spc="70">
+                <a:solidFill>
+                  <a:schemeClr val="tx1"/>
+                </a:solidFill>
+                <a:latin typeface="Times New Roman"/>
+                <a:cs typeface="Times New Roman"/>
+              </a:rPr>
+              <a:t>Nodes,</a:t>
+            </a:r>
+            <a:r>
+              <a:rPr sz="1400">
+                <a:solidFill>
+                  <a:schemeClr val="tx1"/>
+                </a:solidFill>
+                <a:latin typeface="Times New Roman"/>
+                <a:cs typeface="Times New Roman"/>
+              </a:rPr>
+              <a:t> </a:t>
+            </a:r>
+            <a:r>
+              <a:rPr sz="1400" spc="55">
+                <a:solidFill>
+                  <a:schemeClr val="tx1"/>
+                </a:solidFill>
+                <a:latin typeface="Times New Roman"/>
+                <a:cs typeface="Times New Roman"/>
+              </a:rPr>
+              <a:t>Blockchain</a:t>
+            </a:r>
+            <a:r>
+              <a:rPr sz="1400" spc="-10">
+                <a:solidFill>
+                  <a:schemeClr val="tx1"/>
+                </a:solidFill>
+                <a:latin typeface="Times New Roman"/>
+                <a:cs typeface="Times New Roman"/>
+              </a:rPr>
+              <a:t> </a:t>
+            </a:r>
+            <a:r>
+              <a:rPr sz="1400" spc="50">
+                <a:solidFill>
+                  <a:schemeClr val="tx1"/>
+                </a:solidFill>
+                <a:latin typeface="Times New Roman"/>
+                <a:cs typeface="Times New Roman"/>
+              </a:rPr>
+              <a:t>Ledger,</a:t>
+            </a:r>
+            <a:r>
+              <a:rPr sz="1400">
+                <a:solidFill>
+                  <a:schemeClr val="tx1"/>
+                </a:solidFill>
+                <a:latin typeface="Times New Roman"/>
+                <a:cs typeface="Times New Roman"/>
+              </a:rPr>
+              <a:t> </a:t>
+            </a:r>
+            <a:r>
+              <a:rPr sz="1400" spc="90">
+                <a:solidFill>
+                  <a:schemeClr val="tx1"/>
+                </a:solidFill>
+                <a:latin typeface="Times New Roman"/>
+                <a:cs typeface="Times New Roman"/>
+              </a:rPr>
+              <a:t>Mempool,</a:t>
+            </a:r>
+            <a:r>
+              <a:rPr sz="1400">
+                <a:solidFill>
+                  <a:schemeClr val="tx1"/>
+                </a:solidFill>
+                <a:latin typeface="Times New Roman"/>
+                <a:cs typeface="Times New Roman"/>
+              </a:rPr>
+              <a:t> </a:t>
+            </a:r>
+            <a:r>
+              <a:rPr sz="1400" spc="15">
+                <a:solidFill>
+                  <a:schemeClr val="tx1"/>
+                </a:solidFill>
+                <a:latin typeface="Times New Roman"/>
+                <a:cs typeface="Times New Roman"/>
+              </a:rPr>
+              <a:t>процес </a:t>
+            </a:r>
+            <a:r>
+              <a:rPr sz="1400" spc="-335">
+                <a:solidFill>
+                  <a:schemeClr val="tx1"/>
+                </a:solidFill>
+                <a:latin typeface="Times New Roman"/>
+                <a:cs typeface="Times New Roman"/>
+              </a:rPr>
+              <a:t> </a:t>
+            </a:r>
+            <a:r>
+              <a:rPr sz="1400" spc="5">
+                <a:solidFill>
+                  <a:schemeClr val="tx1"/>
+                </a:solidFill>
+                <a:latin typeface="Times New Roman"/>
+                <a:cs typeface="Times New Roman"/>
+              </a:rPr>
+              <a:t>перевірки </a:t>
+            </a:r>
+            <a:r>
+              <a:rPr sz="1400" spc="10">
+                <a:solidFill>
+                  <a:schemeClr val="tx1"/>
+                </a:solidFill>
+                <a:latin typeface="Times New Roman"/>
+                <a:cs typeface="Times New Roman"/>
+              </a:rPr>
+              <a:t>транзакцій </a:t>
+            </a:r>
+            <a:r>
+              <a:rPr sz="1400" spc="5">
+                <a:solidFill>
+                  <a:schemeClr val="tx1"/>
+                </a:solidFill>
+                <a:latin typeface="Times New Roman"/>
+                <a:cs typeface="Times New Roman"/>
+              </a:rPr>
+              <a:t>і </a:t>
+            </a:r>
+            <a:r>
+              <a:rPr sz="1400" spc="15">
+                <a:solidFill>
+                  <a:schemeClr val="tx1"/>
+                </a:solidFill>
+                <a:latin typeface="Times New Roman"/>
+                <a:cs typeface="Times New Roman"/>
+              </a:rPr>
+              <a:t>веб-гаманець. </a:t>
+            </a:r>
+            <a:r>
+              <a:rPr sz="1400" spc="10">
+                <a:solidFill>
+                  <a:schemeClr val="tx1"/>
+                </a:solidFill>
+                <a:latin typeface="Times New Roman"/>
+                <a:cs typeface="Times New Roman"/>
+              </a:rPr>
+              <a:t>Ці </a:t>
+            </a:r>
+            <a:r>
+              <a:rPr sz="1400">
+                <a:solidFill>
+                  <a:schemeClr val="tx1"/>
+                </a:solidFill>
+                <a:latin typeface="Times New Roman"/>
+                <a:cs typeface="Times New Roman"/>
+              </a:rPr>
+              <a:t>компоненти </a:t>
+            </a:r>
+            <a:r>
+              <a:rPr sz="1400" spc="5">
+                <a:solidFill>
+                  <a:schemeClr val="tx1"/>
+                </a:solidFill>
+                <a:latin typeface="Times New Roman"/>
+                <a:cs typeface="Times New Roman"/>
+              </a:rPr>
+              <a:t> </a:t>
+            </a:r>
+            <a:r>
+              <a:rPr sz="1400" spc="10">
+                <a:solidFill>
+                  <a:schemeClr val="tx1"/>
+                </a:solidFill>
+                <a:latin typeface="Times New Roman"/>
+                <a:cs typeface="Times New Roman"/>
+              </a:rPr>
+              <a:t>працюють разом, щоб </a:t>
+            </a:r>
+            <a:r>
+              <a:rPr sz="1400" spc="5">
+                <a:solidFill>
+                  <a:schemeClr val="tx1"/>
+                </a:solidFill>
+                <a:latin typeface="Times New Roman"/>
+                <a:cs typeface="Times New Roman"/>
+              </a:rPr>
+              <a:t>підтримувати </a:t>
+            </a:r>
+            <a:r>
+              <a:rPr sz="1400" spc="10">
+                <a:solidFill>
+                  <a:schemeClr val="tx1"/>
+                </a:solidFill>
+                <a:latin typeface="Times New Roman"/>
+                <a:cs typeface="Times New Roman"/>
+              </a:rPr>
+              <a:t>мережу </a:t>
+            </a:r>
+            <a:r>
+              <a:rPr sz="1400" spc="-5">
+                <a:solidFill>
+                  <a:schemeClr val="tx1"/>
+                </a:solidFill>
+                <a:latin typeface="Times New Roman"/>
+                <a:cs typeface="Times New Roman"/>
+              </a:rPr>
+              <a:t>блокчейн </a:t>
+            </a:r>
+            <a:r>
+              <a:rPr sz="1400" spc="5">
+                <a:solidFill>
+                  <a:schemeClr val="tx1"/>
+                </a:solidFill>
+                <a:latin typeface="Times New Roman"/>
+                <a:cs typeface="Times New Roman"/>
+              </a:rPr>
+              <a:t>і </a:t>
+            </a:r>
+            <a:r>
+              <a:rPr sz="1400" spc="10">
+                <a:solidFill>
+                  <a:schemeClr val="tx1"/>
+                </a:solidFill>
+                <a:latin typeface="Times New Roman"/>
+                <a:cs typeface="Times New Roman"/>
+              </a:rPr>
+              <a:t> </a:t>
+            </a:r>
+            <a:r>
+              <a:rPr sz="1400" spc="5">
+                <a:solidFill>
+                  <a:schemeClr val="tx1"/>
+                </a:solidFill>
+                <a:latin typeface="Times New Roman"/>
+                <a:cs typeface="Times New Roman"/>
+              </a:rPr>
+              <a:t>гарантувати,</a:t>
+            </a:r>
+            <a:r>
+              <a:rPr sz="1400" spc="25">
+                <a:solidFill>
+                  <a:schemeClr val="tx1"/>
+                </a:solidFill>
+                <a:latin typeface="Times New Roman"/>
+                <a:cs typeface="Times New Roman"/>
+              </a:rPr>
+              <a:t> </a:t>
+            </a:r>
+            <a:r>
+              <a:rPr sz="1400" spc="15">
+                <a:solidFill>
+                  <a:schemeClr val="tx1"/>
+                </a:solidFill>
+                <a:latin typeface="Times New Roman"/>
+                <a:cs typeface="Times New Roman"/>
+              </a:rPr>
+              <a:t>що </a:t>
+            </a:r>
+            <a:r>
+              <a:rPr sz="1400" spc="5">
+                <a:solidFill>
+                  <a:schemeClr val="tx1"/>
+                </a:solidFill>
+                <a:latin typeface="Times New Roman"/>
+                <a:cs typeface="Times New Roman"/>
+              </a:rPr>
+              <a:t>тільки</a:t>
+            </a:r>
+            <a:r>
+              <a:rPr sz="1400" spc="15">
+                <a:solidFill>
+                  <a:schemeClr val="tx1"/>
+                </a:solidFill>
+                <a:latin typeface="Times New Roman"/>
+                <a:cs typeface="Times New Roman"/>
+              </a:rPr>
+              <a:t> </a:t>
+            </a:r>
+            <a:r>
+              <a:rPr sz="1400" spc="5">
+                <a:solidFill>
+                  <a:schemeClr val="tx1"/>
+                </a:solidFill>
+                <a:latin typeface="Times New Roman"/>
+                <a:cs typeface="Times New Roman"/>
+              </a:rPr>
+              <a:t>дійсні</a:t>
             </a:r>
             <a:r>
               <a:rPr sz="1400" spc="20">
@@ -8911,19 +9121,59 @@
                 <a:latin typeface="Times New Roman"/>
                 <a:cs typeface="Times New Roman"/>
               </a:rPr>
-              <a:t>та </a:t>
-            </a:r>
-            <a:r>
-              <a:rPr sz="1400" spc="25">
-                <a:solidFill>
-                  <a:schemeClr val="tx1"/>
-                </a:solidFill>
-                <a:latin typeface="Times New Roman"/>
-                <a:cs typeface="Times New Roman"/>
-              </a:rPr>
               <a:t> </a:t>
             </a:r>
             <a:r>
+              <a:rPr sz="1400" spc="10">
+                <a:solidFill>
+                  <a:schemeClr val="tx1"/>
+                </a:solidFill>
+                <a:latin typeface="Times New Roman"/>
+                <a:cs typeface="Times New Roman"/>
+              </a:rPr>
+              <a:t>транзакції</a:t>
+            </a:r>
+            <a:r>
+              <a:rPr sz="1400" spc="15">
+                <a:solidFill>
+                  <a:schemeClr val="tx1"/>
+                </a:solidFill>
+                <a:latin typeface="Times New Roman"/>
+                <a:cs typeface="Times New Roman"/>
+              </a:rPr>
+              <a:t> </a:t>
+            </a:r>
+            <a:r>
+              <a:rPr sz="1400" spc="-15">
+                <a:solidFill>
+                  <a:schemeClr val="tx1"/>
+                </a:solidFill>
+                <a:latin typeface="Times New Roman"/>
+                <a:cs typeface="Times New Roman"/>
+              </a:rPr>
+              <a:t>будуть</a:t>
+            </a:r>
+            <a:r>
+              <a:rPr sz="1400" spc="15">
+                <a:solidFill>
+                  <a:schemeClr val="tx1"/>
+                </a:solidFill>
+                <a:latin typeface="Times New Roman"/>
+                <a:cs typeface="Times New Roman"/>
+              </a:rPr>
+              <a:t> </a:t>
+            </a:r>
+            <a:r>
+              <a:rPr sz="1400">
+                <a:solidFill>
+                  <a:schemeClr val="tx1"/>
+                </a:solidFill>
+                <a:latin typeface="Times New Roman"/>
+                <a:cs typeface="Times New Roman"/>
+              </a:rPr>
+              <a:t>включені </a:t>
+            </a:r>
+            <a:r>
               <a:rPr sz="1400" spc="5">
                 <a:solidFill>
                   <a:schemeClr val="tx1"/>
@@ -8931,7 +9181,7 @@
                 <a:latin typeface="Times New Roman"/>
                 <a:cs typeface="Times New Roman"/>
               </a:rPr>
-              <a:t>зручність використання </a:t>
+              <a:t> </a:t>
             </a:r>
             <a:r>
               <a:rPr sz="1400" spc="10">
@@ -8941,47 +9191,17 @@
                 <a:latin typeface="Times New Roman"/>
                 <a:cs typeface="Times New Roman"/>
               </a:rPr>
-              <a:t>для </a:t>
-            </a:r>
-            <a:r>
-              <a:rPr sz="1400" spc="-5">
-                <a:solidFill>
-                  <a:schemeClr val="tx1"/>
-                </a:solidFill>
-                <a:latin typeface="Times New Roman"/>
-                <a:cs typeface="Times New Roman"/>
-              </a:rPr>
-              <a:t>широкого </a:t>
-            </a:r>
-            <a:r>
-              <a:rPr sz="1400" spc="-15">
-                <a:solidFill>
-                  <a:schemeClr val="tx1"/>
-                </a:solidFill>
-                <a:latin typeface="Times New Roman"/>
-                <a:cs typeface="Times New Roman"/>
-              </a:rPr>
-              <a:t>кола </a:t>
-            </a:r>
-            <a:r>
-              <a:rPr sz="1400" spc="-5">
-                <a:solidFill>
-                  <a:schemeClr val="tx1"/>
-                </a:solidFill>
-                <a:latin typeface="Times New Roman"/>
-                <a:cs typeface="Times New Roman"/>
-              </a:rPr>
-              <a:t>користувачів</a:t>
-            </a:r>
-            <a:r>
-              <a:rPr sz="1400" spc="-5">
-                <a:solidFill>
-                  <a:schemeClr val="tx1"/>
-                </a:solidFill>
-                <a:latin typeface="Times New Roman"/>
-                <a:cs typeface="Times New Roman"/>
-              </a:rPr>
-              <a:t>. </a:t>
+              <a:t>в</a:t>
+            </a:r>
+            <a:r>
+              <a:rPr sz="1400" spc="-20">
+                <a:solidFill>
+                  <a:schemeClr val="tx1"/>
+                </a:solidFill>
+                <a:latin typeface="Times New Roman"/>
+                <a:cs typeface="Times New Roman"/>
+              </a:rPr>
+              <a:t> </a:t>
             </a:r>
             <a:r>
               <a:rPr sz="1400">
@@ -8991,847 +9211,7 @@
                 <a:latin typeface="Times New Roman"/>
                 <a:cs typeface="Times New Roman"/>
               </a:rPr>
-              <a:t> </a:t>
-            </a:r>
-            <a:r>
-              <a:rPr sz="1400" spc="5">
-                <a:solidFill>
-                  <a:schemeClr val="tx1"/>
-                </a:solidFill>
-                <a:latin typeface="Times New Roman"/>
-                <a:cs typeface="Times New Roman"/>
-              </a:rPr>
-              <a:t>Система </a:t>
-            </a:r>
-            <a:r>
-              <a:rPr sz="1400">
-                <a:solidFill>
-                  <a:schemeClr val="tx1"/>
-                </a:solidFill>
-                <a:latin typeface="Times New Roman"/>
-                <a:cs typeface="Times New Roman"/>
-              </a:rPr>
-              <a:t>включає </a:t>
-            </a:r>
-            <a:r>
-              <a:rPr sz="1400" spc="10">
-                <a:solidFill>
-                  <a:schemeClr val="tx1"/>
-                </a:solidFill>
-                <a:latin typeface="Times New Roman"/>
-                <a:cs typeface="Times New Roman"/>
-              </a:rPr>
-              <a:t>в себе </a:t>
-            </a:r>
-            <a:r>
-              <a:rPr sz="1400" spc="15">
-                <a:solidFill>
-                  <a:schemeClr val="tx1"/>
-                </a:solidFill>
-                <a:latin typeface="Times New Roman"/>
-                <a:cs typeface="Times New Roman"/>
-              </a:rPr>
-              <a:t>веб</a:t>
-            </a:r>
-            <a:r>
-              <a:rPr sz="1400" spc="15">
-                <a:solidFill>
-                  <a:schemeClr val="tx1"/>
-                </a:solidFill>
-                <a:latin typeface="Times New Roman"/>
-                <a:cs typeface="Times New Roman"/>
-              </a:rPr>
-              <a:t>-</a:t>
-            </a:r>
-            <a:r>
-              <a:rPr sz="1400" spc="15">
-                <a:solidFill>
-                  <a:schemeClr val="tx1"/>
-                </a:solidFill>
-                <a:latin typeface="Times New Roman"/>
-                <a:cs typeface="Times New Roman"/>
-              </a:rPr>
-              <a:t>гаманець </a:t>
-            </a:r>
-            <a:r>
-              <a:rPr sz="1400" spc="5">
-                <a:solidFill>
-                  <a:schemeClr val="tx1"/>
-                </a:solidFill>
-                <a:latin typeface="Times New Roman"/>
-                <a:cs typeface="Times New Roman"/>
-              </a:rPr>
-              <a:t>і </a:t>
-            </a:r>
-            <a:r>
-              <a:rPr sz="1400">
-                <a:solidFill>
-                  <a:schemeClr val="tx1"/>
-                </a:solidFill>
-                <a:latin typeface="Times New Roman"/>
-                <a:cs typeface="Times New Roman"/>
-              </a:rPr>
-              <a:t>консольний </a:t>
-            </a:r>
-            <a:r>
-              <a:rPr sz="1400" spc="5">
-                <a:solidFill>
-                  <a:schemeClr val="tx1"/>
-                </a:solidFill>
-                <a:latin typeface="Times New Roman"/>
-                <a:cs typeface="Times New Roman"/>
-              </a:rPr>
-              <a:t> </a:t>
-            </a:r>
-            <a:r>
-              <a:rPr sz="1400" spc="10">
-                <a:solidFill>
-                  <a:schemeClr val="tx1"/>
-                </a:solidFill>
-                <a:latin typeface="Times New Roman"/>
-                <a:cs typeface="Times New Roman"/>
-              </a:rPr>
-              <a:t>інтерфейс</a:t>
-            </a:r>
-            <a:r>
-              <a:rPr sz="1400" spc="10">
-                <a:solidFill>
-                  <a:schemeClr val="tx1"/>
-                </a:solidFill>
-                <a:latin typeface="Times New Roman"/>
-                <a:cs typeface="Times New Roman"/>
-              </a:rPr>
-              <a:t>, </a:t>
-            </a:r>
-            <a:r>
-              <a:rPr sz="1400" spc="15">
-                <a:solidFill>
-                  <a:schemeClr val="tx1"/>
-                </a:solidFill>
-                <a:latin typeface="Times New Roman"/>
-                <a:cs typeface="Times New Roman"/>
-              </a:rPr>
-              <a:t>що </a:t>
-            </a:r>
-            <a:r>
-              <a:rPr sz="1400" spc="10">
-                <a:solidFill>
-                  <a:schemeClr val="tx1"/>
-                </a:solidFill>
-                <a:latin typeface="Times New Roman"/>
-                <a:cs typeface="Times New Roman"/>
-              </a:rPr>
-              <a:t>робить </a:t>
-            </a:r>
-            <a:r>
-              <a:rPr sz="1400" spc="5">
-                <a:solidFill>
-                  <a:schemeClr val="tx1"/>
-                </a:solidFill>
-                <a:latin typeface="Times New Roman"/>
-                <a:cs typeface="Times New Roman"/>
-              </a:rPr>
-              <a:t>її </a:t>
-            </a:r>
-            <a:r>
-              <a:rPr sz="1400" spc="10">
-                <a:solidFill>
-                  <a:schemeClr val="tx1"/>
-                </a:solidFill>
-                <a:latin typeface="Times New Roman"/>
-                <a:cs typeface="Times New Roman"/>
-              </a:rPr>
-              <a:t>доступною як для досвідчених </a:t>
-            </a:r>
-            <a:r>
-              <a:rPr sz="1400" spc="15">
-                <a:solidFill>
-                  <a:schemeClr val="tx1"/>
-                </a:solidFill>
-                <a:latin typeface="Times New Roman"/>
-                <a:cs typeface="Times New Roman"/>
-              </a:rPr>
-              <a:t> </a:t>
-            </a:r>
-            <a:r>
-              <a:rPr sz="1400" spc="-5">
-                <a:solidFill>
-                  <a:schemeClr val="tx1"/>
-                </a:solidFill>
-                <a:latin typeface="Times New Roman"/>
-                <a:cs typeface="Times New Roman"/>
-              </a:rPr>
-              <a:t>користувачів </a:t>
-            </a:r>
-            <a:r>
-              <a:rPr sz="1400" spc="10">
-                <a:solidFill>
-                  <a:schemeClr val="tx1"/>
-                </a:solidFill>
-                <a:latin typeface="Times New Roman"/>
-                <a:cs typeface="Times New Roman"/>
-              </a:rPr>
-              <a:t>криптовалют</a:t>
-            </a:r>
-            <a:r>
-              <a:rPr sz="1400" spc="10">
-                <a:solidFill>
-                  <a:schemeClr val="tx1"/>
-                </a:solidFill>
-                <a:latin typeface="Times New Roman"/>
-                <a:cs typeface="Times New Roman"/>
-              </a:rPr>
-              <a:t>, </a:t>
-            </a:r>
-            <a:r>
-              <a:rPr sz="1400" spc="15">
-                <a:solidFill>
-                  <a:schemeClr val="tx1"/>
-                </a:solidFill>
-                <a:latin typeface="Times New Roman"/>
-                <a:cs typeface="Times New Roman"/>
-              </a:rPr>
-              <a:t>так </a:t>
-            </a:r>
-            <a:r>
-              <a:rPr sz="1400" spc="5">
-                <a:solidFill>
-                  <a:schemeClr val="tx1"/>
-                </a:solidFill>
-                <a:latin typeface="Times New Roman"/>
-                <a:cs typeface="Times New Roman"/>
-              </a:rPr>
-              <a:t>і </a:t>
-            </a:r>
-            <a:r>
-              <a:rPr sz="1400" spc="10">
-                <a:solidFill>
-                  <a:schemeClr val="tx1"/>
-                </a:solidFill>
-                <a:latin typeface="Times New Roman"/>
-                <a:cs typeface="Times New Roman"/>
-              </a:rPr>
-              <a:t>для </a:t>
-            </a:r>
-            <a:r>
-              <a:rPr sz="1400" spc="15">
-                <a:solidFill>
-                  <a:schemeClr val="tx1"/>
-                </a:solidFill>
-                <a:latin typeface="Times New Roman"/>
-                <a:cs typeface="Times New Roman"/>
-              </a:rPr>
-              <a:t>тих</a:t>
-            </a:r>
-            <a:r>
-              <a:rPr sz="1400" spc="15">
-                <a:solidFill>
-                  <a:schemeClr val="tx1"/>
-                </a:solidFill>
-                <a:latin typeface="Times New Roman"/>
-                <a:cs typeface="Times New Roman"/>
-              </a:rPr>
-              <a:t>, </a:t>
-            </a:r>
-            <a:r>
-              <a:rPr sz="1400" spc="-10">
-                <a:solidFill>
-                  <a:schemeClr val="tx1"/>
-                </a:solidFill>
-                <a:latin typeface="Times New Roman"/>
-                <a:cs typeface="Times New Roman"/>
-              </a:rPr>
-              <a:t>хто </a:t>
-            </a:r>
-            <a:r>
-              <a:rPr sz="1400" spc="10">
-                <a:solidFill>
-                  <a:schemeClr val="tx1"/>
-                </a:solidFill>
-                <a:latin typeface="Times New Roman"/>
-                <a:cs typeface="Times New Roman"/>
-              </a:rPr>
-              <a:t>ними не </a:t>
-            </a:r>
-            <a:r>
-              <a:rPr sz="1400" spc="15">
-                <a:solidFill>
-                  <a:schemeClr val="tx1"/>
-                </a:solidFill>
-                <a:latin typeface="Times New Roman"/>
-                <a:cs typeface="Times New Roman"/>
-              </a:rPr>
-              <a:t> </a:t>
-            </a:r>
-            <a:r>
-              <a:rPr sz="1400" spc="5">
-                <a:solidFill>
-                  <a:schemeClr val="tx1"/>
-                </a:solidFill>
-                <a:latin typeface="Times New Roman"/>
-                <a:cs typeface="Times New Roman"/>
-              </a:rPr>
-              <a:t>володіє</a:t>
-            </a:r>
-            <a:r>
-              <a:rPr sz="1400" spc="5">
-                <a:solidFill>
-                  <a:schemeClr val="tx1"/>
-                </a:solidFill>
-                <a:latin typeface="Times New Roman"/>
-                <a:cs typeface="Times New Roman"/>
-              </a:rPr>
-              <a:t>. </a:t>
-            </a:r>
-            <a:r>
-              <a:rPr sz="1400" spc="10">
-                <a:solidFill>
-                  <a:schemeClr val="tx1"/>
-                </a:solidFill>
-                <a:latin typeface="Times New Roman"/>
-                <a:cs typeface="Times New Roman"/>
-              </a:rPr>
-              <a:t>Програмні </a:t>
-            </a:r>
-            <a:r>
-              <a:rPr sz="1400">
-                <a:solidFill>
-                  <a:schemeClr val="tx1"/>
-                </a:solidFill>
-                <a:latin typeface="Times New Roman"/>
-                <a:cs typeface="Times New Roman"/>
-              </a:rPr>
-              <a:t>компоненти включають </a:t>
-            </a:r>
-            <a:r>
-              <a:rPr sz="1400" spc="10">
-                <a:solidFill>
-                  <a:schemeClr val="tx1"/>
-                </a:solidFill>
-                <a:latin typeface="Times New Roman"/>
-                <a:cs typeface="Times New Roman"/>
-              </a:rPr>
-              <a:t>в себе </a:t>
-            </a:r>
-            <a:r>
-              <a:rPr sz="1400" spc="15">
-                <a:solidFill>
-                  <a:schemeClr val="tx1"/>
-                </a:solidFill>
-                <a:latin typeface="Times New Roman"/>
-                <a:cs typeface="Times New Roman"/>
-              </a:rPr>
-              <a:t> </a:t>
-            </a:r>
-            <a:r>
-              <a:rPr sz="1400" spc="55">
-                <a:solidFill>
-                  <a:schemeClr val="tx1"/>
-                </a:solidFill>
-                <a:latin typeface="Times New Roman"/>
-                <a:cs typeface="Times New Roman"/>
-              </a:rPr>
-              <a:t>Blockchain</a:t>
-            </a:r>
-            <a:r>
-              <a:rPr sz="1400" spc="-10">
-                <a:solidFill>
-                  <a:schemeClr val="tx1"/>
-                </a:solidFill>
-                <a:latin typeface="Times New Roman"/>
-                <a:cs typeface="Times New Roman"/>
-              </a:rPr>
-              <a:t> </a:t>
-            </a:r>
-            <a:r>
-              <a:rPr sz="1400" spc="70">
-                <a:solidFill>
-                  <a:schemeClr val="tx1"/>
-                </a:solidFill>
-                <a:latin typeface="Times New Roman"/>
-                <a:cs typeface="Times New Roman"/>
-              </a:rPr>
-              <a:t>Nodes</a:t>
-            </a:r>
-            <a:r>
-              <a:rPr sz="1400" spc="70">
-                <a:solidFill>
-                  <a:schemeClr val="tx1"/>
-                </a:solidFill>
-                <a:latin typeface="Times New Roman"/>
-                <a:cs typeface="Times New Roman"/>
-              </a:rPr>
-              <a:t>,</a:t>
-            </a:r>
-            <a:r>
-              <a:rPr sz="1400">
-                <a:solidFill>
-                  <a:schemeClr val="tx1"/>
-                </a:solidFill>
-                <a:latin typeface="Times New Roman"/>
-                <a:cs typeface="Times New Roman"/>
-              </a:rPr>
-              <a:t> </a:t>
-            </a:r>
-            <a:r>
-              <a:rPr sz="1400" spc="55">
-                <a:solidFill>
-                  <a:schemeClr val="tx1"/>
-                </a:solidFill>
-                <a:latin typeface="Times New Roman"/>
-                <a:cs typeface="Times New Roman"/>
-              </a:rPr>
-              <a:t>Blockchain</a:t>
-            </a:r>
-            <a:r>
-              <a:rPr sz="1400" spc="-10">
-                <a:solidFill>
-                  <a:schemeClr val="tx1"/>
-                </a:solidFill>
-                <a:latin typeface="Times New Roman"/>
-                <a:cs typeface="Times New Roman"/>
-              </a:rPr>
-              <a:t> </a:t>
-            </a:r>
-            <a:r>
-              <a:rPr sz="1400" spc="50">
-                <a:solidFill>
-                  <a:schemeClr val="tx1"/>
-                </a:solidFill>
-                <a:latin typeface="Times New Roman"/>
-                <a:cs typeface="Times New Roman"/>
-              </a:rPr>
-              <a:t>Ledger</a:t>
-            </a:r>
-            <a:r>
-              <a:rPr sz="1400" spc="50">
-                <a:solidFill>
-                  <a:schemeClr val="tx1"/>
-                </a:solidFill>
-                <a:latin typeface="Times New Roman"/>
-                <a:cs typeface="Times New Roman"/>
-              </a:rPr>
-              <a:t>,</a:t>
-            </a:r>
-            <a:r>
-              <a:rPr sz="1400">
-                <a:solidFill>
-                  <a:schemeClr val="tx1"/>
-                </a:solidFill>
-                <a:latin typeface="Times New Roman"/>
-                <a:cs typeface="Times New Roman"/>
-              </a:rPr>
-              <a:t> </a:t>
-            </a:r>
-            <a:r>
-              <a:rPr sz="1400" spc="90">
-                <a:solidFill>
-                  <a:schemeClr val="tx1"/>
-                </a:solidFill>
-                <a:latin typeface="Times New Roman"/>
-                <a:cs typeface="Times New Roman"/>
-              </a:rPr>
-              <a:t>Mempool</a:t>
-            </a:r>
-            <a:r>
-              <a:rPr sz="1400" spc="90">
-                <a:solidFill>
-                  <a:schemeClr val="tx1"/>
-                </a:solidFill>
-                <a:latin typeface="Times New Roman"/>
-                <a:cs typeface="Times New Roman"/>
-              </a:rPr>
-              <a:t>,</a:t>
-            </a:r>
-            <a:r>
-              <a:rPr sz="1400">
-                <a:solidFill>
-                  <a:schemeClr val="tx1"/>
-                </a:solidFill>
-                <a:latin typeface="Times New Roman"/>
-                <a:cs typeface="Times New Roman"/>
-              </a:rPr>
-              <a:t> </a:t>
-            </a:r>
-            <a:r>
-              <a:rPr sz="1400" spc="15">
-                <a:solidFill>
-                  <a:schemeClr val="tx1"/>
-                </a:solidFill>
-                <a:latin typeface="Times New Roman"/>
-                <a:cs typeface="Times New Roman"/>
-              </a:rPr>
-              <a:t>процес </a:t>
-            </a:r>
-            <a:r>
-              <a:rPr sz="1400" spc="-335">
-                <a:solidFill>
-                  <a:schemeClr val="tx1"/>
-                </a:solidFill>
-                <a:latin typeface="Times New Roman"/>
-                <a:cs typeface="Times New Roman"/>
-              </a:rPr>
-              <a:t> </a:t>
-            </a:r>
-            <a:r>
-              <a:rPr sz="1400" spc="5">
-                <a:solidFill>
-                  <a:schemeClr val="tx1"/>
-                </a:solidFill>
-                <a:latin typeface="Times New Roman"/>
-                <a:cs typeface="Times New Roman"/>
-              </a:rPr>
-              <a:t>перевірки </a:t>
-            </a:r>
-            <a:r>
-              <a:rPr sz="1400" spc="10">
-                <a:solidFill>
-                  <a:schemeClr val="tx1"/>
-                </a:solidFill>
-                <a:latin typeface="Times New Roman"/>
-                <a:cs typeface="Times New Roman"/>
-              </a:rPr>
-              <a:t>транзакцій </a:t>
-            </a:r>
-            <a:r>
-              <a:rPr sz="1400" spc="5">
-                <a:solidFill>
-                  <a:schemeClr val="tx1"/>
-                </a:solidFill>
-                <a:latin typeface="Times New Roman"/>
-                <a:cs typeface="Times New Roman"/>
-              </a:rPr>
-              <a:t>і </a:t>
-            </a:r>
-            <a:r>
-              <a:rPr sz="1400" spc="15">
-                <a:solidFill>
-                  <a:schemeClr val="tx1"/>
-                </a:solidFill>
-                <a:latin typeface="Times New Roman"/>
-                <a:cs typeface="Times New Roman"/>
-              </a:rPr>
-              <a:t>веб</a:t>
-            </a:r>
-            <a:r>
-              <a:rPr sz="1400" spc="15">
-                <a:solidFill>
-                  <a:schemeClr val="tx1"/>
-                </a:solidFill>
-                <a:latin typeface="Times New Roman"/>
-                <a:cs typeface="Times New Roman"/>
-              </a:rPr>
-              <a:t>-</a:t>
-            </a:r>
-            <a:r>
-              <a:rPr sz="1400" spc="15">
-                <a:solidFill>
-                  <a:schemeClr val="tx1"/>
-                </a:solidFill>
-                <a:latin typeface="Times New Roman"/>
-                <a:cs typeface="Times New Roman"/>
-              </a:rPr>
-              <a:t>гаманець</a:t>
-            </a:r>
-            <a:r>
-              <a:rPr sz="1400" spc="15">
-                <a:solidFill>
-                  <a:schemeClr val="tx1"/>
-                </a:solidFill>
-                <a:latin typeface="Times New Roman"/>
-                <a:cs typeface="Times New Roman"/>
-              </a:rPr>
-              <a:t>. </a:t>
-            </a:r>
-            <a:r>
-              <a:rPr sz="1400" spc="10">
-                <a:solidFill>
-                  <a:schemeClr val="tx1"/>
-                </a:solidFill>
-                <a:latin typeface="Times New Roman"/>
-                <a:cs typeface="Times New Roman"/>
-              </a:rPr>
-              <a:t>Ці </a:t>
-            </a:r>
-            <a:r>
-              <a:rPr sz="1400">
-                <a:solidFill>
-                  <a:schemeClr val="tx1"/>
-                </a:solidFill>
-                <a:latin typeface="Times New Roman"/>
-                <a:cs typeface="Times New Roman"/>
-              </a:rPr>
-              <a:t>компоненти </a:t>
-            </a:r>
-            <a:r>
-              <a:rPr sz="1400" spc="5">
-                <a:solidFill>
-                  <a:schemeClr val="tx1"/>
-                </a:solidFill>
-                <a:latin typeface="Times New Roman"/>
-                <a:cs typeface="Times New Roman"/>
-              </a:rPr>
-              <a:t> </a:t>
-            </a:r>
-            <a:r>
-              <a:rPr sz="1400" spc="10">
-                <a:solidFill>
-                  <a:schemeClr val="tx1"/>
-                </a:solidFill>
-                <a:latin typeface="Times New Roman"/>
-                <a:cs typeface="Times New Roman"/>
-              </a:rPr>
-              <a:t>працюють разом</a:t>
-            </a:r>
-            <a:r>
-              <a:rPr sz="1400" spc="10">
-                <a:solidFill>
-                  <a:schemeClr val="tx1"/>
-                </a:solidFill>
-                <a:latin typeface="Times New Roman"/>
-                <a:cs typeface="Times New Roman"/>
-              </a:rPr>
-              <a:t>, </a:t>
-            </a:r>
-            <a:r>
-              <a:rPr sz="1400" spc="10">
-                <a:solidFill>
-                  <a:schemeClr val="tx1"/>
-                </a:solidFill>
-                <a:latin typeface="Times New Roman"/>
-                <a:cs typeface="Times New Roman"/>
-              </a:rPr>
-              <a:t>щоб </a:t>
-            </a:r>
-            <a:r>
-              <a:rPr sz="1400" spc="5">
-                <a:solidFill>
-                  <a:schemeClr val="tx1"/>
-                </a:solidFill>
-                <a:latin typeface="Times New Roman"/>
-                <a:cs typeface="Times New Roman"/>
-              </a:rPr>
-              <a:t>підтримувати </a:t>
-            </a:r>
-            <a:r>
-              <a:rPr sz="1400" spc="10">
-                <a:solidFill>
-                  <a:schemeClr val="tx1"/>
-                </a:solidFill>
-                <a:latin typeface="Times New Roman"/>
-                <a:cs typeface="Times New Roman"/>
-              </a:rPr>
-              <a:t>мережу </a:t>
-            </a:r>
-            <a:r>
-              <a:rPr sz="1400" spc="-5">
-                <a:solidFill>
-                  <a:schemeClr val="tx1"/>
-                </a:solidFill>
-                <a:latin typeface="Times New Roman"/>
-                <a:cs typeface="Times New Roman"/>
-              </a:rPr>
-              <a:t>блокчейн </a:t>
-            </a:r>
-            <a:r>
-              <a:rPr sz="1400" spc="5">
-                <a:solidFill>
-                  <a:schemeClr val="tx1"/>
-                </a:solidFill>
-                <a:latin typeface="Times New Roman"/>
-                <a:cs typeface="Times New Roman"/>
-              </a:rPr>
-              <a:t>і </a:t>
-            </a:r>
-            <a:r>
-              <a:rPr sz="1400" spc="10">
-                <a:solidFill>
-                  <a:schemeClr val="tx1"/>
-                </a:solidFill>
-                <a:latin typeface="Times New Roman"/>
-                <a:cs typeface="Times New Roman"/>
-              </a:rPr>
-              <a:t> </a:t>
-            </a:r>
-            <a:r>
-              <a:rPr sz="1400" spc="5">
-                <a:solidFill>
-                  <a:schemeClr val="tx1"/>
-                </a:solidFill>
-                <a:latin typeface="Times New Roman"/>
-                <a:cs typeface="Times New Roman"/>
-              </a:rPr>
-              <a:t>гарантувати</a:t>
-            </a:r>
-            <a:r>
-              <a:rPr sz="1400" spc="5">
-                <a:solidFill>
-                  <a:schemeClr val="tx1"/>
-                </a:solidFill>
-                <a:latin typeface="Times New Roman"/>
-                <a:cs typeface="Times New Roman"/>
-              </a:rPr>
-              <a:t>,</a:t>
-            </a:r>
-            <a:r>
-              <a:rPr sz="1400" spc="25">
-                <a:solidFill>
-                  <a:schemeClr val="tx1"/>
-                </a:solidFill>
-                <a:latin typeface="Times New Roman"/>
-                <a:cs typeface="Times New Roman"/>
-              </a:rPr>
-              <a:t> </a:t>
-            </a:r>
-            <a:r>
-              <a:rPr sz="1400" spc="15">
-                <a:solidFill>
-                  <a:schemeClr val="tx1"/>
-                </a:solidFill>
-                <a:latin typeface="Times New Roman"/>
-                <a:cs typeface="Times New Roman"/>
-              </a:rPr>
-              <a:t>що </a:t>
-            </a:r>
-            <a:r>
-              <a:rPr sz="1400" spc="5">
-                <a:solidFill>
-                  <a:schemeClr val="tx1"/>
-                </a:solidFill>
-                <a:latin typeface="Times New Roman"/>
-                <a:cs typeface="Times New Roman"/>
-              </a:rPr>
-              <a:t>тільки</a:t>
-            </a:r>
-            <a:r>
-              <a:rPr sz="1400" spc="15">
-                <a:solidFill>
-                  <a:schemeClr val="tx1"/>
-                </a:solidFill>
-                <a:latin typeface="Times New Roman"/>
-                <a:cs typeface="Times New Roman"/>
-              </a:rPr>
-              <a:t> </a:t>
-            </a:r>
-            <a:r>
-              <a:rPr sz="1400" spc="5">
-                <a:solidFill>
-                  <a:schemeClr val="tx1"/>
-                </a:solidFill>
-                <a:latin typeface="Times New Roman"/>
-                <a:cs typeface="Times New Roman"/>
-              </a:rPr>
-              <a:t>дійсні</a:t>
-            </a:r>
-            <a:r>
-              <a:rPr sz="1400" spc="20">
-                <a:solidFill>
-                  <a:schemeClr val="tx1"/>
-                </a:solidFill>
-                <a:latin typeface="Times New Roman"/>
-                <a:cs typeface="Times New Roman"/>
-              </a:rPr>
-              <a:t> </a:t>
-            </a:r>
-            <a:r>
-              <a:rPr sz="1400" spc="10">
-                <a:solidFill>
-                  <a:schemeClr val="tx1"/>
-                </a:solidFill>
-                <a:latin typeface="Times New Roman"/>
-                <a:cs typeface="Times New Roman"/>
-              </a:rPr>
-              <a:t>транзакції</a:t>
-            </a:r>
-            <a:r>
-              <a:rPr sz="1400" spc="15">
-                <a:solidFill>
-                  <a:schemeClr val="tx1"/>
-                </a:solidFill>
-                <a:latin typeface="Times New Roman"/>
-                <a:cs typeface="Times New Roman"/>
-              </a:rPr>
-              <a:t> </a:t>
-            </a:r>
-            <a:r>
-              <a:rPr sz="1400" spc="-15">
-                <a:solidFill>
-                  <a:schemeClr val="tx1"/>
-                </a:solidFill>
-                <a:latin typeface="Times New Roman"/>
-                <a:cs typeface="Times New Roman"/>
-              </a:rPr>
-              <a:t>будуть</a:t>
-            </a:r>
-            <a:r>
-              <a:rPr sz="1400" spc="15">
-                <a:solidFill>
-                  <a:schemeClr val="tx1"/>
-                </a:solidFill>
-                <a:latin typeface="Times New Roman"/>
-                <a:cs typeface="Times New Roman"/>
-              </a:rPr>
-              <a:t> </a:t>
-            </a:r>
-            <a:r>
-              <a:rPr sz="1400">
-                <a:solidFill>
-                  <a:schemeClr val="tx1"/>
-                </a:solidFill>
-                <a:latin typeface="Times New Roman"/>
-                <a:cs typeface="Times New Roman"/>
-              </a:rPr>
-              <a:t>включені </a:t>
-            </a:r>
-            <a:r>
-              <a:rPr sz="1400" spc="5">
-                <a:solidFill>
-                  <a:schemeClr val="tx1"/>
-                </a:solidFill>
-                <a:latin typeface="Times New Roman"/>
-                <a:cs typeface="Times New Roman"/>
-              </a:rPr>
-              <a:t> </a:t>
-            </a:r>
-            <a:r>
-              <a:rPr sz="1400" spc="10">
-                <a:solidFill>
-                  <a:schemeClr val="tx1"/>
-                </a:solidFill>
-                <a:latin typeface="Times New Roman"/>
-                <a:cs typeface="Times New Roman"/>
-              </a:rPr>
-              <a:t>в</a:t>
-            </a:r>
-            <a:r>
-              <a:rPr sz="1400" spc="-20">
-                <a:solidFill>
-                  <a:schemeClr val="tx1"/>
-                </a:solidFill>
-                <a:latin typeface="Times New Roman"/>
-                <a:cs typeface="Times New Roman"/>
-              </a:rPr>
-              <a:t> </a:t>
-            </a:r>
-            <a:r>
-              <a:rPr sz="1400">
-                <a:solidFill>
-                  <a:schemeClr val="tx1"/>
-                </a:solidFill>
-                <a:latin typeface="Times New Roman"/>
-                <a:cs typeface="Times New Roman"/>
-              </a:rPr>
-              <a:t>блокчейн</a:t>
-            </a:r>
-            <a:r>
-              <a:rPr sz="1400">
-                <a:solidFill>
-                  <a:schemeClr val="tx1"/>
-                </a:solidFill>
-                <a:latin typeface="Times New Roman"/>
-                <a:cs typeface="Times New Roman"/>
-              </a:rPr>
-              <a:t>.</a:t>
+              <a:t>блокчейн.</a:t>
             </a:r>
             <a:endParaRPr sz="1200">
               <a:solidFill>
@@ -9937,7 +9317,7 @@
             </a:pPr>
             <a:fld id="{9E735286-D653-970E-6EB7-3767F71D2E85}" type="slidenum">
               <a:rPr sz="2800"/>
-              <a:t/>
+              <a:t>6</a:t>
             </a:fld>
             <a:endParaRPr/>
           </a:p>
@@ -9945,12 +9325,12 @@
       </p:sp>
       <p:sp>
         <p:nvSpPr>
-          <p:cNvPr id="1149062720" name=""/>
+          <p:cNvPr id="1149062720" name="Прямоугольник 1149062719"/>
           <p:cNvSpPr/>
           <p:nvPr/>
         </p:nvSpPr>
         <p:spPr bwMode="auto">
-          <a:xfrm flipH="0" flipV="0">
+          <a:xfrm>
             <a:off x="11655882" y="27612"/>
             <a:ext cx="527110" cy="545605"/>
           </a:xfrm>
@@ -9986,7 +9366,7 @@
       </p:sp>
       <p:pic>
         <p:nvPicPr>
-          <p:cNvPr id="1745909952" name=""/>
+          <p:cNvPr id="1745909952" name="Рисунок 1745909951"/>
           <p:cNvPicPr>
             <a:picLocks noChangeAspect="1"/>
           </p:cNvPicPr>
@@ -9997,7 +9377,7 @@
           <a:stretch/>
         </p:blipFill>
         <p:spPr bwMode="auto">
-          <a:xfrm flipH="0" flipV="0">
+          <a:xfrm>
             <a:off x="1340897" y="1516601"/>
             <a:ext cx="4670970" cy="3569180"/>
           </a:xfrm>
@@ -10011,27 +9391,20 @@
   <p:clrMapOvr>
     <a:masterClrMapping/>
   </p:clrMapOvr>
-  <mc:AlternateContent xmlns:mc="http://schemas.openxmlformats.org/markup-compatibility/2006">
-    <mc:Choice xmlns:p14="http://schemas.microsoft.com/office/powerpoint/2010/main" Requires="p14">
-      <p:transition p14:dur="2000" advClick="1"/>
-    </mc:Choice>
-    <mc:Fallback>
-      <p:transition advClick="1"/>
-    </mc:Fallback>
-  </mc:AlternateContent>
 </p:sld>
 </file>
 
 <file path=ppt/slides/slide7.xml><?xml version="1.0" encoding="utf-8"?>
-<p:sld xmlns:a="http://schemas.openxmlformats.org/drawingml/2006/main" xmlns:r="http://schemas.openxmlformats.org/officeDocument/2006/relationships" xmlns:p="http://schemas.openxmlformats.org/presentationml/2006/main" xmlns:m="http://schemas.openxmlformats.org/officeDocument/2006/math" xmlns:w="http://schemas.openxmlformats.org/wordprocessingml/2006/main" showMasterPhAnim="0" show="1">
-  <p:cSld name="">
+<p:sld xmlns:a="http://schemas.openxmlformats.org/drawingml/2006/main" xmlns:r="http://schemas.openxmlformats.org/officeDocument/2006/relationships" xmlns:p="http://schemas.openxmlformats.org/presentationml/2006/main" showMasterPhAnim="0">
+  <p:cSld>
     <p:bg>
-      <p:bgPr shadeToTitle="0">
+      <p:bgPr>
         <a:solidFill>
           <a:schemeClr val="bg2">
             <a:lumMod val="90000"/>
           </a:schemeClr>
         </a:solidFill>
+        <a:effectLst/>
       </p:bgPr>
     </p:bg>
     <p:spTree>
@@ -11390,7 +10763,7 @@
             </a:pPr>
             <a:fld id="{E5FBD778-7CD5-EE5E-0148-5519B145FB9C}" type="slidenum">
               <a:rPr sz="2800"/>
-              <a:t/>
+              <a:t>7</a:t>
             </a:fld>
             <a:endParaRPr/>
           </a:p>
@@ -11398,12 +10771,12 @@
       </p:sp>
       <p:sp>
         <p:nvSpPr>
-          <p:cNvPr id="1883375732" name=""/>
+          <p:cNvPr id="1883375732" name="Прямоугольник 1883375731"/>
           <p:cNvSpPr/>
           <p:nvPr/>
         </p:nvSpPr>
         <p:spPr bwMode="auto">
-          <a:xfrm flipH="0" flipV="0">
+          <a:xfrm>
             <a:off x="11655882" y="27612"/>
             <a:ext cx="527110" cy="545605"/>
           </a:xfrm>
@@ -11439,7 +10812,7 @@
       </p:sp>
       <p:pic>
         <p:nvPicPr>
-          <p:cNvPr id="622293827" name=""/>
+          <p:cNvPr id="622293827" name="Рисунок 622293826"/>
           <p:cNvPicPr>
             <a:picLocks noChangeAspect="1"/>
           </p:cNvPicPr>
@@ -11450,7 +10823,7 @@
           <a:stretch/>
         </p:blipFill>
         <p:spPr bwMode="auto">
-          <a:xfrm flipH="0" flipV="0">
+          <a:xfrm>
             <a:off x="6020325" y="974424"/>
             <a:ext cx="4754043" cy="4479015"/>
           </a:xfrm>
@@ -11470,27 +10843,20 @@
   <p:clrMapOvr>
     <a:masterClrMapping/>
   </p:clrMapOvr>
-  <mc:AlternateContent xmlns:mc="http://schemas.openxmlformats.org/markup-compatibility/2006">
-    <mc:Choice xmlns:p14="http://schemas.microsoft.com/office/powerpoint/2010/main" Requires="p14">
-      <p:transition p14:dur="2000" advClick="1"/>
-    </mc:Choice>
-    <mc:Fallback>
-      <p:transition advClick="1"/>
-    </mc:Fallback>
-  </mc:AlternateContent>
 </p:sld>
 </file>
 
 <file path=ppt/slides/slide8.xml><?xml version="1.0" encoding="utf-8"?>
-<p:sld xmlns:a="http://schemas.openxmlformats.org/drawingml/2006/main" xmlns:r="http://schemas.openxmlformats.org/officeDocument/2006/relationships" xmlns:p="http://schemas.openxmlformats.org/presentationml/2006/main" xmlns:m="http://schemas.openxmlformats.org/officeDocument/2006/math" xmlns:w="http://schemas.openxmlformats.org/wordprocessingml/2006/main" showMasterPhAnim="0" show="1">
-  <p:cSld name="">
+<p:sld xmlns:a="http://schemas.openxmlformats.org/drawingml/2006/main" xmlns:r="http://schemas.openxmlformats.org/officeDocument/2006/relationships" xmlns:p="http://schemas.openxmlformats.org/presentationml/2006/main" showMasterPhAnim="0">
+  <p:cSld>
     <p:bg>
-      <p:bgPr shadeToTitle="0">
+      <p:bgPr>
         <a:solidFill>
           <a:schemeClr val="bg2">
             <a:lumMod val="90000"/>
           </a:schemeClr>
         </a:solidFill>
+        <a:effectLst/>
       </p:bgPr>
     </p:bg>
     <p:spTree>
@@ -11718,7 +11084,7 @@
             </a:pPr>
             <a:fld id="{729B0431-B62E-8096-9332-C52E92708A6C}" type="slidenum">
               <a:rPr sz="2800"/>
-              <a:t/>
+              <a:t>8</a:t>
             </a:fld>
             <a:endParaRPr/>
           </a:p>
@@ -11726,12 +11092,12 @@
       </p:sp>
       <p:sp>
         <p:nvSpPr>
-          <p:cNvPr id="1276214301" name=""/>
+          <p:cNvPr id="1276214301" name="Прямоугольник 1276214300"/>
           <p:cNvSpPr/>
           <p:nvPr/>
         </p:nvSpPr>
         <p:spPr bwMode="auto">
-          <a:xfrm flipH="0" flipV="0">
+          <a:xfrm>
             <a:off x="11655882" y="27612"/>
             <a:ext cx="527110" cy="545605"/>
           </a:xfrm>
@@ -11770,19 +11136,11 @@
   <p:clrMapOvr>
     <a:masterClrMapping/>
   </p:clrMapOvr>
-  <mc:AlternateContent xmlns:mc="http://schemas.openxmlformats.org/markup-compatibility/2006">
-    <mc:Choice xmlns:p14="http://schemas.microsoft.com/office/powerpoint/2010/main" Requires="p14">
-      <p:transition p14:dur="2000" advClick="1"/>
-    </mc:Choice>
-    <mc:Fallback>
-      <p:transition advClick="1"/>
-    </mc:Fallback>
-  </mc:AlternateContent>
 </p:sld>
 </file>
 
 <file path=ppt/theme/theme1.xml><?xml version="1.0" encoding="utf-8"?>
-<a:theme xmlns:a="http://schemas.openxmlformats.org/drawingml/2006/main" xmlns:r="http://schemas.openxmlformats.org/officeDocument/2006/relationships" xmlns:p="http://schemas.openxmlformats.org/presentationml/2006/main" name="Office Theme">
+<a:theme xmlns:a="http://schemas.openxmlformats.org/drawingml/2006/main" name="Office Theme">
   <a:themeElements>
     <a:clrScheme name="Office">
       <a:dk1>
@@ -11987,5 +11345,6 @@
     </a:fmtScheme>
   </a:themeElements>
   <a:objectDefaults/>
+  <a:extraClrSchemeLst/>
 </a:theme>
 </file>
--- a/blokchejn-platforma-dlya-avtomatizovanoyi-platizhnoyi-sistemi-zahist-zvitu-z-tehnologichnoyi-praktiki-2023-5-30-16-16-39.pptx
+++ b/blokchejn-platforma-dlya-avtomatizovanoyi-platizhnoyi-sistemi-zahist-zvitu-z-tehnologichnoyi-praktiki-2023-5-30-16-16-39.pptx
@@ -1,18 +1,17 @@
 
 <file path=ppt/presentation.xml><?xml version="1.0" encoding="utf-8"?>
-<p:presentation xmlns:a="http://schemas.openxmlformats.org/drawingml/2006/main" xmlns:r="http://schemas.openxmlformats.org/officeDocument/2006/relationships" xmlns:p="http://schemas.openxmlformats.org/presentationml/2006/main" showSpecialPlsOnTitleSld="0">
+<p:presentation xmlns:a="http://schemas.openxmlformats.org/drawingml/2006/main" xmlns:r="http://schemas.openxmlformats.org/officeDocument/2006/relationships" xmlns:p="http://schemas.openxmlformats.org/presentationml/2006/main" xmlns:m="http://schemas.openxmlformats.org/officeDocument/2006/math" xmlns:w="http://schemas.openxmlformats.org/wordprocessingml/2006/main" showSpecialPlsOnTitleSld="0">
   <p:sldMasterIdLst>
     <p:sldMasterId id="2147483648" r:id="rId1"/>
   </p:sldMasterIdLst>
   <p:sldIdLst>
-    <p:sldId id="256" r:id="rId2"/>
-    <p:sldId id="257" r:id="rId3"/>
-    <p:sldId id="258" r:id="rId4"/>
-    <p:sldId id="259" r:id="rId5"/>
-    <p:sldId id="260" r:id="rId6"/>
-    <p:sldId id="261" r:id="rId7"/>
-    <p:sldId id="262" r:id="rId8"/>
-    <p:sldId id="263" r:id="rId9"/>
+    <p:sldId id="256" r:id="rId3"/>
+    <p:sldId id="257" r:id="rId4"/>
+    <p:sldId id="258" r:id="rId5"/>
+    <p:sldId id="259" r:id="rId6"/>
+    <p:sldId id="260" r:id="rId7"/>
+    <p:sldId id="261" r:id="rId8"/>
+    <p:sldId id="262" r:id="rId9"/>
   </p:sldIdLst>
   <p:sldSz cx="12192000" cy="6413500"/>
   <p:notesSz cx="12192000" cy="6413500"/>
@@ -20,8 +19,8 @@
     <a:defPPr>
       <a:defRPr lang="ru-RU"/>
     </a:defPPr>
-    <a:lvl1pPr marL="0" algn="l" defTabSz="914400" rtl="0" eaLnBrk="1" latinLnBrk="0" hangingPunct="1">
-      <a:defRPr sz="1800" kern="1200">
+    <a:lvl1pPr marL="0" algn="l" defTabSz="914400">
+      <a:defRPr sz="1800">
         <a:solidFill>
           <a:schemeClr val="tx1"/>
         </a:solidFill>
@@ -30,8 +29,8 @@
         <a:cs typeface="+mn-cs"/>
       </a:defRPr>
     </a:lvl1pPr>
-    <a:lvl2pPr marL="457200" algn="l" defTabSz="914400" rtl="0" eaLnBrk="1" latinLnBrk="0" hangingPunct="1">
-      <a:defRPr sz="1800" kern="1200">
+    <a:lvl2pPr marL="457200" algn="l" defTabSz="914400">
+      <a:defRPr sz="1800">
         <a:solidFill>
           <a:schemeClr val="tx1"/>
         </a:solidFill>
@@ -40,8 +39,8 @@
         <a:cs typeface="+mn-cs"/>
       </a:defRPr>
     </a:lvl2pPr>
-    <a:lvl3pPr marL="914400" algn="l" defTabSz="914400" rtl="0" eaLnBrk="1" latinLnBrk="0" hangingPunct="1">
-      <a:defRPr sz="1800" kern="1200">
+    <a:lvl3pPr marL="914400" algn="l" defTabSz="914400">
+      <a:defRPr sz="1800">
         <a:solidFill>
           <a:schemeClr val="tx1"/>
         </a:solidFill>
@@ -50,8 +49,8 @@
         <a:cs typeface="+mn-cs"/>
       </a:defRPr>
     </a:lvl3pPr>
-    <a:lvl4pPr marL="1371600" algn="l" defTabSz="914400" rtl="0" eaLnBrk="1" latinLnBrk="0" hangingPunct="1">
-      <a:defRPr sz="1800" kern="1200">
+    <a:lvl4pPr marL="1371600" algn="l" defTabSz="914400">
+      <a:defRPr sz="1800">
         <a:solidFill>
           <a:schemeClr val="tx1"/>
         </a:solidFill>
@@ -60,8 +59,8 @@
         <a:cs typeface="+mn-cs"/>
       </a:defRPr>
     </a:lvl4pPr>
-    <a:lvl5pPr marL="1828800" algn="l" defTabSz="914400" rtl="0" eaLnBrk="1" latinLnBrk="0" hangingPunct="1">
-      <a:defRPr sz="1800" kern="1200">
+    <a:lvl5pPr marL="1828800" algn="l" defTabSz="914400">
+      <a:defRPr sz="1800">
         <a:solidFill>
           <a:schemeClr val="tx1"/>
         </a:solidFill>
@@ -70,8 +69,8 @@
         <a:cs typeface="+mn-cs"/>
       </a:defRPr>
     </a:lvl5pPr>
-    <a:lvl6pPr marL="2286000" algn="l" defTabSz="914400" rtl="0" eaLnBrk="1" latinLnBrk="0" hangingPunct="1">
-      <a:defRPr sz="1800" kern="1200">
+    <a:lvl6pPr marL="2286000" algn="l" defTabSz="914400">
+      <a:defRPr sz="1800">
         <a:solidFill>
           <a:schemeClr val="tx1"/>
         </a:solidFill>
@@ -80,8 +79,8 @@
         <a:cs typeface="+mn-cs"/>
       </a:defRPr>
     </a:lvl6pPr>
-    <a:lvl7pPr marL="2743200" algn="l" defTabSz="914400" rtl="0" eaLnBrk="1" latinLnBrk="0" hangingPunct="1">
-      <a:defRPr sz="1800" kern="1200">
+    <a:lvl7pPr marL="2743200" algn="l" defTabSz="914400">
+      <a:defRPr sz="1800">
         <a:solidFill>
           <a:schemeClr val="tx1"/>
         </a:solidFill>
@@ -90,8 +89,8 @@
         <a:cs typeface="+mn-cs"/>
       </a:defRPr>
     </a:lvl7pPr>
-    <a:lvl8pPr marL="3200400" algn="l" defTabSz="914400" rtl="0" eaLnBrk="1" latinLnBrk="0" hangingPunct="1">
-      <a:defRPr sz="1800" kern="1200">
+    <a:lvl8pPr marL="3200400" algn="l" defTabSz="914400">
+      <a:defRPr sz="1800">
         <a:solidFill>
           <a:schemeClr val="tx1"/>
         </a:solidFill>
@@ -100,8 +99,8 @@
         <a:cs typeface="+mn-cs"/>
       </a:defRPr>
     </a:lvl8pPr>
-    <a:lvl9pPr marL="3657600" algn="l" defTabSz="914400" rtl="0" eaLnBrk="1" latinLnBrk="0" hangingPunct="1">
-      <a:defRPr sz="1800" kern="1200">
+    <a:lvl9pPr marL="3657600" algn="l" defTabSz="914400">
+      <a:defRPr sz="1800">
         <a:solidFill>
           <a:schemeClr val="tx1"/>
         </a:solidFill>
@@ -111,22 +110,6 @@
       </a:defRPr>
     </a:lvl9pPr>
   </p:defaultTextStyle>
-  <p:extLst>
-    <p:ext uri="{EFAFB233-063F-42B5-8137-9DF3F51BA10A}">
-      <p15:sldGuideLst xmlns:p15="http://schemas.microsoft.com/office/powerpoint/2012/main">
-        <p15:guide id="1" orient="horz" pos="2880">
-          <p15:clr>
-            <a:srgbClr val="A4A3A4"/>
-          </p15:clr>
-        </p15:guide>
-        <p15:guide id="2" pos="2160">
-          <p15:clr>
-            <a:srgbClr val="A4A3A4"/>
-          </p15:clr>
-        </p15:guide>
-      </p15:sldGuideLst>
-    </p:ext>
-  </p:extLst>
 </p:presentation>
 </file>
 
@@ -882,7 +865,7 @@
 </file>
 
 <file path=ppt/diagrams/data1.xml><?xml version="1.0" encoding="utf-8"?>
-<dgm:dataModel xmlns:dgm="http://schemas.openxmlformats.org/drawingml/2006/diagram" xmlns:a="http://schemas.openxmlformats.org/drawingml/2006/main">
+<dgm:dataModel xmlns:dgm="http://schemas.openxmlformats.org/drawingml/2006/diagram" xmlns:a="http://schemas.openxmlformats.org/drawingml/2006/main" xmlns:r="http://schemas.openxmlformats.org/officeDocument/2006/relationships">
   <dgm:ptLst>
     <dgm:pt modelId="{0E58EF5D-A4F6-406B-9846-A092BE01EB22}" type="doc">
       <dgm:prSet loTypeId="urn:microsoft.com/office/officeart/2016/7/layout/LinearBlockProcessNumbered" loCatId="process" qsTypeId="urn:microsoft.com/office/officeart/2005/8/quickstyle/simple1#1" qsCatId="simple" csTypeId="urn:microsoft.com/office/officeart/2005/8/colors/accent0_3" csCatId="mainScheme"/>
@@ -962,7 +945,7 @@
       </dgm:t>
     </dgm:pt>
     <dgm:pt modelId="{94A4947D-84AB-48E6-8DBD-B0FB7DCFE83A}" type="sibTrans" cxnId="{63E21DF4-5FBC-443D-9BC9-43B65A7BD892}">
-      <dgm:prSet phldrT="01" phldr="0"/>
+      <dgm:prSet phldr="0" phldrT="01"/>
       <dgm:spPr bwMode="auto"/>
       <dgm:t>
         <a:bodyPr vertOverflow="overflow" horzOverflow="overflow" vert="horz" rtlCol="0" fromWordArt="0" anchor="ctr" forceAA="0" compatLnSpc="0"/>
@@ -1048,7 +1031,7 @@
       </dgm:t>
     </dgm:pt>
     <dgm:pt modelId="{EB3BD4AE-D7EC-449F-9FEC-6862480B356F}" type="sibTrans" cxnId="{7C51A667-6AED-4C0F-A3C5-24DCB9960B16}">
-      <dgm:prSet phldrT="02" phldr="0"/>
+      <dgm:prSet phldr="0" phldrT="02"/>
       <dgm:spPr bwMode="auto"/>
       <dgm:t>
         <a:bodyPr vertOverflow="overflow" horzOverflow="overflow" vert="horz" rtlCol="0" fromWordArt="0" anchor="ctr" forceAA="0" compatLnSpc="0"/>
@@ -1107,7 +1090,7 @@
               <a:latin typeface="Times New Roman"/>
               <a:cs typeface="Times New Roman"/>
             </a:rPr>
-            <a:t>Вирішення проблеми високих комісійних витрат за рахунок підтримки ефективної роботи мережі навіть при великих обсягах транзакцій, що забезпечує нижчу комісію за транзакції для користувачів.</a:t>
+            <a:t>Вирішити проблеми високих комісійних витрат за рахунок підтримки ефективної роботи мережі навіть при великих обсягах транзакцій, що забезпечує нижчу комісію за транзакції для користувачів.</a:t>
           </a:r>
           <a:endParaRPr sz="1600">
             <a:solidFill>
@@ -1134,7 +1117,7 @@
       </dgm:t>
     </dgm:pt>
     <dgm:pt modelId="{4CBAFDCC-6EA0-4DEA-9121-2062BC43DD0B}" type="sibTrans" cxnId="{4ED74027-7C0D-4D16-A0CB-88ADEB6B9117}">
-      <dgm:prSet phldrT="03" phldr="0"/>
+      <dgm:prSet phldr="0" phldrT="03"/>
       <dgm:spPr bwMode="auto"/>
       <dgm:t>
         <a:bodyPr vertOverflow="overflow" horzOverflow="overflow" vert="horz" rtlCol="0" fromWordArt="0" anchor="ctr" forceAA="0" compatLnSpc="0"/>
@@ -1184,7 +1167,7 @@
       <dgm:spPr bwMode="auto"/>
     </dgm:pt>
     <dgm:pt modelId="{9749F921-1780-4BC4-94D4-CA6CB4386FA2}" type="pres">
-      <dgm:prSet presAssocID="{53958BD8-D0F9-43A4-A8E7-C43BE5627982}" presName="bgRect" presStyleLbl="alignNode1" presStyleIdx="0" presStyleCnt="3" custLinFactY="245"/>
+      <dgm:prSet custLinFactY="245" presAssocID="{53958BD8-D0F9-43A4-A8E7-C43BE5627982}" presName="bgRect" presStyleLbl="alignNode1" presStyleIdx="0" presStyleCnt="3"/>
       <dgm:spPr bwMode="auto">
         <a:solidFill>
           <a:schemeClr val="bg2">
@@ -1337,20 +1320,27 @@
   <dgm:whole/>
   <dgm:extLst>
     <a:ext uri="http://schemas.microsoft.com/office/drawing/2008/diagram">
-      <dsp:dataModelExt xmlns:dsp="http://schemas.microsoft.com/office/drawing/2008/diagram" relId="rId6" minVer="http://schemas.openxmlformats.org/drawingml/2006/diagram"/>
+      <dsp:dataModelExt xmlns:dsp="http://schemas.microsoft.com/office/drawing/2008/diagram" relId="rId1" minVer="http://schemas.openxmlformats.org/drawingml/2006/diagram"/>
     </a:ext>
   </dgm:extLst>
 </dgm:dataModel>
 </file>
 
 <file path=ppt/diagrams/drawing1.xml><?xml version="1.0" encoding="utf-8"?>
-<dsp:drawing xmlns:dgm="http://schemas.openxmlformats.org/drawingml/2006/diagram" xmlns:dsp="http://schemas.microsoft.com/office/drawing/2008/diagram" xmlns:a="http://schemas.openxmlformats.org/drawingml/2006/main">
+<dsp:drawing xmlns:dsp="http://schemas.microsoft.com/office/drawing/2008/diagram" xmlns:dgm="http://schemas.openxmlformats.org/drawingml/2006/diagram" xmlns:a="http://schemas.openxmlformats.org/drawingml/2006/main" xmlns:r="http://schemas.openxmlformats.org/officeDocument/2006/relationships">
   <dsp:spTree>
     <dsp:nvGrpSpPr>
-      <dsp:cNvPr id="0" name=""/>
+      <dsp:cNvPr id="1523554126" name=""/>
       <dsp:cNvGrpSpPr/>
     </dsp:nvGrpSpPr>
-    <dsp:grpSpPr/>
+    <dsp:grpSpPr bwMode="auto">
+      <a:xfrm>
+        <a:off x="0" y="0"/>
+        <a:ext cx="9905999" cy="4082074"/>
+        <a:chOff x="0" y="0"/>
+        <a:chExt cx="9905999" cy="4082074"/>
+      </a:xfrm>
+    </dsp:grpSpPr>
     <dsp:sp modelId="{9749F921-1780-4BC4-94D4-CA6CB4386FA2}">
       <dsp:nvSpPr>
         <dsp:cNvPr id="0" name=""/>
@@ -1401,7 +1391,7 @@
               <a:spcPct val="90000"/>
             </a:lnSpc>
             <a:spcBef>
-              <a:spcPct val="0"/>
+              <a:spcPts val="0"/>
             </a:spcBef>
             <a:spcAft>
               <a:spcPts val="0"/>
@@ -1410,7 +1400,7 @@
             <a:defRPr/>
           </a:pPr>
           <a:r>
-            <a:rPr lang="en-US" sz="1600" b="0" i="0" u="none" strike="noStrike" kern="1200" cap="none" spc="0">
+            <a:rPr lang="en-US" sz="1600" b="0" i="0" u="none" strike="noStrike" cap="none" spc="0">
               <a:solidFill>
                 <a:schemeClr val="tx1"/>
               </a:solidFill>
@@ -1420,7 +1410,7 @@
             <a:t>Розробити блокчейн-систему з гібридною мережевою архітектурою, що дозволить зменшити затримку транзакцій та підвищити масштабованість мережі.</a:t>
           </a:r>
           <a:r>
-            <a:rPr lang="en-US" sz="1600" kern="1200">
+            <a:rPr lang="en-US" sz="1600">
               <a:solidFill>
                 <a:schemeClr val="tx1"/>
               </a:solidFill>
@@ -1429,7 +1419,7 @@
             </a:rPr>
             <a:t> </a:t>
           </a:r>
-          <a:endParaRPr sz="1600" kern="1200">
+          <a:endParaRPr sz="1600">
             <a:solidFill>
               <a:schemeClr val="tx1"/>
             </a:solidFill>
@@ -1462,7 +1452,6 @@
           <a:prstDash val="solid"/>
         </a:ln>
         <a:effectLst/>
-        <a:sp3d/>
       </dsp:spPr>
       <dsp:style>
         <a:lnRef idx="2">
@@ -1489,7 +1478,7 @@
               <a:spcPct val="90000"/>
             </a:lnSpc>
             <a:spcBef>
-              <a:spcPct val="0"/>
+              <a:spcPts val="0"/>
             </a:spcBef>
             <a:spcAft>
               <a:spcPts val="0"/>
@@ -1498,13 +1487,13 @@
             <a:defRPr/>
           </a:pPr>
           <a:r>
-            <a:rPr lang="en-US" sz="6600" kern="1200">
+            <a:rPr lang="en-US" sz="6600">
               <a:latin typeface="Times New Roman"/>
               <a:cs typeface="Times New Roman"/>
             </a:rPr>
             <a:t>01</a:t>
           </a:r>
-          <a:endParaRPr sz="6600" kern="1200">
+          <a:endParaRPr sz="6600">
             <a:latin typeface="Times New Roman"/>
             <a:cs typeface="Times New Roman"/>
           </a:endParaRPr>
@@ -1565,7 +1554,7 @@
               <a:spcPct val="90000"/>
             </a:lnSpc>
             <a:spcBef>
-              <a:spcPct val="0"/>
+              <a:spcPts val="0"/>
             </a:spcBef>
             <a:spcAft>
               <a:spcPts val="0"/>
@@ -1574,7 +1563,7 @@
             <a:defRPr/>
           </a:pPr>
           <a:r>
-            <a:rPr lang="en-US" sz="1600" b="0" i="0" u="none" strike="noStrike" kern="1200" cap="none" spc="0">
+            <a:rPr lang="en-US" sz="1600" b="0" i="0" u="none" strike="noStrike" cap="none" spc="0">
               <a:solidFill>
                 <a:schemeClr val="tx1"/>
               </a:solidFill>
@@ -1583,7 +1572,7 @@
             </a:rPr>
             <a:t>Реалізувати гібридний механізм консенсусу, що поєднує в собі доказ часу, що минув (PoET) та доказ роботи (PoW), з метою зменшення ризиків централізації та зниження енергоспоживання у порівнянні з традиційними блокчейн-системами.</a:t>
           </a:r>
-          <a:endParaRPr sz="1600" kern="1200">
+          <a:endParaRPr sz="1600">
             <a:solidFill>
               <a:schemeClr val="tx1"/>
             </a:solidFill>
@@ -1616,7 +1605,6 @@
           <a:prstDash val="solid"/>
         </a:ln>
         <a:effectLst/>
-        <a:sp3d/>
       </dsp:spPr>
       <dsp:style>
         <a:lnRef idx="2">
@@ -1643,7 +1631,7 @@
               <a:spcPct val="90000"/>
             </a:lnSpc>
             <a:spcBef>
-              <a:spcPct val="0"/>
+              <a:spcPts val="0"/>
             </a:spcBef>
             <a:spcAft>
               <a:spcPts val="0"/>
@@ -1652,13 +1640,13 @@
             <a:defRPr/>
           </a:pPr>
           <a:r>
-            <a:rPr lang="en-US" sz="6600" kern="1200">
+            <a:rPr lang="en-US" sz="6600">
               <a:latin typeface="Times New Roman"/>
               <a:cs typeface="Times New Roman"/>
             </a:rPr>
             <a:t>02</a:t>
           </a:r>
-          <a:endParaRPr sz="6600" kern="1200">
+          <a:endParaRPr sz="6600">
             <a:latin typeface="Times New Roman"/>
             <a:cs typeface="Times New Roman"/>
           </a:endParaRPr>
@@ -1719,7 +1707,7 @@
               <a:spcPct val="90000"/>
             </a:lnSpc>
             <a:spcBef>
-              <a:spcPct val="0"/>
+              <a:spcPts val="0"/>
             </a:spcBef>
             <a:spcAft>
               <a:spcPts val="0"/>
@@ -1728,16 +1716,16 @@
             <a:defRPr/>
           </a:pPr>
           <a:r>
-            <a:rPr lang="en-US" sz="1600" b="0" i="0" u="none" strike="noStrike" kern="1200" cap="none" spc="0">
+            <a:rPr lang="en-US" sz="1600" b="0" i="0" u="none" strike="noStrike" cap="none" spc="0">
               <a:solidFill>
                 <a:schemeClr val="tx1"/>
               </a:solidFill>
               <a:latin typeface="Times New Roman"/>
               <a:cs typeface="Times New Roman"/>
             </a:rPr>
-            <a:t>Вирішення проблеми високих комісійних витрат за рахунок підтримки ефективної роботи мережі навіть при великих обсягах транзакцій, що забезпечує нижчу комісію за транзакції для користувачів.</a:t>
+            <a:t>Вирішити проблеми високих комісійних витрат за рахунок підтримки ефективної роботи мережі навіть при великих обсягах транзакцій, що забезпечує нижчу комісію за транзакції для користувачів.</a:t>
           </a:r>
-          <a:endParaRPr sz="1600" kern="1200">
+          <a:endParaRPr sz="1600">
             <a:solidFill>
               <a:schemeClr val="tx1"/>
             </a:solidFill>
@@ -1770,7 +1758,6 @@
           <a:prstDash val="solid"/>
         </a:ln>
         <a:effectLst/>
-        <a:sp3d/>
       </dsp:spPr>
       <dsp:style>
         <a:lnRef idx="2">
@@ -1797,7 +1784,7 @@
               <a:spcPct val="90000"/>
             </a:lnSpc>
             <a:spcBef>
-              <a:spcPct val="0"/>
+              <a:spcPts val="0"/>
             </a:spcBef>
             <a:spcAft>
               <a:spcPts val="0"/>
@@ -1806,13 +1793,13 @@
             <a:defRPr/>
           </a:pPr>
           <a:r>
-            <a:rPr lang="en-US" sz="6600" kern="1200">
+            <a:rPr lang="en-US" sz="6600">
               <a:latin typeface="Times New Roman"/>
               <a:cs typeface="Times New Roman"/>
             </a:rPr>
             <a:t>03</a:t>
           </a:r>
-          <a:endParaRPr sz="6600" kern="1200">
+          <a:endParaRPr sz="6600">
             <a:latin typeface="Times New Roman"/>
             <a:cs typeface="Times New Roman"/>
           </a:endParaRPr>
@@ -1828,7 +1815,7 @@
 </file>
 
 <file path=ppt/diagrams/layout1.xml><?xml version="1.0" encoding="utf-8"?>
-<dgm:layoutDef xmlns:dgm="http://schemas.openxmlformats.org/drawingml/2006/diagram" xmlns:a="http://schemas.openxmlformats.org/drawingml/2006/main" uniqueId="urn:microsoft.com/office/officeart/2016/7/layout/LinearBlockProcessNumbered">
+<dgm:layoutDef xmlns:dgm="http://schemas.openxmlformats.org/drawingml/2006/diagram" xmlns:a="http://schemas.openxmlformats.org/drawingml/2006/main" xmlns:r="http://schemas.openxmlformats.org/officeDocument/2006/relationships" uniqueId="urn:microsoft.com/office/officeart/2016/7/layout/LinearBlockProcessNumbered">
   <dgm:title val="Linear Block Process Numbered"/>
   <dgm:desc val="Used to show a progression; a timeline; sequential steps in a task, process, or workflow; or to emphasize movement or direction. Automatic numbers have been introduced to show the steps of the process. Level 1 text and Level 2 text both appears in a rectangle."/>
   <dgm:catLst>
@@ -1975,20 +1962,20 @@
       <dgm:param type="linDir" val="fromL"/>
       <dgm:param type="nodeVertAlign" val="t"/>
     </dgm:alg>
-    <dgm:shape xmlns:r="http://schemas.openxmlformats.org/officeDocument/2006/relationships" r:blip="">
+    <dgm:shape r:blip="">
       <dgm:adjLst/>
     </dgm:shape>
     <dgm:presOf/>
     <dgm:constrLst>
       <dgm:constr type="h" for="ch" forName="compositeNode" refType="h"/>
       <dgm:constr type="w" for="ch" forName="compositeNode" refType="w"/>
-      <dgm:constr type="w" for="des" forName="simulatedConn" refType="w" refFor="ch" refForName="compositeNode" fact="0.15"/>
+      <dgm:constr type="w" for="des" forName="simulatedConn" refType="w" refFor="ch" refForName="compositeNode" fact="0.150000"/>
       <dgm:constr type="h" for="des" forName="simulatedConn" refType="w" refFor="des" refForName="simulatedConn"/>
-      <dgm:constr type="h" for="des" forName="vSp1" refType="w" refFor="ch" refForName="compositeNode" fact="0.8"/>
-      <dgm:constr type="h" for="des" forName="vSp2" refType="w" refFor="ch" refForName="compositeNode" fact="0.07"/>
+      <dgm:constr type="h" for="des" forName="vSp1" refType="w" refFor="ch" refForName="compositeNode" fact="0.800000"/>
+      <dgm:constr type="h" for="des" forName="vSp2" refType="w" refFor="ch" refForName="compositeNode" fact="0.070000"/>
       <dgm:constr type="w" for="ch" forName="vProcSp" refType="w" refFor="des" refForName="simulatedConn" op="equ"/>
       <dgm:constr type="h" for="ch" forName="vProcSp" refType="h" refFor="ch" refForName="compositeNode" op="equ"/>
-      <dgm:constr type="w" for="ch" forName="sibTrans" refType="w" refFor="ch" refForName="compositeNode" fact="0.08"/>
+      <dgm:constr type="w" for="ch" forName="sibTrans" refType="w" refFor="ch" refForName="compositeNode" fact="0.080000"/>
       <dgm:constr type="primFontSz" for="des" forName="sibTransNodeRect" op="equ"/>
       <dgm:constr type="primFontSz" for="des" forName="nodeRect" op="equ"/>
     </dgm:constrLst>
@@ -2000,17 +1987,17 @@
         </dgm:varLst>
         <dgm:alg type="composite"/>
         <dgm:constrLst>
-          <dgm:constr type="h" refType="w" op="lte" fact="1.2"/>
+          <dgm:constr type="h" refType="w" op="lte" fact="1.200000"/>
           <dgm:constr type="w" for="ch" forName="bgRect" refType="w"/>
           <dgm:constr type="h" for="ch" forName="bgRect" refType="h"/>
           <dgm:constr type="t" for="ch" forName="bgRect"/>
           <dgm:constr type="l" for="ch" forName="bgRect"/>
           <dgm:constr type="w" for="ch" forName="sibTransNodeRect" refType="w" refFor="ch" refForName="bgRect"/>
-          <dgm:constr type="h" for="ch" forName="sibTransNodeRect" refType="h" refFor="ch" refForName="bgRect" fact="0.4"/>
+          <dgm:constr type="h" for="ch" forName="sibTransNodeRect" refType="h" refFor="ch" refForName="bgRect" fact="0.400000"/>
           <dgm:constr type="t" for="ch" forName="sibTransNodeRect"/>
           <dgm:constr type="l" for="ch" forName="sibTransNodeRect"/>
           <dgm:constr type="r" for="ch" forName="nodeRect" refType="r" refFor="ch" refForName="bgRect"/>
-          <dgm:constr type="h" for="ch" forName="nodeRect" refType="h" refFor="ch" refForName="bgRect" fact="0.6"/>
+          <dgm:constr type="h" for="ch" forName="nodeRect" refType="h" refFor="ch" refForName="bgRect" fact="0.600000"/>
           <dgm:constr type="t" for="ch" forName="nodeRect" refType="b" refFor="ch" refForName="sibTransNodeRect"/>
           <dgm:constr type="l" for="ch" forName="nodeRect" refType="l" refFor="ch" refForName="bgRect"/>
         </dgm:constrLst>
@@ -2019,16 +2006,16 @@
         </dgm:ruleLst>
         <dgm:layoutNode name="bgRect" styleLbl="alignNode1">
           <dgm:alg type="sp"/>
-          <dgm:shape xmlns:r="http://schemas.openxmlformats.org/officeDocument/2006/relationships" type="rect" r:blip="">
+          <dgm:shape type="rect" r:blip="">
             <dgm:adjLst>
-              <dgm:adj idx="1" val="0.05"/>
+              <dgm:adj idx="1" val="0.050000"/>
             </dgm:adjLst>
           </dgm:shape>
           <dgm:presOf axis="self"/>
           <dgm:constrLst/>
           <dgm:ruleLst/>
         </dgm:layoutNode>
-        <dgm:forEach name="Name19" axis="followSib" ptType="sibTrans" hideLastTrans="0" cnt="1">
+        <dgm:forEach name="Name19" axis="followSib" ptType="sibTrans" cnt="1" hideLastTrans="0">
           <dgm:layoutNode name="sibTransNodeRect" styleLbl="alignNode1">
             <dgm:varLst>
               <dgm:chMax val="0"/>
@@ -2039,14 +2026,14 @@
               <dgm:param type="parTxLTRAlign" val="l"/>
               <dgm:param type="parTxRTLAlign" val="l"/>
             </dgm:alg>
-            <dgm:shape xmlns:r="http://schemas.openxmlformats.org/officeDocument/2006/relationships" type="rect" r:blip="" hideGeom="1">
+            <dgm:shape type="rect" r:blip="" hideGeom="1">
               <dgm:adjLst/>
             </dgm:shape>
             <dgm:constrLst>
               <dgm:constr type="primFontSz" val="66"/>
               <dgm:constr type="tMarg" val="13"/>
-              <dgm:constr type="lMarg" refType="w" fact="0.28"/>
-              <dgm:constr type="rMarg" refType="w" fact="0.28"/>
+              <dgm:constr type="lMarg" refType="w" fact="0.280000"/>
+              <dgm:constr type="rMarg" refType="w" fact="0.280000"/>
               <dgm:constr type="bMarg" val="13"/>
             </dgm:constrLst>
             <dgm:ruleLst>
@@ -2065,15 +2052,15 @@
             <dgm:param type="txAnchorVert" val="t"/>
             <dgm:param type="stBulletLvl" val="2"/>
           </dgm:alg>
-          <dgm:shape xmlns:r="http://schemas.openxmlformats.org/officeDocument/2006/relationships" type="rect" r:blip="" hideGeom="1">
+          <dgm:shape type="rect" r:blip="" hideGeom="1">
             <dgm:adjLst/>
           </dgm:shape>
           <dgm:presOf axis="desOrSelf" ptType="node"/>
           <dgm:constrLst>
             <dgm:constr type="primFontSz" val="26"/>
             <dgm:constr type="tMarg"/>
-            <dgm:constr type="lMarg" refType="w" fact="0.28"/>
-            <dgm:constr type="rMarg" refType="w" fact="0.28"/>
+            <dgm:constr type="lMarg" refType="w" fact="0.280000"/>
+            <dgm:constr type="rMarg" refType="w" fact="0.280000"/>
             <dgm:constr type="bMarg" val="26"/>
           </dgm:constrLst>
           <dgm:ruleLst>
@@ -2084,7 +2071,7 @@
       <dgm:forEach name="Name14" axis="followSib" ptType="sibTrans" cnt="1">
         <dgm:layoutNode name="sibTrans">
           <dgm:alg type="sp"/>
-          <dgm:shape xmlns:r="http://schemas.openxmlformats.org/officeDocument/2006/relationships" r:blip="">
+          <dgm:shape r:blip="">
             <dgm:adjLst/>
           </dgm:shape>
           <dgm:presOf/>
@@ -2114,7 +2101,15 @@
       <a:lightRig rig="threePt" dir="t"/>
     </dgm:scene3d>
     <dgm:sp3d/>
-    <dgm:txPr/>
+    <dgm:txPr>
+      <a:bodyPr/>
+      <a:p>
+        <a:pPr>
+          <a:defRPr/>
+        </a:pPr>
+        <a:endParaRPr/>
+      </a:p>
+    </dgm:txPr>
     <dgm:style>
       <a:lnRef idx="2">
         <a:srgbClr val="000000"/>
@@ -2136,7 +2131,15 @@
       <a:lightRig rig="threePt" dir="t"/>
     </dgm:scene3d>
     <dgm:sp3d/>
-    <dgm:txPr/>
+    <dgm:txPr>
+      <a:bodyPr/>
+      <a:p>
+        <a:pPr>
+          <a:defRPr/>
+        </a:pPr>
+        <a:endParaRPr/>
+      </a:p>
+    </dgm:txPr>
     <dgm:style>
       <a:lnRef idx="2">
         <a:srgbClr val="000000"/>
@@ -2158,7 +2161,15 @@
       <a:lightRig rig="threePt" dir="t"/>
     </dgm:scene3d>
     <dgm:sp3d/>
-    <dgm:txPr/>
+    <dgm:txPr>
+      <a:bodyPr/>
+      <a:p>
+        <a:pPr>
+          <a:defRPr/>
+        </a:pPr>
+        <a:endParaRPr/>
+      </a:p>
+    </dgm:txPr>
     <dgm:style>
       <a:lnRef idx="2">
         <a:srgbClr val="000000"/>
@@ -2180,7 +2191,15 @@
       <a:lightRig rig="threePt" dir="t"/>
     </dgm:scene3d>
     <dgm:sp3d/>
-    <dgm:txPr/>
+    <dgm:txPr>
+      <a:bodyPr/>
+      <a:p>
+        <a:pPr>
+          <a:defRPr/>
+        </a:pPr>
+        <a:endParaRPr/>
+      </a:p>
+    </dgm:txPr>
     <dgm:style>
       <a:lnRef idx="2">
         <a:srgbClr val="000000"/>
@@ -2202,7 +2221,15 @@
       <a:lightRig rig="threePt" dir="t"/>
     </dgm:scene3d>
     <dgm:sp3d/>
-    <dgm:txPr/>
+    <dgm:txPr>
+      <a:bodyPr/>
+      <a:p>
+        <a:pPr>
+          <a:defRPr/>
+        </a:pPr>
+        <a:endParaRPr/>
+      </a:p>
+    </dgm:txPr>
     <dgm:style>
       <a:lnRef idx="2">
         <a:srgbClr val="000000"/>
@@ -2224,7 +2251,15 @@
       <a:lightRig rig="threePt" dir="t"/>
     </dgm:scene3d>
     <dgm:sp3d/>
-    <dgm:txPr/>
+    <dgm:txPr>
+      <a:bodyPr/>
+      <a:p>
+        <a:pPr>
+          <a:defRPr/>
+        </a:pPr>
+        <a:endParaRPr/>
+      </a:p>
+    </dgm:txPr>
     <dgm:style>
       <a:lnRef idx="2">
         <a:srgbClr val="000000"/>
@@ -2246,7 +2281,15 @@
       <a:lightRig rig="threePt" dir="t"/>
     </dgm:scene3d>
     <dgm:sp3d/>
-    <dgm:txPr/>
+    <dgm:txPr>
+      <a:bodyPr/>
+      <a:p>
+        <a:pPr>
+          <a:defRPr/>
+        </a:pPr>
+        <a:endParaRPr/>
+      </a:p>
+    </dgm:txPr>
     <dgm:style>
       <a:lnRef idx="2">
         <a:srgbClr val="000000"/>
@@ -2268,7 +2311,15 @@
       <a:lightRig rig="threePt" dir="t"/>
     </dgm:scene3d>
     <dgm:sp3d/>
-    <dgm:txPr/>
+    <dgm:txPr>
+      <a:bodyPr/>
+      <a:p>
+        <a:pPr>
+          <a:defRPr/>
+        </a:pPr>
+        <a:endParaRPr/>
+      </a:p>
+    </dgm:txPr>
     <dgm:style>
       <a:lnRef idx="2">
         <a:srgbClr val="000000"/>
@@ -2290,7 +2341,15 @@
       <a:lightRig rig="threePt" dir="t"/>
     </dgm:scene3d>
     <dgm:sp3d/>
-    <dgm:txPr/>
+    <dgm:txPr>
+      <a:bodyPr/>
+      <a:p>
+        <a:pPr>
+          <a:defRPr/>
+        </a:pPr>
+        <a:endParaRPr/>
+      </a:p>
+    </dgm:txPr>
     <dgm:style>
       <a:lnRef idx="2">
         <a:srgbClr val="000000"/>
@@ -2310,7 +2369,15 @@
       <a:lightRig rig="threePt" dir="t"/>
     </dgm:scene3d>
     <dgm:sp3d/>
-    <dgm:txPr/>
+    <dgm:txPr>
+      <a:bodyPr/>
+      <a:p>
+        <a:pPr>
+          <a:defRPr/>
+        </a:pPr>
+        <a:endParaRPr/>
+      </a:p>
+    </dgm:txPr>
     <dgm:style>
       <a:lnRef idx="2">
         <a:srgbClr val="000000"/>
@@ -2330,7 +2397,15 @@
       <a:lightRig rig="threePt" dir="t"/>
     </dgm:scene3d>
     <dgm:sp3d/>
-    <dgm:txPr/>
+    <dgm:txPr>
+      <a:bodyPr/>
+      <a:p>
+        <a:pPr>
+          <a:defRPr/>
+        </a:pPr>
+        <a:endParaRPr/>
+      </a:p>
+    </dgm:txPr>
     <dgm:style>
       <a:lnRef idx="2">
         <a:srgbClr val="000000"/>
@@ -2350,7 +2425,15 @@
       <a:lightRig rig="threePt" dir="t"/>
     </dgm:scene3d>
     <dgm:sp3d/>
-    <dgm:txPr/>
+    <dgm:txPr>
+      <a:bodyPr/>
+      <a:p>
+        <a:pPr>
+          <a:defRPr/>
+        </a:pPr>
+        <a:endParaRPr/>
+      </a:p>
+    </dgm:txPr>
     <dgm:style>
       <a:lnRef idx="0">
         <a:srgbClr val="000000"/>
@@ -2372,7 +2455,15 @@
       <a:lightRig rig="threePt" dir="t"/>
     </dgm:scene3d>
     <dgm:sp3d/>
-    <dgm:txPr/>
+    <dgm:txPr>
+      <a:bodyPr/>
+      <a:p>
+        <a:pPr>
+          <a:defRPr/>
+        </a:pPr>
+        <a:endParaRPr/>
+      </a:p>
+    </dgm:txPr>
     <dgm:style>
       <a:lnRef idx="0">
         <a:srgbClr val="000000"/>
@@ -2394,7 +2485,15 @@
       <a:lightRig rig="threePt" dir="t"/>
     </dgm:scene3d>
     <dgm:sp3d/>
-    <dgm:txPr/>
+    <dgm:txPr>
+      <a:bodyPr/>
+      <a:p>
+        <a:pPr>
+          <a:defRPr/>
+        </a:pPr>
+        <a:endParaRPr/>
+      </a:p>
+    </dgm:txPr>
     <dgm:style>
       <a:lnRef idx="0">
         <a:srgbClr val="000000"/>
@@ -2416,7 +2515,15 @@
       <a:lightRig rig="threePt" dir="t"/>
     </dgm:scene3d>
     <dgm:sp3d/>
-    <dgm:txPr/>
+    <dgm:txPr>
+      <a:bodyPr/>
+      <a:p>
+        <a:pPr>
+          <a:defRPr/>
+        </a:pPr>
+        <a:endParaRPr/>
+      </a:p>
+    </dgm:txPr>
     <dgm:style>
       <a:lnRef idx="1">
         <a:srgbClr val="000000"/>
@@ -2436,7 +2543,15 @@
       <a:lightRig rig="threePt" dir="t"/>
     </dgm:scene3d>
     <dgm:sp3d/>
-    <dgm:txPr/>
+    <dgm:txPr>
+      <a:bodyPr/>
+      <a:p>
+        <a:pPr>
+          <a:defRPr/>
+        </a:pPr>
+        <a:endParaRPr/>
+      </a:p>
+    </dgm:txPr>
     <dgm:style>
       <a:lnRef idx="2">
         <a:srgbClr val="000000"/>
@@ -2456,7 +2571,15 @@
       <a:lightRig rig="threePt" dir="t"/>
     </dgm:scene3d>
     <dgm:sp3d/>
-    <dgm:txPr/>
+    <dgm:txPr>
+      <a:bodyPr/>
+      <a:p>
+        <a:pPr>
+          <a:defRPr/>
+        </a:pPr>
+        <a:endParaRPr/>
+      </a:p>
+    </dgm:txPr>
     <dgm:style>
       <a:lnRef idx="2">
         <a:srgbClr val="000000"/>
@@ -2478,7 +2601,15 @@
       <a:lightRig rig="threePt" dir="t"/>
     </dgm:scene3d>
     <dgm:sp3d/>
-    <dgm:txPr/>
+    <dgm:txPr>
+      <a:bodyPr/>
+      <a:p>
+        <a:pPr>
+          <a:defRPr/>
+        </a:pPr>
+        <a:endParaRPr/>
+      </a:p>
+    </dgm:txPr>
     <dgm:style>
       <a:lnRef idx="2">
         <a:srgbClr val="000000"/>
@@ -2500,7 +2631,15 @@
       <a:lightRig rig="threePt" dir="t"/>
     </dgm:scene3d>
     <dgm:sp3d/>
-    <dgm:txPr/>
+    <dgm:txPr>
+      <a:bodyPr/>
+      <a:p>
+        <a:pPr>
+          <a:defRPr/>
+        </a:pPr>
+        <a:endParaRPr/>
+      </a:p>
+    </dgm:txPr>
     <dgm:style>
       <a:lnRef idx="2">
         <a:srgbClr val="000000"/>
@@ -2522,7 +2661,15 @@
       <a:lightRig rig="threePt" dir="t"/>
     </dgm:scene3d>
     <dgm:sp3d/>
-    <dgm:txPr/>
+    <dgm:txPr>
+      <a:bodyPr/>
+      <a:p>
+        <a:pPr>
+          <a:defRPr/>
+        </a:pPr>
+        <a:endParaRPr/>
+      </a:p>
+    </dgm:txPr>
     <dgm:style>
       <a:lnRef idx="2">
         <a:srgbClr val="000000"/>
@@ -2544,7 +2691,15 @@
       <a:lightRig rig="threePt" dir="t"/>
     </dgm:scene3d>
     <dgm:sp3d/>
-    <dgm:txPr/>
+    <dgm:txPr>
+      <a:bodyPr/>
+      <a:p>
+        <a:pPr>
+          <a:defRPr/>
+        </a:pPr>
+        <a:endParaRPr/>
+      </a:p>
+    </dgm:txPr>
     <dgm:style>
       <a:lnRef idx="2">
         <a:srgbClr val="000000"/>
@@ -2566,7 +2721,15 @@
       <a:lightRig rig="threePt" dir="t"/>
     </dgm:scene3d>
     <dgm:sp3d/>
-    <dgm:txPr/>
+    <dgm:txPr>
+      <a:bodyPr/>
+      <a:p>
+        <a:pPr>
+          <a:defRPr/>
+        </a:pPr>
+        <a:endParaRPr/>
+      </a:p>
+    </dgm:txPr>
     <dgm:style>
       <a:lnRef idx="2">
         <a:srgbClr val="000000"/>
@@ -2588,7 +2751,15 @@
       <a:lightRig rig="threePt" dir="t"/>
     </dgm:scene3d>
     <dgm:sp3d/>
-    <dgm:txPr/>
+    <dgm:txPr>
+      <a:bodyPr/>
+      <a:p>
+        <a:pPr>
+          <a:defRPr/>
+        </a:pPr>
+        <a:endParaRPr/>
+      </a:p>
+    </dgm:txPr>
     <dgm:style>
       <a:lnRef idx="2">
         <a:srgbClr val="000000"/>
@@ -2610,7 +2781,15 @@
       <a:lightRig rig="threePt" dir="t"/>
     </dgm:scene3d>
     <dgm:sp3d/>
-    <dgm:txPr/>
+    <dgm:txPr>
+      <a:bodyPr/>
+      <a:p>
+        <a:pPr>
+          <a:defRPr/>
+        </a:pPr>
+        <a:endParaRPr/>
+      </a:p>
+    </dgm:txPr>
     <dgm:style>
       <a:lnRef idx="2">
         <a:srgbClr val="000000"/>
@@ -2632,7 +2811,15 @@
       <a:lightRig rig="threePt" dir="t"/>
     </dgm:scene3d>
     <dgm:sp3d/>
-    <dgm:txPr/>
+    <dgm:txPr>
+      <a:bodyPr/>
+      <a:p>
+        <a:pPr>
+          <a:defRPr/>
+        </a:pPr>
+        <a:endParaRPr/>
+      </a:p>
+    </dgm:txPr>
     <dgm:style>
       <a:lnRef idx="2">
         <a:srgbClr val="000000"/>
@@ -2654,7 +2841,15 @@
       <a:lightRig rig="threePt" dir="t"/>
     </dgm:scene3d>
     <dgm:sp3d/>
-    <dgm:txPr/>
+    <dgm:txPr>
+      <a:bodyPr/>
+      <a:p>
+        <a:pPr>
+          <a:defRPr/>
+        </a:pPr>
+        <a:endParaRPr/>
+      </a:p>
+    </dgm:txPr>
     <dgm:style>
       <a:lnRef idx="2">
         <a:srgbClr val="000000"/>
@@ -2674,7 +2869,15 @@
       <a:lightRig rig="threePt" dir="t"/>
     </dgm:scene3d>
     <dgm:sp3d/>
-    <dgm:txPr/>
+    <dgm:txPr>
+      <a:bodyPr/>
+      <a:p>
+        <a:pPr>
+          <a:defRPr/>
+        </a:pPr>
+        <a:endParaRPr/>
+      </a:p>
+    </dgm:txPr>
     <dgm:style>
       <a:lnRef idx="2">
         <a:srgbClr val="000000"/>
@@ -2694,7 +2897,15 @@
       <a:lightRig rig="threePt" dir="t"/>
     </dgm:scene3d>
     <dgm:sp3d/>
-    <dgm:txPr/>
+    <dgm:txPr>
+      <a:bodyPr/>
+      <a:p>
+        <a:pPr>
+          <a:defRPr/>
+        </a:pPr>
+        <a:endParaRPr/>
+      </a:p>
+    </dgm:txPr>
     <dgm:style>
       <a:lnRef idx="2">
         <a:srgbClr val="000000"/>
@@ -2714,7 +2925,15 @@
       <a:lightRig rig="threePt" dir="t"/>
     </dgm:scene3d>
     <dgm:sp3d/>
-    <dgm:txPr/>
+    <dgm:txPr>
+      <a:bodyPr/>
+      <a:p>
+        <a:pPr>
+          <a:defRPr/>
+        </a:pPr>
+        <a:endParaRPr/>
+      </a:p>
+    </dgm:txPr>
     <dgm:style>
       <a:lnRef idx="2">
         <a:srgbClr val="000000"/>
@@ -2734,7 +2953,15 @@
       <a:lightRig rig="threePt" dir="t"/>
     </dgm:scene3d>
     <dgm:sp3d/>
-    <dgm:txPr/>
+    <dgm:txPr>
+      <a:bodyPr/>
+      <a:p>
+        <a:pPr>
+          <a:defRPr/>
+        </a:pPr>
+        <a:endParaRPr/>
+      </a:p>
+    </dgm:txPr>
     <dgm:style>
       <a:lnRef idx="2">
         <a:srgbClr val="000000"/>
@@ -2754,7 +2981,15 @@
       <a:lightRig rig="threePt" dir="t"/>
     </dgm:scene3d>
     <dgm:sp3d/>
-    <dgm:txPr/>
+    <dgm:txPr>
+      <a:bodyPr/>
+      <a:p>
+        <a:pPr>
+          <a:defRPr/>
+        </a:pPr>
+        <a:endParaRPr/>
+      </a:p>
+    </dgm:txPr>
     <dgm:style>
       <a:lnRef idx="2">
         <a:srgbClr val="000000"/>
@@ -2774,7 +3009,15 @@
       <a:lightRig rig="threePt" dir="t"/>
     </dgm:scene3d>
     <dgm:sp3d/>
-    <dgm:txPr/>
+    <dgm:txPr>
+      <a:bodyPr/>
+      <a:p>
+        <a:pPr>
+          <a:defRPr/>
+        </a:pPr>
+        <a:endParaRPr/>
+      </a:p>
+    </dgm:txPr>
     <dgm:style>
       <a:lnRef idx="2">
         <a:srgbClr val="000000"/>
@@ -2794,7 +3037,15 @@
       <a:lightRig rig="threePt" dir="t"/>
     </dgm:scene3d>
     <dgm:sp3d/>
-    <dgm:txPr/>
+    <dgm:txPr>
+      <a:bodyPr/>
+      <a:p>
+        <a:pPr>
+          <a:defRPr/>
+        </a:pPr>
+        <a:endParaRPr/>
+      </a:p>
+    </dgm:txPr>
     <dgm:style>
       <a:lnRef idx="1">
         <a:srgbClr val="000000"/>
@@ -2814,7 +3065,15 @@
       <a:lightRig rig="threePt" dir="t"/>
     </dgm:scene3d>
     <dgm:sp3d/>
-    <dgm:txPr/>
+    <dgm:txPr>
+      <a:bodyPr/>
+      <a:p>
+        <a:pPr>
+          <a:defRPr/>
+        </a:pPr>
+        <a:endParaRPr/>
+      </a:p>
+    </dgm:txPr>
     <dgm:style>
       <a:lnRef idx="2">
         <a:srgbClr val="000000"/>
@@ -2834,7 +3093,15 @@
       <a:lightRig rig="threePt" dir="t"/>
     </dgm:scene3d>
     <dgm:sp3d/>
-    <dgm:txPr/>
+    <dgm:txPr>
+      <a:bodyPr/>
+      <a:p>
+        <a:pPr>
+          <a:defRPr/>
+        </a:pPr>
+        <a:endParaRPr/>
+      </a:p>
+    </dgm:txPr>
     <dgm:style>
       <a:lnRef idx="2">
         <a:srgbClr val="000000"/>
@@ -2854,7 +3121,15 @@
       <a:lightRig rig="threePt" dir="t"/>
     </dgm:scene3d>
     <dgm:sp3d/>
-    <dgm:txPr/>
+    <dgm:txPr>
+      <a:bodyPr/>
+      <a:p>
+        <a:pPr>
+          <a:defRPr/>
+        </a:pPr>
+        <a:endParaRPr/>
+      </a:p>
+    </dgm:txPr>
     <dgm:style>
       <a:lnRef idx="2">
         <a:srgbClr val="000000"/>
@@ -2874,7 +3149,15 @@
       <a:lightRig rig="threePt" dir="t"/>
     </dgm:scene3d>
     <dgm:sp3d/>
-    <dgm:txPr/>
+    <dgm:txPr>
+      <a:bodyPr/>
+      <a:p>
+        <a:pPr>
+          <a:defRPr/>
+        </a:pPr>
+        <a:endParaRPr/>
+      </a:p>
+    </dgm:txPr>
     <dgm:style>
       <a:lnRef idx="2">
         <a:srgbClr val="000000"/>
@@ -2894,7 +3177,15 @@
       <a:lightRig rig="threePt" dir="t"/>
     </dgm:scene3d>
     <dgm:sp3d/>
-    <dgm:txPr/>
+    <dgm:txPr>
+      <a:bodyPr/>
+      <a:p>
+        <a:pPr>
+          <a:defRPr/>
+        </a:pPr>
+        <a:endParaRPr/>
+      </a:p>
+    </dgm:txPr>
     <dgm:style>
       <a:lnRef idx="2">
         <a:srgbClr val="000000"/>
@@ -2914,7 +3205,15 @@
       <a:lightRig rig="threePt" dir="t"/>
     </dgm:scene3d>
     <dgm:sp3d/>
-    <dgm:txPr/>
+    <dgm:txPr>
+      <a:bodyPr/>
+      <a:p>
+        <a:pPr>
+          <a:defRPr/>
+        </a:pPr>
+        <a:endParaRPr/>
+      </a:p>
+    </dgm:txPr>
     <dgm:style>
       <a:lnRef idx="2">
         <a:srgbClr val="000000"/>
@@ -2934,7 +3233,15 @@
       <a:lightRig rig="threePt" dir="t"/>
     </dgm:scene3d>
     <dgm:sp3d/>
-    <dgm:txPr/>
+    <dgm:txPr>
+      <a:bodyPr/>
+      <a:p>
+        <a:pPr>
+          <a:defRPr/>
+        </a:pPr>
+        <a:endParaRPr/>
+      </a:p>
+    </dgm:txPr>
     <dgm:style>
       <a:lnRef idx="2">
         <a:srgbClr val="000000"/>
@@ -2954,7 +3261,15 @@
       <a:lightRig rig="threePt" dir="t"/>
     </dgm:scene3d>
     <dgm:sp3d/>
-    <dgm:txPr/>
+    <dgm:txPr>
+      <a:bodyPr/>
+      <a:p>
+        <a:pPr>
+          <a:defRPr/>
+        </a:pPr>
+        <a:endParaRPr/>
+      </a:p>
+    </dgm:txPr>
     <dgm:style>
       <a:lnRef idx="2">
         <a:srgbClr val="000000"/>
@@ -2974,7 +3289,15 @@
       <a:lightRig rig="threePt" dir="t"/>
     </dgm:scene3d>
     <dgm:sp3d/>
-    <dgm:txPr/>
+    <dgm:txPr>
+      <a:bodyPr/>
+      <a:p>
+        <a:pPr>
+          <a:defRPr/>
+        </a:pPr>
+        <a:endParaRPr/>
+      </a:p>
+    </dgm:txPr>
     <dgm:style>
       <a:lnRef idx="2">
         <a:srgbClr val="000000"/>
@@ -2994,7 +3317,15 @@
       <a:lightRig rig="threePt" dir="t"/>
     </dgm:scene3d>
     <dgm:sp3d/>
-    <dgm:txPr/>
+    <dgm:txPr>
+      <a:bodyPr/>
+      <a:p>
+        <a:pPr>
+          <a:defRPr/>
+        </a:pPr>
+        <a:endParaRPr/>
+      </a:p>
+    </dgm:txPr>
     <dgm:style>
       <a:lnRef idx="2">
         <a:srgbClr val="000000"/>
@@ -3014,7 +3345,15 @@
       <a:lightRig rig="threePt" dir="t"/>
     </dgm:scene3d>
     <dgm:sp3d/>
-    <dgm:txPr/>
+    <dgm:txPr>
+      <a:bodyPr/>
+      <a:p>
+        <a:pPr>
+          <a:defRPr/>
+        </a:pPr>
+        <a:endParaRPr/>
+      </a:p>
+    </dgm:txPr>
     <dgm:style>
       <a:lnRef idx="2">
         <a:srgbClr val="000000"/>
@@ -3034,7 +3373,15 @@
       <a:lightRig rig="threePt" dir="t"/>
     </dgm:scene3d>
     <dgm:sp3d/>
-    <dgm:txPr/>
+    <dgm:txPr>
+      <a:bodyPr/>
+      <a:p>
+        <a:pPr>
+          <a:defRPr/>
+        </a:pPr>
+        <a:endParaRPr/>
+      </a:p>
+    </dgm:txPr>
     <dgm:style>
       <a:lnRef idx="0">
         <a:srgbClr val="000000"/>
@@ -3054,7 +3401,15 @@
       <a:lightRig rig="threePt" dir="t"/>
     </dgm:scene3d>
     <dgm:sp3d/>
-    <dgm:txPr/>
+    <dgm:txPr>
+      <a:bodyPr/>
+      <a:p>
+        <a:pPr>
+          <a:defRPr/>
+        </a:pPr>
+        <a:endParaRPr/>
+      </a:p>
+    </dgm:txPr>
     <dgm:style>
       <a:lnRef idx="0">
         <a:srgbClr val="000000"/>
@@ -3074,7 +3429,15 @@
       <a:lightRig rig="threePt" dir="t"/>
     </dgm:scene3d>
     <dgm:sp3d/>
-    <dgm:txPr/>
+    <dgm:txPr>
+      <a:bodyPr/>
+      <a:p>
+        <a:pPr>
+          <a:defRPr/>
+        </a:pPr>
+        <a:endParaRPr/>
+      </a:p>
+    </dgm:txPr>
     <dgm:style>
       <a:lnRef idx="0">
         <a:srgbClr val="000000"/>
@@ -3094,7 +3457,15 @@
       <a:lightRig rig="threePt" dir="t"/>
     </dgm:scene3d>
     <dgm:sp3d/>
-    <dgm:txPr/>
+    <dgm:txPr>
+      <a:bodyPr/>
+      <a:p>
+        <a:pPr>
+          <a:defRPr/>
+        </a:pPr>
+        <a:endParaRPr/>
+      </a:p>
+    </dgm:txPr>
     <dgm:style>
       <a:lnRef idx="2">
         <a:srgbClr val="000000"/>
@@ -3114,7 +3485,15 @@
       <a:lightRig rig="threePt" dir="t"/>
     </dgm:scene3d>
     <dgm:sp3d/>
-    <dgm:txPr/>
+    <dgm:txPr>
+      <a:bodyPr/>
+      <a:p>
+        <a:pPr>
+          <a:defRPr/>
+        </a:pPr>
+        <a:endParaRPr/>
+      </a:p>
+    </dgm:txPr>
     <dgm:style>
       <a:lnRef idx="0">
         <a:srgbClr val="000000"/>
@@ -3132,7 +3511,7 @@
 </file>
 
 <file path=ppt/slideLayouts/slideLayout1.xml><?xml version="1.0" encoding="utf-8"?>
-<p:sldLayout xmlns:a="http://schemas.openxmlformats.org/drawingml/2006/main" xmlns:r="http://schemas.openxmlformats.org/officeDocument/2006/relationships" xmlns:p="http://schemas.openxmlformats.org/presentationml/2006/main" showMasterPhAnim="0" type="obj" preserve="1" userDrawn="1">
+<p:sldLayout xmlns:a="http://schemas.openxmlformats.org/drawingml/2006/main" xmlns:r="http://schemas.openxmlformats.org/officeDocument/2006/relationships" xmlns:p="http://schemas.openxmlformats.org/presentationml/2006/main" xmlns:m="http://schemas.openxmlformats.org/officeDocument/2006/math" xmlns:w="http://schemas.openxmlformats.org/wordprocessingml/2006/main" matchingName="" preserve="1" showMasterPhAnim="0" type="obj" userDrawn="1">
   <p:cSld name="Title Slide">
     <p:spTree>
       <p:nvGrpSpPr>
@@ -3282,7 +3661,7 @@
             </a:pPr>
             <a:fld id="{1D8BD707-D9CF-40AE-B4C6-C98DA3205C09}" type="datetimeFigureOut">
               <a:rPr lang="en-US"/>
-              <a:t>6/1/2023</a:t>
+              <a:t/>
             </a:fld>
             <a:endParaRPr/>
           </a:p>
@@ -3318,7 +3697,7 @@
             </a:pPr>
             <a:fld id="{B6F15528-21DE-4FAA-801E-634DDDAF4B2B}" type="slidenum">
               <a:rPr/>
-              <a:t>‹#›</a:t>
+              <a:t/>
             </a:fld>
             <a:endParaRPr/>
           </a:p>
@@ -3333,7 +3712,7 @@
 </file>
 
 <file path=ppt/slideLayouts/slideLayout2.xml><?xml version="1.0" encoding="utf-8"?>
-<p:sldLayout xmlns:a="http://schemas.openxmlformats.org/drawingml/2006/main" xmlns:r="http://schemas.openxmlformats.org/officeDocument/2006/relationships" xmlns:p="http://schemas.openxmlformats.org/presentationml/2006/main" showMasterPhAnim="0" type="obj" preserve="1" userDrawn="1">
+<p:sldLayout xmlns:a="http://schemas.openxmlformats.org/drawingml/2006/main" xmlns:r="http://schemas.openxmlformats.org/officeDocument/2006/relationships" xmlns:p="http://schemas.openxmlformats.org/presentationml/2006/main" xmlns:m="http://schemas.openxmlformats.org/officeDocument/2006/math" xmlns:w="http://schemas.openxmlformats.org/wordprocessingml/2006/main" matchingName="" preserve="1" showMasterPhAnim="0" type="obj" userDrawn="1">
   <p:cSld name="Title and Content">
     <p:spTree>
       <p:nvGrpSpPr>
@@ -3469,7 +3848,7 @@
             </a:pPr>
             <a:fld id="{1D8BD707-D9CF-40AE-B4C6-C98DA3205C09}" type="datetimeFigureOut">
               <a:rPr lang="en-US"/>
-              <a:t>6/1/2023</a:t>
+              <a:t/>
             </a:fld>
             <a:endParaRPr/>
           </a:p>
@@ -3505,7 +3884,7 @@
             </a:pPr>
             <a:fld id="{B6F15528-21DE-4FAA-801E-634DDDAF4B2B}" type="slidenum">
               <a:rPr/>
-              <a:t>‹#›</a:t>
+              <a:t/>
             </a:fld>
             <a:endParaRPr/>
           </a:p>
@@ -3520,7 +3899,7 @@
 </file>
 
 <file path=ppt/slideLayouts/slideLayout3.xml><?xml version="1.0" encoding="utf-8"?>
-<p:sldLayout xmlns:a="http://schemas.openxmlformats.org/drawingml/2006/main" xmlns:r="http://schemas.openxmlformats.org/officeDocument/2006/relationships" xmlns:p="http://schemas.openxmlformats.org/presentationml/2006/main" showMasterPhAnim="0" type="obj" preserve="1" userDrawn="1">
+<p:sldLayout xmlns:a="http://schemas.openxmlformats.org/drawingml/2006/main" xmlns:r="http://schemas.openxmlformats.org/officeDocument/2006/relationships" xmlns:p="http://schemas.openxmlformats.org/presentationml/2006/main" xmlns:m="http://schemas.openxmlformats.org/officeDocument/2006/math" xmlns:w="http://schemas.openxmlformats.org/wordprocessingml/2006/main" matchingName="" preserve="1" showMasterPhAnim="0" type="obj" userDrawn="1">
   <p:cSld name="Two Content">
     <p:spTree>
       <p:nvGrpSpPr>
@@ -3702,7 +4081,7 @@
             </a:pPr>
             <a:fld id="{1D8BD707-D9CF-40AE-B4C6-C98DA3205C09}" type="datetimeFigureOut">
               <a:rPr lang="en-US"/>
-              <a:t>6/1/2023</a:t>
+              <a:t/>
             </a:fld>
             <a:endParaRPr/>
           </a:p>
@@ -3738,7 +4117,7 @@
             </a:pPr>
             <a:fld id="{B6F15528-21DE-4FAA-801E-634DDDAF4B2B}" type="slidenum">
               <a:rPr/>
-              <a:t>‹#›</a:t>
+              <a:t/>
             </a:fld>
             <a:endParaRPr/>
           </a:p>
@@ -3753,7 +4132,7 @@
 </file>
 
 <file path=ppt/slideLayouts/slideLayout4.xml><?xml version="1.0" encoding="utf-8"?>
-<p:sldLayout xmlns:a="http://schemas.openxmlformats.org/drawingml/2006/main" xmlns:r="http://schemas.openxmlformats.org/officeDocument/2006/relationships" xmlns:p="http://schemas.openxmlformats.org/presentationml/2006/main" showMasterPhAnim="0" type="obj" preserve="1" userDrawn="1">
+<p:sldLayout xmlns:a="http://schemas.openxmlformats.org/drawingml/2006/main" xmlns:r="http://schemas.openxmlformats.org/officeDocument/2006/relationships" xmlns:p="http://schemas.openxmlformats.org/presentationml/2006/main" xmlns:m="http://schemas.openxmlformats.org/officeDocument/2006/math" xmlns:w="http://schemas.openxmlformats.org/wordprocessingml/2006/main" matchingName="" preserve="1" showMasterPhAnim="0" type="obj" userDrawn="1">
   <p:cSld name="Title Only">
     <p:spTree>
       <p:nvGrpSpPr>
@@ -3863,7 +4242,7 @@
             </a:pPr>
             <a:fld id="{1D8BD707-D9CF-40AE-B4C6-C98DA3205C09}" type="datetimeFigureOut">
               <a:rPr lang="en-US"/>
-              <a:t>6/1/2023</a:t>
+              <a:t/>
             </a:fld>
             <a:endParaRPr/>
           </a:p>
@@ -3899,7 +4278,7 @@
             </a:pPr>
             <a:fld id="{B6F15528-21DE-4FAA-801E-634DDDAF4B2B}" type="slidenum">
               <a:rPr/>
-              <a:t>‹#›</a:t>
+              <a:t/>
             </a:fld>
             <a:endParaRPr/>
           </a:p>
@@ -3914,7 +4293,7 @@
 </file>
 
 <file path=ppt/slideLayouts/slideLayout5.xml><?xml version="1.0" encoding="utf-8"?>
-<p:sldLayout xmlns:a="http://schemas.openxmlformats.org/drawingml/2006/main" xmlns:r="http://schemas.openxmlformats.org/officeDocument/2006/relationships" xmlns:p="http://schemas.openxmlformats.org/presentationml/2006/main" showMasterPhAnim="0" type="obj" preserve="1" userDrawn="1">
+<p:sldLayout xmlns:a="http://schemas.openxmlformats.org/drawingml/2006/main" xmlns:r="http://schemas.openxmlformats.org/officeDocument/2006/relationships" xmlns:p="http://schemas.openxmlformats.org/presentationml/2006/main" xmlns:m="http://schemas.openxmlformats.org/officeDocument/2006/math" xmlns:w="http://schemas.openxmlformats.org/wordprocessingml/2006/main" matchingName="" preserve="1" showMasterPhAnim="0" type="obj" userDrawn="1">
   <p:cSld name="Blank">
     <p:spTree>
       <p:nvGrpSpPr>
@@ -3992,7 +4371,7 @@
             </a:pPr>
             <a:fld id="{1D8BD707-D9CF-40AE-B4C6-C98DA3205C09}" type="datetimeFigureOut">
               <a:rPr lang="en-US"/>
-              <a:t>6/1/2023</a:t>
+              <a:t/>
             </a:fld>
             <a:endParaRPr/>
           </a:p>
@@ -4028,7 +4407,7 @@
             </a:pPr>
             <a:fld id="{B6F15528-21DE-4FAA-801E-634DDDAF4B2B}" type="slidenum">
               <a:rPr/>
-              <a:t>‹#›</a:t>
+              <a:t/>
             </a:fld>
             <a:endParaRPr/>
           </a:p>
@@ -4043,14 +4422,13 @@
 </file>
 
 <file path=ppt/slideMasters/slideMaster1.xml><?xml version="1.0" encoding="utf-8"?>
-<p:sldMaster xmlns:a="http://schemas.openxmlformats.org/drawingml/2006/main" xmlns:r="http://schemas.openxmlformats.org/officeDocument/2006/relationships" xmlns:p="http://schemas.openxmlformats.org/presentationml/2006/main">
-  <p:cSld>
+<p:sldMaster xmlns:a="http://schemas.openxmlformats.org/drawingml/2006/main" xmlns:r="http://schemas.openxmlformats.org/officeDocument/2006/relationships" xmlns:p="http://schemas.openxmlformats.org/presentationml/2006/main" xmlns:m="http://schemas.openxmlformats.org/officeDocument/2006/math" xmlns:w="http://schemas.openxmlformats.org/wordprocessingml/2006/main" preserve="0">
+  <p:cSld name="">
     <p:bg>
-      <p:bgPr>
+      <p:bgPr shadeToTitle="0">
         <a:solidFill>
           <a:schemeClr val="bg1"/>
         </a:solidFill>
-        <a:effectLst/>
       </p:bgPr>
     </p:bg>
     <p:spTree>
@@ -4085,7 +4463,7 @@
             <a:cxnLst/>
             <a:rect l="l" t="t" r="r" b="b"/>
             <a:pathLst>
-              <a:path w="9944100" h="5591175" extrusionOk="0">
+              <a:path w="9944100" h="5591175" fill="norm" stroke="1" extrusionOk="0">
                 <a:moveTo>
                   <a:pt x="9732199" y="5591174"/>
                 </a:moveTo>
@@ -4379,7 +4757,7 @@
             </a:pPr>
             <a:fld id="{1D8BD707-D9CF-40AE-B4C6-C98DA3205C09}" type="datetimeFigureOut">
               <a:rPr lang="en-US"/>
-              <a:t>6/1/2023</a:t>
+              <a:t/>
             </a:fld>
             <a:endParaRPr/>
           </a:p>
@@ -4425,7 +4803,7 @@
             </a:pPr>
             <a:fld id="{B6F15528-21DE-4FAA-801E-634DDDAF4B2B}" type="slidenum">
               <a:rPr/>
-              <a:t>‹#›</a:t>
+              <a:t/>
             </a:fld>
             <a:endParaRPr/>
           </a:p>
@@ -4441,7 +4819,7 @@
     <p:sldLayoutId id="2147483652" r:id="rId4"/>
     <p:sldLayoutId id="2147483653" r:id="rId5"/>
   </p:sldLayoutIdLst>
-  <p:hf hdr="0" ftr="0" dt="0"/>
+  <p:hf dt="0" ftr="0" hdr="0" sldNum="1"/>
   <p:txStyles>
     <p:titleStyle>
       <a:lvl1pPr>
@@ -4587,14 +4965,15 @@
 </file>
 
 <file path=ppt/slides/slide1.xml><?xml version="1.0" encoding="utf-8"?>
-<p:sld xmlns:a="http://schemas.openxmlformats.org/drawingml/2006/main" xmlns:r="http://schemas.openxmlformats.org/officeDocument/2006/relationships" xmlns:p="http://schemas.openxmlformats.org/presentationml/2006/main" showMasterPhAnim="0">
-  <p:cSld>
+<p:sld xmlns:a="http://schemas.openxmlformats.org/drawingml/2006/main" xmlns:r="http://schemas.openxmlformats.org/officeDocument/2006/relationships" xmlns:p="http://schemas.openxmlformats.org/presentationml/2006/main" xmlns:m="http://schemas.openxmlformats.org/officeDocument/2006/math" xmlns:w="http://schemas.openxmlformats.org/wordprocessingml/2006/main" showMasterPhAnim="0" show="1">
+  <p:cSld name="">
     <p:bg>
-      <p:bgPr>
+      <p:bgPr shadeToTitle="0">
         <a:solidFill>
-          <a:schemeClr val="bg2"/>
+          <a:schemeClr val="bg2">
+            <a:lumMod val="90000"/>
+          </a:schemeClr>
         </a:solidFill>
-        <a:effectLst/>
       </p:bgPr>
     </p:bg>
     <p:spTree>
@@ -4623,8 +5002,8 @@
         </p:nvSpPr>
         <p:spPr bwMode="auto">
           <a:xfrm>
-            <a:off x="1908967" y="1997740"/>
-            <a:ext cx="8403909" cy="2791213"/>
+            <a:off x="1908966" y="1997739"/>
+            <a:ext cx="8415788" cy="2771215"/>
           </a:xfrm>
           <a:prstGeom prst="rect">
             <a:avLst/>
@@ -4646,97 +5025,81 @@
               <a:defRPr/>
             </a:pPr>
             <a:r>
-              <a:rPr lang="ru-RU" sz="3950" spc="-85" dirty="0" err="1"/>
+              <a:rPr lang="ru-RU" sz="3950" spc="-85">
+                <a:solidFill>
+                  <a:schemeClr val="tx1"/>
+                </a:solidFill>
+              </a:rPr>
               <a:t>Однорангова</a:t>
             </a:r>
             <a:r>
-              <a:rPr lang="ru-RU" sz="3950" spc="-85" dirty="0"/>
+              <a:rPr lang="ru-RU" sz="3950" spc="-85">
+                <a:solidFill>
+                  <a:schemeClr val="tx1"/>
+                </a:solidFill>
+              </a:rPr>
               <a:t> мережа на </a:t>
             </a:r>
             <a:r>
-              <a:rPr lang="ru-RU" sz="3950" spc="-85" dirty="0" err="1"/>
+              <a:rPr lang="ru-RU" sz="3950" spc="-85">
+                <a:solidFill>
+                  <a:schemeClr val="tx1"/>
+                </a:solidFill>
+              </a:rPr>
               <a:t>основі</a:t>
             </a:r>
             <a:r>
-              <a:rPr lang="ru-RU" sz="3950" spc="-85" dirty="0"/>
+              <a:rPr lang="ru-RU" sz="3950" spc="-85">
+                <a:solidFill>
+                  <a:schemeClr val="tx1"/>
+                </a:solidFill>
+              </a:rPr>
               <a:t> блокчейн для </a:t>
             </a:r>
             <a:r>
-              <a:rPr lang="ru-RU" sz="3950" spc="-85" dirty="0" err="1"/>
+              <a:rPr lang="ru-RU" sz="3950" spc="-85">
+                <a:solidFill>
+                  <a:schemeClr val="tx1"/>
+                </a:solidFill>
+              </a:rPr>
               <a:t>автоматизованої</a:t>
             </a:r>
             <a:r>
-              <a:rPr lang="ru-RU" sz="3950" spc="-85" dirty="0"/>
+              <a:rPr lang="ru-RU" sz="3950" spc="-85">
+                <a:solidFill>
+                  <a:schemeClr val="tx1"/>
+                </a:solidFill>
+              </a:rPr>
               <a:t> </a:t>
             </a:r>
             <a:r>
-              <a:rPr lang="ru-RU" sz="3950" spc="-85" dirty="0" err="1"/>
+              <a:rPr lang="ru-RU" sz="3950" spc="-85">
+                <a:solidFill>
+                  <a:schemeClr val="tx1"/>
+                </a:solidFill>
+              </a:rPr>
               <a:t>платіжної</a:t>
             </a:r>
             <a:r>
-              <a:rPr lang="ru-RU" sz="3950" spc="-85" dirty="0"/>
+              <a:rPr lang="ru-RU" sz="3950" spc="-85">
+                <a:solidFill>
+                  <a:schemeClr val="tx1"/>
+                </a:solidFill>
+              </a:rPr>
               <a:t> </a:t>
             </a:r>
             <a:r>
-              <a:rPr lang="ru-RU" sz="3950" spc="-85" dirty="0" err="1"/>
+              <a:rPr lang="ru-RU" sz="3950" spc="-85">
+                <a:solidFill>
+                  <a:schemeClr val="tx1"/>
+                </a:solidFill>
+              </a:rPr>
               <a:t>системи</a:t>
             </a:r>
-            <a:r>
-              <a:rPr sz="2750" b="0" spc="320" dirty="0">
-                <a:latin typeface="Constantia"/>
-                <a:cs typeface="Constantia"/>
-              </a:rPr>
-              <a:t>:  </a:t>
-            </a:r>
-            <a:r>
-              <a:rPr sz="3950" spc="-35" dirty="0" err="1"/>
-              <a:t>захис</a:t>
-            </a:r>
-            <a:r>
-              <a:rPr sz="3950" spc="5" dirty="0" err="1"/>
-              <a:t>т</a:t>
-            </a:r>
-            <a:r>
-              <a:rPr sz="3950" spc="-235" dirty="0"/>
-              <a:t> </a:t>
-            </a:r>
-            <a:r>
-              <a:rPr sz="3950" spc="-35" dirty="0" err="1"/>
-              <a:t>зві</a:t>
-            </a:r>
-            <a:r>
-              <a:rPr sz="3950" spc="-90" dirty="0" err="1"/>
-              <a:t>т</a:t>
-            </a:r>
-            <a:r>
-              <a:rPr sz="3950" spc="5" dirty="0" err="1"/>
-              <a:t>у</a:t>
-            </a:r>
-            <a:r>
-              <a:rPr sz="3950" spc="-235" dirty="0"/>
-              <a:t> </a:t>
-            </a:r>
-            <a:r>
-              <a:rPr sz="3950" spc="5" dirty="0"/>
-              <a:t>з</a:t>
-            </a:r>
-            <a:r>
-              <a:rPr sz="3950" spc="-235" dirty="0"/>
-              <a:t> </a:t>
-            </a:r>
-            <a:r>
-              <a:rPr sz="3950" spc="-35" dirty="0" err="1"/>
-              <a:t>курсової</a:t>
-            </a:r>
-            <a:r>
-              <a:rPr sz="3950" spc="-35" dirty="0"/>
-              <a:t> </a:t>
-            </a:r>
-            <a:r>
-              <a:rPr sz="3950" spc="-35" dirty="0" err="1"/>
-              <a:t>роботи</a:t>
-            </a:r>
-            <a:endParaRPr sz="3950" dirty="0">
+            <a:endParaRPr sz="3950">
+              <a:solidFill>
+                <a:schemeClr val="tx1"/>
+              </a:solidFill>
               <a:latin typeface="Constantia"/>
               <a:cs typeface="Constantia"/>
             </a:endParaRPr>
@@ -4752,29 +5115,29 @@
               <a:defRPr/>
             </a:pPr>
             <a:r>
-              <a:rPr sz="1400" b="0" spc="10" dirty="0" err="1">
-                <a:solidFill>
-                  <a:srgbClr val="777064"/>
-                </a:solidFill>
-                <a:latin typeface="Times New Roman"/>
-                <a:cs typeface="Times New Roman"/>
-              </a:rPr>
-              <a:t>виконав</a:t>
-            </a:r>
-            <a:r>
-              <a:rPr sz="1000" b="0" spc="10" dirty="0">
-                <a:solidFill>
-                  <a:srgbClr val="777064"/>
-                </a:solidFill>
-                <a:latin typeface="Sylfaen"/>
-                <a:cs typeface="Sylfaen"/>
-              </a:rPr>
-              <a:t>: </a:t>
-            </a:r>
-            <a:r>
-              <a:rPr sz="1400" b="0" spc="105" dirty="0">
-                <a:solidFill>
-                  <a:srgbClr val="777064"/>
+              <a:rPr sz="1400" b="0" spc="10">
+                <a:solidFill>
+                  <a:schemeClr val="tx1"/>
+                </a:solidFill>
+                <a:latin typeface="Times New Roman"/>
+                <a:cs typeface="Times New Roman"/>
+              </a:rPr>
+              <a:t>виконав: студент</a:t>
+            </a:r>
+            <a:r>
+              <a:rPr sz="1000" b="0" spc="10">
+                <a:solidFill>
+                  <a:schemeClr val="tx1"/>
+                </a:solidFill>
+                <a:latin typeface="Times New Roman"/>
+                <a:cs typeface="Times New Roman"/>
+              </a:rPr>
+              <a:t> гр. </a:t>
+            </a:r>
+            <a:r>
+              <a:rPr sz="1400" b="0" spc="105">
+                <a:solidFill>
+                  <a:schemeClr val="tx1"/>
                 </a:solidFill>
                 <a:latin typeface="Times New Roman"/>
                 <a:cs typeface="Times New Roman"/>
@@ -4782,29 +5145,29 @@
               <a:t>ІПЗ</a:t>
             </a:r>
             <a:r>
-              <a:rPr sz="1000" b="0" spc="105" dirty="0">
-                <a:solidFill>
-                  <a:srgbClr val="777064"/>
-                </a:solidFill>
-                <a:latin typeface="Sylfaen"/>
-                <a:cs typeface="Sylfaen"/>
+              <a:rPr sz="1000" b="0" spc="105">
+                <a:solidFill>
+                  <a:schemeClr val="tx1"/>
+                </a:solidFill>
+                <a:latin typeface="Times New Roman"/>
+                <a:cs typeface="Times New Roman"/>
               </a:rPr>
               <a:t>-</a:t>
             </a:r>
             <a:r>
-              <a:rPr sz="1050" b="0" spc="105" dirty="0">
-                <a:solidFill>
-                  <a:srgbClr val="777064"/>
-                </a:solidFill>
-                <a:latin typeface="Microsoft YaHei"/>
-                <a:cs typeface="Microsoft YaHei"/>
+              <a:rPr sz="1050" b="0" spc="105">
+                <a:solidFill>
+                  <a:schemeClr val="tx1"/>
+                </a:solidFill>
+                <a:latin typeface="Times New Roman"/>
+                <a:cs typeface="Times New Roman"/>
               </a:rPr>
               <a:t>33 </a:t>
             </a:r>
             <a:r>
-              <a:rPr sz="1400" b="0" spc="-20" dirty="0" err="1">
-                <a:solidFill>
-                  <a:srgbClr val="777064"/>
+              <a:rPr sz="1400" b="0" spc="-20">
+                <a:solidFill>
+                  <a:schemeClr val="tx1"/>
                 </a:solidFill>
                 <a:latin typeface="Times New Roman"/>
                 <a:cs typeface="Times New Roman"/>
@@ -4812,9 +5175,9 @@
               <a:t>Гоша</a:t>
             </a:r>
             <a:r>
-              <a:rPr sz="1400" b="0" spc="-20" dirty="0">
-                <a:solidFill>
-                  <a:srgbClr val="777064"/>
+              <a:rPr sz="1400" b="0" spc="-20">
+                <a:solidFill>
+                  <a:schemeClr val="tx1"/>
                 </a:solidFill>
                 <a:latin typeface="Times New Roman"/>
                 <a:cs typeface="Times New Roman"/>
@@ -4822,9 +5185,9 @@
               <a:t> </a:t>
             </a:r>
             <a:r>
-              <a:rPr sz="1400" b="0" spc="10" dirty="0" err="1">
-                <a:solidFill>
-                  <a:srgbClr val="777064"/>
+              <a:rPr sz="1400" b="0" spc="10">
+                <a:solidFill>
+                  <a:schemeClr val="tx1"/>
                 </a:solidFill>
                 <a:latin typeface="Times New Roman"/>
                 <a:cs typeface="Times New Roman"/>
@@ -4832,9 +5195,9 @@
               <a:t>Давід</a:t>
             </a:r>
             <a:r>
-              <a:rPr sz="1400" b="0" spc="10" dirty="0">
-                <a:solidFill>
-                  <a:srgbClr val="777064"/>
+              <a:rPr sz="1400" b="0" spc="10">
+                <a:solidFill>
+                  <a:schemeClr val="tx1"/>
                 </a:solidFill>
                 <a:latin typeface="Times New Roman"/>
                 <a:cs typeface="Times New Roman"/>
@@ -4842,19 +5205,29 @@
               <a:t> </a:t>
             </a:r>
             <a:r>
-              <a:rPr sz="1400" b="0" spc="5" dirty="0" err="1">
-                <a:solidFill>
-                  <a:srgbClr val="777064"/>
-                </a:solidFill>
-                <a:latin typeface="Times New Roman"/>
-                <a:cs typeface="Times New Roman"/>
-              </a:rPr>
-              <a:t>Олександрович</a:t>
-            </a:r>
-            <a:r>
-              <a:rPr sz="1400" b="0" spc="5" dirty="0">
-                <a:solidFill>
-                  <a:srgbClr val="777064"/>
+              <a:rPr sz="1400" b="0" spc="5">
+                <a:solidFill>
+                  <a:schemeClr val="tx1"/>
+                </a:solidFill>
+                <a:latin typeface="Times New Roman"/>
+                <a:cs typeface="Times New Roman"/>
+              </a:rPr>
+              <a:t>Олекс</a:t>
+            </a:r>
+            <a:r>
+              <a:rPr sz="1400" b="0" spc="4">
+                <a:solidFill>
+                  <a:schemeClr val="tx1"/>
+                </a:solidFill>
+                <a:latin typeface="Times New Roman"/>
+                <a:cs typeface="Times New Roman"/>
+              </a:rPr>
+              <a:t>андрович</a:t>
+            </a:r>
+            <a:r>
+              <a:rPr sz="1400" b="0" spc="5">
+                <a:solidFill>
+                  <a:schemeClr val="tx1"/>
                 </a:solidFill>
                 <a:latin typeface="Times New Roman"/>
                 <a:cs typeface="Times New Roman"/>
@@ -4862,49 +5235,58 @@
               <a:t> </a:t>
             </a:r>
             <a:r>
-              <a:rPr sz="1400" b="0" spc="10" dirty="0">
-                <a:solidFill>
-                  <a:srgbClr val="777064"/>
+              <a:rPr sz="1400" b="0" spc="10">
+                <a:solidFill>
+                  <a:schemeClr val="tx1"/>
                 </a:solidFill>
                 <a:latin typeface="Times New Roman"/>
                 <a:cs typeface="Times New Roman"/>
               </a:rPr>
               <a:t> </a:t>
             </a:r>
-            <a:r>
-              <a:rPr sz="1400" b="0" spc="10" dirty="0" err="1">
-                <a:solidFill>
-                  <a:srgbClr val="777064"/>
-                </a:solidFill>
-                <a:latin typeface="Times New Roman"/>
-                <a:cs typeface="Times New Roman"/>
-              </a:rPr>
-              <a:t>керівник</a:t>
-            </a:r>
-            <a:r>
-              <a:rPr sz="1000" b="0" spc="10" dirty="0">
-                <a:solidFill>
-                  <a:srgbClr val="777064"/>
-                </a:solidFill>
-                <a:latin typeface="Sylfaen"/>
-                <a:cs typeface="Sylfaen"/>
+            <a:br>
+              <a:rPr sz="1400" b="0" spc="10">
+                <a:solidFill>
+                  <a:schemeClr val="tx1"/>
+                </a:solidFill>
+                <a:latin typeface="Times New Roman"/>
+                <a:cs typeface="Times New Roman"/>
+              </a:rPr>
+            </a:br>
+            <a:r>
+              <a:rPr sz="1400" b="0" spc="10">
+                <a:solidFill>
+                  <a:schemeClr val="tx1"/>
+                </a:solidFill>
+                <a:latin typeface="Times New Roman"/>
+                <a:cs typeface="Times New Roman"/>
+              </a:rPr>
+              <a:t>науковий керівник</a:t>
+            </a:r>
+            <a:r>
+              <a:rPr sz="1000" b="0" spc="10">
+                <a:solidFill>
+                  <a:schemeClr val="tx1"/>
+                </a:solidFill>
+                <a:latin typeface="Times New Roman"/>
+                <a:cs typeface="Times New Roman"/>
               </a:rPr>
               <a:t>:</a:t>
             </a:r>
             <a:r>
-              <a:rPr sz="1000" b="0" spc="80" dirty="0">
-                <a:solidFill>
-                  <a:srgbClr val="777064"/>
-                </a:solidFill>
-                <a:latin typeface="Sylfaen"/>
-                <a:cs typeface="Sylfaen"/>
+              <a:rPr sz="1000" b="0" spc="80">
+                <a:solidFill>
+                  <a:schemeClr val="tx1"/>
+                </a:solidFill>
+                <a:latin typeface="Times New Roman"/>
+                <a:cs typeface="Times New Roman"/>
               </a:rPr>
               <a:t> </a:t>
             </a:r>
             <a:r>
-              <a:rPr sz="1400" b="0" spc="50" dirty="0" err="1">
-                <a:solidFill>
-                  <a:srgbClr val="777064"/>
+              <a:rPr sz="1400" b="0" spc="50">
+                <a:solidFill>
+                  <a:schemeClr val="tx1"/>
                 </a:solidFill>
                 <a:latin typeface="Times New Roman"/>
                 <a:cs typeface="Times New Roman"/>
@@ -4912,19 +5294,19 @@
               <a:t>д</a:t>
             </a:r>
             <a:r>
-              <a:rPr sz="1000" b="0" spc="50" dirty="0" err="1">
-                <a:solidFill>
-                  <a:srgbClr val="777064"/>
-                </a:solidFill>
-                <a:latin typeface="Sylfaen"/>
-                <a:cs typeface="Sylfaen"/>
+              <a:rPr sz="1000" b="0" spc="50">
+                <a:solidFill>
+                  <a:schemeClr val="tx1"/>
+                </a:solidFill>
+                <a:latin typeface="Times New Roman"/>
+                <a:cs typeface="Times New Roman"/>
               </a:rPr>
               <a:t>.</a:t>
             </a:r>
             <a:r>
-              <a:rPr sz="1400" b="0" spc="50" dirty="0" err="1">
-                <a:solidFill>
-                  <a:srgbClr val="777064"/>
+              <a:rPr sz="1400" b="0" spc="50">
+                <a:solidFill>
+                  <a:schemeClr val="tx1"/>
                 </a:solidFill>
                 <a:latin typeface="Times New Roman"/>
                 <a:cs typeface="Times New Roman"/>
@@ -4932,19 +5314,19 @@
               <a:t>т</a:t>
             </a:r>
             <a:r>
-              <a:rPr sz="1000" b="0" spc="50" dirty="0" err="1">
-                <a:solidFill>
-                  <a:srgbClr val="777064"/>
-                </a:solidFill>
-                <a:latin typeface="Sylfaen"/>
-                <a:cs typeface="Sylfaen"/>
+              <a:rPr sz="1000" b="0" spc="50">
+                <a:solidFill>
+                  <a:schemeClr val="tx1"/>
+                </a:solidFill>
+                <a:latin typeface="Times New Roman"/>
+                <a:cs typeface="Times New Roman"/>
               </a:rPr>
               <a:t>.</a:t>
             </a:r>
             <a:r>
-              <a:rPr sz="1400" b="0" spc="50" dirty="0" err="1">
-                <a:solidFill>
-                  <a:srgbClr val="777064"/>
+              <a:rPr sz="1400" b="0" spc="50">
+                <a:solidFill>
+                  <a:schemeClr val="tx1"/>
                 </a:solidFill>
                 <a:latin typeface="Times New Roman"/>
                 <a:cs typeface="Times New Roman"/>
@@ -4952,29 +5334,29 @@
               <a:t>н</a:t>
             </a:r>
             <a:r>
-              <a:rPr sz="1000" b="0" spc="50" dirty="0">
-                <a:solidFill>
-                  <a:srgbClr val="777064"/>
-                </a:solidFill>
-                <a:latin typeface="Sylfaen"/>
-                <a:cs typeface="Sylfaen"/>
+              <a:rPr sz="1000" b="0" spc="50">
+                <a:solidFill>
+                  <a:schemeClr val="tx1"/>
+                </a:solidFill>
+                <a:latin typeface="Times New Roman"/>
+                <a:cs typeface="Times New Roman"/>
               </a:rPr>
               <a:t>.</a:t>
             </a:r>
             <a:r>
-              <a:rPr sz="1000" b="0" spc="45" dirty="0">
-                <a:solidFill>
-                  <a:srgbClr val="777064"/>
-                </a:solidFill>
-                <a:latin typeface="Sylfaen"/>
-                <a:cs typeface="Sylfaen"/>
+              <a:rPr sz="1000" b="0" spc="45">
+                <a:solidFill>
+                  <a:schemeClr val="tx1"/>
+                </a:solidFill>
+                <a:latin typeface="Times New Roman"/>
+                <a:cs typeface="Times New Roman"/>
               </a:rPr>
               <a:t> </a:t>
             </a:r>
             <a:r>
-              <a:rPr sz="1400" b="0" spc="50" dirty="0" err="1">
-                <a:solidFill>
-                  <a:srgbClr val="777064"/>
+              <a:rPr sz="1400" b="0" spc="50">
+                <a:solidFill>
+                  <a:schemeClr val="tx1"/>
                 </a:solidFill>
                 <a:latin typeface="Times New Roman"/>
                 <a:cs typeface="Times New Roman"/>
@@ -4982,19 +5364,19 @@
               <a:t>с</a:t>
             </a:r>
             <a:r>
-              <a:rPr sz="1000" b="0" spc="50" dirty="0" err="1">
-                <a:solidFill>
-                  <a:srgbClr val="777064"/>
-                </a:solidFill>
-                <a:latin typeface="Sylfaen"/>
-                <a:cs typeface="Sylfaen"/>
+              <a:rPr sz="1000" b="0" spc="50">
+                <a:solidFill>
+                  <a:schemeClr val="tx1"/>
+                </a:solidFill>
+                <a:latin typeface="Times New Roman"/>
+                <a:cs typeface="Times New Roman"/>
               </a:rPr>
               <a:t>.</a:t>
             </a:r>
             <a:r>
-              <a:rPr sz="1400" b="0" spc="50" dirty="0" err="1">
-                <a:solidFill>
-                  <a:srgbClr val="777064"/>
+              <a:rPr sz="1400" b="0" spc="50">
+                <a:solidFill>
+                  <a:schemeClr val="tx1"/>
                 </a:solidFill>
                 <a:latin typeface="Times New Roman"/>
                 <a:cs typeface="Times New Roman"/>
@@ -5002,19 +5384,19 @@
               <a:t>н</a:t>
             </a:r>
             <a:r>
-              <a:rPr sz="1000" b="0" spc="50" dirty="0" err="1">
-                <a:solidFill>
-                  <a:srgbClr val="777064"/>
-                </a:solidFill>
-                <a:latin typeface="Sylfaen"/>
-                <a:cs typeface="Sylfaen"/>
+              <a:rPr sz="1000" b="0" spc="50">
+                <a:solidFill>
+                  <a:schemeClr val="tx1"/>
+                </a:solidFill>
+                <a:latin typeface="Times New Roman"/>
+                <a:cs typeface="Times New Roman"/>
               </a:rPr>
               <a:t>.</a:t>
             </a:r>
             <a:r>
-              <a:rPr sz="1400" b="0" spc="50" dirty="0" err="1">
-                <a:solidFill>
-                  <a:srgbClr val="777064"/>
+              <a:rPr sz="1400" b="0" spc="50">
+                <a:solidFill>
+                  <a:schemeClr val="tx1"/>
                 </a:solidFill>
                 <a:latin typeface="Times New Roman"/>
                 <a:cs typeface="Times New Roman"/>
@@ -5022,29 +5404,29 @@
               <a:t>с</a:t>
             </a:r>
             <a:r>
-              <a:rPr sz="1000" b="0" spc="50" dirty="0">
-                <a:solidFill>
-                  <a:srgbClr val="777064"/>
-                </a:solidFill>
-                <a:latin typeface="Sylfaen"/>
-                <a:cs typeface="Sylfaen"/>
+              <a:rPr sz="1000" b="0" spc="50">
+                <a:solidFill>
+                  <a:schemeClr val="tx1"/>
+                </a:solidFill>
+                <a:latin typeface="Times New Roman"/>
+                <a:cs typeface="Times New Roman"/>
               </a:rPr>
               <a:t>.</a:t>
             </a:r>
             <a:r>
-              <a:rPr sz="1000" b="0" spc="45" dirty="0">
-                <a:solidFill>
-                  <a:srgbClr val="777064"/>
-                </a:solidFill>
-                <a:latin typeface="Sylfaen"/>
-                <a:cs typeface="Sylfaen"/>
+              <a:rPr sz="1000" b="0" spc="45">
+                <a:solidFill>
+                  <a:schemeClr val="tx1"/>
+                </a:solidFill>
+                <a:latin typeface="Times New Roman"/>
+                <a:cs typeface="Times New Roman"/>
               </a:rPr>
               <a:t> </a:t>
             </a:r>
             <a:r>
-              <a:rPr sz="1400" b="0" spc="10" dirty="0" err="1">
-                <a:solidFill>
-                  <a:srgbClr val="777064"/>
+              <a:rPr sz="1400" b="0" spc="10">
+                <a:solidFill>
+                  <a:schemeClr val="tx1"/>
                 </a:solidFill>
                 <a:latin typeface="Times New Roman"/>
                 <a:cs typeface="Times New Roman"/>
@@ -5052,9 +5434,9 @@
               <a:t>Порєв</a:t>
             </a:r>
             <a:r>
-              <a:rPr sz="1400" b="0" spc="-15" dirty="0">
-                <a:solidFill>
-                  <a:srgbClr val="777064"/>
+              <a:rPr sz="1400" b="0" spc="-15">
+                <a:solidFill>
+                  <a:schemeClr val="tx1"/>
                 </a:solidFill>
                 <a:latin typeface="Times New Roman"/>
                 <a:cs typeface="Times New Roman"/>
@@ -5062,9 +5444,9 @@
               <a:t> </a:t>
             </a:r>
             <a:r>
-              <a:rPr sz="1400" b="0" spc="-5" dirty="0" err="1">
-                <a:solidFill>
-                  <a:srgbClr val="777064"/>
+              <a:rPr sz="1400" b="0" spc="-5">
+                <a:solidFill>
+                  <a:schemeClr val="tx1"/>
                 </a:solidFill>
                 <a:latin typeface="Times New Roman"/>
                 <a:cs typeface="Times New Roman"/>
@@ -5072,9 +5454,9 @@
               <a:t>Геннадій</a:t>
             </a:r>
             <a:r>
-              <a:rPr sz="1400" b="0" spc="-15" dirty="0">
-                <a:solidFill>
-                  <a:srgbClr val="777064"/>
+              <a:rPr sz="1400" b="0" spc="-15">
+                <a:solidFill>
+                  <a:schemeClr val="tx1"/>
                 </a:solidFill>
                 <a:latin typeface="Times New Roman"/>
                 <a:cs typeface="Times New Roman"/>
@@ -5082,16 +5464,297 @@
               <a:t> </a:t>
             </a:r>
             <a:r>
-              <a:rPr sz="1400" b="0" spc="5" dirty="0" err="1">
-                <a:solidFill>
-                  <a:srgbClr val="777064"/>
+              <a:rPr sz="1400" b="0" spc="5">
+                <a:solidFill>
+                  <a:schemeClr val="tx1"/>
                 </a:solidFill>
                 <a:latin typeface="Times New Roman"/>
                 <a:cs typeface="Times New Roman"/>
               </a:rPr>
               <a:t>Володимирович</a:t>
             </a:r>
-            <a:endParaRPr sz="1400" dirty="0">
+            <a:endParaRPr sz="1400">
+              <a:solidFill>
+                <a:schemeClr val="tx1"/>
+              </a:solidFill>
+              <a:latin typeface="Times New Roman"/>
+              <a:cs typeface="Times New Roman"/>
+            </a:endParaRPr>
+          </a:p>
+        </p:txBody>
+      </p:sp>
+      <p:sp>
+        <p:nvSpPr>
+          <p:cNvPr id="324390422" name=""/>
+          <p:cNvSpPr txBox="1"/>
+          <p:nvPr/>
+        </p:nvSpPr>
+        <p:spPr bwMode="auto">
+          <a:xfrm flipH="0" flipV="0">
+            <a:off x="2544901" y="918387"/>
+            <a:ext cx="7132038" cy="1079351"/>
+          </a:xfrm>
+          <a:prstGeom prst="rect">
+            <a:avLst/>
+          </a:prstGeom>
+          <a:noFill/>
+        </p:spPr>
+        <p:txBody>
+          <a:bodyPr vertOverflow="overflow" horzOverflow="overflow" vert="horz" wrap="square" lIns="91440" tIns="45720" rIns="91440" bIns="45720" numCol="1" spcCol="0" rtlCol="0" fromWordArt="0" anchor="t" anchorCtr="0" forceAA="0" upright="0" compatLnSpc="0">
+            <a:spAutoFit/>
+          </a:bodyPr>
+          <a:p>
+            <a:pPr algn="ctr">
+              <a:lnSpc>
+                <a:spcPct val="90000"/>
+              </a:lnSpc>
+              <a:defRPr/>
+            </a:pPr>
+            <a:r>
+              <a:rPr lang="en-US">
+                <a:latin typeface="Times New Roman"/>
+                <a:ea typeface="Bierstadt"/>
+                <a:cs typeface="Times New Roman"/>
+              </a:rPr>
+              <a:t>Київський</a:t>
+            </a:r>
+            <a:r>
+              <a:rPr lang="en-US">
+                <a:latin typeface="Times New Roman"/>
+                <a:ea typeface="Bierstadt"/>
+                <a:cs typeface="Times New Roman"/>
+              </a:rPr>
+              <a:t> </a:t>
+            </a:r>
+            <a:r>
+              <a:rPr lang="en-US">
+                <a:latin typeface="Times New Roman"/>
+                <a:ea typeface="Bierstadt"/>
+                <a:cs typeface="Times New Roman"/>
+              </a:rPr>
+              <a:t>національний</a:t>
+            </a:r>
+            <a:r>
+              <a:rPr lang="en-US">
+                <a:latin typeface="Times New Roman"/>
+                <a:ea typeface="Bierstadt"/>
+                <a:cs typeface="Times New Roman"/>
+              </a:rPr>
+              <a:t> </a:t>
+            </a:r>
+            <a:r>
+              <a:rPr lang="en-US">
+                <a:latin typeface="Times New Roman"/>
+                <a:ea typeface="Bierstadt"/>
+                <a:cs typeface="Times New Roman"/>
+              </a:rPr>
+              <a:t>університет</a:t>
+            </a:r>
+            <a:r>
+              <a:rPr lang="en-US">
+                <a:latin typeface="Times New Roman"/>
+                <a:ea typeface="Bierstadt"/>
+                <a:cs typeface="Times New Roman"/>
+              </a:rPr>
+              <a:t> </a:t>
+            </a:r>
+            <a:r>
+              <a:rPr lang="en-US">
+                <a:latin typeface="Times New Roman"/>
+                <a:ea typeface="Bierstadt"/>
+                <a:cs typeface="Times New Roman"/>
+              </a:rPr>
+              <a:t>імені</a:t>
+            </a:r>
+            <a:r>
+              <a:rPr lang="en-US">
+                <a:latin typeface="Times New Roman"/>
+                <a:ea typeface="Bierstadt"/>
+                <a:cs typeface="Times New Roman"/>
+              </a:rPr>
+              <a:t> </a:t>
+            </a:r>
+            <a:r>
+              <a:rPr lang="en-US">
+                <a:latin typeface="Times New Roman"/>
+                <a:ea typeface="Bierstadt"/>
+                <a:cs typeface="Times New Roman"/>
+              </a:rPr>
+              <a:t>Тараса</a:t>
+            </a:r>
+            <a:r>
+              <a:rPr lang="en-US">
+                <a:latin typeface="Times New Roman"/>
+                <a:ea typeface="Bierstadt"/>
+                <a:cs typeface="Times New Roman"/>
+              </a:rPr>
+              <a:t> </a:t>
+            </a:r>
+            <a:r>
+              <a:rPr lang="en-US">
+                <a:latin typeface="Times New Roman"/>
+                <a:ea typeface="Bierstadt"/>
+                <a:cs typeface="Times New Roman"/>
+              </a:rPr>
+              <a:t>Шевченка</a:t>
+            </a:r>
+            <a:r>
+              <a:rPr lang="en-US">
+                <a:latin typeface="Times New Roman"/>
+                <a:ea typeface="Bierstadt"/>
+                <a:cs typeface="Times New Roman"/>
+              </a:rPr>
+              <a:t> </a:t>
+            </a:r>
+            <a:endParaRPr sz="1800">
+              <a:latin typeface="Times New Roman"/>
+              <a:cs typeface="Times New Roman"/>
+            </a:endParaRPr>
+          </a:p>
+          <a:p>
+            <a:pPr algn="ctr">
+              <a:lnSpc>
+                <a:spcPct val="90000"/>
+              </a:lnSpc>
+              <a:defRPr/>
+            </a:pPr>
+            <a:r>
+              <a:rPr lang="en-US">
+                <a:latin typeface="Times New Roman"/>
+                <a:ea typeface="Bierstadt"/>
+                <a:cs typeface="Times New Roman"/>
+              </a:rPr>
+              <a:t>Факультет</a:t>
+            </a:r>
+            <a:r>
+              <a:rPr lang="en-US">
+                <a:latin typeface="Times New Roman"/>
+                <a:ea typeface="Bierstadt"/>
+                <a:cs typeface="Times New Roman"/>
+              </a:rPr>
+              <a:t> </a:t>
+            </a:r>
+            <a:r>
+              <a:rPr lang="en-US">
+                <a:latin typeface="Times New Roman"/>
+                <a:ea typeface="Bierstadt"/>
+                <a:cs typeface="Times New Roman"/>
+              </a:rPr>
+              <a:t>інформаційних</a:t>
+            </a:r>
+            <a:r>
+              <a:rPr lang="en-US">
+                <a:latin typeface="Times New Roman"/>
+                <a:ea typeface="Bierstadt"/>
+                <a:cs typeface="Times New Roman"/>
+              </a:rPr>
+              <a:t> </a:t>
+            </a:r>
+            <a:r>
+              <a:rPr lang="en-US">
+                <a:latin typeface="Times New Roman"/>
+                <a:ea typeface="Bierstadt"/>
+                <a:cs typeface="Times New Roman"/>
+              </a:rPr>
+              <a:t>технологій</a:t>
+            </a:r>
+            <a:r>
+              <a:rPr lang="en-US">
+                <a:latin typeface="Times New Roman"/>
+                <a:ea typeface="Bierstadt"/>
+                <a:cs typeface="Times New Roman"/>
+              </a:rPr>
+              <a:t> </a:t>
+            </a:r>
+            <a:endParaRPr sz="1800">
+              <a:latin typeface="Times New Roman"/>
+              <a:cs typeface="Times New Roman"/>
+            </a:endParaRPr>
+          </a:p>
+          <a:p>
+            <a:pPr algn="ctr">
+              <a:lnSpc>
+                <a:spcPct val="90000"/>
+              </a:lnSpc>
+              <a:defRPr/>
+            </a:pPr>
+            <a:r>
+              <a:rPr lang="en-US">
+                <a:latin typeface="Times New Roman"/>
+                <a:ea typeface="Bierstadt"/>
+                <a:cs typeface="Times New Roman"/>
+              </a:rPr>
+              <a:t>Кафедра</a:t>
+            </a:r>
+            <a:r>
+              <a:rPr lang="en-US">
+                <a:latin typeface="Times New Roman"/>
+                <a:ea typeface="Bierstadt"/>
+                <a:cs typeface="Times New Roman"/>
+              </a:rPr>
+              <a:t> </a:t>
+            </a:r>
+            <a:r>
+              <a:rPr lang="en-US">
+                <a:latin typeface="Times New Roman"/>
+                <a:ea typeface="Bierstadt"/>
+                <a:cs typeface="Times New Roman"/>
+              </a:rPr>
+              <a:t>Програмних</a:t>
+            </a:r>
+            <a:r>
+              <a:rPr lang="en-US">
+                <a:latin typeface="Times New Roman"/>
+                <a:ea typeface="Bierstadt"/>
+                <a:cs typeface="Times New Roman"/>
+              </a:rPr>
+              <a:t> </a:t>
+            </a:r>
+            <a:r>
+              <a:rPr lang="en-US">
+                <a:latin typeface="Times New Roman"/>
+                <a:ea typeface="Bierstadt"/>
+                <a:cs typeface="Times New Roman"/>
+              </a:rPr>
+              <a:t>систем</a:t>
+            </a:r>
+            <a:r>
+              <a:rPr lang="en-US">
+                <a:latin typeface="Times New Roman"/>
+                <a:ea typeface="Bierstadt"/>
+                <a:cs typeface="Times New Roman"/>
+              </a:rPr>
+              <a:t> і </a:t>
+            </a:r>
+            <a:r>
+              <a:rPr lang="en-US">
+                <a:latin typeface="Times New Roman"/>
+                <a:ea typeface="Bierstadt"/>
+                <a:cs typeface="Times New Roman"/>
+              </a:rPr>
+              <a:t>технологій</a:t>
+            </a:r>
+            <a:r>
+              <a:rPr lang="en-US">
+                <a:latin typeface="Times New Roman"/>
+                <a:ea typeface="Bierstadt"/>
+                <a:cs typeface="Times New Roman"/>
+              </a:rPr>
+              <a:t> </a:t>
+            </a:r>
+            <a:endParaRPr sz="1800">
+              <a:latin typeface="Times New Roman"/>
+              <a:cs typeface="Times New Roman"/>
+            </a:endParaRPr>
+          </a:p>
+          <a:p>
+            <a:pPr algn="ctr">
+              <a:lnSpc>
+                <a:spcPct val="90000"/>
+              </a:lnSpc>
+              <a:defRPr/>
+            </a:pPr>
+            <a:endParaRPr sz="1800">
               <a:latin typeface="Times New Roman"/>
               <a:cs typeface="Times New Roman"/>
             </a:endParaRPr>
@@ -5103,739 +5766,27 @@
   <p:clrMapOvr>
     <a:masterClrMapping/>
   </p:clrMapOvr>
+  <mc:AlternateContent xmlns:mc="http://schemas.openxmlformats.org/markup-compatibility/2006">
+    <mc:Choice xmlns:p14="http://schemas.microsoft.com/office/powerpoint/2010/main" Requires="p14">
+      <p:transition p14:dur="2000" advClick="1"/>
+    </mc:Choice>
+    <mc:Fallback>
+      <p:transition advClick="1"/>
+    </mc:Fallback>
+  </mc:AlternateContent>
 </p:sld>
 </file>
 
 <file path=ppt/slides/slide2.xml><?xml version="1.0" encoding="utf-8"?>
-<p:sld xmlns:a="http://schemas.openxmlformats.org/drawingml/2006/main" xmlns:r="http://schemas.openxmlformats.org/officeDocument/2006/relationships" xmlns:p="http://schemas.openxmlformats.org/presentationml/2006/main" showMasterPhAnim="0">
-  <p:cSld>
+<p:sld xmlns:a="http://schemas.openxmlformats.org/drawingml/2006/main" xmlns:r="http://schemas.openxmlformats.org/officeDocument/2006/relationships" xmlns:p="http://schemas.openxmlformats.org/presentationml/2006/main" xmlns:m="http://schemas.openxmlformats.org/officeDocument/2006/math" xmlns:w="http://schemas.openxmlformats.org/wordprocessingml/2006/main" showMasterPhAnim="0" show="1">
+  <p:cSld name="">
     <p:bg>
-      <p:bgPr>
-        <a:solidFill>
-          <a:schemeClr val="bg2"/>
-        </a:solidFill>
-        <a:effectLst/>
-      </p:bgPr>
-    </p:bg>
-    <p:spTree>
-      <p:nvGrpSpPr>
-        <p:cNvPr id="1" name=""/>
-        <p:cNvGrpSpPr/>
-        <p:nvPr/>
-      </p:nvGrpSpPr>
-      <p:grpSpPr bwMode="auto">
-        <a:xfrm>
-          <a:off x="0" y="0"/>
-          <a:ext cx="0" cy="0"/>
-          <a:chOff x="0" y="0"/>
-          <a:chExt cx="0" cy="0"/>
-        </a:xfrm>
-      </p:grpSpPr>
-      <p:sp>
-        <p:nvSpPr>
-          <p:cNvPr id="2" name="object 2"/>
-          <p:cNvSpPr txBox="1"/>
-          <p:nvPr/>
-        </p:nvSpPr>
-        <p:spPr bwMode="auto">
-          <a:xfrm>
-            <a:off x="1526032" y="1562276"/>
-            <a:ext cx="9003564" cy="2916914"/>
-          </a:xfrm>
-          <a:prstGeom prst="rect">
-            <a:avLst/>
-          </a:prstGeom>
-        </p:spPr>
-        <p:txBody>
-          <a:bodyPr vert="horz" wrap="square" lIns="0" tIns="139065" rIns="0" bIns="0" rtlCol="0">
-            <a:spAutoFit/>
-          </a:bodyPr>
-          <a:lstStyle/>
-          <a:p>
-            <a:pPr marL="314960" indent="-302895">
-              <a:lnSpc>
-                <a:spcPct val="100000"/>
-              </a:lnSpc>
-              <a:spcBef>
-                <a:spcPts val="1095"/>
-              </a:spcBef>
-              <a:buSzPct val="70212"/>
-              <a:buFont typeface="Lucida Sans Unicode"/>
-              <a:buChar char="•"/>
-              <a:tabLst>
-                <a:tab pos="314960" algn="l"/>
-                <a:tab pos="315595" algn="l"/>
-              </a:tabLst>
-              <a:defRPr/>
-            </a:pPr>
-            <a:r>
-              <a:rPr sz="2350" b="1" spc="-10">
-                <a:solidFill>
-                  <a:srgbClr val="484140"/>
-                </a:solidFill>
-                <a:latin typeface="Times New Roman"/>
-                <a:cs typeface="Times New Roman"/>
-              </a:rPr>
-              <a:t>Вступ</a:t>
-            </a:r>
-            <a:endParaRPr sz="2350">
-              <a:latin typeface="Times New Roman"/>
-              <a:cs typeface="Times New Roman"/>
-            </a:endParaRPr>
-          </a:p>
-          <a:p>
-            <a:pPr marL="314960" indent="-302895">
-              <a:lnSpc>
-                <a:spcPct val="100000"/>
-              </a:lnSpc>
-              <a:spcBef>
-                <a:spcPts val="1005"/>
-              </a:spcBef>
-              <a:buSzPct val="70212"/>
-              <a:buFont typeface="Lucida Sans Unicode"/>
-              <a:buChar char="•"/>
-              <a:tabLst>
-                <a:tab pos="314960" algn="l"/>
-                <a:tab pos="315595" algn="l"/>
-              </a:tabLst>
-              <a:defRPr/>
-            </a:pPr>
-            <a:r>
-              <a:rPr sz="2350" b="1" spc="-10">
-                <a:solidFill>
-                  <a:srgbClr val="484140"/>
-                </a:solidFill>
-                <a:latin typeface="Times New Roman"/>
-                <a:cs typeface="Times New Roman"/>
-              </a:rPr>
-              <a:t>Цілі роботи</a:t>
-            </a:r>
-            <a:endParaRPr sz="2350">
-              <a:latin typeface="Times New Roman"/>
-              <a:cs typeface="Times New Roman"/>
-            </a:endParaRPr>
-          </a:p>
-          <a:p>
-            <a:pPr marL="314960" indent="-302895">
-              <a:lnSpc>
-                <a:spcPct val="100000"/>
-              </a:lnSpc>
-              <a:spcBef>
-                <a:spcPts val="1005"/>
-              </a:spcBef>
-              <a:buSzPct val="70212"/>
-              <a:buFont typeface="Lucida Sans Unicode"/>
-              <a:buChar char="•"/>
-              <a:tabLst>
-                <a:tab pos="314960" algn="l"/>
-                <a:tab pos="315595" algn="l"/>
-              </a:tabLst>
-              <a:defRPr/>
-            </a:pPr>
-            <a:r>
-              <a:rPr sz="2350" b="1" spc="-30">
-                <a:solidFill>
-                  <a:srgbClr val="484140"/>
-                </a:solidFill>
-                <a:latin typeface="Times New Roman"/>
-                <a:cs typeface="Times New Roman"/>
-              </a:rPr>
-              <a:t>М</a:t>
-            </a:r>
-            <a:r>
-              <a:rPr sz="2350" b="1" spc="-10">
-                <a:solidFill>
-                  <a:srgbClr val="484140"/>
-                </a:solidFill>
-                <a:latin typeface="Times New Roman"/>
-                <a:cs typeface="Times New Roman"/>
-              </a:rPr>
-              <a:t>ере</a:t>
-            </a:r>
-            <a:r>
-              <a:rPr sz="2350" b="1" spc="-40">
-                <a:solidFill>
-                  <a:srgbClr val="484140"/>
-                </a:solidFill>
-                <a:latin typeface="Times New Roman"/>
-                <a:cs typeface="Times New Roman"/>
-              </a:rPr>
-              <a:t>ж</a:t>
-            </a:r>
-            <a:r>
-              <a:rPr sz="2350" b="1" spc="-10">
-                <a:solidFill>
-                  <a:srgbClr val="484140"/>
-                </a:solidFill>
-                <a:latin typeface="Times New Roman"/>
-                <a:cs typeface="Times New Roman"/>
-              </a:rPr>
-              <a:t>ев</a:t>
-            </a:r>
-            <a:r>
-              <a:rPr sz="2350" b="1" spc="15">
-                <a:solidFill>
-                  <a:srgbClr val="484140"/>
-                </a:solidFill>
-                <a:latin typeface="Times New Roman"/>
-                <a:cs typeface="Times New Roman"/>
-              </a:rPr>
-              <a:t>а</a:t>
-            </a:r>
-            <a:r>
-              <a:rPr sz="2350" b="1" spc="-140">
-                <a:solidFill>
-                  <a:srgbClr val="484140"/>
-                </a:solidFill>
-                <a:latin typeface="Times New Roman"/>
-                <a:cs typeface="Times New Roman"/>
-              </a:rPr>
-              <a:t> </a:t>
-            </a:r>
-            <a:r>
-              <a:rPr sz="2350" b="1" spc="-10">
-                <a:solidFill>
-                  <a:srgbClr val="484140"/>
-                </a:solidFill>
-                <a:latin typeface="Times New Roman"/>
-                <a:cs typeface="Times New Roman"/>
-              </a:rPr>
-              <a:t>архітек</a:t>
-            </a:r>
-            <a:r>
-              <a:rPr sz="2350" b="1" spc="-45">
-                <a:solidFill>
-                  <a:srgbClr val="484140"/>
-                </a:solidFill>
-                <a:latin typeface="Times New Roman"/>
-                <a:cs typeface="Times New Roman"/>
-              </a:rPr>
-              <a:t>т</a:t>
-            </a:r>
-            <a:r>
-              <a:rPr sz="2350" b="1" spc="-10">
-                <a:solidFill>
-                  <a:srgbClr val="484140"/>
-                </a:solidFill>
-                <a:latin typeface="Times New Roman"/>
-                <a:cs typeface="Times New Roman"/>
-              </a:rPr>
-              <a:t>ур</a:t>
-            </a:r>
-            <a:r>
-              <a:rPr sz="2350" b="1" spc="15">
-                <a:solidFill>
-                  <a:srgbClr val="484140"/>
-                </a:solidFill>
-                <a:latin typeface="Times New Roman"/>
-                <a:cs typeface="Times New Roman"/>
-              </a:rPr>
-              <a:t>а</a:t>
-            </a:r>
-            <a:r>
-              <a:rPr sz="2350" b="1" spc="-140">
-                <a:solidFill>
-                  <a:srgbClr val="484140"/>
-                </a:solidFill>
-                <a:latin typeface="Times New Roman"/>
-                <a:cs typeface="Times New Roman"/>
-              </a:rPr>
-              <a:t> </a:t>
-            </a:r>
-            <a:r>
-              <a:rPr sz="2350" b="1" spc="-70">
-                <a:solidFill>
-                  <a:srgbClr val="484140"/>
-                </a:solidFill>
-                <a:latin typeface="Times New Roman"/>
-                <a:cs typeface="Times New Roman"/>
-              </a:rPr>
-              <a:t>б</a:t>
-            </a:r>
-            <a:r>
-              <a:rPr sz="2350" b="1" spc="-10">
-                <a:solidFill>
-                  <a:srgbClr val="484140"/>
-                </a:solidFill>
-                <a:latin typeface="Times New Roman"/>
-                <a:cs typeface="Times New Roman"/>
-              </a:rPr>
-              <a:t>ло</a:t>
-            </a:r>
-            <a:r>
-              <a:rPr sz="2350" b="1" spc="-105">
-                <a:solidFill>
-                  <a:srgbClr val="484140"/>
-                </a:solidFill>
-                <a:latin typeface="Times New Roman"/>
-                <a:cs typeface="Times New Roman"/>
-              </a:rPr>
-              <a:t>к</a:t>
-            </a:r>
-            <a:r>
-              <a:rPr sz="2350" b="1" spc="-10">
-                <a:solidFill>
-                  <a:srgbClr val="484140"/>
-                </a:solidFill>
-                <a:latin typeface="Times New Roman"/>
-                <a:cs typeface="Times New Roman"/>
-              </a:rPr>
-              <a:t>чейн</a:t>
-            </a:r>
-            <a:r>
-              <a:rPr sz="2350" b="1" spc="15">
-                <a:solidFill>
-                  <a:srgbClr val="484140"/>
-                </a:solidFill>
-                <a:latin typeface="Times New Roman"/>
-                <a:cs typeface="Times New Roman"/>
-              </a:rPr>
-              <a:t>у</a:t>
-            </a:r>
-            <a:endParaRPr sz="2350">
-              <a:latin typeface="Times New Roman"/>
-              <a:cs typeface="Times New Roman"/>
-            </a:endParaRPr>
-          </a:p>
-          <a:p>
-            <a:pPr marL="314960" indent="-302895">
-              <a:lnSpc>
-                <a:spcPct val="100000"/>
-              </a:lnSpc>
-              <a:spcBef>
-                <a:spcPts val="1005"/>
-              </a:spcBef>
-              <a:buSzPct val="70212"/>
-              <a:buFont typeface="Lucida Sans Unicode"/>
-              <a:buChar char="•"/>
-              <a:tabLst>
-                <a:tab pos="314960" algn="l"/>
-                <a:tab pos="315595" algn="l"/>
-              </a:tabLst>
-              <a:defRPr/>
-            </a:pPr>
-            <a:r>
-              <a:rPr sz="2350" b="1" spc="-5">
-                <a:solidFill>
-                  <a:srgbClr val="484140"/>
-                </a:solidFill>
-                <a:latin typeface="Times New Roman"/>
-                <a:cs typeface="Times New Roman"/>
-              </a:rPr>
-              <a:t>Програмне забеспечення</a:t>
-            </a:r>
-            <a:endParaRPr sz="2350">
-              <a:latin typeface="Times New Roman"/>
-              <a:cs typeface="Times New Roman"/>
-            </a:endParaRPr>
-          </a:p>
-          <a:p>
-            <a:pPr marL="314960" indent="-302895">
-              <a:lnSpc>
-                <a:spcPct val="100000"/>
-              </a:lnSpc>
-              <a:spcBef>
-                <a:spcPts val="930"/>
-              </a:spcBef>
-              <a:buSzPct val="70212"/>
-              <a:buFont typeface="Lucida Sans Unicode"/>
-              <a:buChar char="•"/>
-              <a:tabLst>
-                <a:tab pos="314960" algn="l"/>
-                <a:tab pos="315595" algn="l"/>
-              </a:tabLst>
-              <a:defRPr/>
-            </a:pPr>
-            <a:r>
-              <a:rPr sz="2350" b="1" spc="-30">
-                <a:solidFill>
-                  <a:srgbClr val="484140"/>
-                </a:solidFill>
-                <a:latin typeface="Times New Roman"/>
-                <a:cs typeface="Times New Roman"/>
-              </a:rPr>
-              <a:t>М</a:t>
-            </a:r>
-            <a:r>
-              <a:rPr sz="2350" b="1" spc="-65">
-                <a:solidFill>
-                  <a:srgbClr val="484140"/>
-                </a:solidFill>
-                <a:latin typeface="Times New Roman"/>
-                <a:cs typeface="Times New Roman"/>
-              </a:rPr>
-              <a:t>е</a:t>
-            </a:r>
-            <a:r>
-              <a:rPr sz="2350" b="1" spc="-45">
-                <a:solidFill>
-                  <a:srgbClr val="484140"/>
-                </a:solidFill>
-                <a:latin typeface="Times New Roman"/>
-                <a:cs typeface="Times New Roman"/>
-              </a:rPr>
-              <a:t>х</a:t>
-            </a:r>
-            <a:r>
-              <a:rPr sz="2350" b="1" spc="-15">
-                <a:solidFill>
-                  <a:srgbClr val="484140"/>
-                </a:solidFill>
-                <a:latin typeface="Times New Roman"/>
-                <a:cs typeface="Times New Roman"/>
-              </a:rPr>
-              <a:t>ані</a:t>
-            </a:r>
-            <a:r>
-              <a:rPr sz="2350" b="1" spc="-50">
-                <a:solidFill>
-                  <a:srgbClr val="484140"/>
-                </a:solidFill>
-                <a:latin typeface="Times New Roman"/>
-                <a:cs typeface="Times New Roman"/>
-              </a:rPr>
-              <a:t>з</a:t>
-            </a:r>
-            <a:r>
-              <a:rPr sz="2350" b="1" spc="20">
-                <a:solidFill>
-                  <a:srgbClr val="484140"/>
-                </a:solidFill>
-                <a:latin typeface="Times New Roman"/>
-                <a:cs typeface="Times New Roman"/>
-              </a:rPr>
-              <a:t>м</a:t>
-            </a:r>
-            <a:r>
-              <a:rPr sz="2350" b="1" spc="-140">
-                <a:solidFill>
-                  <a:srgbClr val="484140"/>
-                </a:solidFill>
-                <a:latin typeface="Times New Roman"/>
-                <a:cs typeface="Times New Roman"/>
-              </a:rPr>
-              <a:t> </a:t>
-            </a:r>
-            <a:r>
-              <a:rPr sz="2350" b="1" spc="-45">
-                <a:solidFill>
-                  <a:srgbClr val="484140"/>
-                </a:solidFill>
-                <a:latin typeface="Times New Roman"/>
-                <a:cs typeface="Times New Roman"/>
-              </a:rPr>
-              <a:t>к</a:t>
-            </a:r>
-            <a:r>
-              <a:rPr sz="2350" b="1" spc="-10">
-                <a:solidFill>
-                  <a:srgbClr val="484140"/>
-                </a:solidFill>
-                <a:latin typeface="Times New Roman"/>
-                <a:cs typeface="Times New Roman"/>
-              </a:rPr>
-              <a:t>он</a:t>
-            </a:r>
-            <a:r>
-              <a:rPr sz="2350" b="1" spc="10">
-                <a:solidFill>
-                  <a:srgbClr val="484140"/>
-                </a:solidFill>
-                <a:latin typeface="Times New Roman"/>
-                <a:cs typeface="Times New Roman"/>
-              </a:rPr>
-              <a:t>с</a:t>
-            </a:r>
-            <a:r>
-              <a:rPr sz="2350" b="1" spc="-10">
-                <a:solidFill>
-                  <a:srgbClr val="484140"/>
-                </a:solidFill>
-                <a:latin typeface="Times New Roman"/>
-                <a:cs typeface="Times New Roman"/>
-              </a:rPr>
-              <a:t>ен</a:t>
-            </a:r>
-            <a:r>
-              <a:rPr sz="2350" b="1" spc="-50">
-                <a:solidFill>
-                  <a:srgbClr val="484140"/>
-                </a:solidFill>
-                <a:latin typeface="Times New Roman"/>
-                <a:cs typeface="Times New Roman"/>
-              </a:rPr>
-              <a:t>с</a:t>
-            </a:r>
-            <a:r>
-              <a:rPr sz="2350" b="1" spc="-85">
-                <a:solidFill>
-                  <a:srgbClr val="484140"/>
-                </a:solidFill>
-                <a:latin typeface="Times New Roman"/>
-                <a:cs typeface="Times New Roman"/>
-              </a:rPr>
-              <a:t>у</a:t>
-            </a:r>
-            <a:r>
-              <a:rPr sz="2350" b="1" spc="-50">
-                <a:solidFill>
-                  <a:srgbClr val="484140"/>
-                </a:solidFill>
-                <a:latin typeface="Times New Roman"/>
-                <a:cs typeface="Times New Roman"/>
-              </a:rPr>
-              <a:t>с</a:t>
-            </a:r>
-            <a:r>
-              <a:rPr sz="2350" b="1" spc="15">
-                <a:solidFill>
-                  <a:srgbClr val="484140"/>
-                </a:solidFill>
-                <a:latin typeface="Times New Roman"/>
-                <a:cs typeface="Times New Roman"/>
-              </a:rPr>
-              <a:t>у</a:t>
-            </a:r>
-            <a:r>
-              <a:rPr sz="2350" b="1" spc="-140">
-                <a:solidFill>
-                  <a:srgbClr val="484140"/>
-                </a:solidFill>
-                <a:latin typeface="Times New Roman"/>
-                <a:cs typeface="Times New Roman"/>
-              </a:rPr>
-              <a:t> </a:t>
-            </a:r>
-            <a:r>
-              <a:rPr sz="2350" b="1" spc="15">
-                <a:solidFill>
-                  <a:srgbClr val="484140"/>
-                </a:solidFill>
-                <a:latin typeface="Times New Roman"/>
-                <a:cs typeface="Times New Roman"/>
-              </a:rPr>
-              <a:t>в</a:t>
-            </a:r>
-            <a:r>
-              <a:rPr sz="2350" b="1" spc="-140">
-                <a:solidFill>
-                  <a:srgbClr val="484140"/>
-                </a:solidFill>
-                <a:latin typeface="Times New Roman"/>
-                <a:cs typeface="Times New Roman"/>
-              </a:rPr>
-              <a:t> </a:t>
-            </a:r>
-            <a:r>
-              <a:rPr sz="2350" b="1" spc="-15">
-                <a:solidFill>
-                  <a:srgbClr val="484140"/>
-                </a:solidFill>
-                <a:latin typeface="Times New Roman"/>
-                <a:cs typeface="Times New Roman"/>
-              </a:rPr>
-              <a:t>зас</a:t>
-            </a:r>
-            <a:r>
-              <a:rPr sz="2350" b="1" spc="-45">
-                <a:solidFill>
-                  <a:srgbClr val="484140"/>
-                </a:solidFill>
-                <a:latin typeface="Times New Roman"/>
-                <a:cs typeface="Times New Roman"/>
-              </a:rPr>
-              <a:t>т</a:t>
-            </a:r>
-            <a:r>
-              <a:rPr sz="2350" b="1" spc="-10">
-                <a:solidFill>
-                  <a:srgbClr val="484140"/>
-                </a:solidFill>
-                <a:latin typeface="Times New Roman"/>
-                <a:cs typeface="Times New Roman"/>
-              </a:rPr>
-              <a:t>о</a:t>
-            </a:r>
-            <a:r>
-              <a:rPr sz="2350" b="1" spc="-50">
-                <a:solidFill>
-                  <a:srgbClr val="484140"/>
-                </a:solidFill>
-                <a:latin typeface="Times New Roman"/>
-                <a:cs typeface="Times New Roman"/>
-              </a:rPr>
-              <a:t>с</a:t>
-            </a:r>
-            <a:r>
-              <a:rPr sz="2350" b="1" spc="-10">
-                <a:solidFill>
-                  <a:srgbClr val="484140"/>
-                </a:solidFill>
-                <a:latin typeface="Times New Roman"/>
-                <a:cs typeface="Times New Roman"/>
-              </a:rPr>
-              <a:t>ун</a:t>
-            </a:r>
-            <a:r>
-              <a:rPr sz="2350" b="1" spc="-45">
-                <a:solidFill>
-                  <a:srgbClr val="484140"/>
-                </a:solidFill>
-                <a:latin typeface="Times New Roman"/>
-                <a:cs typeface="Times New Roman"/>
-              </a:rPr>
-              <a:t>к</a:t>
-            </a:r>
-            <a:r>
-              <a:rPr sz="2350" b="1" spc="15">
-                <a:solidFill>
-                  <a:srgbClr val="484140"/>
-                </a:solidFill>
-                <a:latin typeface="Times New Roman"/>
-                <a:cs typeface="Times New Roman"/>
-              </a:rPr>
-              <a:t>у</a:t>
-            </a:r>
-            <a:endParaRPr sz="2350">
-              <a:latin typeface="Times New Roman"/>
-              <a:cs typeface="Times New Roman"/>
-            </a:endParaRPr>
-          </a:p>
-          <a:p>
-            <a:pPr marL="314960" indent="-302895">
-              <a:lnSpc>
-                <a:spcPct val="100000"/>
-              </a:lnSpc>
-              <a:spcBef>
-                <a:spcPts val="1005"/>
-              </a:spcBef>
-              <a:buSzPct val="70212"/>
-              <a:buFont typeface="Lucida Sans Unicode"/>
-              <a:buChar char="•"/>
-              <a:tabLst>
-                <a:tab pos="314960" algn="l"/>
-                <a:tab pos="315595" algn="l"/>
-              </a:tabLst>
-              <a:defRPr/>
-            </a:pPr>
-            <a:r>
-              <a:rPr sz="2350" b="1" spc="-15">
-                <a:solidFill>
-                  <a:srgbClr val="484140"/>
-                </a:solidFill>
-                <a:latin typeface="Times New Roman"/>
-                <a:cs typeface="Times New Roman"/>
-              </a:rPr>
-              <a:t>Висновки</a:t>
-            </a:r>
-            <a:endParaRPr sz="2350">
-              <a:latin typeface="Times New Roman"/>
-              <a:cs typeface="Times New Roman"/>
-            </a:endParaRPr>
-          </a:p>
-        </p:txBody>
-      </p:sp>
-      <p:sp>
-        <p:nvSpPr>
-          <p:cNvPr id="75611651" name="Holder 4"/>
-          <p:cNvSpPr>
-            <a:spLocks noGrp="1"/>
-          </p:cNvSpPr>
-          <p:nvPr>
-            <p:ph type="sldNum" sz="quarter" idx="7"/>
-          </p:nvPr>
-        </p:nvSpPr>
-        <p:spPr bwMode="auto">
-          <a:xfrm>
-            <a:off x="9225528" y="86876"/>
-            <a:ext cx="2804879" cy="427079"/>
-          </a:xfrm>
-        </p:spPr>
-        <p:txBody>
-          <a:bodyPr lIns="0" tIns="0" rIns="0" bIns="0"/>
-          <a:lstStyle>
-            <a:lvl1pPr algn="r">
-              <a:defRPr>
-                <a:solidFill>
-                  <a:schemeClr val="tx1">
-                    <a:tint val="75000"/>
-                  </a:schemeClr>
-                </a:solidFill>
-              </a:defRPr>
-            </a:lvl1pPr>
-          </a:lstStyle>
-          <a:p>
-            <a:pPr>
-              <a:defRPr/>
-            </a:pPr>
-            <a:fld id="{463EBB89-A090-98B5-54B2-490824F887C2}" type="slidenum">
-              <a:rPr sz="2800"/>
-              <a:t>2</a:t>
-            </a:fld>
-            <a:endParaRPr/>
-          </a:p>
-        </p:txBody>
-      </p:sp>
-      <p:sp>
-        <p:nvSpPr>
-          <p:cNvPr id="240949868" name="Прямоугольник 240949867"/>
-          <p:cNvSpPr/>
-          <p:nvPr/>
-        </p:nvSpPr>
-        <p:spPr bwMode="auto">
-          <a:xfrm>
-            <a:off x="11655882" y="27613"/>
-            <a:ext cx="527111" cy="545606"/>
-          </a:xfrm>
-          <a:prstGeom prst="rect">
-            <a:avLst/>
-          </a:prstGeom>
-          <a:noFill/>
-          <a:ln w="25400" cap="flat" cmpd="sng" algn="ctr">
-            <a:solidFill>
-              <a:schemeClr val="bg2">
-                <a:lumMod val="50196"/>
-              </a:schemeClr>
-            </a:solidFill>
-            <a:prstDash val="solid"/>
-          </a:ln>
-        </p:spPr>
-        <p:style>
-          <a:lnRef idx="2">
-            <a:schemeClr val="accent1">
-              <a:shade val="50000"/>
-            </a:schemeClr>
-          </a:lnRef>
-          <a:fillRef idx="1">
-            <a:schemeClr val="accent1"/>
-          </a:fillRef>
-          <a:effectRef idx="0">
-            <a:schemeClr val="accent1"/>
-          </a:effectRef>
-          <a:fontRef idx="minor">
-            <a:schemeClr val="lt1"/>
-          </a:fontRef>
-        </p:style>
-      </p:sp>
-    </p:spTree>
-  </p:cSld>
-  <p:clrMapOvr>
-    <a:masterClrMapping/>
-  </p:clrMapOvr>
-</p:sld>
-</file>
-
-<file path=ppt/slides/slide3.xml><?xml version="1.0" encoding="utf-8"?>
-<p:sld xmlns:a="http://schemas.openxmlformats.org/drawingml/2006/main" xmlns:r="http://schemas.openxmlformats.org/officeDocument/2006/relationships" xmlns:p="http://schemas.openxmlformats.org/presentationml/2006/main" showMasterPhAnim="0">
-  <p:cSld>
-    <p:bg>
-      <p:bgPr>
+      <p:bgPr shadeToTitle="0">
         <a:solidFill>
           <a:schemeClr val="bg2">
             <a:lumMod val="90000"/>
           </a:schemeClr>
         </a:solidFill>
-        <a:effectLst/>
       </p:bgPr>
     </p:bg>
     <p:spTree>
@@ -5864,8 +5815,8 @@
         </p:nvSpPr>
         <p:spPr bwMode="auto">
           <a:xfrm>
-            <a:off x="1374823" y="1570735"/>
-            <a:ext cx="3167400" cy="375009"/>
+            <a:off x="1374822" y="1570734"/>
+            <a:ext cx="3167759" cy="375008"/>
           </a:xfrm>
           <a:prstGeom prst="rect">
             <a:avLst/>
@@ -5888,7 +5839,7 @@
             </a:pPr>
             <a:r>
               <a:rPr spc="-10"/>
-              <a:t>Вступ. Мета</a:t>
+              <a:t>Мета</a:t>
             </a:r>
             <a:endParaRPr/>
           </a:p>
@@ -5901,16 +5852,16 @@
           <p:nvPr/>
         </p:nvSpPr>
         <p:spPr bwMode="auto">
-          <a:xfrm>
-            <a:off x="1374823" y="2071483"/>
-            <a:ext cx="4438314" cy="2286080"/>
+          <a:xfrm flipH="0" flipV="0">
+            <a:off x="1374822" y="2071482"/>
+            <a:ext cx="4445154" cy="2286080"/>
           </a:xfrm>
           <a:prstGeom prst="rect">
             <a:avLst/>
           </a:prstGeom>
         </p:spPr>
         <p:txBody>
-          <a:bodyPr vert="horz" wrap="square" lIns="0" tIns="635" rIns="0" bIns="0" rtlCol="0">
+          <a:bodyPr vert="horz" wrap="square" lIns="0" tIns="634" rIns="0" bIns="0" rtlCol="0">
             <a:spAutoFit/>
           </a:bodyPr>
           <a:lstStyle/>
@@ -5932,7 +5883,7 @@
                 <a:latin typeface="Times New Roman"/>
                 <a:cs typeface="Times New Roman"/>
               </a:rPr>
-              <a:t>Ключовими цілями цього проекту є створення масштабованої та ефективної блокчейн-системи, яка зменшує затримку транзакцій, мінімізує споживання енергії, уникає ризиків централізації та знижує високі комісії за транзакції. Основна увага приділяється створенню екологічно чистої та демократичної блокчейн-мережі, що працює в режимі реального часу і підходить для повсякденної комерційної діяльності.</a:t>
+              <a:t>Ключовими цілями курсової роботи є створення масштабованої та ефективної блокчейн-системи, яка зменшує затримку транзакцій, мінімізує споживання енергії, уникає ризиків централізації та знижує високі комісії за транзакції. Основна увага приділяється створенню екологічно чистої та демократичної блокчейн-мережі, що працює в режимі реального часу і підходить для повсякденної комерційної діяльності.</a:t>
             </a:r>
             <a:endParaRPr sz="1400">
               <a:latin typeface="Times New Roman"/>
@@ -5941,61 +5892,6 @@
           </a:p>
         </p:txBody>
       </p:sp>
-      <p:grpSp>
-        <p:nvGrpSpPr>
-          <p:cNvPr id="4" name="object 4"/>
-          <p:cNvGrpSpPr/>
-          <p:nvPr/>
-        </p:nvGrpSpPr>
-        <p:grpSpPr bwMode="auto">
-          <a:xfrm>
-            <a:off x="6162674" y="533400"/>
-            <a:ext cx="4781550" cy="5343525"/>
-            <a:chOff x="6162674" y="533400"/>
-            <a:chExt cx="4781550" cy="5343525"/>
-          </a:xfrm>
-        </p:grpSpPr>
-        <p:pic>
-          <p:nvPicPr>
-            <p:cNvPr id="5" name="object 5"/>
-            <p:cNvPicPr/>
-            <p:nvPr/>
-          </p:nvPicPr>
-          <p:blipFill>
-            <a:blip r:embed="rId2"/>
-            <a:stretch/>
-          </p:blipFill>
-          <p:spPr bwMode="auto">
-            <a:xfrm>
-              <a:off x="6162674" y="533400"/>
-              <a:ext cx="4781550" cy="5343524"/>
-            </a:xfrm>
-            <a:prstGeom prst="rect">
-              <a:avLst/>
-            </a:prstGeom>
-          </p:spPr>
-        </p:pic>
-        <p:pic>
-          <p:nvPicPr>
-            <p:cNvPr id="6" name="object 6"/>
-            <p:cNvPicPr/>
-            <p:nvPr/>
-          </p:nvPicPr>
-          <p:blipFill>
-            <a:blip r:embed="rId2"/>
-            <a:stretch/>
-          </p:blipFill>
-          <p:spPr bwMode="auto">
-            <a:xfrm>
-              <a:off x="6162674" y="533400"/>
-              <a:ext cx="4781550" cy="5343524"/>
-            </a:xfrm>
-            <a:prstGeom prst="rect">
-              <a:avLst/>
-            </a:prstGeom>
-          </p:spPr>
-        </p:pic>
-      </p:grpSp>
       <p:sp>
         <p:nvSpPr>
           <p:cNvPr id="1063827464" name="Holder 4"/>
@@ -6031,7 +5927,7 @@
             </a:pPr>
             <a:fld id="{800E96F8-DC0B-3B60-9520-15C92079DBC9}" type="slidenum">
               <a:rPr sz="2800"/>
-              <a:t>3</a:t>
+              <a:t/>
             </a:fld>
             <a:endParaRPr/>
           </a:p>
@@ -6083,20 +5979,27 @@
   <p:clrMapOvr>
     <a:masterClrMapping/>
   </p:clrMapOvr>
+  <mc:AlternateContent xmlns:mc="http://schemas.openxmlformats.org/markup-compatibility/2006">
+    <mc:Choice xmlns:p14="http://schemas.microsoft.com/office/powerpoint/2010/main" Requires="p14">
+      <p:transition p14:dur="2000" advClick="1"/>
+    </mc:Choice>
+    <mc:Fallback>
+      <p:transition advClick="1"/>
+    </mc:Fallback>
+  </mc:AlternateContent>
 </p:sld>
 </file>
 
-<file path=ppt/slides/slide4.xml><?xml version="1.0" encoding="utf-8"?>
-<p:sld xmlns:a="http://schemas.openxmlformats.org/drawingml/2006/main" xmlns:r="http://schemas.openxmlformats.org/officeDocument/2006/relationships" xmlns:p="http://schemas.openxmlformats.org/presentationml/2006/main" showMasterPhAnim="0">
-  <p:cSld>
+<file path=ppt/slides/slide3.xml><?xml version="1.0" encoding="utf-8"?>
+<p:sld xmlns:a="http://schemas.openxmlformats.org/drawingml/2006/main" xmlns:r="http://schemas.openxmlformats.org/officeDocument/2006/relationships" xmlns:p="http://schemas.openxmlformats.org/presentationml/2006/main" xmlns:m="http://schemas.openxmlformats.org/officeDocument/2006/math" xmlns:w="http://schemas.openxmlformats.org/wordprocessingml/2006/main" showMasterPhAnim="0" show="1">
+  <p:cSld name="">
     <p:bg>
-      <p:bgPr>
+      <p:bgPr shadeToTitle="0">
         <a:solidFill>
           <a:schemeClr val="bg2">
             <a:lumMod val="90000"/>
           </a:schemeClr>
         </a:solidFill>
-        <a:effectLst/>
       </p:bgPr>
     </p:bg>
     <p:spTree>
@@ -6125,15 +6028,15 @@
         </p:nvSpPr>
         <p:spPr bwMode="auto">
           <a:xfrm>
-            <a:off x="5262743" y="382221"/>
-            <a:ext cx="2506883" cy="381994"/>
+            <a:off x="5216505" y="1020303"/>
+            <a:ext cx="2510122" cy="381993"/>
           </a:xfrm>
           <a:prstGeom prst="rect">
             <a:avLst/>
           </a:prstGeom>
         </p:spPr>
         <p:txBody>
-          <a:bodyPr vert="horz" wrap="square" lIns="0" tIns="47624" rIns="0" bIns="0" rtlCol="0">
+          <a:bodyPr vert="horz" wrap="square" lIns="0" tIns="47623" rIns="0" bIns="0" rtlCol="0">
             <a:spAutoFit/>
           </a:bodyPr>
           <a:lstStyle/>
@@ -6149,7 +6052,7 @@
             </a:pPr>
             <a:r>
               <a:rPr sz="2800" spc="-10"/>
-              <a:t>Цілі роботи</a:t>
+              <a:t>Задачі роботи</a:t>
             </a:r>
             <a:endParaRPr sz="2800"/>
           </a:p>
@@ -6249,7 +6152,7 @@
             </a:pPr>
             <a:fld id="{20263524-D5DE-1C53-E1D9-127239483711}" type="slidenum">
               <a:rPr sz="2800"/>
-              <a:t>4</a:t>
+              <a:t/>
             </a:fld>
             <a:endParaRPr/>
           </a:p>
@@ -6300,7 +6203,7 @@
         <p:nvGraphicFramePr>
           <p:cNvPr id="79125462" name="Content Placeholder 2"/>
           <p:cNvGraphicFramePr>
-            <a:graphicFrameLocks noGrp="1"/>
+            <a:graphicFrameLocks xmlns:a="http://schemas.openxmlformats.org/drawingml/2006/main" noGrp="1"/>
           </p:cNvGraphicFramePr>
           <p:nvPr>
             <p:ph idx="1"/>
@@ -6309,10 +6212,12 @@
         <p:xfrm>
           <a:off x="1141150" y="2133234"/>
           <a:ext cx="9905999" cy="4082074"/>
+          <a:chOff x="0" y="0"/>
+          <a:chExt cx="9905999" cy="4082074"/>
         </p:xfrm>
         <a:graphic>
           <a:graphicData uri="http://schemas.openxmlformats.org/drawingml/2006/diagram">
-            <dgm:relIds xmlns:dgm="http://schemas.openxmlformats.org/drawingml/2006/diagram" xmlns:r="http://schemas.openxmlformats.org/officeDocument/2006/relationships" r:dm="rId2" r:lo="rId3" r:qs="rId4" r:cs="rId5"/>
+            <dgm:relIds xmlns:dgm="http://schemas.openxmlformats.org/drawingml/2006/diagram" xmlns:r="http://schemas.openxmlformats.org/officeDocument/2006/relationships" r:dm="rId2" r:lo="rId5" r:qs="rId6" r:cs="rId4"/>
           </a:graphicData>
         </a:graphic>
       </p:graphicFrame>
@@ -6321,20 +6226,27 @@
   <p:clrMapOvr>
     <a:masterClrMapping/>
   </p:clrMapOvr>
+  <mc:AlternateContent xmlns:mc="http://schemas.openxmlformats.org/markup-compatibility/2006">
+    <mc:Choice xmlns:p14="http://schemas.microsoft.com/office/powerpoint/2010/main" Requires="p14">
+      <p:transition p14:dur="2000" advClick="1"/>
+    </mc:Choice>
+    <mc:Fallback>
+      <p:transition advClick="1"/>
+    </mc:Fallback>
+  </mc:AlternateContent>
 </p:sld>
 </file>
 
-<file path=ppt/slides/slide5.xml><?xml version="1.0" encoding="utf-8"?>
-<p:sld xmlns:a="http://schemas.openxmlformats.org/drawingml/2006/main" xmlns:r="http://schemas.openxmlformats.org/officeDocument/2006/relationships" xmlns:p="http://schemas.openxmlformats.org/presentationml/2006/main" showMasterPhAnim="0">
-  <p:cSld>
+<file path=ppt/slides/slide4.xml><?xml version="1.0" encoding="utf-8"?>
+<p:sld xmlns:a="http://schemas.openxmlformats.org/drawingml/2006/main" xmlns:r="http://schemas.openxmlformats.org/officeDocument/2006/relationships" xmlns:p="http://schemas.openxmlformats.org/presentationml/2006/main" xmlns:m="http://schemas.openxmlformats.org/officeDocument/2006/math" xmlns:w="http://schemas.openxmlformats.org/wordprocessingml/2006/main" showMasterPhAnim="0" show="1">
+  <p:cSld name="">
     <p:bg>
-      <p:bgPr>
+      <p:bgPr shadeToTitle="0">
         <a:solidFill>
           <a:schemeClr val="bg2">
             <a:lumMod val="90000"/>
           </a:schemeClr>
         </a:solidFill>
-        <a:effectLst/>
       </p:bgPr>
     </p:bg>
     <p:spTree>
@@ -8115,7 +8027,7 @@
             </a:pPr>
             <a:fld id="{E30B309A-D4E2-0742-10D1-CF203A329559}" type="slidenum">
               <a:rPr sz="2800"/>
-              <a:t>5</a:t>
+              <a:t/>
             </a:fld>
             <a:endParaRPr/>
           </a:p>
@@ -8189,20 +8101,27 @@
   <p:clrMapOvr>
     <a:masterClrMapping/>
   </p:clrMapOvr>
+  <mc:AlternateContent xmlns:mc="http://schemas.openxmlformats.org/markup-compatibility/2006">
+    <mc:Choice xmlns:p14="http://schemas.microsoft.com/office/powerpoint/2010/main" Requires="p14">
+      <p:transition p14:dur="2000" advClick="1"/>
+    </mc:Choice>
+    <mc:Fallback>
+      <p:transition advClick="1"/>
+    </mc:Fallback>
+  </mc:AlternateContent>
 </p:sld>
 </file>
 
-<file path=ppt/slides/slide6.xml><?xml version="1.0" encoding="utf-8"?>
-<p:sld xmlns:a="http://schemas.openxmlformats.org/drawingml/2006/main" xmlns:r="http://schemas.openxmlformats.org/officeDocument/2006/relationships" xmlns:p="http://schemas.openxmlformats.org/presentationml/2006/main" showMasterPhAnim="0">
-  <p:cSld>
+<file path=ppt/slides/slide5.xml><?xml version="1.0" encoding="utf-8"?>
+<p:sld xmlns:a="http://schemas.openxmlformats.org/drawingml/2006/main" xmlns:r="http://schemas.openxmlformats.org/officeDocument/2006/relationships" xmlns:p="http://schemas.openxmlformats.org/presentationml/2006/main" xmlns:m="http://schemas.openxmlformats.org/officeDocument/2006/math" xmlns:w="http://schemas.openxmlformats.org/wordprocessingml/2006/main" showMasterPhAnim="0" show="1">
+  <p:cSld name="">
     <p:bg>
-      <p:bgPr>
+      <p:bgPr shadeToTitle="0">
         <a:solidFill>
           <a:schemeClr val="bg2">
             <a:lumMod val="90000"/>
           </a:schemeClr>
         </a:solidFill>
-        <a:effectLst/>
       </p:bgPr>
     </p:bg>
     <p:spTree>
@@ -9317,7 +9236,7 @@
             </a:pPr>
             <a:fld id="{9E735286-D653-970E-6EB7-3767F71D2E85}" type="slidenum">
               <a:rPr sz="2800"/>
-              <a:t>6</a:t>
+              <a:t/>
             </a:fld>
             <a:endParaRPr/>
           </a:p>
@@ -9391,20 +9310,27 @@
   <p:clrMapOvr>
     <a:masterClrMapping/>
   </p:clrMapOvr>
+  <mc:AlternateContent xmlns:mc="http://schemas.openxmlformats.org/markup-compatibility/2006">
+    <mc:Choice xmlns:p14="http://schemas.microsoft.com/office/powerpoint/2010/main" Requires="p14">
+      <p:transition p14:dur="2000" advClick="1"/>
+    </mc:Choice>
+    <mc:Fallback>
+      <p:transition advClick="1"/>
+    </mc:Fallback>
+  </mc:AlternateContent>
 </p:sld>
 </file>
 
-<file path=ppt/slides/slide7.xml><?xml version="1.0" encoding="utf-8"?>
-<p:sld xmlns:a="http://schemas.openxmlformats.org/drawingml/2006/main" xmlns:r="http://schemas.openxmlformats.org/officeDocument/2006/relationships" xmlns:p="http://schemas.openxmlformats.org/presentationml/2006/main" showMasterPhAnim="0">
-  <p:cSld>
+<file path=ppt/slides/slide6.xml><?xml version="1.0" encoding="utf-8"?>
+<p:sld xmlns:a="http://schemas.openxmlformats.org/drawingml/2006/main" xmlns:r="http://schemas.openxmlformats.org/officeDocument/2006/relationships" xmlns:p="http://schemas.openxmlformats.org/presentationml/2006/main" xmlns:m="http://schemas.openxmlformats.org/officeDocument/2006/math" xmlns:w="http://schemas.openxmlformats.org/wordprocessingml/2006/main" showMasterPhAnim="0" show="1">
+  <p:cSld name="">
     <p:bg>
-      <p:bgPr>
+      <p:bgPr shadeToTitle="0">
         <a:solidFill>
           <a:schemeClr val="bg2">
             <a:lumMod val="90000"/>
           </a:schemeClr>
         </a:solidFill>
-        <a:effectLst/>
       </p:bgPr>
     </p:bg>
     <p:spTree>
@@ -10763,7 +10689,7 @@
             </a:pPr>
             <a:fld id="{E5FBD778-7CD5-EE5E-0148-5519B145FB9C}" type="slidenum">
               <a:rPr sz="2800"/>
-              <a:t>7</a:t>
+              <a:t/>
             </a:fld>
             <a:endParaRPr/>
           </a:p>
@@ -10843,20 +10769,27 @@
   <p:clrMapOvr>
     <a:masterClrMapping/>
   </p:clrMapOvr>
+  <mc:AlternateContent xmlns:mc="http://schemas.openxmlformats.org/markup-compatibility/2006">
+    <mc:Choice xmlns:p14="http://schemas.microsoft.com/office/powerpoint/2010/main" Requires="p14">
+      <p:transition p14:dur="2000" advClick="1"/>
+    </mc:Choice>
+    <mc:Fallback>
+      <p:transition advClick="1"/>
+    </mc:Fallback>
+  </mc:AlternateContent>
 </p:sld>
 </file>
 
-<file path=ppt/slides/slide8.xml><?xml version="1.0" encoding="utf-8"?>
-<p:sld xmlns:a="http://schemas.openxmlformats.org/drawingml/2006/main" xmlns:r="http://schemas.openxmlformats.org/officeDocument/2006/relationships" xmlns:p="http://schemas.openxmlformats.org/presentationml/2006/main" showMasterPhAnim="0">
-  <p:cSld>
+<file path=ppt/slides/slide7.xml><?xml version="1.0" encoding="utf-8"?>
+<p:sld xmlns:a="http://schemas.openxmlformats.org/drawingml/2006/main" xmlns:r="http://schemas.openxmlformats.org/officeDocument/2006/relationships" xmlns:p="http://schemas.openxmlformats.org/presentationml/2006/main" xmlns:m="http://schemas.openxmlformats.org/officeDocument/2006/math" xmlns:w="http://schemas.openxmlformats.org/wordprocessingml/2006/main" showMasterPhAnim="0" show="1">
+  <p:cSld name="">
     <p:bg>
-      <p:bgPr>
+      <p:bgPr shadeToTitle="0">
         <a:solidFill>
           <a:schemeClr val="bg2">
             <a:lumMod val="90000"/>
           </a:schemeClr>
         </a:solidFill>
-        <a:effectLst/>
       </p:bgPr>
     </p:bg>
     <p:spTree>
@@ -11084,7 +11017,7 @@
             </a:pPr>
             <a:fld id="{729B0431-B62E-8096-9332-C52E92708A6C}" type="slidenum">
               <a:rPr sz="2800"/>
-              <a:t>8</a:t>
+              <a:t/>
             </a:fld>
             <a:endParaRPr/>
           </a:p>
@@ -11136,11 +11069,19 @@
   <p:clrMapOvr>
     <a:masterClrMapping/>
   </p:clrMapOvr>
+  <mc:AlternateContent xmlns:mc="http://schemas.openxmlformats.org/markup-compatibility/2006">
+    <mc:Choice xmlns:p14="http://schemas.microsoft.com/office/powerpoint/2010/main" Requires="p14">
+      <p:transition p14:dur="2000" advClick="1"/>
+    </mc:Choice>
+    <mc:Fallback>
+      <p:transition advClick="1"/>
+    </mc:Fallback>
+  </mc:AlternateContent>
 </p:sld>
 </file>
 
 <file path=ppt/theme/theme1.xml><?xml version="1.0" encoding="utf-8"?>
-<a:theme xmlns:a="http://schemas.openxmlformats.org/drawingml/2006/main" name="Office Theme">
+<a:theme xmlns:a="http://schemas.openxmlformats.org/drawingml/2006/main" xmlns:r="http://schemas.openxmlformats.org/officeDocument/2006/relationships" xmlns:p="http://schemas.openxmlformats.org/presentationml/2006/main" name="Office Theme">
   <a:themeElements>
     <a:clrScheme name="Office">
       <a:dk1>
@@ -11345,6 +11286,5 @@
     </a:fmtScheme>
   </a:themeElements>
   <a:objectDefaults/>
-  <a:extraClrSchemeLst/>
 </a:theme>
 </file>
--- a/blokchejn-platforma-dlya-avtomatizovanoyi-platizhnoyi-sistemi-zahist-zvitu-z-tehnologichnoyi-praktiki-2023-5-30-16-16-39.pptx
+++ b/blokchejn-platforma-dlya-avtomatizovanoyi-platizhnoyi-sistemi-zahist-zvitu-z-tehnologichnoyi-praktiki-2023-5-30-16-16-39.pptx
@@ -1,20 +1,20 @@
 
 <file path=ppt/presentation.xml><?xml version="1.0" encoding="utf-8"?>
-<p:presentation xmlns:a="http://schemas.openxmlformats.org/drawingml/2006/main" xmlns:r="http://schemas.openxmlformats.org/officeDocument/2006/relationships" xmlns:p="http://schemas.openxmlformats.org/presentationml/2006/main" xmlns:m="http://schemas.openxmlformats.org/officeDocument/2006/math" xmlns:w="http://schemas.openxmlformats.org/wordprocessingml/2006/main" showSpecialPlsOnTitleSld="0">
+<p:presentation xmlns:a="http://schemas.openxmlformats.org/drawingml/2006/main" xmlns:r="http://schemas.openxmlformats.org/officeDocument/2006/relationships" xmlns:p="http://schemas.openxmlformats.org/presentationml/2006/main" showSpecialPlsOnTitleSld="0">
   <p:sldMasterIdLst>
     <p:sldMasterId id="2147483648" r:id="rId1"/>
   </p:sldMasterIdLst>
   <p:sldIdLst>
-    <p:sldId id="256" r:id="rId3"/>
-    <p:sldId id="257" r:id="rId4"/>
-    <p:sldId id="258" r:id="rId5"/>
-    <p:sldId id="259" r:id="rId6"/>
-    <p:sldId id="260" r:id="rId7"/>
-    <p:sldId id="261" r:id="rId8"/>
-    <p:sldId id="262" r:id="rId9"/>
-    <p:sldId id="263" r:id="rId10"/>
-    <p:sldId id="264" r:id="rId11"/>
-    <p:sldId id="265" r:id="rId12"/>
+    <p:sldId id="256" r:id="rId2"/>
+    <p:sldId id="257" r:id="rId3"/>
+    <p:sldId id="258" r:id="rId4"/>
+    <p:sldId id="259" r:id="rId5"/>
+    <p:sldId id="260" r:id="rId6"/>
+    <p:sldId id="261" r:id="rId7"/>
+    <p:sldId id="262" r:id="rId8"/>
+    <p:sldId id="263" r:id="rId9"/>
+    <p:sldId id="264" r:id="rId10"/>
+    <p:sldId id="265" r:id="rId11"/>
   </p:sldIdLst>
   <p:sldSz cx="12192000" cy="6413500"/>
   <p:notesSz cx="12192000" cy="6413500"/>
@@ -113,6 +113,22 @@
       </a:defRPr>
     </a:lvl9pPr>
   </p:defaultTextStyle>
+  <p:extLst>
+    <p:ext uri="{EFAFB233-063F-42B5-8137-9DF3F51BA10A}">
+      <p15:sldGuideLst xmlns:p15="http://schemas.microsoft.com/office/powerpoint/2012/main">
+        <p15:guide id="1" orient="horz" pos="3763">
+          <p15:clr>
+            <a:srgbClr val="A4A3A4"/>
+          </p15:clr>
+        </p15:guide>
+        <p15:guide id="2" pos="2160">
+          <p15:clr>
+            <a:srgbClr val="A4A3A4"/>
+          </p15:clr>
+        </p15:guide>
+      </p15:sldGuideLst>
+    </p:ext>
+  </p:extLst>
 </p:presentation>
 </file>
 
@@ -868,7 +884,7 @@
 </file>
 
 <file path=ppt/diagrams/data1.xml><?xml version="1.0" encoding="utf-8"?>
-<dgm:dataModel xmlns:dgm="http://schemas.openxmlformats.org/drawingml/2006/diagram" xmlns:a="http://schemas.openxmlformats.org/drawingml/2006/main" xmlns:r="http://schemas.openxmlformats.org/officeDocument/2006/relationships">
+<dgm:dataModel xmlns:dgm="http://schemas.openxmlformats.org/drawingml/2006/diagram" xmlns:a="http://schemas.openxmlformats.org/drawingml/2006/main">
   <dgm:ptLst>
     <dgm:pt modelId="{0E58EF5D-A4F6-406B-9846-A092BE01EB22}" type="doc">
       <dgm:prSet loTypeId="urn:microsoft.com/office/officeart/2016/7/layout/LinearBlockProcessNumbered" loCatId="process" qsTypeId="urn:microsoft.com/office/officeart/2005/8/quickstyle/simple1#1" qsCatId="simple" csTypeId="urn:microsoft.com/office/officeart/2005/8/colors/accent0_3" csCatId="mainScheme"/>
@@ -968,10 +984,10 @@
       </dgm:t>
     </dgm:pt>
     <dgm:pt modelId="{94A4947D-84AB-48E6-8DBD-B0FB7DCFE83A}" type="sibTrans" cxnId="{63E21DF4-5FBC-443D-9BC9-43B65A7BD892}">
-      <dgm:prSet phldr="0" phldrT="01"/>
+      <dgm:prSet phldrT="01" phldr="0"/>
       <dgm:spPr bwMode="auto"/>
       <dgm:t>
-        <a:bodyPr vertOverflow="overflow" horzOverflow="overflow" vert="horz" rtlCol="0" fromWordArt="0" anchor="ctr" forceAA="0" upright="0" compatLnSpc="0"/>
+        <a:bodyPr vertOverflow="overflow" horzOverflow="overflow" vert="horz" rtlCol="0" fromWordArt="0" anchor="ctr" forceAA="0" compatLnSpc="0"/>
         <a:lstStyle/>
         <a:p>
           <a:pPr marL="0" indent="0" algn="l" defTabSz="2933697">
@@ -1074,10 +1090,10 @@
       </dgm:t>
     </dgm:pt>
     <dgm:pt modelId="{EB3BD4AE-D7EC-449F-9FEC-6862480B356F}" type="sibTrans" cxnId="{7C51A667-6AED-4C0F-A3C5-24DCB9960B16}">
-      <dgm:prSet phldr="0" phldrT="02"/>
+      <dgm:prSet phldrT="02" phldr="0"/>
       <dgm:spPr bwMode="auto"/>
       <dgm:t>
-        <a:bodyPr vertOverflow="overflow" horzOverflow="overflow" vert="horz" rtlCol="0" fromWordArt="0" anchor="ctr" forceAA="0" upright="0" compatLnSpc="0"/>
+        <a:bodyPr vertOverflow="overflow" horzOverflow="overflow" vert="horz" rtlCol="0" fromWordArt="0" anchor="ctr" forceAA="0" compatLnSpc="0"/>
         <a:lstStyle/>
         <a:p>
           <a:pPr marL="0" indent="0" algn="l" defTabSz="2933697">
@@ -1126,36 +1142,486 @@
             <a:defRPr/>
           </a:pPr>
           <a:r>
-            <a:rPr lang="en-US" sz="1600" b="0" i="0" u="none" strike="noStrike" cap="none" spc="0">
+            <a:rPr lang="en-US" sz="1600" b="0" i="0" u="none" strike="noStrike" cap="none" spc="0" dirty="0" err="1">
               <a:solidFill>
                 <a:schemeClr val="tx1"/>
               </a:solidFill>
               <a:latin typeface="Times New Roman"/>
               <a:cs typeface="Times New Roman"/>
             </a:rPr>
-            <a:t>Вирішити </a:t>
+            <a:t>Вирішити</a:t>
           </a:r>
           <a:r>
-            <a:rPr lang="en-US" sz="1600" b="1" i="0" u="none" strike="noStrike" cap="none" spc="0">
+            <a:rPr lang="en-US" sz="1600" b="0" i="0" u="none" strike="noStrike" cap="none" spc="0" dirty="0">
               <a:solidFill>
                 <a:schemeClr val="tx1"/>
               </a:solidFill>
               <a:latin typeface="Times New Roman"/>
               <a:cs typeface="Times New Roman"/>
             </a:rPr>
-            <a:t>проблеми високих комісійних</a:t>
+            <a:t> </a:t>
           </a:r>
           <a:r>
-            <a:rPr lang="en-US" sz="1600" b="0" i="0" u="none" strike="noStrike" cap="none" spc="0">
+            <a:rPr lang="en-US" sz="1600" b="1" i="0" u="none" strike="noStrike" cap="none" spc="0" dirty="0" err="1">
               <a:solidFill>
                 <a:schemeClr val="tx1"/>
               </a:solidFill>
               <a:latin typeface="Times New Roman"/>
               <a:cs typeface="Times New Roman"/>
             </a:rPr>
-            <a:t> витрат за рахунок підтримки ефективної роботи мережі навіть при великих обсягах транзакцій, що забезпечує нижчу комісію за транзакції для користувачів.</a:t>
+            <a:t>проблеми</a:t>
           </a:r>
-          <a:endParaRPr sz="1600">
+          <a:r>
+            <a:rPr lang="en-US" sz="1600" b="1" i="0" u="none" strike="noStrike" cap="none" spc="0" dirty="0">
+              <a:solidFill>
+                <a:schemeClr val="tx1"/>
+              </a:solidFill>
+              <a:latin typeface="Times New Roman"/>
+              <a:cs typeface="Times New Roman"/>
+            </a:rPr>
+            <a:t> </a:t>
+          </a:r>
+          <a:r>
+            <a:rPr lang="en-US" sz="1600" b="1" i="0" u="none" strike="noStrike" cap="none" spc="0" dirty="0" err="1">
+              <a:solidFill>
+                <a:schemeClr val="tx1"/>
+              </a:solidFill>
+              <a:latin typeface="Times New Roman"/>
+              <a:cs typeface="Times New Roman"/>
+            </a:rPr>
+            <a:t>високих</a:t>
+          </a:r>
+          <a:r>
+            <a:rPr lang="en-US" sz="1600" b="1" i="0" u="none" strike="noStrike" cap="none" spc="0" dirty="0">
+              <a:solidFill>
+                <a:schemeClr val="tx1"/>
+              </a:solidFill>
+              <a:latin typeface="Times New Roman"/>
+              <a:cs typeface="Times New Roman"/>
+            </a:rPr>
+            <a:t> </a:t>
+          </a:r>
+          <a:r>
+            <a:rPr lang="en-US" sz="1600" b="1" i="0" u="none" strike="noStrike" cap="none" spc="0" dirty="0" err="1">
+              <a:solidFill>
+                <a:schemeClr val="tx1"/>
+              </a:solidFill>
+              <a:latin typeface="Times New Roman"/>
+              <a:cs typeface="Times New Roman"/>
+            </a:rPr>
+            <a:t>комісійних</a:t>
+          </a:r>
+          <a:r>
+            <a:rPr lang="en-US" sz="1600" b="0" i="0" u="none" strike="noStrike" cap="none" spc="0" dirty="0">
+              <a:solidFill>
+                <a:schemeClr val="tx1"/>
+              </a:solidFill>
+              <a:latin typeface="Times New Roman"/>
+              <a:cs typeface="Times New Roman"/>
+            </a:rPr>
+            <a:t> </a:t>
+          </a:r>
+          <a:r>
+            <a:rPr lang="en-US" sz="1600" b="0" i="0" u="none" strike="noStrike" cap="none" spc="0" dirty="0" err="1">
+              <a:solidFill>
+                <a:schemeClr val="tx1"/>
+              </a:solidFill>
+              <a:latin typeface="Times New Roman"/>
+              <a:cs typeface="Times New Roman"/>
+            </a:rPr>
+            <a:t>витрат</a:t>
+          </a:r>
+          <a:r>
+            <a:rPr lang="en-US" sz="1600" b="0" i="0" u="none" strike="noStrike" cap="none" spc="0" dirty="0">
+              <a:solidFill>
+                <a:schemeClr val="tx1"/>
+              </a:solidFill>
+              <a:latin typeface="Times New Roman"/>
+              <a:cs typeface="Times New Roman"/>
+            </a:rPr>
+            <a:t> </a:t>
+          </a:r>
+          <a:r>
+            <a:rPr lang="en-US" sz="1600" b="0" i="0" u="none" strike="noStrike" cap="none" spc="0" dirty="0" err="1">
+              <a:solidFill>
+                <a:schemeClr val="tx1"/>
+              </a:solidFill>
+              <a:latin typeface="Times New Roman"/>
+              <a:cs typeface="Times New Roman"/>
+            </a:rPr>
+            <a:t>за</a:t>
+          </a:r>
+          <a:r>
+            <a:rPr lang="en-US" sz="1600" b="0" i="0" u="none" strike="noStrike" cap="none" spc="0" dirty="0">
+              <a:solidFill>
+                <a:schemeClr val="tx1"/>
+              </a:solidFill>
+              <a:latin typeface="Times New Roman"/>
+              <a:cs typeface="Times New Roman"/>
+            </a:rPr>
+            <a:t> </a:t>
+          </a:r>
+          <a:r>
+            <a:rPr lang="en-US" sz="1600" b="0" i="0" u="none" strike="noStrike" cap="none" spc="0" dirty="0" err="1">
+              <a:solidFill>
+                <a:schemeClr val="tx1"/>
+              </a:solidFill>
+              <a:latin typeface="Times New Roman"/>
+              <a:cs typeface="Times New Roman"/>
+            </a:rPr>
+            <a:t>рахунок</a:t>
+          </a:r>
+          <a:r>
+            <a:rPr lang="en-US" sz="1600" b="0" i="0" u="none" strike="noStrike" cap="none" spc="0" dirty="0">
+              <a:solidFill>
+                <a:schemeClr val="tx1"/>
+              </a:solidFill>
+              <a:latin typeface="Times New Roman"/>
+              <a:cs typeface="Times New Roman"/>
+            </a:rPr>
+            <a:t> </a:t>
+          </a:r>
+          <a:r>
+            <a:rPr lang="en-US" sz="1600" b="0" i="0" u="none" strike="noStrike" cap="none" spc="0" dirty="0" err="1">
+              <a:solidFill>
+                <a:schemeClr val="tx1"/>
+              </a:solidFill>
+              <a:latin typeface="Times New Roman"/>
+              <a:cs typeface="Times New Roman"/>
+            </a:rPr>
+            <a:t>підтримки</a:t>
+          </a:r>
+          <a:r>
+            <a:rPr lang="en-US" sz="1600" b="0" i="0" u="none" strike="noStrike" cap="none" spc="0" dirty="0">
+              <a:solidFill>
+                <a:schemeClr val="tx1"/>
+              </a:solidFill>
+              <a:latin typeface="Times New Roman"/>
+              <a:cs typeface="Times New Roman"/>
+            </a:rPr>
+            <a:t> </a:t>
+          </a:r>
+          <a:r>
+            <a:rPr lang="en-US" sz="1600" b="0" i="0" u="none" strike="noStrike" cap="none" spc="0" dirty="0" err="1">
+              <a:solidFill>
+                <a:schemeClr val="tx1"/>
+              </a:solidFill>
+              <a:latin typeface="Times New Roman"/>
+              <a:cs typeface="Times New Roman"/>
+            </a:rPr>
+            <a:t>ефективної</a:t>
+          </a:r>
+          <a:r>
+            <a:rPr lang="en-US" sz="1600" b="0" i="0" u="none" strike="noStrike" cap="none" spc="0" dirty="0">
+              <a:solidFill>
+                <a:schemeClr val="tx1"/>
+              </a:solidFill>
+              <a:latin typeface="Times New Roman"/>
+              <a:cs typeface="Times New Roman"/>
+            </a:rPr>
+            <a:t> </a:t>
+          </a:r>
+          <a:r>
+            <a:rPr lang="en-US" sz="1600" b="0" i="0" u="none" strike="noStrike" cap="none" spc="0" dirty="0" err="1">
+              <a:solidFill>
+                <a:schemeClr val="tx1"/>
+              </a:solidFill>
+              <a:latin typeface="Times New Roman"/>
+              <a:cs typeface="Times New Roman"/>
+            </a:rPr>
+            <a:t>роботи</a:t>
+          </a:r>
+          <a:r>
+            <a:rPr lang="en-US" sz="1600" b="0" i="0" u="none" strike="noStrike" cap="none" spc="0" dirty="0">
+              <a:solidFill>
+                <a:schemeClr val="tx1"/>
+              </a:solidFill>
+              <a:latin typeface="Times New Roman"/>
+              <a:cs typeface="Times New Roman"/>
+            </a:rPr>
+            <a:t> </a:t>
+          </a:r>
+          <a:r>
+            <a:rPr lang="en-US" sz="1600" b="0" i="0" u="none" strike="noStrike" cap="none" spc="0" dirty="0" err="1">
+              <a:solidFill>
+                <a:schemeClr val="tx1"/>
+              </a:solidFill>
+              <a:latin typeface="Times New Roman"/>
+              <a:cs typeface="Times New Roman"/>
+            </a:rPr>
+            <a:t>мережі</a:t>
+          </a:r>
+          <a:r>
+            <a:rPr lang="en-US" sz="1600" b="0" i="0" u="none" strike="noStrike" cap="none" spc="0" dirty="0">
+              <a:solidFill>
+                <a:schemeClr val="tx1"/>
+              </a:solidFill>
+              <a:latin typeface="Times New Roman"/>
+              <a:cs typeface="Times New Roman"/>
+            </a:rPr>
+            <a:t> </a:t>
+          </a:r>
+          <a:r>
+            <a:rPr lang="en-US" sz="1600" b="0" i="0" u="none" strike="noStrike" cap="none" spc="0" dirty="0" err="1">
+              <a:solidFill>
+                <a:schemeClr val="tx1"/>
+              </a:solidFill>
+              <a:latin typeface="Times New Roman"/>
+              <a:cs typeface="Times New Roman"/>
+            </a:rPr>
+            <a:t>навіть</a:t>
+          </a:r>
+          <a:r>
+            <a:rPr lang="en-US" sz="1600" b="0" i="0" u="none" strike="noStrike" cap="none" spc="0" dirty="0">
+              <a:solidFill>
+                <a:schemeClr val="tx1"/>
+              </a:solidFill>
+              <a:latin typeface="Times New Roman"/>
+              <a:cs typeface="Times New Roman"/>
+            </a:rPr>
+            <a:t> </a:t>
+          </a:r>
+          <a:r>
+            <a:rPr lang="en-US" sz="1600" b="0" i="0" u="none" strike="noStrike" cap="none" spc="0" dirty="0" err="1">
+              <a:solidFill>
+                <a:schemeClr val="tx1"/>
+              </a:solidFill>
+              <a:latin typeface="Times New Roman"/>
+              <a:cs typeface="Times New Roman"/>
+            </a:rPr>
+            <a:t>при</a:t>
+          </a:r>
+          <a:r>
+            <a:rPr lang="en-US" sz="1600" b="0" i="0" u="none" strike="noStrike" cap="none" spc="0" dirty="0">
+              <a:solidFill>
+                <a:schemeClr val="tx1"/>
+              </a:solidFill>
+              <a:latin typeface="Times New Roman"/>
+              <a:cs typeface="Times New Roman"/>
+            </a:rPr>
+            <a:t> </a:t>
+          </a:r>
+          <a:r>
+            <a:rPr lang="en-US" sz="1600" b="0" i="0" u="none" strike="noStrike" cap="none" spc="0" dirty="0" err="1">
+              <a:solidFill>
+                <a:schemeClr val="tx1"/>
+              </a:solidFill>
+              <a:latin typeface="Times New Roman"/>
+              <a:cs typeface="Times New Roman"/>
+            </a:rPr>
+            <a:t>великих</a:t>
+          </a:r>
+          <a:r>
+            <a:rPr lang="en-US" sz="1600" b="0" i="0" u="none" strike="noStrike" cap="none" spc="0" dirty="0">
+              <a:solidFill>
+                <a:schemeClr val="tx1"/>
+              </a:solidFill>
+              <a:latin typeface="Times New Roman"/>
+              <a:cs typeface="Times New Roman"/>
+            </a:rPr>
+            <a:t> </a:t>
+          </a:r>
+          <a:r>
+            <a:rPr lang="en-US" sz="1600" b="0" i="0" u="none" strike="noStrike" cap="none" spc="0" dirty="0" err="1">
+              <a:solidFill>
+                <a:schemeClr val="tx1"/>
+              </a:solidFill>
+              <a:latin typeface="Times New Roman"/>
+              <a:cs typeface="Times New Roman"/>
+            </a:rPr>
+            <a:t>обсягах</a:t>
+          </a:r>
+          <a:r>
+            <a:rPr lang="en-US" sz="1600" b="0" i="0" u="none" strike="noStrike" cap="none" spc="0" dirty="0">
+              <a:solidFill>
+                <a:schemeClr val="tx1"/>
+              </a:solidFill>
+              <a:latin typeface="Times New Roman"/>
+              <a:cs typeface="Times New Roman"/>
+            </a:rPr>
+            <a:t> </a:t>
+          </a:r>
+          <a:r>
+            <a:rPr lang="en-US" sz="1600" b="0" i="0" u="none" strike="noStrike" cap="none" spc="0" dirty="0" err="1">
+              <a:solidFill>
+                <a:schemeClr val="tx1"/>
+              </a:solidFill>
+              <a:latin typeface="Times New Roman"/>
+              <a:cs typeface="Times New Roman"/>
+            </a:rPr>
+            <a:t>транзакцій</a:t>
+          </a:r>
+          <a:r>
+            <a:rPr lang="en-US" sz="1600" b="0" i="0" u="none" strike="noStrike" cap="none" spc="0" dirty="0">
+              <a:solidFill>
+                <a:schemeClr val="tx1"/>
+              </a:solidFill>
+              <a:latin typeface="Times New Roman"/>
+              <a:cs typeface="Times New Roman"/>
+            </a:rPr>
+            <a:t>, </a:t>
+          </a:r>
+          <a:r>
+            <a:rPr lang="en-US" sz="1600" b="0" i="0" u="none" strike="noStrike" cap="none" spc="0" dirty="0" err="1">
+              <a:solidFill>
+                <a:schemeClr val="tx1"/>
+              </a:solidFill>
+              <a:latin typeface="Times New Roman"/>
+              <a:cs typeface="Times New Roman"/>
+            </a:rPr>
+            <a:t>що</a:t>
+          </a:r>
+          <a:r>
+            <a:rPr lang="en-US" sz="1600" b="0" i="0" u="none" strike="noStrike" cap="none" spc="0" dirty="0">
+              <a:solidFill>
+                <a:schemeClr val="tx1"/>
+              </a:solidFill>
+              <a:latin typeface="Times New Roman"/>
+              <a:cs typeface="Times New Roman"/>
+            </a:rPr>
+            <a:t> </a:t>
+          </a:r>
+          <a:r>
+            <a:rPr lang="en-US" sz="1600" b="0" i="0" u="none" strike="noStrike" cap="none" spc="0" dirty="0" err="1">
+              <a:solidFill>
+                <a:schemeClr val="tx1"/>
+              </a:solidFill>
+              <a:latin typeface="Times New Roman"/>
+              <a:cs typeface="Times New Roman"/>
+            </a:rPr>
+            <a:t>забезпечує</a:t>
+          </a:r>
+          <a:r>
+            <a:rPr lang="en-US" sz="1600" b="0" i="0" u="none" strike="noStrike" cap="none" spc="0" dirty="0">
+              <a:solidFill>
+                <a:schemeClr val="tx1"/>
+              </a:solidFill>
+              <a:latin typeface="Times New Roman"/>
+              <a:cs typeface="Times New Roman"/>
+            </a:rPr>
+            <a:t> </a:t>
+          </a:r>
+          <a:r>
+            <a:rPr lang="en-US" sz="1600" b="0" i="0" u="none" strike="noStrike" cap="none" spc="0" dirty="0" err="1">
+              <a:solidFill>
+                <a:schemeClr val="tx1"/>
+              </a:solidFill>
+              <a:latin typeface="Times New Roman"/>
+              <a:cs typeface="Times New Roman"/>
+            </a:rPr>
+            <a:t>нижчу</a:t>
+          </a:r>
+          <a:r>
+            <a:rPr lang="en-US" sz="1600" b="0" i="0" u="none" strike="noStrike" cap="none" spc="0" dirty="0">
+              <a:solidFill>
+                <a:schemeClr val="tx1"/>
+              </a:solidFill>
+              <a:latin typeface="Times New Roman"/>
+              <a:cs typeface="Times New Roman"/>
+            </a:rPr>
+            <a:t> </a:t>
+          </a:r>
+          <a:r>
+            <a:rPr lang="en-US" sz="1600" b="0" i="0" u="none" strike="noStrike" cap="none" spc="0" dirty="0" err="1">
+              <a:solidFill>
+                <a:schemeClr val="tx1"/>
+              </a:solidFill>
+              <a:latin typeface="Times New Roman"/>
+              <a:cs typeface="Times New Roman"/>
+            </a:rPr>
+            <a:t>комісію</a:t>
+          </a:r>
+          <a:r>
+            <a:rPr lang="en-US" sz="1600" b="0" i="0" u="none" strike="noStrike" cap="none" spc="0" dirty="0">
+              <a:solidFill>
+                <a:schemeClr val="tx1"/>
+              </a:solidFill>
+              <a:latin typeface="Times New Roman"/>
+              <a:cs typeface="Times New Roman"/>
+            </a:rPr>
+            <a:t> </a:t>
+          </a:r>
+          <a:r>
+            <a:rPr lang="en-US" sz="1600" b="0" i="0" u="none" strike="noStrike" cap="none" spc="0" dirty="0" err="1">
+              <a:solidFill>
+                <a:schemeClr val="tx1"/>
+              </a:solidFill>
+              <a:latin typeface="Times New Roman"/>
+              <a:cs typeface="Times New Roman"/>
+            </a:rPr>
+            <a:t>за</a:t>
+          </a:r>
+          <a:r>
+            <a:rPr lang="en-US" sz="1600" b="0" i="0" u="none" strike="noStrike" cap="none" spc="0" dirty="0">
+              <a:solidFill>
+                <a:schemeClr val="tx1"/>
+              </a:solidFill>
+              <a:latin typeface="Times New Roman"/>
+              <a:cs typeface="Times New Roman"/>
+            </a:rPr>
+            <a:t> </a:t>
+          </a:r>
+          <a:r>
+            <a:rPr lang="en-US" sz="1600" b="0" i="0" u="none" strike="noStrike" cap="none" spc="0" dirty="0" err="1">
+              <a:solidFill>
+                <a:schemeClr val="tx1"/>
+              </a:solidFill>
+              <a:latin typeface="Times New Roman"/>
+              <a:cs typeface="Times New Roman"/>
+            </a:rPr>
+            <a:t>транзакції</a:t>
+          </a:r>
+          <a:r>
+            <a:rPr lang="en-US" sz="1600" b="0" i="0" u="none" strike="noStrike" cap="none" spc="0" dirty="0">
+              <a:solidFill>
+                <a:schemeClr val="tx1"/>
+              </a:solidFill>
+              <a:latin typeface="Times New Roman"/>
+              <a:cs typeface="Times New Roman"/>
+            </a:rPr>
+            <a:t> </a:t>
+          </a:r>
+          <a:r>
+            <a:rPr lang="en-US" sz="1600" b="0" i="0" u="none" strike="noStrike" cap="none" spc="0" dirty="0" err="1">
+              <a:solidFill>
+                <a:schemeClr val="tx1"/>
+              </a:solidFill>
+              <a:latin typeface="Times New Roman"/>
+              <a:cs typeface="Times New Roman"/>
+            </a:rPr>
+            <a:t>для</a:t>
+          </a:r>
+          <a:r>
+            <a:rPr lang="en-US" sz="1600" b="0" i="0" u="none" strike="noStrike" cap="none" spc="0" dirty="0">
+              <a:solidFill>
+                <a:schemeClr val="tx1"/>
+              </a:solidFill>
+              <a:latin typeface="Times New Roman"/>
+              <a:cs typeface="Times New Roman"/>
+            </a:rPr>
+            <a:t> </a:t>
+          </a:r>
+          <a:r>
+            <a:rPr lang="en-US" sz="1600" b="0" i="0" u="none" strike="noStrike" cap="none" spc="0" dirty="0" err="1">
+              <a:solidFill>
+                <a:schemeClr val="tx1"/>
+              </a:solidFill>
+              <a:latin typeface="Times New Roman"/>
+              <a:cs typeface="Times New Roman"/>
+            </a:rPr>
+            <a:t>користувачів</a:t>
+          </a:r>
+          <a:r>
+            <a:rPr lang="en-US" sz="1600" b="0" i="0" u="none" strike="noStrike" cap="none" spc="0" dirty="0">
+              <a:solidFill>
+                <a:schemeClr val="tx1"/>
+              </a:solidFill>
+              <a:latin typeface="Times New Roman"/>
+              <a:cs typeface="Times New Roman"/>
+            </a:rPr>
+            <a:t>.</a:t>
+          </a:r>
+          <a:endParaRPr sz="1600" dirty="0">
             <a:solidFill>
               <a:schemeClr val="tx1"/>
             </a:solidFill>
@@ -1180,10 +1646,10 @@
       </dgm:t>
     </dgm:pt>
     <dgm:pt modelId="{4CBAFDCC-6EA0-4DEA-9121-2062BC43DD0B}" type="sibTrans" cxnId="{4ED74027-7C0D-4D16-A0CB-88ADEB6B9117}">
-      <dgm:prSet phldr="0" phldrT="03"/>
+      <dgm:prSet phldrT="03" phldr="0"/>
       <dgm:spPr bwMode="auto"/>
       <dgm:t>
-        <a:bodyPr vertOverflow="overflow" horzOverflow="overflow" vert="horz" rtlCol="0" fromWordArt="0" anchor="ctr" forceAA="0" upright="0" compatLnSpc="0"/>
+        <a:bodyPr vertOverflow="overflow" horzOverflow="overflow" vert="horz" rtlCol="0" fromWordArt="0" anchor="ctr" forceAA="0" compatLnSpc="0"/>
         <a:lstStyle/>
         <a:p>
           <a:pPr marL="0" indent="0" algn="l" defTabSz="2933697">
@@ -1230,7 +1696,7 @@
       <dgm:spPr bwMode="auto"/>
     </dgm:pt>
     <dgm:pt modelId="{9749F921-1780-4BC4-94D4-CA6CB4386FA2}" type="pres">
-      <dgm:prSet custLinFactY="245" presAssocID="{53958BD8-D0F9-43A4-A8E7-C43BE5627982}" presName="bgRect" presStyleLbl="alignNode1" presStyleIdx="0" presStyleCnt="3"/>
+      <dgm:prSet presAssocID="{53958BD8-D0F9-43A4-A8E7-C43BE5627982}" presName="bgRect" presStyleLbl="alignNode1" presStyleIdx="0" presStyleCnt="3" custLinFactY="245"/>
       <dgm:spPr bwMode="auto">
         <a:prstGeom prst="roundRect">
           <a:avLst>
@@ -1398,27 +1864,20 @@
   <dgm:whole/>
   <dgm:extLst>
     <a:ext uri="http://schemas.microsoft.com/office/drawing/2008/diagram">
-      <dsp:dataModelExt xmlns:dsp="http://schemas.microsoft.com/office/drawing/2008/diagram" relId="rId1" minVer="http://schemas.openxmlformats.org/drawingml/2006/diagram"/>
+      <dsp:dataModelExt xmlns:dsp="http://schemas.microsoft.com/office/drawing/2008/diagram" relId="rId6" minVer="http://schemas.openxmlformats.org/drawingml/2006/diagram"/>
     </a:ext>
   </dgm:extLst>
 </dgm:dataModel>
 </file>
 
 <file path=ppt/diagrams/drawing1.xml><?xml version="1.0" encoding="utf-8"?>
-<dsp:drawing xmlns:dsp="http://schemas.microsoft.com/office/drawing/2008/diagram" xmlns:dgm="http://schemas.openxmlformats.org/drawingml/2006/diagram" xmlns:a="http://schemas.openxmlformats.org/drawingml/2006/main" xmlns:r="http://schemas.openxmlformats.org/officeDocument/2006/relationships">
+<dsp:drawing xmlns:dgm="http://schemas.openxmlformats.org/drawingml/2006/diagram" xmlns:dsp="http://schemas.microsoft.com/office/drawing/2008/diagram" xmlns:a="http://schemas.openxmlformats.org/drawingml/2006/main">
   <dsp:spTree>
     <dsp:nvGrpSpPr>
-      <dsp:cNvPr id="1018469526" name=""/>
+      <dsp:cNvPr id="0" name=""/>
       <dsp:cNvGrpSpPr/>
     </dsp:nvGrpSpPr>
-    <dsp:grpSpPr bwMode="auto">
-      <a:xfrm>
-        <a:off x="0" y="0"/>
-        <a:ext cx="9905999" cy="4082074"/>
-        <a:chOff x="0" y="0"/>
-        <a:chExt cx="9905999" cy="4082074"/>
-      </a:xfrm>
-    </dsp:grpSpPr>
+    <dsp:grpSpPr/>
     <dsp:sp modelId="{9749F921-1780-4BC4-94D4-CA6CB4386FA2}">
       <dsp:nvSpPr>
         <dsp:cNvPr id="0" name=""/>
@@ -1471,7 +1930,7 @@
               <a:spcPct val="90000"/>
             </a:lnSpc>
             <a:spcBef>
-              <a:spcPts val="0"/>
+              <a:spcPct val="0"/>
             </a:spcBef>
             <a:spcAft>
               <a:spcPts val="0"/>
@@ -1480,7 +1939,7 @@
             <a:defRPr/>
           </a:pPr>
           <a:r>
-            <a:rPr lang="en-US" sz="1600" b="0" i="0" u="none" strike="noStrike" cap="none" spc="0">
+            <a:rPr lang="en-US" sz="1600" b="0" i="0" u="none" strike="noStrike" kern="1200" cap="none" spc="0">
               <a:solidFill>
                 <a:schemeClr val="tx1"/>
               </a:solidFill>
@@ -1490,7 +1949,7 @@
             <a:t>Розробити блокчейн-систему з </a:t>
           </a:r>
           <a:r>
-            <a:rPr lang="en-US" sz="1600" b="1" i="0" u="none" strike="noStrike" cap="none" spc="0">
+            <a:rPr lang="en-US" sz="1600" b="1" i="0" u="none" strike="noStrike" kern="1200" cap="none" spc="0">
               <a:solidFill>
                 <a:schemeClr val="tx1"/>
               </a:solidFill>
@@ -1500,7 +1959,7 @@
             <a:t>гібридною мережевою архітектурою</a:t>
           </a:r>
           <a:r>
-            <a:rPr lang="en-US" sz="1600" b="0" i="0" u="none" strike="noStrike" cap="none" spc="0">
+            <a:rPr lang="en-US" sz="1600" b="0" i="0" u="none" strike="noStrike" kern="1200" cap="none" spc="0">
               <a:solidFill>
                 <a:schemeClr val="tx1"/>
               </a:solidFill>
@@ -1510,7 +1969,7 @@
             <a:t>, що дозволить зменшити затримку транзакцій та підвищити масштабованість мережі.</a:t>
           </a:r>
           <a:r>
-            <a:rPr lang="en-US" sz="1600">
+            <a:rPr lang="en-US" sz="1600" kern="1200">
               <a:solidFill>
                 <a:schemeClr val="tx1"/>
               </a:solidFill>
@@ -1519,7 +1978,7 @@
             </a:rPr>
             <a:t> </a:t>
           </a:r>
-          <a:endParaRPr sz="1600">
+          <a:endParaRPr sz="1600" kern="1200">
             <a:solidFill>
               <a:schemeClr val="tx1"/>
             </a:solidFill>
@@ -1552,6 +2011,7 @@
           <a:prstDash val="solid"/>
         </a:ln>
         <a:effectLst/>
+        <a:sp3d/>
       </dsp:spPr>
       <dsp:style>
         <a:lnRef idx="2">
@@ -1573,12 +2033,12 @@
         </a:bodyPr>
         <a:lstStyle/>
         <a:p>
-          <a:pPr marL="0" lvl="0" indent="0" algn="l" defTabSz="2933698">
+          <a:pPr marL="0" lvl="0" indent="0" algn="l" defTabSz="2933697">
             <a:lnSpc>
               <a:spcPct val="90000"/>
             </a:lnSpc>
             <a:spcBef>
-              <a:spcPts val="0"/>
+              <a:spcPct val="0"/>
             </a:spcBef>
             <a:spcAft>
               <a:spcPts val="0"/>
@@ -1587,13 +2047,13 @@
             <a:defRPr/>
           </a:pPr>
           <a:r>
-            <a:rPr lang="en-US" sz="6600">
+            <a:rPr lang="en-US" sz="6600" kern="1200">
               <a:latin typeface="Times New Roman"/>
               <a:cs typeface="Times New Roman"/>
             </a:rPr>
             <a:t>01</a:t>
           </a:r>
-          <a:endParaRPr sz="6600">
+          <a:endParaRPr sz="6600" kern="1200">
             <a:latin typeface="Times New Roman"/>
             <a:cs typeface="Times New Roman"/>
           </a:endParaRPr>
@@ -1656,7 +2116,7 @@
               <a:spcPct val="90000"/>
             </a:lnSpc>
             <a:spcBef>
-              <a:spcPts val="0"/>
+              <a:spcPct val="0"/>
             </a:spcBef>
             <a:spcAft>
               <a:spcPts val="0"/>
@@ -1665,7 +2125,7 @@
             <a:defRPr/>
           </a:pPr>
           <a:r>
-            <a:rPr lang="en-US" sz="1600" b="0" i="0" u="none" strike="noStrike" cap="none" spc="0">
+            <a:rPr lang="en-US" sz="1600" b="0" i="0" u="none" strike="noStrike" kern="1200" cap="none" spc="0">
               <a:solidFill>
                 <a:schemeClr val="tx1"/>
               </a:solidFill>
@@ -1675,7 +2135,7 @@
             <a:t>Реалізувати </a:t>
           </a:r>
           <a:r>
-            <a:rPr lang="en-US" sz="1600" b="1" i="0" u="none" strike="noStrike" cap="none" spc="0">
+            <a:rPr lang="en-US" sz="1600" b="1" i="0" u="none" strike="noStrike" kern="1200" cap="none" spc="0">
               <a:solidFill>
                 <a:schemeClr val="tx1"/>
               </a:solidFill>
@@ -1685,7 +2145,7 @@
             <a:t>гібридний механізм консенсусу</a:t>
           </a:r>
           <a:r>
-            <a:rPr lang="en-US" sz="1600" b="0" i="0" u="none" strike="noStrike" cap="none" spc="0">
+            <a:rPr lang="en-US" sz="1600" b="0" i="0" u="none" strike="noStrike" kern="1200" cap="none" spc="0">
               <a:solidFill>
                 <a:schemeClr val="tx1"/>
               </a:solidFill>
@@ -1694,7 +2154,7 @@
             </a:rPr>
             <a:t>, що поєднує в собі доказ часу, що минув (PoET) та доказ роботи (PoW), з метою зменшення ризиків централізації та зниження енергоспоживання у порівнянні з традиційними блокчейн-системами.</a:t>
           </a:r>
-          <a:endParaRPr sz="1600">
+          <a:endParaRPr sz="1600" kern="1200">
             <a:solidFill>
               <a:schemeClr val="tx1"/>
             </a:solidFill>
@@ -1727,6 +2187,7 @@
           <a:prstDash val="solid"/>
         </a:ln>
         <a:effectLst/>
+        <a:sp3d/>
       </dsp:spPr>
       <dsp:style>
         <a:lnRef idx="2">
@@ -1748,12 +2209,12 @@
         </a:bodyPr>
         <a:lstStyle/>
         <a:p>
-          <a:pPr marL="0" lvl="0" indent="0" algn="l" defTabSz="2933698">
+          <a:pPr marL="0" lvl="0" indent="0" algn="l" defTabSz="2933697">
             <a:lnSpc>
               <a:spcPct val="90000"/>
             </a:lnSpc>
             <a:spcBef>
-              <a:spcPts val="0"/>
+              <a:spcPct val="0"/>
             </a:spcBef>
             <a:spcAft>
               <a:spcPts val="0"/>
@@ -1762,13 +2223,13 @@
             <a:defRPr/>
           </a:pPr>
           <a:r>
-            <a:rPr lang="en-US" sz="6600">
+            <a:rPr lang="en-US" sz="6600" kern="1200">
               <a:latin typeface="Times New Roman"/>
               <a:cs typeface="Times New Roman"/>
             </a:rPr>
             <a:t>02</a:t>
           </a:r>
-          <a:endParaRPr sz="6600">
+          <a:endParaRPr sz="6600" kern="1200">
             <a:latin typeface="Times New Roman"/>
             <a:cs typeface="Times New Roman"/>
           </a:endParaRPr>
@@ -1831,7 +2292,7 @@
               <a:spcPct val="90000"/>
             </a:lnSpc>
             <a:spcBef>
-              <a:spcPts val="0"/>
+              <a:spcPct val="0"/>
             </a:spcBef>
             <a:spcAft>
               <a:spcPts val="0"/>
@@ -1840,36 +2301,486 @@
             <a:defRPr/>
           </a:pPr>
           <a:r>
-            <a:rPr lang="en-US" sz="1600" b="0" i="0" u="none" strike="noStrike" cap="none" spc="0">
+            <a:rPr lang="en-US" sz="1600" b="0" i="0" u="none" strike="noStrike" kern="1200" cap="none" spc="0" dirty="0" err="1">
               <a:solidFill>
                 <a:schemeClr val="tx1"/>
               </a:solidFill>
               <a:latin typeface="Times New Roman"/>
               <a:cs typeface="Times New Roman"/>
             </a:rPr>
-            <a:t>Вирішити </a:t>
+            <a:t>Вирішити</a:t>
           </a:r>
           <a:r>
-            <a:rPr lang="en-US" sz="1600" b="1" i="0" u="none" strike="noStrike" cap="none" spc="0">
+            <a:rPr lang="en-US" sz="1600" b="0" i="0" u="none" strike="noStrike" kern="1200" cap="none" spc="0" dirty="0">
               <a:solidFill>
                 <a:schemeClr val="tx1"/>
               </a:solidFill>
               <a:latin typeface="Times New Roman"/>
               <a:cs typeface="Times New Roman"/>
             </a:rPr>
-            <a:t>проблеми високих комісійних</a:t>
+            <a:t> </a:t>
           </a:r>
           <a:r>
-            <a:rPr lang="en-US" sz="1600" b="0" i="0" u="none" strike="noStrike" cap="none" spc="0">
+            <a:rPr lang="en-US" sz="1600" b="1" i="0" u="none" strike="noStrike" kern="1200" cap="none" spc="0" dirty="0" err="1">
               <a:solidFill>
                 <a:schemeClr val="tx1"/>
               </a:solidFill>
               <a:latin typeface="Times New Roman"/>
               <a:cs typeface="Times New Roman"/>
             </a:rPr>
-            <a:t> витрат за рахунок підтримки ефективної роботи мережі навіть при великих обсягах транзакцій, що забезпечує нижчу комісію за транзакції для користувачів.</a:t>
+            <a:t>проблеми</a:t>
           </a:r>
-          <a:endParaRPr sz="1600">
+          <a:r>
+            <a:rPr lang="en-US" sz="1600" b="1" i="0" u="none" strike="noStrike" kern="1200" cap="none" spc="0" dirty="0">
+              <a:solidFill>
+                <a:schemeClr val="tx1"/>
+              </a:solidFill>
+              <a:latin typeface="Times New Roman"/>
+              <a:cs typeface="Times New Roman"/>
+            </a:rPr>
+            <a:t> </a:t>
+          </a:r>
+          <a:r>
+            <a:rPr lang="en-US" sz="1600" b="1" i="0" u="none" strike="noStrike" kern="1200" cap="none" spc="0" dirty="0" err="1">
+              <a:solidFill>
+                <a:schemeClr val="tx1"/>
+              </a:solidFill>
+              <a:latin typeface="Times New Roman"/>
+              <a:cs typeface="Times New Roman"/>
+            </a:rPr>
+            <a:t>високих</a:t>
+          </a:r>
+          <a:r>
+            <a:rPr lang="en-US" sz="1600" b="1" i="0" u="none" strike="noStrike" kern="1200" cap="none" spc="0" dirty="0">
+              <a:solidFill>
+                <a:schemeClr val="tx1"/>
+              </a:solidFill>
+              <a:latin typeface="Times New Roman"/>
+              <a:cs typeface="Times New Roman"/>
+            </a:rPr>
+            <a:t> </a:t>
+          </a:r>
+          <a:r>
+            <a:rPr lang="en-US" sz="1600" b="1" i="0" u="none" strike="noStrike" kern="1200" cap="none" spc="0" dirty="0" err="1">
+              <a:solidFill>
+                <a:schemeClr val="tx1"/>
+              </a:solidFill>
+              <a:latin typeface="Times New Roman"/>
+              <a:cs typeface="Times New Roman"/>
+            </a:rPr>
+            <a:t>комісійних</a:t>
+          </a:r>
+          <a:r>
+            <a:rPr lang="en-US" sz="1600" b="0" i="0" u="none" strike="noStrike" kern="1200" cap="none" spc="0" dirty="0">
+              <a:solidFill>
+                <a:schemeClr val="tx1"/>
+              </a:solidFill>
+              <a:latin typeface="Times New Roman"/>
+              <a:cs typeface="Times New Roman"/>
+            </a:rPr>
+            <a:t> </a:t>
+          </a:r>
+          <a:r>
+            <a:rPr lang="en-US" sz="1600" b="0" i="0" u="none" strike="noStrike" kern="1200" cap="none" spc="0" dirty="0" err="1">
+              <a:solidFill>
+                <a:schemeClr val="tx1"/>
+              </a:solidFill>
+              <a:latin typeface="Times New Roman"/>
+              <a:cs typeface="Times New Roman"/>
+            </a:rPr>
+            <a:t>витрат</a:t>
+          </a:r>
+          <a:r>
+            <a:rPr lang="en-US" sz="1600" b="0" i="0" u="none" strike="noStrike" kern="1200" cap="none" spc="0" dirty="0">
+              <a:solidFill>
+                <a:schemeClr val="tx1"/>
+              </a:solidFill>
+              <a:latin typeface="Times New Roman"/>
+              <a:cs typeface="Times New Roman"/>
+            </a:rPr>
+            <a:t> </a:t>
+          </a:r>
+          <a:r>
+            <a:rPr lang="en-US" sz="1600" b="0" i="0" u="none" strike="noStrike" kern="1200" cap="none" spc="0" dirty="0" err="1">
+              <a:solidFill>
+                <a:schemeClr val="tx1"/>
+              </a:solidFill>
+              <a:latin typeface="Times New Roman"/>
+              <a:cs typeface="Times New Roman"/>
+            </a:rPr>
+            <a:t>за</a:t>
+          </a:r>
+          <a:r>
+            <a:rPr lang="en-US" sz="1600" b="0" i="0" u="none" strike="noStrike" kern="1200" cap="none" spc="0" dirty="0">
+              <a:solidFill>
+                <a:schemeClr val="tx1"/>
+              </a:solidFill>
+              <a:latin typeface="Times New Roman"/>
+              <a:cs typeface="Times New Roman"/>
+            </a:rPr>
+            <a:t> </a:t>
+          </a:r>
+          <a:r>
+            <a:rPr lang="en-US" sz="1600" b="0" i="0" u="none" strike="noStrike" kern="1200" cap="none" spc="0" dirty="0" err="1">
+              <a:solidFill>
+                <a:schemeClr val="tx1"/>
+              </a:solidFill>
+              <a:latin typeface="Times New Roman"/>
+              <a:cs typeface="Times New Roman"/>
+            </a:rPr>
+            <a:t>рахунок</a:t>
+          </a:r>
+          <a:r>
+            <a:rPr lang="en-US" sz="1600" b="0" i="0" u="none" strike="noStrike" kern="1200" cap="none" spc="0" dirty="0">
+              <a:solidFill>
+                <a:schemeClr val="tx1"/>
+              </a:solidFill>
+              <a:latin typeface="Times New Roman"/>
+              <a:cs typeface="Times New Roman"/>
+            </a:rPr>
+            <a:t> </a:t>
+          </a:r>
+          <a:r>
+            <a:rPr lang="en-US" sz="1600" b="0" i="0" u="none" strike="noStrike" kern="1200" cap="none" spc="0" dirty="0" err="1">
+              <a:solidFill>
+                <a:schemeClr val="tx1"/>
+              </a:solidFill>
+              <a:latin typeface="Times New Roman"/>
+              <a:cs typeface="Times New Roman"/>
+            </a:rPr>
+            <a:t>підтримки</a:t>
+          </a:r>
+          <a:r>
+            <a:rPr lang="en-US" sz="1600" b="0" i="0" u="none" strike="noStrike" kern="1200" cap="none" spc="0" dirty="0">
+              <a:solidFill>
+                <a:schemeClr val="tx1"/>
+              </a:solidFill>
+              <a:latin typeface="Times New Roman"/>
+              <a:cs typeface="Times New Roman"/>
+            </a:rPr>
+            <a:t> </a:t>
+          </a:r>
+          <a:r>
+            <a:rPr lang="en-US" sz="1600" b="0" i="0" u="none" strike="noStrike" kern="1200" cap="none" spc="0" dirty="0" err="1">
+              <a:solidFill>
+                <a:schemeClr val="tx1"/>
+              </a:solidFill>
+              <a:latin typeface="Times New Roman"/>
+              <a:cs typeface="Times New Roman"/>
+            </a:rPr>
+            <a:t>ефективної</a:t>
+          </a:r>
+          <a:r>
+            <a:rPr lang="en-US" sz="1600" b="0" i="0" u="none" strike="noStrike" kern="1200" cap="none" spc="0" dirty="0">
+              <a:solidFill>
+                <a:schemeClr val="tx1"/>
+              </a:solidFill>
+              <a:latin typeface="Times New Roman"/>
+              <a:cs typeface="Times New Roman"/>
+            </a:rPr>
+            <a:t> </a:t>
+          </a:r>
+          <a:r>
+            <a:rPr lang="en-US" sz="1600" b="0" i="0" u="none" strike="noStrike" kern="1200" cap="none" spc="0" dirty="0" err="1">
+              <a:solidFill>
+                <a:schemeClr val="tx1"/>
+              </a:solidFill>
+              <a:latin typeface="Times New Roman"/>
+              <a:cs typeface="Times New Roman"/>
+            </a:rPr>
+            <a:t>роботи</a:t>
+          </a:r>
+          <a:r>
+            <a:rPr lang="en-US" sz="1600" b="0" i="0" u="none" strike="noStrike" kern="1200" cap="none" spc="0" dirty="0">
+              <a:solidFill>
+                <a:schemeClr val="tx1"/>
+              </a:solidFill>
+              <a:latin typeface="Times New Roman"/>
+              <a:cs typeface="Times New Roman"/>
+            </a:rPr>
+            <a:t> </a:t>
+          </a:r>
+          <a:r>
+            <a:rPr lang="en-US" sz="1600" b="0" i="0" u="none" strike="noStrike" kern="1200" cap="none" spc="0" dirty="0" err="1">
+              <a:solidFill>
+                <a:schemeClr val="tx1"/>
+              </a:solidFill>
+              <a:latin typeface="Times New Roman"/>
+              <a:cs typeface="Times New Roman"/>
+            </a:rPr>
+            <a:t>мережі</a:t>
+          </a:r>
+          <a:r>
+            <a:rPr lang="en-US" sz="1600" b="0" i="0" u="none" strike="noStrike" kern="1200" cap="none" spc="0" dirty="0">
+              <a:solidFill>
+                <a:schemeClr val="tx1"/>
+              </a:solidFill>
+              <a:latin typeface="Times New Roman"/>
+              <a:cs typeface="Times New Roman"/>
+            </a:rPr>
+            <a:t> </a:t>
+          </a:r>
+          <a:r>
+            <a:rPr lang="en-US" sz="1600" b="0" i="0" u="none" strike="noStrike" kern="1200" cap="none" spc="0" dirty="0" err="1">
+              <a:solidFill>
+                <a:schemeClr val="tx1"/>
+              </a:solidFill>
+              <a:latin typeface="Times New Roman"/>
+              <a:cs typeface="Times New Roman"/>
+            </a:rPr>
+            <a:t>навіть</a:t>
+          </a:r>
+          <a:r>
+            <a:rPr lang="en-US" sz="1600" b="0" i="0" u="none" strike="noStrike" kern="1200" cap="none" spc="0" dirty="0">
+              <a:solidFill>
+                <a:schemeClr val="tx1"/>
+              </a:solidFill>
+              <a:latin typeface="Times New Roman"/>
+              <a:cs typeface="Times New Roman"/>
+            </a:rPr>
+            <a:t> </a:t>
+          </a:r>
+          <a:r>
+            <a:rPr lang="en-US" sz="1600" b="0" i="0" u="none" strike="noStrike" kern="1200" cap="none" spc="0" dirty="0" err="1">
+              <a:solidFill>
+                <a:schemeClr val="tx1"/>
+              </a:solidFill>
+              <a:latin typeface="Times New Roman"/>
+              <a:cs typeface="Times New Roman"/>
+            </a:rPr>
+            <a:t>при</a:t>
+          </a:r>
+          <a:r>
+            <a:rPr lang="en-US" sz="1600" b="0" i="0" u="none" strike="noStrike" kern="1200" cap="none" spc="0" dirty="0">
+              <a:solidFill>
+                <a:schemeClr val="tx1"/>
+              </a:solidFill>
+              <a:latin typeface="Times New Roman"/>
+              <a:cs typeface="Times New Roman"/>
+            </a:rPr>
+            <a:t> </a:t>
+          </a:r>
+          <a:r>
+            <a:rPr lang="en-US" sz="1600" b="0" i="0" u="none" strike="noStrike" kern="1200" cap="none" spc="0" dirty="0" err="1">
+              <a:solidFill>
+                <a:schemeClr val="tx1"/>
+              </a:solidFill>
+              <a:latin typeface="Times New Roman"/>
+              <a:cs typeface="Times New Roman"/>
+            </a:rPr>
+            <a:t>великих</a:t>
+          </a:r>
+          <a:r>
+            <a:rPr lang="en-US" sz="1600" b="0" i="0" u="none" strike="noStrike" kern="1200" cap="none" spc="0" dirty="0">
+              <a:solidFill>
+                <a:schemeClr val="tx1"/>
+              </a:solidFill>
+              <a:latin typeface="Times New Roman"/>
+              <a:cs typeface="Times New Roman"/>
+            </a:rPr>
+            <a:t> </a:t>
+          </a:r>
+          <a:r>
+            <a:rPr lang="en-US" sz="1600" b="0" i="0" u="none" strike="noStrike" kern="1200" cap="none" spc="0" dirty="0" err="1">
+              <a:solidFill>
+                <a:schemeClr val="tx1"/>
+              </a:solidFill>
+              <a:latin typeface="Times New Roman"/>
+              <a:cs typeface="Times New Roman"/>
+            </a:rPr>
+            <a:t>обсягах</a:t>
+          </a:r>
+          <a:r>
+            <a:rPr lang="en-US" sz="1600" b="0" i="0" u="none" strike="noStrike" kern="1200" cap="none" spc="0" dirty="0">
+              <a:solidFill>
+                <a:schemeClr val="tx1"/>
+              </a:solidFill>
+              <a:latin typeface="Times New Roman"/>
+              <a:cs typeface="Times New Roman"/>
+            </a:rPr>
+            <a:t> </a:t>
+          </a:r>
+          <a:r>
+            <a:rPr lang="en-US" sz="1600" b="0" i="0" u="none" strike="noStrike" kern="1200" cap="none" spc="0" dirty="0" err="1">
+              <a:solidFill>
+                <a:schemeClr val="tx1"/>
+              </a:solidFill>
+              <a:latin typeface="Times New Roman"/>
+              <a:cs typeface="Times New Roman"/>
+            </a:rPr>
+            <a:t>транзакцій</a:t>
+          </a:r>
+          <a:r>
+            <a:rPr lang="en-US" sz="1600" b="0" i="0" u="none" strike="noStrike" kern="1200" cap="none" spc="0" dirty="0">
+              <a:solidFill>
+                <a:schemeClr val="tx1"/>
+              </a:solidFill>
+              <a:latin typeface="Times New Roman"/>
+              <a:cs typeface="Times New Roman"/>
+            </a:rPr>
+            <a:t>, </a:t>
+          </a:r>
+          <a:r>
+            <a:rPr lang="en-US" sz="1600" b="0" i="0" u="none" strike="noStrike" kern="1200" cap="none" spc="0" dirty="0" err="1">
+              <a:solidFill>
+                <a:schemeClr val="tx1"/>
+              </a:solidFill>
+              <a:latin typeface="Times New Roman"/>
+              <a:cs typeface="Times New Roman"/>
+            </a:rPr>
+            <a:t>що</a:t>
+          </a:r>
+          <a:r>
+            <a:rPr lang="en-US" sz="1600" b="0" i="0" u="none" strike="noStrike" kern="1200" cap="none" spc="0" dirty="0">
+              <a:solidFill>
+                <a:schemeClr val="tx1"/>
+              </a:solidFill>
+              <a:latin typeface="Times New Roman"/>
+              <a:cs typeface="Times New Roman"/>
+            </a:rPr>
+            <a:t> </a:t>
+          </a:r>
+          <a:r>
+            <a:rPr lang="en-US" sz="1600" b="0" i="0" u="none" strike="noStrike" kern="1200" cap="none" spc="0" dirty="0" err="1">
+              <a:solidFill>
+                <a:schemeClr val="tx1"/>
+              </a:solidFill>
+              <a:latin typeface="Times New Roman"/>
+              <a:cs typeface="Times New Roman"/>
+            </a:rPr>
+            <a:t>забезпечує</a:t>
+          </a:r>
+          <a:r>
+            <a:rPr lang="en-US" sz="1600" b="0" i="0" u="none" strike="noStrike" kern="1200" cap="none" spc="0" dirty="0">
+              <a:solidFill>
+                <a:schemeClr val="tx1"/>
+              </a:solidFill>
+              <a:latin typeface="Times New Roman"/>
+              <a:cs typeface="Times New Roman"/>
+            </a:rPr>
+            <a:t> </a:t>
+          </a:r>
+          <a:r>
+            <a:rPr lang="en-US" sz="1600" b="0" i="0" u="none" strike="noStrike" kern="1200" cap="none" spc="0" dirty="0" err="1">
+              <a:solidFill>
+                <a:schemeClr val="tx1"/>
+              </a:solidFill>
+              <a:latin typeface="Times New Roman"/>
+              <a:cs typeface="Times New Roman"/>
+            </a:rPr>
+            <a:t>нижчу</a:t>
+          </a:r>
+          <a:r>
+            <a:rPr lang="en-US" sz="1600" b="0" i="0" u="none" strike="noStrike" kern="1200" cap="none" spc="0" dirty="0">
+              <a:solidFill>
+                <a:schemeClr val="tx1"/>
+              </a:solidFill>
+              <a:latin typeface="Times New Roman"/>
+              <a:cs typeface="Times New Roman"/>
+            </a:rPr>
+            <a:t> </a:t>
+          </a:r>
+          <a:r>
+            <a:rPr lang="en-US" sz="1600" b="0" i="0" u="none" strike="noStrike" kern="1200" cap="none" spc="0" dirty="0" err="1">
+              <a:solidFill>
+                <a:schemeClr val="tx1"/>
+              </a:solidFill>
+              <a:latin typeface="Times New Roman"/>
+              <a:cs typeface="Times New Roman"/>
+            </a:rPr>
+            <a:t>комісію</a:t>
+          </a:r>
+          <a:r>
+            <a:rPr lang="en-US" sz="1600" b="0" i="0" u="none" strike="noStrike" kern="1200" cap="none" spc="0" dirty="0">
+              <a:solidFill>
+                <a:schemeClr val="tx1"/>
+              </a:solidFill>
+              <a:latin typeface="Times New Roman"/>
+              <a:cs typeface="Times New Roman"/>
+            </a:rPr>
+            <a:t> </a:t>
+          </a:r>
+          <a:r>
+            <a:rPr lang="en-US" sz="1600" b="0" i="0" u="none" strike="noStrike" kern="1200" cap="none" spc="0" dirty="0" err="1">
+              <a:solidFill>
+                <a:schemeClr val="tx1"/>
+              </a:solidFill>
+              <a:latin typeface="Times New Roman"/>
+              <a:cs typeface="Times New Roman"/>
+            </a:rPr>
+            <a:t>за</a:t>
+          </a:r>
+          <a:r>
+            <a:rPr lang="en-US" sz="1600" b="0" i="0" u="none" strike="noStrike" kern="1200" cap="none" spc="0" dirty="0">
+              <a:solidFill>
+                <a:schemeClr val="tx1"/>
+              </a:solidFill>
+              <a:latin typeface="Times New Roman"/>
+              <a:cs typeface="Times New Roman"/>
+            </a:rPr>
+            <a:t> </a:t>
+          </a:r>
+          <a:r>
+            <a:rPr lang="en-US" sz="1600" b="0" i="0" u="none" strike="noStrike" kern="1200" cap="none" spc="0" dirty="0" err="1">
+              <a:solidFill>
+                <a:schemeClr val="tx1"/>
+              </a:solidFill>
+              <a:latin typeface="Times New Roman"/>
+              <a:cs typeface="Times New Roman"/>
+            </a:rPr>
+            <a:t>транзакції</a:t>
+          </a:r>
+          <a:r>
+            <a:rPr lang="en-US" sz="1600" b="0" i="0" u="none" strike="noStrike" kern="1200" cap="none" spc="0" dirty="0">
+              <a:solidFill>
+                <a:schemeClr val="tx1"/>
+              </a:solidFill>
+              <a:latin typeface="Times New Roman"/>
+              <a:cs typeface="Times New Roman"/>
+            </a:rPr>
+            <a:t> </a:t>
+          </a:r>
+          <a:r>
+            <a:rPr lang="en-US" sz="1600" b="0" i="0" u="none" strike="noStrike" kern="1200" cap="none" spc="0" dirty="0" err="1">
+              <a:solidFill>
+                <a:schemeClr val="tx1"/>
+              </a:solidFill>
+              <a:latin typeface="Times New Roman"/>
+              <a:cs typeface="Times New Roman"/>
+            </a:rPr>
+            <a:t>для</a:t>
+          </a:r>
+          <a:r>
+            <a:rPr lang="en-US" sz="1600" b="0" i="0" u="none" strike="noStrike" kern="1200" cap="none" spc="0" dirty="0">
+              <a:solidFill>
+                <a:schemeClr val="tx1"/>
+              </a:solidFill>
+              <a:latin typeface="Times New Roman"/>
+              <a:cs typeface="Times New Roman"/>
+            </a:rPr>
+            <a:t> </a:t>
+          </a:r>
+          <a:r>
+            <a:rPr lang="en-US" sz="1600" b="0" i="0" u="none" strike="noStrike" kern="1200" cap="none" spc="0" dirty="0" err="1">
+              <a:solidFill>
+                <a:schemeClr val="tx1"/>
+              </a:solidFill>
+              <a:latin typeface="Times New Roman"/>
+              <a:cs typeface="Times New Roman"/>
+            </a:rPr>
+            <a:t>користувачів</a:t>
+          </a:r>
+          <a:r>
+            <a:rPr lang="en-US" sz="1600" b="0" i="0" u="none" strike="noStrike" kern="1200" cap="none" spc="0" dirty="0">
+              <a:solidFill>
+                <a:schemeClr val="tx1"/>
+              </a:solidFill>
+              <a:latin typeface="Times New Roman"/>
+              <a:cs typeface="Times New Roman"/>
+            </a:rPr>
+            <a:t>.</a:t>
+          </a:r>
+          <a:endParaRPr sz="1600" kern="1200" dirty="0">
             <a:solidFill>
               <a:schemeClr val="tx1"/>
             </a:solidFill>
@@ -1902,6 +2813,7 @@
           <a:prstDash val="solid"/>
         </a:ln>
         <a:effectLst/>
+        <a:sp3d/>
       </dsp:spPr>
       <dsp:style>
         <a:lnRef idx="2">
@@ -1923,12 +2835,12 @@
         </a:bodyPr>
         <a:lstStyle/>
         <a:p>
-          <a:pPr marL="0" lvl="0" indent="0" algn="l" defTabSz="2933698">
+          <a:pPr marL="0" lvl="0" indent="0" algn="l" defTabSz="2933697">
             <a:lnSpc>
               <a:spcPct val="90000"/>
             </a:lnSpc>
             <a:spcBef>
-              <a:spcPts val="0"/>
+              <a:spcPct val="0"/>
             </a:spcBef>
             <a:spcAft>
               <a:spcPts val="0"/>
@@ -1937,13 +2849,13 @@
             <a:defRPr/>
           </a:pPr>
           <a:r>
-            <a:rPr lang="en-US" sz="6600">
+            <a:rPr lang="en-US" sz="6600" kern="1200">
               <a:latin typeface="Times New Roman"/>
               <a:cs typeface="Times New Roman"/>
             </a:rPr>
             <a:t>03</a:t>
           </a:r>
-          <a:endParaRPr sz="6600">
+          <a:endParaRPr sz="6600" kern="1200">
             <a:latin typeface="Times New Roman"/>
             <a:cs typeface="Times New Roman"/>
           </a:endParaRPr>
@@ -1959,7 +2871,7 @@
 </file>
 
 <file path=ppt/diagrams/layout1.xml><?xml version="1.0" encoding="utf-8"?>
-<dgm:layoutDef xmlns:dgm="http://schemas.openxmlformats.org/drawingml/2006/diagram" xmlns:a="http://schemas.openxmlformats.org/drawingml/2006/main" xmlns:r="http://schemas.openxmlformats.org/officeDocument/2006/relationships" uniqueId="urn:microsoft.com/office/officeart/2016/7/layout/LinearBlockProcessNumbered">
+<dgm:layoutDef xmlns:dgm="http://schemas.openxmlformats.org/drawingml/2006/diagram" xmlns:a="http://schemas.openxmlformats.org/drawingml/2006/main" uniqueId="urn:microsoft.com/office/officeart/2016/7/layout/LinearBlockProcessNumbered">
   <dgm:title val="Linear Block Process Numbered"/>
   <dgm:desc val="Used to show a progression; a timeline; sequential steps in a task, process, or workflow; or to emphasize movement or direction. Automatic numbers have been introduced to show the steps of the process. Level 1 text and Level 2 text both appears in a rectangle."/>
   <dgm:catLst>
@@ -2106,20 +3018,20 @@
       <dgm:param type="linDir" val="fromL"/>
       <dgm:param type="nodeVertAlign" val="t"/>
     </dgm:alg>
-    <dgm:shape r:blip="">
+    <dgm:shape xmlns:r="http://schemas.openxmlformats.org/officeDocument/2006/relationships" r:blip="">
       <dgm:adjLst/>
     </dgm:shape>
     <dgm:presOf/>
     <dgm:constrLst>
       <dgm:constr type="h" for="ch" forName="compositeNode" refType="h"/>
       <dgm:constr type="w" for="ch" forName="compositeNode" refType="w"/>
-      <dgm:constr type="w" for="des" forName="simulatedConn" refType="w" refFor="ch" refForName="compositeNode" fact="0.150000"/>
+      <dgm:constr type="w" for="des" forName="simulatedConn" refType="w" refFor="ch" refForName="compositeNode" fact="0.15"/>
       <dgm:constr type="h" for="des" forName="simulatedConn" refType="w" refFor="des" refForName="simulatedConn"/>
-      <dgm:constr type="h" for="des" forName="vSp1" refType="w" refFor="ch" refForName="compositeNode" fact="0.800000"/>
-      <dgm:constr type="h" for="des" forName="vSp2" refType="w" refFor="ch" refForName="compositeNode" fact="0.070000"/>
+      <dgm:constr type="h" for="des" forName="vSp1" refType="w" refFor="ch" refForName="compositeNode" fact="0.8"/>
+      <dgm:constr type="h" for="des" forName="vSp2" refType="w" refFor="ch" refForName="compositeNode" fact="0.07"/>
       <dgm:constr type="w" for="ch" forName="vProcSp" refType="w" refFor="des" refForName="simulatedConn" op="equ"/>
       <dgm:constr type="h" for="ch" forName="vProcSp" refType="h" refFor="ch" refForName="compositeNode" op="equ"/>
-      <dgm:constr type="w" for="ch" forName="sibTrans" refType="w" refFor="ch" refForName="compositeNode" fact="0.080000"/>
+      <dgm:constr type="w" for="ch" forName="sibTrans" refType="w" refFor="ch" refForName="compositeNode" fact="0.08"/>
       <dgm:constr type="primFontSz" for="des" forName="sibTransNodeRect" op="equ"/>
       <dgm:constr type="primFontSz" for="des" forName="nodeRect" op="equ"/>
     </dgm:constrLst>
@@ -2131,17 +3043,17 @@
         </dgm:varLst>
         <dgm:alg type="composite"/>
         <dgm:constrLst>
-          <dgm:constr type="h" refType="w" op="lte" fact="1.200000"/>
+          <dgm:constr type="h" refType="w" op="lte" fact="1.2"/>
           <dgm:constr type="w" for="ch" forName="bgRect" refType="w"/>
           <dgm:constr type="h" for="ch" forName="bgRect" refType="h"/>
           <dgm:constr type="t" for="ch" forName="bgRect"/>
           <dgm:constr type="l" for="ch" forName="bgRect"/>
           <dgm:constr type="w" for="ch" forName="sibTransNodeRect" refType="w" refFor="ch" refForName="bgRect"/>
-          <dgm:constr type="h" for="ch" forName="sibTransNodeRect" refType="h" refFor="ch" refForName="bgRect" fact="0.400000"/>
+          <dgm:constr type="h" for="ch" forName="sibTransNodeRect" refType="h" refFor="ch" refForName="bgRect" fact="0.4"/>
           <dgm:constr type="t" for="ch" forName="sibTransNodeRect"/>
           <dgm:constr type="l" for="ch" forName="sibTransNodeRect"/>
           <dgm:constr type="r" for="ch" forName="nodeRect" refType="r" refFor="ch" refForName="bgRect"/>
-          <dgm:constr type="h" for="ch" forName="nodeRect" refType="h" refFor="ch" refForName="bgRect" fact="0.600000"/>
+          <dgm:constr type="h" for="ch" forName="nodeRect" refType="h" refFor="ch" refForName="bgRect" fact="0.6"/>
           <dgm:constr type="t" for="ch" forName="nodeRect" refType="b" refFor="ch" refForName="sibTransNodeRect"/>
           <dgm:constr type="l" for="ch" forName="nodeRect" refType="l" refFor="ch" refForName="bgRect"/>
         </dgm:constrLst>
@@ -2150,16 +3062,16 @@
         </dgm:ruleLst>
         <dgm:layoutNode name="bgRect" styleLbl="alignNode1">
           <dgm:alg type="sp"/>
-          <dgm:shape type="rect" r:blip="">
+          <dgm:shape xmlns:r="http://schemas.openxmlformats.org/officeDocument/2006/relationships" type="rect" r:blip="">
             <dgm:adjLst>
-              <dgm:adj idx="1" val="0.050000"/>
+              <dgm:adj idx="1" val="0.05"/>
             </dgm:adjLst>
           </dgm:shape>
           <dgm:presOf axis="self"/>
           <dgm:constrLst/>
           <dgm:ruleLst/>
         </dgm:layoutNode>
-        <dgm:forEach name="Name19" axis="followSib" ptType="sibTrans" cnt="1" hideLastTrans="0">
+        <dgm:forEach name="Name19" axis="followSib" ptType="sibTrans" hideLastTrans="0" cnt="1">
           <dgm:layoutNode name="sibTransNodeRect" styleLbl="alignNode1">
             <dgm:varLst>
               <dgm:chMax val="0"/>
@@ -2170,14 +3082,14 @@
               <dgm:param type="parTxLTRAlign" val="l"/>
               <dgm:param type="parTxRTLAlign" val="l"/>
             </dgm:alg>
-            <dgm:shape type="rect" r:blip="" hideGeom="1">
+            <dgm:shape xmlns:r="http://schemas.openxmlformats.org/officeDocument/2006/relationships" type="rect" r:blip="" hideGeom="1">
               <dgm:adjLst/>
             </dgm:shape>
             <dgm:constrLst>
               <dgm:constr type="primFontSz" val="66"/>
               <dgm:constr type="tMarg" val="13"/>
-              <dgm:constr type="lMarg" refType="w" fact="0.280000"/>
-              <dgm:constr type="rMarg" refType="w" fact="0.280000"/>
+              <dgm:constr type="lMarg" refType="w" fact="0.28"/>
+              <dgm:constr type="rMarg" refType="w" fact="0.28"/>
               <dgm:constr type="bMarg" val="13"/>
             </dgm:constrLst>
             <dgm:ruleLst>
@@ -2196,15 +3108,15 @@
             <dgm:param type="txAnchorVert" val="t"/>
             <dgm:param type="stBulletLvl" val="2"/>
           </dgm:alg>
-          <dgm:shape type="rect" r:blip="" hideGeom="1">
+          <dgm:shape xmlns:r="http://schemas.openxmlformats.org/officeDocument/2006/relationships" type="rect" r:blip="" hideGeom="1">
             <dgm:adjLst/>
           </dgm:shape>
           <dgm:presOf axis="desOrSelf" ptType="node"/>
           <dgm:constrLst>
             <dgm:constr type="primFontSz" val="26"/>
             <dgm:constr type="tMarg"/>
-            <dgm:constr type="lMarg" refType="w" fact="0.280000"/>
-            <dgm:constr type="rMarg" refType="w" fact="0.280000"/>
+            <dgm:constr type="lMarg" refType="w" fact="0.28"/>
+            <dgm:constr type="rMarg" refType="w" fact="0.28"/>
             <dgm:constr type="bMarg" val="26"/>
           </dgm:constrLst>
           <dgm:ruleLst>
@@ -2215,7 +3127,7 @@
       <dgm:forEach name="Name14" axis="followSib" ptType="sibTrans" cnt="1">
         <dgm:layoutNode name="sibTrans">
           <dgm:alg type="sp"/>
-          <dgm:shape r:blip="">
+          <dgm:shape xmlns:r="http://schemas.openxmlformats.org/officeDocument/2006/relationships" r:blip="">
             <dgm:adjLst/>
           </dgm:shape>
           <dgm:presOf/>
@@ -2245,15 +3157,7 @@
       <a:lightRig rig="threePt" dir="t"/>
     </dgm:scene3d>
     <dgm:sp3d/>
-    <dgm:txPr>
-      <a:bodyPr/>
-      <a:p>
-        <a:pPr>
-          <a:defRPr/>
-        </a:pPr>
-        <a:endParaRPr/>
-      </a:p>
-    </dgm:txPr>
+    <dgm:txPr/>
     <dgm:style>
       <a:lnRef idx="2">
         <a:srgbClr val="000000"/>
@@ -2275,15 +3179,7 @@
       <a:lightRig rig="threePt" dir="t"/>
     </dgm:scene3d>
     <dgm:sp3d/>
-    <dgm:txPr>
-      <a:bodyPr/>
-      <a:p>
-        <a:pPr>
-          <a:defRPr/>
-        </a:pPr>
-        <a:endParaRPr/>
-      </a:p>
-    </dgm:txPr>
+    <dgm:txPr/>
     <dgm:style>
       <a:lnRef idx="2">
         <a:srgbClr val="000000"/>
@@ -2305,15 +3201,7 @@
       <a:lightRig rig="threePt" dir="t"/>
     </dgm:scene3d>
     <dgm:sp3d/>
-    <dgm:txPr>
-      <a:bodyPr/>
-      <a:p>
-        <a:pPr>
-          <a:defRPr/>
-        </a:pPr>
-        <a:endParaRPr/>
-      </a:p>
-    </dgm:txPr>
+    <dgm:txPr/>
     <dgm:style>
       <a:lnRef idx="2">
         <a:srgbClr val="000000"/>
@@ -2335,15 +3223,7 @@
       <a:lightRig rig="threePt" dir="t"/>
     </dgm:scene3d>
     <dgm:sp3d/>
-    <dgm:txPr>
-      <a:bodyPr/>
-      <a:p>
-        <a:pPr>
-          <a:defRPr/>
-        </a:pPr>
-        <a:endParaRPr/>
-      </a:p>
-    </dgm:txPr>
+    <dgm:txPr/>
     <dgm:style>
       <a:lnRef idx="2">
         <a:srgbClr val="000000"/>
@@ -2365,15 +3245,7 @@
       <a:lightRig rig="threePt" dir="t"/>
     </dgm:scene3d>
     <dgm:sp3d/>
-    <dgm:txPr>
-      <a:bodyPr/>
-      <a:p>
-        <a:pPr>
-          <a:defRPr/>
-        </a:pPr>
-        <a:endParaRPr/>
-      </a:p>
-    </dgm:txPr>
+    <dgm:txPr/>
     <dgm:style>
       <a:lnRef idx="2">
         <a:srgbClr val="000000"/>
@@ -2395,15 +3267,7 @@
       <a:lightRig rig="threePt" dir="t"/>
     </dgm:scene3d>
     <dgm:sp3d/>
-    <dgm:txPr>
-      <a:bodyPr/>
-      <a:p>
-        <a:pPr>
-          <a:defRPr/>
-        </a:pPr>
-        <a:endParaRPr/>
-      </a:p>
-    </dgm:txPr>
+    <dgm:txPr/>
     <dgm:style>
       <a:lnRef idx="2">
         <a:srgbClr val="000000"/>
@@ -2425,15 +3289,7 @@
       <a:lightRig rig="threePt" dir="t"/>
     </dgm:scene3d>
     <dgm:sp3d/>
-    <dgm:txPr>
-      <a:bodyPr/>
-      <a:p>
-        <a:pPr>
-          <a:defRPr/>
-        </a:pPr>
-        <a:endParaRPr/>
-      </a:p>
-    </dgm:txPr>
+    <dgm:txPr/>
     <dgm:style>
       <a:lnRef idx="2">
         <a:srgbClr val="000000"/>
@@ -2455,15 +3311,7 @@
       <a:lightRig rig="threePt" dir="t"/>
     </dgm:scene3d>
     <dgm:sp3d/>
-    <dgm:txPr>
-      <a:bodyPr/>
-      <a:p>
-        <a:pPr>
-          <a:defRPr/>
-        </a:pPr>
-        <a:endParaRPr/>
-      </a:p>
-    </dgm:txPr>
+    <dgm:txPr/>
     <dgm:style>
       <a:lnRef idx="2">
         <a:srgbClr val="000000"/>
@@ -2485,15 +3333,7 @@
       <a:lightRig rig="threePt" dir="t"/>
     </dgm:scene3d>
     <dgm:sp3d/>
-    <dgm:txPr>
-      <a:bodyPr/>
-      <a:p>
-        <a:pPr>
-          <a:defRPr/>
-        </a:pPr>
-        <a:endParaRPr/>
-      </a:p>
-    </dgm:txPr>
+    <dgm:txPr/>
     <dgm:style>
       <a:lnRef idx="2">
         <a:srgbClr val="000000"/>
@@ -2513,15 +3353,7 @@
       <a:lightRig rig="threePt" dir="t"/>
     </dgm:scene3d>
     <dgm:sp3d/>
-    <dgm:txPr>
-      <a:bodyPr/>
-      <a:p>
-        <a:pPr>
-          <a:defRPr/>
-        </a:pPr>
-        <a:endParaRPr/>
-      </a:p>
-    </dgm:txPr>
+    <dgm:txPr/>
     <dgm:style>
       <a:lnRef idx="2">
         <a:srgbClr val="000000"/>
@@ -2541,15 +3373,7 @@
       <a:lightRig rig="threePt" dir="t"/>
     </dgm:scene3d>
     <dgm:sp3d/>
-    <dgm:txPr>
-      <a:bodyPr/>
-      <a:p>
-        <a:pPr>
-          <a:defRPr/>
-        </a:pPr>
-        <a:endParaRPr/>
-      </a:p>
-    </dgm:txPr>
+    <dgm:txPr/>
     <dgm:style>
       <a:lnRef idx="2">
         <a:srgbClr val="000000"/>
@@ -2569,15 +3393,7 @@
       <a:lightRig rig="threePt" dir="t"/>
     </dgm:scene3d>
     <dgm:sp3d/>
-    <dgm:txPr>
-      <a:bodyPr/>
-      <a:p>
-        <a:pPr>
-          <a:defRPr/>
-        </a:pPr>
-        <a:endParaRPr/>
-      </a:p>
-    </dgm:txPr>
+    <dgm:txPr/>
     <dgm:style>
       <a:lnRef idx="0">
         <a:srgbClr val="000000"/>
@@ -2599,15 +3415,7 @@
       <a:lightRig rig="threePt" dir="t"/>
     </dgm:scene3d>
     <dgm:sp3d/>
-    <dgm:txPr>
-      <a:bodyPr/>
-      <a:p>
-        <a:pPr>
-          <a:defRPr/>
-        </a:pPr>
-        <a:endParaRPr/>
-      </a:p>
-    </dgm:txPr>
+    <dgm:txPr/>
     <dgm:style>
       <a:lnRef idx="0">
         <a:srgbClr val="000000"/>
@@ -2629,15 +3437,7 @@
       <a:lightRig rig="threePt" dir="t"/>
     </dgm:scene3d>
     <dgm:sp3d/>
-    <dgm:txPr>
-      <a:bodyPr/>
-      <a:p>
-        <a:pPr>
-          <a:defRPr/>
-        </a:pPr>
-        <a:endParaRPr/>
-      </a:p>
-    </dgm:txPr>
+    <dgm:txPr/>
     <dgm:style>
       <a:lnRef idx="0">
         <a:srgbClr val="000000"/>
@@ -2659,15 +3459,7 @@
       <a:lightRig rig="threePt" dir="t"/>
     </dgm:scene3d>
     <dgm:sp3d/>
-    <dgm:txPr>
-      <a:bodyPr/>
-      <a:p>
-        <a:pPr>
-          <a:defRPr/>
-        </a:pPr>
-        <a:endParaRPr/>
-      </a:p>
-    </dgm:txPr>
+    <dgm:txPr/>
     <dgm:style>
       <a:lnRef idx="1">
         <a:srgbClr val="000000"/>
@@ -2687,15 +3479,7 @@
       <a:lightRig rig="threePt" dir="t"/>
     </dgm:scene3d>
     <dgm:sp3d/>
-    <dgm:txPr>
-      <a:bodyPr/>
-      <a:p>
-        <a:pPr>
-          <a:defRPr/>
-        </a:pPr>
-        <a:endParaRPr/>
-      </a:p>
-    </dgm:txPr>
+    <dgm:txPr/>
     <dgm:style>
       <a:lnRef idx="2">
         <a:srgbClr val="000000"/>
@@ -2715,15 +3499,7 @@
       <a:lightRig rig="threePt" dir="t"/>
     </dgm:scene3d>
     <dgm:sp3d/>
-    <dgm:txPr>
-      <a:bodyPr/>
-      <a:p>
-        <a:pPr>
-          <a:defRPr/>
-        </a:pPr>
-        <a:endParaRPr/>
-      </a:p>
-    </dgm:txPr>
+    <dgm:txPr/>
     <dgm:style>
       <a:lnRef idx="2">
         <a:srgbClr val="000000"/>
@@ -2745,15 +3521,7 @@
       <a:lightRig rig="threePt" dir="t"/>
     </dgm:scene3d>
     <dgm:sp3d/>
-    <dgm:txPr>
-      <a:bodyPr/>
-      <a:p>
-        <a:pPr>
-          <a:defRPr/>
-        </a:pPr>
-        <a:endParaRPr/>
-      </a:p>
-    </dgm:txPr>
+    <dgm:txPr/>
     <dgm:style>
       <a:lnRef idx="2">
         <a:srgbClr val="000000"/>
@@ -2775,15 +3543,7 @@
       <a:lightRig rig="threePt" dir="t"/>
     </dgm:scene3d>
     <dgm:sp3d/>
-    <dgm:txPr>
-      <a:bodyPr/>
-      <a:p>
-        <a:pPr>
-          <a:defRPr/>
-        </a:pPr>
-        <a:endParaRPr/>
-      </a:p>
-    </dgm:txPr>
+    <dgm:txPr/>
     <dgm:style>
       <a:lnRef idx="2">
         <a:srgbClr val="000000"/>
@@ -2805,15 +3565,7 @@
       <a:lightRig rig="threePt" dir="t"/>
     </dgm:scene3d>
     <dgm:sp3d/>
-    <dgm:txPr>
-      <a:bodyPr/>
-      <a:p>
-        <a:pPr>
-          <a:defRPr/>
-        </a:pPr>
-        <a:endParaRPr/>
-      </a:p>
-    </dgm:txPr>
+    <dgm:txPr/>
     <dgm:style>
       <a:lnRef idx="2">
         <a:srgbClr val="000000"/>
@@ -2835,15 +3587,7 @@
       <a:lightRig rig="threePt" dir="t"/>
     </dgm:scene3d>
     <dgm:sp3d/>
-    <dgm:txPr>
-      <a:bodyPr/>
-      <a:p>
-        <a:pPr>
-          <a:defRPr/>
-        </a:pPr>
-        <a:endParaRPr/>
-      </a:p>
-    </dgm:txPr>
+    <dgm:txPr/>
     <dgm:style>
       <a:lnRef idx="2">
         <a:srgbClr val="000000"/>
@@ -2865,15 +3609,7 @@
       <a:lightRig rig="threePt" dir="t"/>
     </dgm:scene3d>
     <dgm:sp3d/>
-    <dgm:txPr>
-      <a:bodyPr/>
-      <a:p>
-        <a:pPr>
-          <a:defRPr/>
-        </a:pPr>
-        <a:endParaRPr/>
-      </a:p>
-    </dgm:txPr>
+    <dgm:txPr/>
     <dgm:style>
       <a:lnRef idx="2">
         <a:srgbClr val="000000"/>
@@ -2895,15 +3631,7 @@
       <a:lightRig rig="threePt" dir="t"/>
     </dgm:scene3d>
     <dgm:sp3d/>
-    <dgm:txPr>
-      <a:bodyPr/>
-      <a:p>
-        <a:pPr>
-          <a:defRPr/>
-        </a:pPr>
-        <a:endParaRPr/>
-      </a:p>
-    </dgm:txPr>
+    <dgm:txPr/>
     <dgm:style>
       <a:lnRef idx="2">
         <a:srgbClr val="000000"/>
@@ -2925,15 +3653,7 @@
       <a:lightRig rig="threePt" dir="t"/>
     </dgm:scene3d>
     <dgm:sp3d/>
-    <dgm:txPr>
-      <a:bodyPr/>
-      <a:p>
-        <a:pPr>
-          <a:defRPr/>
-        </a:pPr>
-        <a:endParaRPr/>
-      </a:p>
-    </dgm:txPr>
+    <dgm:txPr/>
     <dgm:style>
       <a:lnRef idx="2">
         <a:srgbClr val="000000"/>
@@ -2955,15 +3675,7 @@
       <a:lightRig rig="threePt" dir="t"/>
     </dgm:scene3d>
     <dgm:sp3d/>
-    <dgm:txPr>
-      <a:bodyPr/>
-      <a:p>
-        <a:pPr>
-          <a:defRPr/>
-        </a:pPr>
-        <a:endParaRPr/>
-      </a:p>
-    </dgm:txPr>
+    <dgm:txPr/>
     <dgm:style>
       <a:lnRef idx="2">
         <a:srgbClr val="000000"/>
@@ -2985,15 +3697,7 @@
       <a:lightRig rig="threePt" dir="t"/>
     </dgm:scene3d>
     <dgm:sp3d/>
-    <dgm:txPr>
-      <a:bodyPr/>
-      <a:p>
-        <a:pPr>
-          <a:defRPr/>
-        </a:pPr>
-        <a:endParaRPr/>
-      </a:p>
-    </dgm:txPr>
+    <dgm:txPr/>
     <dgm:style>
       <a:lnRef idx="2">
         <a:srgbClr val="000000"/>
@@ -3013,15 +3717,7 @@
       <a:lightRig rig="threePt" dir="t"/>
     </dgm:scene3d>
     <dgm:sp3d/>
-    <dgm:txPr>
-      <a:bodyPr/>
-      <a:p>
-        <a:pPr>
-          <a:defRPr/>
-        </a:pPr>
-        <a:endParaRPr/>
-      </a:p>
-    </dgm:txPr>
+    <dgm:txPr/>
     <dgm:style>
       <a:lnRef idx="2">
         <a:srgbClr val="000000"/>
@@ -3041,15 +3737,7 @@
       <a:lightRig rig="threePt" dir="t"/>
     </dgm:scene3d>
     <dgm:sp3d/>
-    <dgm:txPr>
-      <a:bodyPr/>
-      <a:p>
-        <a:pPr>
-          <a:defRPr/>
-        </a:pPr>
-        <a:endParaRPr/>
-      </a:p>
-    </dgm:txPr>
+    <dgm:txPr/>
     <dgm:style>
       <a:lnRef idx="2">
         <a:srgbClr val="000000"/>
@@ -3069,15 +3757,7 @@
       <a:lightRig rig="threePt" dir="t"/>
     </dgm:scene3d>
     <dgm:sp3d/>
-    <dgm:txPr>
-      <a:bodyPr/>
-      <a:p>
-        <a:pPr>
-          <a:defRPr/>
-        </a:pPr>
-        <a:endParaRPr/>
-      </a:p>
-    </dgm:txPr>
+    <dgm:txPr/>
     <dgm:style>
       <a:lnRef idx="2">
         <a:srgbClr val="000000"/>
@@ -3097,15 +3777,7 @@
       <a:lightRig rig="threePt" dir="t"/>
     </dgm:scene3d>
     <dgm:sp3d/>
-    <dgm:txPr>
-      <a:bodyPr/>
-      <a:p>
-        <a:pPr>
-          <a:defRPr/>
-        </a:pPr>
-        <a:endParaRPr/>
-      </a:p>
-    </dgm:txPr>
+    <dgm:txPr/>
     <dgm:style>
       <a:lnRef idx="2">
         <a:srgbClr val="000000"/>
@@ -3125,15 +3797,7 @@
       <a:lightRig rig="threePt" dir="t"/>
     </dgm:scene3d>
     <dgm:sp3d/>
-    <dgm:txPr>
-      <a:bodyPr/>
-      <a:p>
-        <a:pPr>
-          <a:defRPr/>
-        </a:pPr>
-        <a:endParaRPr/>
-      </a:p>
-    </dgm:txPr>
+    <dgm:txPr/>
     <dgm:style>
       <a:lnRef idx="2">
         <a:srgbClr val="000000"/>
@@ -3153,15 +3817,7 @@
       <a:lightRig rig="threePt" dir="t"/>
     </dgm:scene3d>
     <dgm:sp3d/>
-    <dgm:txPr>
-      <a:bodyPr/>
-      <a:p>
-        <a:pPr>
-          <a:defRPr/>
-        </a:pPr>
-        <a:endParaRPr/>
-      </a:p>
-    </dgm:txPr>
+    <dgm:txPr/>
     <dgm:style>
       <a:lnRef idx="2">
         <a:srgbClr val="000000"/>
@@ -3181,15 +3837,7 @@
       <a:lightRig rig="threePt" dir="t"/>
     </dgm:scene3d>
     <dgm:sp3d/>
-    <dgm:txPr>
-      <a:bodyPr/>
-      <a:p>
-        <a:pPr>
-          <a:defRPr/>
-        </a:pPr>
-        <a:endParaRPr/>
-      </a:p>
-    </dgm:txPr>
+    <dgm:txPr/>
     <dgm:style>
       <a:lnRef idx="1">
         <a:srgbClr val="000000"/>
@@ -3209,15 +3857,7 @@
       <a:lightRig rig="threePt" dir="t"/>
     </dgm:scene3d>
     <dgm:sp3d/>
-    <dgm:txPr>
-      <a:bodyPr/>
-      <a:p>
-        <a:pPr>
-          <a:defRPr/>
-        </a:pPr>
-        <a:endParaRPr/>
-      </a:p>
-    </dgm:txPr>
+    <dgm:txPr/>
     <dgm:style>
       <a:lnRef idx="2">
         <a:srgbClr val="000000"/>
@@ -3237,15 +3877,7 @@
       <a:lightRig rig="threePt" dir="t"/>
     </dgm:scene3d>
     <dgm:sp3d/>
-    <dgm:txPr>
-      <a:bodyPr/>
-      <a:p>
-        <a:pPr>
-          <a:defRPr/>
-        </a:pPr>
-        <a:endParaRPr/>
-      </a:p>
-    </dgm:txPr>
+    <dgm:txPr/>
     <dgm:style>
       <a:lnRef idx="2">
         <a:srgbClr val="000000"/>
@@ -3265,15 +3897,7 @@
       <a:lightRig rig="threePt" dir="t"/>
     </dgm:scene3d>
     <dgm:sp3d/>
-    <dgm:txPr>
-      <a:bodyPr/>
-      <a:p>
-        <a:pPr>
-          <a:defRPr/>
-        </a:pPr>
-        <a:endParaRPr/>
-      </a:p>
-    </dgm:txPr>
+    <dgm:txPr/>
     <dgm:style>
       <a:lnRef idx="2">
         <a:srgbClr val="000000"/>
@@ -3293,15 +3917,7 @@
       <a:lightRig rig="threePt" dir="t"/>
     </dgm:scene3d>
     <dgm:sp3d/>
-    <dgm:txPr>
-      <a:bodyPr/>
-      <a:p>
-        <a:pPr>
-          <a:defRPr/>
-        </a:pPr>
-        <a:endParaRPr/>
-      </a:p>
-    </dgm:txPr>
+    <dgm:txPr/>
     <dgm:style>
       <a:lnRef idx="2">
         <a:srgbClr val="000000"/>
@@ -3321,15 +3937,7 @@
       <a:lightRig rig="threePt" dir="t"/>
     </dgm:scene3d>
     <dgm:sp3d/>
-    <dgm:txPr>
-      <a:bodyPr/>
-      <a:p>
-        <a:pPr>
-          <a:defRPr/>
-        </a:pPr>
-        <a:endParaRPr/>
-      </a:p>
-    </dgm:txPr>
+    <dgm:txPr/>
     <dgm:style>
       <a:lnRef idx="2">
         <a:srgbClr val="000000"/>
@@ -3349,15 +3957,7 @@
       <a:lightRig rig="threePt" dir="t"/>
     </dgm:scene3d>
     <dgm:sp3d/>
-    <dgm:txPr>
-      <a:bodyPr/>
-      <a:p>
-        <a:pPr>
-          <a:defRPr/>
-        </a:pPr>
-        <a:endParaRPr/>
-      </a:p>
-    </dgm:txPr>
+    <dgm:txPr/>
     <dgm:style>
       <a:lnRef idx="2">
         <a:srgbClr val="000000"/>
@@ -3377,15 +3977,7 @@
       <a:lightRig rig="threePt" dir="t"/>
     </dgm:scene3d>
     <dgm:sp3d/>
-    <dgm:txPr>
-      <a:bodyPr/>
-      <a:p>
-        <a:pPr>
-          <a:defRPr/>
-        </a:pPr>
-        <a:endParaRPr/>
-      </a:p>
-    </dgm:txPr>
+    <dgm:txPr/>
     <dgm:style>
       <a:lnRef idx="2">
         <a:srgbClr val="000000"/>
@@ -3405,15 +3997,7 @@
       <a:lightRig rig="threePt" dir="t"/>
     </dgm:scene3d>
     <dgm:sp3d/>
-    <dgm:txPr>
-      <a:bodyPr/>
-      <a:p>
-        <a:pPr>
-          <a:defRPr/>
-        </a:pPr>
-        <a:endParaRPr/>
-      </a:p>
-    </dgm:txPr>
+    <dgm:txPr/>
     <dgm:style>
       <a:lnRef idx="2">
         <a:srgbClr val="000000"/>
@@ -3433,15 +4017,7 @@
       <a:lightRig rig="threePt" dir="t"/>
     </dgm:scene3d>
     <dgm:sp3d/>
-    <dgm:txPr>
-      <a:bodyPr/>
-      <a:p>
-        <a:pPr>
-          <a:defRPr/>
-        </a:pPr>
-        <a:endParaRPr/>
-      </a:p>
-    </dgm:txPr>
+    <dgm:txPr/>
     <dgm:style>
       <a:lnRef idx="2">
         <a:srgbClr val="000000"/>
@@ -3461,15 +4037,7 @@
       <a:lightRig rig="threePt" dir="t"/>
     </dgm:scene3d>
     <dgm:sp3d/>
-    <dgm:txPr>
-      <a:bodyPr/>
-      <a:p>
-        <a:pPr>
-          <a:defRPr/>
-        </a:pPr>
-        <a:endParaRPr/>
-      </a:p>
-    </dgm:txPr>
+    <dgm:txPr/>
     <dgm:style>
       <a:lnRef idx="2">
         <a:srgbClr val="000000"/>
@@ -3489,15 +4057,7 @@
       <a:lightRig rig="threePt" dir="t"/>
     </dgm:scene3d>
     <dgm:sp3d/>
-    <dgm:txPr>
-      <a:bodyPr/>
-      <a:p>
-        <a:pPr>
-          <a:defRPr/>
-        </a:pPr>
-        <a:endParaRPr/>
-      </a:p>
-    </dgm:txPr>
+    <dgm:txPr/>
     <dgm:style>
       <a:lnRef idx="2">
         <a:srgbClr val="000000"/>
@@ -3517,15 +4077,7 @@
       <a:lightRig rig="threePt" dir="t"/>
     </dgm:scene3d>
     <dgm:sp3d/>
-    <dgm:txPr>
-      <a:bodyPr/>
-      <a:p>
-        <a:pPr>
-          <a:defRPr/>
-        </a:pPr>
-        <a:endParaRPr/>
-      </a:p>
-    </dgm:txPr>
+    <dgm:txPr/>
     <dgm:style>
       <a:lnRef idx="0">
         <a:srgbClr val="000000"/>
@@ -3545,15 +4097,7 @@
       <a:lightRig rig="threePt" dir="t"/>
     </dgm:scene3d>
     <dgm:sp3d/>
-    <dgm:txPr>
-      <a:bodyPr/>
-      <a:p>
-        <a:pPr>
-          <a:defRPr/>
-        </a:pPr>
-        <a:endParaRPr/>
-      </a:p>
-    </dgm:txPr>
+    <dgm:txPr/>
     <dgm:style>
       <a:lnRef idx="0">
         <a:srgbClr val="000000"/>
@@ -3573,15 +4117,7 @@
       <a:lightRig rig="threePt" dir="t"/>
     </dgm:scene3d>
     <dgm:sp3d/>
-    <dgm:txPr>
-      <a:bodyPr/>
-      <a:p>
-        <a:pPr>
-          <a:defRPr/>
-        </a:pPr>
-        <a:endParaRPr/>
-      </a:p>
-    </dgm:txPr>
+    <dgm:txPr/>
     <dgm:style>
       <a:lnRef idx="0">
         <a:srgbClr val="000000"/>
@@ -3601,15 +4137,7 @@
       <a:lightRig rig="threePt" dir="t"/>
     </dgm:scene3d>
     <dgm:sp3d/>
-    <dgm:txPr>
-      <a:bodyPr/>
-      <a:p>
-        <a:pPr>
-          <a:defRPr/>
-        </a:pPr>
-        <a:endParaRPr/>
-      </a:p>
-    </dgm:txPr>
+    <dgm:txPr/>
     <dgm:style>
       <a:lnRef idx="2">
         <a:srgbClr val="000000"/>
@@ -3629,15 +4157,7 @@
       <a:lightRig rig="threePt" dir="t"/>
     </dgm:scene3d>
     <dgm:sp3d/>
-    <dgm:txPr>
-      <a:bodyPr/>
-      <a:p>
-        <a:pPr>
-          <a:defRPr/>
-        </a:pPr>
-        <a:endParaRPr/>
-      </a:p>
-    </dgm:txPr>
+    <dgm:txPr/>
     <dgm:style>
       <a:lnRef idx="0">
         <a:srgbClr val="000000"/>
@@ -3655,7 +4175,7 @@
 </file>
 
 <file path=ppt/slideLayouts/slideLayout1.xml><?xml version="1.0" encoding="utf-8"?>
-<p:sldLayout xmlns:a="http://schemas.openxmlformats.org/drawingml/2006/main" xmlns:r="http://schemas.openxmlformats.org/officeDocument/2006/relationships" xmlns:p="http://schemas.openxmlformats.org/presentationml/2006/main" xmlns:m="http://schemas.openxmlformats.org/officeDocument/2006/math" xmlns:w="http://schemas.openxmlformats.org/wordprocessingml/2006/main" matchingName="" preserve="1" showMasterPhAnim="0" type="obj" userDrawn="1">
+<p:sldLayout xmlns:a="http://schemas.openxmlformats.org/drawingml/2006/main" xmlns:r="http://schemas.openxmlformats.org/officeDocument/2006/relationships" xmlns:p="http://schemas.openxmlformats.org/presentationml/2006/main" showMasterPhAnim="0" type="obj" preserve="1" userDrawn="1">
   <p:cSld name="Title Slide">
     <p:spTree>
       <p:nvGrpSpPr>
@@ -3805,7 +4325,7 @@
             </a:pPr>
             <a:fld id="{1D8BD707-D9CF-40AE-B4C6-C98DA3205C09}" type="datetimeFigureOut">
               <a:rPr lang="en-US"/>
-              <a:t/>
+              <a:t>6/12/2023</a:t>
             </a:fld>
             <a:endParaRPr/>
           </a:p>
@@ -3841,7 +4361,7 @@
             </a:pPr>
             <a:fld id="{B6F15528-21DE-4FAA-801E-634DDDAF4B2B}" type="slidenum">
               <a:rPr/>
-              <a:t/>
+              <a:t>‹#›</a:t>
             </a:fld>
             <a:endParaRPr/>
           </a:p>
@@ -3856,7 +4376,7 @@
 </file>
 
 <file path=ppt/slideLayouts/slideLayout2.xml><?xml version="1.0" encoding="utf-8"?>
-<p:sldLayout xmlns:a="http://schemas.openxmlformats.org/drawingml/2006/main" xmlns:r="http://schemas.openxmlformats.org/officeDocument/2006/relationships" xmlns:p="http://schemas.openxmlformats.org/presentationml/2006/main" xmlns:m="http://schemas.openxmlformats.org/officeDocument/2006/math" xmlns:w="http://schemas.openxmlformats.org/wordprocessingml/2006/main" matchingName="" preserve="1" showMasterPhAnim="0" type="obj" userDrawn="1">
+<p:sldLayout xmlns:a="http://schemas.openxmlformats.org/drawingml/2006/main" xmlns:r="http://schemas.openxmlformats.org/officeDocument/2006/relationships" xmlns:p="http://schemas.openxmlformats.org/presentationml/2006/main" showMasterPhAnim="0" type="obj" preserve="1" userDrawn="1">
   <p:cSld name="Title and Content">
     <p:spTree>
       <p:nvGrpSpPr>
@@ -3992,7 +4512,7 @@
             </a:pPr>
             <a:fld id="{1D8BD707-D9CF-40AE-B4C6-C98DA3205C09}" type="datetimeFigureOut">
               <a:rPr lang="en-US"/>
-              <a:t/>
+              <a:t>6/12/2023</a:t>
             </a:fld>
             <a:endParaRPr/>
           </a:p>
@@ -4028,7 +4548,7 @@
             </a:pPr>
             <a:fld id="{B6F15528-21DE-4FAA-801E-634DDDAF4B2B}" type="slidenum">
               <a:rPr/>
-              <a:t/>
+              <a:t>‹#›</a:t>
             </a:fld>
             <a:endParaRPr/>
           </a:p>
@@ -4043,7 +4563,7 @@
 </file>
 
 <file path=ppt/slideLayouts/slideLayout3.xml><?xml version="1.0" encoding="utf-8"?>
-<p:sldLayout xmlns:a="http://schemas.openxmlformats.org/drawingml/2006/main" xmlns:r="http://schemas.openxmlformats.org/officeDocument/2006/relationships" xmlns:p="http://schemas.openxmlformats.org/presentationml/2006/main" xmlns:m="http://schemas.openxmlformats.org/officeDocument/2006/math" xmlns:w="http://schemas.openxmlformats.org/wordprocessingml/2006/main" matchingName="" preserve="1" showMasterPhAnim="0" type="obj" userDrawn="1">
+<p:sldLayout xmlns:a="http://schemas.openxmlformats.org/drawingml/2006/main" xmlns:r="http://schemas.openxmlformats.org/officeDocument/2006/relationships" xmlns:p="http://schemas.openxmlformats.org/presentationml/2006/main" showMasterPhAnim="0" type="obj" preserve="1" userDrawn="1">
   <p:cSld name="Two Content">
     <p:spTree>
       <p:nvGrpSpPr>
@@ -4225,7 +4745,7 @@
             </a:pPr>
             <a:fld id="{1D8BD707-D9CF-40AE-B4C6-C98DA3205C09}" type="datetimeFigureOut">
               <a:rPr lang="en-US"/>
-              <a:t/>
+              <a:t>6/12/2023</a:t>
             </a:fld>
             <a:endParaRPr/>
           </a:p>
@@ -4261,7 +4781,7 @@
             </a:pPr>
             <a:fld id="{B6F15528-21DE-4FAA-801E-634DDDAF4B2B}" type="slidenum">
               <a:rPr/>
-              <a:t/>
+              <a:t>‹#›</a:t>
             </a:fld>
             <a:endParaRPr/>
           </a:p>
@@ -4276,7 +4796,7 @@
 </file>
 
 <file path=ppt/slideLayouts/slideLayout4.xml><?xml version="1.0" encoding="utf-8"?>
-<p:sldLayout xmlns:a="http://schemas.openxmlformats.org/drawingml/2006/main" xmlns:r="http://schemas.openxmlformats.org/officeDocument/2006/relationships" xmlns:p="http://schemas.openxmlformats.org/presentationml/2006/main" xmlns:m="http://schemas.openxmlformats.org/officeDocument/2006/math" xmlns:w="http://schemas.openxmlformats.org/wordprocessingml/2006/main" matchingName="" preserve="1" showMasterPhAnim="0" type="obj" userDrawn="1">
+<p:sldLayout xmlns:a="http://schemas.openxmlformats.org/drawingml/2006/main" xmlns:r="http://schemas.openxmlformats.org/officeDocument/2006/relationships" xmlns:p="http://schemas.openxmlformats.org/presentationml/2006/main" showMasterPhAnim="0" type="obj" preserve="1" userDrawn="1">
   <p:cSld name="Title Only">
     <p:spTree>
       <p:nvGrpSpPr>
@@ -4386,7 +4906,7 @@
             </a:pPr>
             <a:fld id="{1D8BD707-D9CF-40AE-B4C6-C98DA3205C09}" type="datetimeFigureOut">
               <a:rPr lang="en-US"/>
-              <a:t/>
+              <a:t>6/12/2023</a:t>
             </a:fld>
             <a:endParaRPr/>
           </a:p>
@@ -4422,7 +4942,7 @@
             </a:pPr>
             <a:fld id="{B6F15528-21DE-4FAA-801E-634DDDAF4B2B}" type="slidenum">
               <a:rPr/>
-              <a:t/>
+              <a:t>‹#›</a:t>
             </a:fld>
             <a:endParaRPr/>
           </a:p>
@@ -4437,7 +4957,7 @@
 </file>
 
 <file path=ppt/slideLayouts/slideLayout5.xml><?xml version="1.0" encoding="utf-8"?>
-<p:sldLayout xmlns:a="http://schemas.openxmlformats.org/drawingml/2006/main" xmlns:r="http://schemas.openxmlformats.org/officeDocument/2006/relationships" xmlns:p="http://schemas.openxmlformats.org/presentationml/2006/main" xmlns:m="http://schemas.openxmlformats.org/officeDocument/2006/math" xmlns:w="http://schemas.openxmlformats.org/wordprocessingml/2006/main" matchingName="" preserve="1" showMasterPhAnim="0" type="obj" userDrawn="1">
+<p:sldLayout xmlns:a="http://schemas.openxmlformats.org/drawingml/2006/main" xmlns:r="http://schemas.openxmlformats.org/officeDocument/2006/relationships" xmlns:p="http://schemas.openxmlformats.org/presentationml/2006/main" showMasterPhAnim="0" type="obj" preserve="1" userDrawn="1">
   <p:cSld name="Blank">
     <p:spTree>
       <p:nvGrpSpPr>
@@ -4515,7 +5035,7 @@
             </a:pPr>
             <a:fld id="{1D8BD707-D9CF-40AE-B4C6-C98DA3205C09}" type="datetimeFigureOut">
               <a:rPr lang="en-US"/>
-              <a:t/>
+              <a:t>6/12/2023</a:t>
             </a:fld>
             <a:endParaRPr/>
           </a:p>
@@ -4551,7 +5071,7 @@
             </a:pPr>
             <a:fld id="{B6F15528-21DE-4FAA-801E-634DDDAF4B2B}" type="slidenum">
               <a:rPr/>
-              <a:t/>
+              <a:t>‹#›</a:t>
             </a:fld>
             <a:endParaRPr/>
           </a:p>
@@ -4566,8 +5086,8 @@
 </file>
 
 <file path=ppt/slideMasters/slideMaster1.xml><?xml version="1.0" encoding="utf-8"?>
-<p:sldMaster xmlns:a="http://schemas.openxmlformats.org/drawingml/2006/main" xmlns:r="http://schemas.openxmlformats.org/officeDocument/2006/relationships" xmlns:p="http://schemas.openxmlformats.org/presentationml/2006/main" xmlns:m="http://schemas.openxmlformats.org/officeDocument/2006/math" xmlns:w="http://schemas.openxmlformats.org/wordprocessingml/2006/main" preserve="0">
-  <p:cSld name="">
+<p:sldMaster xmlns:a="http://schemas.openxmlformats.org/drawingml/2006/main" xmlns:r="http://schemas.openxmlformats.org/officeDocument/2006/relationships" xmlns:p="http://schemas.openxmlformats.org/presentationml/2006/main">
+  <p:cSld>
     <p:bg>
       <p:bgRef idx="1001">
         <a:schemeClr val="bg1"/>
@@ -4605,7 +5125,7 @@
             <a:cxnLst/>
             <a:rect l="l" t="t" r="r" b="b"/>
             <a:pathLst>
-              <a:path w="9944100" h="5591175" fill="norm" stroke="1" extrusionOk="0">
+              <a:path w="9944100" h="5591175" extrusionOk="0">
                 <a:moveTo>
                   <a:pt x="9732199" y="5591174"/>
                 </a:moveTo>
@@ -4899,7 +5419,7 @@
             </a:pPr>
             <a:fld id="{1D8BD707-D9CF-40AE-B4C6-C98DA3205C09}" type="datetimeFigureOut">
               <a:rPr lang="en-US"/>
-              <a:t/>
+              <a:t>6/12/2023</a:t>
             </a:fld>
             <a:endParaRPr/>
           </a:p>
@@ -4945,7 +5465,7 @@
             </a:pPr>
             <a:fld id="{B6F15528-21DE-4FAA-801E-634DDDAF4B2B}" type="slidenum">
               <a:rPr/>
-              <a:t/>
+              <a:t>‹#›</a:t>
             </a:fld>
             <a:endParaRPr/>
           </a:p>
@@ -4961,7 +5481,7 @@
     <p:sldLayoutId id="2147483652" r:id="rId4"/>
     <p:sldLayoutId id="2147483653" r:id="rId5"/>
   </p:sldLayoutIdLst>
-  <p:hf dt="0" ftr="0" hdr="0" sldNum="1"/>
+  <p:hf hdr="0" ftr="0" dt="0"/>
   <p:txStyles>
     <p:titleStyle>
       <a:lvl1pPr>
@@ -5107,8 +5627,8 @@
 </file>
 
 <file path=ppt/slides/slide1.xml><?xml version="1.0" encoding="utf-8"?>
-<p:sld xmlns:a="http://schemas.openxmlformats.org/drawingml/2006/main" xmlns:r="http://schemas.openxmlformats.org/officeDocument/2006/relationships" xmlns:p="http://schemas.openxmlformats.org/presentationml/2006/main" xmlns:m="http://schemas.openxmlformats.org/officeDocument/2006/math" xmlns:w="http://schemas.openxmlformats.org/wordprocessingml/2006/main" showMasterPhAnim="0" showMasterSp="0" show="1">
-  <p:cSld name="">
+<p:sld xmlns:a="http://schemas.openxmlformats.org/drawingml/2006/main" xmlns:r="http://schemas.openxmlformats.org/officeDocument/2006/relationships" xmlns:p="http://schemas.openxmlformats.org/presentationml/2006/main" showMasterSp="0" showMasterPhAnim="0">
+  <p:cSld>
     <p:spTree>
       <p:nvGrpSpPr>
         <p:cNvPr id="1" name=""/>
@@ -5134,7 +5654,7 @@
           </p:nvPr>
         </p:nvSpPr>
         <p:spPr bwMode="auto">
-          <a:xfrm flipH="0" flipV="0">
+          <a:xfrm>
             <a:off x="1166140" y="2561840"/>
             <a:ext cx="9684728" cy="2181838"/>
           </a:xfrm>
@@ -5191,17 +5711,7 @@
                 <a:latin typeface="Times New Roman"/>
                 <a:cs typeface="Times New Roman"/>
               </a:rPr>
-              <a:t>виконав: студент</a:t>
-            </a:r>
-            <a:r>
-              <a:rPr sz="1400" b="0" spc="10">
-                <a:solidFill>
-                  <a:schemeClr val="tx1"/>
-                </a:solidFill>
-                <a:latin typeface="Times New Roman"/>
-                <a:cs typeface="Times New Roman"/>
-              </a:rPr>
-              <a:t> гр. </a:t>
+              <a:t>виконав: студент гр. </a:t>
             </a:r>
             <a:r>
               <a:rPr sz="1400" b="0" spc="105">
@@ -5211,27 +5721,7 @@
                 <a:latin typeface="Times New Roman"/>
                 <a:cs typeface="Times New Roman"/>
               </a:rPr>
-              <a:t>ІПЗ</a:t>
-            </a:r>
-            <a:r>
-              <a:rPr sz="1400" b="0" spc="105">
-                <a:solidFill>
-                  <a:schemeClr val="tx1"/>
-                </a:solidFill>
-                <a:latin typeface="Times New Roman"/>
-                <a:cs typeface="Times New Roman"/>
-              </a:rPr>
-              <a:t>-</a:t>
-            </a:r>
-            <a:r>
-              <a:rPr sz="1400" b="0" spc="105">
-                <a:solidFill>
-                  <a:schemeClr val="tx1"/>
-                </a:solidFill>
-                <a:latin typeface="Times New Roman"/>
-                <a:cs typeface="Times New Roman"/>
-              </a:rPr>
-              <a:t>33 </a:t>
+              <a:t>ІПЗ-33 </a:t>
             </a:r>
             <a:r>
               <a:rPr sz="1400" b="0" spc="-20">
@@ -5310,17 +5800,7 @@
                 <a:latin typeface="Times New Roman"/>
                 <a:cs typeface="Times New Roman"/>
               </a:rPr>
-              <a:t>науковий керівник</a:t>
-            </a:r>
-            <a:r>
-              <a:rPr sz="1400" b="0" spc="10">
-                <a:solidFill>
-                  <a:schemeClr val="tx1"/>
-                </a:solidFill>
-                <a:latin typeface="Times New Roman"/>
-                <a:cs typeface="Times New Roman"/>
-              </a:rPr>
-              <a:t>:</a:t>
+              <a:t>науковий керівник:</a:t>
             </a:r>
             <a:r>
               <a:rPr sz="1400" b="0" spc="80">
@@ -5340,7 +5820,17 @@
                 <a:latin typeface="Times New Roman"/>
                 <a:cs typeface="Times New Roman"/>
               </a:rPr>
-              <a:t>д</a:t>
+              <a:t>д.т.н.</a:t>
+            </a:r>
+            <a:r>
+              <a:rPr sz="1400" b="0" spc="45">
+                <a:solidFill>
+                  <a:schemeClr val="tx1"/>
+                </a:solidFill>
+                <a:latin typeface="Times New Roman"/>
+                <a:cs typeface="Times New Roman"/>
+              </a:rPr>
+              <a:t> </a:t>
             </a:r>
             <a:r>
               <a:rPr sz="1400" b="0" spc="50">
@@ -5350,117 +5840,7 @@
                 <a:latin typeface="Times New Roman"/>
                 <a:cs typeface="Times New Roman"/>
               </a:rPr>
-              <a:t>.</a:t>
-            </a:r>
-            <a:r>
-              <a:rPr sz="1400" b="0" spc="50">
-                <a:solidFill>
-                  <a:schemeClr val="tx1"/>
-                </a:solidFill>
-                <a:latin typeface="Times New Roman"/>
-                <a:cs typeface="Times New Roman"/>
-              </a:rPr>
-              <a:t>т</a:t>
-            </a:r>
-            <a:r>
-              <a:rPr sz="1400" b="0" spc="50">
-                <a:solidFill>
-                  <a:schemeClr val="tx1"/>
-                </a:solidFill>
-                <a:latin typeface="Times New Roman"/>
-                <a:cs typeface="Times New Roman"/>
-              </a:rPr>
-              <a:t>.</a:t>
-            </a:r>
-            <a:r>
-              <a:rPr sz="1400" b="0" spc="50">
-                <a:solidFill>
-                  <a:schemeClr val="tx1"/>
-                </a:solidFill>
-                <a:latin typeface="Times New Roman"/>
-                <a:cs typeface="Times New Roman"/>
-              </a:rPr>
-              <a:t>н</a:t>
-            </a:r>
-            <a:r>
-              <a:rPr sz="1400" b="0" spc="50">
-                <a:solidFill>
-                  <a:schemeClr val="tx1"/>
-                </a:solidFill>
-                <a:latin typeface="Times New Roman"/>
-                <a:cs typeface="Times New Roman"/>
-              </a:rPr>
-              <a:t>.</a:t>
-            </a:r>
-            <a:r>
-              <a:rPr sz="1400" b="0" spc="45">
-                <a:solidFill>
-                  <a:schemeClr val="tx1"/>
-                </a:solidFill>
-                <a:latin typeface="Times New Roman"/>
-                <a:cs typeface="Times New Roman"/>
-              </a:rPr>
-              <a:t> </a:t>
-            </a:r>
-            <a:r>
-              <a:rPr sz="1400" b="0" spc="50">
-                <a:solidFill>
-                  <a:schemeClr val="tx1"/>
-                </a:solidFill>
-                <a:latin typeface="Times New Roman"/>
-                <a:cs typeface="Times New Roman"/>
-              </a:rPr>
-              <a:t>с</a:t>
-            </a:r>
-            <a:r>
-              <a:rPr sz="1400" b="0" spc="50">
-                <a:solidFill>
-                  <a:schemeClr val="tx1"/>
-                </a:solidFill>
-                <a:latin typeface="Times New Roman"/>
-                <a:cs typeface="Times New Roman"/>
-              </a:rPr>
-              <a:t>.</a:t>
-            </a:r>
-            <a:r>
-              <a:rPr sz="1400" b="0" spc="50">
-                <a:solidFill>
-                  <a:schemeClr val="tx1"/>
-                </a:solidFill>
-                <a:latin typeface="Times New Roman"/>
-                <a:cs typeface="Times New Roman"/>
-              </a:rPr>
-              <a:t>н</a:t>
-            </a:r>
-            <a:r>
-              <a:rPr sz="1400" b="0" spc="50">
-                <a:solidFill>
-                  <a:schemeClr val="tx1"/>
-                </a:solidFill>
-                <a:latin typeface="Times New Roman"/>
-                <a:cs typeface="Times New Roman"/>
-              </a:rPr>
-              <a:t>.</a:t>
-            </a:r>
-            <a:r>
-              <a:rPr sz="1400" b="0" spc="50">
-                <a:solidFill>
-                  <a:schemeClr val="tx1"/>
-                </a:solidFill>
-                <a:latin typeface="Times New Roman"/>
-                <a:cs typeface="Times New Roman"/>
-              </a:rPr>
-              <a:t>с</a:t>
-            </a:r>
-            <a:r>
-              <a:rPr sz="1400" b="0" spc="50">
-                <a:solidFill>
-                  <a:schemeClr val="tx1"/>
-                </a:solidFill>
-                <a:latin typeface="Times New Roman"/>
-                <a:cs typeface="Times New Roman"/>
-              </a:rPr>
-              <a:t>.</a:t>
+              <a:t>с.н.с.</a:t>
             </a:r>
             <a:r>
               <a:rPr sz="1400" b="0" spc="45">
@@ -5632,20 +6012,12 @@
   <p:clrMapOvr>
     <a:masterClrMapping/>
   </p:clrMapOvr>
-  <mc:AlternateContent xmlns:mc="http://schemas.openxmlformats.org/markup-compatibility/2006">
-    <mc:Choice xmlns:p14="http://schemas.microsoft.com/office/powerpoint/2010/main" Requires="p14">
-      <p:transition p14:dur="2000" advClick="1"/>
-    </mc:Choice>
-    <mc:Fallback>
-      <p:transition advClick="1"/>
-    </mc:Fallback>
-  </mc:AlternateContent>
 </p:sld>
 </file>
 
 <file path=ppt/slides/slide10.xml><?xml version="1.0" encoding="utf-8"?>
-<p:sld xmlns:a="http://schemas.openxmlformats.org/drawingml/2006/main" xmlns:r="http://schemas.openxmlformats.org/officeDocument/2006/relationships" xmlns:p="http://schemas.openxmlformats.org/presentationml/2006/main" xmlns:m="http://schemas.openxmlformats.org/officeDocument/2006/math" xmlns:w="http://schemas.openxmlformats.org/wordprocessingml/2006/main" showMasterPhAnim="0" showMasterSp="0" show="1">
-  <p:cSld name="">
+<p:sld xmlns:a="http://schemas.openxmlformats.org/drawingml/2006/main" xmlns:r="http://schemas.openxmlformats.org/officeDocument/2006/relationships" xmlns:p="http://schemas.openxmlformats.org/presentationml/2006/main" showMasterSp="0" showMasterPhAnim="0">
+  <p:cSld>
     <p:spTree>
       <p:nvGrpSpPr>
         <p:cNvPr id="1" name=""/>
@@ -5760,27 +6132,67 @@
               <a:defRPr/>
             </a:pPr>
             <a:r>
-              <a:rPr lang="uk-UA" sz="1800" b="0" i="0" u="none" strike="noStrike" cap="none" spc="0">
+              <a:rPr lang="uk-UA" sz="1800" b="0" i="0" u="none" strike="noStrike" cap="none" spc="0" dirty="0">
                 <a:solidFill>
                   <a:srgbClr val="000000"/>
                 </a:solidFill>
                 <a:latin typeface="Times New Roman"/>
                 <a:cs typeface="Times New Roman"/>
               </a:rPr>
-              <a:t>Було успішно розроблено надійну систему блокчейн, яка вирішує ключові проблеми існуючих технологій. Досягнуто значного скорочення затримки транзакцій та споживання енергії, досягли значних успіхів у масштабуванні та зберегли тверду прихильність до децентралізації. Завдяки інноваційному гібридному механізму консенсусу та дизайну мережі </a:t>
-            </a:r>
-            <a:r>
-              <a:rPr lang="uk-UA" sz="1800" b="0" i="0" u="none" strike="noStrike" cap="none" spc="0">
+              <a:t>Було розроблено </a:t>
+            </a:r>
+            <a:r>
+              <a:rPr lang="ru-RU" sz="1800" b="0" i="0" u="none" strike="noStrike" cap="none" spc="0" dirty="0" err="1">
                 <a:solidFill>
                   <a:srgbClr val="000000"/>
                 </a:solidFill>
                 <a:latin typeface="Times New Roman"/>
                 <a:cs typeface="Times New Roman"/>
               </a:rPr>
+              <a:t>масштабовану</a:t>
+            </a:r>
+            <a:r>
+              <a:rPr lang="ru-RU" sz="1800" b="0" i="0" u="none" strike="noStrike" cap="none" spc="0" dirty="0">
+                <a:solidFill>
+                  <a:srgbClr val="000000"/>
+                </a:solidFill>
+                <a:latin typeface="Times New Roman"/>
+                <a:cs typeface="Times New Roman"/>
+              </a:rPr>
+              <a:t> та </a:t>
+            </a:r>
+            <a:r>
+              <a:rPr lang="ru-RU" sz="1800" b="0" i="0" u="none" strike="noStrike" cap="none" spc="0" dirty="0" err="1">
+                <a:solidFill>
+                  <a:srgbClr val="000000"/>
+                </a:solidFill>
+                <a:latin typeface="Times New Roman"/>
+                <a:cs typeface="Times New Roman"/>
+              </a:rPr>
+              <a:t>ефективну</a:t>
+            </a:r>
+            <a:r>
+              <a:rPr lang="uk-UA" sz="1800" b="0" i="0" u="none" strike="noStrike" cap="none" spc="0" dirty="0">
+                <a:solidFill>
+                  <a:srgbClr val="000000"/>
+                </a:solidFill>
+                <a:latin typeface="Times New Roman"/>
+                <a:cs typeface="Times New Roman"/>
+              </a:rPr>
+              <a:t> систему блокчейн, яка вирішує ключові проблеми існуючих технологій. Досягнуто значного скорочення затримки транзакцій та споживання енергії, досягли значних успіхів у масштабуванні та зберегли тверду прихильність до децентралізації. Завдяки інноваційному гібридному механізму консенсусу та дизайну мережі </a:t>
+            </a:r>
+            <a:r>
+              <a:rPr lang="uk-UA" sz="1800" b="0" i="0" u="none" strike="noStrike" cap="none" spc="0" dirty="0" err="1">
+                <a:solidFill>
+                  <a:srgbClr val="000000"/>
+                </a:solidFill>
+                <a:latin typeface="Times New Roman"/>
+                <a:cs typeface="Times New Roman"/>
+              </a:rPr>
               <a:t>продемонструвано</a:t>
             </a:r>
             <a:r>
-              <a:rPr lang="uk-UA" sz="1800" b="0" i="0" u="none" strike="noStrike" cap="none" spc="0">
+              <a:rPr lang="uk-UA" sz="1800" b="0" i="0" u="none" strike="noStrike" cap="none" spc="0" dirty="0">
                 <a:solidFill>
                   <a:srgbClr val="000000"/>
                 </a:solidFill>
@@ -5789,7 +6201,7 @@
               </a:rPr>
               <a:t>, що можна створити ефективний та інклюзивний блокчейн. Потенціал цієї технології та закладає міцний фундамент для майбутніх досягнень у цій галузі.</a:t>
             </a:r>
-            <a:endParaRPr sz="1800">
+            <a:endParaRPr sz="1800" dirty="0">
               <a:latin typeface="Times New Roman"/>
               <a:cs typeface="Times New Roman"/>
             </a:endParaRPr>
@@ -5893,7 +6305,7 @@
                 <a:latin typeface="Times New Roman"/>
                 <a:cs typeface="Times New Roman"/>
               </a:rPr>
-              <a:t/>
+              <a:t>10</a:t>
             </a:fld>
             <a:endParaRPr>
               <a:latin typeface="Times New Roman"/>
@@ -5961,20 +6373,12 @@
   <p:clrMapOvr>
     <a:masterClrMapping/>
   </p:clrMapOvr>
-  <mc:AlternateContent xmlns:mc="http://schemas.openxmlformats.org/markup-compatibility/2006">
-    <mc:Choice xmlns:p14="http://schemas.microsoft.com/office/powerpoint/2010/main" Requires="p14">
-      <p:transition p14:dur="2000" advClick="1"/>
-    </mc:Choice>
-    <mc:Fallback>
-      <p:transition advClick="1"/>
-    </mc:Fallback>
-  </mc:AlternateContent>
 </p:sld>
 </file>
 
 <file path=ppt/slides/slide2.xml><?xml version="1.0" encoding="utf-8"?>
-<p:sld xmlns:a="http://schemas.openxmlformats.org/drawingml/2006/main" xmlns:r="http://schemas.openxmlformats.org/officeDocument/2006/relationships" xmlns:p="http://schemas.openxmlformats.org/presentationml/2006/main" xmlns:m="http://schemas.openxmlformats.org/officeDocument/2006/math" xmlns:w="http://schemas.openxmlformats.org/wordprocessingml/2006/main" showMasterPhAnim="0" showMasterSp="0" show="1">
-  <p:cSld name="">
+<p:sld xmlns:a="http://schemas.openxmlformats.org/drawingml/2006/main" xmlns:r="http://schemas.openxmlformats.org/officeDocument/2006/relationships" xmlns:p="http://schemas.openxmlformats.org/presentationml/2006/main" showMasterSp="0" showMasterPhAnim="0">
+  <p:cSld>
     <p:spTree>
       <p:nvGrpSpPr>
         <p:cNvPr id="1" name=""/>
@@ -6062,7 +6466,7 @@
               <a:defRPr/>
             </a:pPr>
             <a:r>
-              <a:rPr lang="ru-RU" sz="1800" b="0" i="0" u="none" strike="noStrike" cap="none" spc="0">
+              <a:rPr lang="ru-RU" sz="1800" b="0" i="0" u="none" strike="noStrike" cap="none" spc="0" dirty="0">
                 <a:solidFill>
                   <a:srgbClr val="000000"/>
                 </a:solidFill>
@@ -6072,7 +6476,7 @@
               <a:t>Метою </a:t>
             </a:r>
             <a:r>
-              <a:rPr lang="ru-RU" sz="1800" b="0" i="0" u="none" strike="noStrike" cap="none" spc="0">
+              <a:rPr lang="ru-RU" sz="1800" b="0" i="0" u="none" strike="noStrike" cap="none" spc="0" dirty="0" err="1">
                 <a:solidFill>
                   <a:srgbClr val="000000"/>
                 </a:solidFill>
@@ -6082,7 +6486,7 @@
               <a:t>цієї</a:t>
             </a:r>
             <a:r>
-              <a:rPr lang="ru-RU" sz="1800" b="0" i="0" u="none" strike="noStrike" cap="none" spc="0">
+              <a:rPr lang="ru-RU" sz="1800" b="0" i="0" u="none" strike="noStrike" cap="none" spc="0" dirty="0">
                 <a:solidFill>
                   <a:srgbClr val="000000"/>
                 </a:solidFill>
@@ -6092,7 +6496,7 @@
               <a:t> </a:t>
             </a:r>
             <a:r>
-              <a:rPr lang="ru-RU" sz="1800" b="0" i="0" u="none" strike="noStrike" cap="none" spc="0">
+              <a:rPr lang="ru-RU" sz="1800" b="0" i="0" u="none" strike="noStrike" cap="none" spc="0" dirty="0" err="1">
                 <a:solidFill>
                   <a:srgbClr val="000000"/>
                 </a:solidFill>
@@ -6102,7 +6506,7 @@
               <a:t>курсової</a:t>
             </a:r>
             <a:r>
-              <a:rPr lang="ru-RU" sz="1800" b="0" i="0" u="none" strike="noStrike" cap="none" spc="0">
+              <a:rPr lang="ru-RU" sz="1800" b="0" i="0" u="none" strike="noStrike" cap="none" spc="0" dirty="0">
                 <a:solidFill>
                   <a:srgbClr val="000000"/>
                 </a:solidFill>
@@ -6112,7 +6516,7 @@
               <a:t> </a:t>
             </a:r>
             <a:r>
-              <a:rPr lang="ru-RU" sz="1800" b="0" i="0" u="none" strike="noStrike" cap="none" spc="0">
+              <a:rPr lang="ru-RU" sz="1800" b="0" i="0" u="none" strike="noStrike" cap="none" spc="0" dirty="0" err="1">
                 <a:solidFill>
                   <a:srgbClr val="000000"/>
                 </a:solidFill>
@@ -6122,7 +6526,7 @@
               <a:t>роботи</a:t>
             </a:r>
             <a:r>
-              <a:rPr lang="ru-RU" sz="1800" b="0" i="0" u="none" strike="noStrike" cap="none" spc="0">
+              <a:rPr lang="ru-RU" sz="1800" b="0" i="0" u="none" strike="noStrike" cap="none" spc="0" dirty="0">
                 <a:solidFill>
                   <a:srgbClr val="000000"/>
                 </a:solidFill>
@@ -6132,7 +6536,7 @@
               <a:t> є </a:t>
             </a:r>
             <a:r>
-              <a:rPr lang="ru-RU" sz="1800" b="0" i="0" u="none" strike="noStrike" cap="none" spc="0">
+              <a:rPr lang="ru-RU" sz="1800" b="0" i="0" u="none" strike="noStrike" cap="none" spc="0" dirty="0" err="1">
                 <a:solidFill>
                   <a:srgbClr val="000000"/>
                 </a:solidFill>
@@ -6142,7 +6546,7 @@
               <a:t>розробка</a:t>
             </a:r>
             <a:r>
-              <a:rPr lang="ru-RU" sz="1800" b="0" i="0" u="none" strike="noStrike" cap="none" spc="0">
+              <a:rPr lang="ru-RU" sz="1800" b="0" i="0" u="none" strike="noStrike" cap="none" spc="0" dirty="0">
                 <a:solidFill>
                   <a:srgbClr val="000000"/>
                 </a:solidFill>
@@ -6152,7 +6556,7 @@
               <a:t> </a:t>
             </a:r>
             <a:r>
-              <a:rPr lang="ru-RU" sz="1800" b="0" i="0" u="none" strike="noStrike" cap="none" spc="0">
+              <a:rPr lang="ru-RU" sz="1800" b="0" i="0" u="none" strike="noStrike" cap="none" spc="0" dirty="0" err="1">
                 <a:solidFill>
                   <a:srgbClr val="000000"/>
                 </a:solidFill>
@@ -6162,7 +6566,7 @@
               <a:t>масштабованої</a:t>
             </a:r>
             <a:r>
-              <a:rPr lang="ru-RU" sz="1800" b="0" i="0" u="none" strike="noStrike" cap="none" spc="0">
+              <a:rPr lang="ru-RU" sz="1800" b="0" i="0" u="none" strike="noStrike" cap="none" spc="0" dirty="0">
                 <a:solidFill>
                   <a:srgbClr val="000000"/>
                 </a:solidFill>
@@ -6172,7 +6576,7 @@
               <a:t> та </a:t>
             </a:r>
             <a:r>
-              <a:rPr lang="ru-RU" sz="1800" b="0" i="0" u="none" strike="noStrike" cap="none" spc="0">
+              <a:rPr lang="ru-RU" sz="1800" b="0" i="0" u="none" strike="noStrike" cap="none" spc="0" dirty="0" err="1">
                 <a:solidFill>
                   <a:srgbClr val="000000"/>
                 </a:solidFill>
@@ -6182,7 +6586,7 @@
               <a:t>ефективної</a:t>
             </a:r>
             <a:r>
-              <a:rPr lang="ru-RU" sz="1800" b="0" i="0" u="none" strike="noStrike" cap="none" spc="0">
+              <a:rPr lang="ru-RU" sz="1800" b="0" i="0" u="none" strike="noStrike" cap="none" spc="0" dirty="0">
                 <a:solidFill>
                   <a:srgbClr val="000000"/>
                 </a:solidFill>
@@ -6192,7 +6596,7 @@
               <a:t> блокчейн-</a:t>
             </a:r>
             <a:r>
-              <a:rPr lang="ru-RU" sz="1800" b="0" i="0" u="none" strike="noStrike" cap="none" spc="0">
+              <a:rPr lang="ru-RU" sz="1800" b="0" i="0" u="none" strike="noStrike" cap="none" spc="0" dirty="0" err="1">
                 <a:solidFill>
                   <a:srgbClr val="000000"/>
                 </a:solidFill>
@@ -6202,7 +6606,7 @@
               <a:t>системи</a:t>
             </a:r>
             <a:r>
-              <a:rPr lang="ru-RU" sz="1800" b="0" i="0" u="none" strike="noStrike" cap="none" spc="0">
+              <a:rPr lang="ru-RU" sz="1800" b="0" i="0" u="none" strike="noStrike" cap="none" spc="0" dirty="0">
                 <a:solidFill>
                   <a:srgbClr val="000000"/>
                 </a:solidFill>
@@ -6212,7 +6616,7 @@
               <a:t>, яка </a:t>
             </a:r>
             <a:r>
-              <a:rPr lang="ru-RU" sz="1800" b="0" i="0" u="none" strike="noStrike" cap="none" spc="0">
+              <a:rPr lang="ru-RU" sz="1800" b="0" i="0" u="none" strike="noStrike" cap="none" spc="0" dirty="0" err="1">
                 <a:solidFill>
                   <a:srgbClr val="000000"/>
                 </a:solidFill>
@@ -6222,7 +6626,7 @@
               <a:t>має</a:t>
             </a:r>
             <a:r>
-              <a:rPr lang="ru-RU" sz="1800" b="0" i="0" u="none" strike="noStrike" cap="none" spc="0">
+              <a:rPr lang="ru-RU" sz="1800" b="0" i="0" u="none" strike="noStrike" cap="none" spc="0" dirty="0">
                 <a:solidFill>
                   <a:srgbClr val="000000"/>
                 </a:solidFill>
@@ -6232,7 +6636,7 @@
               <a:t> на </a:t>
             </a:r>
             <a:r>
-              <a:rPr lang="ru-RU" sz="1800" b="0" i="0" u="none" strike="noStrike" cap="none" spc="0">
+              <a:rPr lang="ru-RU" sz="1800" b="0" i="0" u="none" strike="noStrike" cap="none" spc="0" dirty="0" err="1">
                 <a:solidFill>
                   <a:srgbClr val="000000"/>
                 </a:solidFill>
@@ -6242,7 +6646,7 @@
               <a:t>меті</a:t>
             </a:r>
             <a:r>
-              <a:rPr lang="ru-RU" sz="1800" b="0" i="0" u="none" strike="noStrike" cap="none" spc="0">
+              <a:rPr lang="ru-RU" sz="1800" b="0" i="0" u="none" strike="noStrike" cap="none" spc="0" dirty="0">
                 <a:solidFill>
                   <a:srgbClr val="000000"/>
                 </a:solidFill>
@@ -6252,7 +6656,7 @@
               <a:t> </a:t>
             </a:r>
             <a:r>
-              <a:rPr lang="ru-RU" sz="1800" b="0" i="0" u="none" strike="noStrike" cap="none" spc="0">
+              <a:rPr lang="ru-RU" sz="1800" b="0" i="0" u="none" strike="noStrike" cap="none" spc="0" dirty="0" err="1">
                 <a:solidFill>
                   <a:srgbClr val="000000"/>
                 </a:solidFill>
@@ -6262,7 +6666,7 @@
               <a:t>зменшити</a:t>
             </a:r>
             <a:r>
-              <a:rPr lang="ru-RU" sz="1800" b="0" i="0" u="none" strike="noStrike" cap="none" spc="0">
+              <a:rPr lang="ru-RU" sz="1800" b="0" i="0" u="none" strike="noStrike" cap="none" spc="0" dirty="0">
                 <a:solidFill>
                   <a:srgbClr val="000000"/>
                 </a:solidFill>
@@ -6272,7 +6676,7 @@
               <a:t> </a:t>
             </a:r>
             <a:r>
-              <a:rPr lang="ru-RU" sz="1800" b="0" i="0" u="none" strike="noStrike" cap="none" spc="0">
+              <a:rPr lang="ru-RU" sz="1800" b="0" i="0" u="none" strike="noStrike" cap="none" spc="0" dirty="0" err="1">
                 <a:solidFill>
                   <a:srgbClr val="000000"/>
                 </a:solidFill>
@@ -6282,7 +6686,7 @@
               <a:t>затримку</a:t>
             </a:r>
             <a:r>
-              <a:rPr lang="ru-RU" sz="1800" b="0" i="0" u="none" strike="noStrike" cap="none" spc="0">
+              <a:rPr lang="ru-RU" sz="1800" b="0" i="0" u="none" strike="noStrike" cap="none" spc="0" dirty="0">
                 <a:solidFill>
                   <a:srgbClr val="000000"/>
                 </a:solidFill>
@@ -6292,7 +6696,7 @@
               <a:t> </a:t>
             </a:r>
             <a:r>
-              <a:rPr lang="ru-RU" sz="1800" b="0" i="0" u="none" strike="noStrike" cap="none" spc="0">
+              <a:rPr lang="ru-RU" sz="1800" b="0" i="0" u="none" strike="noStrike" cap="none" spc="0" dirty="0" err="1">
                 <a:solidFill>
                   <a:srgbClr val="000000"/>
                 </a:solidFill>
@@ -6302,7 +6706,7 @@
               <a:t>транзакцій</a:t>
             </a:r>
             <a:r>
-              <a:rPr lang="ru-RU" sz="1800" b="0" i="0" u="none" strike="noStrike" cap="none" spc="0">
+              <a:rPr lang="ru-RU" sz="1800" b="0" i="0" u="none" strike="noStrike" cap="none" spc="0" dirty="0">
                 <a:solidFill>
                   <a:srgbClr val="000000"/>
                 </a:solidFill>
@@ -6312,7 +6716,7 @@
               <a:t>, </a:t>
             </a:r>
             <a:r>
-              <a:rPr lang="ru-RU" sz="1800" b="0" i="0" u="none" strike="noStrike" cap="none" spc="0">
+              <a:rPr lang="ru-RU" sz="1800" b="0" i="0" u="none" strike="noStrike" cap="none" spc="0" dirty="0" err="1">
                 <a:solidFill>
                   <a:srgbClr val="000000"/>
                 </a:solidFill>
@@ -6322,7 +6726,7 @@
               <a:t>мінімізувати</a:t>
             </a:r>
             <a:r>
-              <a:rPr lang="ru-RU" sz="1800" b="0" i="0" u="none" strike="noStrike" cap="none" spc="0">
+              <a:rPr lang="ru-RU" sz="1800" b="0" i="0" u="none" strike="noStrike" cap="none" spc="0" dirty="0">
                 <a:solidFill>
                   <a:srgbClr val="000000"/>
                 </a:solidFill>
@@ -6332,7 +6736,7 @@
               <a:t> </a:t>
             </a:r>
             <a:r>
-              <a:rPr lang="ru-RU" sz="1800" b="0" i="0" u="none" strike="noStrike" cap="none" spc="0">
+              <a:rPr lang="ru-RU" sz="1800" b="0" i="0" u="none" strike="noStrike" cap="none" spc="0" dirty="0" err="1">
                 <a:solidFill>
                   <a:srgbClr val="000000"/>
                 </a:solidFill>
@@ -6342,7 +6746,7 @@
               <a:t>споживання</a:t>
             </a:r>
             <a:r>
-              <a:rPr lang="ru-RU" sz="1800" b="0" i="0" u="none" strike="noStrike" cap="none" spc="0">
+              <a:rPr lang="ru-RU" sz="1800" b="0" i="0" u="none" strike="noStrike" cap="none" spc="0" dirty="0">
                 <a:solidFill>
                   <a:srgbClr val="000000"/>
                 </a:solidFill>
@@ -6352,7 +6756,7 @@
               <a:t> </a:t>
             </a:r>
             <a:r>
-              <a:rPr lang="ru-RU" sz="1800" b="0" i="0" u="none" strike="noStrike" cap="none" spc="0">
+              <a:rPr lang="ru-RU" sz="1800" b="0" i="0" u="none" strike="noStrike" cap="none" spc="0" dirty="0" err="1">
                 <a:solidFill>
                   <a:srgbClr val="000000"/>
                 </a:solidFill>
@@ -6362,7 +6766,7 @@
               <a:t>енергії</a:t>
             </a:r>
             <a:r>
-              <a:rPr lang="ru-RU" sz="1800" b="0" i="0" u="none" strike="noStrike" cap="none" spc="0">
+              <a:rPr lang="ru-RU" sz="1800" b="0" i="0" u="none" strike="noStrike" cap="none" spc="0" dirty="0">
                 <a:solidFill>
                   <a:srgbClr val="000000"/>
                 </a:solidFill>
@@ -6372,7 +6776,7 @@
               <a:t>, </a:t>
             </a:r>
             <a:r>
-              <a:rPr lang="ru-RU" sz="1800" b="0" i="0" u="none" strike="noStrike" cap="none" spc="0">
+              <a:rPr lang="ru-RU" sz="1800" b="0" i="0" u="none" strike="noStrike" cap="none" spc="0" dirty="0" err="1">
                 <a:solidFill>
                   <a:srgbClr val="000000"/>
                 </a:solidFill>
@@ -6382,7 +6786,7 @@
               <a:t>зменшити</a:t>
             </a:r>
             <a:r>
-              <a:rPr lang="ru-RU" sz="1800" b="0" i="0" u="none" strike="noStrike" cap="none" spc="0">
+              <a:rPr lang="ru-RU" sz="1800" b="0" i="0" u="none" strike="noStrike" cap="none" spc="0" dirty="0">
                 <a:solidFill>
                   <a:srgbClr val="000000"/>
                 </a:solidFill>
@@ -6392,7 +6796,7 @@
               <a:t> </a:t>
             </a:r>
             <a:r>
-              <a:rPr lang="ru-RU" sz="1800" b="0" i="0" u="none" strike="noStrike" cap="none" spc="0">
+              <a:rPr lang="ru-RU" sz="1800" b="0" i="0" u="none" strike="noStrike" cap="none" spc="0" dirty="0" err="1">
                 <a:solidFill>
                   <a:srgbClr val="000000"/>
                 </a:solidFill>
@@ -6402,7 +6806,7 @@
               <a:t>ризики</a:t>
             </a:r>
             <a:r>
-              <a:rPr lang="ru-RU" sz="1800" b="0" i="0" u="none" strike="noStrike" cap="none" spc="0">
+              <a:rPr lang="ru-RU" sz="1800" b="0" i="0" u="none" strike="noStrike" cap="none" spc="0" dirty="0">
                 <a:solidFill>
                   <a:srgbClr val="000000"/>
                 </a:solidFill>
@@ -6412,7 +6816,7 @@
               <a:t> </a:t>
             </a:r>
             <a:r>
-              <a:rPr lang="ru-RU" sz="1800" b="0" i="0" u="none" strike="noStrike" cap="none" spc="0">
+              <a:rPr lang="ru-RU" sz="1800" b="0" i="0" u="none" strike="noStrike" cap="none" spc="0" dirty="0" err="1">
                 <a:solidFill>
                   <a:srgbClr val="000000"/>
                 </a:solidFill>
@@ -6422,7 +6826,7 @@
               <a:t>централізації</a:t>
             </a:r>
             <a:r>
-              <a:rPr lang="ru-RU" sz="1800" b="0" i="0" u="none" strike="noStrike" cap="none" spc="0">
+              <a:rPr lang="ru-RU" sz="1800" b="0" i="0" u="none" strike="noStrike" cap="none" spc="0" dirty="0">
                 <a:solidFill>
                   <a:srgbClr val="000000"/>
                 </a:solidFill>
@@ -6432,7 +6836,7 @@
               <a:t> та </a:t>
             </a:r>
             <a:r>
-              <a:rPr lang="ru-RU" sz="1800" b="0" i="0" u="none" strike="noStrike" cap="none" spc="0">
+              <a:rPr lang="ru-RU" sz="1800" b="0" i="0" u="none" strike="noStrike" cap="none" spc="0" dirty="0" err="1">
                 <a:solidFill>
                   <a:srgbClr val="000000"/>
                 </a:solidFill>
@@ -6442,7 +6846,7 @@
               <a:t>знизити</a:t>
             </a:r>
             <a:r>
-              <a:rPr lang="ru-RU" sz="1800" b="0" i="0" u="none" strike="noStrike" cap="none" spc="0">
+              <a:rPr lang="ru-RU" sz="1800" b="0" i="0" u="none" strike="noStrike" cap="none" spc="0" dirty="0">
                 <a:solidFill>
                   <a:srgbClr val="000000"/>
                 </a:solidFill>
@@ -6452,7 +6856,7 @@
               <a:t> </a:t>
             </a:r>
             <a:r>
-              <a:rPr lang="ru-RU" sz="1800" b="0" i="0" u="none" strike="noStrike" cap="none" spc="0">
+              <a:rPr lang="ru-RU" sz="1800" b="0" i="0" u="none" strike="noStrike" cap="none" spc="0" dirty="0" err="1">
                 <a:solidFill>
                   <a:srgbClr val="000000"/>
                 </a:solidFill>
@@ -6462,7 +6866,7 @@
               <a:t>високі</a:t>
             </a:r>
             <a:r>
-              <a:rPr lang="ru-RU" sz="1800" b="0" i="0" u="none" strike="noStrike" cap="none" spc="0">
+              <a:rPr lang="ru-RU" sz="1800" b="0" i="0" u="none" strike="noStrike" cap="none" spc="0" dirty="0">
                 <a:solidFill>
                   <a:srgbClr val="000000"/>
                 </a:solidFill>
@@ -6472,7 +6876,7 @@
               <a:t> </a:t>
             </a:r>
             <a:r>
-              <a:rPr lang="ru-RU" sz="1800" b="0" i="0" u="none" strike="noStrike" cap="none" spc="0">
+              <a:rPr lang="ru-RU" sz="1800" b="0" i="0" u="none" strike="noStrike" cap="none" spc="0" dirty="0" err="1">
                 <a:solidFill>
                   <a:srgbClr val="000000"/>
                 </a:solidFill>
@@ -6482,7 +6886,7 @@
               <a:t>комісії</a:t>
             </a:r>
             <a:r>
-              <a:rPr lang="ru-RU" sz="1800" b="0" i="0" u="none" strike="noStrike" cap="none" spc="0">
+              <a:rPr lang="ru-RU" sz="1800" b="0" i="0" u="none" strike="noStrike" cap="none" spc="0" dirty="0">
                 <a:solidFill>
                   <a:srgbClr val="000000"/>
                 </a:solidFill>
@@ -6492,7 +6896,7 @@
               <a:t> за </a:t>
             </a:r>
             <a:r>
-              <a:rPr lang="ru-RU" sz="1800" b="0" i="0" u="none" strike="noStrike" cap="none" spc="0">
+              <a:rPr lang="ru-RU" sz="1800" b="0" i="0" u="none" strike="noStrike" cap="none" spc="0" dirty="0" err="1">
                 <a:solidFill>
                   <a:srgbClr val="000000"/>
                 </a:solidFill>
@@ -6502,7 +6906,7 @@
               <a:t>транзакції</a:t>
             </a:r>
             <a:r>
-              <a:rPr lang="ru-RU" sz="1800" b="0" i="0" u="none" strike="noStrike" cap="none" spc="0">
+              <a:rPr lang="ru-RU" sz="1800" b="0" i="0" u="none" strike="noStrike" cap="none" spc="0" dirty="0">
                 <a:solidFill>
                   <a:srgbClr val="000000"/>
                 </a:solidFill>
@@ -6512,7 +6916,7 @@
               <a:t>. </a:t>
             </a:r>
             <a:r>
-              <a:rPr lang="ru-RU" sz="1800" b="0" i="0" u="none" strike="noStrike" cap="none" spc="0">
+              <a:rPr lang="ru-RU" sz="1800" b="0" i="0" u="none" strike="noStrike" cap="none" spc="0" dirty="0" err="1">
                 <a:solidFill>
                   <a:srgbClr val="000000"/>
                 </a:solidFill>
@@ -6522,7 +6926,7 @@
               <a:t>Значна</a:t>
             </a:r>
             <a:r>
-              <a:rPr lang="ru-RU" sz="1800" b="0" i="0" u="none" strike="noStrike" cap="none" spc="0">
+              <a:rPr lang="ru-RU" sz="1800" b="0" i="0" u="none" strike="noStrike" cap="none" spc="0" dirty="0">
                 <a:solidFill>
                   <a:srgbClr val="000000"/>
                 </a:solidFill>
@@ -6532,7 +6936,7 @@
               <a:t> </a:t>
             </a:r>
             <a:r>
-              <a:rPr lang="ru-RU" sz="1800" b="0" i="0" u="none" strike="noStrike" cap="none" spc="0">
+              <a:rPr lang="ru-RU" sz="1800" b="0" i="0" u="none" strike="noStrike" cap="none" spc="0" dirty="0" err="1">
                 <a:solidFill>
                   <a:srgbClr val="000000"/>
                 </a:solidFill>
@@ -6542,7 +6946,7 @@
               <a:t>увага</a:t>
             </a:r>
             <a:r>
-              <a:rPr lang="ru-RU" sz="1800" b="0" i="0" u="none" strike="noStrike" cap="none" spc="0">
+              <a:rPr lang="ru-RU" sz="1800" b="0" i="0" u="none" strike="noStrike" cap="none" spc="0" dirty="0">
                 <a:solidFill>
                   <a:srgbClr val="000000"/>
                 </a:solidFill>
@@ -6552,7 +6956,7 @@
               <a:t> </a:t>
             </a:r>
             <a:r>
-              <a:rPr lang="ru-RU" sz="1800" b="0" i="0" u="none" strike="noStrike" cap="none" spc="0">
+              <a:rPr lang="ru-RU" sz="1800" b="0" i="0" u="none" strike="noStrike" cap="none" spc="0" dirty="0" err="1">
                 <a:solidFill>
                   <a:srgbClr val="000000"/>
                 </a:solidFill>
@@ -6562,7 +6966,7 @@
               <a:t>приділяється</a:t>
             </a:r>
             <a:r>
-              <a:rPr lang="ru-RU" sz="1800" b="0" i="0" u="none" strike="noStrike" cap="none" spc="0">
+              <a:rPr lang="ru-RU" sz="1800" b="0" i="0" u="none" strike="noStrike" cap="none" spc="0" dirty="0">
                 <a:solidFill>
                   <a:srgbClr val="000000"/>
                 </a:solidFill>
@@ -6572,7 +6976,7 @@
               <a:t> </a:t>
             </a:r>
             <a:r>
-              <a:rPr lang="ru-RU" sz="1800" b="0" i="0" u="none" strike="noStrike" cap="none" spc="0">
+              <a:rPr lang="ru-RU" sz="1800" b="0" i="0" u="none" strike="noStrike" cap="none" spc="0" dirty="0" err="1">
                 <a:solidFill>
                   <a:srgbClr val="000000"/>
                 </a:solidFill>
@@ -6582,7 +6986,7 @@
               <a:t>створенню</a:t>
             </a:r>
             <a:r>
-              <a:rPr lang="ru-RU" sz="1800" b="0" i="0" u="none" strike="noStrike" cap="none" spc="0">
+              <a:rPr lang="ru-RU" sz="1800" b="0" i="0" u="none" strike="noStrike" cap="none" spc="0" dirty="0">
                 <a:solidFill>
                   <a:srgbClr val="000000"/>
                 </a:solidFill>
@@ -6592,7 +6996,7 @@
               <a:t> </a:t>
             </a:r>
             <a:r>
-              <a:rPr lang="ru-RU" sz="1800" b="0" i="0" u="none" strike="noStrike" cap="none" spc="0">
+              <a:rPr lang="ru-RU" sz="1800" b="0" i="0" u="none" strike="noStrike" cap="none" spc="0" dirty="0" err="1">
                 <a:solidFill>
                   <a:srgbClr val="000000"/>
                 </a:solidFill>
@@ -6602,7 +7006,7 @@
               <a:t>екологічно</a:t>
             </a:r>
             <a:r>
-              <a:rPr lang="ru-RU" sz="1800" b="0" i="0" u="none" strike="noStrike" cap="none" spc="0">
+              <a:rPr lang="ru-RU" sz="1800" b="0" i="0" u="none" strike="noStrike" cap="none" spc="0" dirty="0">
                 <a:solidFill>
                   <a:srgbClr val="000000"/>
                 </a:solidFill>
@@ -6612,7 +7016,7 @@
               <a:t> </a:t>
             </a:r>
             <a:r>
-              <a:rPr lang="ru-RU" sz="1800" b="0" i="0" u="none" strike="noStrike" cap="none" spc="0">
+              <a:rPr lang="ru-RU" sz="1800" b="0" i="0" u="none" strike="noStrike" cap="none" spc="0" dirty="0" err="1">
                 <a:solidFill>
                   <a:srgbClr val="000000"/>
                 </a:solidFill>
@@ -6622,7 +7026,7 @@
               <a:t>чистої</a:t>
             </a:r>
             <a:r>
-              <a:rPr lang="ru-RU" sz="1800" b="0" i="0" u="none" strike="noStrike" cap="none" spc="0">
+              <a:rPr lang="ru-RU" sz="1800" b="0" i="0" u="none" strike="noStrike" cap="none" spc="0" dirty="0">
                 <a:solidFill>
                   <a:srgbClr val="000000"/>
                 </a:solidFill>
@@ -6632,7 +7036,7 @@
               <a:t> та </a:t>
             </a:r>
             <a:r>
-              <a:rPr lang="ru-RU" sz="1800" b="0" i="0" u="none" strike="noStrike" cap="none" spc="0">
+              <a:rPr lang="ru-RU" sz="1800" b="0" i="0" u="none" strike="noStrike" cap="none" spc="0" dirty="0" err="1">
                 <a:solidFill>
                   <a:srgbClr val="000000"/>
                 </a:solidFill>
@@ -6642,7 +7046,7 @@
               <a:t>демократичної</a:t>
             </a:r>
             <a:r>
-              <a:rPr lang="ru-RU" sz="1800" b="0" i="0" u="none" strike="noStrike" cap="none" spc="0">
+              <a:rPr lang="ru-RU" sz="1800" b="0" i="0" u="none" strike="noStrike" cap="none" spc="0" dirty="0">
                 <a:solidFill>
                   <a:srgbClr val="000000"/>
                 </a:solidFill>
@@ -6652,7 +7056,7 @@
               <a:t> блокчейн-</a:t>
             </a:r>
             <a:r>
-              <a:rPr lang="ru-RU" sz="1800" b="0" i="0" u="none" strike="noStrike" cap="none" spc="0">
+              <a:rPr lang="ru-RU" sz="1800" b="0" i="0" u="none" strike="noStrike" cap="none" spc="0" dirty="0" err="1">
                 <a:solidFill>
                   <a:srgbClr val="000000"/>
                 </a:solidFill>
@@ -6662,7 +7066,7 @@
               <a:t>мережі</a:t>
             </a:r>
             <a:r>
-              <a:rPr lang="ru-RU" sz="1800" b="0" i="0" u="none" strike="noStrike" cap="none" spc="0">
+              <a:rPr lang="ru-RU" sz="1800" b="0" i="0" u="none" strike="noStrike" cap="none" spc="0" dirty="0">
                 <a:solidFill>
                   <a:srgbClr val="000000"/>
                 </a:solidFill>
@@ -6672,7 +7076,7 @@
               <a:t>, яка </a:t>
             </a:r>
             <a:r>
-              <a:rPr lang="ru-RU" sz="1800" b="0" i="0" u="none" strike="noStrike" cap="none" spc="0">
+              <a:rPr lang="ru-RU" sz="1800" b="0" i="0" u="none" strike="noStrike" cap="none" spc="0" dirty="0" err="1">
                 <a:solidFill>
                   <a:srgbClr val="000000"/>
                 </a:solidFill>
@@ -6682,7 +7086,7 @@
               <a:t>працює</a:t>
             </a:r>
             <a:r>
-              <a:rPr lang="ru-RU" sz="1800" b="0" i="0" u="none" strike="noStrike" cap="none" spc="0">
+              <a:rPr lang="ru-RU" sz="1800" b="0" i="0" u="none" strike="noStrike" cap="none" spc="0" dirty="0">
                 <a:solidFill>
                   <a:srgbClr val="000000"/>
                 </a:solidFill>
@@ -6692,7 +7096,7 @@
               <a:t> в </a:t>
             </a:r>
             <a:r>
-              <a:rPr lang="ru-RU" sz="1800" b="0" i="0" u="none" strike="noStrike" cap="none" spc="0">
+              <a:rPr lang="ru-RU" sz="1800" b="0" i="0" u="none" strike="noStrike" cap="none" spc="0" dirty="0" err="1">
                 <a:solidFill>
                   <a:srgbClr val="000000"/>
                 </a:solidFill>
@@ -6702,7 +7106,7 @@
               <a:t>режимі</a:t>
             </a:r>
             <a:r>
-              <a:rPr lang="ru-RU" sz="1800" b="0" i="0" u="none" strike="noStrike" cap="none" spc="0">
+              <a:rPr lang="ru-RU" sz="1800" b="0" i="0" u="none" strike="noStrike" cap="none" spc="0" dirty="0">
                 <a:solidFill>
                   <a:srgbClr val="000000"/>
                 </a:solidFill>
@@ -6712,7 +7116,7 @@
               <a:t> реального часу і </a:t>
             </a:r>
             <a:r>
-              <a:rPr lang="ru-RU" sz="1800" b="0" i="0" u="none" strike="noStrike" cap="none" spc="0">
+              <a:rPr lang="ru-RU" sz="1800" b="0" i="0" u="none" strike="noStrike" cap="none" spc="0" dirty="0" err="1">
                 <a:solidFill>
                   <a:srgbClr val="000000"/>
                 </a:solidFill>
@@ -6722,7 +7126,7 @@
               <a:t>підходить</a:t>
             </a:r>
             <a:r>
-              <a:rPr lang="ru-RU" sz="1800" b="0" i="0" u="none" strike="noStrike" cap="none" spc="0">
+              <a:rPr lang="ru-RU" sz="1800" b="0" i="0" u="none" strike="noStrike" cap="none" spc="0" dirty="0">
                 <a:solidFill>
                   <a:srgbClr val="000000"/>
                 </a:solidFill>
@@ -6732,7 +7136,7 @@
               <a:t> для </a:t>
             </a:r>
             <a:r>
-              <a:rPr lang="ru-RU" sz="1800" b="0" i="0" u="none" strike="noStrike" cap="none" spc="0">
+              <a:rPr lang="ru-RU" sz="1800" b="0" i="0" u="none" strike="noStrike" cap="none" spc="0" dirty="0" err="1">
                 <a:solidFill>
                   <a:srgbClr val="000000"/>
                 </a:solidFill>
@@ -6742,7 +7146,7 @@
               <a:t>повсякденної</a:t>
             </a:r>
             <a:r>
-              <a:rPr lang="ru-RU" sz="1800" b="0" i="0" u="none" strike="noStrike" cap="none" spc="0">
+              <a:rPr lang="ru-RU" sz="1800" b="0" i="0" u="none" strike="noStrike" cap="none" spc="0" dirty="0">
                 <a:solidFill>
                   <a:srgbClr val="000000"/>
                 </a:solidFill>
@@ -6752,7 +7156,7 @@
               <a:t> </a:t>
             </a:r>
             <a:r>
-              <a:rPr lang="ru-RU" sz="1800" b="0" i="0" u="none" strike="noStrike" cap="none" spc="0">
+              <a:rPr lang="ru-RU" sz="1800" b="0" i="0" u="none" strike="noStrike" cap="none" spc="0" dirty="0" err="1">
                 <a:solidFill>
                   <a:srgbClr val="000000"/>
                 </a:solidFill>
@@ -6762,7 +7166,7 @@
               <a:t>комерційної</a:t>
             </a:r>
             <a:r>
-              <a:rPr lang="ru-RU" sz="1800" b="0" i="0" u="none" strike="noStrike" cap="none" spc="0">
+              <a:rPr lang="ru-RU" sz="1800" b="0" i="0" u="none" strike="noStrike" cap="none" spc="0" dirty="0">
                 <a:solidFill>
                   <a:srgbClr val="000000"/>
                 </a:solidFill>
@@ -6772,7 +7176,7 @@
               <a:t> </a:t>
             </a:r>
             <a:r>
-              <a:rPr lang="ru-RU" sz="1800" b="0" i="0" u="none" strike="noStrike" cap="none" spc="0">
+              <a:rPr lang="ru-RU" sz="1800" b="0" i="0" u="none" strike="noStrike" cap="none" spc="0" dirty="0" err="1">
                 <a:solidFill>
                   <a:srgbClr val="000000"/>
                 </a:solidFill>
@@ -6782,7 +7186,7 @@
               <a:t>діяльності</a:t>
             </a:r>
             <a:r>
-              <a:rPr lang="ru-RU" sz="1800" b="0" i="0" u="none" strike="noStrike" cap="none" spc="0">
+              <a:rPr lang="ru-RU" sz="1800" b="0" i="0" u="none" strike="noStrike" cap="none" spc="0" dirty="0">
                 <a:solidFill>
                   <a:srgbClr val="000000"/>
                 </a:solidFill>
@@ -6791,7 +7195,7 @@
               </a:rPr>
               <a:t>.</a:t>
             </a:r>
-            <a:endParaRPr sz="1800">
+            <a:endParaRPr sz="1800" dirty="0">
               <a:latin typeface="Times New Roman"/>
               <a:cs typeface="Times New Roman"/>
             </a:endParaRPr>
@@ -6833,7 +7237,7 @@
             </a:pPr>
             <a:fld id="{800E96F8-DC0B-3B60-9520-15C92079DBC9}" type="slidenum">
               <a:rPr sz="2800"/>
-              <a:t/>
+              <a:t>2</a:t>
             </a:fld>
             <a:endParaRPr/>
           </a:p>
@@ -6933,7 +7337,7 @@
           <p:nvPr/>
         </p:nvSpPr>
         <p:spPr bwMode="auto">
-          <a:xfrm flipH="0" flipV="0">
+          <a:xfrm>
             <a:off x="6476998" y="1738568"/>
             <a:ext cx="5113316" cy="3591842"/>
           </a:xfrm>
@@ -6961,21 +7365,7 @@
                 <a:latin typeface="Times New Roman"/>
                 <a:ea typeface="Arial"/>
               </a:rPr>
-              <a:t>У сфері технології блокчейн та її застосувань, що постійно розширюється, одним з найважливіших питань, що викликають інтерес, є її потенціал для </a:t>
-            </a:r>
-            <a:r>
-              <a:rPr lang="uk-UA" sz="1800">
-                <a:latin typeface="Times New Roman"/>
-                <a:ea typeface="Arial"/>
-              </a:rPr>
-              <a:t>революційної </a:t>
-            </a:r>
-            <a:r>
-              <a:rPr lang="uk-UA" sz="1800">
-                <a:latin typeface="Times New Roman"/>
-                <a:ea typeface="Arial"/>
-              </a:rPr>
-              <a:t>перебудови платіжних систем. Однак, існуючі моделі стикаються з рядом обмежень і проблем, які перешкоджають їх широкому впровадженню і використанню. Ця курсова робота мотивована необхідністю вирішення цих проблем, прокладаючи шлях до більш ефективної та надійної платіжної системи на основі блокчейну</a:t>
+              <a:t>У сфері технології блокчейн та її застосувань, що постійно розширюється, одним з найважливіших питань, що викликають інтерес, є її потенціал для революційної перебудови платіжних систем. Однак, існуючі моделі стикаються з рядом обмежень і проблем, які перешкоджають їх широкому впровадженню і використанню. Ця курсова робота мотивована необхідністю вирішення цих проблем, прокладаючи шлях до більш ефективної та надійної платіжної системи на основі блокчейну</a:t>
             </a:r>
             <a:endParaRPr sz="1800">
               <a:latin typeface="Times New Roman"/>
@@ -6989,20 +7379,12 @@
   <p:clrMapOvr>
     <a:masterClrMapping/>
   </p:clrMapOvr>
-  <mc:AlternateContent xmlns:mc="http://schemas.openxmlformats.org/markup-compatibility/2006">
-    <mc:Choice xmlns:p14="http://schemas.microsoft.com/office/powerpoint/2010/main" Requires="p14">
-      <p:transition p14:dur="2000" advClick="1"/>
-    </mc:Choice>
-    <mc:Fallback>
-      <p:transition advClick="1"/>
-    </mc:Fallback>
-  </mc:AlternateContent>
 </p:sld>
 </file>
 
 <file path=ppt/slides/slide3.xml><?xml version="1.0" encoding="utf-8"?>
-<p:sld xmlns:a="http://schemas.openxmlformats.org/drawingml/2006/main" xmlns:r="http://schemas.openxmlformats.org/officeDocument/2006/relationships" xmlns:p="http://schemas.openxmlformats.org/presentationml/2006/main" xmlns:m="http://schemas.openxmlformats.org/officeDocument/2006/math" xmlns:w="http://schemas.openxmlformats.org/wordprocessingml/2006/main" showMasterPhAnim="0" showMasterSp="0" show="1">
-  <p:cSld name="">
+<p:sld xmlns:a="http://schemas.openxmlformats.org/drawingml/2006/main" xmlns:r="http://schemas.openxmlformats.org/officeDocument/2006/relationships" xmlns:p="http://schemas.openxmlformats.org/presentationml/2006/main" showMasterSp="0" showMasterPhAnim="0">
+  <p:cSld>
     <p:spTree>
       <p:nvGrpSpPr>
         <p:cNvPr id="1" name=""/>
@@ -7029,7 +7411,7 @@
         </p:nvSpPr>
         <p:spPr bwMode="auto">
           <a:xfrm>
-            <a:off x="4839088" y="750605"/>
+            <a:off x="4724400" y="767980"/>
             <a:ext cx="2510122" cy="381993"/>
           </a:xfrm>
           <a:prstGeom prst="rect">
@@ -7052,10 +7434,34 @@
               <a:defRPr/>
             </a:pPr>
             <a:r>
-              <a:rPr sz="2800" spc="-10"/>
-              <a:t>Задачі роботи</a:t>
-            </a:r>
-            <a:endParaRPr sz="2800"/>
+              <a:rPr lang="ru-RU" sz="2800" spc="-10" dirty="0" err="1">
+                <a:solidFill>
+                  <a:schemeClr val="tx1"/>
+                </a:solidFill>
+              </a:rPr>
+              <a:t>Задачі</a:t>
+            </a:r>
+            <a:r>
+              <a:rPr lang="ru-RU" sz="2800" spc="-10" dirty="0">
+                <a:solidFill>
+                  <a:schemeClr val="tx1"/>
+                </a:solidFill>
+              </a:rPr>
+              <a:t> </a:t>
+            </a:r>
+            <a:r>
+              <a:rPr lang="ru-RU" sz="2800" spc="-10" dirty="0" err="1">
+                <a:solidFill>
+                  <a:schemeClr val="tx1"/>
+                </a:solidFill>
+              </a:rPr>
+              <a:t>роботи</a:t>
+            </a:r>
+            <a:endParaRPr lang="ru-RU" sz="2800" dirty="0">
+              <a:solidFill>
+                <a:schemeClr val="tx1"/>
+              </a:solidFill>
+            </a:endParaRPr>
           </a:p>
         </p:txBody>
       </p:sp>
@@ -7153,7 +7559,7 @@
             </a:pPr>
             <a:fld id="{20263524-D5DE-1C53-E1D9-127239483711}" type="slidenum">
               <a:rPr sz="2800"/>
-              <a:t/>
+              <a:t>3</a:t>
             </a:fld>
             <a:endParaRPr/>
           </a:p>
@@ -7204,7 +7610,7 @@
         <p:nvGraphicFramePr>
           <p:cNvPr id="79125462" name="Content Placeholder 2"/>
           <p:cNvGraphicFramePr>
-            <a:graphicFrameLocks xmlns:a="http://schemas.openxmlformats.org/drawingml/2006/main" noGrp="1"/>
+            <a:graphicFrameLocks noGrp="1"/>
           </p:cNvGraphicFramePr>
           <p:nvPr>
             <p:ph idx="1"/>
@@ -7213,34 +7619,196 @@
         <p:xfrm>
           <a:off x="1141149" y="2250901"/>
           <a:ext cx="9905999" cy="4082074"/>
-          <a:chOff x="0" y="0"/>
-          <a:chExt cx="9905999" cy="4082074"/>
         </p:xfrm>
         <a:graphic>
           <a:graphicData uri="http://schemas.openxmlformats.org/drawingml/2006/diagram">
-            <dgm:relIds xmlns:dgm="http://schemas.openxmlformats.org/drawingml/2006/diagram" xmlns:r="http://schemas.openxmlformats.org/officeDocument/2006/relationships" r:dm="rId2" r:lo="rId5" r:qs="rId6" r:cs="rId4"/>
+            <dgm:relIds xmlns:dgm="http://schemas.openxmlformats.org/drawingml/2006/diagram" xmlns:r="http://schemas.openxmlformats.org/officeDocument/2006/relationships" r:dm="rId2" r:lo="rId3" r:qs="rId4" r:cs="rId5"/>
           </a:graphicData>
         </a:graphic>
       </p:graphicFrame>
+      <p:sp>
+        <p:nvSpPr>
+          <p:cNvPr id="7" name="Стрелка: вниз 6">
+            <a:extLst>
+              <a:ext uri="{FF2B5EF4-FFF2-40B4-BE49-F238E27FC236}">
+                <a16:creationId xmlns:a16="http://schemas.microsoft.com/office/drawing/2014/main" id="{4AFFC3C2-F1E6-4C5D-99E3-B8DD46E45B46}"/>
+              </a:ext>
+            </a:extLst>
+          </p:cNvPr>
+          <p:cNvSpPr/>
+          <p:nvPr/>
+        </p:nvSpPr>
+        <p:spPr>
+          <a:xfrm>
+            <a:off x="5791200" y="1365031"/>
+            <a:ext cx="304800" cy="857777"/>
+          </a:xfrm>
+          <a:prstGeom prst="downArrow">
+            <a:avLst/>
+          </a:prstGeom>
+          <a:solidFill>
+            <a:schemeClr val="bg1"/>
+          </a:solidFill>
+          <a:ln>
+            <a:solidFill>
+              <a:schemeClr val="tx1"/>
+            </a:solidFill>
+          </a:ln>
+        </p:spPr>
+        <p:style>
+          <a:lnRef idx="2">
+            <a:schemeClr val="accent1">
+              <a:shade val="50000"/>
+            </a:schemeClr>
+          </a:lnRef>
+          <a:fillRef idx="1">
+            <a:schemeClr val="accent1"/>
+          </a:fillRef>
+          <a:effectRef idx="0">
+            <a:schemeClr val="accent1"/>
+          </a:effectRef>
+          <a:fontRef idx="minor">
+            <a:schemeClr val="lt1"/>
+          </a:fontRef>
+        </p:style>
+        <p:txBody>
+          <a:bodyPr rtlCol="0" anchor="ctr"/>
+          <a:lstStyle/>
+          <a:p>
+            <a:pPr algn="ctr"/>
+            <a:endParaRPr lang="ru-RU"/>
+          </a:p>
+        </p:txBody>
+      </p:sp>
+      <p:sp>
+        <p:nvSpPr>
+          <p:cNvPr id="12" name="Стрелка: вниз 11">
+            <a:extLst>
+              <a:ext uri="{FF2B5EF4-FFF2-40B4-BE49-F238E27FC236}">
+                <a16:creationId xmlns:a16="http://schemas.microsoft.com/office/drawing/2014/main" id="{3FA9CB23-5D76-499C-8AE4-E0F43904AAD3}"/>
+              </a:ext>
+            </a:extLst>
+          </p:cNvPr>
+          <p:cNvSpPr/>
+          <p:nvPr/>
+        </p:nvSpPr>
+        <p:spPr bwMode="auto">
+          <a:xfrm rot="19454263">
+            <a:off x="7186779" y="1271402"/>
+            <a:ext cx="304800" cy="990992"/>
+          </a:xfrm>
+          <a:prstGeom prst="downArrow">
+            <a:avLst>
+              <a:gd name="adj1" fmla="val 50000"/>
+              <a:gd name="adj2" fmla="val 44286"/>
+            </a:avLst>
+          </a:prstGeom>
+          <a:solidFill>
+            <a:schemeClr val="bg1"/>
+          </a:solidFill>
+          <a:ln>
+            <a:solidFill>
+              <a:schemeClr val="tx1"/>
+            </a:solidFill>
+          </a:ln>
+        </p:spPr>
+        <p:style>
+          <a:lnRef idx="2">
+            <a:schemeClr val="accent1">
+              <a:shade val="50000"/>
+            </a:schemeClr>
+          </a:lnRef>
+          <a:fillRef idx="1">
+            <a:schemeClr val="accent1"/>
+          </a:fillRef>
+          <a:effectRef idx="0">
+            <a:schemeClr val="accent1"/>
+          </a:effectRef>
+          <a:fontRef idx="minor">
+            <a:schemeClr val="lt1"/>
+          </a:fontRef>
+        </p:style>
+        <p:txBody>
+          <a:bodyPr rtlCol="0" anchor="ctr"/>
+          <a:lstStyle/>
+          <a:p>
+            <a:pPr algn="ctr"/>
+            <a:endParaRPr lang="ru-RU" dirty="0">
+              <a:solidFill>
+                <a:schemeClr val="tx1"/>
+              </a:solidFill>
+            </a:endParaRPr>
+          </a:p>
+        </p:txBody>
+      </p:sp>
+      <p:sp>
+        <p:nvSpPr>
+          <p:cNvPr id="13" name="Стрелка: вниз 12">
+            <a:extLst>
+              <a:ext uri="{FF2B5EF4-FFF2-40B4-BE49-F238E27FC236}">
+                <a16:creationId xmlns:a16="http://schemas.microsoft.com/office/drawing/2014/main" id="{2D814714-4BDD-46BF-A514-FFC8D0FA8B89}"/>
+              </a:ext>
+            </a:extLst>
+          </p:cNvPr>
+          <p:cNvSpPr/>
+          <p:nvPr/>
+        </p:nvSpPr>
+        <p:spPr bwMode="auto">
+          <a:xfrm rot="1638248">
+            <a:off x="4363995" y="1325328"/>
+            <a:ext cx="304800" cy="876395"/>
+          </a:xfrm>
+          <a:prstGeom prst="downArrow">
+            <a:avLst>
+              <a:gd name="adj1" fmla="val 50000"/>
+              <a:gd name="adj2" fmla="val 44286"/>
+            </a:avLst>
+          </a:prstGeom>
+          <a:solidFill>
+            <a:schemeClr val="bg1"/>
+          </a:solidFill>
+          <a:ln>
+            <a:solidFill>
+              <a:schemeClr val="tx1"/>
+            </a:solidFill>
+          </a:ln>
+        </p:spPr>
+        <p:style>
+          <a:lnRef idx="2">
+            <a:schemeClr val="accent1">
+              <a:shade val="50000"/>
+            </a:schemeClr>
+          </a:lnRef>
+          <a:fillRef idx="1">
+            <a:schemeClr val="accent1"/>
+          </a:fillRef>
+          <a:effectRef idx="0">
+            <a:schemeClr val="accent1"/>
+          </a:effectRef>
+          <a:fontRef idx="minor">
+            <a:schemeClr val="lt1"/>
+          </a:fontRef>
+        </p:style>
+        <p:txBody>
+          <a:bodyPr rtlCol="0" anchor="ctr"/>
+          <a:lstStyle/>
+          <a:p>
+            <a:pPr algn="ctr"/>
+            <a:endParaRPr lang="ru-RU"/>
+          </a:p>
+        </p:txBody>
+      </p:sp>
     </p:spTree>
   </p:cSld>
   <p:clrMapOvr>
     <a:masterClrMapping/>
   </p:clrMapOvr>
-  <mc:AlternateContent xmlns:mc="http://schemas.openxmlformats.org/markup-compatibility/2006">
-    <mc:Choice xmlns:p14="http://schemas.microsoft.com/office/powerpoint/2010/main" Requires="p14">
-      <p:transition p14:dur="2000" advClick="1"/>
-    </mc:Choice>
-    <mc:Fallback>
-      <p:transition advClick="1"/>
-    </mc:Fallback>
-  </mc:AlternateContent>
 </p:sld>
 </file>
 
 <file path=ppt/slides/slide4.xml><?xml version="1.0" encoding="utf-8"?>
-<p:sld xmlns:a="http://schemas.openxmlformats.org/drawingml/2006/main" xmlns:r="http://schemas.openxmlformats.org/officeDocument/2006/relationships" xmlns:p="http://schemas.openxmlformats.org/presentationml/2006/main" xmlns:m="http://schemas.openxmlformats.org/officeDocument/2006/math" xmlns:w="http://schemas.openxmlformats.org/wordprocessingml/2006/main" showMasterPhAnim="0" showMasterSp="0" show="1">
-  <p:cSld name="">
+<p:sld xmlns:a="http://schemas.openxmlformats.org/drawingml/2006/main" xmlns:r="http://schemas.openxmlformats.org/officeDocument/2006/relationships" xmlns:p="http://schemas.openxmlformats.org/presentationml/2006/main" showMasterSp="0" showMasterPhAnim="0">
+  <p:cSld>
     <p:spTree>
       <p:nvGrpSpPr>
         <p:cNvPr id="1" name=""/>
@@ -7364,7 +7932,7 @@
           <p:nvPr/>
         </p:nvSpPr>
         <p:spPr bwMode="auto">
-          <a:xfrm flipH="0" flipV="0">
+          <a:xfrm>
             <a:off x="389344" y="1322402"/>
             <a:ext cx="5968284" cy="5070834"/>
           </a:xfrm>
@@ -7909,7 +8477,7 @@
             </a:pPr>
             <a:fld id="{E30B309A-D4E2-0742-10D1-CF203A329559}" type="slidenum">
               <a:rPr sz="2800"/>
-              <a:t/>
+              <a:t>4</a:t>
             </a:fld>
             <a:endParaRPr/>
           </a:p>
@@ -7970,8 +8538,8 @@
         </p:blipFill>
         <p:spPr bwMode="auto">
           <a:xfrm>
-            <a:off x="6757899" y="1206141"/>
-            <a:ext cx="5161537" cy="3846177"/>
+            <a:off x="6552653" y="1911350"/>
+            <a:ext cx="5241294" cy="3905609"/>
           </a:xfrm>
           <a:prstGeom prst="rect">
             <a:avLst/>
@@ -7983,20 +8551,12 @@
   <p:clrMapOvr>
     <a:masterClrMapping/>
   </p:clrMapOvr>
-  <mc:AlternateContent xmlns:mc="http://schemas.openxmlformats.org/markup-compatibility/2006">
-    <mc:Choice xmlns:p14="http://schemas.microsoft.com/office/powerpoint/2010/main" Requires="p14">
-      <p:transition p14:dur="2000" advClick="1"/>
-    </mc:Choice>
-    <mc:Fallback>
-      <p:transition advClick="1"/>
-    </mc:Fallback>
-  </mc:AlternateContent>
 </p:sld>
 </file>
 
 <file path=ppt/slides/slide5.xml><?xml version="1.0" encoding="utf-8"?>
-<p:sld xmlns:a="http://schemas.openxmlformats.org/drawingml/2006/main" xmlns:r="http://schemas.openxmlformats.org/officeDocument/2006/relationships" xmlns:p="http://schemas.openxmlformats.org/presentationml/2006/main" xmlns:m="http://schemas.openxmlformats.org/officeDocument/2006/math" xmlns:w="http://schemas.openxmlformats.org/wordprocessingml/2006/main" showMasterPhAnim="0" showMasterSp="0" show="1">
-  <p:cSld name="">
+<p:sld xmlns:a="http://schemas.openxmlformats.org/drawingml/2006/main" xmlns:r="http://schemas.openxmlformats.org/officeDocument/2006/relationships" xmlns:p="http://schemas.openxmlformats.org/presentationml/2006/main" showMasterSp="0" showMasterPhAnim="0">
+  <p:cSld>
     <p:spTree>
       <p:nvGrpSpPr>
         <p:cNvPr id="1" name=""/>
@@ -8022,7 +8582,7 @@
           </p:nvPr>
         </p:nvSpPr>
         <p:spPr bwMode="auto">
-          <a:xfrm flipH="0" flipV="0">
+          <a:xfrm>
             <a:off x="422322" y="215214"/>
             <a:ext cx="6357814" cy="381993"/>
           </a:xfrm>
@@ -8128,7 +8688,7 @@
           <p:nvPr/>
         </p:nvSpPr>
         <p:spPr bwMode="auto">
-          <a:xfrm flipH="0" flipV="0">
+          <a:xfrm>
             <a:off x="422322" y="974423"/>
             <a:ext cx="5526971" cy="5082121"/>
           </a:xfrm>
@@ -8359,27 +8919,7 @@
                 <a:latin typeface="Times New Roman"/>
                 <a:cs typeface="Times New Roman"/>
               </a:rPr>
-              <a:t>(</a:t>
-            </a:r>
-            <a:r>
-              <a:rPr sz="1800" spc="140">
-                <a:solidFill>
-                  <a:schemeClr val="tx1"/>
-                </a:solidFill>
-                <a:latin typeface="Times New Roman"/>
-                <a:cs typeface="Times New Roman"/>
-              </a:rPr>
-              <a:t>PoET</a:t>
-            </a:r>
-            <a:r>
-              <a:rPr sz="1800" spc="140">
-                <a:solidFill>
-                  <a:schemeClr val="tx1"/>
-                </a:solidFill>
-                <a:latin typeface="Times New Roman"/>
-                <a:cs typeface="Times New Roman"/>
-              </a:rPr>
-              <a:t>) </a:t>
+              <a:t>(PoET) </a:t>
             </a:r>
             <a:r>
               <a:rPr sz="1800" spc="5">
@@ -8399,27 +8939,7 @@
                 <a:latin typeface="Times New Roman"/>
                 <a:cs typeface="Times New Roman"/>
               </a:rPr>
-              <a:t>(</a:t>
-            </a:r>
-            <a:r>
-              <a:rPr sz="1800" spc="130">
-                <a:solidFill>
-                  <a:schemeClr val="tx1"/>
-                </a:solidFill>
-                <a:latin typeface="Times New Roman"/>
-                <a:cs typeface="Times New Roman"/>
-              </a:rPr>
-              <a:t>PoW</a:t>
-            </a:r>
-            <a:r>
-              <a:rPr sz="1800" spc="130">
-                <a:solidFill>
-                  <a:schemeClr val="tx1"/>
-                </a:solidFill>
-                <a:latin typeface="Times New Roman"/>
-                <a:cs typeface="Times New Roman"/>
-              </a:rPr>
-              <a:t>)</a:t>
+              <a:t>(PoW)</a:t>
             </a:r>
             <a:r>
               <a:rPr sz="1800" spc="129">
@@ -9097,17 +9617,7 @@
                 <a:latin typeface="Microsoft Sans Serif"/>
                 <a:cs typeface="Microsoft Sans Serif"/>
               </a:rPr>
-              <a:t>(</a:t>
-            </a:r>
-            <a:r>
-              <a:rPr sz="1800" spc="70">
-                <a:solidFill>
-                  <a:schemeClr val="tx1"/>
-                </a:solidFill>
-                <a:latin typeface="Microsoft Sans Serif"/>
-                <a:cs typeface="Microsoft Sans Serif"/>
-              </a:rPr>
-              <a:t>dA</a:t>
+              <a:t>(dA</a:t>
             </a:r>
             <a:r>
               <a:rPr sz="1800" spc="70">
@@ -9363,7 +9873,7 @@
             </a:pPr>
             <a:fld id="{E5FBD778-7CD5-EE5E-0148-5519B145FB9C}" type="slidenum">
               <a:rPr sz="2800"/>
-              <a:t/>
+              <a:t>5</a:t>
             </a:fld>
             <a:endParaRPr/>
           </a:p>
@@ -9443,20 +9953,12 @@
   <p:clrMapOvr>
     <a:masterClrMapping/>
   </p:clrMapOvr>
-  <mc:AlternateContent xmlns:mc="http://schemas.openxmlformats.org/markup-compatibility/2006">
-    <mc:Choice xmlns:p14="http://schemas.microsoft.com/office/powerpoint/2010/main" Requires="p14">
-      <p:transition p14:dur="2000" advClick="1"/>
-    </mc:Choice>
-    <mc:Fallback>
-      <p:transition advClick="1"/>
-    </mc:Fallback>
-  </mc:AlternateContent>
 </p:sld>
 </file>
 
 <file path=ppt/slides/slide6.xml><?xml version="1.0" encoding="utf-8"?>
-<p:sld xmlns:a="http://schemas.openxmlformats.org/drawingml/2006/main" xmlns:r="http://schemas.openxmlformats.org/officeDocument/2006/relationships" xmlns:p="http://schemas.openxmlformats.org/presentationml/2006/main" xmlns:m="http://schemas.openxmlformats.org/officeDocument/2006/math" xmlns:w="http://schemas.openxmlformats.org/wordprocessingml/2006/main" showMasterPhAnim="0" showMasterSp="0" show="1">
-  <p:cSld name="">
+<p:sld xmlns:a="http://schemas.openxmlformats.org/drawingml/2006/main" xmlns:r="http://schemas.openxmlformats.org/officeDocument/2006/relationships" xmlns:p="http://schemas.openxmlformats.org/presentationml/2006/main" showMasterSp="0" showMasterPhAnim="0">
+  <p:cSld>
     <p:spTree>
       <p:nvGrpSpPr>
         <p:cNvPr id="1" name=""/>
@@ -9482,7 +9984,7 @@
           </p:nvPr>
         </p:nvSpPr>
         <p:spPr bwMode="auto">
-          <a:xfrm flipH="0" flipV="0">
+          <a:xfrm>
             <a:off x="161233" y="319644"/>
             <a:ext cx="7127519" cy="375009"/>
           </a:xfrm>
@@ -9548,7 +10050,7 @@
           <p:nvPr/>
         </p:nvSpPr>
         <p:spPr bwMode="auto">
-          <a:xfrm flipH="0" flipV="0">
+          <a:xfrm>
             <a:off x="7765797" y="513953"/>
             <a:ext cx="4220722" cy="5582476"/>
           </a:xfrm>
@@ -9572,7 +10074,7 @@
               <a:defRPr/>
             </a:pPr>
             <a:r>
-              <a:rPr sz="1800" spc="5">
+              <a:rPr sz="1800" spc="5" dirty="0" err="1">
                 <a:solidFill>
                   <a:schemeClr val="tx1"/>
                 </a:solidFill>
@@ -9582,17 +10084,17 @@
               <a:t>Архітектура</a:t>
             </a:r>
             <a:r>
-              <a:rPr sz="1800" spc="5">
-                <a:solidFill>
-                  <a:schemeClr val="tx1"/>
-                </a:solidFill>
-                <a:latin typeface="Times New Roman"/>
-                <a:cs typeface="Times New Roman"/>
-              </a:rPr>
-              <a:t> </a:t>
-            </a:r>
-            <a:r>
-              <a:rPr sz="1800" spc="5">
+              <a:rPr sz="1800" spc="5" dirty="0">
+                <a:solidFill>
+                  <a:schemeClr val="tx1"/>
+                </a:solidFill>
+                <a:latin typeface="Times New Roman"/>
+                <a:cs typeface="Times New Roman"/>
+              </a:rPr>
+              <a:t> </a:t>
+            </a:r>
+            <a:r>
+              <a:rPr sz="1800" spc="5" dirty="0" err="1">
                 <a:solidFill>
                   <a:schemeClr val="tx1"/>
                 </a:solidFill>
@@ -9602,17 +10104,17 @@
               <a:t>програмного</a:t>
             </a:r>
             <a:r>
-              <a:rPr sz="1800" spc="5">
-                <a:solidFill>
-                  <a:schemeClr val="tx1"/>
-                </a:solidFill>
-                <a:latin typeface="Times New Roman"/>
-                <a:cs typeface="Times New Roman"/>
-              </a:rPr>
-              <a:t> </a:t>
-            </a:r>
-            <a:r>
-              <a:rPr sz="1800" spc="5">
+              <a:rPr sz="1800" spc="5" dirty="0">
+                <a:solidFill>
+                  <a:schemeClr val="tx1"/>
+                </a:solidFill>
+                <a:latin typeface="Times New Roman"/>
+                <a:cs typeface="Times New Roman"/>
+              </a:rPr>
+              <a:t> </a:t>
+            </a:r>
+            <a:r>
+              <a:rPr sz="1800" spc="5" dirty="0" err="1">
                 <a:solidFill>
                   <a:schemeClr val="tx1"/>
                 </a:solidFill>
@@ -9622,17 +10124,17 @@
               <a:t>забезпечення</a:t>
             </a:r>
             <a:r>
-              <a:rPr sz="1800" spc="5">
-                <a:solidFill>
-                  <a:schemeClr val="tx1"/>
-                </a:solidFill>
-                <a:latin typeface="Times New Roman"/>
-                <a:cs typeface="Times New Roman"/>
-              </a:rPr>
-              <a:t> </a:t>
-            </a:r>
-            <a:r>
-              <a:rPr sz="1800" spc="10">
+              <a:rPr sz="1800" spc="5" dirty="0">
+                <a:solidFill>
+                  <a:schemeClr val="tx1"/>
+                </a:solidFill>
+                <a:latin typeface="Times New Roman"/>
+                <a:cs typeface="Times New Roman"/>
+              </a:rPr>
+              <a:t> </a:t>
+            </a:r>
+            <a:r>
+              <a:rPr sz="1800" spc="10" dirty="0" err="1">
                 <a:solidFill>
                   <a:schemeClr val="tx1"/>
                 </a:solidFill>
@@ -9642,27 +10144,27 @@
               <a:t>системи</a:t>
             </a:r>
             <a:r>
-              <a:rPr sz="1800" spc="10">
-                <a:solidFill>
-                  <a:schemeClr val="tx1"/>
-                </a:solidFill>
-                <a:latin typeface="Times New Roman"/>
-                <a:cs typeface="Times New Roman"/>
-              </a:rPr>
-              <a:t> </a:t>
-            </a:r>
-            <a:r>
-              <a:rPr sz="1800" spc="15">
-                <a:solidFill>
-                  <a:schemeClr val="tx1"/>
-                </a:solidFill>
-                <a:latin typeface="Times New Roman"/>
-                <a:cs typeface="Times New Roman"/>
-              </a:rPr>
-              <a:t> </a:t>
-            </a:r>
-            <a:r>
-              <a:rPr sz="1800" spc="10">
+              <a:rPr sz="1800" spc="10" dirty="0">
+                <a:solidFill>
+                  <a:schemeClr val="tx1"/>
+                </a:solidFill>
+                <a:latin typeface="Times New Roman"/>
+                <a:cs typeface="Times New Roman"/>
+              </a:rPr>
+              <a:t> </a:t>
+            </a:r>
+            <a:r>
+              <a:rPr sz="1800" spc="15" dirty="0">
+                <a:solidFill>
+                  <a:schemeClr val="tx1"/>
+                </a:solidFill>
+                <a:latin typeface="Times New Roman"/>
+                <a:cs typeface="Times New Roman"/>
+              </a:rPr>
+              <a:t> </a:t>
+            </a:r>
+            <a:r>
+              <a:rPr sz="1800" spc="10" dirty="0" err="1">
                 <a:solidFill>
                   <a:schemeClr val="tx1"/>
                 </a:solidFill>
@@ -9672,17 +10174,17 @@
               <a:t>електронних</a:t>
             </a:r>
             <a:r>
-              <a:rPr sz="1800" spc="10">
-                <a:solidFill>
-                  <a:schemeClr val="tx1"/>
-                </a:solidFill>
-                <a:latin typeface="Times New Roman"/>
-                <a:cs typeface="Times New Roman"/>
-              </a:rPr>
-              <a:t> </a:t>
-            </a:r>
-            <a:r>
-              <a:rPr sz="1800" spc="5">
+              <a:rPr sz="1800" spc="10" dirty="0">
+                <a:solidFill>
+                  <a:schemeClr val="tx1"/>
+                </a:solidFill>
+                <a:latin typeface="Times New Roman"/>
+                <a:cs typeface="Times New Roman"/>
+              </a:rPr>
+              <a:t> </a:t>
+            </a:r>
+            <a:r>
+              <a:rPr sz="1800" spc="5" dirty="0" err="1">
                 <a:solidFill>
                   <a:schemeClr val="tx1"/>
                 </a:solidFill>
@@ -9692,17 +10194,17 @@
               <a:t>платежів</a:t>
             </a:r>
             <a:r>
-              <a:rPr sz="1800" spc="5">
-                <a:solidFill>
-                  <a:schemeClr val="tx1"/>
-                </a:solidFill>
-                <a:latin typeface="Times New Roman"/>
-                <a:cs typeface="Times New Roman"/>
-              </a:rPr>
-              <a:t> </a:t>
-            </a:r>
-            <a:r>
-              <a:rPr sz="1800" spc="10">
+              <a:rPr sz="1800" spc="5" dirty="0">
+                <a:solidFill>
+                  <a:schemeClr val="tx1"/>
+                </a:solidFill>
+                <a:latin typeface="Times New Roman"/>
+                <a:cs typeface="Times New Roman"/>
+              </a:rPr>
+              <a:t> </a:t>
+            </a:r>
+            <a:r>
+              <a:rPr sz="1800" spc="10" dirty="0" err="1">
                 <a:solidFill>
                   <a:schemeClr val="tx1"/>
                 </a:solidFill>
@@ -9712,17 +10214,17 @@
               <a:t>на</a:t>
             </a:r>
             <a:r>
-              <a:rPr sz="1800" spc="10">
-                <a:solidFill>
-                  <a:schemeClr val="tx1"/>
-                </a:solidFill>
-                <a:latin typeface="Times New Roman"/>
-                <a:cs typeface="Times New Roman"/>
-              </a:rPr>
-              <a:t> </a:t>
-            </a:r>
-            <a:r>
-              <a:rPr sz="1800" spc="15">
+              <a:rPr sz="1800" spc="10" dirty="0">
+                <a:solidFill>
+                  <a:schemeClr val="tx1"/>
+                </a:solidFill>
+                <a:latin typeface="Times New Roman"/>
+                <a:cs typeface="Times New Roman"/>
+              </a:rPr>
+              <a:t> </a:t>
+            </a:r>
+            <a:r>
+              <a:rPr sz="1800" spc="15" dirty="0" err="1">
                 <a:solidFill>
                   <a:schemeClr val="tx1"/>
                 </a:solidFill>
@@ -9732,17 +10234,17 @@
               <a:t>основі</a:t>
             </a:r>
             <a:r>
-              <a:rPr sz="1800" spc="15">
-                <a:solidFill>
-                  <a:schemeClr val="tx1"/>
-                </a:solidFill>
-                <a:latin typeface="Times New Roman"/>
-                <a:cs typeface="Times New Roman"/>
-              </a:rPr>
-              <a:t> </a:t>
-            </a:r>
-            <a:r>
-              <a:rPr sz="1800">
+              <a:rPr sz="1800" spc="15" dirty="0">
+                <a:solidFill>
+                  <a:schemeClr val="tx1"/>
+                </a:solidFill>
+                <a:latin typeface="Times New Roman"/>
+                <a:cs typeface="Times New Roman"/>
+              </a:rPr>
+              <a:t> </a:t>
+            </a:r>
+            <a:r>
+              <a:rPr sz="1800" dirty="0">
                 <a:solidFill>
                   <a:schemeClr val="tx1"/>
                 </a:solidFill>
@@ -9752,7 +10254,7 @@
               <a:t>блокчейну </a:t>
             </a:r>
             <a:r>
-              <a:rPr sz="1800" spc="5">
+              <a:rPr sz="1800" spc="5" dirty="0" err="1">
                 <a:solidFill>
                   <a:schemeClr val="tx1"/>
                 </a:solidFill>
@@ -9762,27 +10264,27 @@
               <a:t>розроблена</a:t>
             </a:r>
             <a:r>
-              <a:rPr sz="1800" spc="5">
-                <a:solidFill>
-                  <a:schemeClr val="tx1"/>
-                </a:solidFill>
-                <a:latin typeface="Times New Roman"/>
-                <a:cs typeface="Times New Roman"/>
-              </a:rPr>
-              <a:t> </a:t>
-            </a:r>
-            <a:r>
-              <a:rPr sz="1800" spc="10">
-                <a:solidFill>
-                  <a:schemeClr val="tx1"/>
-                </a:solidFill>
-                <a:latin typeface="Times New Roman"/>
-                <a:cs typeface="Times New Roman"/>
-              </a:rPr>
-              <a:t> </a:t>
-            </a:r>
-            <a:r>
-              <a:rPr sz="1800" spc="15">
+              <a:rPr sz="1800" spc="5" dirty="0">
+                <a:solidFill>
+                  <a:schemeClr val="tx1"/>
+                </a:solidFill>
+                <a:latin typeface="Times New Roman"/>
+                <a:cs typeface="Times New Roman"/>
+              </a:rPr>
+              <a:t> </a:t>
+            </a:r>
+            <a:r>
+              <a:rPr sz="1800" spc="10" dirty="0">
+                <a:solidFill>
+                  <a:schemeClr val="tx1"/>
+                </a:solidFill>
+                <a:latin typeface="Times New Roman"/>
+                <a:cs typeface="Times New Roman"/>
+              </a:rPr>
+              <a:t> </a:t>
+            </a:r>
+            <a:r>
+              <a:rPr sz="1800" spc="15" dirty="0" err="1">
                 <a:solidFill>
                   <a:schemeClr val="tx1"/>
                 </a:solidFill>
@@ -9792,17 +10294,17 @@
               <a:t>таким</a:t>
             </a:r>
             <a:r>
-              <a:rPr sz="1800" spc="15">
-                <a:solidFill>
-                  <a:schemeClr val="tx1"/>
-                </a:solidFill>
-                <a:latin typeface="Times New Roman"/>
-                <a:cs typeface="Times New Roman"/>
-              </a:rPr>
-              <a:t> </a:t>
-            </a:r>
-            <a:r>
-              <a:rPr sz="1800" spc="10">
+              <a:rPr sz="1800" spc="15" dirty="0">
+                <a:solidFill>
+                  <a:schemeClr val="tx1"/>
+                </a:solidFill>
+                <a:latin typeface="Times New Roman"/>
+                <a:cs typeface="Times New Roman"/>
+              </a:rPr>
+              <a:t> </a:t>
+            </a:r>
+            <a:r>
+              <a:rPr sz="1800" spc="10" dirty="0" err="1">
                 <a:solidFill>
                   <a:schemeClr val="tx1"/>
                 </a:solidFill>
@@ -9812,7 +10314,7 @@
               <a:t>чином</a:t>
             </a:r>
             <a:r>
-              <a:rPr sz="1800" spc="10">
+              <a:rPr sz="1800" spc="10" dirty="0">
                 <a:solidFill>
                   <a:schemeClr val="tx1"/>
                 </a:solidFill>
@@ -9822,7 +10324,7 @@
               <a:t>, </a:t>
             </a:r>
             <a:r>
-              <a:rPr sz="1800" spc="10">
+              <a:rPr sz="1800" spc="10" dirty="0" err="1">
                 <a:solidFill>
                   <a:schemeClr val="tx1"/>
                 </a:solidFill>
@@ -9832,17 +10334,17 @@
               <a:t>щоб</a:t>
             </a:r>
             <a:r>
-              <a:rPr sz="1800" spc="10">
-                <a:solidFill>
-                  <a:schemeClr val="tx1"/>
-                </a:solidFill>
-                <a:latin typeface="Times New Roman"/>
-                <a:cs typeface="Times New Roman"/>
-              </a:rPr>
-              <a:t> </a:t>
-            </a:r>
-            <a:r>
-              <a:rPr sz="1800" spc="5">
+              <a:rPr sz="1800" spc="10" dirty="0">
+                <a:solidFill>
+                  <a:schemeClr val="tx1"/>
+                </a:solidFill>
+                <a:latin typeface="Times New Roman"/>
+                <a:cs typeface="Times New Roman"/>
+              </a:rPr>
+              <a:t> </a:t>
+            </a:r>
+            <a:r>
+              <a:rPr sz="1800" spc="5" dirty="0" err="1">
                 <a:solidFill>
                   <a:schemeClr val="tx1"/>
                 </a:solidFill>
@@ -9852,17 +10354,17 @@
               <a:t>забезпечити</a:t>
             </a:r>
             <a:r>
-              <a:rPr sz="1800" spc="5">
-                <a:solidFill>
-                  <a:schemeClr val="tx1"/>
-                </a:solidFill>
-                <a:latin typeface="Times New Roman"/>
-                <a:cs typeface="Times New Roman"/>
-              </a:rPr>
-              <a:t> </a:t>
-            </a:r>
-            <a:r>
-              <a:rPr sz="1800" spc="5">
+              <a:rPr sz="1800" spc="5" dirty="0">
+                <a:solidFill>
+                  <a:schemeClr val="tx1"/>
+                </a:solidFill>
+                <a:latin typeface="Times New Roman"/>
+                <a:cs typeface="Times New Roman"/>
+              </a:rPr>
+              <a:t> </a:t>
+            </a:r>
+            <a:r>
+              <a:rPr sz="1800" spc="5" dirty="0" err="1">
                 <a:solidFill>
                   <a:schemeClr val="tx1"/>
                 </a:solidFill>
@@ -9872,17 +10374,17 @@
               <a:t>максимальну</a:t>
             </a:r>
             <a:r>
-              <a:rPr sz="1800" spc="5">
-                <a:solidFill>
-                  <a:schemeClr val="tx1"/>
-                </a:solidFill>
-                <a:latin typeface="Times New Roman"/>
-                <a:cs typeface="Times New Roman"/>
-              </a:rPr>
-              <a:t> </a:t>
-            </a:r>
-            <a:r>
-              <a:rPr sz="1800" spc="5">
+              <a:rPr sz="1800" spc="5" dirty="0">
+                <a:solidFill>
+                  <a:schemeClr val="tx1"/>
+                </a:solidFill>
+                <a:latin typeface="Times New Roman"/>
+                <a:cs typeface="Times New Roman"/>
+              </a:rPr>
+              <a:t> </a:t>
+            </a:r>
+            <a:r>
+              <a:rPr sz="1800" spc="5" dirty="0" err="1">
                 <a:solidFill>
                   <a:schemeClr val="tx1"/>
                 </a:solidFill>
@@ -9892,17 +10394,17 @@
               <a:t>безпеку</a:t>
             </a:r>
             <a:r>
-              <a:rPr sz="1800" spc="5">
-                <a:solidFill>
-                  <a:schemeClr val="tx1"/>
-                </a:solidFill>
-                <a:latin typeface="Times New Roman"/>
-                <a:cs typeface="Times New Roman"/>
-              </a:rPr>
-              <a:t> </a:t>
-            </a:r>
-            <a:r>
-              <a:rPr sz="1800" spc="20">
+              <a:rPr sz="1800" spc="5" dirty="0">
+                <a:solidFill>
+                  <a:schemeClr val="tx1"/>
+                </a:solidFill>
+                <a:latin typeface="Times New Roman"/>
+                <a:cs typeface="Times New Roman"/>
+              </a:rPr>
+              <a:t> </a:t>
+            </a:r>
+            <a:r>
+              <a:rPr sz="1800" spc="20" dirty="0" err="1">
                 <a:solidFill>
                   <a:schemeClr val="tx1"/>
                 </a:solidFill>
@@ -9912,27 +10414,27 @@
               <a:t>та</a:t>
             </a:r>
             <a:r>
-              <a:rPr sz="1800" spc="20">
-                <a:solidFill>
-                  <a:schemeClr val="tx1"/>
-                </a:solidFill>
-                <a:latin typeface="Times New Roman"/>
-                <a:cs typeface="Times New Roman"/>
-              </a:rPr>
-              <a:t> </a:t>
-            </a:r>
-            <a:r>
-              <a:rPr sz="1800" spc="25">
-                <a:solidFill>
-                  <a:schemeClr val="tx1"/>
-                </a:solidFill>
-                <a:latin typeface="Times New Roman"/>
-                <a:cs typeface="Times New Roman"/>
-              </a:rPr>
-              <a:t> </a:t>
-            </a:r>
-            <a:r>
-              <a:rPr sz="1800" spc="5">
+              <a:rPr sz="1800" spc="20" dirty="0">
+                <a:solidFill>
+                  <a:schemeClr val="tx1"/>
+                </a:solidFill>
+                <a:latin typeface="Times New Roman"/>
+                <a:cs typeface="Times New Roman"/>
+              </a:rPr>
+              <a:t> </a:t>
+            </a:r>
+            <a:r>
+              <a:rPr sz="1800" spc="25" dirty="0">
+                <a:solidFill>
+                  <a:schemeClr val="tx1"/>
+                </a:solidFill>
+                <a:latin typeface="Times New Roman"/>
+                <a:cs typeface="Times New Roman"/>
+              </a:rPr>
+              <a:t> </a:t>
+            </a:r>
+            <a:r>
+              <a:rPr sz="1800" spc="5" dirty="0" err="1">
                 <a:solidFill>
                   <a:schemeClr val="tx1"/>
                 </a:solidFill>
@@ -9942,17 +10444,17 @@
               <a:t>зручність</a:t>
             </a:r>
             <a:r>
-              <a:rPr sz="1800" spc="5">
-                <a:solidFill>
-                  <a:schemeClr val="tx1"/>
-                </a:solidFill>
-                <a:latin typeface="Times New Roman"/>
-                <a:cs typeface="Times New Roman"/>
-              </a:rPr>
-              <a:t> </a:t>
-            </a:r>
-            <a:r>
-              <a:rPr sz="1800" spc="5">
+              <a:rPr sz="1800" spc="5" dirty="0">
+                <a:solidFill>
+                  <a:schemeClr val="tx1"/>
+                </a:solidFill>
+                <a:latin typeface="Times New Roman"/>
+                <a:cs typeface="Times New Roman"/>
+              </a:rPr>
+              <a:t> </a:t>
+            </a:r>
+            <a:r>
+              <a:rPr sz="1800" spc="5" dirty="0" err="1">
                 <a:solidFill>
                   <a:schemeClr val="tx1"/>
                 </a:solidFill>
@@ -9962,17 +10464,17 @@
               <a:t>використання</a:t>
             </a:r>
             <a:r>
-              <a:rPr sz="1800" spc="5">
-                <a:solidFill>
-                  <a:schemeClr val="tx1"/>
-                </a:solidFill>
-                <a:latin typeface="Times New Roman"/>
-                <a:cs typeface="Times New Roman"/>
-              </a:rPr>
-              <a:t> </a:t>
-            </a:r>
-            <a:r>
-              <a:rPr sz="1800" spc="10">
+              <a:rPr sz="1800" spc="5" dirty="0">
+                <a:solidFill>
+                  <a:schemeClr val="tx1"/>
+                </a:solidFill>
+                <a:latin typeface="Times New Roman"/>
+                <a:cs typeface="Times New Roman"/>
+              </a:rPr>
+              <a:t> </a:t>
+            </a:r>
+            <a:r>
+              <a:rPr sz="1800" spc="10" dirty="0" err="1">
                 <a:solidFill>
                   <a:schemeClr val="tx1"/>
                 </a:solidFill>
@@ -9982,17 +10484,17 @@
               <a:t>для</a:t>
             </a:r>
             <a:r>
-              <a:rPr sz="1800" spc="10">
-                <a:solidFill>
-                  <a:schemeClr val="tx1"/>
-                </a:solidFill>
-                <a:latin typeface="Times New Roman"/>
-                <a:cs typeface="Times New Roman"/>
-              </a:rPr>
-              <a:t> </a:t>
-            </a:r>
-            <a:r>
-              <a:rPr sz="1800" spc="-5">
+              <a:rPr sz="1800" spc="10" dirty="0">
+                <a:solidFill>
+                  <a:schemeClr val="tx1"/>
+                </a:solidFill>
+                <a:latin typeface="Times New Roman"/>
+                <a:cs typeface="Times New Roman"/>
+              </a:rPr>
+              <a:t> </a:t>
+            </a:r>
+            <a:r>
+              <a:rPr sz="1800" spc="-5" dirty="0" err="1">
                 <a:solidFill>
                   <a:schemeClr val="tx1"/>
                 </a:solidFill>
@@ -10002,17 +10504,17 @@
               <a:t>широкого</a:t>
             </a:r>
             <a:r>
-              <a:rPr sz="1800" spc="-5">
-                <a:solidFill>
-                  <a:schemeClr val="tx1"/>
-                </a:solidFill>
-                <a:latin typeface="Times New Roman"/>
-                <a:cs typeface="Times New Roman"/>
-              </a:rPr>
-              <a:t> </a:t>
-            </a:r>
-            <a:r>
-              <a:rPr sz="1800" spc="-15">
+              <a:rPr sz="1800" spc="-5" dirty="0">
+                <a:solidFill>
+                  <a:schemeClr val="tx1"/>
+                </a:solidFill>
+                <a:latin typeface="Times New Roman"/>
+                <a:cs typeface="Times New Roman"/>
+              </a:rPr>
+              <a:t> </a:t>
+            </a:r>
+            <a:r>
+              <a:rPr sz="1800" spc="-15" dirty="0" err="1">
                 <a:solidFill>
                   <a:schemeClr val="tx1"/>
                 </a:solidFill>
@@ -10022,17 +10524,17 @@
               <a:t>кола</a:t>
             </a:r>
             <a:r>
-              <a:rPr sz="1800" spc="-15">
-                <a:solidFill>
-                  <a:schemeClr val="tx1"/>
-                </a:solidFill>
-                <a:latin typeface="Times New Roman"/>
-                <a:cs typeface="Times New Roman"/>
-              </a:rPr>
-              <a:t> </a:t>
-            </a:r>
-            <a:r>
-              <a:rPr sz="1800" spc="-5">
+              <a:rPr sz="1800" spc="-15" dirty="0">
+                <a:solidFill>
+                  <a:schemeClr val="tx1"/>
+                </a:solidFill>
+                <a:latin typeface="Times New Roman"/>
+                <a:cs typeface="Times New Roman"/>
+              </a:rPr>
+              <a:t> </a:t>
+            </a:r>
+            <a:r>
+              <a:rPr sz="1800" spc="-5" dirty="0" err="1">
                 <a:solidFill>
                   <a:schemeClr val="tx1"/>
                 </a:solidFill>
@@ -10042,7 +10544,7 @@
               <a:t>користувачів</a:t>
             </a:r>
             <a:r>
-              <a:rPr sz="1800" spc="-5">
+              <a:rPr sz="1800" spc="-5" dirty="0">
                 <a:solidFill>
                   <a:schemeClr val="tx1"/>
                 </a:solidFill>
@@ -10052,17 +10554,17 @@
               <a:t>. </a:t>
             </a:r>
             <a:r>
-              <a:rPr sz="1800">
-                <a:solidFill>
-                  <a:schemeClr val="tx1"/>
-                </a:solidFill>
-                <a:latin typeface="Times New Roman"/>
-                <a:cs typeface="Times New Roman"/>
-              </a:rPr>
-              <a:t> </a:t>
-            </a:r>
-            <a:r>
-              <a:rPr sz="1800" spc="5">
+              <a:rPr sz="1800" dirty="0">
+                <a:solidFill>
+                  <a:schemeClr val="tx1"/>
+                </a:solidFill>
+                <a:latin typeface="Times New Roman"/>
+                <a:cs typeface="Times New Roman"/>
+              </a:rPr>
+              <a:t> </a:t>
+            </a:r>
+            <a:r>
+              <a:rPr sz="1800" spc="5" dirty="0" err="1">
                 <a:solidFill>
                   <a:schemeClr val="tx1"/>
                 </a:solidFill>
@@ -10072,17 +10574,17 @@
               <a:t>Система</a:t>
             </a:r>
             <a:r>
-              <a:rPr sz="1800" spc="5">
-                <a:solidFill>
-                  <a:schemeClr val="tx1"/>
-                </a:solidFill>
-                <a:latin typeface="Times New Roman"/>
-                <a:cs typeface="Times New Roman"/>
-              </a:rPr>
-              <a:t> </a:t>
-            </a:r>
-            <a:r>
-              <a:rPr sz="1800">
+              <a:rPr sz="1800" spc="5" dirty="0">
+                <a:solidFill>
+                  <a:schemeClr val="tx1"/>
+                </a:solidFill>
+                <a:latin typeface="Times New Roman"/>
+                <a:cs typeface="Times New Roman"/>
+              </a:rPr>
+              <a:t> </a:t>
+            </a:r>
+            <a:r>
+              <a:rPr sz="1800" dirty="0" err="1">
                 <a:solidFill>
                   <a:schemeClr val="tx1"/>
                 </a:solidFill>
@@ -10092,17 +10594,17 @@
               <a:t>включає</a:t>
             </a:r>
             <a:r>
-              <a:rPr sz="1800">
-                <a:solidFill>
-                  <a:schemeClr val="tx1"/>
-                </a:solidFill>
-                <a:latin typeface="Times New Roman"/>
-                <a:cs typeface="Times New Roman"/>
-              </a:rPr>
-              <a:t> </a:t>
-            </a:r>
-            <a:r>
-              <a:rPr sz="1800" spc="10">
+              <a:rPr sz="1800" dirty="0">
+                <a:solidFill>
+                  <a:schemeClr val="tx1"/>
+                </a:solidFill>
+                <a:latin typeface="Times New Roman"/>
+                <a:cs typeface="Times New Roman"/>
+              </a:rPr>
+              <a:t> </a:t>
+            </a:r>
+            <a:r>
+              <a:rPr sz="1800" spc="10" dirty="0">
                 <a:solidFill>
                   <a:schemeClr val="tx1"/>
                 </a:solidFill>
@@ -10112,7 +10614,7 @@
               <a:t>в </a:t>
             </a:r>
             <a:r>
-              <a:rPr sz="1800" spc="10">
+              <a:rPr sz="1800" spc="10" dirty="0" err="1">
                 <a:solidFill>
                   <a:schemeClr val="tx1"/>
                 </a:solidFill>
@@ -10122,17 +10624,17 @@
               <a:t>себе</a:t>
             </a:r>
             <a:r>
-              <a:rPr sz="1800" spc="10">
-                <a:solidFill>
-                  <a:schemeClr val="tx1"/>
-                </a:solidFill>
-                <a:latin typeface="Times New Roman"/>
-                <a:cs typeface="Times New Roman"/>
-              </a:rPr>
-              <a:t> </a:t>
-            </a:r>
-            <a:r>
-              <a:rPr sz="1800" spc="15">
+              <a:rPr sz="1800" spc="10" dirty="0">
+                <a:solidFill>
+                  <a:schemeClr val="tx1"/>
+                </a:solidFill>
+                <a:latin typeface="Times New Roman"/>
+                <a:cs typeface="Times New Roman"/>
+              </a:rPr>
+              <a:t> </a:t>
+            </a:r>
+            <a:r>
+              <a:rPr sz="1800" spc="15" dirty="0" err="1">
                 <a:solidFill>
                   <a:schemeClr val="tx1"/>
                 </a:solidFill>
@@ -10142,17 +10644,17 @@
               <a:t>веб-гаманець</a:t>
             </a:r>
             <a:r>
-              <a:rPr sz="1800" spc="15">
-                <a:solidFill>
-                  <a:schemeClr val="tx1"/>
-                </a:solidFill>
-                <a:latin typeface="Times New Roman"/>
-                <a:cs typeface="Times New Roman"/>
-              </a:rPr>
-              <a:t> </a:t>
-            </a:r>
-            <a:r>
-              <a:rPr sz="1800" spc="5">
+              <a:rPr sz="1800" spc="15" dirty="0">
+                <a:solidFill>
+                  <a:schemeClr val="tx1"/>
+                </a:solidFill>
+                <a:latin typeface="Times New Roman"/>
+                <a:cs typeface="Times New Roman"/>
+              </a:rPr>
+              <a:t> </a:t>
+            </a:r>
+            <a:r>
+              <a:rPr sz="1800" spc="5" dirty="0">
                 <a:solidFill>
                   <a:schemeClr val="tx1"/>
                 </a:solidFill>
@@ -10162,7 +10664,7 @@
               <a:t>і </a:t>
             </a:r>
             <a:r>
-              <a:rPr sz="1800">
+              <a:rPr sz="1800" dirty="0" err="1">
                 <a:solidFill>
                   <a:schemeClr val="tx1"/>
                 </a:solidFill>
@@ -10172,27 +10674,27 @@
               <a:t>консольний</a:t>
             </a:r>
             <a:r>
-              <a:rPr sz="1800">
-                <a:solidFill>
-                  <a:schemeClr val="tx1"/>
-                </a:solidFill>
-                <a:latin typeface="Times New Roman"/>
-                <a:cs typeface="Times New Roman"/>
-              </a:rPr>
-              <a:t> </a:t>
-            </a:r>
-            <a:r>
-              <a:rPr sz="1800" spc="5">
-                <a:solidFill>
-                  <a:schemeClr val="tx1"/>
-                </a:solidFill>
-                <a:latin typeface="Times New Roman"/>
-                <a:cs typeface="Times New Roman"/>
-              </a:rPr>
-              <a:t> </a:t>
-            </a:r>
-            <a:r>
-              <a:rPr sz="1800" spc="10">
+              <a:rPr sz="1800" dirty="0">
+                <a:solidFill>
+                  <a:schemeClr val="tx1"/>
+                </a:solidFill>
+                <a:latin typeface="Times New Roman"/>
+                <a:cs typeface="Times New Roman"/>
+              </a:rPr>
+              <a:t> </a:t>
+            </a:r>
+            <a:r>
+              <a:rPr sz="1800" spc="5" dirty="0">
+                <a:solidFill>
+                  <a:schemeClr val="tx1"/>
+                </a:solidFill>
+                <a:latin typeface="Times New Roman"/>
+                <a:cs typeface="Times New Roman"/>
+              </a:rPr>
+              <a:t> </a:t>
+            </a:r>
+            <a:r>
+              <a:rPr sz="1800" spc="10" dirty="0" err="1">
                 <a:solidFill>
                   <a:schemeClr val="tx1"/>
                 </a:solidFill>
@@ -10202,7 +10704,7 @@
               <a:t>інтерфейс</a:t>
             </a:r>
             <a:r>
-              <a:rPr sz="1800" spc="10">
+              <a:rPr sz="1800" spc="10" dirty="0">
                 <a:solidFill>
                   <a:schemeClr val="tx1"/>
                 </a:solidFill>
@@ -10212,7 +10714,7 @@
               <a:t>, </a:t>
             </a:r>
             <a:r>
-              <a:rPr sz="1800" spc="15">
+              <a:rPr sz="1800" spc="15" dirty="0" err="1">
                 <a:solidFill>
                   <a:schemeClr val="tx1"/>
                 </a:solidFill>
@@ -10222,17 +10724,17 @@
               <a:t>що</a:t>
             </a:r>
             <a:r>
-              <a:rPr sz="1800" spc="15">
-                <a:solidFill>
-                  <a:schemeClr val="tx1"/>
-                </a:solidFill>
-                <a:latin typeface="Times New Roman"/>
-                <a:cs typeface="Times New Roman"/>
-              </a:rPr>
-              <a:t> </a:t>
-            </a:r>
-            <a:r>
-              <a:rPr sz="1800" spc="10">
+              <a:rPr sz="1800" spc="15" dirty="0">
+                <a:solidFill>
+                  <a:schemeClr val="tx1"/>
+                </a:solidFill>
+                <a:latin typeface="Times New Roman"/>
+                <a:cs typeface="Times New Roman"/>
+              </a:rPr>
+              <a:t> </a:t>
+            </a:r>
+            <a:r>
+              <a:rPr sz="1800" spc="10" dirty="0" err="1">
                 <a:solidFill>
                   <a:schemeClr val="tx1"/>
                 </a:solidFill>
@@ -10242,17 +10744,17 @@
               <a:t>робить</a:t>
             </a:r>
             <a:r>
-              <a:rPr sz="1800" spc="10">
-                <a:solidFill>
-                  <a:schemeClr val="tx1"/>
-                </a:solidFill>
-                <a:latin typeface="Times New Roman"/>
-                <a:cs typeface="Times New Roman"/>
-              </a:rPr>
-              <a:t> </a:t>
-            </a:r>
-            <a:r>
-              <a:rPr sz="1800" spc="5">
+              <a:rPr sz="1800" spc="10" dirty="0">
+                <a:solidFill>
+                  <a:schemeClr val="tx1"/>
+                </a:solidFill>
+                <a:latin typeface="Times New Roman"/>
+                <a:cs typeface="Times New Roman"/>
+              </a:rPr>
+              <a:t> </a:t>
+            </a:r>
+            <a:r>
+              <a:rPr sz="1800" spc="5" dirty="0" err="1">
                 <a:solidFill>
                   <a:schemeClr val="tx1"/>
                 </a:solidFill>
@@ -10262,17 +10764,17 @@
               <a:t>її</a:t>
             </a:r>
             <a:r>
-              <a:rPr sz="1800" spc="5">
-                <a:solidFill>
-                  <a:schemeClr val="tx1"/>
-                </a:solidFill>
-                <a:latin typeface="Times New Roman"/>
-                <a:cs typeface="Times New Roman"/>
-              </a:rPr>
-              <a:t> </a:t>
-            </a:r>
-            <a:r>
-              <a:rPr sz="1800" spc="10">
+              <a:rPr sz="1800" spc="5" dirty="0">
+                <a:solidFill>
+                  <a:schemeClr val="tx1"/>
+                </a:solidFill>
+                <a:latin typeface="Times New Roman"/>
+                <a:cs typeface="Times New Roman"/>
+              </a:rPr>
+              <a:t> </a:t>
+            </a:r>
+            <a:r>
+              <a:rPr sz="1800" spc="10" dirty="0" err="1">
                 <a:solidFill>
                   <a:schemeClr val="tx1"/>
                 </a:solidFill>
@@ -10282,17 +10784,17 @@
               <a:t>доступною</a:t>
             </a:r>
             <a:r>
-              <a:rPr sz="1800" spc="10">
-                <a:solidFill>
-                  <a:schemeClr val="tx1"/>
-                </a:solidFill>
-                <a:latin typeface="Times New Roman"/>
-                <a:cs typeface="Times New Roman"/>
-              </a:rPr>
-              <a:t> </a:t>
-            </a:r>
-            <a:r>
-              <a:rPr sz="1800" spc="10">
+              <a:rPr sz="1800" spc="10" dirty="0">
+                <a:solidFill>
+                  <a:schemeClr val="tx1"/>
+                </a:solidFill>
+                <a:latin typeface="Times New Roman"/>
+                <a:cs typeface="Times New Roman"/>
+              </a:rPr>
+              <a:t> </a:t>
+            </a:r>
+            <a:r>
+              <a:rPr sz="1800" spc="10" dirty="0" err="1">
                 <a:solidFill>
                   <a:schemeClr val="tx1"/>
                 </a:solidFill>
@@ -10302,17 +10804,17 @@
               <a:t>як</a:t>
             </a:r>
             <a:r>
-              <a:rPr sz="1800" spc="10">
-                <a:solidFill>
-                  <a:schemeClr val="tx1"/>
-                </a:solidFill>
-                <a:latin typeface="Times New Roman"/>
-                <a:cs typeface="Times New Roman"/>
-              </a:rPr>
-              <a:t> </a:t>
-            </a:r>
-            <a:r>
-              <a:rPr sz="1800" spc="10">
+              <a:rPr sz="1800" spc="10" dirty="0">
+                <a:solidFill>
+                  <a:schemeClr val="tx1"/>
+                </a:solidFill>
+                <a:latin typeface="Times New Roman"/>
+                <a:cs typeface="Times New Roman"/>
+              </a:rPr>
+              <a:t> </a:t>
+            </a:r>
+            <a:r>
+              <a:rPr sz="1800" spc="10" dirty="0" err="1">
                 <a:solidFill>
                   <a:schemeClr val="tx1"/>
                 </a:solidFill>
@@ -10322,17 +10824,17 @@
               <a:t>для</a:t>
             </a:r>
             <a:r>
-              <a:rPr sz="1800" spc="10">
-                <a:solidFill>
-                  <a:schemeClr val="tx1"/>
-                </a:solidFill>
-                <a:latin typeface="Times New Roman"/>
-                <a:cs typeface="Times New Roman"/>
-              </a:rPr>
-              <a:t> </a:t>
-            </a:r>
-            <a:r>
-              <a:rPr sz="1800" spc="10">
+              <a:rPr sz="1800" spc="10" dirty="0">
+                <a:solidFill>
+                  <a:schemeClr val="tx1"/>
+                </a:solidFill>
+                <a:latin typeface="Times New Roman"/>
+                <a:cs typeface="Times New Roman"/>
+              </a:rPr>
+              <a:t> </a:t>
+            </a:r>
+            <a:r>
+              <a:rPr sz="1800" spc="10" dirty="0" err="1">
                 <a:solidFill>
                   <a:schemeClr val="tx1"/>
                 </a:solidFill>
@@ -10342,27 +10844,27 @@
               <a:t>досвідчених</a:t>
             </a:r>
             <a:r>
-              <a:rPr sz="1800" spc="10">
-                <a:solidFill>
-                  <a:schemeClr val="tx1"/>
-                </a:solidFill>
-                <a:latin typeface="Times New Roman"/>
-                <a:cs typeface="Times New Roman"/>
-              </a:rPr>
-              <a:t> </a:t>
-            </a:r>
-            <a:r>
-              <a:rPr sz="1800" spc="15">
-                <a:solidFill>
-                  <a:schemeClr val="tx1"/>
-                </a:solidFill>
-                <a:latin typeface="Times New Roman"/>
-                <a:cs typeface="Times New Roman"/>
-              </a:rPr>
-              <a:t> </a:t>
-            </a:r>
-            <a:r>
-              <a:rPr sz="1800" spc="-5">
+              <a:rPr sz="1800" spc="10" dirty="0">
+                <a:solidFill>
+                  <a:schemeClr val="tx1"/>
+                </a:solidFill>
+                <a:latin typeface="Times New Roman"/>
+                <a:cs typeface="Times New Roman"/>
+              </a:rPr>
+              <a:t> </a:t>
+            </a:r>
+            <a:r>
+              <a:rPr sz="1800" spc="15" dirty="0">
+                <a:solidFill>
+                  <a:schemeClr val="tx1"/>
+                </a:solidFill>
+                <a:latin typeface="Times New Roman"/>
+                <a:cs typeface="Times New Roman"/>
+              </a:rPr>
+              <a:t> </a:t>
+            </a:r>
+            <a:r>
+              <a:rPr sz="1800" spc="-5" dirty="0" err="1">
                 <a:solidFill>
                   <a:schemeClr val="tx1"/>
                 </a:solidFill>
@@ -10372,17 +10874,17 @@
               <a:t>користувачів</a:t>
             </a:r>
             <a:r>
-              <a:rPr sz="1800" spc="-5">
-                <a:solidFill>
-                  <a:schemeClr val="tx1"/>
-                </a:solidFill>
-                <a:latin typeface="Times New Roman"/>
-                <a:cs typeface="Times New Roman"/>
-              </a:rPr>
-              <a:t> </a:t>
-            </a:r>
-            <a:r>
-              <a:rPr sz="1800" spc="10">
+              <a:rPr sz="1800" spc="-5" dirty="0">
+                <a:solidFill>
+                  <a:schemeClr val="tx1"/>
+                </a:solidFill>
+                <a:latin typeface="Times New Roman"/>
+                <a:cs typeface="Times New Roman"/>
+              </a:rPr>
+              <a:t> </a:t>
+            </a:r>
+            <a:r>
+              <a:rPr sz="1800" spc="10" dirty="0" err="1">
                 <a:solidFill>
                   <a:schemeClr val="tx1"/>
                 </a:solidFill>
@@ -10392,7 +10894,7 @@
               <a:t>криптовалют</a:t>
             </a:r>
             <a:r>
-              <a:rPr sz="1800" spc="10">
+              <a:rPr sz="1800" spc="10" dirty="0">
                 <a:solidFill>
                   <a:schemeClr val="tx1"/>
                 </a:solidFill>
@@ -10402,7 +10904,7 @@
               <a:t>, </a:t>
             </a:r>
             <a:r>
-              <a:rPr sz="1800" spc="15">
+              <a:rPr sz="1800" spc="15" dirty="0" err="1">
                 <a:solidFill>
                   <a:schemeClr val="tx1"/>
                 </a:solidFill>
@@ -10412,17 +10914,17 @@
               <a:t>так</a:t>
             </a:r>
             <a:r>
-              <a:rPr sz="1800" spc="15">
-                <a:solidFill>
-                  <a:schemeClr val="tx1"/>
-                </a:solidFill>
-                <a:latin typeface="Times New Roman"/>
-                <a:cs typeface="Times New Roman"/>
-              </a:rPr>
-              <a:t> </a:t>
-            </a:r>
-            <a:r>
-              <a:rPr sz="1800" spc="5">
+              <a:rPr sz="1800" spc="15" dirty="0">
+                <a:solidFill>
+                  <a:schemeClr val="tx1"/>
+                </a:solidFill>
+                <a:latin typeface="Times New Roman"/>
+                <a:cs typeface="Times New Roman"/>
+              </a:rPr>
+              <a:t> </a:t>
+            </a:r>
+            <a:r>
+              <a:rPr sz="1800" spc="5" dirty="0">
                 <a:solidFill>
                   <a:schemeClr val="tx1"/>
                 </a:solidFill>
@@ -10432,7 +10934,7 @@
               <a:t>і </a:t>
             </a:r>
             <a:r>
-              <a:rPr sz="1800" spc="10">
+              <a:rPr sz="1800" spc="10" dirty="0" err="1">
                 <a:solidFill>
                   <a:schemeClr val="tx1"/>
                 </a:solidFill>
@@ -10442,17 +10944,17 @@
               <a:t>для</a:t>
             </a:r>
             <a:r>
-              <a:rPr sz="1800" spc="10">
-                <a:solidFill>
-                  <a:schemeClr val="tx1"/>
-                </a:solidFill>
-                <a:latin typeface="Times New Roman"/>
-                <a:cs typeface="Times New Roman"/>
-              </a:rPr>
-              <a:t> </a:t>
-            </a:r>
-            <a:r>
-              <a:rPr sz="1800" spc="15">
+              <a:rPr sz="1800" spc="10" dirty="0">
+                <a:solidFill>
+                  <a:schemeClr val="tx1"/>
+                </a:solidFill>
+                <a:latin typeface="Times New Roman"/>
+                <a:cs typeface="Times New Roman"/>
+              </a:rPr>
+              <a:t> </a:t>
+            </a:r>
+            <a:r>
+              <a:rPr sz="1800" spc="15" dirty="0" err="1">
                 <a:solidFill>
                   <a:schemeClr val="tx1"/>
                 </a:solidFill>
@@ -10462,7 +10964,7 @@
               <a:t>тих</a:t>
             </a:r>
             <a:r>
-              <a:rPr sz="1800" spc="15">
+              <a:rPr sz="1800" spc="15" dirty="0">
                 <a:solidFill>
                   <a:schemeClr val="tx1"/>
                 </a:solidFill>
@@ -10472,7 +10974,7 @@
               <a:t>, </a:t>
             </a:r>
             <a:r>
-              <a:rPr sz="1800" spc="-10">
+              <a:rPr sz="1800" spc="-10" dirty="0" err="1">
                 <a:solidFill>
                   <a:schemeClr val="tx1"/>
                 </a:solidFill>
@@ -10482,17 +10984,17 @@
               <a:t>хто</a:t>
             </a:r>
             <a:r>
-              <a:rPr sz="1800" spc="-10">
-                <a:solidFill>
-                  <a:schemeClr val="tx1"/>
-                </a:solidFill>
-                <a:latin typeface="Times New Roman"/>
-                <a:cs typeface="Times New Roman"/>
-              </a:rPr>
-              <a:t> </a:t>
-            </a:r>
-            <a:r>
-              <a:rPr sz="1800" spc="10">
+              <a:rPr sz="1800" spc="-10" dirty="0">
+                <a:solidFill>
+                  <a:schemeClr val="tx1"/>
+                </a:solidFill>
+                <a:latin typeface="Times New Roman"/>
+                <a:cs typeface="Times New Roman"/>
+              </a:rPr>
+              <a:t> </a:t>
+            </a:r>
+            <a:r>
+              <a:rPr sz="1800" spc="10" dirty="0" err="1">
                 <a:solidFill>
                   <a:schemeClr val="tx1"/>
                 </a:solidFill>
@@ -10502,17 +11004,17 @@
               <a:t>ними</a:t>
             </a:r>
             <a:r>
-              <a:rPr sz="1800" spc="10">
-                <a:solidFill>
-                  <a:schemeClr val="tx1"/>
-                </a:solidFill>
-                <a:latin typeface="Times New Roman"/>
-                <a:cs typeface="Times New Roman"/>
-              </a:rPr>
-              <a:t> </a:t>
-            </a:r>
-            <a:r>
-              <a:rPr sz="1800" spc="10">
+              <a:rPr sz="1800" spc="10" dirty="0">
+                <a:solidFill>
+                  <a:schemeClr val="tx1"/>
+                </a:solidFill>
+                <a:latin typeface="Times New Roman"/>
+                <a:cs typeface="Times New Roman"/>
+              </a:rPr>
+              <a:t> </a:t>
+            </a:r>
+            <a:r>
+              <a:rPr sz="1800" spc="10" dirty="0" err="1">
                 <a:solidFill>
                   <a:schemeClr val="tx1"/>
                 </a:solidFill>
@@ -10522,27 +11024,27 @@
               <a:t>не</a:t>
             </a:r>
             <a:r>
-              <a:rPr sz="1800" spc="10">
-                <a:solidFill>
-                  <a:schemeClr val="tx1"/>
-                </a:solidFill>
-                <a:latin typeface="Times New Roman"/>
-                <a:cs typeface="Times New Roman"/>
-              </a:rPr>
-              <a:t> </a:t>
-            </a:r>
-            <a:r>
-              <a:rPr sz="1800" spc="15">
-                <a:solidFill>
-                  <a:schemeClr val="tx1"/>
-                </a:solidFill>
-                <a:latin typeface="Times New Roman"/>
-                <a:cs typeface="Times New Roman"/>
-              </a:rPr>
-              <a:t> </a:t>
-            </a:r>
-            <a:r>
-              <a:rPr sz="1800" spc="5">
+              <a:rPr sz="1800" spc="10" dirty="0">
+                <a:solidFill>
+                  <a:schemeClr val="tx1"/>
+                </a:solidFill>
+                <a:latin typeface="Times New Roman"/>
+                <a:cs typeface="Times New Roman"/>
+              </a:rPr>
+              <a:t> </a:t>
+            </a:r>
+            <a:r>
+              <a:rPr sz="1800" spc="15" dirty="0">
+                <a:solidFill>
+                  <a:schemeClr val="tx1"/>
+                </a:solidFill>
+                <a:latin typeface="Times New Roman"/>
+                <a:cs typeface="Times New Roman"/>
+              </a:rPr>
+              <a:t> </a:t>
+            </a:r>
+            <a:r>
+              <a:rPr sz="1800" spc="5" dirty="0" err="1">
                 <a:solidFill>
                   <a:schemeClr val="tx1"/>
                 </a:solidFill>
@@ -10552,7 +11054,7 @@
               <a:t>володіє</a:t>
             </a:r>
             <a:r>
-              <a:rPr sz="1800" spc="5">
+              <a:rPr sz="1800" spc="5" dirty="0">
                 <a:solidFill>
                   <a:schemeClr val="tx1"/>
                 </a:solidFill>
@@ -10562,7 +11064,7 @@
               <a:t>. </a:t>
             </a:r>
             <a:r>
-              <a:rPr sz="1800" spc="10">
+              <a:rPr sz="1800" spc="10" dirty="0" err="1">
                 <a:solidFill>
                   <a:schemeClr val="tx1"/>
                 </a:solidFill>
@@ -10572,17 +11074,17 @@
               <a:t>Програмні</a:t>
             </a:r>
             <a:r>
-              <a:rPr sz="1800" spc="10">
-                <a:solidFill>
-                  <a:schemeClr val="tx1"/>
-                </a:solidFill>
-                <a:latin typeface="Times New Roman"/>
-                <a:cs typeface="Times New Roman"/>
-              </a:rPr>
-              <a:t> </a:t>
-            </a:r>
-            <a:r>
-              <a:rPr sz="1800">
+              <a:rPr sz="1800" spc="10" dirty="0">
+                <a:solidFill>
+                  <a:schemeClr val="tx1"/>
+                </a:solidFill>
+                <a:latin typeface="Times New Roman"/>
+                <a:cs typeface="Times New Roman"/>
+              </a:rPr>
+              <a:t> </a:t>
+            </a:r>
+            <a:r>
+              <a:rPr sz="1800" dirty="0" err="1">
                 <a:solidFill>
                   <a:schemeClr val="tx1"/>
                 </a:solidFill>
@@ -10592,17 +11094,17 @@
               <a:t>компоненти</a:t>
             </a:r>
             <a:r>
-              <a:rPr sz="1800">
-                <a:solidFill>
-                  <a:schemeClr val="tx1"/>
-                </a:solidFill>
-                <a:latin typeface="Times New Roman"/>
-                <a:cs typeface="Times New Roman"/>
-              </a:rPr>
-              <a:t> </a:t>
-            </a:r>
-            <a:r>
-              <a:rPr sz="1800">
+              <a:rPr sz="1800" dirty="0">
+                <a:solidFill>
+                  <a:schemeClr val="tx1"/>
+                </a:solidFill>
+                <a:latin typeface="Times New Roman"/>
+                <a:cs typeface="Times New Roman"/>
+              </a:rPr>
+              <a:t> </a:t>
+            </a:r>
+            <a:r>
+              <a:rPr sz="1800" dirty="0" err="1">
                 <a:solidFill>
                   <a:schemeClr val="tx1"/>
                 </a:solidFill>
@@ -10612,17 +11114,17 @@
               <a:t>включають</a:t>
             </a:r>
             <a:r>
-              <a:rPr sz="1800">
-                <a:solidFill>
-                  <a:schemeClr val="tx1"/>
-                </a:solidFill>
-                <a:latin typeface="Times New Roman"/>
-                <a:cs typeface="Times New Roman"/>
-              </a:rPr>
-              <a:t> </a:t>
-            </a:r>
-            <a:r>
-              <a:rPr sz="1800" spc="10">
+              <a:rPr sz="1800" dirty="0">
+                <a:solidFill>
+                  <a:schemeClr val="tx1"/>
+                </a:solidFill>
+                <a:latin typeface="Times New Roman"/>
+                <a:cs typeface="Times New Roman"/>
+              </a:rPr>
+              <a:t> </a:t>
+            </a:r>
+            <a:r>
+              <a:rPr sz="1800" spc="10" dirty="0">
                 <a:solidFill>
                   <a:schemeClr val="tx1"/>
                 </a:solidFill>
@@ -10632,7 +11134,7 @@
               <a:t>в </a:t>
             </a:r>
             <a:r>
-              <a:rPr sz="1800" spc="10">
+              <a:rPr sz="1800" spc="10" dirty="0" err="1">
                 <a:solidFill>
                   <a:schemeClr val="tx1"/>
                 </a:solidFill>
@@ -10642,27 +11144,27 @@
               <a:t>себе</a:t>
             </a:r>
             <a:r>
-              <a:rPr sz="1800" spc="10">
-                <a:solidFill>
-                  <a:schemeClr val="tx1"/>
-                </a:solidFill>
-                <a:latin typeface="Times New Roman"/>
-                <a:cs typeface="Times New Roman"/>
-              </a:rPr>
-              <a:t> </a:t>
-            </a:r>
-            <a:r>
-              <a:rPr sz="1800" spc="15">
-                <a:solidFill>
-                  <a:schemeClr val="tx1"/>
-                </a:solidFill>
-                <a:latin typeface="Times New Roman"/>
-                <a:cs typeface="Times New Roman"/>
-              </a:rPr>
-              <a:t> </a:t>
-            </a:r>
-            <a:r>
-              <a:rPr sz="1800" spc="55">
+              <a:rPr sz="1800" spc="10" dirty="0">
+                <a:solidFill>
+                  <a:schemeClr val="tx1"/>
+                </a:solidFill>
+                <a:latin typeface="Times New Roman"/>
+                <a:cs typeface="Times New Roman"/>
+              </a:rPr>
+              <a:t> </a:t>
+            </a:r>
+            <a:r>
+              <a:rPr sz="1800" spc="15" dirty="0">
+                <a:solidFill>
+                  <a:schemeClr val="tx1"/>
+                </a:solidFill>
+                <a:latin typeface="Times New Roman"/>
+                <a:cs typeface="Times New Roman"/>
+              </a:rPr>
+              <a:t> </a:t>
+            </a:r>
+            <a:r>
+              <a:rPr sz="1800" spc="55" dirty="0">
                 <a:solidFill>
                   <a:schemeClr val="tx1"/>
                 </a:solidFill>
@@ -10672,17 +11174,17 @@
               <a:t>Blockchain</a:t>
             </a:r>
             <a:r>
-              <a:rPr sz="1800" spc="-10">
-                <a:solidFill>
-                  <a:schemeClr val="tx1"/>
-                </a:solidFill>
-                <a:latin typeface="Times New Roman"/>
-                <a:cs typeface="Times New Roman"/>
-              </a:rPr>
-              <a:t> </a:t>
-            </a:r>
-            <a:r>
-              <a:rPr sz="1800" spc="70">
+              <a:rPr sz="1800" spc="-10" dirty="0">
+                <a:solidFill>
+                  <a:schemeClr val="tx1"/>
+                </a:solidFill>
+                <a:latin typeface="Times New Roman"/>
+                <a:cs typeface="Times New Roman"/>
+              </a:rPr>
+              <a:t> </a:t>
+            </a:r>
+            <a:r>
+              <a:rPr sz="1800" spc="70" dirty="0">
                 <a:solidFill>
                   <a:schemeClr val="tx1"/>
                 </a:solidFill>
@@ -10692,17 +11194,17 @@
               <a:t>Nodes,</a:t>
             </a:r>
             <a:r>
-              <a:rPr sz="1800">
-                <a:solidFill>
-                  <a:schemeClr val="tx1"/>
-                </a:solidFill>
-                <a:latin typeface="Times New Roman"/>
-                <a:cs typeface="Times New Roman"/>
-              </a:rPr>
-              <a:t> </a:t>
-            </a:r>
-            <a:r>
-              <a:rPr sz="1800" spc="55">
+              <a:rPr sz="1800" dirty="0">
+                <a:solidFill>
+                  <a:schemeClr val="tx1"/>
+                </a:solidFill>
+                <a:latin typeface="Times New Roman"/>
+                <a:cs typeface="Times New Roman"/>
+              </a:rPr>
+              <a:t> </a:t>
+            </a:r>
+            <a:r>
+              <a:rPr sz="1800" spc="55" dirty="0">
                 <a:solidFill>
                   <a:schemeClr val="tx1"/>
                 </a:solidFill>
@@ -10712,17 +11214,17 @@
               <a:t>Blockchain</a:t>
             </a:r>
             <a:r>
-              <a:rPr sz="1800" spc="-10">
-                <a:solidFill>
-                  <a:schemeClr val="tx1"/>
-                </a:solidFill>
-                <a:latin typeface="Times New Roman"/>
-                <a:cs typeface="Times New Roman"/>
-              </a:rPr>
-              <a:t> </a:t>
-            </a:r>
-            <a:r>
-              <a:rPr sz="1800" spc="50">
+              <a:rPr sz="1800" spc="-10" dirty="0">
+                <a:solidFill>
+                  <a:schemeClr val="tx1"/>
+                </a:solidFill>
+                <a:latin typeface="Times New Roman"/>
+                <a:cs typeface="Times New Roman"/>
+              </a:rPr>
+              <a:t> </a:t>
+            </a:r>
+            <a:r>
+              <a:rPr sz="1800" spc="50" dirty="0">
                 <a:solidFill>
                   <a:schemeClr val="tx1"/>
                 </a:solidFill>
@@ -10732,17 +11234,17 @@
               <a:t>Ledger,</a:t>
             </a:r>
             <a:r>
-              <a:rPr sz="1800">
-                <a:solidFill>
-                  <a:schemeClr val="tx1"/>
-                </a:solidFill>
-                <a:latin typeface="Times New Roman"/>
-                <a:cs typeface="Times New Roman"/>
-              </a:rPr>
-              <a:t> </a:t>
-            </a:r>
-            <a:r>
-              <a:rPr sz="1800" spc="90">
+              <a:rPr sz="1800" dirty="0">
+                <a:solidFill>
+                  <a:schemeClr val="tx1"/>
+                </a:solidFill>
+                <a:latin typeface="Times New Roman"/>
+                <a:cs typeface="Times New Roman"/>
+              </a:rPr>
+              <a:t> </a:t>
+            </a:r>
+            <a:r>
+              <a:rPr sz="1800" spc="90" dirty="0" err="1">
                 <a:solidFill>
                   <a:schemeClr val="tx1"/>
                 </a:solidFill>
@@ -10752,7 +11254,7 @@
               <a:t>Mempool</a:t>
             </a:r>
             <a:r>
-              <a:rPr sz="1800" spc="90">
+              <a:rPr sz="1800" spc="90" dirty="0">
                 <a:solidFill>
                   <a:schemeClr val="tx1"/>
                 </a:solidFill>
@@ -10762,17 +11264,17 @@
               <a:t>,</a:t>
             </a:r>
             <a:r>
-              <a:rPr sz="1800">
-                <a:solidFill>
-                  <a:schemeClr val="tx1"/>
-                </a:solidFill>
-                <a:latin typeface="Times New Roman"/>
-                <a:cs typeface="Times New Roman"/>
-              </a:rPr>
-              <a:t> </a:t>
-            </a:r>
-            <a:r>
-              <a:rPr sz="1800" spc="15">
+              <a:rPr sz="1800" dirty="0">
+                <a:solidFill>
+                  <a:schemeClr val="tx1"/>
+                </a:solidFill>
+                <a:latin typeface="Times New Roman"/>
+                <a:cs typeface="Times New Roman"/>
+              </a:rPr>
+              <a:t> </a:t>
+            </a:r>
+            <a:r>
+              <a:rPr sz="1800" spc="15" dirty="0" err="1">
                 <a:solidFill>
                   <a:schemeClr val="tx1"/>
                 </a:solidFill>
@@ -10782,27 +11284,27 @@
               <a:t>процес</a:t>
             </a:r>
             <a:r>
-              <a:rPr sz="1800" spc="15">
-                <a:solidFill>
-                  <a:schemeClr val="tx1"/>
-                </a:solidFill>
-                <a:latin typeface="Times New Roman"/>
-                <a:cs typeface="Times New Roman"/>
-              </a:rPr>
-              <a:t> </a:t>
-            </a:r>
-            <a:r>
-              <a:rPr sz="1800" spc="-335">
-                <a:solidFill>
-                  <a:schemeClr val="tx1"/>
-                </a:solidFill>
-                <a:latin typeface="Times New Roman"/>
-                <a:cs typeface="Times New Roman"/>
-              </a:rPr>
-              <a:t> </a:t>
-            </a:r>
-            <a:r>
-              <a:rPr sz="1800" spc="5">
+              <a:rPr sz="1800" spc="15" dirty="0">
+                <a:solidFill>
+                  <a:schemeClr val="tx1"/>
+                </a:solidFill>
+                <a:latin typeface="Times New Roman"/>
+                <a:cs typeface="Times New Roman"/>
+              </a:rPr>
+              <a:t> </a:t>
+            </a:r>
+            <a:r>
+              <a:rPr sz="1800" spc="-335" dirty="0">
+                <a:solidFill>
+                  <a:schemeClr val="tx1"/>
+                </a:solidFill>
+                <a:latin typeface="Times New Roman"/>
+                <a:cs typeface="Times New Roman"/>
+              </a:rPr>
+              <a:t> </a:t>
+            </a:r>
+            <a:r>
+              <a:rPr sz="1800" spc="5" dirty="0" err="1">
                 <a:solidFill>
                   <a:schemeClr val="tx1"/>
                 </a:solidFill>
@@ -10812,17 +11314,17 @@
               <a:t>перевірки</a:t>
             </a:r>
             <a:r>
-              <a:rPr sz="1800" spc="5">
-                <a:solidFill>
-                  <a:schemeClr val="tx1"/>
-                </a:solidFill>
-                <a:latin typeface="Times New Roman"/>
-                <a:cs typeface="Times New Roman"/>
-              </a:rPr>
-              <a:t> </a:t>
-            </a:r>
-            <a:r>
-              <a:rPr sz="1800" spc="10">
+              <a:rPr sz="1800" spc="5" dirty="0">
+                <a:solidFill>
+                  <a:schemeClr val="tx1"/>
+                </a:solidFill>
+                <a:latin typeface="Times New Roman"/>
+                <a:cs typeface="Times New Roman"/>
+              </a:rPr>
+              <a:t> </a:t>
+            </a:r>
+            <a:r>
+              <a:rPr sz="1800" spc="10" dirty="0" err="1">
                 <a:solidFill>
                   <a:schemeClr val="tx1"/>
                 </a:solidFill>
@@ -10832,17 +11334,17 @@
               <a:t>транзакцій</a:t>
             </a:r>
             <a:r>
-              <a:rPr sz="1800" spc="10">
-                <a:solidFill>
-                  <a:schemeClr val="tx1"/>
-                </a:solidFill>
-                <a:latin typeface="Times New Roman"/>
-                <a:cs typeface="Times New Roman"/>
-              </a:rPr>
-              <a:t> </a:t>
-            </a:r>
-            <a:r>
-              <a:rPr sz="1800" spc="5">
+              <a:rPr sz="1800" spc="10" dirty="0">
+                <a:solidFill>
+                  <a:schemeClr val="tx1"/>
+                </a:solidFill>
+                <a:latin typeface="Times New Roman"/>
+                <a:cs typeface="Times New Roman"/>
+              </a:rPr>
+              <a:t> </a:t>
+            </a:r>
+            <a:r>
+              <a:rPr sz="1800" spc="5" dirty="0">
                 <a:solidFill>
                   <a:schemeClr val="tx1"/>
                 </a:solidFill>
@@ -10852,7 +11354,7 @@
               <a:t>і </a:t>
             </a:r>
             <a:r>
-              <a:rPr sz="1800" spc="15">
+              <a:rPr sz="1800" spc="15" dirty="0" err="1">
                 <a:solidFill>
                   <a:schemeClr val="tx1"/>
                 </a:solidFill>
@@ -10862,7 +11364,7 @@
               <a:t>веб-гаманець</a:t>
             </a:r>
             <a:r>
-              <a:rPr sz="1800" spc="15">
+              <a:rPr sz="1800" spc="15" dirty="0">
                 <a:solidFill>
                   <a:schemeClr val="tx1"/>
                 </a:solidFill>
@@ -10872,7 +11374,7 @@
               <a:t>. </a:t>
             </a:r>
             <a:r>
-              <a:rPr sz="1800" spc="10">
+              <a:rPr sz="1800" spc="10" dirty="0" err="1">
                 <a:solidFill>
                   <a:schemeClr val="tx1"/>
                 </a:solidFill>
@@ -10882,17 +11384,17 @@
               <a:t>Ці</a:t>
             </a:r>
             <a:r>
-              <a:rPr sz="1800" spc="10">
-                <a:solidFill>
-                  <a:schemeClr val="tx1"/>
-                </a:solidFill>
-                <a:latin typeface="Times New Roman"/>
-                <a:cs typeface="Times New Roman"/>
-              </a:rPr>
-              <a:t> </a:t>
-            </a:r>
-            <a:r>
-              <a:rPr sz="1800">
+              <a:rPr sz="1800" spc="10" dirty="0">
+                <a:solidFill>
+                  <a:schemeClr val="tx1"/>
+                </a:solidFill>
+                <a:latin typeface="Times New Roman"/>
+                <a:cs typeface="Times New Roman"/>
+              </a:rPr>
+              <a:t> </a:t>
+            </a:r>
+            <a:r>
+              <a:rPr sz="1800" dirty="0" err="1">
                 <a:solidFill>
                   <a:schemeClr val="tx1"/>
                 </a:solidFill>
@@ -10902,27 +11404,27 @@
               <a:t>компоненти</a:t>
             </a:r>
             <a:r>
-              <a:rPr sz="1800">
-                <a:solidFill>
-                  <a:schemeClr val="tx1"/>
-                </a:solidFill>
-                <a:latin typeface="Times New Roman"/>
-                <a:cs typeface="Times New Roman"/>
-              </a:rPr>
-              <a:t> </a:t>
-            </a:r>
-            <a:r>
-              <a:rPr sz="1800" spc="5">
-                <a:solidFill>
-                  <a:schemeClr val="tx1"/>
-                </a:solidFill>
-                <a:latin typeface="Times New Roman"/>
-                <a:cs typeface="Times New Roman"/>
-              </a:rPr>
-              <a:t> </a:t>
-            </a:r>
-            <a:r>
-              <a:rPr sz="1800" spc="10">
+              <a:rPr sz="1800" dirty="0">
+                <a:solidFill>
+                  <a:schemeClr val="tx1"/>
+                </a:solidFill>
+                <a:latin typeface="Times New Roman"/>
+                <a:cs typeface="Times New Roman"/>
+              </a:rPr>
+              <a:t> </a:t>
+            </a:r>
+            <a:r>
+              <a:rPr sz="1800" spc="5" dirty="0">
+                <a:solidFill>
+                  <a:schemeClr val="tx1"/>
+                </a:solidFill>
+                <a:latin typeface="Times New Roman"/>
+                <a:cs typeface="Times New Roman"/>
+              </a:rPr>
+              <a:t> </a:t>
+            </a:r>
+            <a:r>
+              <a:rPr sz="1800" spc="10" dirty="0" err="1">
                 <a:solidFill>
                   <a:schemeClr val="tx1"/>
                 </a:solidFill>
@@ -10932,17 +11434,17 @@
               <a:t>працюють</a:t>
             </a:r>
             <a:r>
-              <a:rPr sz="1800" spc="10">
-                <a:solidFill>
-                  <a:schemeClr val="tx1"/>
-                </a:solidFill>
-                <a:latin typeface="Times New Roman"/>
-                <a:cs typeface="Times New Roman"/>
-              </a:rPr>
-              <a:t> </a:t>
-            </a:r>
-            <a:r>
-              <a:rPr sz="1800" spc="10">
+              <a:rPr sz="1800" spc="10" dirty="0">
+                <a:solidFill>
+                  <a:schemeClr val="tx1"/>
+                </a:solidFill>
+                <a:latin typeface="Times New Roman"/>
+                <a:cs typeface="Times New Roman"/>
+              </a:rPr>
+              <a:t> </a:t>
+            </a:r>
+            <a:r>
+              <a:rPr sz="1800" spc="10" dirty="0" err="1">
                 <a:solidFill>
                   <a:schemeClr val="tx1"/>
                 </a:solidFill>
@@ -10952,7 +11454,7 @@
               <a:t>разом</a:t>
             </a:r>
             <a:r>
-              <a:rPr sz="1800" spc="10">
+              <a:rPr sz="1800" spc="10" dirty="0">
                 <a:solidFill>
                   <a:schemeClr val="tx1"/>
                 </a:solidFill>
@@ -10962,7 +11464,7 @@
               <a:t>, </a:t>
             </a:r>
             <a:r>
-              <a:rPr sz="1800" spc="10">
+              <a:rPr sz="1800" spc="10" dirty="0" err="1">
                 <a:solidFill>
                   <a:schemeClr val="tx1"/>
                 </a:solidFill>
@@ -10972,17 +11474,17 @@
               <a:t>щоб</a:t>
             </a:r>
             <a:r>
-              <a:rPr sz="1800" spc="10">
-                <a:solidFill>
-                  <a:schemeClr val="tx1"/>
-                </a:solidFill>
-                <a:latin typeface="Times New Roman"/>
-                <a:cs typeface="Times New Roman"/>
-              </a:rPr>
-              <a:t> </a:t>
-            </a:r>
-            <a:r>
-              <a:rPr sz="1800" spc="5">
+              <a:rPr sz="1800" spc="10" dirty="0">
+                <a:solidFill>
+                  <a:schemeClr val="tx1"/>
+                </a:solidFill>
+                <a:latin typeface="Times New Roman"/>
+                <a:cs typeface="Times New Roman"/>
+              </a:rPr>
+              <a:t> </a:t>
+            </a:r>
+            <a:r>
+              <a:rPr sz="1800" spc="5" dirty="0" err="1">
                 <a:solidFill>
                   <a:schemeClr val="tx1"/>
                 </a:solidFill>
@@ -10992,17 +11494,17 @@
               <a:t>підтримувати</a:t>
             </a:r>
             <a:r>
-              <a:rPr sz="1800" spc="5">
-                <a:solidFill>
-                  <a:schemeClr val="tx1"/>
-                </a:solidFill>
-                <a:latin typeface="Times New Roman"/>
-                <a:cs typeface="Times New Roman"/>
-              </a:rPr>
-              <a:t> </a:t>
-            </a:r>
-            <a:r>
-              <a:rPr sz="1800" spc="10">
+              <a:rPr sz="1800" spc="5" dirty="0">
+                <a:solidFill>
+                  <a:schemeClr val="tx1"/>
+                </a:solidFill>
+                <a:latin typeface="Times New Roman"/>
+                <a:cs typeface="Times New Roman"/>
+              </a:rPr>
+              <a:t> </a:t>
+            </a:r>
+            <a:r>
+              <a:rPr sz="1800" spc="10" dirty="0" err="1">
                 <a:solidFill>
                   <a:schemeClr val="tx1"/>
                 </a:solidFill>
@@ -11012,17 +11514,17 @@
               <a:t>мережу</a:t>
             </a:r>
             <a:r>
-              <a:rPr sz="1800" spc="10">
-                <a:solidFill>
-                  <a:schemeClr val="tx1"/>
-                </a:solidFill>
-                <a:latin typeface="Times New Roman"/>
-                <a:cs typeface="Times New Roman"/>
-              </a:rPr>
-              <a:t> </a:t>
-            </a:r>
-            <a:r>
-              <a:rPr sz="1800" spc="-5">
+              <a:rPr sz="1800" spc="10" dirty="0">
+                <a:solidFill>
+                  <a:schemeClr val="tx1"/>
+                </a:solidFill>
+                <a:latin typeface="Times New Roman"/>
+                <a:cs typeface="Times New Roman"/>
+              </a:rPr>
+              <a:t> </a:t>
+            </a:r>
+            <a:r>
+              <a:rPr sz="1800" spc="-5" dirty="0">
                 <a:solidFill>
                   <a:schemeClr val="tx1"/>
                 </a:solidFill>
@@ -11032,7 +11534,7 @@
               <a:t>блокчейн </a:t>
             </a:r>
             <a:r>
-              <a:rPr sz="1800" spc="5">
+              <a:rPr sz="1800" spc="5" dirty="0">
                 <a:solidFill>
                   <a:schemeClr val="tx1"/>
                 </a:solidFill>
@@ -11042,17 +11544,17 @@
               <a:t>і </a:t>
             </a:r>
             <a:r>
-              <a:rPr sz="1800" spc="10">
-                <a:solidFill>
-                  <a:schemeClr val="tx1"/>
-                </a:solidFill>
-                <a:latin typeface="Times New Roman"/>
-                <a:cs typeface="Times New Roman"/>
-              </a:rPr>
-              <a:t> </a:t>
-            </a:r>
-            <a:r>
-              <a:rPr sz="1800" spc="5">
+              <a:rPr sz="1800" spc="10" dirty="0">
+                <a:solidFill>
+                  <a:schemeClr val="tx1"/>
+                </a:solidFill>
+                <a:latin typeface="Times New Roman"/>
+                <a:cs typeface="Times New Roman"/>
+              </a:rPr>
+              <a:t> </a:t>
+            </a:r>
+            <a:r>
+              <a:rPr sz="1800" spc="5" dirty="0" err="1">
                 <a:solidFill>
                   <a:schemeClr val="tx1"/>
                 </a:solidFill>
@@ -11062,7 +11564,7 @@
               <a:t>гарантувати</a:t>
             </a:r>
             <a:r>
-              <a:rPr sz="1800" spc="5">
+              <a:rPr sz="1800" spc="5" dirty="0">
                 <a:solidFill>
                   <a:schemeClr val="tx1"/>
                 </a:solidFill>
@@ -11072,17 +11574,17 @@
               <a:t>,</a:t>
             </a:r>
             <a:r>
-              <a:rPr sz="1800" spc="25">
-                <a:solidFill>
-                  <a:schemeClr val="tx1"/>
-                </a:solidFill>
-                <a:latin typeface="Times New Roman"/>
-                <a:cs typeface="Times New Roman"/>
-              </a:rPr>
-              <a:t> </a:t>
-            </a:r>
-            <a:r>
-              <a:rPr sz="1800" spc="15">
+              <a:rPr sz="1800" spc="25" dirty="0">
+                <a:solidFill>
+                  <a:schemeClr val="tx1"/>
+                </a:solidFill>
+                <a:latin typeface="Times New Roman"/>
+                <a:cs typeface="Times New Roman"/>
+              </a:rPr>
+              <a:t> </a:t>
+            </a:r>
+            <a:r>
+              <a:rPr sz="1800" spc="15" dirty="0" err="1">
                 <a:solidFill>
                   <a:schemeClr val="tx1"/>
                 </a:solidFill>
@@ -11092,17 +11594,17 @@
               <a:t>що</a:t>
             </a:r>
             <a:r>
-              <a:rPr sz="1800" spc="15">
-                <a:solidFill>
-                  <a:schemeClr val="tx1"/>
-                </a:solidFill>
-                <a:latin typeface="Times New Roman"/>
-                <a:cs typeface="Times New Roman"/>
-              </a:rPr>
-              <a:t> </a:t>
-            </a:r>
-            <a:r>
-              <a:rPr sz="1800" spc="5">
+              <a:rPr sz="1800" spc="15" dirty="0">
+                <a:solidFill>
+                  <a:schemeClr val="tx1"/>
+                </a:solidFill>
+                <a:latin typeface="Times New Roman"/>
+                <a:cs typeface="Times New Roman"/>
+              </a:rPr>
+              <a:t> </a:t>
+            </a:r>
+            <a:r>
+              <a:rPr sz="1800" spc="5" dirty="0" err="1">
                 <a:solidFill>
                   <a:schemeClr val="tx1"/>
                 </a:solidFill>
@@ -11112,17 +11614,17 @@
               <a:t>тільки</a:t>
             </a:r>
             <a:r>
-              <a:rPr sz="1800" spc="15">
-                <a:solidFill>
-                  <a:schemeClr val="tx1"/>
-                </a:solidFill>
-                <a:latin typeface="Times New Roman"/>
-                <a:cs typeface="Times New Roman"/>
-              </a:rPr>
-              <a:t> </a:t>
-            </a:r>
-            <a:r>
-              <a:rPr sz="1800" spc="5">
+              <a:rPr sz="1800" spc="15" dirty="0">
+                <a:solidFill>
+                  <a:schemeClr val="tx1"/>
+                </a:solidFill>
+                <a:latin typeface="Times New Roman"/>
+                <a:cs typeface="Times New Roman"/>
+              </a:rPr>
+              <a:t> </a:t>
+            </a:r>
+            <a:r>
+              <a:rPr sz="1800" spc="5" dirty="0" err="1">
                 <a:solidFill>
                   <a:schemeClr val="tx1"/>
                 </a:solidFill>
@@ -11132,17 +11634,17 @@
               <a:t>дійсні</a:t>
             </a:r>
             <a:r>
-              <a:rPr sz="1800" spc="20">
-                <a:solidFill>
-                  <a:schemeClr val="tx1"/>
-                </a:solidFill>
-                <a:latin typeface="Times New Roman"/>
-                <a:cs typeface="Times New Roman"/>
-              </a:rPr>
-              <a:t> </a:t>
-            </a:r>
-            <a:r>
-              <a:rPr sz="1800" spc="10">
+              <a:rPr sz="1800" spc="20" dirty="0">
+                <a:solidFill>
+                  <a:schemeClr val="tx1"/>
+                </a:solidFill>
+                <a:latin typeface="Times New Roman"/>
+                <a:cs typeface="Times New Roman"/>
+              </a:rPr>
+              <a:t> </a:t>
+            </a:r>
+            <a:r>
+              <a:rPr sz="1800" spc="10" dirty="0" err="1">
                 <a:solidFill>
                   <a:schemeClr val="tx1"/>
                 </a:solidFill>
@@ -11152,17 +11654,17 @@
               <a:t>транзакції</a:t>
             </a:r>
             <a:r>
-              <a:rPr sz="1800" spc="15">
-                <a:solidFill>
-                  <a:schemeClr val="tx1"/>
-                </a:solidFill>
-                <a:latin typeface="Times New Roman"/>
-                <a:cs typeface="Times New Roman"/>
-              </a:rPr>
-              <a:t> </a:t>
-            </a:r>
-            <a:r>
-              <a:rPr sz="1800" spc="-15">
+              <a:rPr sz="1800" spc="15" dirty="0">
+                <a:solidFill>
+                  <a:schemeClr val="tx1"/>
+                </a:solidFill>
+                <a:latin typeface="Times New Roman"/>
+                <a:cs typeface="Times New Roman"/>
+              </a:rPr>
+              <a:t> </a:t>
+            </a:r>
+            <a:r>
+              <a:rPr sz="1800" spc="-15" dirty="0" err="1">
                 <a:solidFill>
                   <a:schemeClr val="tx1"/>
                 </a:solidFill>
@@ -11172,17 +11674,17 @@
               <a:t>будуть</a:t>
             </a:r>
             <a:r>
-              <a:rPr sz="1800" spc="15">
-                <a:solidFill>
-                  <a:schemeClr val="tx1"/>
-                </a:solidFill>
-                <a:latin typeface="Times New Roman"/>
-                <a:cs typeface="Times New Roman"/>
-              </a:rPr>
-              <a:t> </a:t>
-            </a:r>
-            <a:r>
-              <a:rPr sz="1800">
+              <a:rPr sz="1800" spc="15" dirty="0">
+                <a:solidFill>
+                  <a:schemeClr val="tx1"/>
+                </a:solidFill>
+                <a:latin typeface="Times New Roman"/>
+                <a:cs typeface="Times New Roman"/>
+              </a:rPr>
+              <a:t> </a:t>
+            </a:r>
+            <a:r>
+              <a:rPr sz="1800" dirty="0" err="1">
                 <a:solidFill>
                   <a:schemeClr val="tx1"/>
                 </a:solidFill>
@@ -11192,27 +11694,27 @@
               <a:t>включені</a:t>
             </a:r>
             <a:r>
-              <a:rPr sz="1800">
-                <a:solidFill>
-                  <a:schemeClr val="tx1"/>
-                </a:solidFill>
-                <a:latin typeface="Times New Roman"/>
-                <a:cs typeface="Times New Roman"/>
-              </a:rPr>
-              <a:t> </a:t>
-            </a:r>
-            <a:r>
-              <a:rPr sz="1800" spc="5">
-                <a:solidFill>
-                  <a:schemeClr val="tx1"/>
-                </a:solidFill>
-                <a:latin typeface="Times New Roman"/>
-                <a:cs typeface="Times New Roman"/>
-              </a:rPr>
-              <a:t> </a:t>
-            </a:r>
-            <a:r>
-              <a:rPr sz="1800" spc="10">
+              <a:rPr sz="1800" dirty="0">
+                <a:solidFill>
+                  <a:schemeClr val="tx1"/>
+                </a:solidFill>
+                <a:latin typeface="Times New Roman"/>
+                <a:cs typeface="Times New Roman"/>
+              </a:rPr>
+              <a:t> </a:t>
+            </a:r>
+            <a:r>
+              <a:rPr sz="1800" spc="5" dirty="0">
+                <a:solidFill>
+                  <a:schemeClr val="tx1"/>
+                </a:solidFill>
+                <a:latin typeface="Times New Roman"/>
+                <a:cs typeface="Times New Roman"/>
+              </a:rPr>
+              <a:t> </a:t>
+            </a:r>
+            <a:r>
+              <a:rPr sz="1800" spc="10" dirty="0">
                 <a:solidFill>
                   <a:schemeClr val="tx1"/>
                 </a:solidFill>
@@ -11222,17 +11724,17 @@
               <a:t>в</a:t>
             </a:r>
             <a:r>
-              <a:rPr sz="1800" spc="-20">
-                <a:solidFill>
-                  <a:schemeClr val="tx1"/>
-                </a:solidFill>
-                <a:latin typeface="Times New Roman"/>
-                <a:cs typeface="Times New Roman"/>
-              </a:rPr>
-              <a:t> </a:t>
-            </a:r>
-            <a:r>
-              <a:rPr sz="1800">
+              <a:rPr sz="1800" spc="-20" dirty="0">
+                <a:solidFill>
+                  <a:schemeClr val="tx1"/>
+                </a:solidFill>
+                <a:latin typeface="Times New Roman"/>
+                <a:cs typeface="Times New Roman"/>
+              </a:rPr>
+              <a:t> </a:t>
+            </a:r>
+            <a:r>
+              <a:rPr sz="1800" dirty="0">
                 <a:solidFill>
                   <a:schemeClr val="tx1"/>
                 </a:solidFill>
@@ -11241,13 +11743,6 @@
               </a:rPr>
               <a:t>блокчейн.</a:t>
             </a:r>
-            <a:endParaRPr sz="1800">
-              <a:solidFill>
-                <a:schemeClr val="tx1"/>
-              </a:solidFill>
-              <a:latin typeface="Times New Roman"/>
-              <a:cs typeface="Times New Roman"/>
-            </a:endParaRPr>
           </a:p>
         </p:txBody>
       </p:sp>
@@ -11345,7 +11840,7 @@
             </a:pPr>
             <a:fld id="{9E735286-D653-970E-6EB7-3767F71D2E85}" type="slidenum">
               <a:rPr sz="2800"/>
-              <a:t/>
+              <a:t>6</a:t>
             </a:fld>
             <a:endParaRPr/>
           </a:p>
@@ -11406,8 +11901,8 @@
         </p:blipFill>
         <p:spPr bwMode="auto">
           <a:xfrm>
-            <a:off x="510632" y="1149350"/>
-            <a:ext cx="6940284" cy="4419600"/>
+            <a:off x="510632" y="1149349"/>
+            <a:ext cx="6974758" cy="4441553"/>
           </a:xfrm>
           <a:prstGeom prst="rect">
             <a:avLst/>
@@ -11419,20 +11914,12 @@
   <p:clrMapOvr>
     <a:masterClrMapping/>
   </p:clrMapOvr>
-  <mc:AlternateContent xmlns:mc="http://schemas.openxmlformats.org/markup-compatibility/2006">
-    <mc:Choice xmlns:p14="http://schemas.microsoft.com/office/powerpoint/2010/main" Requires="p14">
-      <p:transition p14:dur="2000" advClick="1"/>
-    </mc:Choice>
-    <mc:Fallback>
-      <p:transition advClick="1"/>
-    </mc:Fallback>
-  </mc:AlternateContent>
 </p:sld>
 </file>
 
 <file path=ppt/slides/slide7.xml><?xml version="1.0" encoding="utf-8"?>
-<p:sld xmlns:a="http://schemas.openxmlformats.org/drawingml/2006/main" xmlns:r="http://schemas.openxmlformats.org/officeDocument/2006/relationships" xmlns:p="http://schemas.openxmlformats.org/presentationml/2006/main" xmlns:m="http://schemas.openxmlformats.org/officeDocument/2006/math" xmlns:w="http://schemas.openxmlformats.org/wordprocessingml/2006/main" showMasterPhAnim="0" showMasterSp="0" show="1">
-  <p:cSld name="">
+<p:sld xmlns:a="http://schemas.openxmlformats.org/drawingml/2006/main" xmlns:r="http://schemas.openxmlformats.org/officeDocument/2006/relationships" xmlns:p="http://schemas.openxmlformats.org/presentationml/2006/main" showMasterSp="0" showMasterPhAnim="0">
+  <p:cSld>
     <p:spTree>
       <p:nvGrpSpPr>
         <p:cNvPr id="1" name=""/>
@@ -11541,7 +12028,7 @@
             </a:pPr>
             <a:fld id="{70AAA155-6A15-91B6-2BF4-2864ABBABF10}" type="slidenum">
               <a:rPr sz="2800"/>
-              <a:t/>
+              <a:t>7</a:t>
             </a:fld>
             <a:endParaRPr/>
           </a:p>
@@ -11643,17 +12130,7 @@
                 <a:latin typeface="Times New Roman"/>
                 <a:cs typeface="Times New Roman"/>
               </a:rPr>
-              <a:t>UML діаграма</a:t>
-            </a:r>
-            <a:r>
-              <a:rPr lang="ru-RU" sz="2350" b="1" i="0" u="none" strike="noStrike" cap="none" spc="0">
-                <a:solidFill>
-                  <a:schemeClr val="tx1"/>
-                </a:solidFill>
-                <a:latin typeface="Times New Roman"/>
-                <a:cs typeface="Times New Roman"/>
-              </a:rPr>
-              <a:t> компонентів</a:t>
+              <a:t>UML діаграма компонентів</a:t>
             </a:r>
             <a:endParaRPr sz="2350" b="1">
               <a:latin typeface="Times New Roman"/>
@@ -11688,16 +12165,1316 @@
               <a:defRPr/>
             </a:pPr>
             <a:r>
-              <a:rPr lang="ru-RU" sz="1800" b="0" i="0" u="none" strike="noStrike" cap="none" spc="0">
-                <a:solidFill>
-                  <a:schemeClr val="tx1"/>
-                </a:solidFill>
-                <a:latin typeface="Times New Roman"/>
-                <a:cs typeface="Times New Roman"/>
-              </a:rPr>
-              <a:t>Наш веб-гаманець на основі блокчейну використовує архітектуру Model-View-Controller (MVC) для оптимізації операцій та покращення користувацького досвіду. Модель відповідає основним даним і правилам нашого додатку, таким як інформація про обліковий запис користувача і логіка транзакцій. Представлення керує відображенням інформації, наприклад, інтерфейсами перевірки балансу та створення транзакцій. Нарешті, контролер обробляє дані, введені користувачем, виконуючи такі дії, як перевірка балансу рахунку або створення транзакцій. Така структура забезпечує ефективне управління даними, безперебійну взаємодію з користувацьким інтерфейсом та ефективну обробку дій користувача, що в підсумку створює безперебійну та інтуїтивно зрозумілу роботу для користувачів нашого гаманця.</a:t>
-            </a:r>
-            <a:endParaRPr>
+              <a:rPr lang="ru-RU" sz="1800" b="0" i="0" u="none" strike="noStrike" cap="none" spc="0" dirty="0">
+                <a:solidFill>
+                  <a:schemeClr val="tx1"/>
+                </a:solidFill>
+                <a:latin typeface="Times New Roman"/>
+                <a:cs typeface="Times New Roman"/>
+              </a:rPr>
+              <a:t>Наш веб-</a:t>
+            </a:r>
+            <a:r>
+              <a:rPr lang="ru-RU" sz="1800" b="0" i="0" u="none" strike="noStrike" cap="none" spc="0" dirty="0" err="1">
+                <a:solidFill>
+                  <a:schemeClr val="tx1"/>
+                </a:solidFill>
+                <a:latin typeface="Times New Roman"/>
+                <a:cs typeface="Times New Roman"/>
+              </a:rPr>
+              <a:t>гаманець</a:t>
+            </a:r>
+            <a:r>
+              <a:rPr lang="ru-RU" sz="1800" b="0" i="0" u="none" strike="noStrike" cap="none" spc="0" dirty="0">
+                <a:solidFill>
+                  <a:schemeClr val="tx1"/>
+                </a:solidFill>
+                <a:latin typeface="Times New Roman"/>
+                <a:cs typeface="Times New Roman"/>
+              </a:rPr>
+              <a:t> на </a:t>
+            </a:r>
+            <a:r>
+              <a:rPr lang="ru-RU" sz="1800" b="0" i="0" u="none" strike="noStrike" cap="none" spc="0" dirty="0" err="1">
+                <a:solidFill>
+                  <a:schemeClr val="tx1"/>
+                </a:solidFill>
+                <a:latin typeface="Times New Roman"/>
+                <a:cs typeface="Times New Roman"/>
+              </a:rPr>
+              <a:t>основі</a:t>
+            </a:r>
+            <a:r>
+              <a:rPr lang="ru-RU" sz="1800" b="0" i="0" u="none" strike="noStrike" cap="none" spc="0" dirty="0">
+                <a:solidFill>
+                  <a:schemeClr val="tx1"/>
+                </a:solidFill>
+                <a:latin typeface="Times New Roman"/>
+                <a:cs typeface="Times New Roman"/>
+              </a:rPr>
+              <a:t> блокчейну </a:t>
+            </a:r>
+            <a:r>
+              <a:rPr lang="ru-RU" sz="1800" b="0" i="0" u="none" strike="noStrike" cap="none" spc="0" dirty="0" err="1">
+                <a:solidFill>
+                  <a:schemeClr val="tx1"/>
+                </a:solidFill>
+                <a:latin typeface="Times New Roman"/>
+                <a:cs typeface="Times New Roman"/>
+              </a:rPr>
+              <a:t>використовує</a:t>
+            </a:r>
+            <a:r>
+              <a:rPr lang="ru-RU" sz="1800" b="0" i="0" u="none" strike="noStrike" cap="none" spc="0" dirty="0">
+                <a:solidFill>
+                  <a:schemeClr val="tx1"/>
+                </a:solidFill>
+                <a:latin typeface="Times New Roman"/>
+                <a:cs typeface="Times New Roman"/>
+              </a:rPr>
+              <a:t> </a:t>
+            </a:r>
+            <a:r>
+              <a:rPr lang="ru-RU" sz="1800" b="0" i="0" u="none" strike="noStrike" cap="none" spc="0" dirty="0" err="1">
+                <a:solidFill>
+                  <a:schemeClr val="tx1"/>
+                </a:solidFill>
+                <a:latin typeface="Times New Roman"/>
+                <a:cs typeface="Times New Roman"/>
+              </a:rPr>
+              <a:t>архітектуру</a:t>
+            </a:r>
+            <a:r>
+              <a:rPr lang="ru-RU" sz="1800" b="0" i="0" u="none" strike="noStrike" cap="none" spc="0" dirty="0">
+                <a:solidFill>
+                  <a:schemeClr val="tx1"/>
+                </a:solidFill>
+                <a:latin typeface="Times New Roman"/>
+                <a:cs typeface="Times New Roman"/>
+              </a:rPr>
+              <a:t> Model-View-</a:t>
+            </a:r>
+            <a:r>
+              <a:rPr lang="ru-RU" sz="1800" b="0" i="0" u="none" strike="noStrike" cap="none" spc="0" dirty="0" err="1">
+                <a:solidFill>
+                  <a:schemeClr val="tx1"/>
+                </a:solidFill>
+                <a:latin typeface="Times New Roman"/>
+                <a:cs typeface="Times New Roman"/>
+              </a:rPr>
+              <a:t>Controller</a:t>
+            </a:r>
+            <a:r>
+              <a:rPr lang="ru-RU" sz="1800" b="0" i="0" u="none" strike="noStrike" cap="none" spc="0" dirty="0">
+                <a:solidFill>
+                  <a:schemeClr val="tx1"/>
+                </a:solidFill>
+                <a:latin typeface="Times New Roman"/>
+                <a:cs typeface="Times New Roman"/>
+              </a:rPr>
+              <a:t> (MVC) для </a:t>
+            </a:r>
+            <a:r>
+              <a:rPr lang="ru-RU" sz="1800" b="0" i="0" u="none" strike="noStrike" cap="none" spc="0" dirty="0" err="1">
+                <a:solidFill>
+                  <a:schemeClr val="tx1"/>
+                </a:solidFill>
+                <a:latin typeface="Times New Roman"/>
+                <a:cs typeface="Times New Roman"/>
+              </a:rPr>
+              <a:t>оптимізації</a:t>
+            </a:r>
+            <a:r>
+              <a:rPr lang="ru-RU" sz="1800" b="0" i="0" u="none" strike="noStrike" cap="none" spc="0" dirty="0">
+                <a:solidFill>
+                  <a:schemeClr val="tx1"/>
+                </a:solidFill>
+                <a:latin typeface="Times New Roman"/>
+                <a:cs typeface="Times New Roman"/>
+              </a:rPr>
+              <a:t> </a:t>
+            </a:r>
+            <a:r>
+              <a:rPr lang="ru-RU" sz="1800" b="0" i="0" u="none" strike="noStrike" cap="none" spc="0" dirty="0" err="1">
+                <a:solidFill>
+                  <a:schemeClr val="tx1"/>
+                </a:solidFill>
+                <a:latin typeface="Times New Roman"/>
+                <a:cs typeface="Times New Roman"/>
+              </a:rPr>
+              <a:t>операцій</a:t>
+            </a:r>
+            <a:r>
+              <a:rPr lang="ru-RU" sz="1800" b="0" i="0" u="none" strike="noStrike" cap="none" spc="0" dirty="0">
+                <a:solidFill>
+                  <a:schemeClr val="tx1"/>
+                </a:solidFill>
+                <a:latin typeface="Times New Roman"/>
+                <a:cs typeface="Times New Roman"/>
+              </a:rPr>
+              <a:t> та </a:t>
+            </a:r>
+            <a:r>
+              <a:rPr lang="ru-RU" sz="1800" b="0" i="0" u="none" strike="noStrike" cap="none" spc="0" dirty="0" err="1">
+                <a:solidFill>
+                  <a:schemeClr val="tx1"/>
+                </a:solidFill>
+                <a:latin typeface="Times New Roman"/>
+                <a:cs typeface="Times New Roman"/>
+              </a:rPr>
+              <a:t>покращення</a:t>
+            </a:r>
+            <a:r>
+              <a:rPr lang="ru-RU" sz="1800" b="0" i="0" u="none" strike="noStrike" cap="none" spc="0" dirty="0">
+                <a:solidFill>
+                  <a:schemeClr val="tx1"/>
+                </a:solidFill>
+                <a:latin typeface="Times New Roman"/>
+                <a:cs typeface="Times New Roman"/>
+              </a:rPr>
+              <a:t> </a:t>
+            </a:r>
+            <a:r>
+              <a:rPr lang="ru-RU" sz="1800" b="0" i="0" u="none" strike="noStrike" cap="none" spc="0" dirty="0" err="1">
+                <a:solidFill>
+                  <a:schemeClr val="tx1"/>
+                </a:solidFill>
+                <a:latin typeface="Times New Roman"/>
+                <a:cs typeface="Times New Roman"/>
+              </a:rPr>
+              <a:t>користувацького</a:t>
+            </a:r>
+            <a:r>
+              <a:rPr lang="ru-RU" sz="1800" b="0" i="0" u="none" strike="noStrike" cap="none" spc="0" dirty="0">
+                <a:solidFill>
+                  <a:schemeClr val="tx1"/>
+                </a:solidFill>
+                <a:latin typeface="Times New Roman"/>
+                <a:cs typeface="Times New Roman"/>
+              </a:rPr>
+              <a:t> </a:t>
+            </a:r>
+            <a:r>
+              <a:rPr lang="ru-RU" sz="1800" b="0" i="0" u="none" strike="noStrike" cap="none" spc="0" dirty="0" err="1">
+                <a:solidFill>
+                  <a:schemeClr val="tx1"/>
+                </a:solidFill>
+                <a:latin typeface="Times New Roman"/>
+                <a:cs typeface="Times New Roman"/>
+              </a:rPr>
+              <a:t>досвіду</a:t>
+            </a:r>
+            <a:r>
+              <a:rPr lang="ru-RU" sz="1800" b="0" i="0" u="none" strike="noStrike" cap="none" spc="0" dirty="0">
+                <a:solidFill>
+                  <a:schemeClr val="tx1"/>
+                </a:solidFill>
+                <a:latin typeface="Times New Roman"/>
+                <a:cs typeface="Times New Roman"/>
+              </a:rPr>
+              <a:t>. Модель </a:t>
+            </a:r>
+            <a:r>
+              <a:rPr lang="ru-RU" sz="1800" b="0" i="0" u="none" strike="noStrike" cap="none" spc="0" dirty="0" err="1">
+                <a:solidFill>
+                  <a:schemeClr val="tx1"/>
+                </a:solidFill>
+                <a:latin typeface="Times New Roman"/>
+                <a:cs typeface="Times New Roman"/>
+              </a:rPr>
+              <a:t>відповідає</a:t>
+            </a:r>
+            <a:r>
+              <a:rPr lang="ru-RU" sz="1800" b="0" i="0" u="none" strike="noStrike" cap="none" spc="0" dirty="0">
+                <a:solidFill>
+                  <a:schemeClr val="tx1"/>
+                </a:solidFill>
+                <a:latin typeface="Times New Roman"/>
+                <a:cs typeface="Times New Roman"/>
+              </a:rPr>
+              <a:t> </a:t>
+            </a:r>
+            <a:r>
+              <a:rPr lang="ru-RU" sz="1800" b="0" i="0" u="none" strike="noStrike" cap="none" spc="0" dirty="0" err="1">
+                <a:solidFill>
+                  <a:schemeClr val="tx1"/>
+                </a:solidFill>
+                <a:latin typeface="Times New Roman"/>
+                <a:cs typeface="Times New Roman"/>
+              </a:rPr>
+              <a:t>основним</a:t>
+            </a:r>
+            <a:r>
+              <a:rPr lang="ru-RU" sz="1800" b="0" i="0" u="none" strike="noStrike" cap="none" spc="0" dirty="0">
+                <a:solidFill>
+                  <a:schemeClr val="tx1"/>
+                </a:solidFill>
+                <a:latin typeface="Times New Roman"/>
+                <a:cs typeface="Times New Roman"/>
+              </a:rPr>
+              <a:t> </a:t>
+            </a:r>
+            <a:r>
+              <a:rPr lang="ru-RU" sz="1800" b="0" i="0" u="none" strike="noStrike" cap="none" spc="0" dirty="0" err="1">
+                <a:solidFill>
+                  <a:schemeClr val="tx1"/>
+                </a:solidFill>
+                <a:latin typeface="Times New Roman"/>
+                <a:cs typeface="Times New Roman"/>
+              </a:rPr>
+              <a:t>даним</a:t>
+            </a:r>
+            <a:r>
+              <a:rPr lang="ru-RU" sz="1800" b="0" i="0" u="none" strike="noStrike" cap="none" spc="0" dirty="0">
+                <a:solidFill>
+                  <a:schemeClr val="tx1"/>
+                </a:solidFill>
+                <a:latin typeface="Times New Roman"/>
+                <a:cs typeface="Times New Roman"/>
+              </a:rPr>
+              <a:t> і правилам </a:t>
+            </a:r>
+            <a:r>
+              <a:rPr lang="ru-RU" sz="1800" b="0" i="0" u="none" strike="noStrike" cap="none" spc="0" dirty="0" err="1">
+                <a:solidFill>
+                  <a:schemeClr val="tx1"/>
+                </a:solidFill>
+                <a:latin typeface="Times New Roman"/>
+                <a:cs typeface="Times New Roman"/>
+              </a:rPr>
+              <a:t>нашого</a:t>
+            </a:r>
+            <a:r>
+              <a:rPr lang="ru-RU" sz="1800" b="0" i="0" u="none" strike="noStrike" cap="none" spc="0" dirty="0">
+                <a:solidFill>
+                  <a:schemeClr val="tx1"/>
+                </a:solidFill>
+                <a:latin typeface="Times New Roman"/>
+                <a:cs typeface="Times New Roman"/>
+              </a:rPr>
+              <a:t> </a:t>
+            </a:r>
+            <a:r>
+              <a:rPr lang="ru-RU" sz="1800" b="0" i="0" u="none" strike="noStrike" cap="none" spc="0" dirty="0" err="1">
+                <a:solidFill>
+                  <a:schemeClr val="tx1"/>
+                </a:solidFill>
+                <a:latin typeface="Times New Roman"/>
+                <a:cs typeface="Times New Roman"/>
+              </a:rPr>
+              <a:t>додатку</a:t>
+            </a:r>
+            <a:r>
+              <a:rPr lang="ru-RU" sz="1800" b="0" i="0" u="none" strike="noStrike" cap="none" spc="0" dirty="0">
+                <a:solidFill>
+                  <a:schemeClr val="tx1"/>
+                </a:solidFill>
+                <a:latin typeface="Times New Roman"/>
+                <a:cs typeface="Times New Roman"/>
+              </a:rPr>
+              <a:t>, таким як </a:t>
+            </a:r>
+            <a:r>
+              <a:rPr lang="ru-RU" sz="1800" b="0" i="0" u="none" strike="noStrike" cap="none" spc="0" dirty="0" err="1">
+                <a:solidFill>
+                  <a:schemeClr val="tx1"/>
+                </a:solidFill>
+                <a:latin typeface="Times New Roman"/>
+                <a:cs typeface="Times New Roman"/>
+              </a:rPr>
+              <a:t>інформація</a:t>
+            </a:r>
+            <a:r>
+              <a:rPr lang="ru-RU" sz="1800" b="0" i="0" u="none" strike="noStrike" cap="none" spc="0" dirty="0">
+                <a:solidFill>
+                  <a:schemeClr val="tx1"/>
+                </a:solidFill>
+                <a:latin typeface="Times New Roman"/>
+                <a:cs typeface="Times New Roman"/>
+              </a:rPr>
+              <a:t> про </a:t>
+            </a:r>
+            <a:r>
+              <a:rPr lang="ru-RU" sz="1800" b="0" i="0" u="none" strike="noStrike" cap="none" spc="0" dirty="0" err="1">
+                <a:solidFill>
+                  <a:schemeClr val="tx1"/>
+                </a:solidFill>
+                <a:latin typeface="Times New Roman"/>
+                <a:cs typeface="Times New Roman"/>
+              </a:rPr>
+              <a:t>обліковий</a:t>
+            </a:r>
+            <a:r>
+              <a:rPr lang="ru-RU" sz="1800" b="0" i="0" u="none" strike="noStrike" cap="none" spc="0" dirty="0">
+                <a:solidFill>
+                  <a:schemeClr val="tx1"/>
+                </a:solidFill>
+                <a:latin typeface="Times New Roman"/>
+                <a:cs typeface="Times New Roman"/>
+              </a:rPr>
+              <a:t> </a:t>
+            </a:r>
+            <a:r>
+              <a:rPr lang="ru-RU" sz="1800" b="0" i="0" u="none" strike="noStrike" cap="none" spc="0" dirty="0" err="1">
+                <a:solidFill>
+                  <a:schemeClr val="tx1"/>
+                </a:solidFill>
+                <a:latin typeface="Times New Roman"/>
+                <a:cs typeface="Times New Roman"/>
+              </a:rPr>
+              <a:t>запис</a:t>
+            </a:r>
+            <a:r>
+              <a:rPr lang="ru-RU" sz="1800" b="0" i="0" u="none" strike="noStrike" cap="none" spc="0" dirty="0">
+                <a:solidFill>
+                  <a:schemeClr val="tx1"/>
+                </a:solidFill>
+                <a:latin typeface="Times New Roman"/>
+                <a:cs typeface="Times New Roman"/>
+              </a:rPr>
+              <a:t> </a:t>
+            </a:r>
+            <a:r>
+              <a:rPr lang="ru-RU" sz="1800" b="0" i="0" u="none" strike="noStrike" cap="none" spc="0" dirty="0" err="1">
+                <a:solidFill>
+                  <a:schemeClr val="tx1"/>
+                </a:solidFill>
+                <a:latin typeface="Times New Roman"/>
+                <a:cs typeface="Times New Roman"/>
+              </a:rPr>
+              <a:t>користувача</a:t>
+            </a:r>
+            <a:r>
+              <a:rPr lang="ru-RU" sz="1800" b="0" i="0" u="none" strike="noStrike" cap="none" spc="0" dirty="0">
+                <a:solidFill>
+                  <a:schemeClr val="tx1"/>
+                </a:solidFill>
+                <a:latin typeface="Times New Roman"/>
+                <a:cs typeface="Times New Roman"/>
+              </a:rPr>
+              <a:t> і </a:t>
+            </a:r>
+            <a:r>
+              <a:rPr lang="ru-RU" sz="1800" b="0" i="0" u="none" strike="noStrike" cap="none" spc="0" dirty="0" err="1">
+                <a:solidFill>
+                  <a:schemeClr val="tx1"/>
+                </a:solidFill>
+                <a:latin typeface="Times New Roman"/>
+                <a:cs typeface="Times New Roman"/>
+              </a:rPr>
+              <a:t>логіка</a:t>
+            </a:r>
+            <a:r>
+              <a:rPr lang="ru-RU" sz="1800" b="0" i="0" u="none" strike="noStrike" cap="none" spc="0" dirty="0">
+                <a:solidFill>
+                  <a:schemeClr val="tx1"/>
+                </a:solidFill>
+                <a:latin typeface="Times New Roman"/>
+                <a:cs typeface="Times New Roman"/>
+              </a:rPr>
+              <a:t> </a:t>
+            </a:r>
+            <a:r>
+              <a:rPr lang="ru-RU" sz="1800" b="0" i="0" u="none" strike="noStrike" cap="none" spc="0" dirty="0" err="1">
+                <a:solidFill>
+                  <a:schemeClr val="tx1"/>
+                </a:solidFill>
+                <a:latin typeface="Times New Roman"/>
+                <a:cs typeface="Times New Roman"/>
+              </a:rPr>
+              <a:t>транзакцій</a:t>
+            </a:r>
+            <a:r>
+              <a:rPr lang="ru-RU" sz="1800" b="0" i="0" u="none" strike="noStrike" cap="none" spc="0" dirty="0">
+                <a:solidFill>
+                  <a:schemeClr val="tx1"/>
+                </a:solidFill>
+                <a:latin typeface="Times New Roman"/>
+                <a:cs typeface="Times New Roman"/>
+              </a:rPr>
+              <a:t>. </a:t>
+            </a:r>
+            <a:r>
+              <a:rPr lang="ru-RU" sz="1800" b="0" i="0" u="none" strike="noStrike" cap="none" spc="0" dirty="0" err="1">
+                <a:solidFill>
+                  <a:schemeClr val="tx1"/>
+                </a:solidFill>
+                <a:latin typeface="Times New Roman"/>
+                <a:cs typeface="Times New Roman"/>
+              </a:rPr>
+              <a:t>Представлення</a:t>
+            </a:r>
+            <a:r>
+              <a:rPr lang="ru-RU" sz="1800" b="0" i="0" u="none" strike="noStrike" cap="none" spc="0" dirty="0">
+                <a:solidFill>
+                  <a:schemeClr val="tx1"/>
+                </a:solidFill>
+                <a:latin typeface="Times New Roman"/>
+                <a:cs typeface="Times New Roman"/>
+              </a:rPr>
+              <a:t> </a:t>
+            </a:r>
+            <a:r>
+              <a:rPr lang="ru-RU" sz="1800" b="0" i="0" u="none" strike="noStrike" cap="none" spc="0" dirty="0" err="1">
+                <a:solidFill>
+                  <a:schemeClr val="tx1"/>
+                </a:solidFill>
+                <a:latin typeface="Times New Roman"/>
+                <a:cs typeface="Times New Roman"/>
+              </a:rPr>
+              <a:t>керує</a:t>
+            </a:r>
+            <a:r>
+              <a:rPr lang="ru-RU" sz="1800" b="0" i="0" u="none" strike="noStrike" cap="none" spc="0" dirty="0">
+                <a:solidFill>
+                  <a:schemeClr val="tx1"/>
+                </a:solidFill>
+                <a:latin typeface="Times New Roman"/>
+                <a:cs typeface="Times New Roman"/>
+              </a:rPr>
+              <a:t> </a:t>
+            </a:r>
+            <a:r>
+              <a:rPr lang="ru-RU" sz="1800" b="0" i="0" u="none" strike="noStrike" cap="none" spc="0" dirty="0" err="1">
+                <a:solidFill>
+                  <a:schemeClr val="tx1"/>
+                </a:solidFill>
+                <a:latin typeface="Times New Roman"/>
+                <a:cs typeface="Times New Roman"/>
+              </a:rPr>
+              <a:t>відображенням</a:t>
+            </a:r>
+            <a:r>
+              <a:rPr lang="ru-RU" sz="1800" b="0" i="0" u="none" strike="noStrike" cap="none" spc="0" dirty="0">
+                <a:solidFill>
+                  <a:schemeClr val="tx1"/>
+                </a:solidFill>
+                <a:latin typeface="Times New Roman"/>
+                <a:cs typeface="Times New Roman"/>
+              </a:rPr>
+              <a:t> </a:t>
+            </a:r>
+            <a:r>
+              <a:rPr lang="ru-RU" sz="1800" b="0" i="0" u="none" strike="noStrike" cap="none" spc="0" dirty="0" err="1">
+                <a:solidFill>
+                  <a:schemeClr val="tx1"/>
+                </a:solidFill>
+                <a:latin typeface="Times New Roman"/>
+                <a:cs typeface="Times New Roman"/>
+              </a:rPr>
+              <a:t>інформації</a:t>
+            </a:r>
+            <a:r>
+              <a:rPr lang="ru-RU" sz="1800" b="0" i="0" u="none" strike="noStrike" cap="none" spc="0" dirty="0">
+                <a:solidFill>
+                  <a:schemeClr val="tx1"/>
+                </a:solidFill>
+                <a:latin typeface="Times New Roman"/>
+                <a:cs typeface="Times New Roman"/>
+              </a:rPr>
+              <a:t>, </a:t>
+            </a:r>
+            <a:r>
+              <a:rPr lang="ru-RU" sz="1800" b="0" i="0" u="none" strike="noStrike" cap="none" spc="0" dirty="0" err="1">
+                <a:solidFill>
+                  <a:schemeClr val="tx1"/>
+                </a:solidFill>
+                <a:latin typeface="Times New Roman"/>
+                <a:cs typeface="Times New Roman"/>
+              </a:rPr>
+              <a:t>наприклад</a:t>
+            </a:r>
+            <a:r>
+              <a:rPr lang="ru-RU" sz="1800" b="0" i="0" u="none" strike="noStrike" cap="none" spc="0" dirty="0">
+                <a:solidFill>
+                  <a:schemeClr val="tx1"/>
+                </a:solidFill>
+                <a:latin typeface="Times New Roman"/>
+                <a:cs typeface="Times New Roman"/>
+              </a:rPr>
+              <a:t>, </a:t>
+            </a:r>
+            <a:r>
+              <a:rPr lang="ru-RU" sz="1800" b="0" i="0" u="none" strike="noStrike" cap="none" spc="0" dirty="0" err="1">
+                <a:solidFill>
+                  <a:schemeClr val="tx1"/>
+                </a:solidFill>
+                <a:latin typeface="Times New Roman"/>
+                <a:cs typeface="Times New Roman"/>
+              </a:rPr>
+              <a:t>інтерфейсами</a:t>
+            </a:r>
+            <a:r>
+              <a:rPr lang="ru-RU" sz="1800" b="0" i="0" u="none" strike="noStrike" cap="none" spc="0" dirty="0">
+                <a:solidFill>
+                  <a:schemeClr val="tx1"/>
+                </a:solidFill>
+                <a:latin typeface="Times New Roman"/>
+                <a:cs typeface="Times New Roman"/>
+              </a:rPr>
+              <a:t> </a:t>
+            </a:r>
+            <a:r>
+              <a:rPr lang="ru-RU" sz="1800" b="0" i="0" u="none" strike="noStrike" cap="none" spc="0" dirty="0" err="1">
+                <a:solidFill>
+                  <a:schemeClr val="tx1"/>
+                </a:solidFill>
+                <a:latin typeface="Times New Roman"/>
+                <a:cs typeface="Times New Roman"/>
+              </a:rPr>
+              <a:t>перевірки</a:t>
+            </a:r>
+            <a:r>
+              <a:rPr lang="ru-RU" sz="1800" b="0" i="0" u="none" strike="noStrike" cap="none" spc="0" dirty="0">
+                <a:solidFill>
+                  <a:schemeClr val="tx1"/>
+                </a:solidFill>
+                <a:latin typeface="Times New Roman"/>
+                <a:cs typeface="Times New Roman"/>
+              </a:rPr>
+              <a:t> балансу та </a:t>
+            </a:r>
+            <a:r>
+              <a:rPr lang="ru-RU" sz="1800" b="0" i="0" u="none" strike="noStrike" cap="none" spc="0" dirty="0" err="1">
+                <a:solidFill>
+                  <a:schemeClr val="tx1"/>
+                </a:solidFill>
+                <a:latin typeface="Times New Roman"/>
+                <a:cs typeface="Times New Roman"/>
+              </a:rPr>
+              <a:t>створення</a:t>
+            </a:r>
+            <a:r>
+              <a:rPr lang="ru-RU" sz="1800" b="0" i="0" u="none" strike="noStrike" cap="none" spc="0" dirty="0">
+                <a:solidFill>
+                  <a:schemeClr val="tx1"/>
+                </a:solidFill>
+                <a:latin typeface="Times New Roman"/>
+                <a:cs typeface="Times New Roman"/>
+              </a:rPr>
+              <a:t> </a:t>
+            </a:r>
+            <a:r>
+              <a:rPr lang="ru-RU" sz="1800" b="0" i="0" u="none" strike="noStrike" cap="none" spc="0" dirty="0" err="1">
+                <a:solidFill>
+                  <a:schemeClr val="tx1"/>
+                </a:solidFill>
+                <a:latin typeface="Times New Roman"/>
+                <a:cs typeface="Times New Roman"/>
+              </a:rPr>
+              <a:t>транзакцій</a:t>
+            </a:r>
+            <a:r>
+              <a:rPr lang="ru-RU" sz="1800" b="0" i="0" u="none" strike="noStrike" cap="none" spc="0" dirty="0">
+                <a:solidFill>
+                  <a:schemeClr val="tx1"/>
+                </a:solidFill>
+                <a:latin typeface="Times New Roman"/>
+                <a:cs typeface="Times New Roman"/>
+              </a:rPr>
+              <a:t>. </a:t>
+            </a:r>
+            <a:r>
+              <a:rPr lang="ru-RU" sz="1800" b="0" i="0" u="none" strike="noStrike" cap="none" spc="0" dirty="0" err="1">
+                <a:solidFill>
+                  <a:schemeClr val="tx1"/>
+                </a:solidFill>
+                <a:latin typeface="Times New Roman"/>
+                <a:cs typeface="Times New Roman"/>
+              </a:rPr>
+              <a:t>Нарешті</a:t>
+            </a:r>
+            <a:r>
+              <a:rPr lang="ru-RU" sz="1800" b="0" i="0" u="none" strike="noStrike" cap="none" spc="0" dirty="0">
+                <a:solidFill>
+                  <a:schemeClr val="tx1"/>
+                </a:solidFill>
+                <a:latin typeface="Times New Roman"/>
+                <a:cs typeface="Times New Roman"/>
+              </a:rPr>
+              <a:t>, контролер </a:t>
+            </a:r>
+            <a:r>
+              <a:rPr lang="ru-RU" sz="1800" b="0" i="0" u="none" strike="noStrike" cap="none" spc="0" dirty="0" err="1">
+                <a:solidFill>
+                  <a:schemeClr val="tx1"/>
+                </a:solidFill>
+                <a:latin typeface="Times New Roman"/>
+                <a:cs typeface="Times New Roman"/>
+              </a:rPr>
+              <a:t>обробляє</a:t>
+            </a:r>
+            <a:r>
+              <a:rPr lang="ru-RU" sz="1800" b="0" i="0" u="none" strike="noStrike" cap="none" spc="0" dirty="0">
+                <a:solidFill>
+                  <a:schemeClr val="tx1"/>
+                </a:solidFill>
+                <a:latin typeface="Times New Roman"/>
+                <a:cs typeface="Times New Roman"/>
+              </a:rPr>
+              <a:t> </a:t>
+            </a:r>
+            <a:r>
+              <a:rPr lang="ru-RU" sz="1800" b="0" i="0" u="none" strike="noStrike" cap="none" spc="0" dirty="0" err="1">
+                <a:solidFill>
+                  <a:schemeClr val="tx1"/>
+                </a:solidFill>
+                <a:latin typeface="Times New Roman"/>
+                <a:cs typeface="Times New Roman"/>
+              </a:rPr>
+              <a:t>дані</a:t>
+            </a:r>
+            <a:r>
+              <a:rPr lang="ru-RU" sz="1800" b="0" i="0" u="none" strike="noStrike" cap="none" spc="0" dirty="0">
+                <a:solidFill>
+                  <a:schemeClr val="tx1"/>
+                </a:solidFill>
+                <a:latin typeface="Times New Roman"/>
+                <a:cs typeface="Times New Roman"/>
+              </a:rPr>
+              <a:t>, </a:t>
+            </a:r>
+            <a:r>
+              <a:rPr lang="ru-RU" sz="1800" b="0" i="0" u="none" strike="noStrike" cap="none" spc="0" dirty="0" err="1">
+                <a:solidFill>
+                  <a:schemeClr val="tx1"/>
+                </a:solidFill>
+                <a:latin typeface="Times New Roman"/>
+                <a:cs typeface="Times New Roman"/>
+              </a:rPr>
+              <a:t>введені</a:t>
+            </a:r>
+            <a:r>
+              <a:rPr lang="ru-RU" sz="1800" b="0" i="0" u="none" strike="noStrike" cap="none" spc="0" dirty="0">
+                <a:solidFill>
+                  <a:schemeClr val="tx1"/>
+                </a:solidFill>
+                <a:latin typeface="Times New Roman"/>
+                <a:cs typeface="Times New Roman"/>
+              </a:rPr>
+              <a:t> </a:t>
+            </a:r>
+            <a:r>
+              <a:rPr lang="ru-RU" sz="1800" b="0" i="0" u="none" strike="noStrike" cap="none" spc="0" dirty="0" err="1">
+                <a:solidFill>
+                  <a:schemeClr val="tx1"/>
+                </a:solidFill>
+                <a:latin typeface="Times New Roman"/>
+                <a:cs typeface="Times New Roman"/>
+              </a:rPr>
+              <a:t>користувачем</a:t>
+            </a:r>
+            <a:r>
+              <a:rPr lang="ru-RU" sz="1800" b="0" i="0" u="none" strike="noStrike" cap="none" spc="0" dirty="0">
+                <a:solidFill>
+                  <a:schemeClr val="tx1"/>
+                </a:solidFill>
+                <a:latin typeface="Times New Roman"/>
+                <a:cs typeface="Times New Roman"/>
+              </a:rPr>
+              <a:t>, </a:t>
+            </a:r>
+            <a:r>
+              <a:rPr lang="ru-RU" sz="1800" b="0" i="0" u="none" strike="noStrike" cap="none" spc="0" dirty="0" err="1">
+                <a:solidFill>
+                  <a:schemeClr val="tx1"/>
+                </a:solidFill>
+                <a:latin typeface="Times New Roman"/>
+                <a:cs typeface="Times New Roman"/>
+              </a:rPr>
+              <a:t>виконуючи</a:t>
+            </a:r>
+            <a:r>
+              <a:rPr lang="ru-RU" sz="1800" b="0" i="0" u="none" strike="noStrike" cap="none" spc="0" dirty="0">
+                <a:solidFill>
+                  <a:schemeClr val="tx1"/>
+                </a:solidFill>
+                <a:latin typeface="Times New Roman"/>
+                <a:cs typeface="Times New Roman"/>
+              </a:rPr>
+              <a:t> </a:t>
+            </a:r>
+            <a:r>
+              <a:rPr lang="ru-RU" sz="1800" b="0" i="0" u="none" strike="noStrike" cap="none" spc="0" dirty="0" err="1">
+                <a:solidFill>
+                  <a:schemeClr val="tx1"/>
+                </a:solidFill>
+                <a:latin typeface="Times New Roman"/>
+                <a:cs typeface="Times New Roman"/>
+              </a:rPr>
+              <a:t>такі</a:t>
+            </a:r>
+            <a:r>
+              <a:rPr lang="ru-RU" sz="1800" b="0" i="0" u="none" strike="noStrike" cap="none" spc="0" dirty="0">
+                <a:solidFill>
+                  <a:schemeClr val="tx1"/>
+                </a:solidFill>
+                <a:latin typeface="Times New Roman"/>
+                <a:cs typeface="Times New Roman"/>
+              </a:rPr>
+              <a:t> </a:t>
+            </a:r>
+            <a:r>
+              <a:rPr lang="ru-RU" sz="1800" b="0" i="0" u="none" strike="noStrike" cap="none" spc="0" dirty="0" err="1">
+                <a:solidFill>
+                  <a:schemeClr val="tx1"/>
+                </a:solidFill>
+                <a:latin typeface="Times New Roman"/>
+                <a:cs typeface="Times New Roman"/>
+              </a:rPr>
+              <a:t>дії</a:t>
+            </a:r>
+            <a:r>
+              <a:rPr lang="ru-RU" sz="1800" b="0" i="0" u="none" strike="noStrike" cap="none" spc="0" dirty="0">
+                <a:solidFill>
+                  <a:schemeClr val="tx1"/>
+                </a:solidFill>
+                <a:latin typeface="Times New Roman"/>
+                <a:cs typeface="Times New Roman"/>
+              </a:rPr>
+              <a:t>, як </a:t>
+            </a:r>
+            <a:r>
+              <a:rPr lang="ru-RU" sz="1800" b="0" i="0" u="none" strike="noStrike" cap="none" spc="0" dirty="0" err="1">
+                <a:solidFill>
+                  <a:schemeClr val="tx1"/>
+                </a:solidFill>
+                <a:latin typeface="Times New Roman"/>
+                <a:cs typeface="Times New Roman"/>
+              </a:rPr>
+              <a:t>перевірка</a:t>
+            </a:r>
+            <a:r>
+              <a:rPr lang="ru-RU" sz="1800" b="0" i="0" u="none" strike="noStrike" cap="none" spc="0" dirty="0">
+                <a:solidFill>
+                  <a:schemeClr val="tx1"/>
+                </a:solidFill>
+                <a:latin typeface="Times New Roman"/>
+                <a:cs typeface="Times New Roman"/>
+              </a:rPr>
+              <a:t> балансу </a:t>
+            </a:r>
+            <a:r>
+              <a:rPr lang="ru-RU" sz="1800" b="0" i="0" u="none" strike="noStrike" cap="none" spc="0" dirty="0" err="1">
+                <a:solidFill>
+                  <a:schemeClr val="tx1"/>
+                </a:solidFill>
+                <a:latin typeface="Times New Roman"/>
+                <a:cs typeface="Times New Roman"/>
+              </a:rPr>
+              <a:t>рахунку</a:t>
+            </a:r>
+            <a:r>
+              <a:rPr lang="ru-RU" sz="1800" b="0" i="0" u="none" strike="noStrike" cap="none" spc="0" dirty="0">
+                <a:solidFill>
+                  <a:schemeClr val="tx1"/>
+                </a:solidFill>
+                <a:latin typeface="Times New Roman"/>
+                <a:cs typeface="Times New Roman"/>
+              </a:rPr>
+              <a:t> </a:t>
+            </a:r>
+            <a:r>
+              <a:rPr lang="ru-RU" sz="1800" b="0" i="0" u="none" strike="noStrike" cap="none" spc="0" dirty="0" err="1">
+                <a:solidFill>
+                  <a:schemeClr val="tx1"/>
+                </a:solidFill>
+                <a:latin typeface="Times New Roman"/>
+                <a:cs typeface="Times New Roman"/>
+              </a:rPr>
+              <a:t>або</a:t>
+            </a:r>
+            <a:r>
+              <a:rPr lang="ru-RU" sz="1800" b="0" i="0" u="none" strike="noStrike" cap="none" spc="0" dirty="0">
+                <a:solidFill>
+                  <a:schemeClr val="tx1"/>
+                </a:solidFill>
+                <a:latin typeface="Times New Roman"/>
+                <a:cs typeface="Times New Roman"/>
+              </a:rPr>
+              <a:t> </a:t>
+            </a:r>
+            <a:r>
+              <a:rPr lang="ru-RU" sz="1800" b="0" i="0" u="none" strike="noStrike" cap="none" spc="0" dirty="0" err="1">
+                <a:solidFill>
+                  <a:schemeClr val="tx1"/>
+                </a:solidFill>
+                <a:latin typeface="Times New Roman"/>
+                <a:cs typeface="Times New Roman"/>
+              </a:rPr>
+              <a:t>створення</a:t>
+            </a:r>
+            <a:r>
+              <a:rPr lang="ru-RU" sz="1800" b="0" i="0" u="none" strike="noStrike" cap="none" spc="0" dirty="0">
+                <a:solidFill>
+                  <a:schemeClr val="tx1"/>
+                </a:solidFill>
+                <a:latin typeface="Times New Roman"/>
+                <a:cs typeface="Times New Roman"/>
+              </a:rPr>
+              <a:t> </a:t>
+            </a:r>
+            <a:r>
+              <a:rPr lang="ru-RU" sz="1800" b="0" i="0" u="none" strike="noStrike" cap="none" spc="0" dirty="0" err="1">
+                <a:solidFill>
+                  <a:schemeClr val="tx1"/>
+                </a:solidFill>
+                <a:latin typeface="Times New Roman"/>
+                <a:cs typeface="Times New Roman"/>
+              </a:rPr>
+              <a:t>транзакцій</a:t>
+            </a:r>
+            <a:r>
+              <a:rPr lang="ru-RU" sz="1800" b="0" i="0" u="none" strike="noStrike" cap="none" spc="0" dirty="0">
+                <a:solidFill>
+                  <a:schemeClr val="tx1"/>
+                </a:solidFill>
+                <a:latin typeface="Times New Roman"/>
+                <a:cs typeface="Times New Roman"/>
+              </a:rPr>
+              <a:t>. </a:t>
+            </a:r>
+            <a:r>
+              <a:rPr lang="ru-RU" sz="1800" b="0" i="0" u="none" strike="noStrike" cap="none" spc="0" dirty="0" err="1">
+                <a:solidFill>
+                  <a:schemeClr val="tx1"/>
+                </a:solidFill>
+                <a:latin typeface="Times New Roman"/>
+                <a:cs typeface="Times New Roman"/>
+              </a:rPr>
+              <a:t>Така</a:t>
+            </a:r>
+            <a:r>
+              <a:rPr lang="ru-RU" sz="1800" b="0" i="0" u="none" strike="noStrike" cap="none" spc="0" dirty="0">
+                <a:solidFill>
+                  <a:schemeClr val="tx1"/>
+                </a:solidFill>
+                <a:latin typeface="Times New Roman"/>
+                <a:cs typeface="Times New Roman"/>
+              </a:rPr>
+              <a:t> структура </a:t>
+            </a:r>
+            <a:r>
+              <a:rPr lang="ru-RU" sz="1800" b="0" i="0" u="none" strike="noStrike" cap="none" spc="0" dirty="0" err="1">
+                <a:solidFill>
+                  <a:schemeClr val="tx1"/>
+                </a:solidFill>
+                <a:latin typeface="Times New Roman"/>
+                <a:cs typeface="Times New Roman"/>
+              </a:rPr>
+              <a:t>забезпечує</a:t>
+            </a:r>
+            <a:r>
+              <a:rPr lang="ru-RU" sz="1800" b="0" i="0" u="none" strike="noStrike" cap="none" spc="0" dirty="0">
+                <a:solidFill>
+                  <a:schemeClr val="tx1"/>
+                </a:solidFill>
+                <a:latin typeface="Times New Roman"/>
+                <a:cs typeface="Times New Roman"/>
+              </a:rPr>
+              <a:t> </a:t>
+            </a:r>
+            <a:r>
+              <a:rPr lang="ru-RU" sz="1800" b="0" i="0" u="none" strike="noStrike" cap="none" spc="0" dirty="0" err="1">
+                <a:solidFill>
+                  <a:schemeClr val="tx1"/>
+                </a:solidFill>
+                <a:latin typeface="Times New Roman"/>
+                <a:cs typeface="Times New Roman"/>
+              </a:rPr>
+              <a:t>ефективне</a:t>
+            </a:r>
+            <a:r>
+              <a:rPr lang="ru-RU" sz="1800" b="0" i="0" u="none" strike="noStrike" cap="none" spc="0" dirty="0">
+                <a:solidFill>
+                  <a:schemeClr val="tx1"/>
+                </a:solidFill>
+                <a:latin typeface="Times New Roman"/>
+                <a:cs typeface="Times New Roman"/>
+              </a:rPr>
+              <a:t> </a:t>
+            </a:r>
+            <a:r>
+              <a:rPr lang="ru-RU" sz="1800" b="0" i="0" u="none" strike="noStrike" cap="none" spc="0" dirty="0" err="1">
+                <a:solidFill>
+                  <a:schemeClr val="tx1"/>
+                </a:solidFill>
+                <a:latin typeface="Times New Roman"/>
+                <a:cs typeface="Times New Roman"/>
+              </a:rPr>
+              <a:t>управління</a:t>
+            </a:r>
+            <a:r>
+              <a:rPr lang="ru-RU" sz="1800" b="0" i="0" u="none" strike="noStrike" cap="none" spc="0" dirty="0">
+                <a:solidFill>
+                  <a:schemeClr val="tx1"/>
+                </a:solidFill>
+                <a:latin typeface="Times New Roman"/>
+                <a:cs typeface="Times New Roman"/>
+              </a:rPr>
+              <a:t> </a:t>
+            </a:r>
+            <a:r>
+              <a:rPr lang="ru-RU" sz="1800" b="0" i="0" u="none" strike="noStrike" cap="none" spc="0" dirty="0" err="1">
+                <a:solidFill>
+                  <a:schemeClr val="tx1"/>
+                </a:solidFill>
+                <a:latin typeface="Times New Roman"/>
+                <a:cs typeface="Times New Roman"/>
+              </a:rPr>
+              <a:t>даними</a:t>
+            </a:r>
+            <a:r>
+              <a:rPr lang="ru-RU" sz="1800" b="0" i="0" u="none" strike="noStrike" cap="none" spc="0" dirty="0">
+                <a:solidFill>
+                  <a:schemeClr val="tx1"/>
+                </a:solidFill>
+                <a:latin typeface="Times New Roman"/>
+                <a:cs typeface="Times New Roman"/>
+              </a:rPr>
+              <a:t>, </a:t>
+            </a:r>
+            <a:r>
+              <a:rPr lang="ru-RU" sz="1800" b="0" i="0" u="none" strike="noStrike" cap="none" spc="0" dirty="0" err="1">
+                <a:solidFill>
+                  <a:schemeClr val="tx1"/>
+                </a:solidFill>
+                <a:latin typeface="Times New Roman"/>
+                <a:cs typeface="Times New Roman"/>
+              </a:rPr>
+              <a:t>безперебійну</a:t>
+            </a:r>
+            <a:r>
+              <a:rPr lang="ru-RU" sz="1800" b="0" i="0" u="none" strike="noStrike" cap="none" spc="0" dirty="0">
+                <a:solidFill>
+                  <a:schemeClr val="tx1"/>
+                </a:solidFill>
+                <a:latin typeface="Times New Roman"/>
+                <a:cs typeface="Times New Roman"/>
+              </a:rPr>
+              <a:t> </a:t>
+            </a:r>
+            <a:r>
+              <a:rPr lang="ru-RU" sz="1800" b="0" i="0" u="none" strike="noStrike" cap="none" spc="0" dirty="0" err="1">
+                <a:solidFill>
+                  <a:schemeClr val="tx1"/>
+                </a:solidFill>
+                <a:latin typeface="Times New Roman"/>
+                <a:cs typeface="Times New Roman"/>
+              </a:rPr>
+              <a:t>взаємодію</a:t>
+            </a:r>
+            <a:r>
+              <a:rPr lang="ru-RU" sz="1800" b="0" i="0" u="none" strike="noStrike" cap="none" spc="0" dirty="0">
+                <a:solidFill>
+                  <a:schemeClr val="tx1"/>
+                </a:solidFill>
+                <a:latin typeface="Times New Roman"/>
+                <a:cs typeface="Times New Roman"/>
+              </a:rPr>
+              <a:t> з </a:t>
+            </a:r>
+            <a:r>
+              <a:rPr lang="ru-RU" sz="1800" b="0" i="0" u="none" strike="noStrike" cap="none" spc="0" dirty="0" err="1">
+                <a:solidFill>
+                  <a:schemeClr val="tx1"/>
+                </a:solidFill>
+                <a:latin typeface="Times New Roman"/>
+                <a:cs typeface="Times New Roman"/>
+              </a:rPr>
+              <a:t>користувацьким</a:t>
+            </a:r>
+            <a:r>
+              <a:rPr lang="ru-RU" sz="1800" b="0" i="0" u="none" strike="noStrike" cap="none" spc="0" dirty="0">
+                <a:solidFill>
+                  <a:schemeClr val="tx1"/>
+                </a:solidFill>
+                <a:latin typeface="Times New Roman"/>
+                <a:cs typeface="Times New Roman"/>
+              </a:rPr>
+              <a:t> </a:t>
+            </a:r>
+            <a:r>
+              <a:rPr lang="ru-RU" sz="1800" b="0" i="0" u="none" strike="noStrike" cap="none" spc="0" dirty="0" err="1">
+                <a:solidFill>
+                  <a:schemeClr val="tx1"/>
+                </a:solidFill>
+                <a:latin typeface="Times New Roman"/>
+                <a:cs typeface="Times New Roman"/>
+              </a:rPr>
+              <a:t>інтерфейсом</a:t>
+            </a:r>
+            <a:r>
+              <a:rPr lang="ru-RU" sz="1800" b="0" i="0" u="none" strike="noStrike" cap="none" spc="0" dirty="0">
+                <a:solidFill>
+                  <a:schemeClr val="tx1"/>
+                </a:solidFill>
+                <a:latin typeface="Times New Roman"/>
+                <a:cs typeface="Times New Roman"/>
+              </a:rPr>
+              <a:t> та </a:t>
+            </a:r>
+            <a:r>
+              <a:rPr lang="ru-RU" sz="1800" b="0" i="0" u="none" strike="noStrike" cap="none" spc="0" dirty="0" err="1">
+                <a:solidFill>
+                  <a:schemeClr val="tx1"/>
+                </a:solidFill>
+                <a:latin typeface="Times New Roman"/>
+                <a:cs typeface="Times New Roman"/>
+              </a:rPr>
+              <a:t>ефективну</a:t>
+            </a:r>
+            <a:r>
+              <a:rPr lang="ru-RU" sz="1800" b="0" i="0" u="none" strike="noStrike" cap="none" spc="0" dirty="0">
+                <a:solidFill>
+                  <a:schemeClr val="tx1"/>
+                </a:solidFill>
+                <a:latin typeface="Times New Roman"/>
+                <a:cs typeface="Times New Roman"/>
+              </a:rPr>
+              <a:t> </a:t>
+            </a:r>
+            <a:r>
+              <a:rPr lang="ru-RU" sz="1800" b="0" i="0" u="none" strike="noStrike" cap="none" spc="0" dirty="0" err="1">
+                <a:solidFill>
+                  <a:schemeClr val="tx1"/>
+                </a:solidFill>
+                <a:latin typeface="Times New Roman"/>
+                <a:cs typeface="Times New Roman"/>
+              </a:rPr>
+              <a:t>обробку</a:t>
+            </a:r>
+            <a:r>
+              <a:rPr lang="ru-RU" sz="1800" b="0" i="0" u="none" strike="noStrike" cap="none" spc="0" dirty="0">
+                <a:solidFill>
+                  <a:schemeClr val="tx1"/>
+                </a:solidFill>
+                <a:latin typeface="Times New Roman"/>
+                <a:cs typeface="Times New Roman"/>
+              </a:rPr>
+              <a:t> </a:t>
+            </a:r>
+            <a:r>
+              <a:rPr lang="ru-RU" sz="1800" b="0" i="0" u="none" strike="noStrike" cap="none" spc="0" dirty="0" err="1">
+                <a:solidFill>
+                  <a:schemeClr val="tx1"/>
+                </a:solidFill>
+                <a:latin typeface="Times New Roman"/>
+                <a:cs typeface="Times New Roman"/>
+              </a:rPr>
+              <a:t>дій</a:t>
+            </a:r>
+            <a:r>
+              <a:rPr lang="ru-RU" sz="1800" b="0" i="0" u="none" strike="noStrike" cap="none" spc="0" dirty="0">
+                <a:solidFill>
+                  <a:schemeClr val="tx1"/>
+                </a:solidFill>
+                <a:latin typeface="Times New Roman"/>
+                <a:cs typeface="Times New Roman"/>
+              </a:rPr>
+              <a:t> </a:t>
+            </a:r>
+            <a:r>
+              <a:rPr lang="ru-RU" sz="1800" b="0" i="0" u="none" strike="noStrike" cap="none" spc="0" dirty="0" err="1">
+                <a:solidFill>
+                  <a:schemeClr val="tx1"/>
+                </a:solidFill>
+                <a:latin typeface="Times New Roman"/>
+                <a:cs typeface="Times New Roman"/>
+              </a:rPr>
+              <a:t>користувача</a:t>
+            </a:r>
+            <a:r>
+              <a:rPr lang="ru-RU" sz="1800" b="0" i="0" u="none" strike="noStrike" cap="none" spc="0" dirty="0">
+                <a:solidFill>
+                  <a:schemeClr val="tx1"/>
+                </a:solidFill>
+                <a:latin typeface="Times New Roman"/>
+                <a:cs typeface="Times New Roman"/>
+              </a:rPr>
+              <a:t>, </a:t>
+            </a:r>
+            <a:r>
+              <a:rPr lang="ru-RU" sz="1800" b="0" i="0" u="none" strike="noStrike" cap="none" spc="0" dirty="0" err="1">
+                <a:solidFill>
+                  <a:schemeClr val="tx1"/>
+                </a:solidFill>
+                <a:latin typeface="Times New Roman"/>
+                <a:cs typeface="Times New Roman"/>
+              </a:rPr>
+              <a:t>що</a:t>
+            </a:r>
+            <a:r>
+              <a:rPr lang="ru-RU" sz="1800" b="0" i="0" u="none" strike="noStrike" cap="none" spc="0" dirty="0">
+                <a:solidFill>
+                  <a:schemeClr val="tx1"/>
+                </a:solidFill>
+                <a:latin typeface="Times New Roman"/>
+                <a:cs typeface="Times New Roman"/>
+              </a:rPr>
+              <a:t> в </a:t>
+            </a:r>
+            <a:r>
+              <a:rPr lang="ru-RU" sz="1800" b="0" i="0" u="none" strike="noStrike" cap="none" spc="0" dirty="0" err="1">
+                <a:solidFill>
+                  <a:schemeClr val="tx1"/>
+                </a:solidFill>
+                <a:latin typeface="Times New Roman"/>
+                <a:cs typeface="Times New Roman"/>
+              </a:rPr>
+              <a:t>підсумку</a:t>
+            </a:r>
+            <a:r>
+              <a:rPr lang="ru-RU" sz="1800" b="0" i="0" u="none" strike="noStrike" cap="none" spc="0" dirty="0">
+                <a:solidFill>
+                  <a:schemeClr val="tx1"/>
+                </a:solidFill>
+                <a:latin typeface="Times New Roman"/>
+                <a:cs typeface="Times New Roman"/>
+              </a:rPr>
+              <a:t> </a:t>
+            </a:r>
+            <a:r>
+              <a:rPr lang="ru-RU" sz="1800" b="0" i="0" u="none" strike="noStrike" cap="none" spc="0" dirty="0" err="1">
+                <a:solidFill>
+                  <a:schemeClr val="tx1"/>
+                </a:solidFill>
+                <a:latin typeface="Times New Roman"/>
+                <a:cs typeface="Times New Roman"/>
+              </a:rPr>
+              <a:t>створює</a:t>
+            </a:r>
+            <a:r>
+              <a:rPr lang="ru-RU" sz="1800" b="0" i="0" u="none" strike="noStrike" cap="none" spc="0" dirty="0">
+                <a:solidFill>
+                  <a:schemeClr val="tx1"/>
+                </a:solidFill>
+                <a:latin typeface="Times New Roman"/>
+                <a:cs typeface="Times New Roman"/>
+              </a:rPr>
+              <a:t> </a:t>
+            </a:r>
+            <a:r>
+              <a:rPr lang="ru-RU" sz="1800" b="0" i="0" u="none" strike="noStrike" cap="none" spc="0" dirty="0" err="1">
+                <a:solidFill>
+                  <a:schemeClr val="tx1"/>
+                </a:solidFill>
+                <a:latin typeface="Times New Roman"/>
+                <a:cs typeface="Times New Roman"/>
+              </a:rPr>
+              <a:t>безперебійну</a:t>
+            </a:r>
+            <a:r>
+              <a:rPr lang="ru-RU" sz="1800" b="0" i="0" u="none" strike="noStrike" cap="none" spc="0" dirty="0">
+                <a:solidFill>
+                  <a:schemeClr val="tx1"/>
+                </a:solidFill>
+                <a:latin typeface="Times New Roman"/>
+                <a:cs typeface="Times New Roman"/>
+              </a:rPr>
+              <a:t> та </a:t>
+            </a:r>
+            <a:r>
+              <a:rPr lang="ru-RU" sz="1800" b="0" i="0" u="none" strike="noStrike" cap="none" spc="0" dirty="0" err="1">
+                <a:solidFill>
+                  <a:schemeClr val="tx1"/>
+                </a:solidFill>
+                <a:latin typeface="Times New Roman"/>
+                <a:cs typeface="Times New Roman"/>
+              </a:rPr>
+              <a:t>інтуїтивно</a:t>
+            </a:r>
+            <a:r>
+              <a:rPr lang="ru-RU" sz="1800" b="0" i="0" u="none" strike="noStrike" cap="none" spc="0" dirty="0">
+                <a:solidFill>
+                  <a:schemeClr val="tx1"/>
+                </a:solidFill>
+                <a:latin typeface="Times New Roman"/>
+                <a:cs typeface="Times New Roman"/>
+              </a:rPr>
+              <a:t> </a:t>
+            </a:r>
+            <a:r>
+              <a:rPr lang="ru-RU" sz="1800" b="0" i="0" u="none" strike="noStrike" cap="none" spc="0" dirty="0" err="1">
+                <a:solidFill>
+                  <a:schemeClr val="tx1"/>
+                </a:solidFill>
+                <a:latin typeface="Times New Roman"/>
+                <a:cs typeface="Times New Roman"/>
+              </a:rPr>
+              <a:t>зрозумілу</a:t>
+            </a:r>
+            <a:r>
+              <a:rPr lang="ru-RU" sz="1800" b="0" i="0" u="none" strike="noStrike" cap="none" spc="0" dirty="0">
+                <a:solidFill>
+                  <a:schemeClr val="tx1"/>
+                </a:solidFill>
+                <a:latin typeface="Times New Roman"/>
+                <a:cs typeface="Times New Roman"/>
+              </a:rPr>
+              <a:t> роботу для </a:t>
+            </a:r>
+            <a:r>
+              <a:rPr lang="ru-RU" sz="1800" b="0" i="0" u="none" strike="noStrike" cap="none" spc="0" dirty="0" err="1">
+                <a:solidFill>
+                  <a:schemeClr val="tx1"/>
+                </a:solidFill>
+                <a:latin typeface="Times New Roman"/>
+                <a:cs typeface="Times New Roman"/>
+              </a:rPr>
+              <a:t>користувачів</a:t>
+            </a:r>
+            <a:r>
+              <a:rPr lang="ru-RU" sz="1800" b="0" i="0" u="none" strike="noStrike" cap="none" spc="0" dirty="0">
+                <a:solidFill>
+                  <a:schemeClr val="tx1"/>
+                </a:solidFill>
+                <a:latin typeface="Times New Roman"/>
+                <a:cs typeface="Times New Roman"/>
+              </a:rPr>
+              <a:t> </a:t>
+            </a:r>
+            <a:r>
+              <a:rPr lang="ru-RU" sz="1800" b="0" i="0" u="none" strike="noStrike" cap="none" spc="0" dirty="0" err="1">
+                <a:solidFill>
+                  <a:schemeClr val="tx1"/>
+                </a:solidFill>
+                <a:latin typeface="Times New Roman"/>
+                <a:cs typeface="Times New Roman"/>
+              </a:rPr>
+              <a:t>нашого</a:t>
+            </a:r>
+            <a:r>
+              <a:rPr lang="ru-RU" sz="1800" b="0" i="0" u="none" strike="noStrike" cap="none" spc="0" dirty="0">
+                <a:solidFill>
+                  <a:schemeClr val="tx1"/>
+                </a:solidFill>
+                <a:latin typeface="Times New Roman"/>
+                <a:cs typeface="Times New Roman"/>
+              </a:rPr>
+              <a:t> </a:t>
+            </a:r>
+            <a:r>
+              <a:rPr lang="ru-RU" sz="1800" b="0" i="0" u="none" strike="noStrike" cap="none" spc="0" dirty="0" err="1">
+                <a:solidFill>
+                  <a:schemeClr val="tx1"/>
+                </a:solidFill>
+                <a:latin typeface="Times New Roman"/>
+                <a:cs typeface="Times New Roman"/>
+              </a:rPr>
+              <a:t>гаманця</a:t>
+            </a:r>
+            <a:r>
+              <a:rPr lang="ru-RU" sz="1800" b="0" i="0" u="none" strike="noStrike" cap="none" spc="0" dirty="0">
+                <a:solidFill>
+                  <a:schemeClr val="tx1"/>
+                </a:solidFill>
+                <a:latin typeface="Times New Roman"/>
+                <a:cs typeface="Times New Roman"/>
+              </a:rPr>
+              <a:t>.</a:t>
+            </a:r>
+            <a:endParaRPr dirty="0">
               <a:latin typeface="Times New Roman"/>
               <a:cs typeface="Times New Roman"/>
             </a:endParaRPr>
@@ -11709,20 +13486,12 @@
   <p:clrMapOvr>
     <a:masterClrMapping/>
   </p:clrMapOvr>
-  <mc:AlternateContent xmlns:mc="http://schemas.openxmlformats.org/markup-compatibility/2006">
-    <mc:Choice xmlns:p14="http://schemas.microsoft.com/office/powerpoint/2010/main" Requires="p14">
-      <p:transition p14:dur="2000" advClick="1"/>
-    </mc:Choice>
-    <mc:Fallback>
-      <p:transition advClick="1"/>
-    </mc:Fallback>
-  </mc:AlternateContent>
 </p:sld>
 </file>
 
 <file path=ppt/slides/slide8.xml><?xml version="1.0" encoding="utf-8"?>
-<p:sld xmlns:a="http://schemas.openxmlformats.org/drawingml/2006/main" xmlns:r="http://schemas.openxmlformats.org/officeDocument/2006/relationships" xmlns:p="http://schemas.openxmlformats.org/presentationml/2006/main" xmlns:m="http://schemas.openxmlformats.org/officeDocument/2006/math" xmlns:w="http://schemas.openxmlformats.org/wordprocessingml/2006/main" showMasterPhAnim="0" showMasterSp="0" show="1">
-  <p:cSld name="">
+<p:sld xmlns:a="http://schemas.openxmlformats.org/drawingml/2006/main" xmlns:r="http://schemas.openxmlformats.org/officeDocument/2006/relationships" xmlns:p="http://schemas.openxmlformats.org/presentationml/2006/main" showMasterSp="0" showMasterPhAnim="0">
+  <p:cSld>
     <p:spTree>
       <p:nvGrpSpPr>
         <p:cNvPr id="1" name=""/>
@@ -11748,7 +13517,7 @@
           </p:nvPr>
         </p:nvSpPr>
         <p:spPr bwMode="auto">
-          <a:xfrm flipH="0" flipV="0">
+          <a:xfrm>
             <a:off x="422321" y="215214"/>
             <a:ext cx="6358173" cy="381992"/>
           </a:xfrm>
@@ -11879,7 +13648,7 @@
             </a:pPr>
             <a:fld id="{6D9D3FD9-B45B-911C-396B-1B60B15A8A81}" type="slidenum">
               <a:rPr sz="2800"/>
-              <a:t/>
+              <a:t>8</a:t>
             </a:fld>
             <a:endParaRPr/>
           </a:p>
@@ -11928,7 +13697,7 @@
       </p:sp>
       <p:pic>
         <p:nvPicPr>
-          <p:cNvPr id="606887588" name=""/>
+          <p:cNvPr id="606887588" name="Рисунок 606887587"/>
           <p:cNvPicPr>
             <a:picLocks noChangeAspect="1"/>
           </p:cNvPicPr>
@@ -11939,7 +13708,7 @@
           <a:stretch/>
         </p:blipFill>
         <p:spPr bwMode="auto">
-          <a:xfrm rot="0" flipH="0" flipV="0">
+          <a:xfrm>
             <a:off x="5173831" y="808846"/>
             <a:ext cx="6596417" cy="5215630"/>
           </a:xfrm>
@@ -11950,12 +13719,12 @@
       </p:pic>
       <p:sp>
         <p:nvSpPr>
-          <p:cNvPr id="1300448506" name=""/>
+          <p:cNvPr id="1300448506" name="TextBox 1300448505"/>
           <p:cNvSpPr txBox="1"/>
           <p:nvPr/>
         </p:nvSpPr>
         <p:spPr bwMode="auto">
-          <a:xfrm flipH="0" flipV="0">
+          <a:xfrm>
             <a:off x="296975" y="931180"/>
             <a:ext cx="4674847" cy="5441039"/>
           </a:xfrm>
@@ -11965,9 +13734,10 @@
           <a:noFill/>
         </p:spPr>
         <p:txBody>
-          <a:bodyPr vertOverflow="overflow" horzOverflow="overflow" vert="horz" wrap="square" lIns="91440" tIns="45720" rIns="91440" bIns="45720" numCol="1" spcCol="0" rtlCol="0" fromWordArt="0" anchor="t" anchorCtr="0" forceAA="0" upright="0" compatLnSpc="0">
+          <a:bodyPr vertOverflow="overflow" horzOverflow="overflow" vert="horz" wrap="square" lIns="91440" tIns="45720" rIns="91440" bIns="45720" numCol="1" spcCol="0" rtlCol="0" fromWordArt="0" anchor="t" anchorCtr="0" forceAA="0" compatLnSpc="0">
             <a:spAutoFit/>
           </a:bodyPr>
+          <a:lstStyle/>
           <a:p>
             <a:pPr indent="269874" algn="just">
               <a:lnSpc>
@@ -11979,27 +13749,13 @@
               <a:defRPr/>
             </a:pPr>
             <a:r>
-              <a:rPr lang="uk-UA" sz="1800">
-                <a:latin typeface="Times New Roman"/>
-                <a:cs typeface="Times New Roman"/>
-              </a:rPr>
-              <a:t>Хоча цей аналіз даних не є остаточним доказом іс</a:t>
-            </a:r>
-            <a:r>
-              <a:rPr lang="uk-UA" sz="1800">
-                <a:latin typeface="Times New Roman"/>
-                <a:cs typeface="Times New Roman"/>
-              </a:rPr>
-              <a:t>нування парадоксу Пуассона в біткоїні, доказ насправді криється в початковій гістограмі, а саме в її довгому хвості. Більшість респондентів у нашій вибірці чекають на підтвердження більше 10 хвилин, хоча середній час очікування становить 9,9 хвилин. Це пов</a:t>
-            </a:r>
-            <a:r>
-              <a:rPr lang="uk-UA" sz="1800">
-                <a:latin typeface="Times New Roman"/>
-                <a:cs typeface="Times New Roman"/>
-              </a:rPr>
-              <a:t>'язано з довгим правим хвостом розподілу Пуассона. Іншими словами, існує більше можливостей виявити блок між 10-40 хвилинами, оскільки цей часовий інтервал в чотири рази більший, ніж інтервал 0-10 хвилин</a:t>
-            </a:r>
-            <a:endParaRPr sz="1800">
+              <a:rPr lang="uk-UA" sz="1800" dirty="0">
+                <a:latin typeface="Times New Roman"/>
+                <a:cs typeface="Times New Roman"/>
+              </a:rPr>
+              <a:t>Хоча цей аналіз даних не є остаточним доказом існування парадоксу Пуассона в біткоїні, доказ насправді криється в початковій гістограмі, а саме в її довгому хвості. Більшість респондентів у нашій вибірці чекають на підтвердження більше 10 хвилин, хоча середній час очікування становить 9,9 хвилин. Це пов'язано з довгим правим хвостом розподілу Пуассона. Іншими словами, існує більше можливостей виявити блок між 10-40 хвилинами, оскільки цей часовий інтервал в чотири рази більший, ніж інтервал 0-10 хвилин</a:t>
+            </a:r>
+            <a:endParaRPr sz="1800" dirty="0">
               <a:latin typeface="Times New Roman"/>
               <a:cs typeface="Times New Roman"/>
             </a:endParaRPr>
@@ -12011,20 +13767,12 @@
   <p:clrMapOvr>
     <a:masterClrMapping/>
   </p:clrMapOvr>
-  <mc:AlternateContent xmlns:mc="http://schemas.openxmlformats.org/markup-compatibility/2006">
-    <mc:Choice xmlns:p14="http://schemas.microsoft.com/office/powerpoint/2010/main" Requires="p14">
-      <p:transition p14:dur="2000" advClick="1"/>
-    </mc:Choice>
-    <mc:Fallback>
-      <p:transition advClick="1"/>
-    </mc:Fallback>
-  </mc:AlternateContent>
 </p:sld>
 </file>
 
 <file path=ppt/slides/slide9.xml><?xml version="1.0" encoding="utf-8"?>
-<p:sld xmlns:a="http://schemas.openxmlformats.org/drawingml/2006/main" xmlns:r="http://schemas.openxmlformats.org/officeDocument/2006/relationships" xmlns:p="http://schemas.openxmlformats.org/presentationml/2006/main" xmlns:m="http://schemas.openxmlformats.org/officeDocument/2006/math" xmlns:w="http://schemas.openxmlformats.org/wordprocessingml/2006/main" showMasterPhAnim="0" showMasterSp="0" show="1">
-  <p:cSld name="">
+<p:sld xmlns:a="http://schemas.openxmlformats.org/drawingml/2006/main" xmlns:r="http://schemas.openxmlformats.org/officeDocument/2006/relationships" xmlns:p="http://schemas.openxmlformats.org/presentationml/2006/main" showMasterSp="0" showMasterPhAnim="0">
+  <p:cSld>
     <p:spTree>
       <p:nvGrpSpPr>
         <p:cNvPr id="1" name=""/>
@@ -12050,7 +13798,7 @@
           </p:nvPr>
         </p:nvSpPr>
         <p:spPr bwMode="auto">
-          <a:xfrm flipH="0" flipV="0">
+          <a:xfrm>
             <a:off x="422321" y="215214"/>
             <a:ext cx="6369333" cy="381992"/>
           </a:xfrm>
@@ -12175,7 +13923,7 @@
             </a:pPr>
             <a:fld id="{2D730B54-BE92-220A-8662-B77F36053956}" type="slidenum">
               <a:rPr sz="2800"/>
-              <a:t/>
+              <a:t>9</a:t>
             </a:fld>
             <a:endParaRPr/>
           </a:p>
@@ -12224,30 +13972,43 @@
       </p:sp>
       <p:graphicFrame>
         <p:nvGraphicFramePr>
-          <p:cNvPr id="588418955" name=""/>
+          <p:cNvPr id="588418955" name="Таблица 588418954"/>
           <p:cNvGraphicFramePr>
-            <a:graphicFrameLocks xmlns:a="http://schemas.openxmlformats.org/drawingml/2006/main"/>
+            <a:graphicFrameLocks/>
           </p:cNvGraphicFramePr>
           <p:nvPr/>
         </p:nvGraphicFramePr>
         <p:xfrm>
           <a:off x="6629391" y="1146994"/>
-          <a:ext cx="4736822" cy="2398277"/>
+          <a:ext cx="4724121" cy="2385577"/>
         </p:xfrm>
         <a:graphic>
           <a:graphicData uri="http://schemas.openxmlformats.org/drawingml/2006/table">
             <a:tbl>
-              <a:tblPr firstRow="1" firstCol="1" lastRow="0" lastCol="0" bandRow="1" bandCol="0">
+              <a:tblPr firstRow="1" firstCol="1" bandRow="1">
                 <a:tableStyleId>{5C22544A-7EE6-4342-B048-85BDC9FD1C3A}</a:tableStyleId>
               </a:tblPr>
               <a:tblGrid>
-                <a:gridCol w="2583610"/>
-                <a:gridCol w="2140511"/>
+                <a:gridCol w="2583610">
+                  <a:extLst>
+                    <a:ext uri="{9D8B030D-6E8A-4147-A177-3AD203B41FA5}">
+                      <a16:colId xmlns:a16="http://schemas.microsoft.com/office/drawing/2014/main" val="20000"/>
+                    </a:ext>
+                  </a:extLst>
+                </a:gridCol>
+                <a:gridCol w="2140511">
+                  <a:extLst>
+                    <a:ext uri="{9D8B030D-6E8A-4147-A177-3AD203B41FA5}">
+                      <a16:colId xmlns:a16="http://schemas.microsoft.com/office/drawing/2014/main" val="20001"/>
+                    </a:ext>
+                  </a:extLst>
+                </a:gridCol>
               </a:tblGrid>
               <a:tr h="1097291">
                 <a:tc>
                   <a:txBody>
                     <a:bodyPr/>
+                    <a:lstStyle/>
                     <a:p>
                       <a:pPr indent="269874" algn="just">
                         <a:lnSpc>
@@ -12271,11 +14032,12 @@
                       </a:endParaRPr>
                     </a:p>
                   </a:txBody>
-                  <a:tcPr vert="horz"/>
+                  <a:tcPr/>
                 </a:tc>
                 <a:tc>
                   <a:txBody>
                     <a:bodyPr/>
+                    <a:lstStyle/>
                     <a:p>
                       <a:pPr indent="269874" algn="just">
                         <a:lnSpc>
@@ -12299,13 +14061,19 @@
                       </a:endParaRPr>
                     </a:p>
                   </a:txBody>
-                  <a:tcPr vert="horz"/>
+                  <a:tcPr/>
                 </a:tc>
+                <a:extLst>
+                  <a:ext uri="{0D108BD9-81ED-4DB2-BD59-A6C34878D82A}">
+                    <a16:rowId xmlns:a16="http://schemas.microsoft.com/office/drawing/2014/main" val="10000"/>
+                  </a:ext>
+                </a:extLst>
               </a:tr>
               <a:tr h="662868">
                 <a:tc>
                   <a:txBody>
                     <a:bodyPr/>
+                    <a:lstStyle/>
                     <a:p>
                       <a:pPr indent="269874" algn="just">
                         <a:lnSpc>
@@ -12329,11 +14097,12 @@
                       </a:endParaRPr>
                     </a:p>
                   </a:txBody>
-                  <a:tcPr vert="horz"/>
+                  <a:tcPr/>
                 </a:tc>
                 <a:tc>
                   <a:txBody>
                     <a:bodyPr/>
+                    <a:lstStyle/>
                     <a:p>
                       <a:pPr indent="269874" algn="just">
                         <a:lnSpc>
@@ -12357,13 +14126,19 @@
                       </a:endParaRPr>
                     </a:p>
                   </a:txBody>
-                  <a:tcPr vert="horz"/>
+                  <a:tcPr/>
                 </a:tc>
+                <a:extLst>
+                  <a:ext uri="{0D108BD9-81ED-4DB2-BD59-A6C34878D82A}">
+                    <a16:rowId xmlns:a16="http://schemas.microsoft.com/office/drawing/2014/main" val="10001"/>
+                  </a:ext>
+                </a:extLst>
               </a:tr>
               <a:tr h="625418">
                 <a:tc>
                   <a:txBody>
                     <a:bodyPr/>
+                    <a:lstStyle/>
                     <a:p>
                       <a:pPr indent="269874" algn="just">
                         <a:lnSpc>
@@ -12387,11 +14162,12 @@
                       </a:endParaRPr>
                     </a:p>
                   </a:txBody>
-                  <a:tcPr vert="horz"/>
+                  <a:tcPr/>
                 </a:tc>
                 <a:tc>
                   <a:txBody>
                     <a:bodyPr/>
+                    <a:lstStyle/>
                     <a:p>
                       <a:pPr indent="269874" algn="just">
                         <a:lnSpc>
@@ -12415,8 +14191,13 @@
                       </a:endParaRPr>
                     </a:p>
                   </a:txBody>
-                  <a:tcPr vert="horz"/>
+                  <a:tcPr/>
                 </a:tc>
+                <a:extLst>
+                  <a:ext uri="{0D108BD9-81ED-4DB2-BD59-A6C34878D82A}">
+                    <a16:rowId xmlns:a16="http://schemas.microsoft.com/office/drawing/2014/main" val="10002"/>
+                  </a:ext>
+                </a:extLst>
               </a:tr>
             </a:tbl>
           </a:graphicData>
@@ -12424,12 +14205,12 @@
       </p:graphicFrame>
       <p:sp>
         <p:nvSpPr>
-          <p:cNvPr id="358156923" name=""/>
+          <p:cNvPr id="358156923" name="TextBox 358156922"/>
           <p:cNvSpPr txBox="1"/>
           <p:nvPr/>
         </p:nvSpPr>
         <p:spPr bwMode="auto">
-          <a:xfrm flipH="0" flipV="0">
+          <a:xfrm>
             <a:off x="6566723" y="3800752"/>
             <a:ext cx="5047125" cy="2149199"/>
           </a:xfrm>
@@ -12439,9 +14220,10 @@
           <a:noFill/>
         </p:spPr>
         <p:txBody>
-          <a:bodyPr vertOverflow="overflow" horzOverflow="overflow" vert="horz" wrap="square" lIns="91440" tIns="45720" rIns="91440" bIns="45720" numCol="1" spcCol="0" rtlCol="0" fromWordArt="0" anchor="t" anchorCtr="0" forceAA="0" upright="0" compatLnSpc="0">
+          <a:bodyPr vertOverflow="overflow" horzOverflow="overflow" vert="horz" wrap="square" lIns="91440" tIns="45720" rIns="91440" bIns="45720" numCol="1" spcCol="0" rtlCol="0" fromWordArt="0" anchor="t" anchorCtr="0" forceAA="0" compatLnSpc="0">
             <a:spAutoFit/>
           </a:bodyPr>
+          <a:lstStyle/>
           <a:p>
             <a:pPr indent="269874" algn="l">
               <a:lnSpc>
@@ -12468,7 +14250,7 @@
       </p:sp>
       <p:pic>
         <p:nvPicPr>
-          <p:cNvPr id="2136970344" name=""/>
+          <p:cNvPr id="2136970344" name="Рисунок 2136970343"/>
           <p:cNvPicPr>
             <a:picLocks noChangeAspect="1"/>
           </p:cNvPicPr>
@@ -12476,11 +14258,11 @@
         </p:nvPicPr>
         <p:blipFill>
           <a:blip r:embed="rId2"/>
-          <a:srcRect l="0" t="-1" r="906" b="1003"/>
+          <a:srcRect t="-1" r="906" b="1003"/>
           <a:stretch/>
         </p:blipFill>
         <p:spPr bwMode="auto">
-          <a:xfrm rot="0" flipH="0" flipV="0">
+          <a:xfrm>
             <a:off x="166456" y="878519"/>
             <a:ext cx="6270624" cy="4829809"/>
           </a:xfrm>
@@ -12497,19 +14279,11 @@
   <p:clrMapOvr>
     <a:masterClrMapping/>
   </p:clrMapOvr>
-  <mc:AlternateContent xmlns:mc="http://schemas.openxmlformats.org/markup-compatibility/2006">
-    <mc:Choice xmlns:p14="http://schemas.microsoft.com/office/powerpoint/2010/main" Requires="p14">
-      <p:transition p14:dur="2000" advClick="1"/>
-    </mc:Choice>
-    <mc:Fallback>
-      <p:transition advClick="1"/>
-    </mc:Fallback>
-  </mc:AlternateContent>
 </p:sld>
 </file>
 
 <file path=ppt/theme/theme1.xml><?xml version="1.0" encoding="utf-8"?>
-<a:theme xmlns:a="http://schemas.openxmlformats.org/drawingml/2006/main" xmlns:r="http://schemas.openxmlformats.org/officeDocument/2006/relationships" xmlns:p="http://schemas.openxmlformats.org/presentationml/2006/main" name="Office Theme">
+<a:theme xmlns:a="http://schemas.openxmlformats.org/drawingml/2006/main" name="Office Theme">
   <a:themeElements>
     <a:clrScheme name="Office">
       <a:dk1>
@@ -12714,5 +14488,6 @@
     </a:fmtScheme>
   </a:themeElements>
   <a:objectDefaults/>
+  <a:extraClrSchemeLst/>
 </a:theme>
 </file>
--- a/blokchejn-platforma-dlya-avtomatizovanoyi-platizhnoyi-sistemi-zahist-zvitu-z-tehnologichnoyi-praktiki-2023-5-30-16-16-39.pptx
+++ b/blokchejn-platforma-dlya-avtomatizovanoyi-platizhnoyi-sistemi-zahist-zvitu-z-tehnologichnoyi-praktiki-2023-5-30-16-16-39.pptx
@@ -1,20 +1,20 @@
 
 <file path=ppt/presentation.xml><?xml version="1.0" encoding="utf-8"?>
-<p:presentation xmlns:a="http://schemas.openxmlformats.org/drawingml/2006/main" xmlns:r="http://schemas.openxmlformats.org/officeDocument/2006/relationships" xmlns:p="http://schemas.openxmlformats.org/presentationml/2006/main" showSpecialPlsOnTitleSld="0">
+<p:presentation xmlns:a="http://schemas.openxmlformats.org/drawingml/2006/main" xmlns:r="http://schemas.openxmlformats.org/officeDocument/2006/relationships" xmlns:p="http://schemas.openxmlformats.org/presentationml/2006/main" xmlns:m="http://schemas.openxmlformats.org/officeDocument/2006/math" xmlns:w="http://schemas.openxmlformats.org/wordprocessingml/2006/main" showSpecialPlsOnTitleSld="0">
   <p:sldMasterIdLst>
     <p:sldMasterId id="2147483648" r:id="rId1"/>
   </p:sldMasterIdLst>
   <p:sldIdLst>
-    <p:sldId id="256" r:id="rId2"/>
-    <p:sldId id="257" r:id="rId3"/>
-    <p:sldId id="258" r:id="rId4"/>
-    <p:sldId id="259" r:id="rId5"/>
-    <p:sldId id="260" r:id="rId6"/>
-    <p:sldId id="261" r:id="rId7"/>
-    <p:sldId id="262" r:id="rId8"/>
-    <p:sldId id="263" r:id="rId9"/>
-    <p:sldId id="264" r:id="rId10"/>
-    <p:sldId id="265" r:id="rId11"/>
+    <p:sldId id="256" r:id="rId3"/>
+    <p:sldId id="257" r:id="rId4"/>
+    <p:sldId id="258" r:id="rId5"/>
+    <p:sldId id="259" r:id="rId6"/>
+    <p:sldId id="260" r:id="rId7"/>
+    <p:sldId id="261" r:id="rId8"/>
+    <p:sldId id="262" r:id="rId9"/>
+    <p:sldId id="263" r:id="rId10"/>
+    <p:sldId id="264" r:id="rId11"/>
+    <p:sldId id="265" r:id="rId12"/>
   </p:sldIdLst>
   <p:sldSz cx="12192000" cy="6413500"/>
   <p:notesSz cx="12192000" cy="6413500"/>
@@ -113,22 +113,6 @@
       </a:defRPr>
     </a:lvl9pPr>
   </p:defaultTextStyle>
-  <p:extLst>
-    <p:ext uri="{EFAFB233-063F-42B5-8137-9DF3F51BA10A}">
-      <p15:sldGuideLst xmlns:p15="http://schemas.microsoft.com/office/powerpoint/2012/main">
-        <p15:guide id="1" orient="horz" pos="3763">
-          <p15:clr>
-            <a:srgbClr val="A4A3A4"/>
-          </p15:clr>
-        </p15:guide>
-        <p15:guide id="2" pos="2160">
-          <p15:clr>
-            <a:srgbClr val="A4A3A4"/>
-          </p15:clr>
-        </p15:guide>
-      </p15:sldGuideLst>
-    </p:ext>
-  </p:extLst>
 </p:presentation>
 </file>
 
@@ -884,7 +868,7 @@
 </file>
 
 <file path=ppt/diagrams/data1.xml><?xml version="1.0" encoding="utf-8"?>
-<dgm:dataModel xmlns:dgm="http://schemas.openxmlformats.org/drawingml/2006/diagram" xmlns:a="http://schemas.openxmlformats.org/drawingml/2006/main">
+<dgm:dataModel xmlns:dgm="http://schemas.openxmlformats.org/drawingml/2006/diagram" xmlns:a="http://schemas.openxmlformats.org/drawingml/2006/main" xmlns:r="http://schemas.openxmlformats.org/officeDocument/2006/relationships">
   <dgm:ptLst>
     <dgm:pt modelId="{0E58EF5D-A4F6-406B-9846-A092BE01EB22}" type="doc">
       <dgm:prSet loTypeId="urn:microsoft.com/office/officeart/2016/7/layout/LinearBlockProcessNumbered" loCatId="process" qsTypeId="urn:microsoft.com/office/officeart/2005/8/quickstyle/simple1#1" qsCatId="simple" csTypeId="urn:microsoft.com/office/officeart/2005/8/colors/accent0_3" csCatId="mainScheme"/>
@@ -984,7 +968,7 @@
       </dgm:t>
     </dgm:pt>
     <dgm:pt modelId="{94A4947D-84AB-48E6-8DBD-B0FB7DCFE83A}" type="sibTrans" cxnId="{63E21DF4-5FBC-443D-9BC9-43B65A7BD892}">
-      <dgm:prSet phldrT="01" phldr="0"/>
+      <dgm:prSet phldr="0" phldrT="01"/>
       <dgm:spPr bwMode="auto"/>
       <dgm:t>
         <a:bodyPr vertOverflow="overflow" horzOverflow="overflow" vert="horz" rtlCol="0" fromWordArt="0" anchor="ctr" forceAA="0" compatLnSpc="0"/>
@@ -1090,7 +1074,7 @@
       </dgm:t>
     </dgm:pt>
     <dgm:pt modelId="{EB3BD4AE-D7EC-449F-9FEC-6862480B356F}" type="sibTrans" cxnId="{7C51A667-6AED-4C0F-A3C5-24DCB9960B16}">
-      <dgm:prSet phldrT="02" phldr="0"/>
+      <dgm:prSet phldr="0" phldrT="02"/>
       <dgm:spPr bwMode="auto"/>
       <dgm:t>
         <a:bodyPr vertOverflow="overflow" horzOverflow="overflow" vert="horz" rtlCol="0" fromWordArt="0" anchor="ctr" forceAA="0" compatLnSpc="0"/>
@@ -1142,7 +1126,7 @@
             <a:defRPr/>
           </a:pPr>
           <a:r>
-            <a:rPr lang="en-US" sz="1600" b="0" i="0" u="none" strike="noStrike" cap="none" spc="0" dirty="0" err="1">
+            <a:rPr lang="en-US" sz="1600" b="0" i="0" u="none" strike="noStrike" cap="none" spc="0">
               <a:solidFill>
                 <a:schemeClr val="tx1"/>
               </a:solidFill>
@@ -1152,7 +1136,7 @@
             <a:t>Вирішити</a:t>
           </a:r>
           <a:r>
-            <a:rPr lang="en-US" sz="1600" b="0" i="0" u="none" strike="noStrike" cap="none" spc="0" dirty="0">
+            <a:rPr lang="en-US" sz="1600" b="0" i="0" u="none" strike="noStrike" cap="none" spc="0">
               <a:solidFill>
                 <a:schemeClr val="tx1"/>
               </a:solidFill>
@@ -1162,7 +1146,7 @@
             <a:t> </a:t>
           </a:r>
           <a:r>
-            <a:rPr lang="en-US" sz="1600" b="1" i="0" u="none" strike="noStrike" cap="none" spc="0" dirty="0" err="1">
+            <a:rPr lang="en-US" sz="1600" b="1" i="0" u="none" strike="noStrike" cap="none" spc="0">
               <a:solidFill>
                 <a:schemeClr val="tx1"/>
               </a:solidFill>
@@ -1172,7 +1156,7 @@
             <a:t>проблеми</a:t>
           </a:r>
           <a:r>
-            <a:rPr lang="en-US" sz="1600" b="1" i="0" u="none" strike="noStrike" cap="none" spc="0" dirty="0">
+            <a:rPr lang="en-US" sz="1600" b="1" i="0" u="none" strike="noStrike" cap="none" spc="0">
               <a:solidFill>
                 <a:schemeClr val="tx1"/>
               </a:solidFill>
@@ -1182,7 +1166,7 @@
             <a:t> </a:t>
           </a:r>
           <a:r>
-            <a:rPr lang="en-US" sz="1600" b="1" i="0" u="none" strike="noStrike" cap="none" spc="0" dirty="0" err="1">
+            <a:rPr lang="en-US" sz="1600" b="1" i="0" u="none" strike="noStrike" cap="none" spc="0">
               <a:solidFill>
                 <a:schemeClr val="tx1"/>
               </a:solidFill>
@@ -1192,7 +1176,7 @@
             <a:t>високих</a:t>
           </a:r>
           <a:r>
-            <a:rPr lang="en-US" sz="1600" b="1" i="0" u="none" strike="noStrike" cap="none" spc="0" dirty="0">
+            <a:rPr lang="en-US" sz="1600" b="1" i="0" u="none" strike="noStrike" cap="none" spc="0">
               <a:solidFill>
                 <a:schemeClr val="tx1"/>
               </a:solidFill>
@@ -1202,7 +1186,7 @@
             <a:t> </a:t>
           </a:r>
           <a:r>
-            <a:rPr lang="en-US" sz="1600" b="1" i="0" u="none" strike="noStrike" cap="none" spc="0" dirty="0" err="1">
+            <a:rPr lang="en-US" sz="1600" b="1" i="0" u="none" strike="noStrike" cap="none" spc="0">
               <a:solidFill>
                 <a:schemeClr val="tx1"/>
               </a:solidFill>
@@ -1212,7 +1196,7 @@
             <a:t>комісійних</a:t>
           </a:r>
           <a:r>
-            <a:rPr lang="en-US" sz="1600" b="0" i="0" u="none" strike="noStrike" cap="none" spc="0" dirty="0">
+            <a:rPr lang="en-US" sz="1600" b="0" i="0" u="none" strike="noStrike" cap="none" spc="0">
               <a:solidFill>
                 <a:schemeClr val="tx1"/>
               </a:solidFill>
@@ -1222,7 +1206,7 @@
             <a:t> </a:t>
           </a:r>
           <a:r>
-            <a:rPr lang="en-US" sz="1600" b="0" i="0" u="none" strike="noStrike" cap="none" spc="0" dirty="0" err="1">
+            <a:rPr lang="en-US" sz="1600" b="0" i="0" u="none" strike="noStrike" cap="none" spc="0">
               <a:solidFill>
                 <a:schemeClr val="tx1"/>
               </a:solidFill>
@@ -1232,7 +1216,7 @@
             <a:t>витрат</a:t>
           </a:r>
           <a:r>
-            <a:rPr lang="en-US" sz="1600" b="0" i="0" u="none" strike="noStrike" cap="none" spc="0" dirty="0">
+            <a:rPr lang="en-US" sz="1600" b="0" i="0" u="none" strike="noStrike" cap="none" spc="0">
               <a:solidFill>
                 <a:schemeClr val="tx1"/>
               </a:solidFill>
@@ -1242,7 +1226,7 @@
             <a:t> </a:t>
           </a:r>
           <a:r>
-            <a:rPr lang="en-US" sz="1600" b="0" i="0" u="none" strike="noStrike" cap="none" spc="0" dirty="0" err="1">
+            <a:rPr lang="en-US" sz="1600" b="0" i="0" u="none" strike="noStrike" cap="none" spc="0">
               <a:solidFill>
                 <a:schemeClr val="tx1"/>
               </a:solidFill>
@@ -1252,7 +1236,7 @@
             <a:t>за</a:t>
           </a:r>
           <a:r>
-            <a:rPr lang="en-US" sz="1600" b="0" i="0" u="none" strike="noStrike" cap="none" spc="0" dirty="0">
+            <a:rPr lang="en-US" sz="1600" b="0" i="0" u="none" strike="noStrike" cap="none" spc="0">
               <a:solidFill>
                 <a:schemeClr val="tx1"/>
               </a:solidFill>
@@ -1262,7 +1246,7 @@
             <a:t> </a:t>
           </a:r>
           <a:r>
-            <a:rPr lang="en-US" sz="1600" b="0" i="0" u="none" strike="noStrike" cap="none" spc="0" dirty="0" err="1">
+            <a:rPr lang="en-US" sz="1600" b="0" i="0" u="none" strike="noStrike" cap="none" spc="0">
               <a:solidFill>
                 <a:schemeClr val="tx1"/>
               </a:solidFill>
@@ -1272,7 +1256,7 @@
             <a:t>рахунок</a:t>
           </a:r>
           <a:r>
-            <a:rPr lang="en-US" sz="1600" b="0" i="0" u="none" strike="noStrike" cap="none" spc="0" dirty="0">
+            <a:rPr lang="en-US" sz="1600" b="0" i="0" u="none" strike="noStrike" cap="none" spc="0">
               <a:solidFill>
                 <a:schemeClr val="tx1"/>
               </a:solidFill>
@@ -1282,7 +1266,7 @@
             <a:t> </a:t>
           </a:r>
           <a:r>
-            <a:rPr lang="en-US" sz="1600" b="0" i="0" u="none" strike="noStrike" cap="none" spc="0" dirty="0" err="1">
+            <a:rPr lang="en-US" sz="1600" b="0" i="0" u="none" strike="noStrike" cap="none" spc="0">
               <a:solidFill>
                 <a:schemeClr val="tx1"/>
               </a:solidFill>
@@ -1292,7 +1276,7 @@
             <a:t>підтримки</a:t>
           </a:r>
           <a:r>
-            <a:rPr lang="en-US" sz="1600" b="0" i="0" u="none" strike="noStrike" cap="none" spc="0" dirty="0">
+            <a:rPr lang="en-US" sz="1600" b="0" i="0" u="none" strike="noStrike" cap="none" spc="0">
               <a:solidFill>
                 <a:schemeClr val="tx1"/>
               </a:solidFill>
@@ -1302,7 +1286,7 @@
             <a:t> </a:t>
           </a:r>
           <a:r>
-            <a:rPr lang="en-US" sz="1600" b="0" i="0" u="none" strike="noStrike" cap="none" spc="0" dirty="0" err="1">
+            <a:rPr lang="en-US" sz="1600" b="0" i="0" u="none" strike="noStrike" cap="none" spc="0">
               <a:solidFill>
                 <a:schemeClr val="tx1"/>
               </a:solidFill>
@@ -1312,7 +1296,7 @@
             <a:t>ефективної</a:t>
           </a:r>
           <a:r>
-            <a:rPr lang="en-US" sz="1600" b="0" i="0" u="none" strike="noStrike" cap="none" spc="0" dirty="0">
+            <a:rPr lang="en-US" sz="1600" b="0" i="0" u="none" strike="noStrike" cap="none" spc="0">
               <a:solidFill>
                 <a:schemeClr val="tx1"/>
               </a:solidFill>
@@ -1322,7 +1306,7 @@
             <a:t> </a:t>
           </a:r>
           <a:r>
-            <a:rPr lang="en-US" sz="1600" b="0" i="0" u="none" strike="noStrike" cap="none" spc="0" dirty="0" err="1">
+            <a:rPr lang="en-US" sz="1600" b="0" i="0" u="none" strike="noStrike" cap="none" spc="0">
               <a:solidFill>
                 <a:schemeClr val="tx1"/>
               </a:solidFill>
@@ -1332,7 +1316,7 @@
             <a:t>роботи</a:t>
           </a:r>
           <a:r>
-            <a:rPr lang="en-US" sz="1600" b="0" i="0" u="none" strike="noStrike" cap="none" spc="0" dirty="0">
+            <a:rPr lang="en-US" sz="1600" b="0" i="0" u="none" strike="noStrike" cap="none" spc="0">
               <a:solidFill>
                 <a:schemeClr val="tx1"/>
               </a:solidFill>
@@ -1342,7 +1326,7 @@
             <a:t> </a:t>
           </a:r>
           <a:r>
-            <a:rPr lang="en-US" sz="1600" b="0" i="0" u="none" strike="noStrike" cap="none" spc="0" dirty="0" err="1">
+            <a:rPr lang="en-US" sz="1600" b="0" i="0" u="none" strike="noStrike" cap="none" spc="0">
               <a:solidFill>
                 <a:schemeClr val="tx1"/>
               </a:solidFill>
@@ -1352,7 +1336,7 @@
             <a:t>мережі</a:t>
           </a:r>
           <a:r>
-            <a:rPr lang="en-US" sz="1600" b="0" i="0" u="none" strike="noStrike" cap="none" spc="0" dirty="0">
+            <a:rPr lang="en-US" sz="1600" b="0" i="0" u="none" strike="noStrike" cap="none" spc="0">
               <a:solidFill>
                 <a:schemeClr val="tx1"/>
               </a:solidFill>
@@ -1362,7 +1346,7 @@
             <a:t> </a:t>
           </a:r>
           <a:r>
-            <a:rPr lang="en-US" sz="1600" b="0" i="0" u="none" strike="noStrike" cap="none" spc="0" dirty="0" err="1">
+            <a:rPr lang="en-US" sz="1600" b="0" i="0" u="none" strike="noStrike" cap="none" spc="0">
               <a:solidFill>
                 <a:schemeClr val="tx1"/>
               </a:solidFill>
@@ -1372,7 +1356,7 @@
             <a:t>навіть</a:t>
           </a:r>
           <a:r>
-            <a:rPr lang="en-US" sz="1600" b="0" i="0" u="none" strike="noStrike" cap="none" spc="0" dirty="0">
+            <a:rPr lang="en-US" sz="1600" b="0" i="0" u="none" strike="noStrike" cap="none" spc="0">
               <a:solidFill>
                 <a:schemeClr val="tx1"/>
               </a:solidFill>
@@ -1382,7 +1366,7 @@
             <a:t> </a:t>
           </a:r>
           <a:r>
-            <a:rPr lang="en-US" sz="1600" b="0" i="0" u="none" strike="noStrike" cap="none" spc="0" dirty="0" err="1">
+            <a:rPr lang="en-US" sz="1600" b="0" i="0" u="none" strike="noStrike" cap="none" spc="0">
               <a:solidFill>
                 <a:schemeClr val="tx1"/>
               </a:solidFill>
@@ -1392,7 +1376,7 @@
             <a:t>при</a:t>
           </a:r>
           <a:r>
-            <a:rPr lang="en-US" sz="1600" b="0" i="0" u="none" strike="noStrike" cap="none" spc="0" dirty="0">
+            <a:rPr lang="en-US" sz="1600" b="0" i="0" u="none" strike="noStrike" cap="none" spc="0">
               <a:solidFill>
                 <a:schemeClr val="tx1"/>
               </a:solidFill>
@@ -1402,7 +1386,7 @@
             <a:t> </a:t>
           </a:r>
           <a:r>
-            <a:rPr lang="en-US" sz="1600" b="0" i="0" u="none" strike="noStrike" cap="none" spc="0" dirty="0" err="1">
+            <a:rPr lang="en-US" sz="1600" b="0" i="0" u="none" strike="noStrike" cap="none" spc="0">
               <a:solidFill>
                 <a:schemeClr val="tx1"/>
               </a:solidFill>
@@ -1412,7 +1396,7 @@
             <a:t>великих</a:t>
           </a:r>
           <a:r>
-            <a:rPr lang="en-US" sz="1600" b="0" i="0" u="none" strike="noStrike" cap="none" spc="0" dirty="0">
+            <a:rPr lang="en-US" sz="1600" b="0" i="0" u="none" strike="noStrike" cap="none" spc="0">
               <a:solidFill>
                 <a:schemeClr val="tx1"/>
               </a:solidFill>
@@ -1422,7 +1406,7 @@
             <a:t> </a:t>
           </a:r>
           <a:r>
-            <a:rPr lang="en-US" sz="1600" b="0" i="0" u="none" strike="noStrike" cap="none" spc="0" dirty="0" err="1">
+            <a:rPr lang="en-US" sz="1600" b="0" i="0" u="none" strike="noStrike" cap="none" spc="0">
               <a:solidFill>
                 <a:schemeClr val="tx1"/>
               </a:solidFill>
@@ -1432,7 +1416,7 @@
             <a:t>обсягах</a:t>
           </a:r>
           <a:r>
-            <a:rPr lang="en-US" sz="1600" b="0" i="0" u="none" strike="noStrike" cap="none" spc="0" dirty="0">
+            <a:rPr lang="en-US" sz="1600" b="0" i="0" u="none" strike="noStrike" cap="none" spc="0">
               <a:solidFill>
                 <a:schemeClr val="tx1"/>
               </a:solidFill>
@@ -1442,7 +1426,7 @@
             <a:t> </a:t>
           </a:r>
           <a:r>
-            <a:rPr lang="en-US" sz="1600" b="0" i="0" u="none" strike="noStrike" cap="none" spc="0" dirty="0" err="1">
+            <a:rPr lang="en-US" sz="1600" b="0" i="0" u="none" strike="noStrike" cap="none" spc="0">
               <a:solidFill>
                 <a:schemeClr val="tx1"/>
               </a:solidFill>
@@ -1452,7 +1436,7 @@
             <a:t>транзакцій</a:t>
           </a:r>
           <a:r>
-            <a:rPr lang="en-US" sz="1600" b="0" i="0" u="none" strike="noStrike" cap="none" spc="0" dirty="0">
+            <a:rPr lang="en-US" sz="1600" b="0" i="0" u="none" strike="noStrike" cap="none" spc="0">
               <a:solidFill>
                 <a:schemeClr val="tx1"/>
               </a:solidFill>
@@ -1462,7 +1446,7 @@
             <a:t>, </a:t>
           </a:r>
           <a:r>
-            <a:rPr lang="en-US" sz="1600" b="0" i="0" u="none" strike="noStrike" cap="none" spc="0" dirty="0" err="1">
+            <a:rPr lang="en-US" sz="1600" b="0" i="0" u="none" strike="noStrike" cap="none" spc="0">
               <a:solidFill>
                 <a:schemeClr val="tx1"/>
               </a:solidFill>
@@ -1472,7 +1456,7 @@
             <a:t>що</a:t>
           </a:r>
           <a:r>
-            <a:rPr lang="en-US" sz="1600" b="0" i="0" u="none" strike="noStrike" cap="none" spc="0" dirty="0">
+            <a:rPr lang="en-US" sz="1600" b="0" i="0" u="none" strike="noStrike" cap="none" spc="0">
               <a:solidFill>
                 <a:schemeClr val="tx1"/>
               </a:solidFill>
@@ -1482,7 +1466,7 @@
             <a:t> </a:t>
           </a:r>
           <a:r>
-            <a:rPr lang="en-US" sz="1600" b="0" i="0" u="none" strike="noStrike" cap="none" spc="0" dirty="0" err="1">
+            <a:rPr lang="en-US" sz="1600" b="0" i="0" u="none" strike="noStrike" cap="none" spc="0">
               <a:solidFill>
                 <a:schemeClr val="tx1"/>
               </a:solidFill>
@@ -1492,7 +1476,7 @@
             <a:t>забезпечує</a:t>
           </a:r>
           <a:r>
-            <a:rPr lang="en-US" sz="1600" b="0" i="0" u="none" strike="noStrike" cap="none" spc="0" dirty="0">
+            <a:rPr lang="en-US" sz="1600" b="0" i="0" u="none" strike="noStrike" cap="none" spc="0">
               <a:solidFill>
                 <a:schemeClr val="tx1"/>
               </a:solidFill>
@@ -1502,7 +1486,7 @@
             <a:t> </a:t>
           </a:r>
           <a:r>
-            <a:rPr lang="en-US" sz="1600" b="0" i="0" u="none" strike="noStrike" cap="none" spc="0" dirty="0" err="1">
+            <a:rPr lang="en-US" sz="1600" b="0" i="0" u="none" strike="noStrike" cap="none" spc="0">
               <a:solidFill>
                 <a:schemeClr val="tx1"/>
               </a:solidFill>
@@ -1512,7 +1496,7 @@
             <a:t>нижчу</a:t>
           </a:r>
           <a:r>
-            <a:rPr lang="en-US" sz="1600" b="0" i="0" u="none" strike="noStrike" cap="none" spc="0" dirty="0">
+            <a:rPr lang="en-US" sz="1600" b="0" i="0" u="none" strike="noStrike" cap="none" spc="0">
               <a:solidFill>
                 <a:schemeClr val="tx1"/>
               </a:solidFill>
@@ -1522,7 +1506,7 @@
             <a:t> </a:t>
           </a:r>
           <a:r>
-            <a:rPr lang="en-US" sz="1600" b="0" i="0" u="none" strike="noStrike" cap="none" spc="0" dirty="0" err="1">
+            <a:rPr lang="en-US" sz="1600" b="0" i="0" u="none" strike="noStrike" cap="none" spc="0">
               <a:solidFill>
                 <a:schemeClr val="tx1"/>
               </a:solidFill>
@@ -1532,7 +1516,7 @@
             <a:t>комісію</a:t>
           </a:r>
           <a:r>
-            <a:rPr lang="en-US" sz="1600" b="0" i="0" u="none" strike="noStrike" cap="none" spc="0" dirty="0">
+            <a:rPr lang="en-US" sz="1600" b="0" i="0" u="none" strike="noStrike" cap="none" spc="0">
               <a:solidFill>
                 <a:schemeClr val="tx1"/>
               </a:solidFill>
@@ -1542,7 +1526,7 @@
             <a:t> </a:t>
           </a:r>
           <a:r>
-            <a:rPr lang="en-US" sz="1600" b="0" i="0" u="none" strike="noStrike" cap="none" spc="0" dirty="0" err="1">
+            <a:rPr lang="en-US" sz="1600" b="0" i="0" u="none" strike="noStrike" cap="none" spc="0">
               <a:solidFill>
                 <a:schemeClr val="tx1"/>
               </a:solidFill>
@@ -1552,7 +1536,7 @@
             <a:t>за</a:t>
           </a:r>
           <a:r>
-            <a:rPr lang="en-US" sz="1600" b="0" i="0" u="none" strike="noStrike" cap="none" spc="0" dirty="0">
+            <a:rPr lang="en-US" sz="1600" b="0" i="0" u="none" strike="noStrike" cap="none" spc="0">
               <a:solidFill>
                 <a:schemeClr val="tx1"/>
               </a:solidFill>
@@ -1562,7 +1546,7 @@
             <a:t> </a:t>
           </a:r>
           <a:r>
-            <a:rPr lang="en-US" sz="1600" b="0" i="0" u="none" strike="noStrike" cap="none" spc="0" dirty="0" err="1">
+            <a:rPr lang="en-US" sz="1600" b="0" i="0" u="none" strike="noStrike" cap="none" spc="0">
               <a:solidFill>
                 <a:schemeClr val="tx1"/>
               </a:solidFill>
@@ -1572,7 +1556,7 @@
             <a:t>транзакції</a:t>
           </a:r>
           <a:r>
-            <a:rPr lang="en-US" sz="1600" b="0" i="0" u="none" strike="noStrike" cap="none" spc="0" dirty="0">
+            <a:rPr lang="en-US" sz="1600" b="0" i="0" u="none" strike="noStrike" cap="none" spc="0">
               <a:solidFill>
                 <a:schemeClr val="tx1"/>
               </a:solidFill>
@@ -1582,7 +1566,7 @@
             <a:t> </a:t>
           </a:r>
           <a:r>
-            <a:rPr lang="en-US" sz="1600" b="0" i="0" u="none" strike="noStrike" cap="none" spc="0" dirty="0" err="1">
+            <a:rPr lang="en-US" sz="1600" b="0" i="0" u="none" strike="noStrike" cap="none" spc="0">
               <a:solidFill>
                 <a:schemeClr val="tx1"/>
               </a:solidFill>
@@ -1592,7 +1576,7 @@
             <a:t>для</a:t>
           </a:r>
           <a:r>
-            <a:rPr lang="en-US" sz="1600" b="0" i="0" u="none" strike="noStrike" cap="none" spc="0" dirty="0">
+            <a:rPr lang="en-US" sz="1600" b="0" i="0" u="none" strike="noStrike" cap="none" spc="0">
               <a:solidFill>
                 <a:schemeClr val="tx1"/>
               </a:solidFill>
@@ -1602,7 +1586,7 @@
             <a:t> </a:t>
           </a:r>
           <a:r>
-            <a:rPr lang="en-US" sz="1600" b="0" i="0" u="none" strike="noStrike" cap="none" spc="0" dirty="0" err="1">
+            <a:rPr lang="en-US" sz="1600" b="0" i="0" u="none" strike="noStrike" cap="none" spc="0">
               <a:solidFill>
                 <a:schemeClr val="tx1"/>
               </a:solidFill>
@@ -1612,7 +1596,7 @@
             <a:t>користувачів</a:t>
           </a:r>
           <a:r>
-            <a:rPr lang="en-US" sz="1600" b="0" i="0" u="none" strike="noStrike" cap="none" spc="0" dirty="0">
+            <a:rPr lang="en-US" sz="1600" b="0" i="0" u="none" strike="noStrike" cap="none" spc="0">
               <a:solidFill>
                 <a:schemeClr val="tx1"/>
               </a:solidFill>
@@ -1621,7 +1605,7 @@
             </a:rPr>
             <a:t>.</a:t>
           </a:r>
-          <a:endParaRPr sz="1600" dirty="0">
+          <a:endParaRPr sz="1600">
             <a:solidFill>
               <a:schemeClr val="tx1"/>
             </a:solidFill>
@@ -1646,7 +1630,7 @@
       </dgm:t>
     </dgm:pt>
     <dgm:pt modelId="{4CBAFDCC-6EA0-4DEA-9121-2062BC43DD0B}" type="sibTrans" cxnId="{4ED74027-7C0D-4D16-A0CB-88ADEB6B9117}">
-      <dgm:prSet phldrT="03" phldr="0"/>
+      <dgm:prSet phldr="0" phldrT="03"/>
       <dgm:spPr bwMode="auto"/>
       <dgm:t>
         <a:bodyPr vertOverflow="overflow" horzOverflow="overflow" vert="horz" rtlCol="0" fromWordArt="0" anchor="ctr" forceAA="0" compatLnSpc="0"/>
@@ -1696,7 +1680,7 @@
       <dgm:spPr bwMode="auto"/>
     </dgm:pt>
     <dgm:pt modelId="{9749F921-1780-4BC4-94D4-CA6CB4386FA2}" type="pres">
-      <dgm:prSet presAssocID="{53958BD8-D0F9-43A4-A8E7-C43BE5627982}" presName="bgRect" presStyleLbl="alignNode1" presStyleIdx="0" presStyleCnt="3" custLinFactY="245"/>
+      <dgm:prSet custLinFactY="245" presAssocID="{53958BD8-D0F9-43A4-A8E7-C43BE5627982}" presName="bgRect" presStyleLbl="alignNode1" presStyleIdx="0" presStyleCnt="3"/>
       <dgm:spPr bwMode="auto">
         <a:prstGeom prst="roundRect">
           <a:avLst>
@@ -1864,20 +1848,27 @@
   <dgm:whole/>
   <dgm:extLst>
     <a:ext uri="http://schemas.microsoft.com/office/drawing/2008/diagram">
-      <dsp:dataModelExt xmlns:dsp="http://schemas.microsoft.com/office/drawing/2008/diagram" relId="rId6" minVer="http://schemas.openxmlformats.org/drawingml/2006/diagram"/>
+      <dsp:dataModelExt xmlns:dsp="http://schemas.microsoft.com/office/drawing/2008/diagram" relId="rId1" minVer="http://schemas.openxmlformats.org/drawingml/2006/diagram"/>
     </a:ext>
   </dgm:extLst>
 </dgm:dataModel>
 </file>
 
 <file path=ppt/diagrams/drawing1.xml><?xml version="1.0" encoding="utf-8"?>
-<dsp:drawing xmlns:dgm="http://schemas.openxmlformats.org/drawingml/2006/diagram" xmlns:dsp="http://schemas.microsoft.com/office/drawing/2008/diagram" xmlns:a="http://schemas.openxmlformats.org/drawingml/2006/main">
+<dsp:drawing xmlns:dsp="http://schemas.microsoft.com/office/drawing/2008/diagram" xmlns:dgm="http://schemas.openxmlformats.org/drawingml/2006/diagram" xmlns:a="http://schemas.openxmlformats.org/drawingml/2006/main" xmlns:r="http://schemas.openxmlformats.org/officeDocument/2006/relationships">
   <dsp:spTree>
     <dsp:nvGrpSpPr>
-      <dsp:cNvPr id="0" name=""/>
+      <dsp:cNvPr id="871186588" name=""/>
       <dsp:cNvGrpSpPr/>
     </dsp:nvGrpSpPr>
-    <dsp:grpSpPr/>
+    <dsp:grpSpPr bwMode="auto">
+      <a:xfrm>
+        <a:off x="0" y="0"/>
+        <a:ext cx="9905999" cy="4082074"/>
+        <a:chOff x="0" y="0"/>
+        <a:chExt cx="9905999" cy="4082074"/>
+      </a:xfrm>
+    </dsp:grpSpPr>
     <dsp:sp modelId="{9749F921-1780-4BC4-94D4-CA6CB4386FA2}">
       <dsp:nvSpPr>
         <dsp:cNvPr id="0" name=""/>
@@ -1930,7 +1921,7 @@
               <a:spcPct val="90000"/>
             </a:lnSpc>
             <a:spcBef>
-              <a:spcPct val="0"/>
+              <a:spcPts val="0"/>
             </a:spcBef>
             <a:spcAft>
               <a:spcPts val="0"/>
@@ -1939,7 +1930,7 @@
             <a:defRPr/>
           </a:pPr>
           <a:r>
-            <a:rPr lang="en-US" sz="1600" b="0" i="0" u="none" strike="noStrike" kern="1200" cap="none" spc="0">
+            <a:rPr lang="en-US" sz="1600" b="0" i="0" u="none" strike="noStrike" cap="none" spc="0">
               <a:solidFill>
                 <a:schemeClr val="tx1"/>
               </a:solidFill>
@@ -1949,7 +1940,7 @@
             <a:t>Розробити блокчейн-систему з </a:t>
           </a:r>
           <a:r>
-            <a:rPr lang="en-US" sz="1600" b="1" i="0" u="none" strike="noStrike" kern="1200" cap="none" spc="0">
+            <a:rPr lang="en-US" sz="1600" b="1" i="0" u="none" strike="noStrike" cap="none" spc="0">
               <a:solidFill>
                 <a:schemeClr val="tx1"/>
               </a:solidFill>
@@ -1959,7 +1950,7 @@
             <a:t>гібридною мережевою архітектурою</a:t>
           </a:r>
           <a:r>
-            <a:rPr lang="en-US" sz="1600" b="0" i="0" u="none" strike="noStrike" kern="1200" cap="none" spc="0">
+            <a:rPr lang="en-US" sz="1600" b="0" i="0" u="none" strike="noStrike" cap="none" spc="0">
               <a:solidFill>
                 <a:schemeClr val="tx1"/>
               </a:solidFill>
@@ -1969,7 +1960,7 @@
             <a:t>, що дозволить зменшити затримку транзакцій та підвищити масштабованість мережі.</a:t>
           </a:r>
           <a:r>
-            <a:rPr lang="en-US" sz="1600" kern="1200">
+            <a:rPr lang="en-US" sz="1600">
               <a:solidFill>
                 <a:schemeClr val="tx1"/>
               </a:solidFill>
@@ -1978,7 +1969,7 @@
             </a:rPr>
             <a:t> </a:t>
           </a:r>
-          <a:endParaRPr sz="1600" kern="1200">
+          <a:endParaRPr sz="1600">
             <a:solidFill>
               <a:schemeClr val="tx1"/>
             </a:solidFill>
@@ -2011,7 +2002,6 @@
           <a:prstDash val="solid"/>
         </a:ln>
         <a:effectLst/>
-        <a:sp3d/>
       </dsp:spPr>
       <dsp:style>
         <a:lnRef idx="2">
@@ -2038,7 +2028,7 @@
               <a:spcPct val="90000"/>
             </a:lnSpc>
             <a:spcBef>
-              <a:spcPct val="0"/>
+              <a:spcPts val="0"/>
             </a:spcBef>
             <a:spcAft>
               <a:spcPts val="0"/>
@@ -2047,13 +2037,13 @@
             <a:defRPr/>
           </a:pPr>
           <a:r>
-            <a:rPr lang="en-US" sz="6600" kern="1200">
+            <a:rPr lang="en-US" sz="6600">
               <a:latin typeface="Times New Roman"/>
               <a:cs typeface="Times New Roman"/>
             </a:rPr>
             <a:t>01</a:t>
           </a:r>
-          <a:endParaRPr sz="6600" kern="1200">
+          <a:endParaRPr sz="6600">
             <a:latin typeface="Times New Roman"/>
             <a:cs typeface="Times New Roman"/>
           </a:endParaRPr>
@@ -2116,7 +2106,7 @@
               <a:spcPct val="90000"/>
             </a:lnSpc>
             <a:spcBef>
-              <a:spcPct val="0"/>
+              <a:spcPts val="0"/>
             </a:spcBef>
             <a:spcAft>
               <a:spcPts val="0"/>
@@ -2125,7 +2115,7 @@
             <a:defRPr/>
           </a:pPr>
           <a:r>
-            <a:rPr lang="en-US" sz="1600" b="0" i="0" u="none" strike="noStrike" kern="1200" cap="none" spc="0">
+            <a:rPr lang="en-US" sz="1600" b="0" i="0" u="none" strike="noStrike" cap="none" spc="0">
               <a:solidFill>
                 <a:schemeClr val="tx1"/>
               </a:solidFill>
@@ -2135,7 +2125,7 @@
             <a:t>Реалізувати </a:t>
           </a:r>
           <a:r>
-            <a:rPr lang="en-US" sz="1600" b="1" i="0" u="none" strike="noStrike" kern="1200" cap="none" spc="0">
+            <a:rPr lang="en-US" sz="1600" b="1" i="0" u="none" strike="noStrike" cap="none" spc="0">
               <a:solidFill>
                 <a:schemeClr val="tx1"/>
               </a:solidFill>
@@ -2145,7 +2135,7 @@
             <a:t>гібридний механізм консенсусу</a:t>
           </a:r>
           <a:r>
-            <a:rPr lang="en-US" sz="1600" b="0" i="0" u="none" strike="noStrike" kern="1200" cap="none" spc="0">
+            <a:rPr lang="en-US" sz="1600" b="0" i="0" u="none" strike="noStrike" cap="none" spc="0">
               <a:solidFill>
                 <a:schemeClr val="tx1"/>
               </a:solidFill>
@@ -2154,7 +2144,7 @@
             </a:rPr>
             <a:t>, що поєднує в собі доказ часу, що минув (PoET) та доказ роботи (PoW), з метою зменшення ризиків централізації та зниження енергоспоживання у порівнянні з традиційними блокчейн-системами.</a:t>
           </a:r>
-          <a:endParaRPr sz="1600" kern="1200">
+          <a:endParaRPr sz="1600">
             <a:solidFill>
               <a:schemeClr val="tx1"/>
             </a:solidFill>
@@ -2187,7 +2177,6 @@
           <a:prstDash val="solid"/>
         </a:ln>
         <a:effectLst/>
-        <a:sp3d/>
       </dsp:spPr>
       <dsp:style>
         <a:lnRef idx="2">
@@ -2214,7 +2203,7 @@
               <a:spcPct val="90000"/>
             </a:lnSpc>
             <a:spcBef>
-              <a:spcPct val="0"/>
+              <a:spcPts val="0"/>
             </a:spcBef>
             <a:spcAft>
               <a:spcPts val="0"/>
@@ -2223,13 +2212,13 @@
             <a:defRPr/>
           </a:pPr>
           <a:r>
-            <a:rPr lang="en-US" sz="6600" kern="1200">
+            <a:rPr lang="en-US" sz="6600">
               <a:latin typeface="Times New Roman"/>
               <a:cs typeface="Times New Roman"/>
             </a:rPr>
             <a:t>02</a:t>
           </a:r>
-          <a:endParaRPr sz="6600" kern="1200">
+          <a:endParaRPr sz="6600">
             <a:latin typeface="Times New Roman"/>
             <a:cs typeface="Times New Roman"/>
           </a:endParaRPr>
@@ -2292,7 +2281,7 @@
               <a:spcPct val="90000"/>
             </a:lnSpc>
             <a:spcBef>
-              <a:spcPct val="0"/>
+              <a:spcPts val="0"/>
             </a:spcBef>
             <a:spcAft>
               <a:spcPts val="0"/>
@@ -2301,7 +2290,7 @@
             <a:defRPr/>
           </a:pPr>
           <a:r>
-            <a:rPr lang="en-US" sz="1600" b="0" i="0" u="none" strike="noStrike" kern="1200" cap="none" spc="0" dirty="0" err="1">
+            <a:rPr lang="en-US" sz="1600" b="0" i="0" u="none" strike="noStrike" cap="none" spc="0">
               <a:solidFill>
                 <a:schemeClr val="tx1"/>
               </a:solidFill>
@@ -2311,7 +2300,7 @@
             <a:t>Вирішити</a:t>
           </a:r>
           <a:r>
-            <a:rPr lang="en-US" sz="1600" b="0" i="0" u="none" strike="noStrike" kern="1200" cap="none" spc="0" dirty="0">
+            <a:rPr lang="en-US" sz="1600" b="0" i="0" u="none" strike="noStrike" cap="none" spc="0">
               <a:solidFill>
                 <a:schemeClr val="tx1"/>
               </a:solidFill>
@@ -2321,7 +2310,7 @@
             <a:t> </a:t>
           </a:r>
           <a:r>
-            <a:rPr lang="en-US" sz="1600" b="1" i="0" u="none" strike="noStrike" kern="1200" cap="none" spc="0" dirty="0" err="1">
+            <a:rPr lang="en-US" sz="1600" b="1" i="0" u="none" strike="noStrike" cap="none" spc="0">
               <a:solidFill>
                 <a:schemeClr val="tx1"/>
               </a:solidFill>
@@ -2331,7 +2320,7 @@
             <a:t>проблеми</a:t>
           </a:r>
           <a:r>
-            <a:rPr lang="en-US" sz="1600" b="1" i="0" u="none" strike="noStrike" kern="1200" cap="none" spc="0" dirty="0">
+            <a:rPr lang="en-US" sz="1600" b="1" i="0" u="none" strike="noStrike" cap="none" spc="0">
               <a:solidFill>
                 <a:schemeClr val="tx1"/>
               </a:solidFill>
@@ -2341,7 +2330,7 @@
             <a:t> </a:t>
           </a:r>
           <a:r>
-            <a:rPr lang="en-US" sz="1600" b="1" i="0" u="none" strike="noStrike" kern="1200" cap="none" spc="0" dirty="0" err="1">
+            <a:rPr lang="en-US" sz="1600" b="1" i="0" u="none" strike="noStrike" cap="none" spc="0">
               <a:solidFill>
                 <a:schemeClr val="tx1"/>
               </a:solidFill>
@@ -2351,7 +2340,7 @@
             <a:t>високих</a:t>
           </a:r>
           <a:r>
-            <a:rPr lang="en-US" sz="1600" b="1" i="0" u="none" strike="noStrike" kern="1200" cap="none" spc="0" dirty="0">
+            <a:rPr lang="en-US" sz="1600" b="1" i="0" u="none" strike="noStrike" cap="none" spc="0">
               <a:solidFill>
                 <a:schemeClr val="tx1"/>
               </a:solidFill>
@@ -2361,7 +2350,7 @@
             <a:t> </a:t>
           </a:r>
           <a:r>
-            <a:rPr lang="en-US" sz="1600" b="1" i="0" u="none" strike="noStrike" kern="1200" cap="none" spc="0" dirty="0" err="1">
+            <a:rPr lang="en-US" sz="1600" b="1" i="0" u="none" strike="noStrike" cap="none" spc="0">
               <a:solidFill>
                 <a:schemeClr val="tx1"/>
               </a:solidFill>
@@ -2371,7 +2360,7 @@
             <a:t>комісійних</a:t>
           </a:r>
           <a:r>
-            <a:rPr lang="en-US" sz="1600" b="0" i="0" u="none" strike="noStrike" kern="1200" cap="none" spc="0" dirty="0">
+            <a:rPr lang="en-US" sz="1600" b="0" i="0" u="none" strike="noStrike" cap="none" spc="0">
               <a:solidFill>
                 <a:schemeClr val="tx1"/>
               </a:solidFill>
@@ -2381,7 +2370,7 @@
             <a:t> </a:t>
           </a:r>
           <a:r>
-            <a:rPr lang="en-US" sz="1600" b="0" i="0" u="none" strike="noStrike" kern="1200" cap="none" spc="0" dirty="0" err="1">
+            <a:rPr lang="en-US" sz="1600" b="0" i="0" u="none" strike="noStrike" cap="none" spc="0">
               <a:solidFill>
                 <a:schemeClr val="tx1"/>
               </a:solidFill>
@@ -2391,7 +2380,7 @@
             <a:t>витрат</a:t>
           </a:r>
           <a:r>
-            <a:rPr lang="en-US" sz="1600" b="0" i="0" u="none" strike="noStrike" kern="1200" cap="none" spc="0" dirty="0">
+            <a:rPr lang="en-US" sz="1600" b="0" i="0" u="none" strike="noStrike" cap="none" spc="0">
               <a:solidFill>
                 <a:schemeClr val="tx1"/>
               </a:solidFill>
@@ -2401,7 +2390,7 @@
             <a:t> </a:t>
           </a:r>
           <a:r>
-            <a:rPr lang="en-US" sz="1600" b="0" i="0" u="none" strike="noStrike" kern="1200" cap="none" spc="0" dirty="0" err="1">
+            <a:rPr lang="en-US" sz="1600" b="0" i="0" u="none" strike="noStrike" cap="none" spc="0">
               <a:solidFill>
                 <a:schemeClr val="tx1"/>
               </a:solidFill>
@@ -2411,7 +2400,7 @@
             <a:t>за</a:t>
           </a:r>
           <a:r>
-            <a:rPr lang="en-US" sz="1600" b="0" i="0" u="none" strike="noStrike" kern="1200" cap="none" spc="0" dirty="0">
+            <a:rPr lang="en-US" sz="1600" b="0" i="0" u="none" strike="noStrike" cap="none" spc="0">
               <a:solidFill>
                 <a:schemeClr val="tx1"/>
               </a:solidFill>
@@ -2421,7 +2410,7 @@
             <a:t> </a:t>
           </a:r>
           <a:r>
-            <a:rPr lang="en-US" sz="1600" b="0" i="0" u="none" strike="noStrike" kern="1200" cap="none" spc="0" dirty="0" err="1">
+            <a:rPr lang="en-US" sz="1600" b="0" i="0" u="none" strike="noStrike" cap="none" spc="0">
               <a:solidFill>
                 <a:schemeClr val="tx1"/>
               </a:solidFill>
@@ -2431,7 +2420,7 @@
             <a:t>рахунок</a:t>
           </a:r>
           <a:r>
-            <a:rPr lang="en-US" sz="1600" b="0" i="0" u="none" strike="noStrike" kern="1200" cap="none" spc="0" dirty="0">
+            <a:rPr lang="en-US" sz="1600" b="0" i="0" u="none" strike="noStrike" cap="none" spc="0">
               <a:solidFill>
                 <a:schemeClr val="tx1"/>
               </a:solidFill>
@@ -2441,7 +2430,7 @@
             <a:t> </a:t>
           </a:r>
           <a:r>
-            <a:rPr lang="en-US" sz="1600" b="0" i="0" u="none" strike="noStrike" kern="1200" cap="none" spc="0" dirty="0" err="1">
+            <a:rPr lang="en-US" sz="1600" b="0" i="0" u="none" strike="noStrike" cap="none" spc="0">
               <a:solidFill>
                 <a:schemeClr val="tx1"/>
               </a:solidFill>
@@ -2451,7 +2440,7 @@
             <a:t>підтримки</a:t>
           </a:r>
           <a:r>
-            <a:rPr lang="en-US" sz="1600" b="0" i="0" u="none" strike="noStrike" kern="1200" cap="none" spc="0" dirty="0">
+            <a:rPr lang="en-US" sz="1600" b="0" i="0" u="none" strike="noStrike" cap="none" spc="0">
               <a:solidFill>
                 <a:schemeClr val="tx1"/>
               </a:solidFill>
@@ -2461,7 +2450,7 @@
             <a:t> </a:t>
           </a:r>
           <a:r>
-            <a:rPr lang="en-US" sz="1600" b="0" i="0" u="none" strike="noStrike" kern="1200" cap="none" spc="0" dirty="0" err="1">
+            <a:rPr lang="en-US" sz="1600" b="0" i="0" u="none" strike="noStrike" cap="none" spc="0">
               <a:solidFill>
                 <a:schemeClr val="tx1"/>
               </a:solidFill>
@@ -2471,7 +2460,7 @@
             <a:t>ефективної</a:t>
           </a:r>
           <a:r>
-            <a:rPr lang="en-US" sz="1600" b="0" i="0" u="none" strike="noStrike" kern="1200" cap="none" spc="0" dirty="0">
+            <a:rPr lang="en-US" sz="1600" b="0" i="0" u="none" strike="noStrike" cap="none" spc="0">
               <a:solidFill>
                 <a:schemeClr val="tx1"/>
               </a:solidFill>
@@ -2481,7 +2470,7 @@
             <a:t> </a:t>
           </a:r>
           <a:r>
-            <a:rPr lang="en-US" sz="1600" b="0" i="0" u="none" strike="noStrike" kern="1200" cap="none" spc="0" dirty="0" err="1">
+            <a:rPr lang="en-US" sz="1600" b="0" i="0" u="none" strike="noStrike" cap="none" spc="0">
               <a:solidFill>
                 <a:schemeClr val="tx1"/>
               </a:solidFill>
@@ -2491,7 +2480,7 @@
             <a:t>роботи</a:t>
           </a:r>
           <a:r>
-            <a:rPr lang="en-US" sz="1600" b="0" i="0" u="none" strike="noStrike" kern="1200" cap="none" spc="0" dirty="0">
+            <a:rPr lang="en-US" sz="1600" b="0" i="0" u="none" strike="noStrike" cap="none" spc="0">
               <a:solidFill>
                 <a:schemeClr val="tx1"/>
               </a:solidFill>
@@ -2501,7 +2490,7 @@
             <a:t> </a:t>
           </a:r>
           <a:r>
-            <a:rPr lang="en-US" sz="1600" b="0" i="0" u="none" strike="noStrike" kern="1200" cap="none" spc="0" dirty="0" err="1">
+            <a:rPr lang="en-US" sz="1600" b="0" i="0" u="none" strike="noStrike" cap="none" spc="0">
               <a:solidFill>
                 <a:schemeClr val="tx1"/>
               </a:solidFill>
@@ -2511,7 +2500,7 @@
             <a:t>мережі</a:t>
           </a:r>
           <a:r>
-            <a:rPr lang="en-US" sz="1600" b="0" i="0" u="none" strike="noStrike" kern="1200" cap="none" spc="0" dirty="0">
+            <a:rPr lang="en-US" sz="1600" b="0" i="0" u="none" strike="noStrike" cap="none" spc="0">
               <a:solidFill>
                 <a:schemeClr val="tx1"/>
               </a:solidFill>
@@ -2521,7 +2510,7 @@
             <a:t> </a:t>
           </a:r>
           <a:r>
-            <a:rPr lang="en-US" sz="1600" b="0" i="0" u="none" strike="noStrike" kern="1200" cap="none" spc="0" dirty="0" err="1">
+            <a:rPr lang="en-US" sz="1600" b="0" i="0" u="none" strike="noStrike" cap="none" spc="0">
               <a:solidFill>
                 <a:schemeClr val="tx1"/>
               </a:solidFill>
@@ -2531,7 +2520,7 @@
             <a:t>навіть</a:t>
           </a:r>
           <a:r>
-            <a:rPr lang="en-US" sz="1600" b="0" i="0" u="none" strike="noStrike" kern="1200" cap="none" spc="0" dirty="0">
+            <a:rPr lang="en-US" sz="1600" b="0" i="0" u="none" strike="noStrike" cap="none" spc="0">
               <a:solidFill>
                 <a:schemeClr val="tx1"/>
               </a:solidFill>
@@ -2541,7 +2530,7 @@
             <a:t> </a:t>
           </a:r>
           <a:r>
-            <a:rPr lang="en-US" sz="1600" b="0" i="0" u="none" strike="noStrike" kern="1200" cap="none" spc="0" dirty="0" err="1">
+            <a:rPr lang="en-US" sz="1600" b="0" i="0" u="none" strike="noStrike" cap="none" spc="0">
               <a:solidFill>
                 <a:schemeClr val="tx1"/>
               </a:solidFill>
@@ -2551,7 +2540,7 @@
             <a:t>при</a:t>
           </a:r>
           <a:r>
-            <a:rPr lang="en-US" sz="1600" b="0" i="0" u="none" strike="noStrike" kern="1200" cap="none" spc="0" dirty="0">
+            <a:rPr lang="en-US" sz="1600" b="0" i="0" u="none" strike="noStrike" cap="none" spc="0">
               <a:solidFill>
                 <a:schemeClr val="tx1"/>
               </a:solidFill>
@@ -2561,7 +2550,7 @@
             <a:t> </a:t>
           </a:r>
           <a:r>
-            <a:rPr lang="en-US" sz="1600" b="0" i="0" u="none" strike="noStrike" kern="1200" cap="none" spc="0" dirty="0" err="1">
+            <a:rPr lang="en-US" sz="1600" b="0" i="0" u="none" strike="noStrike" cap="none" spc="0">
               <a:solidFill>
                 <a:schemeClr val="tx1"/>
               </a:solidFill>
@@ -2571,7 +2560,7 @@
             <a:t>великих</a:t>
           </a:r>
           <a:r>
-            <a:rPr lang="en-US" sz="1600" b="0" i="0" u="none" strike="noStrike" kern="1200" cap="none" spc="0" dirty="0">
+            <a:rPr lang="en-US" sz="1600" b="0" i="0" u="none" strike="noStrike" cap="none" spc="0">
               <a:solidFill>
                 <a:schemeClr val="tx1"/>
               </a:solidFill>
@@ -2581,7 +2570,7 @@
             <a:t> </a:t>
           </a:r>
           <a:r>
-            <a:rPr lang="en-US" sz="1600" b="0" i="0" u="none" strike="noStrike" kern="1200" cap="none" spc="0" dirty="0" err="1">
+            <a:rPr lang="en-US" sz="1600" b="0" i="0" u="none" strike="noStrike" cap="none" spc="0">
               <a:solidFill>
                 <a:schemeClr val="tx1"/>
               </a:solidFill>
@@ -2591,7 +2580,7 @@
             <a:t>обсягах</a:t>
           </a:r>
           <a:r>
-            <a:rPr lang="en-US" sz="1600" b="0" i="0" u="none" strike="noStrike" kern="1200" cap="none" spc="0" dirty="0">
+            <a:rPr lang="en-US" sz="1600" b="0" i="0" u="none" strike="noStrike" cap="none" spc="0">
               <a:solidFill>
                 <a:schemeClr val="tx1"/>
               </a:solidFill>
@@ -2601,7 +2590,7 @@
             <a:t> </a:t>
           </a:r>
           <a:r>
-            <a:rPr lang="en-US" sz="1600" b="0" i="0" u="none" strike="noStrike" kern="1200" cap="none" spc="0" dirty="0" err="1">
+            <a:rPr lang="en-US" sz="1600" b="0" i="0" u="none" strike="noStrike" cap="none" spc="0">
               <a:solidFill>
                 <a:schemeClr val="tx1"/>
               </a:solidFill>
@@ -2611,7 +2600,7 @@
             <a:t>транзакцій</a:t>
           </a:r>
           <a:r>
-            <a:rPr lang="en-US" sz="1600" b="0" i="0" u="none" strike="noStrike" kern="1200" cap="none" spc="0" dirty="0">
+            <a:rPr lang="en-US" sz="1600" b="0" i="0" u="none" strike="noStrike" cap="none" spc="0">
               <a:solidFill>
                 <a:schemeClr val="tx1"/>
               </a:solidFill>
@@ -2621,7 +2610,7 @@
             <a:t>, </a:t>
           </a:r>
           <a:r>
-            <a:rPr lang="en-US" sz="1600" b="0" i="0" u="none" strike="noStrike" kern="1200" cap="none" spc="0" dirty="0" err="1">
+            <a:rPr lang="en-US" sz="1600" b="0" i="0" u="none" strike="noStrike" cap="none" spc="0">
               <a:solidFill>
                 <a:schemeClr val="tx1"/>
               </a:solidFill>
@@ -2631,7 +2620,7 @@
             <a:t>що</a:t>
           </a:r>
           <a:r>
-            <a:rPr lang="en-US" sz="1600" b="0" i="0" u="none" strike="noStrike" kern="1200" cap="none" spc="0" dirty="0">
+            <a:rPr lang="en-US" sz="1600" b="0" i="0" u="none" strike="noStrike" cap="none" spc="0">
               <a:solidFill>
                 <a:schemeClr val="tx1"/>
               </a:solidFill>
@@ -2641,7 +2630,7 @@
             <a:t> </a:t>
           </a:r>
           <a:r>
-            <a:rPr lang="en-US" sz="1600" b="0" i="0" u="none" strike="noStrike" kern="1200" cap="none" spc="0" dirty="0" err="1">
+            <a:rPr lang="en-US" sz="1600" b="0" i="0" u="none" strike="noStrike" cap="none" spc="0">
               <a:solidFill>
                 <a:schemeClr val="tx1"/>
               </a:solidFill>
@@ -2651,7 +2640,7 @@
             <a:t>забезпечує</a:t>
           </a:r>
           <a:r>
-            <a:rPr lang="en-US" sz="1600" b="0" i="0" u="none" strike="noStrike" kern="1200" cap="none" spc="0" dirty="0">
+            <a:rPr lang="en-US" sz="1600" b="0" i="0" u="none" strike="noStrike" cap="none" spc="0">
               <a:solidFill>
                 <a:schemeClr val="tx1"/>
               </a:solidFill>
@@ -2661,7 +2650,7 @@
             <a:t> </a:t>
           </a:r>
           <a:r>
-            <a:rPr lang="en-US" sz="1600" b="0" i="0" u="none" strike="noStrike" kern="1200" cap="none" spc="0" dirty="0" err="1">
+            <a:rPr lang="en-US" sz="1600" b="0" i="0" u="none" strike="noStrike" cap="none" spc="0">
               <a:solidFill>
                 <a:schemeClr val="tx1"/>
               </a:solidFill>
@@ -2671,7 +2660,7 @@
             <a:t>нижчу</a:t>
           </a:r>
           <a:r>
-            <a:rPr lang="en-US" sz="1600" b="0" i="0" u="none" strike="noStrike" kern="1200" cap="none" spc="0" dirty="0">
+            <a:rPr lang="en-US" sz="1600" b="0" i="0" u="none" strike="noStrike" cap="none" spc="0">
               <a:solidFill>
                 <a:schemeClr val="tx1"/>
               </a:solidFill>
@@ -2681,7 +2670,7 @@
             <a:t> </a:t>
           </a:r>
           <a:r>
-            <a:rPr lang="en-US" sz="1600" b="0" i="0" u="none" strike="noStrike" kern="1200" cap="none" spc="0" dirty="0" err="1">
+            <a:rPr lang="en-US" sz="1600" b="0" i="0" u="none" strike="noStrike" cap="none" spc="0">
               <a:solidFill>
                 <a:schemeClr val="tx1"/>
               </a:solidFill>
@@ -2691,7 +2680,7 @@
             <a:t>комісію</a:t>
           </a:r>
           <a:r>
-            <a:rPr lang="en-US" sz="1600" b="0" i="0" u="none" strike="noStrike" kern="1200" cap="none" spc="0" dirty="0">
+            <a:rPr lang="en-US" sz="1600" b="0" i="0" u="none" strike="noStrike" cap="none" spc="0">
               <a:solidFill>
                 <a:schemeClr val="tx1"/>
               </a:solidFill>
@@ -2701,7 +2690,7 @@
             <a:t> </a:t>
           </a:r>
           <a:r>
-            <a:rPr lang="en-US" sz="1600" b="0" i="0" u="none" strike="noStrike" kern="1200" cap="none" spc="0" dirty="0" err="1">
+            <a:rPr lang="en-US" sz="1600" b="0" i="0" u="none" strike="noStrike" cap="none" spc="0">
               <a:solidFill>
                 <a:schemeClr val="tx1"/>
               </a:solidFill>
@@ -2711,7 +2700,7 @@
             <a:t>за</a:t>
           </a:r>
           <a:r>
-            <a:rPr lang="en-US" sz="1600" b="0" i="0" u="none" strike="noStrike" kern="1200" cap="none" spc="0" dirty="0">
+            <a:rPr lang="en-US" sz="1600" b="0" i="0" u="none" strike="noStrike" cap="none" spc="0">
               <a:solidFill>
                 <a:schemeClr val="tx1"/>
               </a:solidFill>
@@ -2721,7 +2710,7 @@
             <a:t> </a:t>
           </a:r>
           <a:r>
-            <a:rPr lang="en-US" sz="1600" b="0" i="0" u="none" strike="noStrike" kern="1200" cap="none" spc="0" dirty="0" err="1">
+            <a:rPr lang="en-US" sz="1600" b="0" i="0" u="none" strike="noStrike" cap="none" spc="0">
               <a:solidFill>
                 <a:schemeClr val="tx1"/>
               </a:solidFill>
@@ -2731,7 +2720,7 @@
             <a:t>транзакції</a:t>
           </a:r>
           <a:r>
-            <a:rPr lang="en-US" sz="1600" b="0" i="0" u="none" strike="noStrike" kern="1200" cap="none" spc="0" dirty="0">
+            <a:rPr lang="en-US" sz="1600" b="0" i="0" u="none" strike="noStrike" cap="none" spc="0">
               <a:solidFill>
                 <a:schemeClr val="tx1"/>
               </a:solidFill>
@@ -2741,7 +2730,7 @@
             <a:t> </a:t>
           </a:r>
           <a:r>
-            <a:rPr lang="en-US" sz="1600" b="0" i="0" u="none" strike="noStrike" kern="1200" cap="none" spc="0" dirty="0" err="1">
+            <a:rPr lang="en-US" sz="1600" b="0" i="0" u="none" strike="noStrike" cap="none" spc="0">
               <a:solidFill>
                 <a:schemeClr val="tx1"/>
               </a:solidFill>
@@ -2751,7 +2740,7 @@
             <a:t>для</a:t>
           </a:r>
           <a:r>
-            <a:rPr lang="en-US" sz="1600" b="0" i="0" u="none" strike="noStrike" kern="1200" cap="none" spc="0" dirty="0">
+            <a:rPr lang="en-US" sz="1600" b="0" i="0" u="none" strike="noStrike" cap="none" spc="0">
               <a:solidFill>
                 <a:schemeClr val="tx1"/>
               </a:solidFill>
@@ -2761,7 +2750,7 @@
             <a:t> </a:t>
           </a:r>
           <a:r>
-            <a:rPr lang="en-US" sz="1600" b="0" i="0" u="none" strike="noStrike" kern="1200" cap="none" spc="0" dirty="0" err="1">
+            <a:rPr lang="en-US" sz="1600" b="0" i="0" u="none" strike="noStrike" cap="none" spc="0">
               <a:solidFill>
                 <a:schemeClr val="tx1"/>
               </a:solidFill>
@@ -2771,7 +2760,7 @@
             <a:t>користувачів</a:t>
           </a:r>
           <a:r>
-            <a:rPr lang="en-US" sz="1600" b="0" i="0" u="none" strike="noStrike" kern="1200" cap="none" spc="0" dirty="0">
+            <a:rPr lang="en-US" sz="1600" b="0" i="0" u="none" strike="noStrike" cap="none" spc="0">
               <a:solidFill>
                 <a:schemeClr val="tx1"/>
               </a:solidFill>
@@ -2780,7 +2769,7 @@
             </a:rPr>
             <a:t>.</a:t>
           </a:r>
-          <a:endParaRPr sz="1600" kern="1200" dirty="0">
+          <a:endParaRPr sz="1600">
             <a:solidFill>
               <a:schemeClr val="tx1"/>
             </a:solidFill>
@@ -2813,7 +2802,6 @@
           <a:prstDash val="solid"/>
         </a:ln>
         <a:effectLst/>
-        <a:sp3d/>
       </dsp:spPr>
       <dsp:style>
         <a:lnRef idx="2">
@@ -2840,7 +2828,7 @@
               <a:spcPct val="90000"/>
             </a:lnSpc>
             <a:spcBef>
-              <a:spcPct val="0"/>
+              <a:spcPts val="0"/>
             </a:spcBef>
             <a:spcAft>
               <a:spcPts val="0"/>
@@ -2849,13 +2837,13 @@
             <a:defRPr/>
           </a:pPr>
           <a:r>
-            <a:rPr lang="en-US" sz="6600" kern="1200">
+            <a:rPr lang="en-US" sz="6600">
               <a:latin typeface="Times New Roman"/>
               <a:cs typeface="Times New Roman"/>
             </a:rPr>
             <a:t>03</a:t>
           </a:r>
-          <a:endParaRPr sz="6600" kern="1200">
+          <a:endParaRPr sz="6600">
             <a:latin typeface="Times New Roman"/>
             <a:cs typeface="Times New Roman"/>
           </a:endParaRPr>
@@ -2871,7 +2859,7 @@
 </file>
 
 <file path=ppt/diagrams/layout1.xml><?xml version="1.0" encoding="utf-8"?>
-<dgm:layoutDef xmlns:dgm="http://schemas.openxmlformats.org/drawingml/2006/diagram" xmlns:a="http://schemas.openxmlformats.org/drawingml/2006/main" uniqueId="urn:microsoft.com/office/officeart/2016/7/layout/LinearBlockProcessNumbered">
+<dgm:layoutDef xmlns:dgm="http://schemas.openxmlformats.org/drawingml/2006/diagram" xmlns:a="http://schemas.openxmlformats.org/drawingml/2006/main" xmlns:r="http://schemas.openxmlformats.org/officeDocument/2006/relationships" uniqueId="urn:microsoft.com/office/officeart/2016/7/layout/LinearBlockProcessNumbered">
   <dgm:title val="Linear Block Process Numbered"/>
   <dgm:desc val="Used to show a progression; a timeline; sequential steps in a task, process, or workflow; or to emphasize movement or direction. Automatic numbers have been introduced to show the steps of the process. Level 1 text and Level 2 text both appears in a rectangle."/>
   <dgm:catLst>
@@ -3018,20 +3006,20 @@
       <dgm:param type="linDir" val="fromL"/>
       <dgm:param type="nodeVertAlign" val="t"/>
     </dgm:alg>
-    <dgm:shape xmlns:r="http://schemas.openxmlformats.org/officeDocument/2006/relationships" r:blip="">
+    <dgm:shape r:blip="">
       <dgm:adjLst/>
     </dgm:shape>
     <dgm:presOf/>
     <dgm:constrLst>
       <dgm:constr type="h" for="ch" forName="compositeNode" refType="h"/>
       <dgm:constr type="w" for="ch" forName="compositeNode" refType="w"/>
-      <dgm:constr type="w" for="des" forName="simulatedConn" refType="w" refFor="ch" refForName="compositeNode" fact="0.15"/>
+      <dgm:constr type="w" for="des" forName="simulatedConn" refType="w" refFor="ch" refForName="compositeNode" fact="0.150000"/>
       <dgm:constr type="h" for="des" forName="simulatedConn" refType="w" refFor="des" refForName="simulatedConn"/>
-      <dgm:constr type="h" for="des" forName="vSp1" refType="w" refFor="ch" refForName="compositeNode" fact="0.8"/>
-      <dgm:constr type="h" for="des" forName="vSp2" refType="w" refFor="ch" refForName="compositeNode" fact="0.07"/>
+      <dgm:constr type="h" for="des" forName="vSp1" refType="w" refFor="ch" refForName="compositeNode" fact="0.800000"/>
+      <dgm:constr type="h" for="des" forName="vSp2" refType="w" refFor="ch" refForName="compositeNode" fact="0.070000"/>
       <dgm:constr type="w" for="ch" forName="vProcSp" refType="w" refFor="des" refForName="simulatedConn" op="equ"/>
       <dgm:constr type="h" for="ch" forName="vProcSp" refType="h" refFor="ch" refForName="compositeNode" op="equ"/>
-      <dgm:constr type="w" for="ch" forName="sibTrans" refType="w" refFor="ch" refForName="compositeNode" fact="0.08"/>
+      <dgm:constr type="w" for="ch" forName="sibTrans" refType="w" refFor="ch" refForName="compositeNode" fact="0.080000"/>
       <dgm:constr type="primFontSz" for="des" forName="sibTransNodeRect" op="equ"/>
       <dgm:constr type="primFontSz" for="des" forName="nodeRect" op="equ"/>
     </dgm:constrLst>
@@ -3043,17 +3031,17 @@
         </dgm:varLst>
         <dgm:alg type="composite"/>
         <dgm:constrLst>
-          <dgm:constr type="h" refType="w" op="lte" fact="1.2"/>
+          <dgm:constr type="h" refType="w" op="lte" fact="1.200000"/>
           <dgm:constr type="w" for="ch" forName="bgRect" refType="w"/>
           <dgm:constr type="h" for="ch" forName="bgRect" refType="h"/>
           <dgm:constr type="t" for="ch" forName="bgRect"/>
           <dgm:constr type="l" for="ch" forName="bgRect"/>
           <dgm:constr type="w" for="ch" forName="sibTransNodeRect" refType="w" refFor="ch" refForName="bgRect"/>
-          <dgm:constr type="h" for="ch" forName="sibTransNodeRect" refType="h" refFor="ch" refForName="bgRect" fact="0.4"/>
+          <dgm:constr type="h" for="ch" forName="sibTransNodeRect" refType="h" refFor="ch" refForName="bgRect" fact="0.400000"/>
           <dgm:constr type="t" for="ch" forName="sibTransNodeRect"/>
           <dgm:constr type="l" for="ch" forName="sibTransNodeRect"/>
           <dgm:constr type="r" for="ch" forName="nodeRect" refType="r" refFor="ch" refForName="bgRect"/>
-          <dgm:constr type="h" for="ch" forName="nodeRect" refType="h" refFor="ch" refForName="bgRect" fact="0.6"/>
+          <dgm:constr type="h" for="ch" forName="nodeRect" refType="h" refFor="ch" refForName="bgRect" fact="0.600000"/>
           <dgm:constr type="t" for="ch" forName="nodeRect" refType="b" refFor="ch" refForName="sibTransNodeRect"/>
           <dgm:constr type="l" for="ch" forName="nodeRect" refType="l" refFor="ch" refForName="bgRect"/>
         </dgm:constrLst>
@@ -3062,16 +3050,16 @@
         </dgm:ruleLst>
         <dgm:layoutNode name="bgRect" styleLbl="alignNode1">
           <dgm:alg type="sp"/>
-          <dgm:shape xmlns:r="http://schemas.openxmlformats.org/officeDocument/2006/relationships" type="rect" r:blip="">
+          <dgm:shape type="rect" r:blip="">
             <dgm:adjLst>
-              <dgm:adj idx="1" val="0.05"/>
+              <dgm:adj idx="1" val="0.050000"/>
             </dgm:adjLst>
           </dgm:shape>
           <dgm:presOf axis="self"/>
           <dgm:constrLst/>
           <dgm:ruleLst/>
         </dgm:layoutNode>
-        <dgm:forEach name="Name19" axis="followSib" ptType="sibTrans" hideLastTrans="0" cnt="1">
+        <dgm:forEach name="Name19" axis="followSib" ptType="sibTrans" cnt="1" hideLastTrans="0">
           <dgm:layoutNode name="sibTransNodeRect" styleLbl="alignNode1">
             <dgm:varLst>
               <dgm:chMax val="0"/>
@@ -3082,14 +3070,14 @@
               <dgm:param type="parTxLTRAlign" val="l"/>
               <dgm:param type="parTxRTLAlign" val="l"/>
             </dgm:alg>
-            <dgm:shape xmlns:r="http://schemas.openxmlformats.org/officeDocument/2006/relationships" type="rect" r:blip="" hideGeom="1">
+            <dgm:shape type="rect" r:blip="" hideGeom="1">
               <dgm:adjLst/>
             </dgm:shape>
             <dgm:constrLst>
               <dgm:constr type="primFontSz" val="66"/>
               <dgm:constr type="tMarg" val="13"/>
-              <dgm:constr type="lMarg" refType="w" fact="0.28"/>
-              <dgm:constr type="rMarg" refType="w" fact="0.28"/>
+              <dgm:constr type="lMarg" refType="w" fact="0.280000"/>
+              <dgm:constr type="rMarg" refType="w" fact="0.280000"/>
               <dgm:constr type="bMarg" val="13"/>
             </dgm:constrLst>
             <dgm:ruleLst>
@@ -3108,15 +3096,15 @@
             <dgm:param type="txAnchorVert" val="t"/>
             <dgm:param type="stBulletLvl" val="2"/>
           </dgm:alg>
-          <dgm:shape xmlns:r="http://schemas.openxmlformats.org/officeDocument/2006/relationships" type="rect" r:blip="" hideGeom="1">
+          <dgm:shape type="rect" r:blip="" hideGeom="1">
             <dgm:adjLst/>
           </dgm:shape>
           <dgm:presOf axis="desOrSelf" ptType="node"/>
           <dgm:constrLst>
             <dgm:constr type="primFontSz" val="26"/>
             <dgm:constr type="tMarg"/>
-            <dgm:constr type="lMarg" refType="w" fact="0.28"/>
-            <dgm:constr type="rMarg" refType="w" fact="0.28"/>
+            <dgm:constr type="lMarg" refType="w" fact="0.280000"/>
+            <dgm:constr type="rMarg" refType="w" fact="0.280000"/>
             <dgm:constr type="bMarg" val="26"/>
           </dgm:constrLst>
           <dgm:ruleLst>
@@ -3127,7 +3115,7 @@
       <dgm:forEach name="Name14" axis="followSib" ptType="sibTrans" cnt="1">
         <dgm:layoutNode name="sibTrans">
           <dgm:alg type="sp"/>
-          <dgm:shape xmlns:r="http://schemas.openxmlformats.org/officeDocument/2006/relationships" r:blip="">
+          <dgm:shape r:blip="">
             <dgm:adjLst/>
           </dgm:shape>
           <dgm:presOf/>
@@ -3157,7 +3145,15 @@
       <a:lightRig rig="threePt" dir="t"/>
     </dgm:scene3d>
     <dgm:sp3d/>
-    <dgm:txPr/>
+    <dgm:txPr>
+      <a:bodyPr/>
+      <a:p>
+        <a:pPr>
+          <a:defRPr/>
+        </a:pPr>
+        <a:endParaRPr/>
+      </a:p>
+    </dgm:txPr>
     <dgm:style>
       <a:lnRef idx="2">
         <a:srgbClr val="000000"/>
@@ -3179,7 +3175,15 @@
       <a:lightRig rig="threePt" dir="t"/>
     </dgm:scene3d>
     <dgm:sp3d/>
-    <dgm:txPr/>
+    <dgm:txPr>
+      <a:bodyPr/>
+      <a:p>
+        <a:pPr>
+          <a:defRPr/>
+        </a:pPr>
+        <a:endParaRPr/>
+      </a:p>
+    </dgm:txPr>
     <dgm:style>
       <a:lnRef idx="2">
         <a:srgbClr val="000000"/>
@@ -3201,7 +3205,15 @@
       <a:lightRig rig="threePt" dir="t"/>
     </dgm:scene3d>
     <dgm:sp3d/>
-    <dgm:txPr/>
+    <dgm:txPr>
+      <a:bodyPr/>
+      <a:p>
+        <a:pPr>
+          <a:defRPr/>
+        </a:pPr>
+        <a:endParaRPr/>
+      </a:p>
+    </dgm:txPr>
     <dgm:style>
       <a:lnRef idx="2">
         <a:srgbClr val="000000"/>
@@ -3223,7 +3235,15 @@
       <a:lightRig rig="threePt" dir="t"/>
     </dgm:scene3d>
     <dgm:sp3d/>
-    <dgm:txPr/>
+    <dgm:txPr>
+      <a:bodyPr/>
+      <a:p>
+        <a:pPr>
+          <a:defRPr/>
+        </a:pPr>
+        <a:endParaRPr/>
+      </a:p>
+    </dgm:txPr>
     <dgm:style>
       <a:lnRef idx="2">
         <a:srgbClr val="000000"/>
@@ -3245,7 +3265,15 @@
       <a:lightRig rig="threePt" dir="t"/>
     </dgm:scene3d>
     <dgm:sp3d/>
-    <dgm:txPr/>
+    <dgm:txPr>
+      <a:bodyPr/>
+      <a:p>
+        <a:pPr>
+          <a:defRPr/>
+        </a:pPr>
+        <a:endParaRPr/>
+      </a:p>
+    </dgm:txPr>
     <dgm:style>
       <a:lnRef idx="2">
         <a:srgbClr val="000000"/>
@@ -3267,7 +3295,15 @@
       <a:lightRig rig="threePt" dir="t"/>
     </dgm:scene3d>
     <dgm:sp3d/>
-    <dgm:txPr/>
+    <dgm:txPr>
+      <a:bodyPr/>
+      <a:p>
+        <a:pPr>
+          <a:defRPr/>
+        </a:pPr>
+        <a:endParaRPr/>
+      </a:p>
+    </dgm:txPr>
     <dgm:style>
       <a:lnRef idx="2">
         <a:srgbClr val="000000"/>
@@ -3289,7 +3325,15 @@
       <a:lightRig rig="threePt" dir="t"/>
     </dgm:scene3d>
     <dgm:sp3d/>
-    <dgm:txPr/>
+    <dgm:txPr>
+      <a:bodyPr/>
+      <a:p>
+        <a:pPr>
+          <a:defRPr/>
+        </a:pPr>
+        <a:endParaRPr/>
+      </a:p>
+    </dgm:txPr>
     <dgm:style>
       <a:lnRef idx="2">
         <a:srgbClr val="000000"/>
@@ -3311,7 +3355,15 @@
       <a:lightRig rig="threePt" dir="t"/>
     </dgm:scene3d>
     <dgm:sp3d/>
-    <dgm:txPr/>
+    <dgm:txPr>
+      <a:bodyPr/>
+      <a:p>
+        <a:pPr>
+          <a:defRPr/>
+        </a:pPr>
+        <a:endParaRPr/>
+      </a:p>
+    </dgm:txPr>
     <dgm:style>
       <a:lnRef idx="2">
         <a:srgbClr val="000000"/>
@@ -3333,7 +3385,15 @@
       <a:lightRig rig="threePt" dir="t"/>
     </dgm:scene3d>
     <dgm:sp3d/>
-    <dgm:txPr/>
+    <dgm:txPr>
+      <a:bodyPr/>
+      <a:p>
+        <a:pPr>
+          <a:defRPr/>
+        </a:pPr>
+        <a:endParaRPr/>
+      </a:p>
+    </dgm:txPr>
     <dgm:style>
       <a:lnRef idx="2">
         <a:srgbClr val="000000"/>
@@ -3353,7 +3413,15 @@
       <a:lightRig rig="threePt" dir="t"/>
     </dgm:scene3d>
     <dgm:sp3d/>
-    <dgm:txPr/>
+    <dgm:txPr>
+      <a:bodyPr/>
+      <a:p>
+        <a:pPr>
+          <a:defRPr/>
+        </a:pPr>
+        <a:endParaRPr/>
+      </a:p>
+    </dgm:txPr>
     <dgm:style>
       <a:lnRef idx="2">
         <a:srgbClr val="000000"/>
@@ -3373,7 +3441,15 @@
       <a:lightRig rig="threePt" dir="t"/>
     </dgm:scene3d>
     <dgm:sp3d/>
-    <dgm:txPr/>
+    <dgm:txPr>
+      <a:bodyPr/>
+      <a:p>
+        <a:pPr>
+          <a:defRPr/>
+        </a:pPr>
+        <a:endParaRPr/>
+      </a:p>
+    </dgm:txPr>
     <dgm:style>
       <a:lnRef idx="2">
         <a:srgbClr val="000000"/>
@@ -3393,7 +3469,15 @@
       <a:lightRig rig="threePt" dir="t"/>
     </dgm:scene3d>
     <dgm:sp3d/>
-    <dgm:txPr/>
+    <dgm:txPr>
+      <a:bodyPr/>
+      <a:p>
+        <a:pPr>
+          <a:defRPr/>
+        </a:pPr>
+        <a:endParaRPr/>
+      </a:p>
+    </dgm:txPr>
     <dgm:style>
       <a:lnRef idx="0">
         <a:srgbClr val="000000"/>
@@ -3415,7 +3499,15 @@
       <a:lightRig rig="threePt" dir="t"/>
     </dgm:scene3d>
     <dgm:sp3d/>
-    <dgm:txPr/>
+    <dgm:txPr>
+      <a:bodyPr/>
+      <a:p>
+        <a:pPr>
+          <a:defRPr/>
+        </a:pPr>
+        <a:endParaRPr/>
+      </a:p>
+    </dgm:txPr>
     <dgm:style>
       <a:lnRef idx="0">
         <a:srgbClr val="000000"/>
@@ -3437,7 +3529,15 @@
       <a:lightRig rig="threePt" dir="t"/>
     </dgm:scene3d>
     <dgm:sp3d/>
-    <dgm:txPr/>
+    <dgm:txPr>
+      <a:bodyPr/>
+      <a:p>
+        <a:pPr>
+          <a:defRPr/>
+        </a:pPr>
+        <a:endParaRPr/>
+      </a:p>
+    </dgm:txPr>
     <dgm:style>
       <a:lnRef idx="0">
         <a:srgbClr val="000000"/>
@@ -3459,7 +3559,15 @@
       <a:lightRig rig="threePt" dir="t"/>
     </dgm:scene3d>
     <dgm:sp3d/>
-    <dgm:txPr/>
+    <dgm:txPr>
+      <a:bodyPr/>
+      <a:p>
+        <a:pPr>
+          <a:defRPr/>
+        </a:pPr>
+        <a:endParaRPr/>
+      </a:p>
+    </dgm:txPr>
     <dgm:style>
       <a:lnRef idx="1">
         <a:srgbClr val="000000"/>
@@ -3479,7 +3587,15 @@
       <a:lightRig rig="threePt" dir="t"/>
     </dgm:scene3d>
     <dgm:sp3d/>
-    <dgm:txPr/>
+    <dgm:txPr>
+      <a:bodyPr/>
+      <a:p>
+        <a:pPr>
+          <a:defRPr/>
+        </a:pPr>
+        <a:endParaRPr/>
+      </a:p>
+    </dgm:txPr>
     <dgm:style>
       <a:lnRef idx="2">
         <a:srgbClr val="000000"/>
@@ -3499,7 +3615,15 @@
       <a:lightRig rig="threePt" dir="t"/>
     </dgm:scene3d>
     <dgm:sp3d/>
-    <dgm:txPr/>
+    <dgm:txPr>
+      <a:bodyPr/>
+      <a:p>
+        <a:pPr>
+          <a:defRPr/>
+        </a:pPr>
+        <a:endParaRPr/>
+      </a:p>
+    </dgm:txPr>
     <dgm:style>
       <a:lnRef idx="2">
         <a:srgbClr val="000000"/>
@@ -3521,7 +3645,15 @@
       <a:lightRig rig="threePt" dir="t"/>
     </dgm:scene3d>
     <dgm:sp3d/>
-    <dgm:txPr/>
+    <dgm:txPr>
+      <a:bodyPr/>
+      <a:p>
+        <a:pPr>
+          <a:defRPr/>
+        </a:pPr>
+        <a:endParaRPr/>
+      </a:p>
+    </dgm:txPr>
     <dgm:style>
       <a:lnRef idx="2">
         <a:srgbClr val="000000"/>
@@ -3543,7 +3675,15 @@
       <a:lightRig rig="threePt" dir="t"/>
     </dgm:scene3d>
     <dgm:sp3d/>
-    <dgm:txPr/>
+    <dgm:txPr>
+      <a:bodyPr/>
+      <a:p>
+        <a:pPr>
+          <a:defRPr/>
+        </a:pPr>
+        <a:endParaRPr/>
+      </a:p>
+    </dgm:txPr>
     <dgm:style>
       <a:lnRef idx="2">
         <a:srgbClr val="000000"/>
@@ -3565,7 +3705,15 @@
       <a:lightRig rig="threePt" dir="t"/>
     </dgm:scene3d>
     <dgm:sp3d/>
-    <dgm:txPr/>
+    <dgm:txPr>
+      <a:bodyPr/>
+      <a:p>
+        <a:pPr>
+          <a:defRPr/>
+        </a:pPr>
+        <a:endParaRPr/>
+      </a:p>
+    </dgm:txPr>
     <dgm:style>
       <a:lnRef idx="2">
         <a:srgbClr val="000000"/>
@@ -3587,7 +3735,15 @@
       <a:lightRig rig="threePt" dir="t"/>
     </dgm:scene3d>
     <dgm:sp3d/>
-    <dgm:txPr/>
+    <dgm:txPr>
+      <a:bodyPr/>
+      <a:p>
+        <a:pPr>
+          <a:defRPr/>
+        </a:pPr>
+        <a:endParaRPr/>
+      </a:p>
+    </dgm:txPr>
     <dgm:style>
       <a:lnRef idx="2">
         <a:srgbClr val="000000"/>
@@ -3609,7 +3765,15 @@
       <a:lightRig rig="threePt" dir="t"/>
     </dgm:scene3d>
     <dgm:sp3d/>
-    <dgm:txPr/>
+    <dgm:txPr>
+      <a:bodyPr/>
+      <a:p>
+        <a:pPr>
+          <a:defRPr/>
+        </a:pPr>
+        <a:endParaRPr/>
+      </a:p>
+    </dgm:txPr>
     <dgm:style>
       <a:lnRef idx="2">
         <a:srgbClr val="000000"/>
@@ -3631,7 +3795,15 @@
       <a:lightRig rig="threePt" dir="t"/>
     </dgm:scene3d>
     <dgm:sp3d/>
-    <dgm:txPr/>
+    <dgm:txPr>
+      <a:bodyPr/>
+      <a:p>
+        <a:pPr>
+          <a:defRPr/>
+        </a:pPr>
+        <a:endParaRPr/>
+      </a:p>
+    </dgm:txPr>
     <dgm:style>
       <a:lnRef idx="2">
         <a:srgbClr val="000000"/>
@@ -3653,7 +3825,15 @@
       <a:lightRig rig="threePt" dir="t"/>
     </dgm:scene3d>
     <dgm:sp3d/>
-    <dgm:txPr/>
+    <dgm:txPr>
+      <a:bodyPr/>
+      <a:p>
+        <a:pPr>
+          <a:defRPr/>
+        </a:pPr>
+        <a:endParaRPr/>
+      </a:p>
+    </dgm:txPr>
     <dgm:style>
       <a:lnRef idx="2">
         <a:srgbClr val="000000"/>
@@ -3675,7 +3855,15 @@
       <a:lightRig rig="threePt" dir="t"/>
     </dgm:scene3d>
     <dgm:sp3d/>
-    <dgm:txPr/>
+    <dgm:txPr>
+      <a:bodyPr/>
+      <a:p>
+        <a:pPr>
+          <a:defRPr/>
+        </a:pPr>
+        <a:endParaRPr/>
+      </a:p>
+    </dgm:txPr>
     <dgm:style>
       <a:lnRef idx="2">
         <a:srgbClr val="000000"/>
@@ -3697,7 +3885,15 @@
       <a:lightRig rig="threePt" dir="t"/>
     </dgm:scene3d>
     <dgm:sp3d/>
-    <dgm:txPr/>
+    <dgm:txPr>
+      <a:bodyPr/>
+      <a:p>
+        <a:pPr>
+          <a:defRPr/>
+        </a:pPr>
+        <a:endParaRPr/>
+      </a:p>
+    </dgm:txPr>
     <dgm:style>
       <a:lnRef idx="2">
         <a:srgbClr val="000000"/>
@@ -3717,7 +3913,15 @@
       <a:lightRig rig="threePt" dir="t"/>
     </dgm:scene3d>
     <dgm:sp3d/>
-    <dgm:txPr/>
+    <dgm:txPr>
+      <a:bodyPr/>
+      <a:p>
+        <a:pPr>
+          <a:defRPr/>
+        </a:pPr>
+        <a:endParaRPr/>
+      </a:p>
+    </dgm:txPr>
     <dgm:style>
       <a:lnRef idx="2">
         <a:srgbClr val="000000"/>
@@ -3737,7 +3941,15 @@
       <a:lightRig rig="threePt" dir="t"/>
     </dgm:scene3d>
     <dgm:sp3d/>
-    <dgm:txPr/>
+    <dgm:txPr>
+      <a:bodyPr/>
+      <a:p>
+        <a:pPr>
+          <a:defRPr/>
+        </a:pPr>
+        <a:endParaRPr/>
+      </a:p>
+    </dgm:txPr>
     <dgm:style>
       <a:lnRef idx="2">
         <a:srgbClr val="000000"/>
@@ -3757,7 +3969,15 @@
       <a:lightRig rig="threePt" dir="t"/>
     </dgm:scene3d>
     <dgm:sp3d/>
-    <dgm:txPr/>
+    <dgm:txPr>
+      <a:bodyPr/>
+      <a:p>
+        <a:pPr>
+          <a:defRPr/>
+        </a:pPr>
+        <a:endParaRPr/>
+      </a:p>
+    </dgm:txPr>
     <dgm:style>
       <a:lnRef idx="2">
         <a:srgbClr val="000000"/>
@@ -3777,7 +3997,15 @@
       <a:lightRig rig="threePt" dir="t"/>
     </dgm:scene3d>
     <dgm:sp3d/>
-    <dgm:txPr/>
+    <dgm:txPr>
+      <a:bodyPr/>
+      <a:p>
+        <a:pPr>
+          <a:defRPr/>
+        </a:pPr>
+        <a:endParaRPr/>
+      </a:p>
+    </dgm:txPr>
     <dgm:style>
       <a:lnRef idx="2">
         <a:srgbClr val="000000"/>
@@ -3797,7 +4025,15 @@
       <a:lightRig rig="threePt" dir="t"/>
     </dgm:scene3d>
     <dgm:sp3d/>
-    <dgm:txPr/>
+    <dgm:txPr>
+      <a:bodyPr/>
+      <a:p>
+        <a:pPr>
+          <a:defRPr/>
+        </a:pPr>
+        <a:endParaRPr/>
+      </a:p>
+    </dgm:txPr>
     <dgm:style>
       <a:lnRef idx="2">
         <a:srgbClr val="000000"/>
@@ -3817,7 +4053,15 @@
       <a:lightRig rig="threePt" dir="t"/>
     </dgm:scene3d>
     <dgm:sp3d/>
-    <dgm:txPr/>
+    <dgm:txPr>
+      <a:bodyPr/>
+      <a:p>
+        <a:pPr>
+          <a:defRPr/>
+        </a:pPr>
+        <a:endParaRPr/>
+      </a:p>
+    </dgm:txPr>
     <dgm:style>
       <a:lnRef idx="2">
         <a:srgbClr val="000000"/>
@@ -3837,7 +4081,15 @@
       <a:lightRig rig="threePt" dir="t"/>
     </dgm:scene3d>
     <dgm:sp3d/>
-    <dgm:txPr/>
+    <dgm:txPr>
+      <a:bodyPr/>
+      <a:p>
+        <a:pPr>
+          <a:defRPr/>
+        </a:pPr>
+        <a:endParaRPr/>
+      </a:p>
+    </dgm:txPr>
     <dgm:style>
       <a:lnRef idx="1">
         <a:srgbClr val="000000"/>
@@ -3857,7 +4109,15 @@
       <a:lightRig rig="threePt" dir="t"/>
     </dgm:scene3d>
     <dgm:sp3d/>
-    <dgm:txPr/>
+    <dgm:txPr>
+      <a:bodyPr/>
+      <a:p>
+        <a:pPr>
+          <a:defRPr/>
+        </a:pPr>
+        <a:endParaRPr/>
+      </a:p>
+    </dgm:txPr>
     <dgm:style>
       <a:lnRef idx="2">
         <a:srgbClr val="000000"/>
@@ -3877,7 +4137,15 @@
       <a:lightRig rig="threePt" dir="t"/>
     </dgm:scene3d>
     <dgm:sp3d/>
-    <dgm:txPr/>
+    <dgm:txPr>
+      <a:bodyPr/>
+      <a:p>
+        <a:pPr>
+          <a:defRPr/>
+        </a:pPr>
+        <a:endParaRPr/>
+      </a:p>
+    </dgm:txPr>
     <dgm:style>
       <a:lnRef idx="2">
         <a:srgbClr val="000000"/>
@@ -3897,7 +4165,15 @@
       <a:lightRig rig="threePt" dir="t"/>
     </dgm:scene3d>
     <dgm:sp3d/>
-    <dgm:txPr/>
+    <dgm:txPr>
+      <a:bodyPr/>
+      <a:p>
+        <a:pPr>
+          <a:defRPr/>
+        </a:pPr>
+        <a:endParaRPr/>
+      </a:p>
+    </dgm:txPr>
     <dgm:style>
       <a:lnRef idx="2">
         <a:srgbClr val="000000"/>
@@ -3917,7 +4193,15 @@
       <a:lightRig rig="threePt" dir="t"/>
     </dgm:scene3d>
     <dgm:sp3d/>
-    <dgm:txPr/>
+    <dgm:txPr>
+      <a:bodyPr/>
+      <a:p>
+        <a:pPr>
+          <a:defRPr/>
+        </a:pPr>
+        <a:endParaRPr/>
+      </a:p>
+    </dgm:txPr>
     <dgm:style>
       <a:lnRef idx="2">
         <a:srgbClr val="000000"/>
@@ -3937,7 +4221,15 @@
       <a:lightRig rig="threePt" dir="t"/>
     </dgm:scene3d>
     <dgm:sp3d/>
-    <dgm:txPr/>
+    <dgm:txPr>
+      <a:bodyPr/>
+      <a:p>
+        <a:pPr>
+          <a:defRPr/>
+        </a:pPr>
+        <a:endParaRPr/>
+      </a:p>
+    </dgm:txPr>
     <dgm:style>
       <a:lnRef idx="2">
         <a:srgbClr val="000000"/>
@@ -3957,7 +4249,15 @@
       <a:lightRig rig="threePt" dir="t"/>
     </dgm:scene3d>
     <dgm:sp3d/>
-    <dgm:txPr/>
+    <dgm:txPr>
+      <a:bodyPr/>
+      <a:p>
+        <a:pPr>
+          <a:defRPr/>
+        </a:pPr>
+        <a:endParaRPr/>
+      </a:p>
+    </dgm:txPr>
     <dgm:style>
       <a:lnRef idx="2">
         <a:srgbClr val="000000"/>
@@ -3977,7 +4277,15 @@
       <a:lightRig rig="threePt" dir="t"/>
     </dgm:scene3d>
     <dgm:sp3d/>
-    <dgm:txPr/>
+    <dgm:txPr>
+      <a:bodyPr/>
+      <a:p>
+        <a:pPr>
+          <a:defRPr/>
+        </a:pPr>
+        <a:endParaRPr/>
+      </a:p>
+    </dgm:txPr>
     <dgm:style>
       <a:lnRef idx="2">
         <a:srgbClr val="000000"/>
@@ -3997,7 +4305,15 @@
       <a:lightRig rig="threePt" dir="t"/>
     </dgm:scene3d>
     <dgm:sp3d/>
-    <dgm:txPr/>
+    <dgm:txPr>
+      <a:bodyPr/>
+      <a:p>
+        <a:pPr>
+          <a:defRPr/>
+        </a:pPr>
+        <a:endParaRPr/>
+      </a:p>
+    </dgm:txPr>
     <dgm:style>
       <a:lnRef idx="2">
         <a:srgbClr val="000000"/>
@@ -4017,7 +4333,15 @@
       <a:lightRig rig="threePt" dir="t"/>
     </dgm:scene3d>
     <dgm:sp3d/>
-    <dgm:txPr/>
+    <dgm:txPr>
+      <a:bodyPr/>
+      <a:p>
+        <a:pPr>
+          <a:defRPr/>
+        </a:pPr>
+        <a:endParaRPr/>
+      </a:p>
+    </dgm:txPr>
     <dgm:style>
       <a:lnRef idx="2">
         <a:srgbClr val="000000"/>
@@ -4037,7 +4361,15 @@
       <a:lightRig rig="threePt" dir="t"/>
     </dgm:scene3d>
     <dgm:sp3d/>
-    <dgm:txPr/>
+    <dgm:txPr>
+      <a:bodyPr/>
+      <a:p>
+        <a:pPr>
+          <a:defRPr/>
+        </a:pPr>
+        <a:endParaRPr/>
+      </a:p>
+    </dgm:txPr>
     <dgm:style>
       <a:lnRef idx="2">
         <a:srgbClr val="000000"/>
@@ -4057,7 +4389,15 @@
       <a:lightRig rig="threePt" dir="t"/>
     </dgm:scene3d>
     <dgm:sp3d/>
-    <dgm:txPr/>
+    <dgm:txPr>
+      <a:bodyPr/>
+      <a:p>
+        <a:pPr>
+          <a:defRPr/>
+        </a:pPr>
+        <a:endParaRPr/>
+      </a:p>
+    </dgm:txPr>
     <dgm:style>
       <a:lnRef idx="2">
         <a:srgbClr val="000000"/>
@@ -4077,7 +4417,15 @@
       <a:lightRig rig="threePt" dir="t"/>
     </dgm:scene3d>
     <dgm:sp3d/>
-    <dgm:txPr/>
+    <dgm:txPr>
+      <a:bodyPr/>
+      <a:p>
+        <a:pPr>
+          <a:defRPr/>
+        </a:pPr>
+        <a:endParaRPr/>
+      </a:p>
+    </dgm:txPr>
     <dgm:style>
       <a:lnRef idx="0">
         <a:srgbClr val="000000"/>
@@ -4097,7 +4445,15 @@
       <a:lightRig rig="threePt" dir="t"/>
     </dgm:scene3d>
     <dgm:sp3d/>
-    <dgm:txPr/>
+    <dgm:txPr>
+      <a:bodyPr/>
+      <a:p>
+        <a:pPr>
+          <a:defRPr/>
+        </a:pPr>
+        <a:endParaRPr/>
+      </a:p>
+    </dgm:txPr>
     <dgm:style>
       <a:lnRef idx="0">
         <a:srgbClr val="000000"/>
@@ -4117,7 +4473,15 @@
       <a:lightRig rig="threePt" dir="t"/>
     </dgm:scene3d>
     <dgm:sp3d/>
-    <dgm:txPr/>
+    <dgm:txPr>
+      <a:bodyPr/>
+      <a:p>
+        <a:pPr>
+          <a:defRPr/>
+        </a:pPr>
+        <a:endParaRPr/>
+      </a:p>
+    </dgm:txPr>
     <dgm:style>
       <a:lnRef idx="0">
         <a:srgbClr val="000000"/>
@@ -4137,7 +4501,15 @@
       <a:lightRig rig="threePt" dir="t"/>
     </dgm:scene3d>
     <dgm:sp3d/>
-    <dgm:txPr/>
+    <dgm:txPr>
+      <a:bodyPr/>
+      <a:p>
+        <a:pPr>
+          <a:defRPr/>
+        </a:pPr>
+        <a:endParaRPr/>
+      </a:p>
+    </dgm:txPr>
     <dgm:style>
       <a:lnRef idx="2">
         <a:srgbClr val="000000"/>
@@ -4157,7 +4529,15 @@
       <a:lightRig rig="threePt" dir="t"/>
     </dgm:scene3d>
     <dgm:sp3d/>
-    <dgm:txPr/>
+    <dgm:txPr>
+      <a:bodyPr/>
+      <a:p>
+        <a:pPr>
+          <a:defRPr/>
+        </a:pPr>
+        <a:endParaRPr/>
+      </a:p>
+    </dgm:txPr>
     <dgm:style>
       <a:lnRef idx="0">
         <a:srgbClr val="000000"/>
@@ -4175,7 +4555,7 @@
 </file>
 
 <file path=ppt/slideLayouts/slideLayout1.xml><?xml version="1.0" encoding="utf-8"?>
-<p:sldLayout xmlns:a="http://schemas.openxmlformats.org/drawingml/2006/main" xmlns:r="http://schemas.openxmlformats.org/officeDocument/2006/relationships" xmlns:p="http://schemas.openxmlformats.org/presentationml/2006/main" showMasterPhAnim="0" type="obj" preserve="1" userDrawn="1">
+<p:sldLayout xmlns:a="http://schemas.openxmlformats.org/drawingml/2006/main" xmlns:r="http://schemas.openxmlformats.org/officeDocument/2006/relationships" xmlns:p="http://schemas.openxmlformats.org/presentationml/2006/main" xmlns:m="http://schemas.openxmlformats.org/officeDocument/2006/math" xmlns:w="http://schemas.openxmlformats.org/wordprocessingml/2006/main" matchingName="" preserve="1" showMasterPhAnim="0" type="obj" userDrawn="1">
   <p:cSld name="Title Slide">
     <p:spTree>
       <p:nvGrpSpPr>
@@ -4325,7 +4705,7 @@
             </a:pPr>
             <a:fld id="{1D8BD707-D9CF-40AE-B4C6-C98DA3205C09}" type="datetimeFigureOut">
               <a:rPr lang="en-US"/>
-              <a:t>6/12/2023</a:t>
+              <a:t/>
             </a:fld>
             <a:endParaRPr/>
           </a:p>
@@ -4361,7 +4741,7 @@
             </a:pPr>
             <a:fld id="{B6F15528-21DE-4FAA-801E-634DDDAF4B2B}" type="slidenum">
               <a:rPr/>
-              <a:t>‹#›</a:t>
+              <a:t/>
             </a:fld>
             <a:endParaRPr/>
           </a:p>
@@ -4376,7 +4756,7 @@
 </file>
 
 <file path=ppt/slideLayouts/slideLayout2.xml><?xml version="1.0" encoding="utf-8"?>
-<p:sldLayout xmlns:a="http://schemas.openxmlformats.org/drawingml/2006/main" xmlns:r="http://schemas.openxmlformats.org/officeDocument/2006/relationships" xmlns:p="http://schemas.openxmlformats.org/presentationml/2006/main" showMasterPhAnim="0" type="obj" preserve="1" userDrawn="1">
+<p:sldLayout xmlns:a="http://schemas.openxmlformats.org/drawingml/2006/main" xmlns:r="http://schemas.openxmlformats.org/officeDocument/2006/relationships" xmlns:p="http://schemas.openxmlformats.org/presentationml/2006/main" xmlns:m="http://schemas.openxmlformats.org/officeDocument/2006/math" xmlns:w="http://schemas.openxmlformats.org/wordprocessingml/2006/main" matchingName="" preserve="1" showMasterPhAnim="0" type="obj" userDrawn="1">
   <p:cSld name="Title and Content">
     <p:spTree>
       <p:nvGrpSpPr>
@@ -4512,7 +4892,7 @@
             </a:pPr>
             <a:fld id="{1D8BD707-D9CF-40AE-B4C6-C98DA3205C09}" type="datetimeFigureOut">
               <a:rPr lang="en-US"/>
-              <a:t>6/12/2023</a:t>
+              <a:t/>
             </a:fld>
             <a:endParaRPr/>
           </a:p>
@@ -4548,7 +4928,7 @@
             </a:pPr>
             <a:fld id="{B6F15528-21DE-4FAA-801E-634DDDAF4B2B}" type="slidenum">
               <a:rPr/>
-              <a:t>‹#›</a:t>
+              <a:t/>
             </a:fld>
             <a:endParaRPr/>
           </a:p>
@@ -4563,7 +4943,7 @@
 </file>
 
 <file path=ppt/slideLayouts/slideLayout3.xml><?xml version="1.0" encoding="utf-8"?>
-<p:sldLayout xmlns:a="http://schemas.openxmlformats.org/drawingml/2006/main" xmlns:r="http://schemas.openxmlformats.org/officeDocument/2006/relationships" xmlns:p="http://schemas.openxmlformats.org/presentationml/2006/main" showMasterPhAnim="0" type="obj" preserve="1" userDrawn="1">
+<p:sldLayout xmlns:a="http://schemas.openxmlformats.org/drawingml/2006/main" xmlns:r="http://schemas.openxmlformats.org/officeDocument/2006/relationships" xmlns:p="http://schemas.openxmlformats.org/presentationml/2006/main" xmlns:m="http://schemas.openxmlformats.org/officeDocument/2006/math" xmlns:w="http://schemas.openxmlformats.org/wordprocessingml/2006/main" matchingName="" preserve="1" showMasterPhAnim="0" type="obj" userDrawn="1">
   <p:cSld name="Two Content">
     <p:spTree>
       <p:nvGrpSpPr>
@@ -4745,7 +5125,7 @@
             </a:pPr>
             <a:fld id="{1D8BD707-D9CF-40AE-B4C6-C98DA3205C09}" type="datetimeFigureOut">
               <a:rPr lang="en-US"/>
-              <a:t>6/12/2023</a:t>
+              <a:t/>
             </a:fld>
             <a:endParaRPr/>
           </a:p>
@@ -4781,7 +5161,7 @@
             </a:pPr>
             <a:fld id="{B6F15528-21DE-4FAA-801E-634DDDAF4B2B}" type="slidenum">
               <a:rPr/>
-              <a:t>‹#›</a:t>
+              <a:t/>
             </a:fld>
             <a:endParaRPr/>
           </a:p>
@@ -4796,7 +5176,7 @@
 </file>
 
 <file path=ppt/slideLayouts/slideLayout4.xml><?xml version="1.0" encoding="utf-8"?>
-<p:sldLayout xmlns:a="http://schemas.openxmlformats.org/drawingml/2006/main" xmlns:r="http://schemas.openxmlformats.org/officeDocument/2006/relationships" xmlns:p="http://schemas.openxmlformats.org/presentationml/2006/main" showMasterPhAnim="0" type="obj" preserve="1" userDrawn="1">
+<p:sldLayout xmlns:a="http://schemas.openxmlformats.org/drawingml/2006/main" xmlns:r="http://schemas.openxmlformats.org/officeDocument/2006/relationships" xmlns:p="http://schemas.openxmlformats.org/presentationml/2006/main" xmlns:m="http://schemas.openxmlformats.org/officeDocument/2006/math" xmlns:w="http://schemas.openxmlformats.org/wordprocessingml/2006/main" matchingName="" preserve="1" showMasterPhAnim="0" type="obj" userDrawn="1">
   <p:cSld name="Title Only">
     <p:spTree>
       <p:nvGrpSpPr>
@@ -4906,7 +5286,7 @@
             </a:pPr>
             <a:fld id="{1D8BD707-D9CF-40AE-B4C6-C98DA3205C09}" type="datetimeFigureOut">
               <a:rPr lang="en-US"/>
-              <a:t>6/12/2023</a:t>
+              <a:t/>
             </a:fld>
             <a:endParaRPr/>
           </a:p>
@@ -4942,7 +5322,7 @@
             </a:pPr>
             <a:fld id="{B6F15528-21DE-4FAA-801E-634DDDAF4B2B}" type="slidenum">
               <a:rPr/>
-              <a:t>‹#›</a:t>
+              <a:t/>
             </a:fld>
             <a:endParaRPr/>
           </a:p>
@@ -4957,7 +5337,7 @@
 </file>
 
 <file path=ppt/slideLayouts/slideLayout5.xml><?xml version="1.0" encoding="utf-8"?>
-<p:sldLayout xmlns:a="http://schemas.openxmlformats.org/drawingml/2006/main" xmlns:r="http://schemas.openxmlformats.org/officeDocument/2006/relationships" xmlns:p="http://schemas.openxmlformats.org/presentationml/2006/main" showMasterPhAnim="0" type="obj" preserve="1" userDrawn="1">
+<p:sldLayout xmlns:a="http://schemas.openxmlformats.org/drawingml/2006/main" xmlns:r="http://schemas.openxmlformats.org/officeDocument/2006/relationships" xmlns:p="http://schemas.openxmlformats.org/presentationml/2006/main" xmlns:m="http://schemas.openxmlformats.org/officeDocument/2006/math" xmlns:w="http://schemas.openxmlformats.org/wordprocessingml/2006/main" matchingName="" preserve="1" showMasterPhAnim="0" type="obj" userDrawn="1">
   <p:cSld name="Blank">
     <p:spTree>
       <p:nvGrpSpPr>
@@ -5035,7 +5415,7 @@
             </a:pPr>
             <a:fld id="{1D8BD707-D9CF-40AE-B4C6-C98DA3205C09}" type="datetimeFigureOut">
               <a:rPr lang="en-US"/>
-              <a:t>6/12/2023</a:t>
+              <a:t/>
             </a:fld>
             <a:endParaRPr/>
           </a:p>
@@ -5071,7 +5451,7 @@
             </a:pPr>
             <a:fld id="{B6F15528-21DE-4FAA-801E-634DDDAF4B2B}" type="slidenum">
               <a:rPr/>
-              <a:t>‹#›</a:t>
+              <a:t/>
             </a:fld>
             <a:endParaRPr/>
           </a:p>
@@ -5086,8 +5466,8 @@
 </file>
 
 <file path=ppt/slideMasters/slideMaster1.xml><?xml version="1.0" encoding="utf-8"?>
-<p:sldMaster xmlns:a="http://schemas.openxmlformats.org/drawingml/2006/main" xmlns:r="http://schemas.openxmlformats.org/officeDocument/2006/relationships" xmlns:p="http://schemas.openxmlformats.org/presentationml/2006/main">
-  <p:cSld>
+<p:sldMaster xmlns:a="http://schemas.openxmlformats.org/drawingml/2006/main" xmlns:r="http://schemas.openxmlformats.org/officeDocument/2006/relationships" xmlns:p="http://schemas.openxmlformats.org/presentationml/2006/main" xmlns:m="http://schemas.openxmlformats.org/officeDocument/2006/math" xmlns:w="http://schemas.openxmlformats.org/wordprocessingml/2006/main" preserve="0">
+  <p:cSld name="">
     <p:bg>
       <p:bgRef idx="1001">
         <a:schemeClr val="bg1"/>
@@ -5125,7 +5505,7 @@
             <a:cxnLst/>
             <a:rect l="l" t="t" r="r" b="b"/>
             <a:pathLst>
-              <a:path w="9944100" h="5591175" extrusionOk="0">
+              <a:path w="9944100" h="5591175" fill="norm" stroke="1" extrusionOk="0">
                 <a:moveTo>
                   <a:pt x="9732199" y="5591174"/>
                 </a:moveTo>
@@ -5419,7 +5799,7 @@
             </a:pPr>
             <a:fld id="{1D8BD707-D9CF-40AE-B4C6-C98DA3205C09}" type="datetimeFigureOut">
               <a:rPr lang="en-US"/>
-              <a:t>6/12/2023</a:t>
+              <a:t/>
             </a:fld>
             <a:endParaRPr/>
           </a:p>
@@ -5465,7 +5845,7 @@
             </a:pPr>
             <a:fld id="{B6F15528-21DE-4FAA-801E-634DDDAF4B2B}" type="slidenum">
               <a:rPr/>
-              <a:t>‹#›</a:t>
+              <a:t/>
             </a:fld>
             <a:endParaRPr/>
           </a:p>
@@ -5481,7 +5861,7 @@
     <p:sldLayoutId id="2147483652" r:id="rId4"/>
     <p:sldLayoutId id="2147483653" r:id="rId5"/>
   </p:sldLayoutIdLst>
-  <p:hf hdr="0" ftr="0" dt="0"/>
+  <p:hf dt="0" ftr="0" hdr="0" sldNum="1"/>
   <p:txStyles>
     <p:titleStyle>
       <a:lvl1pPr>
@@ -5627,8 +6007,8 @@
 </file>
 
 <file path=ppt/slides/slide1.xml><?xml version="1.0" encoding="utf-8"?>
-<p:sld xmlns:a="http://schemas.openxmlformats.org/drawingml/2006/main" xmlns:r="http://schemas.openxmlformats.org/officeDocument/2006/relationships" xmlns:p="http://schemas.openxmlformats.org/presentationml/2006/main" showMasterSp="0" showMasterPhAnim="0">
-  <p:cSld>
+<p:sld xmlns:a="http://schemas.openxmlformats.org/drawingml/2006/main" xmlns:r="http://schemas.openxmlformats.org/officeDocument/2006/relationships" xmlns:p="http://schemas.openxmlformats.org/presentationml/2006/main" xmlns:m="http://schemas.openxmlformats.org/officeDocument/2006/math" xmlns:w="http://schemas.openxmlformats.org/wordprocessingml/2006/main" showMasterPhAnim="0" showMasterSp="0" show="1">
+  <p:cSld name="">
     <p:spTree>
       <p:nvGrpSpPr>
         <p:cNvPr id="1" name=""/>
@@ -6012,12 +6392,20 @@
   <p:clrMapOvr>
     <a:masterClrMapping/>
   </p:clrMapOvr>
+  <mc:AlternateContent xmlns:mc="http://schemas.openxmlformats.org/markup-compatibility/2006">
+    <mc:Choice xmlns:p14="http://schemas.microsoft.com/office/powerpoint/2010/main" Requires="p14">
+      <p:transition p14:dur="2000" advClick="1"/>
+    </mc:Choice>
+    <mc:Fallback>
+      <p:transition advClick="1"/>
+    </mc:Fallback>
+  </mc:AlternateContent>
 </p:sld>
 </file>
 
 <file path=ppt/slides/slide10.xml><?xml version="1.0" encoding="utf-8"?>
-<p:sld xmlns:a="http://schemas.openxmlformats.org/drawingml/2006/main" xmlns:r="http://schemas.openxmlformats.org/officeDocument/2006/relationships" xmlns:p="http://schemas.openxmlformats.org/presentationml/2006/main" showMasterSp="0" showMasterPhAnim="0">
-  <p:cSld>
+<p:sld xmlns:a="http://schemas.openxmlformats.org/drawingml/2006/main" xmlns:r="http://schemas.openxmlformats.org/officeDocument/2006/relationships" xmlns:p="http://schemas.openxmlformats.org/presentationml/2006/main" xmlns:m="http://schemas.openxmlformats.org/officeDocument/2006/math" xmlns:w="http://schemas.openxmlformats.org/wordprocessingml/2006/main" showMasterPhAnim="0" showMasterSp="0" show="1">
+  <p:cSld name="">
     <p:spTree>
       <p:nvGrpSpPr>
         <p:cNvPr id="1" name=""/>
@@ -6132,7 +6520,7 @@
               <a:defRPr/>
             </a:pPr>
             <a:r>
-              <a:rPr lang="uk-UA" sz="1800" b="0" i="0" u="none" strike="noStrike" cap="none" spc="0" dirty="0">
+              <a:rPr lang="uk-UA" sz="1800" b="0" i="0" u="none" strike="noStrike" cap="none" spc="0">
                 <a:solidFill>
                   <a:srgbClr val="000000"/>
                 </a:solidFill>
@@ -6142,7 +6530,7 @@
               <a:t>Було розроблено </a:t>
             </a:r>
             <a:r>
-              <a:rPr lang="ru-RU" sz="1800" b="0" i="0" u="none" strike="noStrike" cap="none" spc="0" dirty="0" err="1">
+              <a:rPr lang="ru-RU" sz="1800" b="0" i="0" u="none" strike="noStrike" cap="none" spc="0">
                 <a:solidFill>
                   <a:srgbClr val="000000"/>
                 </a:solidFill>
@@ -6152,7 +6540,7 @@
               <a:t>масштабовану</a:t>
             </a:r>
             <a:r>
-              <a:rPr lang="ru-RU" sz="1800" b="0" i="0" u="none" strike="noStrike" cap="none" spc="0" dirty="0">
+              <a:rPr lang="ru-RU" sz="1800" b="0" i="0" u="none" strike="noStrike" cap="none" spc="0">
                 <a:solidFill>
                   <a:srgbClr val="000000"/>
                 </a:solidFill>
@@ -6162,7 +6550,7 @@
               <a:t> та </a:t>
             </a:r>
             <a:r>
-              <a:rPr lang="ru-RU" sz="1800" b="0" i="0" u="none" strike="noStrike" cap="none" spc="0" dirty="0" err="1">
+              <a:rPr lang="ru-RU" sz="1800" b="0" i="0" u="none" strike="noStrike" cap="none" spc="0">
                 <a:solidFill>
                   <a:srgbClr val="000000"/>
                 </a:solidFill>
@@ -6172,7 +6560,7 @@
               <a:t>ефективну</a:t>
             </a:r>
             <a:r>
-              <a:rPr lang="uk-UA" sz="1800" b="0" i="0" u="none" strike="noStrike" cap="none" spc="0" dirty="0">
+              <a:rPr lang="uk-UA" sz="1800" b="0" i="0" u="none" strike="noStrike" cap="none" spc="0">
                 <a:solidFill>
                   <a:srgbClr val="000000"/>
                 </a:solidFill>
@@ -6182,7 +6570,7 @@
               <a:t> систему блокчейн, яка вирішує ключові проблеми існуючих технологій. Досягнуто значного скорочення затримки транзакцій та споживання енергії, досягли значних успіхів у масштабуванні та зберегли тверду прихильність до децентралізації. Завдяки інноваційному гібридному механізму консенсусу та дизайну мережі </a:t>
             </a:r>
             <a:r>
-              <a:rPr lang="uk-UA" sz="1800" b="0" i="0" u="none" strike="noStrike" cap="none" spc="0" dirty="0" err="1">
+              <a:rPr lang="uk-UA" sz="1800" b="0" i="0" u="none" strike="noStrike" cap="none" spc="0">
                 <a:solidFill>
                   <a:srgbClr val="000000"/>
                 </a:solidFill>
@@ -6192,7 +6580,7 @@
               <a:t>продемонструвано</a:t>
             </a:r>
             <a:r>
-              <a:rPr lang="uk-UA" sz="1800" b="0" i="0" u="none" strike="noStrike" cap="none" spc="0" dirty="0">
+              <a:rPr lang="uk-UA" sz="1800" b="0" i="0" u="none" strike="noStrike" cap="none" spc="0">
                 <a:solidFill>
                   <a:srgbClr val="000000"/>
                 </a:solidFill>
@@ -6201,7 +6589,7 @@
               </a:rPr>
               <a:t>, що можна створити ефективний та інклюзивний блокчейн. Потенціал цієї технології та закладає міцний фундамент для майбутніх досягнень у цій галузі.</a:t>
             </a:r>
-            <a:endParaRPr sz="1800" dirty="0">
+            <a:endParaRPr sz="1800">
               <a:latin typeface="Times New Roman"/>
               <a:cs typeface="Times New Roman"/>
             </a:endParaRPr>
@@ -6305,7 +6693,7 @@
                 <a:latin typeface="Times New Roman"/>
                 <a:cs typeface="Times New Roman"/>
               </a:rPr>
-              <a:t>10</a:t>
+              <a:t/>
             </a:fld>
             <a:endParaRPr>
               <a:latin typeface="Times New Roman"/>
@@ -6373,12 +6761,20 @@
   <p:clrMapOvr>
     <a:masterClrMapping/>
   </p:clrMapOvr>
+  <mc:AlternateContent xmlns:mc="http://schemas.openxmlformats.org/markup-compatibility/2006">
+    <mc:Choice xmlns:p14="http://schemas.microsoft.com/office/powerpoint/2010/main" Requires="p14">
+      <p:transition p14:dur="2000" advClick="1"/>
+    </mc:Choice>
+    <mc:Fallback>
+      <p:transition advClick="1"/>
+    </mc:Fallback>
+  </mc:AlternateContent>
 </p:sld>
 </file>
 
 <file path=ppt/slides/slide2.xml><?xml version="1.0" encoding="utf-8"?>
-<p:sld xmlns:a="http://schemas.openxmlformats.org/drawingml/2006/main" xmlns:r="http://schemas.openxmlformats.org/officeDocument/2006/relationships" xmlns:p="http://schemas.openxmlformats.org/presentationml/2006/main" showMasterSp="0" showMasterPhAnim="0">
-  <p:cSld>
+<p:sld xmlns:a="http://schemas.openxmlformats.org/drawingml/2006/main" xmlns:r="http://schemas.openxmlformats.org/officeDocument/2006/relationships" xmlns:p="http://schemas.openxmlformats.org/presentationml/2006/main" xmlns:m="http://schemas.openxmlformats.org/officeDocument/2006/math" xmlns:w="http://schemas.openxmlformats.org/wordprocessingml/2006/main" showMasterPhAnim="0" showMasterSp="0" show="1">
+  <p:cSld name="">
     <p:spTree>
       <p:nvGrpSpPr>
         <p:cNvPr id="1" name=""/>
@@ -6466,7 +6862,7 @@
               <a:defRPr/>
             </a:pPr>
             <a:r>
-              <a:rPr lang="ru-RU" sz="1800" b="0" i="0" u="none" strike="noStrike" cap="none" spc="0" dirty="0">
+              <a:rPr lang="ru-RU" sz="1800" b="0" i="0" u="none" strike="noStrike" cap="none" spc="0">
                 <a:solidFill>
                   <a:srgbClr val="000000"/>
                 </a:solidFill>
@@ -6476,7 +6872,7 @@
               <a:t>Метою </a:t>
             </a:r>
             <a:r>
-              <a:rPr lang="ru-RU" sz="1800" b="0" i="0" u="none" strike="noStrike" cap="none" spc="0" dirty="0" err="1">
+              <a:rPr lang="ru-RU" sz="1800" b="0" i="0" u="none" strike="noStrike" cap="none" spc="0">
                 <a:solidFill>
                   <a:srgbClr val="000000"/>
                 </a:solidFill>
@@ -6486,7 +6882,7 @@
               <a:t>цієї</a:t>
             </a:r>
             <a:r>
-              <a:rPr lang="ru-RU" sz="1800" b="0" i="0" u="none" strike="noStrike" cap="none" spc="0" dirty="0">
+              <a:rPr lang="ru-RU" sz="1800" b="0" i="0" u="none" strike="noStrike" cap="none" spc="0">
                 <a:solidFill>
                   <a:srgbClr val="000000"/>
                 </a:solidFill>
@@ -6496,7 +6892,7 @@
               <a:t> </a:t>
             </a:r>
             <a:r>
-              <a:rPr lang="ru-RU" sz="1800" b="0" i="0" u="none" strike="noStrike" cap="none" spc="0" dirty="0" err="1">
+              <a:rPr lang="ru-RU" sz="1800" b="0" i="0" u="none" strike="noStrike" cap="none" spc="0">
                 <a:solidFill>
                   <a:srgbClr val="000000"/>
                 </a:solidFill>
@@ -6506,7 +6902,7 @@
               <a:t>курсової</a:t>
             </a:r>
             <a:r>
-              <a:rPr lang="ru-RU" sz="1800" b="0" i="0" u="none" strike="noStrike" cap="none" spc="0" dirty="0">
+              <a:rPr lang="ru-RU" sz="1800" b="0" i="0" u="none" strike="noStrike" cap="none" spc="0">
                 <a:solidFill>
                   <a:srgbClr val="000000"/>
                 </a:solidFill>
@@ -6516,7 +6912,7 @@
               <a:t> </a:t>
             </a:r>
             <a:r>
-              <a:rPr lang="ru-RU" sz="1800" b="0" i="0" u="none" strike="noStrike" cap="none" spc="0" dirty="0" err="1">
+              <a:rPr lang="ru-RU" sz="1800" b="0" i="0" u="none" strike="noStrike" cap="none" spc="0">
                 <a:solidFill>
                   <a:srgbClr val="000000"/>
                 </a:solidFill>
@@ -6526,7 +6922,7 @@
               <a:t>роботи</a:t>
             </a:r>
             <a:r>
-              <a:rPr lang="ru-RU" sz="1800" b="0" i="0" u="none" strike="noStrike" cap="none" spc="0" dirty="0">
+              <a:rPr lang="ru-RU" sz="1800" b="0" i="0" u="none" strike="noStrike" cap="none" spc="0">
                 <a:solidFill>
                   <a:srgbClr val="000000"/>
                 </a:solidFill>
@@ -6536,7 +6932,7 @@
               <a:t> є </a:t>
             </a:r>
             <a:r>
-              <a:rPr lang="ru-RU" sz="1800" b="0" i="0" u="none" strike="noStrike" cap="none" spc="0" dirty="0" err="1">
+              <a:rPr lang="ru-RU" sz="1800" b="0" i="0" u="none" strike="noStrike" cap="none" spc="0">
                 <a:solidFill>
                   <a:srgbClr val="000000"/>
                 </a:solidFill>
@@ -6546,7 +6942,7 @@
               <a:t>розробка</a:t>
             </a:r>
             <a:r>
-              <a:rPr lang="ru-RU" sz="1800" b="0" i="0" u="none" strike="noStrike" cap="none" spc="0" dirty="0">
+              <a:rPr lang="ru-RU" sz="1800" b="0" i="0" u="none" strike="noStrike" cap="none" spc="0">
                 <a:solidFill>
                   <a:srgbClr val="000000"/>
                 </a:solidFill>
@@ -6556,7 +6952,7 @@
               <a:t> </a:t>
             </a:r>
             <a:r>
-              <a:rPr lang="ru-RU" sz="1800" b="0" i="0" u="none" strike="noStrike" cap="none" spc="0" dirty="0" err="1">
+              <a:rPr lang="ru-RU" sz="1800" b="0" i="0" u="none" strike="noStrike" cap="none" spc="0">
                 <a:solidFill>
                   <a:srgbClr val="000000"/>
                 </a:solidFill>
@@ -6566,7 +6962,7 @@
               <a:t>масштабованої</a:t>
             </a:r>
             <a:r>
-              <a:rPr lang="ru-RU" sz="1800" b="0" i="0" u="none" strike="noStrike" cap="none" spc="0" dirty="0">
+              <a:rPr lang="ru-RU" sz="1800" b="0" i="0" u="none" strike="noStrike" cap="none" spc="0">
                 <a:solidFill>
                   <a:srgbClr val="000000"/>
                 </a:solidFill>
@@ -6576,7 +6972,7 @@
               <a:t> та </a:t>
             </a:r>
             <a:r>
-              <a:rPr lang="ru-RU" sz="1800" b="0" i="0" u="none" strike="noStrike" cap="none" spc="0" dirty="0" err="1">
+              <a:rPr lang="ru-RU" sz="1800" b="0" i="0" u="none" strike="noStrike" cap="none" spc="0">
                 <a:solidFill>
                   <a:srgbClr val="000000"/>
                 </a:solidFill>
@@ -6586,7 +6982,7 @@
               <a:t>ефективної</a:t>
             </a:r>
             <a:r>
-              <a:rPr lang="ru-RU" sz="1800" b="0" i="0" u="none" strike="noStrike" cap="none" spc="0" dirty="0">
+              <a:rPr lang="ru-RU" sz="1800" b="0" i="0" u="none" strike="noStrike" cap="none" spc="0">
                 <a:solidFill>
                   <a:srgbClr val="000000"/>
                 </a:solidFill>
@@ -6596,7 +6992,7 @@
               <a:t> блокчейн-</a:t>
             </a:r>
             <a:r>
-              <a:rPr lang="ru-RU" sz="1800" b="0" i="0" u="none" strike="noStrike" cap="none" spc="0" dirty="0" err="1">
+              <a:rPr lang="ru-RU" sz="1800" b="0" i="0" u="none" strike="noStrike" cap="none" spc="0">
                 <a:solidFill>
                   <a:srgbClr val="000000"/>
                 </a:solidFill>
@@ -6606,7 +7002,7 @@
               <a:t>системи</a:t>
             </a:r>
             <a:r>
-              <a:rPr lang="ru-RU" sz="1800" b="0" i="0" u="none" strike="noStrike" cap="none" spc="0" dirty="0">
+              <a:rPr lang="ru-RU" sz="1800" b="0" i="0" u="none" strike="noStrike" cap="none" spc="0">
                 <a:solidFill>
                   <a:srgbClr val="000000"/>
                 </a:solidFill>
@@ -6616,7 +7012,7 @@
               <a:t>, яка </a:t>
             </a:r>
             <a:r>
-              <a:rPr lang="ru-RU" sz="1800" b="0" i="0" u="none" strike="noStrike" cap="none" spc="0" dirty="0" err="1">
+              <a:rPr lang="ru-RU" sz="1800" b="0" i="0" u="none" strike="noStrike" cap="none" spc="0">
                 <a:solidFill>
                   <a:srgbClr val="000000"/>
                 </a:solidFill>
@@ -6626,7 +7022,7 @@
               <a:t>має</a:t>
             </a:r>
             <a:r>
-              <a:rPr lang="ru-RU" sz="1800" b="0" i="0" u="none" strike="noStrike" cap="none" spc="0" dirty="0">
+              <a:rPr lang="ru-RU" sz="1800" b="0" i="0" u="none" strike="noStrike" cap="none" spc="0">
                 <a:solidFill>
                   <a:srgbClr val="000000"/>
                 </a:solidFill>
@@ -6636,7 +7032,7 @@
               <a:t> на </a:t>
             </a:r>
             <a:r>
-              <a:rPr lang="ru-RU" sz="1800" b="0" i="0" u="none" strike="noStrike" cap="none" spc="0" dirty="0" err="1">
+              <a:rPr lang="ru-RU" sz="1800" b="0" i="0" u="none" strike="noStrike" cap="none" spc="0">
                 <a:solidFill>
                   <a:srgbClr val="000000"/>
                 </a:solidFill>
@@ -6646,7 +7042,7 @@
               <a:t>меті</a:t>
             </a:r>
             <a:r>
-              <a:rPr lang="ru-RU" sz="1800" b="0" i="0" u="none" strike="noStrike" cap="none" spc="0" dirty="0">
+              <a:rPr lang="ru-RU" sz="1800" b="0" i="0" u="none" strike="noStrike" cap="none" spc="0">
                 <a:solidFill>
                   <a:srgbClr val="000000"/>
                 </a:solidFill>
@@ -6656,7 +7052,7 @@
               <a:t> </a:t>
             </a:r>
             <a:r>
-              <a:rPr lang="ru-RU" sz="1800" b="0" i="0" u="none" strike="noStrike" cap="none" spc="0" dirty="0" err="1">
+              <a:rPr lang="ru-RU" sz="1800" b="0" i="0" u="none" strike="noStrike" cap="none" spc="0">
                 <a:solidFill>
                   <a:srgbClr val="000000"/>
                 </a:solidFill>
@@ -6666,7 +7062,7 @@
               <a:t>зменшити</a:t>
             </a:r>
             <a:r>
-              <a:rPr lang="ru-RU" sz="1800" b="0" i="0" u="none" strike="noStrike" cap="none" spc="0" dirty="0">
+              <a:rPr lang="ru-RU" sz="1800" b="0" i="0" u="none" strike="noStrike" cap="none" spc="0">
                 <a:solidFill>
                   <a:srgbClr val="000000"/>
                 </a:solidFill>
@@ -6676,7 +7072,7 @@
               <a:t> </a:t>
             </a:r>
             <a:r>
-              <a:rPr lang="ru-RU" sz="1800" b="0" i="0" u="none" strike="noStrike" cap="none" spc="0" dirty="0" err="1">
+              <a:rPr lang="ru-RU" sz="1800" b="0" i="0" u="none" strike="noStrike" cap="none" spc="0">
                 <a:solidFill>
                   <a:srgbClr val="000000"/>
                 </a:solidFill>
@@ -6686,7 +7082,7 @@
               <a:t>затримку</a:t>
             </a:r>
             <a:r>
-              <a:rPr lang="ru-RU" sz="1800" b="0" i="0" u="none" strike="noStrike" cap="none" spc="0" dirty="0">
+              <a:rPr lang="ru-RU" sz="1800" b="0" i="0" u="none" strike="noStrike" cap="none" spc="0">
                 <a:solidFill>
                   <a:srgbClr val="000000"/>
                 </a:solidFill>
@@ -6696,7 +7092,7 @@
               <a:t> </a:t>
             </a:r>
             <a:r>
-              <a:rPr lang="ru-RU" sz="1800" b="0" i="0" u="none" strike="noStrike" cap="none" spc="0" dirty="0" err="1">
+              <a:rPr lang="ru-RU" sz="1800" b="0" i="0" u="none" strike="noStrike" cap="none" spc="0">
                 <a:solidFill>
                   <a:srgbClr val="000000"/>
                 </a:solidFill>
@@ -6706,7 +7102,7 @@
               <a:t>транзакцій</a:t>
             </a:r>
             <a:r>
-              <a:rPr lang="ru-RU" sz="1800" b="0" i="0" u="none" strike="noStrike" cap="none" spc="0" dirty="0">
+              <a:rPr lang="ru-RU" sz="1800" b="0" i="0" u="none" strike="noStrike" cap="none" spc="0">
                 <a:solidFill>
                   <a:srgbClr val="000000"/>
                 </a:solidFill>
@@ -6716,7 +7112,7 @@
               <a:t>, </a:t>
             </a:r>
             <a:r>
-              <a:rPr lang="ru-RU" sz="1800" b="0" i="0" u="none" strike="noStrike" cap="none" spc="0" dirty="0" err="1">
+              <a:rPr lang="ru-RU" sz="1800" b="0" i="0" u="none" strike="noStrike" cap="none" spc="0">
                 <a:solidFill>
                   <a:srgbClr val="000000"/>
                 </a:solidFill>
@@ -6726,7 +7122,7 @@
               <a:t>мінімізувати</a:t>
             </a:r>
             <a:r>
-              <a:rPr lang="ru-RU" sz="1800" b="0" i="0" u="none" strike="noStrike" cap="none" spc="0" dirty="0">
+              <a:rPr lang="ru-RU" sz="1800" b="0" i="0" u="none" strike="noStrike" cap="none" spc="0">
                 <a:solidFill>
                   <a:srgbClr val="000000"/>
                 </a:solidFill>
@@ -6736,7 +7132,7 @@
               <a:t> </a:t>
             </a:r>
             <a:r>
-              <a:rPr lang="ru-RU" sz="1800" b="0" i="0" u="none" strike="noStrike" cap="none" spc="0" dirty="0" err="1">
+              <a:rPr lang="ru-RU" sz="1800" b="0" i="0" u="none" strike="noStrike" cap="none" spc="0">
                 <a:solidFill>
                   <a:srgbClr val="000000"/>
                 </a:solidFill>
@@ -6746,7 +7142,7 @@
               <a:t>споживання</a:t>
             </a:r>
             <a:r>
-              <a:rPr lang="ru-RU" sz="1800" b="0" i="0" u="none" strike="noStrike" cap="none" spc="0" dirty="0">
+              <a:rPr lang="ru-RU" sz="1800" b="0" i="0" u="none" strike="noStrike" cap="none" spc="0">
                 <a:solidFill>
                   <a:srgbClr val="000000"/>
                 </a:solidFill>
@@ -6756,7 +7152,7 @@
               <a:t> </a:t>
             </a:r>
             <a:r>
-              <a:rPr lang="ru-RU" sz="1800" b="0" i="0" u="none" strike="noStrike" cap="none" spc="0" dirty="0" err="1">
+              <a:rPr lang="ru-RU" sz="1800" b="0" i="0" u="none" strike="noStrike" cap="none" spc="0">
                 <a:solidFill>
                   <a:srgbClr val="000000"/>
                 </a:solidFill>
@@ -6766,7 +7162,7 @@
               <a:t>енергії</a:t>
             </a:r>
             <a:r>
-              <a:rPr lang="ru-RU" sz="1800" b="0" i="0" u="none" strike="noStrike" cap="none" spc="0" dirty="0">
+              <a:rPr lang="ru-RU" sz="1800" b="0" i="0" u="none" strike="noStrike" cap="none" spc="0">
                 <a:solidFill>
                   <a:srgbClr val="000000"/>
                 </a:solidFill>
@@ -6776,7 +7172,7 @@
               <a:t>, </a:t>
             </a:r>
             <a:r>
-              <a:rPr lang="ru-RU" sz="1800" b="0" i="0" u="none" strike="noStrike" cap="none" spc="0" dirty="0" err="1">
+              <a:rPr lang="ru-RU" sz="1800" b="0" i="0" u="none" strike="noStrike" cap="none" spc="0">
                 <a:solidFill>
                   <a:srgbClr val="000000"/>
                 </a:solidFill>
@@ -6786,7 +7182,7 @@
               <a:t>зменшити</a:t>
             </a:r>
             <a:r>
-              <a:rPr lang="ru-RU" sz="1800" b="0" i="0" u="none" strike="noStrike" cap="none" spc="0" dirty="0">
+              <a:rPr lang="ru-RU" sz="1800" b="0" i="0" u="none" strike="noStrike" cap="none" spc="0">
                 <a:solidFill>
                   <a:srgbClr val="000000"/>
                 </a:solidFill>
@@ -6796,7 +7192,7 @@
               <a:t> </a:t>
             </a:r>
             <a:r>
-              <a:rPr lang="ru-RU" sz="1800" b="0" i="0" u="none" strike="noStrike" cap="none" spc="0" dirty="0" err="1">
+              <a:rPr lang="ru-RU" sz="1800" b="0" i="0" u="none" strike="noStrike" cap="none" spc="0">
                 <a:solidFill>
                   <a:srgbClr val="000000"/>
                 </a:solidFill>
@@ -6806,7 +7202,7 @@
               <a:t>ризики</a:t>
             </a:r>
             <a:r>
-              <a:rPr lang="ru-RU" sz="1800" b="0" i="0" u="none" strike="noStrike" cap="none" spc="0" dirty="0">
+              <a:rPr lang="ru-RU" sz="1800" b="0" i="0" u="none" strike="noStrike" cap="none" spc="0">
                 <a:solidFill>
                   <a:srgbClr val="000000"/>
                 </a:solidFill>
@@ -6816,7 +7212,7 @@
               <a:t> </a:t>
             </a:r>
             <a:r>
-              <a:rPr lang="ru-RU" sz="1800" b="0" i="0" u="none" strike="noStrike" cap="none" spc="0" dirty="0" err="1">
+              <a:rPr lang="ru-RU" sz="1800" b="0" i="0" u="none" strike="noStrike" cap="none" spc="0">
                 <a:solidFill>
                   <a:srgbClr val="000000"/>
                 </a:solidFill>
@@ -6826,7 +7222,7 @@
               <a:t>централізації</a:t>
             </a:r>
             <a:r>
-              <a:rPr lang="ru-RU" sz="1800" b="0" i="0" u="none" strike="noStrike" cap="none" spc="0" dirty="0">
+              <a:rPr lang="ru-RU" sz="1800" b="0" i="0" u="none" strike="noStrike" cap="none" spc="0">
                 <a:solidFill>
                   <a:srgbClr val="000000"/>
                 </a:solidFill>
@@ -6836,7 +7232,7 @@
               <a:t> та </a:t>
             </a:r>
             <a:r>
-              <a:rPr lang="ru-RU" sz="1800" b="0" i="0" u="none" strike="noStrike" cap="none" spc="0" dirty="0" err="1">
+              <a:rPr lang="ru-RU" sz="1800" b="0" i="0" u="none" strike="noStrike" cap="none" spc="0">
                 <a:solidFill>
                   <a:srgbClr val="000000"/>
                 </a:solidFill>
@@ -6846,7 +7242,7 @@
               <a:t>знизити</a:t>
             </a:r>
             <a:r>
-              <a:rPr lang="ru-RU" sz="1800" b="0" i="0" u="none" strike="noStrike" cap="none" spc="0" dirty="0">
+              <a:rPr lang="ru-RU" sz="1800" b="0" i="0" u="none" strike="noStrike" cap="none" spc="0">
                 <a:solidFill>
                   <a:srgbClr val="000000"/>
                 </a:solidFill>
@@ -6856,7 +7252,7 @@
               <a:t> </a:t>
             </a:r>
             <a:r>
-              <a:rPr lang="ru-RU" sz="1800" b="0" i="0" u="none" strike="noStrike" cap="none" spc="0" dirty="0" err="1">
+              <a:rPr lang="ru-RU" sz="1800" b="0" i="0" u="none" strike="noStrike" cap="none" spc="0">
                 <a:solidFill>
                   <a:srgbClr val="000000"/>
                 </a:solidFill>
@@ -6866,7 +7262,7 @@
               <a:t>високі</a:t>
             </a:r>
             <a:r>
-              <a:rPr lang="ru-RU" sz="1800" b="0" i="0" u="none" strike="noStrike" cap="none" spc="0" dirty="0">
+              <a:rPr lang="ru-RU" sz="1800" b="0" i="0" u="none" strike="noStrike" cap="none" spc="0">
                 <a:solidFill>
                   <a:srgbClr val="000000"/>
                 </a:solidFill>
@@ -6876,7 +7272,7 @@
               <a:t> </a:t>
             </a:r>
             <a:r>
-              <a:rPr lang="ru-RU" sz="1800" b="0" i="0" u="none" strike="noStrike" cap="none" spc="0" dirty="0" err="1">
+              <a:rPr lang="ru-RU" sz="1800" b="0" i="0" u="none" strike="noStrike" cap="none" spc="0">
                 <a:solidFill>
                   <a:srgbClr val="000000"/>
                 </a:solidFill>
@@ -6886,7 +7282,7 @@
               <a:t>комісії</a:t>
             </a:r>
             <a:r>
-              <a:rPr lang="ru-RU" sz="1800" b="0" i="0" u="none" strike="noStrike" cap="none" spc="0" dirty="0">
+              <a:rPr lang="ru-RU" sz="1800" b="0" i="0" u="none" strike="noStrike" cap="none" spc="0">
                 <a:solidFill>
                   <a:srgbClr val="000000"/>
                 </a:solidFill>
@@ -6896,7 +7292,7 @@
               <a:t> за </a:t>
             </a:r>
             <a:r>
-              <a:rPr lang="ru-RU" sz="1800" b="0" i="0" u="none" strike="noStrike" cap="none" spc="0" dirty="0" err="1">
+              <a:rPr lang="ru-RU" sz="1800" b="0" i="0" u="none" strike="noStrike" cap="none" spc="0">
                 <a:solidFill>
                   <a:srgbClr val="000000"/>
                 </a:solidFill>
@@ -6906,7 +7302,7 @@
               <a:t>транзакції</a:t>
             </a:r>
             <a:r>
-              <a:rPr lang="ru-RU" sz="1800" b="0" i="0" u="none" strike="noStrike" cap="none" spc="0" dirty="0">
+              <a:rPr lang="ru-RU" sz="1800" b="0" i="0" u="none" strike="noStrike" cap="none" spc="0">
                 <a:solidFill>
                   <a:srgbClr val="000000"/>
                 </a:solidFill>
@@ -6916,7 +7312,7 @@
               <a:t>. </a:t>
             </a:r>
             <a:r>
-              <a:rPr lang="ru-RU" sz="1800" b="0" i="0" u="none" strike="noStrike" cap="none" spc="0" dirty="0" err="1">
+              <a:rPr lang="ru-RU" sz="1800" b="0" i="0" u="none" strike="noStrike" cap="none" spc="0">
                 <a:solidFill>
                   <a:srgbClr val="000000"/>
                 </a:solidFill>
@@ -6926,7 +7322,7 @@
               <a:t>Значна</a:t>
             </a:r>
             <a:r>
-              <a:rPr lang="ru-RU" sz="1800" b="0" i="0" u="none" strike="noStrike" cap="none" spc="0" dirty="0">
+              <a:rPr lang="ru-RU" sz="1800" b="0" i="0" u="none" strike="noStrike" cap="none" spc="0">
                 <a:solidFill>
                   <a:srgbClr val="000000"/>
                 </a:solidFill>
@@ -6936,7 +7332,7 @@
               <a:t> </a:t>
             </a:r>
             <a:r>
-              <a:rPr lang="ru-RU" sz="1800" b="0" i="0" u="none" strike="noStrike" cap="none" spc="0" dirty="0" err="1">
+              <a:rPr lang="ru-RU" sz="1800" b="0" i="0" u="none" strike="noStrike" cap="none" spc="0">
                 <a:solidFill>
                   <a:srgbClr val="000000"/>
                 </a:solidFill>
@@ -6946,7 +7342,7 @@
               <a:t>увага</a:t>
             </a:r>
             <a:r>
-              <a:rPr lang="ru-RU" sz="1800" b="0" i="0" u="none" strike="noStrike" cap="none" spc="0" dirty="0">
+              <a:rPr lang="ru-RU" sz="1800" b="0" i="0" u="none" strike="noStrike" cap="none" spc="0">
                 <a:solidFill>
                   <a:srgbClr val="000000"/>
                 </a:solidFill>
@@ -6956,7 +7352,7 @@
               <a:t> </a:t>
             </a:r>
             <a:r>
-              <a:rPr lang="ru-RU" sz="1800" b="0" i="0" u="none" strike="noStrike" cap="none" spc="0" dirty="0" err="1">
+              <a:rPr lang="ru-RU" sz="1800" b="0" i="0" u="none" strike="noStrike" cap="none" spc="0">
                 <a:solidFill>
                   <a:srgbClr val="000000"/>
                 </a:solidFill>
@@ -6966,7 +7362,7 @@
               <a:t>приділяється</a:t>
             </a:r>
             <a:r>
-              <a:rPr lang="ru-RU" sz="1800" b="0" i="0" u="none" strike="noStrike" cap="none" spc="0" dirty="0">
+              <a:rPr lang="ru-RU" sz="1800" b="0" i="0" u="none" strike="noStrike" cap="none" spc="0">
                 <a:solidFill>
                   <a:srgbClr val="000000"/>
                 </a:solidFill>
@@ -6976,7 +7372,7 @@
               <a:t> </a:t>
             </a:r>
             <a:r>
-              <a:rPr lang="ru-RU" sz="1800" b="0" i="0" u="none" strike="noStrike" cap="none" spc="0" dirty="0" err="1">
+              <a:rPr lang="ru-RU" sz="1800" b="0" i="0" u="none" strike="noStrike" cap="none" spc="0">
                 <a:solidFill>
                   <a:srgbClr val="000000"/>
                 </a:solidFill>
@@ -6986,7 +7382,7 @@
               <a:t>створенню</a:t>
             </a:r>
             <a:r>
-              <a:rPr lang="ru-RU" sz="1800" b="0" i="0" u="none" strike="noStrike" cap="none" spc="0" dirty="0">
+              <a:rPr lang="ru-RU" sz="1800" b="0" i="0" u="none" strike="noStrike" cap="none" spc="0">
                 <a:solidFill>
                   <a:srgbClr val="000000"/>
                 </a:solidFill>
@@ -6996,7 +7392,7 @@
               <a:t> </a:t>
             </a:r>
             <a:r>
-              <a:rPr lang="ru-RU" sz="1800" b="0" i="0" u="none" strike="noStrike" cap="none" spc="0" dirty="0" err="1">
+              <a:rPr lang="ru-RU" sz="1800" b="0" i="0" u="none" strike="noStrike" cap="none" spc="0">
                 <a:solidFill>
                   <a:srgbClr val="000000"/>
                 </a:solidFill>
@@ -7006,7 +7402,7 @@
               <a:t>екологічно</a:t>
             </a:r>
             <a:r>
-              <a:rPr lang="ru-RU" sz="1800" b="0" i="0" u="none" strike="noStrike" cap="none" spc="0" dirty="0">
+              <a:rPr lang="ru-RU" sz="1800" b="0" i="0" u="none" strike="noStrike" cap="none" spc="0">
                 <a:solidFill>
                   <a:srgbClr val="000000"/>
                 </a:solidFill>
@@ -7016,7 +7412,7 @@
               <a:t> </a:t>
             </a:r>
             <a:r>
-              <a:rPr lang="ru-RU" sz="1800" b="0" i="0" u="none" strike="noStrike" cap="none" spc="0" dirty="0" err="1">
+              <a:rPr lang="ru-RU" sz="1800" b="0" i="0" u="none" strike="noStrike" cap="none" spc="0">
                 <a:solidFill>
                   <a:srgbClr val="000000"/>
                 </a:solidFill>
@@ -7026,7 +7422,7 @@
               <a:t>чистої</a:t>
             </a:r>
             <a:r>
-              <a:rPr lang="ru-RU" sz="1800" b="0" i="0" u="none" strike="noStrike" cap="none" spc="0" dirty="0">
+              <a:rPr lang="ru-RU" sz="1800" b="0" i="0" u="none" strike="noStrike" cap="none" spc="0">
                 <a:solidFill>
                   <a:srgbClr val="000000"/>
                 </a:solidFill>
@@ -7036,7 +7432,7 @@
               <a:t> та </a:t>
             </a:r>
             <a:r>
-              <a:rPr lang="ru-RU" sz="1800" b="0" i="0" u="none" strike="noStrike" cap="none" spc="0" dirty="0" err="1">
+              <a:rPr lang="ru-RU" sz="1800" b="0" i="0" u="none" strike="noStrike" cap="none" spc="0">
                 <a:solidFill>
                   <a:srgbClr val="000000"/>
                 </a:solidFill>
@@ -7046,7 +7442,7 @@
               <a:t>демократичної</a:t>
             </a:r>
             <a:r>
-              <a:rPr lang="ru-RU" sz="1800" b="0" i="0" u="none" strike="noStrike" cap="none" spc="0" dirty="0">
+              <a:rPr lang="ru-RU" sz="1800" b="0" i="0" u="none" strike="noStrike" cap="none" spc="0">
                 <a:solidFill>
                   <a:srgbClr val="000000"/>
                 </a:solidFill>
@@ -7056,7 +7452,7 @@
               <a:t> блокчейн-</a:t>
             </a:r>
             <a:r>
-              <a:rPr lang="ru-RU" sz="1800" b="0" i="0" u="none" strike="noStrike" cap="none" spc="0" dirty="0" err="1">
+              <a:rPr lang="ru-RU" sz="1800" b="0" i="0" u="none" strike="noStrike" cap="none" spc="0">
                 <a:solidFill>
                   <a:srgbClr val="000000"/>
                 </a:solidFill>
@@ -7066,7 +7462,7 @@
               <a:t>мережі</a:t>
             </a:r>
             <a:r>
-              <a:rPr lang="ru-RU" sz="1800" b="0" i="0" u="none" strike="noStrike" cap="none" spc="0" dirty="0">
+              <a:rPr lang="ru-RU" sz="1800" b="0" i="0" u="none" strike="noStrike" cap="none" spc="0">
                 <a:solidFill>
                   <a:srgbClr val="000000"/>
                 </a:solidFill>
@@ -7076,7 +7472,7 @@
               <a:t>, яка </a:t>
             </a:r>
             <a:r>
-              <a:rPr lang="ru-RU" sz="1800" b="0" i="0" u="none" strike="noStrike" cap="none" spc="0" dirty="0" err="1">
+              <a:rPr lang="ru-RU" sz="1800" b="0" i="0" u="none" strike="noStrike" cap="none" spc="0">
                 <a:solidFill>
                   <a:srgbClr val="000000"/>
                 </a:solidFill>
@@ -7086,7 +7482,7 @@
               <a:t>працює</a:t>
             </a:r>
             <a:r>
-              <a:rPr lang="ru-RU" sz="1800" b="0" i="0" u="none" strike="noStrike" cap="none" spc="0" dirty="0">
+              <a:rPr lang="ru-RU" sz="1800" b="0" i="0" u="none" strike="noStrike" cap="none" spc="0">
                 <a:solidFill>
                   <a:srgbClr val="000000"/>
                 </a:solidFill>
@@ -7096,7 +7492,7 @@
               <a:t> в </a:t>
             </a:r>
             <a:r>
-              <a:rPr lang="ru-RU" sz="1800" b="0" i="0" u="none" strike="noStrike" cap="none" spc="0" dirty="0" err="1">
+              <a:rPr lang="ru-RU" sz="1800" b="0" i="0" u="none" strike="noStrike" cap="none" spc="0">
                 <a:solidFill>
                   <a:srgbClr val="000000"/>
                 </a:solidFill>
@@ -7106,7 +7502,7 @@
               <a:t>режимі</a:t>
             </a:r>
             <a:r>
-              <a:rPr lang="ru-RU" sz="1800" b="0" i="0" u="none" strike="noStrike" cap="none" spc="0" dirty="0">
+              <a:rPr lang="ru-RU" sz="1800" b="0" i="0" u="none" strike="noStrike" cap="none" spc="0">
                 <a:solidFill>
                   <a:srgbClr val="000000"/>
                 </a:solidFill>
@@ -7116,7 +7512,7 @@
               <a:t> реального часу і </a:t>
             </a:r>
             <a:r>
-              <a:rPr lang="ru-RU" sz="1800" b="0" i="0" u="none" strike="noStrike" cap="none" spc="0" dirty="0" err="1">
+              <a:rPr lang="ru-RU" sz="1800" b="0" i="0" u="none" strike="noStrike" cap="none" spc="0">
                 <a:solidFill>
                   <a:srgbClr val="000000"/>
                 </a:solidFill>
@@ -7126,7 +7522,7 @@
               <a:t>підходить</a:t>
             </a:r>
             <a:r>
-              <a:rPr lang="ru-RU" sz="1800" b="0" i="0" u="none" strike="noStrike" cap="none" spc="0" dirty="0">
+              <a:rPr lang="ru-RU" sz="1800" b="0" i="0" u="none" strike="noStrike" cap="none" spc="0">
                 <a:solidFill>
                   <a:srgbClr val="000000"/>
                 </a:solidFill>
@@ -7136,7 +7532,7 @@
               <a:t> для </a:t>
             </a:r>
             <a:r>
-              <a:rPr lang="ru-RU" sz="1800" b="0" i="0" u="none" strike="noStrike" cap="none" spc="0" dirty="0" err="1">
+              <a:rPr lang="ru-RU" sz="1800" b="0" i="0" u="none" strike="noStrike" cap="none" spc="0">
                 <a:solidFill>
                   <a:srgbClr val="000000"/>
                 </a:solidFill>
@@ -7146,7 +7542,7 @@
               <a:t>повсякденної</a:t>
             </a:r>
             <a:r>
-              <a:rPr lang="ru-RU" sz="1800" b="0" i="0" u="none" strike="noStrike" cap="none" spc="0" dirty="0">
+              <a:rPr lang="ru-RU" sz="1800" b="0" i="0" u="none" strike="noStrike" cap="none" spc="0">
                 <a:solidFill>
                   <a:srgbClr val="000000"/>
                 </a:solidFill>
@@ -7156,7 +7552,7 @@
               <a:t> </a:t>
             </a:r>
             <a:r>
-              <a:rPr lang="ru-RU" sz="1800" b="0" i="0" u="none" strike="noStrike" cap="none" spc="0" dirty="0" err="1">
+              <a:rPr lang="ru-RU" sz="1800" b="0" i="0" u="none" strike="noStrike" cap="none" spc="0">
                 <a:solidFill>
                   <a:srgbClr val="000000"/>
                 </a:solidFill>
@@ -7166,7 +7562,7 @@
               <a:t>комерційної</a:t>
             </a:r>
             <a:r>
-              <a:rPr lang="ru-RU" sz="1800" b="0" i="0" u="none" strike="noStrike" cap="none" spc="0" dirty="0">
+              <a:rPr lang="ru-RU" sz="1800" b="0" i="0" u="none" strike="noStrike" cap="none" spc="0">
                 <a:solidFill>
                   <a:srgbClr val="000000"/>
                 </a:solidFill>
@@ -7176,7 +7572,7 @@
               <a:t> </a:t>
             </a:r>
             <a:r>
-              <a:rPr lang="ru-RU" sz="1800" b="0" i="0" u="none" strike="noStrike" cap="none" spc="0" dirty="0" err="1">
+              <a:rPr lang="ru-RU" sz="1800" b="0" i="0" u="none" strike="noStrike" cap="none" spc="0">
                 <a:solidFill>
                   <a:srgbClr val="000000"/>
                 </a:solidFill>
@@ -7186,7 +7582,7 @@
               <a:t>діяльності</a:t>
             </a:r>
             <a:r>
-              <a:rPr lang="ru-RU" sz="1800" b="0" i="0" u="none" strike="noStrike" cap="none" spc="0" dirty="0">
+              <a:rPr lang="ru-RU" sz="1800" b="0" i="0" u="none" strike="noStrike" cap="none" spc="0">
                 <a:solidFill>
                   <a:srgbClr val="000000"/>
                 </a:solidFill>
@@ -7195,7 +7591,7 @@
               </a:rPr>
               <a:t>.</a:t>
             </a:r>
-            <a:endParaRPr sz="1800" dirty="0">
+            <a:endParaRPr sz="1800">
               <a:latin typeface="Times New Roman"/>
               <a:cs typeface="Times New Roman"/>
             </a:endParaRPr>
@@ -7237,7 +7633,7 @@
             </a:pPr>
             <a:fld id="{800E96F8-DC0B-3B60-9520-15C92079DBC9}" type="slidenum">
               <a:rPr sz="2800"/>
-              <a:t>2</a:t>
+              <a:t/>
             </a:fld>
             <a:endParaRPr/>
           </a:p>
@@ -7379,12 +7775,20 @@
   <p:clrMapOvr>
     <a:masterClrMapping/>
   </p:clrMapOvr>
+  <mc:AlternateContent xmlns:mc="http://schemas.openxmlformats.org/markup-compatibility/2006">
+    <mc:Choice xmlns:p14="http://schemas.microsoft.com/office/powerpoint/2010/main" Requires="p14">
+      <p:transition p14:dur="2000" advClick="1"/>
+    </mc:Choice>
+    <mc:Fallback>
+      <p:transition advClick="1"/>
+    </mc:Fallback>
+  </mc:AlternateContent>
 </p:sld>
 </file>
 
 <file path=ppt/slides/slide3.xml><?xml version="1.0" encoding="utf-8"?>
-<p:sld xmlns:a="http://schemas.openxmlformats.org/drawingml/2006/main" xmlns:r="http://schemas.openxmlformats.org/officeDocument/2006/relationships" xmlns:p="http://schemas.openxmlformats.org/presentationml/2006/main" showMasterSp="0" showMasterPhAnim="0">
-  <p:cSld>
+<p:sld xmlns:a="http://schemas.openxmlformats.org/drawingml/2006/main" xmlns:r="http://schemas.openxmlformats.org/officeDocument/2006/relationships" xmlns:p="http://schemas.openxmlformats.org/presentationml/2006/main" xmlns:m="http://schemas.openxmlformats.org/officeDocument/2006/math" xmlns:w="http://schemas.openxmlformats.org/wordprocessingml/2006/main" showMasterPhAnim="0" showMasterSp="0" show="1">
+  <p:cSld name="">
     <p:spTree>
       <p:nvGrpSpPr>
         <p:cNvPr id="1" name=""/>
@@ -7411,7 +7815,7 @@
         </p:nvSpPr>
         <p:spPr bwMode="auto">
           <a:xfrm>
-            <a:off x="4724400" y="767980"/>
+            <a:off x="4724399" y="767980"/>
             <a:ext cx="2510122" cy="381993"/>
           </a:xfrm>
           <a:prstGeom prst="rect">
@@ -7434,7 +7838,7 @@
               <a:defRPr/>
             </a:pPr>
             <a:r>
-              <a:rPr lang="ru-RU" sz="2800" spc="-10" dirty="0" err="1">
+              <a:rPr lang="ru-RU" sz="2800" spc="-10">
                 <a:solidFill>
                   <a:schemeClr val="tx1"/>
                 </a:solidFill>
@@ -7442,22 +7846,22 @@
               <a:t>Задачі</a:t>
             </a:r>
             <a:r>
-              <a:rPr lang="ru-RU" sz="2800" spc="-10" dirty="0">
-                <a:solidFill>
-                  <a:schemeClr val="tx1"/>
-                </a:solidFill>
-              </a:rPr>
-              <a:t> </a:t>
-            </a:r>
-            <a:r>
-              <a:rPr lang="ru-RU" sz="2800" spc="-10" dirty="0" err="1">
+              <a:rPr lang="ru-RU" sz="2800" spc="-10">
+                <a:solidFill>
+                  <a:schemeClr val="tx1"/>
+                </a:solidFill>
+              </a:rPr>
+              <a:t> </a:t>
+            </a:r>
+            <a:r>
+              <a:rPr lang="ru-RU" sz="2800" spc="-10">
                 <a:solidFill>
                   <a:schemeClr val="tx1"/>
                 </a:solidFill>
               </a:rPr>
               <a:t>роботи</a:t>
             </a:r>
-            <a:endParaRPr lang="ru-RU" sz="2800" dirty="0">
+            <a:endParaRPr lang="ru-RU" sz="2800">
               <a:solidFill>
                 <a:schemeClr val="tx1"/>
               </a:solidFill>
@@ -7559,7 +7963,7 @@
             </a:pPr>
             <a:fld id="{20263524-D5DE-1C53-E1D9-127239483711}" type="slidenum">
               <a:rPr sz="2800"/>
-              <a:t>3</a:t>
+              <a:t/>
             </a:fld>
             <a:endParaRPr/>
           </a:p>
@@ -7610,7 +8014,7 @@
         <p:nvGraphicFramePr>
           <p:cNvPr id="79125462" name="Content Placeholder 2"/>
           <p:cNvGraphicFramePr>
-            <a:graphicFrameLocks noGrp="1"/>
+            <a:graphicFrameLocks xmlns:a="http://schemas.openxmlformats.org/drawingml/2006/main" noGrp="1"/>
           </p:cNvGraphicFramePr>
           <p:nvPr>
             <p:ph idx="1"/>
@@ -7619,32 +8023,31 @@
         <p:xfrm>
           <a:off x="1141149" y="2250901"/>
           <a:ext cx="9905999" cy="4082074"/>
+          <a:chOff x="0" y="0"/>
+          <a:chExt cx="9905999" cy="4082074"/>
         </p:xfrm>
         <a:graphic>
           <a:graphicData uri="http://schemas.openxmlformats.org/drawingml/2006/diagram">
-            <dgm:relIds xmlns:dgm="http://schemas.openxmlformats.org/drawingml/2006/diagram" xmlns:r="http://schemas.openxmlformats.org/officeDocument/2006/relationships" r:dm="rId2" r:lo="rId3" r:qs="rId4" r:cs="rId5"/>
+            <dgm:relIds xmlns:dgm="http://schemas.openxmlformats.org/drawingml/2006/diagram" xmlns:r="http://schemas.openxmlformats.org/officeDocument/2006/relationships" r:dm="rId2" r:lo="rId5" r:qs="rId6" r:cs="rId4"/>
           </a:graphicData>
         </a:graphic>
       </p:graphicFrame>
       <p:sp>
         <p:nvSpPr>
-          <p:cNvPr id="7" name="Стрелка: вниз 6">
-            <a:extLst>
-              <a:ext uri="{FF2B5EF4-FFF2-40B4-BE49-F238E27FC236}">
-                <a16:creationId xmlns:a16="http://schemas.microsoft.com/office/drawing/2014/main" id="{4AFFC3C2-F1E6-4C5D-99E3-B8DD46E45B46}"/>
-              </a:ext>
-            </a:extLst>
-          </p:cNvPr>
+          <p:cNvPr id="7" name="Стрелка: вниз 6"/>
           <p:cNvSpPr/>
           <p:nvPr/>
         </p:nvSpPr>
-        <p:spPr>
+        <p:spPr bwMode="auto">
           <a:xfrm>
             <a:off x="5791200" y="1365031"/>
             <a:ext cx="304800" cy="857777"/>
           </a:xfrm>
           <a:prstGeom prst="downArrow">
-            <a:avLst/>
+            <a:avLst>
+              <a:gd name="adj1" fmla="val 50000"/>
+              <a:gd name="adj2" fmla="val 50000"/>
+            </a:avLst>
           </a:prstGeom>
           <a:solidFill>
             <a:schemeClr val="bg1"/>
@@ -7675,20 +8078,16 @@
           <a:bodyPr rtlCol="0" anchor="ctr"/>
           <a:lstStyle/>
           <a:p>
-            <a:pPr algn="ctr"/>
+            <a:pPr algn="ctr">
+              <a:defRPr/>
+            </a:pPr>
             <a:endParaRPr lang="ru-RU"/>
           </a:p>
         </p:txBody>
       </p:sp>
       <p:sp>
         <p:nvSpPr>
-          <p:cNvPr id="12" name="Стрелка: вниз 11">
-            <a:extLst>
-              <a:ext uri="{FF2B5EF4-FFF2-40B4-BE49-F238E27FC236}">
-                <a16:creationId xmlns:a16="http://schemas.microsoft.com/office/drawing/2014/main" id="{3FA9CB23-5D76-499C-8AE4-E0F43904AAD3}"/>
-              </a:ext>
-            </a:extLst>
-          </p:cNvPr>
+          <p:cNvPr id="12" name="Стрелка: вниз 11"/>
           <p:cNvSpPr/>
           <p:nvPr/>
         </p:nvSpPr>
@@ -7732,8 +8131,10 @@
           <a:bodyPr rtlCol="0" anchor="ctr"/>
           <a:lstStyle/>
           <a:p>
-            <a:pPr algn="ctr"/>
-            <a:endParaRPr lang="ru-RU" dirty="0">
+            <a:pPr algn="ctr">
+              <a:defRPr/>
+            </a:pPr>
+            <a:endParaRPr lang="ru-RU">
               <a:solidFill>
                 <a:schemeClr val="tx1"/>
               </a:solidFill>
@@ -7743,20 +8144,14 @@
       </p:sp>
       <p:sp>
         <p:nvSpPr>
-          <p:cNvPr id="13" name="Стрелка: вниз 12">
-            <a:extLst>
-              <a:ext uri="{FF2B5EF4-FFF2-40B4-BE49-F238E27FC236}">
-                <a16:creationId xmlns:a16="http://schemas.microsoft.com/office/drawing/2014/main" id="{2D814714-4BDD-46BF-A514-FFC8D0FA8B89}"/>
-              </a:ext>
-            </a:extLst>
-          </p:cNvPr>
+          <p:cNvPr id="13" name="Стрелка: вниз 12"/>
           <p:cNvSpPr/>
           <p:nvPr/>
         </p:nvSpPr>
         <p:spPr bwMode="auto">
           <a:xfrm rot="1638248">
             <a:off x="4363995" y="1325328"/>
-            <a:ext cx="304800" cy="876395"/>
+            <a:ext cx="304800" cy="876394"/>
           </a:xfrm>
           <a:prstGeom prst="downArrow">
             <a:avLst>
@@ -7793,7 +8188,9 @@
           <a:bodyPr rtlCol="0" anchor="ctr"/>
           <a:lstStyle/>
           <a:p>
-            <a:pPr algn="ctr"/>
+            <a:pPr algn="ctr">
+              <a:defRPr/>
+            </a:pPr>
             <a:endParaRPr lang="ru-RU"/>
           </a:p>
         </p:txBody>
@@ -7803,12 +8200,20 @@
   <p:clrMapOvr>
     <a:masterClrMapping/>
   </p:clrMapOvr>
+  <mc:AlternateContent xmlns:mc="http://schemas.openxmlformats.org/markup-compatibility/2006">
+    <mc:Choice xmlns:p14="http://schemas.microsoft.com/office/powerpoint/2010/main" Requires="p14">
+      <p:transition p14:dur="2000" advClick="1"/>
+    </mc:Choice>
+    <mc:Fallback>
+      <p:transition advClick="1"/>
+    </mc:Fallback>
+  </mc:AlternateContent>
 </p:sld>
 </file>
 
 <file path=ppt/slides/slide4.xml><?xml version="1.0" encoding="utf-8"?>
-<p:sld xmlns:a="http://schemas.openxmlformats.org/drawingml/2006/main" xmlns:r="http://schemas.openxmlformats.org/officeDocument/2006/relationships" xmlns:p="http://schemas.openxmlformats.org/presentationml/2006/main" showMasterSp="0" showMasterPhAnim="0">
-  <p:cSld>
+<p:sld xmlns:a="http://schemas.openxmlformats.org/drawingml/2006/main" xmlns:r="http://schemas.openxmlformats.org/officeDocument/2006/relationships" xmlns:p="http://schemas.openxmlformats.org/presentationml/2006/main" xmlns:m="http://schemas.openxmlformats.org/officeDocument/2006/math" xmlns:w="http://schemas.openxmlformats.org/wordprocessingml/2006/main" showMasterPhAnim="0" showMasterSp="0" show="1">
+  <p:cSld name="">
     <p:spTree>
       <p:nvGrpSpPr>
         <p:cNvPr id="1" name=""/>
@@ -8477,7 +8882,7 @@
             </a:pPr>
             <a:fld id="{E30B309A-D4E2-0742-10D1-CF203A329559}" type="slidenum">
               <a:rPr sz="2800"/>
-              <a:t>4</a:t>
+              <a:t/>
             </a:fld>
             <a:endParaRPr/>
           </a:p>
@@ -8551,12 +8956,20 @@
   <p:clrMapOvr>
     <a:masterClrMapping/>
   </p:clrMapOvr>
+  <mc:AlternateContent xmlns:mc="http://schemas.openxmlformats.org/markup-compatibility/2006">
+    <mc:Choice xmlns:p14="http://schemas.microsoft.com/office/powerpoint/2010/main" Requires="p14">
+      <p:transition p14:dur="2000" advClick="1"/>
+    </mc:Choice>
+    <mc:Fallback>
+      <p:transition advClick="1"/>
+    </mc:Fallback>
+  </mc:AlternateContent>
 </p:sld>
 </file>
 
 <file path=ppt/slides/slide5.xml><?xml version="1.0" encoding="utf-8"?>
-<p:sld xmlns:a="http://schemas.openxmlformats.org/drawingml/2006/main" xmlns:r="http://schemas.openxmlformats.org/officeDocument/2006/relationships" xmlns:p="http://schemas.openxmlformats.org/presentationml/2006/main" showMasterSp="0" showMasterPhAnim="0">
-  <p:cSld>
+<p:sld xmlns:a="http://schemas.openxmlformats.org/drawingml/2006/main" xmlns:r="http://schemas.openxmlformats.org/officeDocument/2006/relationships" xmlns:p="http://schemas.openxmlformats.org/presentationml/2006/main" xmlns:m="http://schemas.openxmlformats.org/officeDocument/2006/math" xmlns:w="http://schemas.openxmlformats.org/wordprocessingml/2006/main" showMasterPhAnim="0" showMasterSp="0" show="1">
+  <p:cSld name="">
     <p:spTree>
       <p:nvGrpSpPr>
         <p:cNvPr id="1" name=""/>
@@ -8689,8 +9102,8 @@
         </p:nvSpPr>
         <p:spPr bwMode="auto">
           <a:xfrm>
-            <a:off x="422322" y="974423"/>
-            <a:ext cx="5526971" cy="5082121"/>
+            <a:off x="422321" y="974422"/>
+            <a:ext cx="5527690" cy="5078022"/>
           </a:xfrm>
           <a:prstGeom prst="rect">
             <a:avLst/>
@@ -9614,30 +10027,50 @@
                 <a:solidFill>
                   <a:schemeClr val="tx1"/>
                 </a:solidFill>
+                <a:latin typeface="Times New Roman"/>
+                <a:cs typeface="Times New Roman"/>
+              </a:rPr>
+              <a:t>(</a:t>
+            </a:r>
+            <a:r>
+              <a:rPr sz="1800" spc="69">
+                <a:solidFill>
+                  <a:schemeClr val="tx1"/>
+                </a:solidFill>
+                <a:latin typeface="Times New Roman"/>
+                <a:cs typeface="Times New Roman"/>
+              </a:rPr>
+              <a:t>dA</a:t>
+            </a:r>
+            <a:r>
+              <a:rPr sz="1800" spc="70">
+                <a:solidFill>
+                  <a:schemeClr val="tx1"/>
+                </a:solidFill>
+                <a:latin typeface="Times New Roman"/>
+                <a:cs typeface="Times New Roman"/>
+              </a:rPr>
+              <a:t>pps</a:t>
+            </a:r>
+            <a:r>
+              <a:rPr sz="1800" spc="70">
+                <a:solidFill>
+                  <a:schemeClr val="tx1"/>
+                </a:solidFill>
+                <a:latin typeface="Times New Roman"/>
+                <a:cs typeface="Times New Roman"/>
+              </a:rPr>
+              <a:t>)</a:t>
+            </a:r>
+            <a:r>
+              <a:rPr sz="1800" spc="69">
+                <a:solidFill>
+                  <a:schemeClr val="tx1"/>
+                </a:solidFill>
                 <a:latin typeface="Microsoft Sans Serif"/>
                 <a:cs typeface="Microsoft Sans Serif"/>
               </a:rPr>
-              <a:t>(dA</a:t>
-            </a:r>
-            <a:r>
-              <a:rPr sz="1800" spc="70">
-                <a:solidFill>
-                  <a:schemeClr val="tx1"/>
-                </a:solidFill>
-                <a:latin typeface="Lucida Sans Unicode"/>
-                <a:cs typeface="Lucida Sans Unicode"/>
-              </a:rPr>
-              <a:t>pps</a:t>
-            </a:r>
-            <a:r>
-              <a:rPr sz="1800" spc="70">
-                <a:solidFill>
-                  <a:schemeClr val="tx1"/>
-                </a:solidFill>
-                <a:latin typeface="Microsoft Sans Serif"/>
-                <a:cs typeface="Microsoft Sans Serif"/>
-              </a:rPr>
-              <a:t>), </a:t>
+              <a:t>, </a:t>
             </a:r>
             <a:r>
               <a:rPr sz="1800" spc="5">
@@ -9873,7 +10306,7 @@
             </a:pPr>
             <a:fld id="{E5FBD778-7CD5-EE5E-0148-5519B145FB9C}" type="slidenum">
               <a:rPr sz="2800"/>
-              <a:t>5</a:t>
+              <a:t/>
             </a:fld>
             <a:endParaRPr/>
           </a:p>
@@ -9953,12 +10386,20 @@
   <p:clrMapOvr>
     <a:masterClrMapping/>
   </p:clrMapOvr>
+  <mc:AlternateContent xmlns:mc="http://schemas.openxmlformats.org/markup-compatibility/2006">
+    <mc:Choice xmlns:p14="http://schemas.microsoft.com/office/powerpoint/2010/main" Requires="p14">
+      <p:transition p14:dur="2000" advClick="1"/>
+    </mc:Choice>
+    <mc:Fallback>
+      <p:transition advClick="1"/>
+    </mc:Fallback>
+  </mc:AlternateContent>
 </p:sld>
 </file>
 
 <file path=ppt/slides/slide6.xml><?xml version="1.0" encoding="utf-8"?>
-<p:sld xmlns:a="http://schemas.openxmlformats.org/drawingml/2006/main" xmlns:r="http://schemas.openxmlformats.org/officeDocument/2006/relationships" xmlns:p="http://schemas.openxmlformats.org/presentationml/2006/main" showMasterSp="0" showMasterPhAnim="0">
-  <p:cSld>
+<p:sld xmlns:a="http://schemas.openxmlformats.org/drawingml/2006/main" xmlns:r="http://schemas.openxmlformats.org/officeDocument/2006/relationships" xmlns:p="http://schemas.openxmlformats.org/presentationml/2006/main" xmlns:m="http://schemas.openxmlformats.org/officeDocument/2006/math" xmlns:w="http://schemas.openxmlformats.org/wordprocessingml/2006/main" showMasterPhAnim="0" showMasterSp="0" show="1">
+  <p:cSld name="">
     <p:spTree>
       <p:nvGrpSpPr>
         <p:cNvPr id="1" name=""/>
@@ -10074,7 +10515,7 @@
               <a:defRPr/>
             </a:pPr>
             <a:r>
-              <a:rPr sz="1800" spc="5" dirty="0" err="1">
+              <a:rPr sz="1800" spc="5">
                 <a:solidFill>
                   <a:schemeClr val="tx1"/>
                 </a:solidFill>
@@ -10084,17 +10525,17 @@
               <a:t>Архітектура</a:t>
             </a:r>
             <a:r>
-              <a:rPr sz="1800" spc="5" dirty="0">
-                <a:solidFill>
-                  <a:schemeClr val="tx1"/>
-                </a:solidFill>
-                <a:latin typeface="Times New Roman"/>
-                <a:cs typeface="Times New Roman"/>
-              </a:rPr>
-              <a:t> </a:t>
-            </a:r>
-            <a:r>
-              <a:rPr sz="1800" spc="5" dirty="0" err="1">
+              <a:rPr sz="1800" spc="5">
+                <a:solidFill>
+                  <a:schemeClr val="tx1"/>
+                </a:solidFill>
+                <a:latin typeface="Times New Roman"/>
+                <a:cs typeface="Times New Roman"/>
+              </a:rPr>
+              <a:t> </a:t>
+            </a:r>
+            <a:r>
+              <a:rPr sz="1800" spc="5">
                 <a:solidFill>
                   <a:schemeClr val="tx1"/>
                 </a:solidFill>
@@ -10104,17 +10545,17 @@
               <a:t>програмного</a:t>
             </a:r>
             <a:r>
-              <a:rPr sz="1800" spc="5" dirty="0">
-                <a:solidFill>
-                  <a:schemeClr val="tx1"/>
-                </a:solidFill>
-                <a:latin typeface="Times New Roman"/>
-                <a:cs typeface="Times New Roman"/>
-              </a:rPr>
-              <a:t> </a:t>
-            </a:r>
-            <a:r>
-              <a:rPr sz="1800" spc="5" dirty="0" err="1">
+              <a:rPr sz="1800" spc="5">
+                <a:solidFill>
+                  <a:schemeClr val="tx1"/>
+                </a:solidFill>
+                <a:latin typeface="Times New Roman"/>
+                <a:cs typeface="Times New Roman"/>
+              </a:rPr>
+              <a:t> </a:t>
+            </a:r>
+            <a:r>
+              <a:rPr sz="1800" spc="5">
                 <a:solidFill>
                   <a:schemeClr val="tx1"/>
                 </a:solidFill>
@@ -10124,17 +10565,17 @@
               <a:t>забезпечення</a:t>
             </a:r>
             <a:r>
-              <a:rPr sz="1800" spc="5" dirty="0">
-                <a:solidFill>
-                  <a:schemeClr val="tx1"/>
-                </a:solidFill>
-                <a:latin typeface="Times New Roman"/>
-                <a:cs typeface="Times New Roman"/>
-              </a:rPr>
-              <a:t> </a:t>
-            </a:r>
-            <a:r>
-              <a:rPr sz="1800" spc="10" dirty="0" err="1">
+              <a:rPr sz="1800" spc="5">
+                <a:solidFill>
+                  <a:schemeClr val="tx1"/>
+                </a:solidFill>
+                <a:latin typeface="Times New Roman"/>
+                <a:cs typeface="Times New Roman"/>
+              </a:rPr>
+              <a:t> </a:t>
+            </a:r>
+            <a:r>
+              <a:rPr sz="1800" spc="10">
                 <a:solidFill>
                   <a:schemeClr val="tx1"/>
                 </a:solidFill>
@@ -10144,27 +10585,27 @@
               <a:t>системи</a:t>
             </a:r>
             <a:r>
-              <a:rPr sz="1800" spc="10" dirty="0">
-                <a:solidFill>
-                  <a:schemeClr val="tx1"/>
-                </a:solidFill>
-                <a:latin typeface="Times New Roman"/>
-                <a:cs typeface="Times New Roman"/>
-              </a:rPr>
-              <a:t> </a:t>
-            </a:r>
-            <a:r>
-              <a:rPr sz="1800" spc="15" dirty="0">
-                <a:solidFill>
-                  <a:schemeClr val="tx1"/>
-                </a:solidFill>
-                <a:latin typeface="Times New Roman"/>
-                <a:cs typeface="Times New Roman"/>
-              </a:rPr>
-              <a:t> </a:t>
-            </a:r>
-            <a:r>
-              <a:rPr sz="1800" spc="10" dirty="0" err="1">
+              <a:rPr sz="1800" spc="10">
+                <a:solidFill>
+                  <a:schemeClr val="tx1"/>
+                </a:solidFill>
+                <a:latin typeface="Times New Roman"/>
+                <a:cs typeface="Times New Roman"/>
+              </a:rPr>
+              <a:t> </a:t>
+            </a:r>
+            <a:r>
+              <a:rPr sz="1800" spc="15">
+                <a:solidFill>
+                  <a:schemeClr val="tx1"/>
+                </a:solidFill>
+                <a:latin typeface="Times New Roman"/>
+                <a:cs typeface="Times New Roman"/>
+              </a:rPr>
+              <a:t> </a:t>
+            </a:r>
+            <a:r>
+              <a:rPr sz="1800" spc="10">
                 <a:solidFill>
                   <a:schemeClr val="tx1"/>
                 </a:solidFill>
@@ -10174,17 +10615,17 @@
               <a:t>електронних</a:t>
             </a:r>
             <a:r>
-              <a:rPr sz="1800" spc="10" dirty="0">
-                <a:solidFill>
-                  <a:schemeClr val="tx1"/>
-                </a:solidFill>
-                <a:latin typeface="Times New Roman"/>
-                <a:cs typeface="Times New Roman"/>
-              </a:rPr>
-              <a:t> </a:t>
-            </a:r>
-            <a:r>
-              <a:rPr sz="1800" spc="5" dirty="0" err="1">
+              <a:rPr sz="1800" spc="10">
+                <a:solidFill>
+                  <a:schemeClr val="tx1"/>
+                </a:solidFill>
+                <a:latin typeface="Times New Roman"/>
+                <a:cs typeface="Times New Roman"/>
+              </a:rPr>
+              <a:t> </a:t>
+            </a:r>
+            <a:r>
+              <a:rPr sz="1800" spc="5">
                 <a:solidFill>
                   <a:schemeClr val="tx1"/>
                 </a:solidFill>
@@ -10194,17 +10635,17 @@
               <a:t>платежів</a:t>
             </a:r>
             <a:r>
-              <a:rPr sz="1800" spc="5" dirty="0">
-                <a:solidFill>
-                  <a:schemeClr val="tx1"/>
-                </a:solidFill>
-                <a:latin typeface="Times New Roman"/>
-                <a:cs typeface="Times New Roman"/>
-              </a:rPr>
-              <a:t> </a:t>
-            </a:r>
-            <a:r>
-              <a:rPr sz="1800" spc="10" dirty="0" err="1">
+              <a:rPr sz="1800" spc="5">
+                <a:solidFill>
+                  <a:schemeClr val="tx1"/>
+                </a:solidFill>
+                <a:latin typeface="Times New Roman"/>
+                <a:cs typeface="Times New Roman"/>
+              </a:rPr>
+              <a:t> </a:t>
+            </a:r>
+            <a:r>
+              <a:rPr sz="1800" spc="10">
                 <a:solidFill>
                   <a:schemeClr val="tx1"/>
                 </a:solidFill>
@@ -10214,17 +10655,17 @@
               <a:t>на</a:t>
             </a:r>
             <a:r>
-              <a:rPr sz="1800" spc="10" dirty="0">
-                <a:solidFill>
-                  <a:schemeClr val="tx1"/>
-                </a:solidFill>
-                <a:latin typeface="Times New Roman"/>
-                <a:cs typeface="Times New Roman"/>
-              </a:rPr>
-              <a:t> </a:t>
-            </a:r>
-            <a:r>
-              <a:rPr sz="1800" spc="15" dirty="0" err="1">
+              <a:rPr sz="1800" spc="10">
+                <a:solidFill>
+                  <a:schemeClr val="tx1"/>
+                </a:solidFill>
+                <a:latin typeface="Times New Roman"/>
+                <a:cs typeface="Times New Roman"/>
+              </a:rPr>
+              <a:t> </a:t>
+            </a:r>
+            <a:r>
+              <a:rPr sz="1800" spc="15">
                 <a:solidFill>
                   <a:schemeClr val="tx1"/>
                 </a:solidFill>
@@ -10234,17 +10675,17 @@
               <a:t>основі</a:t>
             </a:r>
             <a:r>
-              <a:rPr sz="1800" spc="15" dirty="0">
-                <a:solidFill>
-                  <a:schemeClr val="tx1"/>
-                </a:solidFill>
-                <a:latin typeface="Times New Roman"/>
-                <a:cs typeface="Times New Roman"/>
-              </a:rPr>
-              <a:t> </a:t>
-            </a:r>
-            <a:r>
-              <a:rPr sz="1800" dirty="0">
+              <a:rPr sz="1800" spc="15">
+                <a:solidFill>
+                  <a:schemeClr val="tx1"/>
+                </a:solidFill>
+                <a:latin typeface="Times New Roman"/>
+                <a:cs typeface="Times New Roman"/>
+              </a:rPr>
+              <a:t> </a:t>
+            </a:r>
+            <a:r>
+              <a:rPr sz="1800">
                 <a:solidFill>
                   <a:schemeClr val="tx1"/>
                 </a:solidFill>
@@ -10254,7 +10695,7 @@
               <a:t>блокчейну </a:t>
             </a:r>
             <a:r>
-              <a:rPr sz="1800" spc="5" dirty="0" err="1">
+              <a:rPr sz="1800" spc="5">
                 <a:solidFill>
                   <a:schemeClr val="tx1"/>
                 </a:solidFill>
@@ -10264,27 +10705,27 @@
               <a:t>розроблена</a:t>
             </a:r>
             <a:r>
-              <a:rPr sz="1800" spc="5" dirty="0">
-                <a:solidFill>
-                  <a:schemeClr val="tx1"/>
-                </a:solidFill>
-                <a:latin typeface="Times New Roman"/>
-                <a:cs typeface="Times New Roman"/>
-              </a:rPr>
-              <a:t> </a:t>
-            </a:r>
-            <a:r>
-              <a:rPr sz="1800" spc="10" dirty="0">
-                <a:solidFill>
-                  <a:schemeClr val="tx1"/>
-                </a:solidFill>
-                <a:latin typeface="Times New Roman"/>
-                <a:cs typeface="Times New Roman"/>
-              </a:rPr>
-              <a:t> </a:t>
-            </a:r>
-            <a:r>
-              <a:rPr sz="1800" spc="15" dirty="0" err="1">
+              <a:rPr sz="1800" spc="5">
+                <a:solidFill>
+                  <a:schemeClr val="tx1"/>
+                </a:solidFill>
+                <a:latin typeface="Times New Roman"/>
+                <a:cs typeface="Times New Roman"/>
+              </a:rPr>
+              <a:t> </a:t>
+            </a:r>
+            <a:r>
+              <a:rPr sz="1800" spc="10">
+                <a:solidFill>
+                  <a:schemeClr val="tx1"/>
+                </a:solidFill>
+                <a:latin typeface="Times New Roman"/>
+                <a:cs typeface="Times New Roman"/>
+              </a:rPr>
+              <a:t> </a:t>
+            </a:r>
+            <a:r>
+              <a:rPr sz="1800" spc="15">
                 <a:solidFill>
                   <a:schemeClr val="tx1"/>
                 </a:solidFill>
@@ -10294,17 +10735,17 @@
               <a:t>таким</a:t>
             </a:r>
             <a:r>
-              <a:rPr sz="1800" spc="15" dirty="0">
-                <a:solidFill>
-                  <a:schemeClr val="tx1"/>
-                </a:solidFill>
-                <a:latin typeface="Times New Roman"/>
-                <a:cs typeface="Times New Roman"/>
-              </a:rPr>
-              <a:t> </a:t>
-            </a:r>
-            <a:r>
-              <a:rPr sz="1800" spc="10" dirty="0" err="1">
+              <a:rPr sz="1800" spc="15">
+                <a:solidFill>
+                  <a:schemeClr val="tx1"/>
+                </a:solidFill>
+                <a:latin typeface="Times New Roman"/>
+                <a:cs typeface="Times New Roman"/>
+              </a:rPr>
+              <a:t> </a:t>
+            </a:r>
+            <a:r>
+              <a:rPr sz="1800" spc="10">
                 <a:solidFill>
                   <a:schemeClr val="tx1"/>
                 </a:solidFill>
@@ -10314,7 +10755,7 @@
               <a:t>чином</a:t>
             </a:r>
             <a:r>
-              <a:rPr sz="1800" spc="10" dirty="0">
+              <a:rPr sz="1800" spc="10">
                 <a:solidFill>
                   <a:schemeClr val="tx1"/>
                 </a:solidFill>
@@ -10324,7 +10765,7 @@
               <a:t>, </a:t>
             </a:r>
             <a:r>
-              <a:rPr sz="1800" spc="10" dirty="0" err="1">
+              <a:rPr sz="1800" spc="10">
                 <a:solidFill>
                   <a:schemeClr val="tx1"/>
                 </a:solidFill>
@@ -10334,17 +10775,17 @@
               <a:t>щоб</a:t>
             </a:r>
             <a:r>
-              <a:rPr sz="1800" spc="10" dirty="0">
-                <a:solidFill>
-                  <a:schemeClr val="tx1"/>
-                </a:solidFill>
-                <a:latin typeface="Times New Roman"/>
-                <a:cs typeface="Times New Roman"/>
-              </a:rPr>
-              <a:t> </a:t>
-            </a:r>
-            <a:r>
-              <a:rPr sz="1800" spc="5" dirty="0" err="1">
+              <a:rPr sz="1800" spc="10">
+                <a:solidFill>
+                  <a:schemeClr val="tx1"/>
+                </a:solidFill>
+                <a:latin typeface="Times New Roman"/>
+                <a:cs typeface="Times New Roman"/>
+              </a:rPr>
+              <a:t> </a:t>
+            </a:r>
+            <a:r>
+              <a:rPr sz="1800" spc="5">
                 <a:solidFill>
                   <a:schemeClr val="tx1"/>
                 </a:solidFill>
@@ -10354,17 +10795,17 @@
               <a:t>забезпечити</a:t>
             </a:r>
             <a:r>
-              <a:rPr sz="1800" spc="5" dirty="0">
-                <a:solidFill>
-                  <a:schemeClr val="tx1"/>
-                </a:solidFill>
-                <a:latin typeface="Times New Roman"/>
-                <a:cs typeface="Times New Roman"/>
-              </a:rPr>
-              <a:t> </a:t>
-            </a:r>
-            <a:r>
-              <a:rPr sz="1800" spc="5" dirty="0" err="1">
+              <a:rPr sz="1800" spc="5">
+                <a:solidFill>
+                  <a:schemeClr val="tx1"/>
+                </a:solidFill>
+                <a:latin typeface="Times New Roman"/>
+                <a:cs typeface="Times New Roman"/>
+              </a:rPr>
+              <a:t> </a:t>
+            </a:r>
+            <a:r>
+              <a:rPr sz="1800" spc="5">
                 <a:solidFill>
                   <a:schemeClr val="tx1"/>
                 </a:solidFill>
@@ -10374,17 +10815,17 @@
               <a:t>максимальну</a:t>
             </a:r>
             <a:r>
-              <a:rPr sz="1800" spc="5" dirty="0">
-                <a:solidFill>
-                  <a:schemeClr val="tx1"/>
-                </a:solidFill>
-                <a:latin typeface="Times New Roman"/>
-                <a:cs typeface="Times New Roman"/>
-              </a:rPr>
-              <a:t> </a:t>
-            </a:r>
-            <a:r>
-              <a:rPr sz="1800" spc="5" dirty="0" err="1">
+              <a:rPr sz="1800" spc="5">
+                <a:solidFill>
+                  <a:schemeClr val="tx1"/>
+                </a:solidFill>
+                <a:latin typeface="Times New Roman"/>
+                <a:cs typeface="Times New Roman"/>
+              </a:rPr>
+              <a:t> </a:t>
+            </a:r>
+            <a:r>
+              <a:rPr sz="1800" spc="5">
                 <a:solidFill>
                   <a:schemeClr val="tx1"/>
                 </a:solidFill>
@@ -10394,17 +10835,17 @@
               <a:t>безпеку</a:t>
             </a:r>
             <a:r>
-              <a:rPr sz="1800" spc="5" dirty="0">
-                <a:solidFill>
-                  <a:schemeClr val="tx1"/>
-                </a:solidFill>
-                <a:latin typeface="Times New Roman"/>
-                <a:cs typeface="Times New Roman"/>
-              </a:rPr>
-              <a:t> </a:t>
-            </a:r>
-            <a:r>
-              <a:rPr sz="1800" spc="20" dirty="0" err="1">
+              <a:rPr sz="1800" spc="5">
+                <a:solidFill>
+                  <a:schemeClr val="tx1"/>
+                </a:solidFill>
+                <a:latin typeface="Times New Roman"/>
+                <a:cs typeface="Times New Roman"/>
+              </a:rPr>
+              <a:t> </a:t>
+            </a:r>
+            <a:r>
+              <a:rPr sz="1800" spc="20">
                 <a:solidFill>
                   <a:schemeClr val="tx1"/>
                 </a:solidFill>
@@ -10414,27 +10855,27 @@
               <a:t>та</a:t>
             </a:r>
             <a:r>
-              <a:rPr sz="1800" spc="20" dirty="0">
-                <a:solidFill>
-                  <a:schemeClr val="tx1"/>
-                </a:solidFill>
-                <a:latin typeface="Times New Roman"/>
-                <a:cs typeface="Times New Roman"/>
-              </a:rPr>
-              <a:t> </a:t>
-            </a:r>
-            <a:r>
-              <a:rPr sz="1800" spc="25" dirty="0">
-                <a:solidFill>
-                  <a:schemeClr val="tx1"/>
-                </a:solidFill>
-                <a:latin typeface="Times New Roman"/>
-                <a:cs typeface="Times New Roman"/>
-              </a:rPr>
-              <a:t> </a:t>
-            </a:r>
-            <a:r>
-              <a:rPr sz="1800" spc="5" dirty="0" err="1">
+              <a:rPr sz="1800" spc="20">
+                <a:solidFill>
+                  <a:schemeClr val="tx1"/>
+                </a:solidFill>
+                <a:latin typeface="Times New Roman"/>
+                <a:cs typeface="Times New Roman"/>
+              </a:rPr>
+              <a:t> </a:t>
+            </a:r>
+            <a:r>
+              <a:rPr sz="1800" spc="25">
+                <a:solidFill>
+                  <a:schemeClr val="tx1"/>
+                </a:solidFill>
+                <a:latin typeface="Times New Roman"/>
+                <a:cs typeface="Times New Roman"/>
+              </a:rPr>
+              <a:t> </a:t>
+            </a:r>
+            <a:r>
+              <a:rPr sz="1800" spc="5">
                 <a:solidFill>
                   <a:schemeClr val="tx1"/>
                 </a:solidFill>
@@ -10444,17 +10885,17 @@
               <a:t>зручність</a:t>
             </a:r>
             <a:r>
-              <a:rPr sz="1800" spc="5" dirty="0">
-                <a:solidFill>
-                  <a:schemeClr val="tx1"/>
-                </a:solidFill>
-                <a:latin typeface="Times New Roman"/>
-                <a:cs typeface="Times New Roman"/>
-              </a:rPr>
-              <a:t> </a:t>
-            </a:r>
-            <a:r>
-              <a:rPr sz="1800" spc="5" dirty="0" err="1">
+              <a:rPr sz="1800" spc="5">
+                <a:solidFill>
+                  <a:schemeClr val="tx1"/>
+                </a:solidFill>
+                <a:latin typeface="Times New Roman"/>
+                <a:cs typeface="Times New Roman"/>
+              </a:rPr>
+              <a:t> </a:t>
+            </a:r>
+            <a:r>
+              <a:rPr sz="1800" spc="5">
                 <a:solidFill>
                   <a:schemeClr val="tx1"/>
                 </a:solidFill>
@@ -10464,17 +10905,17 @@
               <a:t>використання</a:t>
             </a:r>
             <a:r>
-              <a:rPr sz="1800" spc="5" dirty="0">
-                <a:solidFill>
-                  <a:schemeClr val="tx1"/>
-                </a:solidFill>
-                <a:latin typeface="Times New Roman"/>
-                <a:cs typeface="Times New Roman"/>
-              </a:rPr>
-              <a:t> </a:t>
-            </a:r>
-            <a:r>
-              <a:rPr sz="1800" spc="10" dirty="0" err="1">
+              <a:rPr sz="1800" spc="5">
+                <a:solidFill>
+                  <a:schemeClr val="tx1"/>
+                </a:solidFill>
+                <a:latin typeface="Times New Roman"/>
+                <a:cs typeface="Times New Roman"/>
+              </a:rPr>
+              <a:t> </a:t>
+            </a:r>
+            <a:r>
+              <a:rPr sz="1800" spc="10">
                 <a:solidFill>
                   <a:schemeClr val="tx1"/>
                 </a:solidFill>
@@ -10484,17 +10925,17 @@
               <a:t>для</a:t>
             </a:r>
             <a:r>
-              <a:rPr sz="1800" spc="10" dirty="0">
-                <a:solidFill>
-                  <a:schemeClr val="tx1"/>
-                </a:solidFill>
-                <a:latin typeface="Times New Roman"/>
-                <a:cs typeface="Times New Roman"/>
-              </a:rPr>
-              <a:t> </a:t>
-            </a:r>
-            <a:r>
-              <a:rPr sz="1800" spc="-5" dirty="0" err="1">
+              <a:rPr sz="1800" spc="10">
+                <a:solidFill>
+                  <a:schemeClr val="tx1"/>
+                </a:solidFill>
+                <a:latin typeface="Times New Roman"/>
+                <a:cs typeface="Times New Roman"/>
+              </a:rPr>
+              <a:t> </a:t>
+            </a:r>
+            <a:r>
+              <a:rPr sz="1800" spc="-5">
                 <a:solidFill>
                   <a:schemeClr val="tx1"/>
                 </a:solidFill>
@@ -10504,17 +10945,17 @@
               <a:t>широкого</a:t>
             </a:r>
             <a:r>
-              <a:rPr sz="1800" spc="-5" dirty="0">
-                <a:solidFill>
-                  <a:schemeClr val="tx1"/>
-                </a:solidFill>
-                <a:latin typeface="Times New Roman"/>
-                <a:cs typeface="Times New Roman"/>
-              </a:rPr>
-              <a:t> </a:t>
-            </a:r>
-            <a:r>
-              <a:rPr sz="1800" spc="-15" dirty="0" err="1">
+              <a:rPr sz="1800" spc="-5">
+                <a:solidFill>
+                  <a:schemeClr val="tx1"/>
+                </a:solidFill>
+                <a:latin typeface="Times New Roman"/>
+                <a:cs typeface="Times New Roman"/>
+              </a:rPr>
+              <a:t> </a:t>
+            </a:r>
+            <a:r>
+              <a:rPr sz="1800" spc="-15">
                 <a:solidFill>
                   <a:schemeClr val="tx1"/>
                 </a:solidFill>
@@ -10524,17 +10965,17 @@
               <a:t>кола</a:t>
             </a:r>
             <a:r>
-              <a:rPr sz="1800" spc="-15" dirty="0">
-                <a:solidFill>
-                  <a:schemeClr val="tx1"/>
-                </a:solidFill>
-                <a:latin typeface="Times New Roman"/>
-                <a:cs typeface="Times New Roman"/>
-              </a:rPr>
-              <a:t> </a:t>
-            </a:r>
-            <a:r>
-              <a:rPr sz="1800" spc="-5" dirty="0" err="1">
+              <a:rPr sz="1800" spc="-15">
+                <a:solidFill>
+                  <a:schemeClr val="tx1"/>
+                </a:solidFill>
+                <a:latin typeface="Times New Roman"/>
+                <a:cs typeface="Times New Roman"/>
+              </a:rPr>
+              <a:t> </a:t>
+            </a:r>
+            <a:r>
+              <a:rPr sz="1800" spc="-5">
                 <a:solidFill>
                   <a:schemeClr val="tx1"/>
                 </a:solidFill>
@@ -10544,7 +10985,7 @@
               <a:t>користувачів</a:t>
             </a:r>
             <a:r>
-              <a:rPr sz="1800" spc="-5" dirty="0">
+              <a:rPr sz="1800" spc="-5">
                 <a:solidFill>
                   <a:schemeClr val="tx1"/>
                 </a:solidFill>
@@ -10554,17 +10995,17 @@
               <a:t>. </a:t>
             </a:r>
             <a:r>
-              <a:rPr sz="1800" dirty="0">
-                <a:solidFill>
-                  <a:schemeClr val="tx1"/>
-                </a:solidFill>
-                <a:latin typeface="Times New Roman"/>
-                <a:cs typeface="Times New Roman"/>
-              </a:rPr>
-              <a:t> </a:t>
-            </a:r>
-            <a:r>
-              <a:rPr sz="1800" spc="5" dirty="0" err="1">
+              <a:rPr sz="1800">
+                <a:solidFill>
+                  <a:schemeClr val="tx1"/>
+                </a:solidFill>
+                <a:latin typeface="Times New Roman"/>
+                <a:cs typeface="Times New Roman"/>
+              </a:rPr>
+              <a:t> </a:t>
+            </a:r>
+            <a:r>
+              <a:rPr sz="1800" spc="5">
                 <a:solidFill>
                   <a:schemeClr val="tx1"/>
                 </a:solidFill>
@@ -10574,17 +11015,17 @@
               <a:t>Система</a:t>
             </a:r>
             <a:r>
-              <a:rPr sz="1800" spc="5" dirty="0">
-                <a:solidFill>
-                  <a:schemeClr val="tx1"/>
-                </a:solidFill>
-                <a:latin typeface="Times New Roman"/>
-                <a:cs typeface="Times New Roman"/>
-              </a:rPr>
-              <a:t> </a:t>
-            </a:r>
-            <a:r>
-              <a:rPr sz="1800" dirty="0" err="1">
+              <a:rPr sz="1800" spc="5">
+                <a:solidFill>
+                  <a:schemeClr val="tx1"/>
+                </a:solidFill>
+                <a:latin typeface="Times New Roman"/>
+                <a:cs typeface="Times New Roman"/>
+              </a:rPr>
+              <a:t> </a:t>
+            </a:r>
+            <a:r>
+              <a:rPr sz="1800">
                 <a:solidFill>
                   <a:schemeClr val="tx1"/>
                 </a:solidFill>
@@ -10594,17 +11035,17 @@
               <a:t>включає</a:t>
             </a:r>
             <a:r>
-              <a:rPr sz="1800" dirty="0">
-                <a:solidFill>
-                  <a:schemeClr val="tx1"/>
-                </a:solidFill>
-                <a:latin typeface="Times New Roman"/>
-                <a:cs typeface="Times New Roman"/>
-              </a:rPr>
-              <a:t> </a:t>
-            </a:r>
-            <a:r>
-              <a:rPr sz="1800" spc="10" dirty="0">
+              <a:rPr sz="1800">
+                <a:solidFill>
+                  <a:schemeClr val="tx1"/>
+                </a:solidFill>
+                <a:latin typeface="Times New Roman"/>
+                <a:cs typeface="Times New Roman"/>
+              </a:rPr>
+              <a:t> </a:t>
+            </a:r>
+            <a:r>
+              <a:rPr sz="1800" spc="10">
                 <a:solidFill>
                   <a:schemeClr val="tx1"/>
                 </a:solidFill>
@@ -10614,7 +11055,7 @@
               <a:t>в </a:t>
             </a:r>
             <a:r>
-              <a:rPr sz="1800" spc="10" dirty="0" err="1">
+              <a:rPr sz="1800" spc="10">
                 <a:solidFill>
                   <a:schemeClr val="tx1"/>
                 </a:solidFill>
@@ -10624,17 +11065,17 @@
               <a:t>себе</a:t>
             </a:r>
             <a:r>
-              <a:rPr sz="1800" spc="10" dirty="0">
-                <a:solidFill>
-                  <a:schemeClr val="tx1"/>
-                </a:solidFill>
-                <a:latin typeface="Times New Roman"/>
-                <a:cs typeface="Times New Roman"/>
-              </a:rPr>
-              <a:t> </a:t>
-            </a:r>
-            <a:r>
-              <a:rPr sz="1800" spc="15" dirty="0" err="1">
+              <a:rPr sz="1800" spc="10">
+                <a:solidFill>
+                  <a:schemeClr val="tx1"/>
+                </a:solidFill>
+                <a:latin typeface="Times New Roman"/>
+                <a:cs typeface="Times New Roman"/>
+              </a:rPr>
+              <a:t> </a:t>
+            </a:r>
+            <a:r>
+              <a:rPr sz="1800" spc="15">
                 <a:solidFill>
                   <a:schemeClr val="tx1"/>
                 </a:solidFill>
@@ -10644,17 +11085,17 @@
               <a:t>веб-гаманець</a:t>
             </a:r>
             <a:r>
-              <a:rPr sz="1800" spc="15" dirty="0">
-                <a:solidFill>
-                  <a:schemeClr val="tx1"/>
-                </a:solidFill>
-                <a:latin typeface="Times New Roman"/>
-                <a:cs typeface="Times New Roman"/>
-              </a:rPr>
-              <a:t> </a:t>
-            </a:r>
-            <a:r>
-              <a:rPr sz="1800" spc="5" dirty="0">
+              <a:rPr sz="1800" spc="15">
+                <a:solidFill>
+                  <a:schemeClr val="tx1"/>
+                </a:solidFill>
+                <a:latin typeface="Times New Roman"/>
+                <a:cs typeface="Times New Roman"/>
+              </a:rPr>
+              <a:t> </a:t>
+            </a:r>
+            <a:r>
+              <a:rPr sz="1800" spc="5">
                 <a:solidFill>
                   <a:schemeClr val="tx1"/>
                 </a:solidFill>
@@ -10664,7 +11105,7 @@
               <a:t>і </a:t>
             </a:r>
             <a:r>
-              <a:rPr sz="1800" dirty="0" err="1">
+              <a:rPr sz="1800">
                 <a:solidFill>
                   <a:schemeClr val="tx1"/>
                 </a:solidFill>
@@ -10674,27 +11115,27 @@
               <a:t>консольний</a:t>
             </a:r>
             <a:r>
-              <a:rPr sz="1800" dirty="0">
-                <a:solidFill>
-                  <a:schemeClr val="tx1"/>
-                </a:solidFill>
-                <a:latin typeface="Times New Roman"/>
-                <a:cs typeface="Times New Roman"/>
-              </a:rPr>
-              <a:t> </a:t>
-            </a:r>
-            <a:r>
-              <a:rPr sz="1800" spc="5" dirty="0">
-                <a:solidFill>
-                  <a:schemeClr val="tx1"/>
-                </a:solidFill>
-                <a:latin typeface="Times New Roman"/>
-                <a:cs typeface="Times New Roman"/>
-              </a:rPr>
-              <a:t> </a:t>
-            </a:r>
-            <a:r>
-              <a:rPr sz="1800" spc="10" dirty="0" err="1">
+              <a:rPr sz="1800">
+                <a:solidFill>
+                  <a:schemeClr val="tx1"/>
+                </a:solidFill>
+                <a:latin typeface="Times New Roman"/>
+                <a:cs typeface="Times New Roman"/>
+              </a:rPr>
+              <a:t> </a:t>
+            </a:r>
+            <a:r>
+              <a:rPr sz="1800" spc="5">
+                <a:solidFill>
+                  <a:schemeClr val="tx1"/>
+                </a:solidFill>
+                <a:latin typeface="Times New Roman"/>
+                <a:cs typeface="Times New Roman"/>
+              </a:rPr>
+              <a:t> </a:t>
+            </a:r>
+            <a:r>
+              <a:rPr sz="1800" spc="10">
                 <a:solidFill>
                   <a:schemeClr val="tx1"/>
                 </a:solidFill>
@@ -10704,7 +11145,7 @@
               <a:t>інтерфейс</a:t>
             </a:r>
             <a:r>
-              <a:rPr sz="1800" spc="10" dirty="0">
+              <a:rPr sz="1800" spc="10">
                 <a:solidFill>
                   <a:schemeClr val="tx1"/>
                 </a:solidFill>
@@ -10714,7 +11155,7 @@
               <a:t>, </a:t>
             </a:r>
             <a:r>
-              <a:rPr sz="1800" spc="15" dirty="0" err="1">
+              <a:rPr sz="1800" spc="15">
                 <a:solidFill>
                   <a:schemeClr val="tx1"/>
                 </a:solidFill>
@@ -10724,17 +11165,17 @@
               <a:t>що</a:t>
             </a:r>
             <a:r>
-              <a:rPr sz="1800" spc="15" dirty="0">
-                <a:solidFill>
-                  <a:schemeClr val="tx1"/>
-                </a:solidFill>
-                <a:latin typeface="Times New Roman"/>
-                <a:cs typeface="Times New Roman"/>
-              </a:rPr>
-              <a:t> </a:t>
-            </a:r>
-            <a:r>
-              <a:rPr sz="1800" spc="10" dirty="0" err="1">
+              <a:rPr sz="1800" spc="15">
+                <a:solidFill>
+                  <a:schemeClr val="tx1"/>
+                </a:solidFill>
+                <a:latin typeface="Times New Roman"/>
+                <a:cs typeface="Times New Roman"/>
+              </a:rPr>
+              <a:t> </a:t>
+            </a:r>
+            <a:r>
+              <a:rPr sz="1800" spc="10">
                 <a:solidFill>
                   <a:schemeClr val="tx1"/>
                 </a:solidFill>
@@ -10744,17 +11185,17 @@
               <a:t>робить</a:t>
             </a:r>
             <a:r>
-              <a:rPr sz="1800" spc="10" dirty="0">
-                <a:solidFill>
-                  <a:schemeClr val="tx1"/>
-                </a:solidFill>
-                <a:latin typeface="Times New Roman"/>
-                <a:cs typeface="Times New Roman"/>
-              </a:rPr>
-              <a:t> </a:t>
-            </a:r>
-            <a:r>
-              <a:rPr sz="1800" spc="5" dirty="0" err="1">
+              <a:rPr sz="1800" spc="10">
+                <a:solidFill>
+                  <a:schemeClr val="tx1"/>
+                </a:solidFill>
+                <a:latin typeface="Times New Roman"/>
+                <a:cs typeface="Times New Roman"/>
+              </a:rPr>
+              <a:t> </a:t>
+            </a:r>
+            <a:r>
+              <a:rPr sz="1800" spc="5">
                 <a:solidFill>
                   <a:schemeClr val="tx1"/>
                 </a:solidFill>
@@ -10764,17 +11205,17 @@
               <a:t>її</a:t>
             </a:r>
             <a:r>
-              <a:rPr sz="1800" spc="5" dirty="0">
-                <a:solidFill>
-                  <a:schemeClr val="tx1"/>
-                </a:solidFill>
-                <a:latin typeface="Times New Roman"/>
-                <a:cs typeface="Times New Roman"/>
-              </a:rPr>
-              <a:t> </a:t>
-            </a:r>
-            <a:r>
-              <a:rPr sz="1800" spc="10" dirty="0" err="1">
+              <a:rPr sz="1800" spc="5">
+                <a:solidFill>
+                  <a:schemeClr val="tx1"/>
+                </a:solidFill>
+                <a:latin typeface="Times New Roman"/>
+                <a:cs typeface="Times New Roman"/>
+              </a:rPr>
+              <a:t> </a:t>
+            </a:r>
+            <a:r>
+              <a:rPr sz="1800" spc="10">
                 <a:solidFill>
                   <a:schemeClr val="tx1"/>
                 </a:solidFill>
@@ -10784,17 +11225,17 @@
               <a:t>доступною</a:t>
             </a:r>
             <a:r>
-              <a:rPr sz="1800" spc="10" dirty="0">
-                <a:solidFill>
-                  <a:schemeClr val="tx1"/>
-                </a:solidFill>
-                <a:latin typeface="Times New Roman"/>
-                <a:cs typeface="Times New Roman"/>
-              </a:rPr>
-              <a:t> </a:t>
-            </a:r>
-            <a:r>
-              <a:rPr sz="1800" spc="10" dirty="0" err="1">
+              <a:rPr sz="1800" spc="10">
+                <a:solidFill>
+                  <a:schemeClr val="tx1"/>
+                </a:solidFill>
+                <a:latin typeface="Times New Roman"/>
+                <a:cs typeface="Times New Roman"/>
+              </a:rPr>
+              <a:t> </a:t>
+            </a:r>
+            <a:r>
+              <a:rPr sz="1800" spc="10">
                 <a:solidFill>
                   <a:schemeClr val="tx1"/>
                 </a:solidFill>
@@ -10804,17 +11245,17 @@
               <a:t>як</a:t>
             </a:r>
             <a:r>
-              <a:rPr sz="1800" spc="10" dirty="0">
-                <a:solidFill>
-                  <a:schemeClr val="tx1"/>
-                </a:solidFill>
-                <a:latin typeface="Times New Roman"/>
-                <a:cs typeface="Times New Roman"/>
-              </a:rPr>
-              <a:t> </a:t>
-            </a:r>
-            <a:r>
-              <a:rPr sz="1800" spc="10" dirty="0" err="1">
+              <a:rPr sz="1800" spc="10">
+                <a:solidFill>
+                  <a:schemeClr val="tx1"/>
+                </a:solidFill>
+                <a:latin typeface="Times New Roman"/>
+                <a:cs typeface="Times New Roman"/>
+              </a:rPr>
+              <a:t> </a:t>
+            </a:r>
+            <a:r>
+              <a:rPr sz="1800" spc="10">
                 <a:solidFill>
                   <a:schemeClr val="tx1"/>
                 </a:solidFill>
@@ -10824,17 +11265,17 @@
               <a:t>для</a:t>
             </a:r>
             <a:r>
-              <a:rPr sz="1800" spc="10" dirty="0">
-                <a:solidFill>
-                  <a:schemeClr val="tx1"/>
-                </a:solidFill>
-                <a:latin typeface="Times New Roman"/>
-                <a:cs typeface="Times New Roman"/>
-              </a:rPr>
-              <a:t> </a:t>
-            </a:r>
-            <a:r>
-              <a:rPr sz="1800" spc="10" dirty="0" err="1">
+              <a:rPr sz="1800" spc="10">
+                <a:solidFill>
+                  <a:schemeClr val="tx1"/>
+                </a:solidFill>
+                <a:latin typeface="Times New Roman"/>
+                <a:cs typeface="Times New Roman"/>
+              </a:rPr>
+              <a:t> </a:t>
+            </a:r>
+            <a:r>
+              <a:rPr sz="1800" spc="10">
                 <a:solidFill>
                   <a:schemeClr val="tx1"/>
                 </a:solidFill>
@@ -10844,27 +11285,27 @@
               <a:t>досвідчених</a:t>
             </a:r>
             <a:r>
-              <a:rPr sz="1800" spc="10" dirty="0">
-                <a:solidFill>
-                  <a:schemeClr val="tx1"/>
-                </a:solidFill>
-                <a:latin typeface="Times New Roman"/>
-                <a:cs typeface="Times New Roman"/>
-              </a:rPr>
-              <a:t> </a:t>
-            </a:r>
-            <a:r>
-              <a:rPr sz="1800" spc="15" dirty="0">
-                <a:solidFill>
-                  <a:schemeClr val="tx1"/>
-                </a:solidFill>
-                <a:latin typeface="Times New Roman"/>
-                <a:cs typeface="Times New Roman"/>
-              </a:rPr>
-              <a:t> </a:t>
-            </a:r>
-            <a:r>
-              <a:rPr sz="1800" spc="-5" dirty="0" err="1">
+              <a:rPr sz="1800" spc="10">
+                <a:solidFill>
+                  <a:schemeClr val="tx1"/>
+                </a:solidFill>
+                <a:latin typeface="Times New Roman"/>
+                <a:cs typeface="Times New Roman"/>
+              </a:rPr>
+              <a:t> </a:t>
+            </a:r>
+            <a:r>
+              <a:rPr sz="1800" spc="15">
+                <a:solidFill>
+                  <a:schemeClr val="tx1"/>
+                </a:solidFill>
+                <a:latin typeface="Times New Roman"/>
+                <a:cs typeface="Times New Roman"/>
+              </a:rPr>
+              <a:t> </a:t>
+            </a:r>
+            <a:r>
+              <a:rPr sz="1800" spc="-5">
                 <a:solidFill>
                   <a:schemeClr val="tx1"/>
                 </a:solidFill>
@@ -10874,17 +11315,17 @@
               <a:t>користувачів</a:t>
             </a:r>
             <a:r>
-              <a:rPr sz="1800" spc="-5" dirty="0">
-                <a:solidFill>
-                  <a:schemeClr val="tx1"/>
-                </a:solidFill>
-                <a:latin typeface="Times New Roman"/>
-                <a:cs typeface="Times New Roman"/>
-              </a:rPr>
-              <a:t> </a:t>
-            </a:r>
-            <a:r>
-              <a:rPr sz="1800" spc="10" dirty="0" err="1">
+              <a:rPr sz="1800" spc="-5">
+                <a:solidFill>
+                  <a:schemeClr val="tx1"/>
+                </a:solidFill>
+                <a:latin typeface="Times New Roman"/>
+                <a:cs typeface="Times New Roman"/>
+              </a:rPr>
+              <a:t> </a:t>
+            </a:r>
+            <a:r>
+              <a:rPr sz="1800" spc="10">
                 <a:solidFill>
                   <a:schemeClr val="tx1"/>
                 </a:solidFill>
@@ -10894,7 +11335,7 @@
               <a:t>криптовалют</a:t>
             </a:r>
             <a:r>
-              <a:rPr sz="1800" spc="10" dirty="0">
+              <a:rPr sz="1800" spc="10">
                 <a:solidFill>
                   <a:schemeClr val="tx1"/>
                 </a:solidFill>
@@ -10904,7 +11345,7 @@
               <a:t>, </a:t>
             </a:r>
             <a:r>
-              <a:rPr sz="1800" spc="15" dirty="0" err="1">
+              <a:rPr sz="1800" spc="15">
                 <a:solidFill>
                   <a:schemeClr val="tx1"/>
                 </a:solidFill>
@@ -10914,17 +11355,17 @@
               <a:t>так</a:t>
             </a:r>
             <a:r>
-              <a:rPr sz="1800" spc="15" dirty="0">
-                <a:solidFill>
-                  <a:schemeClr val="tx1"/>
-                </a:solidFill>
-                <a:latin typeface="Times New Roman"/>
-                <a:cs typeface="Times New Roman"/>
-              </a:rPr>
-              <a:t> </a:t>
-            </a:r>
-            <a:r>
-              <a:rPr sz="1800" spc="5" dirty="0">
+              <a:rPr sz="1800" spc="15">
+                <a:solidFill>
+                  <a:schemeClr val="tx1"/>
+                </a:solidFill>
+                <a:latin typeface="Times New Roman"/>
+                <a:cs typeface="Times New Roman"/>
+              </a:rPr>
+              <a:t> </a:t>
+            </a:r>
+            <a:r>
+              <a:rPr sz="1800" spc="5">
                 <a:solidFill>
                   <a:schemeClr val="tx1"/>
                 </a:solidFill>
@@ -10934,7 +11375,7 @@
               <a:t>і </a:t>
             </a:r>
             <a:r>
-              <a:rPr sz="1800" spc="10" dirty="0" err="1">
+              <a:rPr sz="1800" spc="10">
                 <a:solidFill>
                   <a:schemeClr val="tx1"/>
                 </a:solidFill>
@@ -10944,17 +11385,17 @@
               <a:t>для</a:t>
             </a:r>
             <a:r>
-              <a:rPr sz="1800" spc="10" dirty="0">
-                <a:solidFill>
-                  <a:schemeClr val="tx1"/>
-                </a:solidFill>
-                <a:latin typeface="Times New Roman"/>
-                <a:cs typeface="Times New Roman"/>
-              </a:rPr>
-              <a:t> </a:t>
-            </a:r>
-            <a:r>
-              <a:rPr sz="1800" spc="15" dirty="0" err="1">
+              <a:rPr sz="1800" spc="10">
+                <a:solidFill>
+                  <a:schemeClr val="tx1"/>
+                </a:solidFill>
+                <a:latin typeface="Times New Roman"/>
+                <a:cs typeface="Times New Roman"/>
+              </a:rPr>
+              <a:t> </a:t>
+            </a:r>
+            <a:r>
+              <a:rPr sz="1800" spc="15">
                 <a:solidFill>
                   <a:schemeClr val="tx1"/>
                 </a:solidFill>
@@ -10964,7 +11405,7 @@
               <a:t>тих</a:t>
             </a:r>
             <a:r>
-              <a:rPr sz="1800" spc="15" dirty="0">
+              <a:rPr sz="1800" spc="15">
                 <a:solidFill>
                   <a:schemeClr val="tx1"/>
                 </a:solidFill>
@@ -10974,7 +11415,7 @@
               <a:t>, </a:t>
             </a:r>
             <a:r>
-              <a:rPr sz="1800" spc="-10" dirty="0" err="1">
+              <a:rPr sz="1800" spc="-10">
                 <a:solidFill>
                   <a:schemeClr val="tx1"/>
                 </a:solidFill>
@@ -10984,17 +11425,17 @@
               <a:t>хто</a:t>
             </a:r>
             <a:r>
-              <a:rPr sz="1800" spc="-10" dirty="0">
-                <a:solidFill>
-                  <a:schemeClr val="tx1"/>
-                </a:solidFill>
-                <a:latin typeface="Times New Roman"/>
-                <a:cs typeface="Times New Roman"/>
-              </a:rPr>
-              <a:t> </a:t>
-            </a:r>
-            <a:r>
-              <a:rPr sz="1800" spc="10" dirty="0" err="1">
+              <a:rPr sz="1800" spc="-10">
+                <a:solidFill>
+                  <a:schemeClr val="tx1"/>
+                </a:solidFill>
+                <a:latin typeface="Times New Roman"/>
+                <a:cs typeface="Times New Roman"/>
+              </a:rPr>
+              <a:t> </a:t>
+            </a:r>
+            <a:r>
+              <a:rPr sz="1800" spc="10">
                 <a:solidFill>
                   <a:schemeClr val="tx1"/>
                 </a:solidFill>
@@ -11004,17 +11445,17 @@
               <a:t>ними</a:t>
             </a:r>
             <a:r>
-              <a:rPr sz="1800" spc="10" dirty="0">
-                <a:solidFill>
-                  <a:schemeClr val="tx1"/>
-                </a:solidFill>
-                <a:latin typeface="Times New Roman"/>
-                <a:cs typeface="Times New Roman"/>
-              </a:rPr>
-              <a:t> </a:t>
-            </a:r>
-            <a:r>
-              <a:rPr sz="1800" spc="10" dirty="0" err="1">
+              <a:rPr sz="1800" spc="10">
+                <a:solidFill>
+                  <a:schemeClr val="tx1"/>
+                </a:solidFill>
+                <a:latin typeface="Times New Roman"/>
+                <a:cs typeface="Times New Roman"/>
+              </a:rPr>
+              <a:t> </a:t>
+            </a:r>
+            <a:r>
+              <a:rPr sz="1800" spc="10">
                 <a:solidFill>
                   <a:schemeClr val="tx1"/>
                 </a:solidFill>
@@ -11024,27 +11465,27 @@
               <a:t>не</a:t>
             </a:r>
             <a:r>
-              <a:rPr sz="1800" spc="10" dirty="0">
-                <a:solidFill>
-                  <a:schemeClr val="tx1"/>
-                </a:solidFill>
-                <a:latin typeface="Times New Roman"/>
-                <a:cs typeface="Times New Roman"/>
-              </a:rPr>
-              <a:t> </a:t>
-            </a:r>
-            <a:r>
-              <a:rPr sz="1800" spc="15" dirty="0">
-                <a:solidFill>
-                  <a:schemeClr val="tx1"/>
-                </a:solidFill>
-                <a:latin typeface="Times New Roman"/>
-                <a:cs typeface="Times New Roman"/>
-              </a:rPr>
-              <a:t> </a:t>
-            </a:r>
-            <a:r>
-              <a:rPr sz="1800" spc="5" dirty="0" err="1">
+              <a:rPr sz="1800" spc="10">
+                <a:solidFill>
+                  <a:schemeClr val="tx1"/>
+                </a:solidFill>
+                <a:latin typeface="Times New Roman"/>
+                <a:cs typeface="Times New Roman"/>
+              </a:rPr>
+              <a:t> </a:t>
+            </a:r>
+            <a:r>
+              <a:rPr sz="1800" spc="15">
+                <a:solidFill>
+                  <a:schemeClr val="tx1"/>
+                </a:solidFill>
+                <a:latin typeface="Times New Roman"/>
+                <a:cs typeface="Times New Roman"/>
+              </a:rPr>
+              <a:t> </a:t>
+            </a:r>
+            <a:r>
+              <a:rPr sz="1800" spc="5">
                 <a:solidFill>
                   <a:schemeClr val="tx1"/>
                 </a:solidFill>
@@ -11054,7 +11495,7 @@
               <a:t>володіє</a:t>
             </a:r>
             <a:r>
-              <a:rPr sz="1800" spc="5" dirty="0">
+              <a:rPr sz="1800" spc="5">
                 <a:solidFill>
                   <a:schemeClr val="tx1"/>
                 </a:solidFill>
@@ -11064,7 +11505,7 @@
               <a:t>. </a:t>
             </a:r>
             <a:r>
-              <a:rPr sz="1800" spc="10" dirty="0" err="1">
+              <a:rPr sz="1800" spc="10">
                 <a:solidFill>
                   <a:schemeClr val="tx1"/>
                 </a:solidFill>
@@ -11074,17 +11515,17 @@
               <a:t>Програмні</a:t>
             </a:r>
             <a:r>
-              <a:rPr sz="1800" spc="10" dirty="0">
-                <a:solidFill>
-                  <a:schemeClr val="tx1"/>
-                </a:solidFill>
-                <a:latin typeface="Times New Roman"/>
-                <a:cs typeface="Times New Roman"/>
-              </a:rPr>
-              <a:t> </a:t>
-            </a:r>
-            <a:r>
-              <a:rPr sz="1800" dirty="0" err="1">
+              <a:rPr sz="1800" spc="10">
+                <a:solidFill>
+                  <a:schemeClr val="tx1"/>
+                </a:solidFill>
+                <a:latin typeface="Times New Roman"/>
+                <a:cs typeface="Times New Roman"/>
+              </a:rPr>
+              <a:t> </a:t>
+            </a:r>
+            <a:r>
+              <a:rPr sz="1800">
                 <a:solidFill>
                   <a:schemeClr val="tx1"/>
                 </a:solidFill>
@@ -11094,17 +11535,17 @@
               <a:t>компоненти</a:t>
             </a:r>
             <a:r>
-              <a:rPr sz="1800" dirty="0">
-                <a:solidFill>
-                  <a:schemeClr val="tx1"/>
-                </a:solidFill>
-                <a:latin typeface="Times New Roman"/>
-                <a:cs typeface="Times New Roman"/>
-              </a:rPr>
-              <a:t> </a:t>
-            </a:r>
-            <a:r>
-              <a:rPr sz="1800" dirty="0" err="1">
+              <a:rPr sz="1800">
+                <a:solidFill>
+                  <a:schemeClr val="tx1"/>
+                </a:solidFill>
+                <a:latin typeface="Times New Roman"/>
+                <a:cs typeface="Times New Roman"/>
+              </a:rPr>
+              <a:t> </a:t>
+            </a:r>
+            <a:r>
+              <a:rPr sz="1800">
                 <a:solidFill>
                   <a:schemeClr val="tx1"/>
                 </a:solidFill>
@@ -11114,17 +11555,17 @@
               <a:t>включають</a:t>
             </a:r>
             <a:r>
-              <a:rPr sz="1800" dirty="0">
-                <a:solidFill>
-                  <a:schemeClr val="tx1"/>
-                </a:solidFill>
-                <a:latin typeface="Times New Roman"/>
-                <a:cs typeface="Times New Roman"/>
-              </a:rPr>
-              <a:t> </a:t>
-            </a:r>
-            <a:r>
-              <a:rPr sz="1800" spc="10" dirty="0">
+              <a:rPr sz="1800">
+                <a:solidFill>
+                  <a:schemeClr val="tx1"/>
+                </a:solidFill>
+                <a:latin typeface="Times New Roman"/>
+                <a:cs typeface="Times New Roman"/>
+              </a:rPr>
+              <a:t> </a:t>
+            </a:r>
+            <a:r>
+              <a:rPr sz="1800" spc="10">
                 <a:solidFill>
                   <a:schemeClr val="tx1"/>
                 </a:solidFill>
@@ -11134,7 +11575,7 @@
               <a:t>в </a:t>
             </a:r>
             <a:r>
-              <a:rPr sz="1800" spc="10" dirty="0" err="1">
+              <a:rPr sz="1800" spc="10">
                 <a:solidFill>
                   <a:schemeClr val="tx1"/>
                 </a:solidFill>
@@ -11144,27 +11585,27 @@
               <a:t>себе</a:t>
             </a:r>
             <a:r>
-              <a:rPr sz="1800" spc="10" dirty="0">
-                <a:solidFill>
-                  <a:schemeClr val="tx1"/>
-                </a:solidFill>
-                <a:latin typeface="Times New Roman"/>
-                <a:cs typeface="Times New Roman"/>
-              </a:rPr>
-              <a:t> </a:t>
-            </a:r>
-            <a:r>
-              <a:rPr sz="1800" spc="15" dirty="0">
-                <a:solidFill>
-                  <a:schemeClr val="tx1"/>
-                </a:solidFill>
-                <a:latin typeface="Times New Roman"/>
-                <a:cs typeface="Times New Roman"/>
-              </a:rPr>
-              <a:t> </a:t>
-            </a:r>
-            <a:r>
-              <a:rPr sz="1800" spc="55" dirty="0">
+              <a:rPr sz="1800" spc="10">
+                <a:solidFill>
+                  <a:schemeClr val="tx1"/>
+                </a:solidFill>
+                <a:latin typeface="Times New Roman"/>
+                <a:cs typeface="Times New Roman"/>
+              </a:rPr>
+              <a:t> </a:t>
+            </a:r>
+            <a:r>
+              <a:rPr sz="1800" spc="15">
+                <a:solidFill>
+                  <a:schemeClr val="tx1"/>
+                </a:solidFill>
+                <a:latin typeface="Times New Roman"/>
+                <a:cs typeface="Times New Roman"/>
+              </a:rPr>
+              <a:t> </a:t>
+            </a:r>
+            <a:r>
+              <a:rPr sz="1800" spc="55">
                 <a:solidFill>
                   <a:schemeClr val="tx1"/>
                 </a:solidFill>
@@ -11174,17 +11615,17 @@
               <a:t>Blockchain</a:t>
             </a:r>
             <a:r>
-              <a:rPr sz="1800" spc="-10" dirty="0">
-                <a:solidFill>
-                  <a:schemeClr val="tx1"/>
-                </a:solidFill>
-                <a:latin typeface="Times New Roman"/>
-                <a:cs typeface="Times New Roman"/>
-              </a:rPr>
-              <a:t> </a:t>
-            </a:r>
-            <a:r>
-              <a:rPr sz="1800" spc="70" dirty="0">
+              <a:rPr sz="1800" spc="-10">
+                <a:solidFill>
+                  <a:schemeClr val="tx1"/>
+                </a:solidFill>
+                <a:latin typeface="Times New Roman"/>
+                <a:cs typeface="Times New Roman"/>
+              </a:rPr>
+              <a:t> </a:t>
+            </a:r>
+            <a:r>
+              <a:rPr sz="1800" spc="70">
                 <a:solidFill>
                   <a:schemeClr val="tx1"/>
                 </a:solidFill>
@@ -11194,17 +11635,17 @@
               <a:t>Nodes,</a:t>
             </a:r>
             <a:r>
-              <a:rPr sz="1800" dirty="0">
-                <a:solidFill>
-                  <a:schemeClr val="tx1"/>
-                </a:solidFill>
-                <a:latin typeface="Times New Roman"/>
-                <a:cs typeface="Times New Roman"/>
-              </a:rPr>
-              <a:t> </a:t>
-            </a:r>
-            <a:r>
-              <a:rPr sz="1800" spc="55" dirty="0">
+              <a:rPr sz="1800">
+                <a:solidFill>
+                  <a:schemeClr val="tx1"/>
+                </a:solidFill>
+                <a:latin typeface="Times New Roman"/>
+                <a:cs typeface="Times New Roman"/>
+              </a:rPr>
+              <a:t> </a:t>
+            </a:r>
+            <a:r>
+              <a:rPr sz="1800" spc="55">
                 <a:solidFill>
                   <a:schemeClr val="tx1"/>
                 </a:solidFill>
@@ -11214,17 +11655,17 @@
               <a:t>Blockchain</a:t>
             </a:r>
             <a:r>
-              <a:rPr sz="1800" spc="-10" dirty="0">
-                <a:solidFill>
-                  <a:schemeClr val="tx1"/>
-                </a:solidFill>
-                <a:latin typeface="Times New Roman"/>
-                <a:cs typeface="Times New Roman"/>
-              </a:rPr>
-              <a:t> </a:t>
-            </a:r>
-            <a:r>
-              <a:rPr sz="1800" spc="50" dirty="0">
+              <a:rPr sz="1800" spc="-10">
+                <a:solidFill>
+                  <a:schemeClr val="tx1"/>
+                </a:solidFill>
+                <a:latin typeface="Times New Roman"/>
+                <a:cs typeface="Times New Roman"/>
+              </a:rPr>
+              <a:t> </a:t>
+            </a:r>
+            <a:r>
+              <a:rPr sz="1800" spc="50">
                 <a:solidFill>
                   <a:schemeClr val="tx1"/>
                 </a:solidFill>
@@ -11234,17 +11675,17 @@
               <a:t>Ledger,</a:t>
             </a:r>
             <a:r>
-              <a:rPr sz="1800" dirty="0">
-                <a:solidFill>
-                  <a:schemeClr val="tx1"/>
-                </a:solidFill>
-                <a:latin typeface="Times New Roman"/>
-                <a:cs typeface="Times New Roman"/>
-              </a:rPr>
-              <a:t> </a:t>
-            </a:r>
-            <a:r>
-              <a:rPr sz="1800" spc="90" dirty="0" err="1">
+              <a:rPr sz="1800">
+                <a:solidFill>
+                  <a:schemeClr val="tx1"/>
+                </a:solidFill>
+                <a:latin typeface="Times New Roman"/>
+                <a:cs typeface="Times New Roman"/>
+              </a:rPr>
+              <a:t> </a:t>
+            </a:r>
+            <a:r>
+              <a:rPr sz="1800" spc="90">
                 <a:solidFill>
                   <a:schemeClr val="tx1"/>
                 </a:solidFill>
@@ -11254,7 +11695,7 @@
               <a:t>Mempool</a:t>
             </a:r>
             <a:r>
-              <a:rPr sz="1800" spc="90" dirty="0">
+              <a:rPr sz="1800" spc="90">
                 <a:solidFill>
                   <a:schemeClr val="tx1"/>
                 </a:solidFill>
@@ -11264,17 +11705,17 @@
               <a:t>,</a:t>
             </a:r>
             <a:r>
-              <a:rPr sz="1800" dirty="0">
-                <a:solidFill>
-                  <a:schemeClr val="tx1"/>
-                </a:solidFill>
-                <a:latin typeface="Times New Roman"/>
-                <a:cs typeface="Times New Roman"/>
-              </a:rPr>
-              <a:t> </a:t>
-            </a:r>
-            <a:r>
-              <a:rPr sz="1800" spc="15" dirty="0" err="1">
+              <a:rPr sz="1800">
+                <a:solidFill>
+                  <a:schemeClr val="tx1"/>
+                </a:solidFill>
+                <a:latin typeface="Times New Roman"/>
+                <a:cs typeface="Times New Roman"/>
+              </a:rPr>
+              <a:t> </a:t>
+            </a:r>
+            <a:r>
+              <a:rPr sz="1800" spc="15">
                 <a:solidFill>
                   <a:schemeClr val="tx1"/>
                 </a:solidFill>
@@ -11284,27 +11725,27 @@
               <a:t>процес</a:t>
             </a:r>
             <a:r>
-              <a:rPr sz="1800" spc="15" dirty="0">
-                <a:solidFill>
-                  <a:schemeClr val="tx1"/>
-                </a:solidFill>
-                <a:latin typeface="Times New Roman"/>
-                <a:cs typeface="Times New Roman"/>
-              </a:rPr>
-              <a:t> </a:t>
-            </a:r>
-            <a:r>
-              <a:rPr sz="1800" spc="-335" dirty="0">
-                <a:solidFill>
-                  <a:schemeClr val="tx1"/>
-                </a:solidFill>
-                <a:latin typeface="Times New Roman"/>
-                <a:cs typeface="Times New Roman"/>
-              </a:rPr>
-              <a:t> </a:t>
-            </a:r>
-            <a:r>
-              <a:rPr sz="1800" spc="5" dirty="0" err="1">
+              <a:rPr sz="1800" spc="15">
+                <a:solidFill>
+                  <a:schemeClr val="tx1"/>
+                </a:solidFill>
+                <a:latin typeface="Times New Roman"/>
+                <a:cs typeface="Times New Roman"/>
+              </a:rPr>
+              <a:t> </a:t>
+            </a:r>
+            <a:r>
+              <a:rPr sz="1800" spc="-335">
+                <a:solidFill>
+                  <a:schemeClr val="tx1"/>
+                </a:solidFill>
+                <a:latin typeface="Times New Roman"/>
+                <a:cs typeface="Times New Roman"/>
+              </a:rPr>
+              <a:t> </a:t>
+            </a:r>
+            <a:r>
+              <a:rPr sz="1800" spc="5">
                 <a:solidFill>
                   <a:schemeClr val="tx1"/>
                 </a:solidFill>
@@ -11314,17 +11755,17 @@
               <a:t>перевірки</a:t>
             </a:r>
             <a:r>
-              <a:rPr sz="1800" spc="5" dirty="0">
-                <a:solidFill>
-                  <a:schemeClr val="tx1"/>
-                </a:solidFill>
-                <a:latin typeface="Times New Roman"/>
-                <a:cs typeface="Times New Roman"/>
-              </a:rPr>
-              <a:t> </a:t>
-            </a:r>
-            <a:r>
-              <a:rPr sz="1800" spc="10" dirty="0" err="1">
+              <a:rPr sz="1800" spc="5">
+                <a:solidFill>
+                  <a:schemeClr val="tx1"/>
+                </a:solidFill>
+                <a:latin typeface="Times New Roman"/>
+                <a:cs typeface="Times New Roman"/>
+              </a:rPr>
+              <a:t> </a:t>
+            </a:r>
+            <a:r>
+              <a:rPr sz="1800" spc="10">
                 <a:solidFill>
                   <a:schemeClr val="tx1"/>
                 </a:solidFill>
@@ -11334,17 +11775,17 @@
               <a:t>транзакцій</a:t>
             </a:r>
             <a:r>
-              <a:rPr sz="1800" spc="10" dirty="0">
-                <a:solidFill>
-                  <a:schemeClr val="tx1"/>
-                </a:solidFill>
-                <a:latin typeface="Times New Roman"/>
-                <a:cs typeface="Times New Roman"/>
-              </a:rPr>
-              <a:t> </a:t>
-            </a:r>
-            <a:r>
-              <a:rPr sz="1800" spc="5" dirty="0">
+              <a:rPr sz="1800" spc="10">
+                <a:solidFill>
+                  <a:schemeClr val="tx1"/>
+                </a:solidFill>
+                <a:latin typeface="Times New Roman"/>
+                <a:cs typeface="Times New Roman"/>
+              </a:rPr>
+              <a:t> </a:t>
+            </a:r>
+            <a:r>
+              <a:rPr sz="1800" spc="5">
                 <a:solidFill>
                   <a:schemeClr val="tx1"/>
                 </a:solidFill>
@@ -11354,7 +11795,7 @@
               <a:t>і </a:t>
             </a:r>
             <a:r>
-              <a:rPr sz="1800" spc="15" dirty="0" err="1">
+              <a:rPr sz="1800" spc="15">
                 <a:solidFill>
                   <a:schemeClr val="tx1"/>
                 </a:solidFill>
@@ -11364,7 +11805,7 @@
               <a:t>веб-гаманець</a:t>
             </a:r>
             <a:r>
-              <a:rPr sz="1800" spc="15" dirty="0">
+              <a:rPr sz="1800" spc="15">
                 <a:solidFill>
                   <a:schemeClr val="tx1"/>
                 </a:solidFill>
@@ -11374,7 +11815,7 @@
               <a:t>. </a:t>
             </a:r>
             <a:r>
-              <a:rPr sz="1800" spc="10" dirty="0" err="1">
+              <a:rPr sz="1800" spc="10">
                 <a:solidFill>
                   <a:schemeClr val="tx1"/>
                 </a:solidFill>
@@ -11384,17 +11825,17 @@
               <a:t>Ці</a:t>
             </a:r>
             <a:r>
-              <a:rPr sz="1800" spc="10" dirty="0">
-                <a:solidFill>
-                  <a:schemeClr val="tx1"/>
-                </a:solidFill>
-                <a:latin typeface="Times New Roman"/>
-                <a:cs typeface="Times New Roman"/>
-              </a:rPr>
-              <a:t> </a:t>
-            </a:r>
-            <a:r>
-              <a:rPr sz="1800" dirty="0" err="1">
+              <a:rPr sz="1800" spc="10">
+                <a:solidFill>
+                  <a:schemeClr val="tx1"/>
+                </a:solidFill>
+                <a:latin typeface="Times New Roman"/>
+                <a:cs typeface="Times New Roman"/>
+              </a:rPr>
+              <a:t> </a:t>
+            </a:r>
+            <a:r>
+              <a:rPr sz="1800">
                 <a:solidFill>
                   <a:schemeClr val="tx1"/>
                 </a:solidFill>
@@ -11404,27 +11845,27 @@
               <a:t>компоненти</a:t>
             </a:r>
             <a:r>
-              <a:rPr sz="1800" dirty="0">
-                <a:solidFill>
-                  <a:schemeClr val="tx1"/>
-                </a:solidFill>
-                <a:latin typeface="Times New Roman"/>
-                <a:cs typeface="Times New Roman"/>
-              </a:rPr>
-              <a:t> </a:t>
-            </a:r>
-            <a:r>
-              <a:rPr sz="1800" spc="5" dirty="0">
-                <a:solidFill>
-                  <a:schemeClr val="tx1"/>
-                </a:solidFill>
-                <a:latin typeface="Times New Roman"/>
-                <a:cs typeface="Times New Roman"/>
-              </a:rPr>
-              <a:t> </a:t>
-            </a:r>
-            <a:r>
-              <a:rPr sz="1800" spc="10" dirty="0" err="1">
+              <a:rPr sz="1800">
+                <a:solidFill>
+                  <a:schemeClr val="tx1"/>
+                </a:solidFill>
+                <a:latin typeface="Times New Roman"/>
+                <a:cs typeface="Times New Roman"/>
+              </a:rPr>
+              <a:t> </a:t>
+            </a:r>
+            <a:r>
+              <a:rPr sz="1800" spc="5">
+                <a:solidFill>
+                  <a:schemeClr val="tx1"/>
+                </a:solidFill>
+                <a:latin typeface="Times New Roman"/>
+                <a:cs typeface="Times New Roman"/>
+              </a:rPr>
+              <a:t> </a:t>
+            </a:r>
+            <a:r>
+              <a:rPr sz="1800" spc="10">
                 <a:solidFill>
                   <a:schemeClr val="tx1"/>
                 </a:solidFill>
@@ -11434,17 +11875,17 @@
               <a:t>працюють</a:t>
             </a:r>
             <a:r>
-              <a:rPr sz="1800" spc="10" dirty="0">
-                <a:solidFill>
-                  <a:schemeClr val="tx1"/>
-                </a:solidFill>
-                <a:latin typeface="Times New Roman"/>
-                <a:cs typeface="Times New Roman"/>
-              </a:rPr>
-              <a:t> </a:t>
-            </a:r>
-            <a:r>
-              <a:rPr sz="1800" spc="10" dirty="0" err="1">
+              <a:rPr sz="1800" spc="10">
+                <a:solidFill>
+                  <a:schemeClr val="tx1"/>
+                </a:solidFill>
+                <a:latin typeface="Times New Roman"/>
+                <a:cs typeface="Times New Roman"/>
+              </a:rPr>
+              <a:t> </a:t>
+            </a:r>
+            <a:r>
+              <a:rPr sz="1800" spc="10">
                 <a:solidFill>
                   <a:schemeClr val="tx1"/>
                 </a:solidFill>
@@ -11454,7 +11895,7 @@
               <a:t>разом</a:t>
             </a:r>
             <a:r>
-              <a:rPr sz="1800" spc="10" dirty="0">
+              <a:rPr sz="1800" spc="10">
                 <a:solidFill>
                   <a:schemeClr val="tx1"/>
                 </a:solidFill>
@@ -11464,7 +11905,7 @@
               <a:t>, </a:t>
             </a:r>
             <a:r>
-              <a:rPr sz="1800" spc="10" dirty="0" err="1">
+              <a:rPr sz="1800" spc="10">
                 <a:solidFill>
                   <a:schemeClr val="tx1"/>
                 </a:solidFill>
@@ -11474,17 +11915,17 @@
               <a:t>щоб</a:t>
             </a:r>
             <a:r>
-              <a:rPr sz="1800" spc="10" dirty="0">
-                <a:solidFill>
-                  <a:schemeClr val="tx1"/>
-                </a:solidFill>
-                <a:latin typeface="Times New Roman"/>
-                <a:cs typeface="Times New Roman"/>
-              </a:rPr>
-              <a:t> </a:t>
-            </a:r>
-            <a:r>
-              <a:rPr sz="1800" spc="5" dirty="0" err="1">
+              <a:rPr sz="1800" spc="10">
+                <a:solidFill>
+                  <a:schemeClr val="tx1"/>
+                </a:solidFill>
+                <a:latin typeface="Times New Roman"/>
+                <a:cs typeface="Times New Roman"/>
+              </a:rPr>
+              <a:t> </a:t>
+            </a:r>
+            <a:r>
+              <a:rPr sz="1800" spc="5">
                 <a:solidFill>
                   <a:schemeClr val="tx1"/>
                 </a:solidFill>
@@ -11494,17 +11935,17 @@
               <a:t>підтримувати</a:t>
             </a:r>
             <a:r>
-              <a:rPr sz="1800" spc="5" dirty="0">
-                <a:solidFill>
-                  <a:schemeClr val="tx1"/>
-                </a:solidFill>
-                <a:latin typeface="Times New Roman"/>
-                <a:cs typeface="Times New Roman"/>
-              </a:rPr>
-              <a:t> </a:t>
-            </a:r>
-            <a:r>
-              <a:rPr sz="1800" spc="10" dirty="0" err="1">
+              <a:rPr sz="1800" spc="5">
+                <a:solidFill>
+                  <a:schemeClr val="tx1"/>
+                </a:solidFill>
+                <a:latin typeface="Times New Roman"/>
+                <a:cs typeface="Times New Roman"/>
+              </a:rPr>
+              <a:t> </a:t>
+            </a:r>
+            <a:r>
+              <a:rPr sz="1800" spc="10">
                 <a:solidFill>
                   <a:schemeClr val="tx1"/>
                 </a:solidFill>
@@ -11514,17 +11955,17 @@
               <a:t>мережу</a:t>
             </a:r>
             <a:r>
-              <a:rPr sz="1800" spc="10" dirty="0">
-                <a:solidFill>
-                  <a:schemeClr val="tx1"/>
-                </a:solidFill>
-                <a:latin typeface="Times New Roman"/>
-                <a:cs typeface="Times New Roman"/>
-              </a:rPr>
-              <a:t> </a:t>
-            </a:r>
-            <a:r>
-              <a:rPr sz="1800" spc="-5" dirty="0">
+              <a:rPr sz="1800" spc="10">
+                <a:solidFill>
+                  <a:schemeClr val="tx1"/>
+                </a:solidFill>
+                <a:latin typeface="Times New Roman"/>
+                <a:cs typeface="Times New Roman"/>
+              </a:rPr>
+              <a:t> </a:t>
+            </a:r>
+            <a:r>
+              <a:rPr sz="1800" spc="-5">
                 <a:solidFill>
                   <a:schemeClr val="tx1"/>
                 </a:solidFill>
@@ -11534,7 +11975,7 @@
               <a:t>блокчейн </a:t>
             </a:r>
             <a:r>
-              <a:rPr sz="1800" spc="5" dirty="0">
+              <a:rPr sz="1800" spc="5">
                 <a:solidFill>
                   <a:schemeClr val="tx1"/>
                 </a:solidFill>
@@ -11544,17 +11985,17 @@
               <a:t>і </a:t>
             </a:r>
             <a:r>
-              <a:rPr sz="1800" spc="10" dirty="0">
-                <a:solidFill>
-                  <a:schemeClr val="tx1"/>
-                </a:solidFill>
-                <a:latin typeface="Times New Roman"/>
-                <a:cs typeface="Times New Roman"/>
-              </a:rPr>
-              <a:t> </a:t>
-            </a:r>
-            <a:r>
-              <a:rPr sz="1800" spc="5" dirty="0" err="1">
+              <a:rPr sz="1800" spc="10">
+                <a:solidFill>
+                  <a:schemeClr val="tx1"/>
+                </a:solidFill>
+                <a:latin typeface="Times New Roman"/>
+                <a:cs typeface="Times New Roman"/>
+              </a:rPr>
+              <a:t> </a:t>
+            </a:r>
+            <a:r>
+              <a:rPr sz="1800" spc="5">
                 <a:solidFill>
                   <a:schemeClr val="tx1"/>
                 </a:solidFill>
@@ -11564,7 +12005,7 @@
               <a:t>гарантувати</a:t>
             </a:r>
             <a:r>
-              <a:rPr sz="1800" spc="5" dirty="0">
+              <a:rPr sz="1800" spc="5">
                 <a:solidFill>
                   <a:schemeClr val="tx1"/>
                 </a:solidFill>
@@ -11574,17 +12015,17 @@
               <a:t>,</a:t>
             </a:r>
             <a:r>
-              <a:rPr sz="1800" spc="25" dirty="0">
-                <a:solidFill>
-                  <a:schemeClr val="tx1"/>
-                </a:solidFill>
-                <a:latin typeface="Times New Roman"/>
-                <a:cs typeface="Times New Roman"/>
-              </a:rPr>
-              <a:t> </a:t>
-            </a:r>
-            <a:r>
-              <a:rPr sz="1800" spc="15" dirty="0" err="1">
+              <a:rPr sz="1800" spc="25">
+                <a:solidFill>
+                  <a:schemeClr val="tx1"/>
+                </a:solidFill>
+                <a:latin typeface="Times New Roman"/>
+                <a:cs typeface="Times New Roman"/>
+              </a:rPr>
+              <a:t> </a:t>
+            </a:r>
+            <a:r>
+              <a:rPr sz="1800" spc="15">
                 <a:solidFill>
                   <a:schemeClr val="tx1"/>
                 </a:solidFill>
@@ -11594,17 +12035,17 @@
               <a:t>що</a:t>
             </a:r>
             <a:r>
-              <a:rPr sz="1800" spc="15" dirty="0">
-                <a:solidFill>
-                  <a:schemeClr val="tx1"/>
-                </a:solidFill>
-                <a:latin typeface="Times New Roman"/>
-                <a:cs typeface="Times New Roman"/>
-              </a:rPr>
-              <a:t> </a:t>
-            </a:r>
-            <a:r>
-              <a:rPr sz="1800" spc="5" dirty="0" err="1">
+              <a:rPr sz="1800" spc="15">
+                <a:solidFill>
+                  <a:schemeClr val="tx1"/>
+                </a:solidFill>
+                <a:latin typeface="Times New Roman"/>
+                <a:cs typeface="Times New Roman"/>
+              </a:rPr>
+              <a:t> </a:t>
+            </a:r>
+            <a:r>
+              <a:rPr sz="1800" spc="5">
                 <a:solidFill>
                   <a:schemeClr val="tx1"/>
                 </a:solidFill>
@@ -11614,17 +12055,17 @@
               <a:t>тільки</a:t>
             </a:r>
             <a:r>
-              <a:rPr sz="1800" spc="15" dirty="0">
-                <a:solidFill>
-                  <a:schemeClr val="tx1"/>
-                </a:solidFill>
-                <a:latin typeface="Times New Roman"/>
-                <a:cs typeface="Times New Roman"/>
-              </a:rPr>
-              <a:t> </a:t>
-            </a:r>
-            <a:r>
-              <a:rPr sz="1800" spc="5" dirty="0" err="1">
+              <a:rPr sz="1800" spc="15">
+                <a:solidFill>
+                  <a:schemeClr val="tx1"/>
+                </a:solidFill>
+                <a:latin typeface="Times New Roman"/>
+                <a:cs typeface="Times New Roman"/>
+              </a:rPr>
+              <a:t> </a:t>
+            </a:r>
+            <a:r>
+              <a:rPr sz="1800" spc="5">
                 <a:solidFill>
                   <a:schemeClr val="tx1"/>
                 </a:solidFill>
@@ -11634,17 +12075,17 @@
               <a:t>дійсні</a:t>
             </a:r>
             <a:r>
-              <a:rPr sz="1800" spc="20" dirty="0">
-                <a:solidFill>
-                  <a:schemeClr val="tx1"/>
-                </a:solidFill>
-                <a:latin typeface="Times New Roman"/>
-                <a:cs typeface="Times New Roman"/>
-              </a:rPr>
-              <a:t> </a:t>
-            </a:r>
-            <a:r>
-              <a:rPr sz="1800" spc="10" dirty="0" err="1">
+              <a:rPr sz="1800" spc="20">
+                <a:solidFill>
+                  <a:schemeClr val="tx1"/>
+                </a:solidFill>
+                <a:latin typeface="Times New Roman"/>
+                <a:cs typeface="Times New Roman"/>
+              </a:rPr>
+              <a:t> </a:t>
+            </a:r>
+            <a:r>
+              <a:rPr sz="1800" spc="10">
                 <a:solidFill>
                   <a:schemeClr val="tx1"/>
                 </a:solidFill>
@@ -11654,17 +12095,17 @@
               <a:t>транзакції</a:t>
             </a:r>
             <a:r>
-              <a:rPr sz="1800" spc="15" dirty="0">
-                <a:solidFill>
-                  <a:schemeClr val="tx1"/>
-                </a:solidFill>
-                <a:latin typeface="Times New Roman"/>
-                <a:cs typeface="Times New Roman"/>
-              </a:rPr>
-              <a:t> </a:t>
-            </a:r>
-            <a:r>
-              <a:rPr sz="1800" spc="-15" dirty="0" err="1">
+              <a:rPr sz="1800" spc="15">
+                <a:solidFill>
+                  <a:schemeClr val="tx1"/>
+                </a:solidFill>
+                <a:latin typeface="Times New Roman"/>
+                <a:cs typeface="Times New Roman"/>
+              </a:rPr>
+              <a:t> </a:t>
+            </a:r>
+            <a:r>
+              <a:rPr sz="1800" spc="-15">
                 <a:solidFill>
                   <a:schemeClr val="tx1"/>
                 </a:solidFill>
@@ -11674,17 +12115,17 @@
               <a:t>будуть</a:t>
             </a:r>
             <a:r>
-              <a:rPr sz="1800" spc="15" dirty="0">
-                <a:solidFill>
-                  <a:schemeClr val="tx1"/>
-                </a:solidFill>
-                <a:latin typeface="Times New Roman"/>
-                <a:cs typeface="Times New Roman"/>
-              </a:rPr>
-              <a:t> </a:t>
-            </a:r>
-            <a:r>
-              <a:rPr sz="1800" dirty="0" err="1">
+              <a:rPr sz="1800" spc="15">
+                <a:solidFill>
+                  <a:schemeClr val="tx1"/>
+                </a:solidFill>
+                <a:latin typeface="Times New Roman"/>
+                <a:cs typeface="Times New Roman"/>
+              </a:rPr>
+              <a:t> </a:t>
+            </a:r>
+            <a:r>
+              <a:rPr sz="1800">
                 <a:solidFill>
                   <a:schemeClr val="tx1"/>
                 </a:solidFill>
@@ -11694,27 +12135,27 @@
               <a:t>включені</a:t>
             </a:r>
             <a:r>
-              <a:rPr sz="1800" dirty="0">
-                <a:solidFill>
-                  <a:schemeClr val="tx1"/>
-                </a:solidFill>
-                <a:latin typeface="Times New Roman"/>
-                <a:cs typeface="Times New Roman"/>
-              </a:rPr>
-              <a:t> </a:t>
-            </a:r>
-            <a:r>
-              <a:rPr sz="1800" spc="5" dirty="0">
-                <a:solidFill>
-                  <a:schemeClr val="tx1"/>
-                </a:solidFill>
-                <a:latin typeface="Times New Roman"/>
-                <a:cs typeface="Times New Roman"/>
-              </a:rPr>
-              <a:t> </a:t>
-            </a:r>
-            <a:r>
-              <a:rPr sz="1800" spc="10" dirty="0">
+              <a:rPr sz="1800">
+                <a:solidFill>
+                  <a:schemeClr val="tx1"/>
+                </a:solidFill>
+                <a:latin typeface="Times New Roman"/>
+                <a:cs typeface="Times New Roman"/>
+              </a:rPr>
+              <a:t> </a:t>
+            </a:r>
+            <a:r>
+              <a:rPr sz="1800" spc="5">
+                <a:solidFill>
+                  <a:schemeClr val="tx1"/>
+                </a:solidFill>
+                <a:latin typeface="Times New Roman"/>
+                <a:cs typeface="Times New Roman"/>
+              </a:rPr>
+              <a:t> </a:t>
+            </a:r>
+            <a:r>
+              <a:rPr sz="1800" spc="10">
                 <a:solidFill>
                   <a:schemeClr val="tx1"/>
                 </a:solidFill>
@@ -11724,17 +12165,17 @@
               <a:t>в</a:t>
             </a:r>
             <a:r>
-              <a:rPr sz="1800" spc="-20" dirty="0">
-                <a:solidFill>
-                  <a:schemeClr val="tx1"/>
-                </a:solidFill>
-                <a:latin typeface="Times New Roman"/>
-                <a:cs typeface="Times New Roman"/>
-              </a:rPr>
-              <a:t> </a:t>
-            </a:r>
-            <a:r>
-              <a:rPr sz="1800" dirty="0">
+              <a:rPr sz="1800" spc="-20">
+                <a:solidFill>
+                  <a:schemeClr val="tx1"/>
+                </a:solidFill>
+                <a:latin typeface="Times New Roman"/>
+                <a:cs typeface="Times New Roman"/>
+              </a:rPr>
+              <a:t> </a:t>
+            </a:r>
+            <a:r>
+              <a:rPr sz="1800">
                 <a:solidFill>
                   <a:schemeClr val="tx1"/>
                 </a:solidFill>
@@ -11743,6 +12184,7 @@
               </a:rPr>
               <a:t>блокчейн.</a:t>
             </a:r>
+            <a:endParaRPr/>
           </a:p>
         </p:txBody>
       </p:sp>
@@ -11840,7 +12282,7 @@
             </a:pPr>
             <a:fld id="{9E735286-D653-970E-6EB7-3767F71D2E85}" type="slidenum">
               <a:rPr sz="2800"/>
-              <a:t>6</a:t>
+              <a:t/>
             </a:fld>
             <a:endParaRPr/>
           </a:p>
@@ -11914,12 +12356,20 @@
   <p:clrMapOvr>
     <a:masterClrMapping/>
   </p:clrMapOvr>
+  <mc:AlternateContent xmlns:mc="http://schemas.openxmlformats.org/markup-compatibility/2006">
+    <mc:Choice xmlns:p14="http://schemas.microsoft.com/office/powerpoint/2010/main" Requires="p14">
+      <p:transition p14:dur="2000" advClick="1"/>
+    </mc:Choice>
+    <mc:Fallback>
+      <p:transition advClick="1"/>
+    </mc:Fallback>
+  </mc:AlternateContent>
 </p:sld>
 </file>
 
 <file path=ppt/slides/slide7.xml><?xml version="1.0" encoding="utf-8"?>
-<p:sld xmlns:a="http://schemas.openxmlformats.org/drawingml/2006/main" xmlns:r="http://schemas.openxmlformats.org/officeDocument/2006/relationships" xmlns:p="http://schemas.openxmlformats.org/presentationml/2006/main" showMasterSp="0" showMasterPhAnim="0">
-  <p:cSld>
+<p:sld xmlns:a="http://schemas.openxmlformats.org/drawingml/2006/main" xmlns:r="http://schemas.openxmlformats.org/officeDocument/2006/relationships" xmlns:p="http://schemas.openxmlformats.org/presentationml/2006/main" xmlns:m="http://schemas.openxmlformats.org/officeDocument/2006/math" xmlns:w="http://schemas.openxmlformats.org/wordprocessingml/2006/main" showMasterPhAnim="0" showMasterSp="0" show="1">
+  <p:cSld name="">
     <p:spTree>
       <p:nvGrpSpPr>
         <p:cNvPr id="1" name=""/>
@@ -12028,7 +12478,7 @@
             </a:pPr>
             <a:fld id="{70AAA155-6A15-91B6-2BF4-2864ABBABF10}" type="slidenum">
               <a:rPr sz="2800"/>
-              <a:t>7</a:t>
+              <a:t/>
             </a:fld>
             <a:endParaRPr/>
           </a:p>
@@ -12165,7 +12615,7 @@
               <a:defRPr/>
             </a:pPr>
             <a:r>
-              <a:rPr lang="ru-RU" sz="1800" b="0" i="0" u="none" strike="noStrike" cap="none" spc="0" dirty="0">
+              <a:rPr lang="ru-RU" sz="1800" b="0" i="0" u="none" strike="noStrike" cap="none" spc="0">
                 <a:solidFill>
                   <a:schemeClr val="tx1"/>
                 </a:solidFill>
@@ -12175,7 +12625,7 @@
               <a:t>Наш веб-</a:t>
             </a:r>
             <a:r>
-              <a:rPr lang="ru-RU" sz="1800" b="0" i="0" u="none" strike="noStrike" cap="none" spc="0" dirty="0" err="1">
+              <a:rPr lang="ru-RU" sz="1800" b="0" i="0" u="none" strike="noStrike" cap="none" spc="0">
                 <a:solidFill>
                   <a:schemeClr val="tx1"/>
                 </a:solidFill>
@@ -12185,7 +12635,7 @@
               <a:t>гаманець</a:t>
             </a:r>
             <a:r>
-              <a:rPr lang="ru-RU" sz="1800" b="0" i="0" u="none" strike="noStrike" cap="none" spc="0" dirty="0">
+              <a:rPr lang="ru-RU" sz="1800" b="0" i="0" u="none" strike="noStrike" cap="none" spc="0">
                 <a:solidFill>
                   <a:schemeClr val="tx1"/>
                 </a:solidFill>
@@ -12195,7 +12645,7 @@
               <a:t> на </a:t>
             </a:r>
             <a:r>
-              <a:rPr lang="ru-RU" sz="1800" b="0" i="0" u="none" strike="noStrike" cap="none" spc="0" dirty="0" err="1">
+              <a:rPr lang="ru-RU" sz="1800" b="0" i="0" u="none" strike="noStrike" cap="none" spc="0">
                 <a:solidFill>
                   <a:schemeClr val="tx1"/>
                 </a:solidFill>
@@ -12205,7 +12655,7 @@
               <a:t>основі</a:t>
             </a:r>
             <a:r>
-              <a:rPr lang="ru-RU" sz="1800" b="0" i="0" u="none" strike="noStrike" cap="none" spc="0" dirty="0">
+              <a:rPr lang="ru-RU" sz="1800" b="0" i="0" u="none" strike="noStrike" cap="none" spc="0">
                 <a:solidFill>
                   <a:schemeClr val="tx1"/>
                 </a:solidFill>
@@ -12215,7 +12665,7 @@
               <a:t> блокчейну </a:t>
             </a:r>
             <a:r>
-              <a:rPr lang="ru-RU" sz="1800" b="0" i="0" u="none" strike="noStrike" cap="none" spc="0" dirty="0" err="1">
+              <a:rPr lang="ru-RU" sz="1800" b="0" i="0" u="none" strike="noStrike" cap="none" spc="0">
                 <a:solidFill>
                   <a:schemeClr val="tx1"/>
                 </a:solidFill>
@@ -12225,17 +12675,17 @@
               <a:t>використовує</a:t>
             </a:r>
             <a:r>
-              <a:rPr lang="ru-RU" sz="1800" b="0" i="0" u="none" strike="noStrike" cap="none" spc="0" dirty="0">
-                <a:solidFill>
-                  <a:schemeClr val="tx1"/>
-                </a:solidFill>
-                <a:latin typeface="Times New Roman"/>
-                <a:cs typeface="Times New Roman"/>
-              </a:rPr>
-              <a:t> </a:t>
-            </a:r>
-            <a:r>
-              <a:rPr lang="ru-RU" sz="1800" b="0" i="0" u="none" strike="noStrike" cap="none" spc="0" dirty="0" err="1">
+              <a:rPr lang="ru-RU" sz="1800" b="0" i="0" u="none" strike="noStrike" cap="none" spc="0">
+                <a:solidFill>
+                  <a:schemeClr val="tx1"/>
+                </a:solidFill>
+                <a:latin typeface="Times New Roman"/>
+                <a:cs typeface="Times New Roman"/>
+              </a:rPr>
+              <a:t> </a:t>
+            </a:r>
+            <a:r>
+              <a:rPr lang="ru-RU" sz="1800" b="0" i="0" u="none" strike="noStrike" cap="none" spc="0">
                 <a:solidFill>
                   <a:schemeClr val="tx1"/>
                 </a:solidFill>
@@ -12245,7 +12695,7 @@
               <a:t>архітектуру</a:t>
             </a:r>
             <a:r>
-              <a:rPr lang="ru-RU" sz="1800" b="0" i="0" u="none" strike="noStrike" cap="none" spc="0" dirty="0">
+              <a:rPr lang="ru-RU" sz="1800" b="0" i="0" u="none" strike="noStrike" cap="none" spc="0">
                 <a:solidFill>
                   <a:schemeClr val="tx1"/>
                 </a:solidFill>
@@ -12255,7 +12705,7 @@
               <a:t> Model-View-</a:t>
             </a:r>
             <a:r>
-              <a:rPr lang="ru-RU" sz="1800" b="0" i="0" u="none" strike="noStrike" cap="none" spc="0" dirty="0" err="1">
+              <a:rPr lang="ru-RU" sz="1800" b="0" i="0" u="none" strike="noStrike" cap="none" spc="0">
                 <a:solidFill>
                   <a:schemeClr val="tx1"/>
                 </a:solidFill>
@@ -12265,7 +12715,7 @@
               <a:t>Controller</a:t>
             </a:r>
             <a:r>
-              <a:rPr lang="ru-RU" sz="1800" b="0" i="0" u="none" strike="noStrike" cap="none" spc="0" dirty="0">
+              <a:rPr lang="ru-RU" sz="1800" b="0" i="0" u="none" strike="noStrike" cap="none" spc="0">
                 <a:solidFill>
                   <a:schemeClr val="tx1"/>
                 </a:solidFill>
@@ -12275,7 +12725,7 @@
               <a:t> (MVC) для </a:t>
             </a:r>
             <a:r>
-              <a:rPr lang="ru-RU" sz="1800" b="0" i="0" u="none" strike="noStrike" cap="none" spc="0" dirty="0" err="1">
+              <a:rPr lang="ru-RU" sz="1800" b="0" i="0" u="none" strike="noStrike" cap="none" spc="0">
                 <a:solidFill>
                   <a:schemeClr val="tx1"/>
                 </a:solidFill>
@@ -12285,17 +12735,17 @@
               <a:t>оптимізації</a:t>
             </a:r>
             <a:r>
-              <a:rPr lang="ru-RU" sz="1800" b="0" i="0" u="none" strike="noStrike" cap="none" spc="0" dirty="0">
-                <a:solidFill>
-                  <a:schemeClr val="tx1"/>
-                </a:solidFill>
-                <a:latin typeface="Times New Roman"/>
-                <a:cs typeface="Times New Roman"/>
-              </a:rPr>
-              <a:t> </a:t>
-            </a:r>
-            <a:r>
-              <a:rPr lang="ru-RU" sz="1800" b="0" i="0" u="none" strike="noStrike" cap="none" spc="0" dirty="0" err="1">
+              <a:rPr lang="ru-RU" sz="1800" b="0" i="0" u="none" strike="noStrike" cap="none" spc="0">
+                <a:solidFill>
+                  <a:schemeClr val="tx1"/>
+                </a:solidFill>
+                <a:latin typeface="Times New Roman"/>
+                <a:cs typeface="Times New Roman"/>
+              </a:rPr>
+              <a:t> </a:t>
+            </a:r>
+            <a:r>
+              <a:rPr lang="ru-RU" sz="1800" b="0" i="0" u="none" strike="noStrike" cap="none" spc="0">
                 <a:solidFill>
                   <a:schemeClr val="tx1"/>
                 </a:solidFill>
@@ -12305,7 +12755,7 @@
               <a:t>операцій</a:t>
             </a:r>
             <a:r>
-              <a:rPr lang="ru-RU" sz="1800" b="0" i="0" u="none" strike="noStrike" cap="none" spc="0" dirty="0">
+              <a:rPr lang="ru-RU" sz="1800" b="0" i="0" u="none" strike="noStrike" cap="none" spc="0">
                 <a:solidFill>
                   <a:schemeClr val="tx1"/>
                 </a:solidFill>
@@ -12315,7 +12765,7 @@
               <a:t> та </a:t>
             </a:r>
             <a:r>
-              <a:rPr lang="ru-RU" sz="1800" b="0" i="0" u="none" strike="noStrike" cap="none" spc="0" dirty="0" err="1">
+              <a:rPr lang="ru-RU" sz="1800" b="0" i="0" u="none" strike="noStrike" cap="none" spc="0">
                 <a:solidFill>
                   <a:schemeClr val="tx1"/>
                 </a:solidFill>
@@ -12325,17 +12775,17 @@
               <a:t>покращення</a:t>
             </a:r>
             <a:r>
-              <a:rPr lang="ru-RU" sz="1800" b="0" i="0" u="none" strike="noStrike" cap="none" spc="0" dirty="0">
-                <a:solidFill>
-                  <a:schemeClr val="tx1"/>
-                </a:solidFill>
-                <a:latin typeface="Times New Roman"/>
-                <a:cs typeface="Times New Roman"/>
-              </a:rPr>
-              <a:t> </a:t>
-            </a:r>
-            <a:r>
-              <a:rPr lang="ru-RU" sz="1800" b="0" i="0" u="none" strike="noStrike" cap="none" spc="0" dirty="0" err="1">
+              <a:rPr lang="ru-RU" sz="1800" b="0" i="0" u="none" strike="noStrike" cap="none" spc="0">
+                <a:solidFill>
+                  <a:schemeClr val="tx1"/>
+                </a:solidFill>
+                <a:latin typeface="Times New Roman"/>
+                <a:cs typeface="Times New Roman"/>
+              </a:rPr>
+              <a:t> </a:t>
+            </a:r>
+            <a:r>
+              <a:rPr lang="ru-RU" sz="1800" b="0" i="0" u="none" strike="noStrike" cap="none" spc="0">
                 <a:solidFill>
                   <a:schemeClr val="tx1"/>
                 </a:solidFill>
@@ -12345,17 +12795,17 @@
               <a:t>користувацького</a:t>
             </a:r>
             <a:r>
-              <a:rPr lang="ru-RU" sz="1800" b="0" i="0" u="none" strike="noStrike" cap="none" spc="0" dirty="0">
-                <a:solidFill>
-                  <a:schemeClr val="tx1"/>
-                </a:solidFill>
-                <a:latin typeface="Times New Roman"/>
-                <a:cs typeface="Times New Roman"/>
-              </a:rPr>
-              <a:t> </a:t>
-            </a:r>
-            <a:r>
-              <a:rPr lang="ru-RU" sz="1800" b="0" i="0" u="none" strike="noStrike" cap="none" spc="0" dirty="0" err="1">
+              <a:rPr lang="ru-RU" sz="1800" b="0" i="0" u="none" strike="noStrike" cap="none" spc="0">
+                <a:solidFill>
+                  <a:schemeClr val="tx1"/>
+                </a:solidFill>
+                <a:latin typeface="Times New Roman"/>
+                <a:cs typeface="Times New Roman"/>
+              </a:rPr>
+              <a:t> </a:t>
+            </a:r>
+            <a:r>
+              <a:rPr lang="ru-RU" sz="1800" b="0" i="0" u="none" strike="noStrike" cap="none" spc="0">
                 <a:solidFill>
                   <a:schemeClr val="tx1"/>
                 </a:solidFill>
@@ -12365,7 +12815,7 @@
               <a:t>досвіду</a:t>
             </a:r>
             <a:r>
-              <a:rPr lang="ru-RU" sz="1800" b="0" i="0" u="none" strike="noStrike" cap="none" spc="0" dirty="0">
+              <a:rPr lang="ru-RU" sz="1800" b="0" i="0" u="none" strike="noStrike" cap="none" spc="0">
                 <a:solidFill>
                   <a:schemeClr val="tx1"/>
                 </a:solidFill>
@@ -12375,7 +12825,7 @@
               <a:t>. Модель </a:t>
             </a:r>
             <a:r>
-              <a:rPr lang="ru-RU" sz="1800" b="0" i="0" u="none" strike="noStrike" cap="none" spc="0" dirty="0" err="1">
+              <a:rPr lang="ru-RU" sz="1800" b="0" i="0" u="none" strike="noStrike" cap="none" spc="0">
                 <a:solidFill>
                   <a:schemeClr val="tx1"/>
                 </a:solidFill>
@@ -12385,17 +12835,17 @@
               <a:t>відповідає</a:t>
             </a:r>
             <a:r>
-              <a:rPr lang="ru-RU" sz="1800" b="0" i="0" u="none" strike="noStrike" cap="none" spc="0" dirty="0">
-                <a:solidFill>
-                  <a:schemeClr val="tx1"/>
-                </a:solidFill>
-                <a:latin typeface="Times New Roman"/>
-                <a:cs typeface="Times New Roman"/>
-              </a:rPr>
-              <a:t> </a:t>
-            </a:r>
-            <a:r>
-              <a:rPr lang="ru-RU" sz="1800" b="0" i="0" u="none" strike="noStrike" cap="none" spc="0" dirty="0" err="1">
+              <a:rPr lang="ru-RU" sz="1800" b="0" i="0" u="none" strike="noStrike" cap="none" spc="0">
+                <a:solidFill>
+                  <a:schemeClr val="tx1"/>
+                </a:solidFill>
+                <a:latin typeface="Times New Roman"/>
+                <a:cs typeface="Times New Roman"/>
+              </a:rPr>
+              <a:t> </a:t>
+            </a:r>
+            <a:r>
+              <a:rPr lang="ru-RU" sz="1800" b="0" i="0" u="none" strike="noStrike" cap="none" spc="0">
                 <a:solidFill>
                   <a:schemeClr val="tx1"/>
                 </a:solidFill>
@@ -12405,17 +12855,17 @@
               <a:t>основним</a:t>
             </a:r>
             <a:r>
-              <a:rPr lang="ru-RU" sz="1800" b="0" i="0" u="none" strike="noStrike" cap="none" spc="0" dirty="0">
-                <a:solidFill>
-                  <a:schemeClr val="tx1"/>
-                </a:solidFill>
-                <a:latin typeface="Times New Roman"/>
-                <a:cs typeface="Times New Roman"/>
-              </a:rPr>
-              <a:t> </a:t>
-            </a:r>
-            <a:r>
-              <a:rPr lang="ru-RU" sz="1800" b="0" i="0" u="none" strike="noStrike" cap="none" spc="0" dirty="0" err="1">
+              <a:rPr lang="ru-RU" sz="1800" b="0" i="0" u="none" strike="noStrike" cap="none" spc="0">
+                <a:solidFill>
+                  <a:schemeClr val="tx1"/>
+                </a:solidFill>
+                <a:latin typeface="Times New Roman"/>
+                <a:cs typeface="Times New Roman"/>
+              </a:rPr>
+              <a:t> </a:t>
+            </a:r>
+            <a:r>
+              <a:rPr lang="ru-RU" sz="1800" b="0" i="0" u="none" strike="noStrike" cap="none" spc="0">
                 <a:solidFill>
                   <a:schemeClr val="tx1"/>
                 </a:solidFill>
@@ -12425,7 +12875,7 @@
               <a:t>даним</a:t>
             </a:r>
             <a:r>
-              <a:rPr lang="ru-RU" sz="1800" b="0" i="0" u="none" strike="noStrike" cap="none" spc="0" dirty="0">
+              <a:rPr lang="ru-RU" sz="1800" b="0" i="0" u="none" strike="noStrike" cap="none" spc="0">
                 <a:solidFill>
                   <a:schemeClr val="tx1"/>
                 </a:solidFill>
@@ -12435,7 +12885,7 @@
               <a:t> і правилам </a:t>
             </a:r>
             <a:r>
-              <a:rPr lang="ru-RU" sz="1800" b="0" i="0" u="none" strike="noStrike" cap="none" spc="0" dirty="0" err="1">
+              <a:rPr lang="ru-RU" sz="1800" b="0" i="0" u="none" strike="noStrike" cap="none" spc="0">
                 <a:solidFill>
                   <a:schemeClr val="tx1"/>
                 </a:solidFill>
@@ -12445,17 +12895,17 @@
               <a:t>нашого</a:t>
             </a:r>
             <a:r>
-              <a:rPr lang="ru-RU" sz="1800" b="0" i="0" u="none" strike="noStrike" cap="none" spc="0" dirty="0">
-                <a:solidFill>
-                  <a:schemeClr val="tx1"/>
-                </a:solidFill>
-                <a:latin typeface="Times New Roman"/>
-                <a:cs typeface="Times New Roman"/>
-              </a:rPr>
-              <a:t> </a:t>
-            </a:r>
-            <a:r>
-              <a:rPr lang="ru-RU" sz="1800" b="0" i="0" u="none" strike="noStrike" cap="none" spc="0" dirty="0" err="1">
+              <a:rPr lang="ru-RU" sz="1800" b="0" i="0" u="none" strike="noStrike" cap="none" spc="0">
+                <a:solidFill>
+                  <a:schemeClr val="tx1"/>
+                </a:solidFill>
+                <a:latin typeface="Times New Roman"/>
+                <a:cs typeface="Times New Roman"/>
+              </a:rPr>
+              <a:t> </a:t>
+            </a:r>
+            <a:r>
+              <a:rPr lang="ru-RU" sz="1800" b="0" i="0" u="none" strike="noStrike" cap="none" spc="0">
                 <a:solidFill>
                   <a:schemeClr val="tx1"/>
                 </a:solidFill>
@@ -12465,7 +12915,7 @@
               <a:t>додатку</a:t>
             </a:r>
             <a:r>
-              <a:rPr lang="ru-RU" sz="1800" b="0" i="0" u="none" strike="noStrike" cap="none" spc="0" dirty="0">
+              <a:rPr lang="ru-RU" sz="1800" b="0" i="0" u="none" strike="noStrike" cap="none" spc="0">
                 <a:solidFill>
                   <a:schemeClr val="tx1"/>
                 </a:solidFill>
@@ -12475,7 +12925,7 @@
               <a:t>, таким як </a:t>
             </a:r>
             <a:r>
-              <a:rPr lang="ru-RU" sz="1800" b="0" i="0" u="none" strike="noStrike" cap="none" spc="0" dirty="0" err="1">
+              <a:rPr lang="ru-RU" sz="1800" b="0" i="0" u="none" strike="noStrike" cap="none" spc="0">
                 <a:solidFill>
                   <a:schemeClr val="tx1"/>
                 </a:solidFill>
@@ -12485,7 +12935,7 @@
               <a:t>інформація</a:t>
             </a:r>
             <a:r>
-              <a:rPr lang="ru-RU" sz="1800" b="0" i="0" u="none" strike="noStrike" cap="none" spc="0" dirty="0">
+              <a:rPr lang="ru-RU" sz="1800" b="0" i="0" u="none" strike="noStrike" cap="none" spc="0">
                 <a:solidFill>
                   <a:schemeClr val="tx1"/>
                 </a:solidFill>
@@ -12495,7 +12945,7 @@
               <a:t> про </a:t>
             </a:r>
             <a:r>
-              <a:rPr lang="ru-RU" sz="1800" b="0" i="0" u="none" strike="noStrike" cap="none" spc="0" dirty="0" err="1">
+              <a:rPr lang="ru-RU" sz="1800" b="0" i="0" u="none" strike="noStrike" cap="none" spc="0">
                 <a:solidFill>
                   <a:schemeClr val="tx1"/>
                 </a:solidFill>
@@ -12505,17 +12955,17 @@
               <a:t>обліковий</a:t>
             </a:r>
             <a:r>
-              <a:rPr lang="ru-RU" sz="1800" b="0" i="0" u="none" strike="noStrike" cap="none" spc="0" dirty="0">
-                <a:solidFill>
-                  <a:schemeClr val="tx1"/>
-                </a:solidFill>
-                <a:latin typeface="Times New Roman"/>
-                <a:cs typeface="Times New Roman"/>
-              </a:rPr>
-              <a:t> </a:t>
-            </a:r>
-            <a:r>
-              <a:rPr lang="ru-RU" sz="1800" b="0" i="0" u="none" strike="noStrike" cap="none" spc="0" dirty="0" err="1">
+              <a:rPr lang="ru-RU" sz="1800" b="0" i="0" u="none" strike="noStrike" cap="none" spc="0">
+                <a:solidFill>
+                  <a:schemeClr val="tx1"/>
+                </a:solidFill>
+                <a:latin typeface="Times New Roman"/>
+                <a:cs typeface="Times New Roman"/>
+              </a:rPr>
+              <a:t> </a:t>
+            </a:r>
+            <a:r>
+              <a:rPr lang="ru-RU" sz="1800" b="0" i="0" u="none" strike="noStrike" cap="none" spc="0">
                 <a:solidFill>
                   <a:schemeClr val="tx1"/>
                 </a:solidFill>
@@ -12525,17 +12975,17 @@
               <a:t>запис</a:t>
             </a:r>
             <a:r>
-              <a:rPr lang="ru-RU" sz="1800" b="0" i="0" u="none" strike="noStrike" cap="none" spc="0" dirty="0">
-                <a:solidFill>
-                  <a:schemeClr val="tx1"/>
-                </a:solidFill>
-                <a:latin typeface="Times New Roman"/>
-                <a:cs typeface="Times New Roman"/>
-              </a:rPr>
-              <a:t> </a:t>
-            </a:r>
-            <a:r>
-              <a:rPr lang="ru-RU" sz="1800" b="0" i="0" u="none" strike="noStrike" cap="none" spc="0" dirty="0" err="1">
+              <a:rPr lang="ru-RU" sz="1800" b="0" i="0" u="none" strike="noStrike" cap="none" spc="0">
+                <a:solidFill>
+                  <a:schemeClr val="tx1"/>
+                </a:solidFill>
+                <a:latin typeface="Times New Roman"/>
+                <a:cs typeface="Times New Roman"/>
+              </a:rPr>
+              <a:t> </a:t>
+            </a:r>
+            <a:r>
+              <a:rPr lang="ru-RU" sz="1800" b="0" i="0" u="none" strike="noStrike" cap="none" spc="0">
                 <a:solidFill>
                   <a:schemeClr val="tx1"/>
                 </a:solidFill>
@@ -12545,7 +12995,7 @@
               <a:t>користувача</a:t>
             </a:r>
             <a:r>
-              <a:rPr lang="ru-RU" sz="1800" b="0" i="0" u="none" strike="noStrike" cap="none" spc="0" dirty="0">
+              <a:rPr lang="ru-RU" sz="1800" b="0" i="0" u="none" strike="noStrike" cap="none" spc="0">
                 <a:solidFill>
                   <a:schemeClr val="tx1"/>
                 </a:solidFill>
@@ -12555,7 +13005,7 @@
               <a:t> і </a:t>
             </a:r>
             <a:r>
-              <a:rPr lang="ru-RU" sz="1800" b="0" i="0" u="none" strike="noStrike" cap="none" spc="0" dirty="0" err="1">
+              <a:rPr lang="ru-RU" sz="1800" b="0" i="0" u="none" strike="noStrike" cap="none" spc="0">
                 <a:solidFill>
                   <a:schemeClr val="tx1"/>
                 </a:solidFill>
@@ -12565,17 +13015,17 @@
               <a:t>логіка</a:t>
             </a:r>
             <a:r>
-              <a:rPr lang="ru-RU" sz="1800" b="0" i="0" u="none" strike="noStrike" cap="none" spc="0" dirty="0">
-                <a:solidFill>
-                  <a:schemeClr val="tx1"/>
-                </a:solidFill>
-                <a:latin typeface="Times New Roman"/>
-                <a:cs typeface="Times New Roman"/>
-              </a:rPr>
-              <a:t> </a:t>
-            </a:r>
-            <a:r>
-              <a:rPr lang="ru-RU" sz="1800" b="0" i="0" u="none" strike="noStrike" cap="none" spc="0" dirty="0" err="1">
+              <a:rPr lang="ru-RU" sz="1800" b="0" i="0" u="none" strike="noStrike" cap="none" spc="0">
+                <a:solidFill>
+                  <a:schemeClr val="tx1"/>
+                </a:solidFill>
+                <a:latin typeface="Times New Roman"/>
+                <a:cs typeface="Times New Roman"/>
+              </a:rPr>
+              <a:t> </a:t>
+            </a:r>
+            <a:r>
+              <a:rPr lang="ru-RU" sz="1800" b="0" i="0" u="none" strike="noStrike" cap="none" spc="0">
                 <a:solidFill>
                   <a:schemeClr val="tx1"/>
                 </a:solidFill>
@@ -12585,7 +13035,7 @@
               <a:t>транзакцій</a:t>
             </a:r>
             <a:r>
-              <a:rPr lang="ru-RU" sz="1800" b="0" i="0" u="none" strike="noStrike" cap="none" spc="0" dirty="0">
+              <a:rPr lang="ru-RU" sz="1800" b="0" i="0" u="none" strike="noStrike" cap="none" spc="0">
                 <a:solidFill>
                   <a:schemeClr val="tx1"/>
                 </a:solidFill>
@@ -12595,7 +13045,7 @@
               <a:t>. </a:t>
             </a:r>
             <a:r>
-              <a:rPr lang="ru-RU" sz="1800" b="0" i="0" u="none" strike="noStrike" cap="none" spc="0" dirty="0" err="1">
+              <a:rPr lang="ru-RU" sz="1800" b="0" i="0" u="none" strike="noStrike" cap="none" spc="0">
                 <a:solidFill>
                   <a:schemeClr val="tx1"/>
                 </a:solidFill>
@@ -12605,17 +13055,17 @@
               <a:t>Представлення</a:t>
             </a:r>
             <a:r>
-              <a:rPr lang="ru-RU" sz="1800" b="0" i="0" u="none" strike="noStrike" cap="none" spc="0" dirty="0">
-                <a:solidFill>
-                  <a:schemeClr val="tx1"/>
-                </a:solidFill>
-                <a:latin typeface="Times New Roman"/>
-                <a:cs typeface="Times New Roman"/>
-              </a:rPr>
-              <a:t> </a:t>
-            </a:r>
-            <a:r>
-              <a:rPr lang="ru-RU" sz="1800" b="0" i="0" u="none" strike="noStrike" cap="none" spc="0" dirty="0" err="1">
+              <a:rPr lang="ru-RU" sz="1800" b="0" i="0" u="none" strike="noStrike" cap="none" spc="0">
+                <a:solidFill>
+                  <a:schemeClr val="tx1"/>
+                </a:solidFill>
+                <a:latin typeface="Times New Roman"/>
+                <a:cs typeface="Times New Roman"/>
+              </a:rPr>
+              <a:t> </a:t>
+            </a:r>
+            <a:r>
+              <a:rPr lang="ru-RU" sz="1800" b="0" i="0" u="none" strike="noStrike" cap="none" spc="0">
                 <a:solidFill>
                   <a:schemeClr val="tx1"/>
                 </a:solidFill>
@@ -12625,17 +13075,17 @@
               <a:t>керує</a:t>
             </a:r>
             <a:r>
-              <a:rPr lang="ru-RU" sz="1800" b="0" i="0" u="none" strike="noStrike" cap="none" spc="0" dirty="0">
-                <a:solidFill>
-                  <a:schemeClr val="tx1"/>
-                </a:solidFill>
-                <a:latin typeface="Times New Roman"/>
-                <a:cs typeface="Times New Roman"/>
-              </a:rPr>
-              <a:t> </a:t>
-            </a:r>
-            <a:r>
-              <a:rPr lang="ru-RU" sz="1800" b="0" i="0" u="none" strike="noStrike" cap="none" spc="0" dirty="0" err="1">
+              <a:rPr lang="ru-RU" sz="1800" b="0" i="0" u="none" strike="noStrike" cap="none" spc="0">
+                <a:solidFill>
+                  <a:schemeClr val="tx1"/>
+                </a:solidFill>
+                <a:latin typeface="Times New Roman"/>
+                <a:cs typeface="Times New Roman"/>
+              </a:rPr>
+              <a:t> </a:t>
+            </a:r>
+            <a:r>
+              <a:rPr lang="ru-RU" sz="1800" b="0" i="0" u="none" strike="noStrike" cap="none" spc="0">
                 <a:solidFill>
                   <a:schemeClr val="tx1"/>
                 </a:solidFill>
@@ -12645,17 +13095,17 @@
               <a:t>відображенням</a:t>
             </a:r>
             <a:r>
-              <a:rPr lang="ru-RU" sz="1800" b="0" i="0" u="none" strike="noStrike" cap="none" spc="0" dirty="0">
-                <a:solidFill>
-                  <a:schemeClr val="tx1"/>
-                </a:solidFill>
-                <a:latin typeface="Times New Roman"/>
-                <a:cs typeface="Times New Roman"/>
-              </a:rPr>
-              <a:t> </a:t>
-            </a:r>
-            <a:r>
-              <a:rPr lang="ru-RU" sz="1800" b="0" i="0" u="none" strike="noStrike" cap="none" spc="0" dirty="0" err="1">
+              <a:rPr lang="ru-RU" sz="1800" b="0" i="0" u="none" strike="noStrike" cap="none" spc="0">
+                <a:solidFill>
+                  <a:schemeClr val="tx1"/>
+                </a:solidFill>
+                <a:latin typeface="Times New Roman"/>
+                <a:cs typeface="Times New Roman"/>
+              </a:rPr>
+              <a:t> </a:t>
+            </a:r>
+            <a:r>
+              <a:rPr lang="ru-RU" sz="1800" b="0" i="0" u="none" strike="noStrike" cap="none" spc="0">
                 <a:solidFill>
                   <a:schemeClr val="tx1"/>
                 </a:solidFill>
@@ -12665,7 +13115,7 @@
               <a:t>інформації</a:t>
             </a:r>
             <a:r>
-              <a:rPr lang="ru-RU" sz="1800" b="0" i="0" u="none" strike="noStrike" cap="none" spc="0" dirty="0">
+              <a:rPr lang="ru-RU" sz="1800" b="0" i="0" u="none" strike="noStrike" cap="none" spc="0">
                 <a:solidFill>
                   <a:schemeClr val="tx1"/>
                 </a:solidFill>
@@ -12675,7 +13125,7 @@
               <a:t>, </a:t>
             </a:r>
             <a:r>
-              <a:rPr lang="ru-RU" sz="1800" b="0" i="0" u="none" strike="noStrike" cap="none" spc="0" dirty="0" err="1">
+              <a:rPr lang="ru-RU" sz="1800" b="0" i="0" u="none" strike="noStrike" cap="none" spc="0">
                 <a:solidFill>
                   <a:schemeClr val="tx1"/>
                 </a:solidFill>
@@ -12685,7 +13135,7 @@
               <a:t>наприклад</a:t>
             </a:r>
             <a:r>
-              <a:rPr lang="ru-RU" sz="1800" b="0" i="0" u="none" strike="noStrike" cap="none" spc="0" dirty="0">
+              <a:rPr lang="ru-RU" sz="1800" b="0" i="0" u="none" strike="noStrike" cap="none" spc="0">
                 <a:solidFill>
                   <a:schemeClr val="tx1"/>
                 </a:solidFill>
@@ -12695,7 +13145,7 @@
               <a:t>, </a:t>
             </a:r>
             <a:r>
-              <a:rPr lang="ru-RU" sz="1800" b="0" i="0" u="none" strike="noStrike" cap="none" spc="0" dirty="0" err="1">
+              <a:rPr lang="ru-RU" sz="1800" b="0" i="0" u="none" strike="noStrike" cap="none" spc="0">
                 <a:solidFill>
                   <a:schemeClr val="tx1"/>
                 </a:solidFill>
@@ -12705,17 +13155,17 @@
               <a:t>інтерфейсами</a:t>
             </a:r>
             <a:r>
-              <a:rPr lang="ru-RU" sz="1800" b="0" i="0" u="none" strike="noStrike" cap="none" spc="0" dirty="0">
-                <a:solidFill>
-                  <a:schemeClr val="tx1"/>
-                </a:solidFill>
-                <a:latin typeface="Times New Roman"/>
-                <a:cs typeface="Times New Roman"/>
-              </a:rPr>
-              <a:t> </a:t>
-            </a:r>
-            <a:r>
-              <a:rPr lang="ru-RU" sz="1800" b="0" i="0" u="none" strike="noStrike" cap="none" spc="0" dirty="0" err="1">
+              <a:rPr lang="ru-RU" sz="1800" b="0" i="0" u="none" strike="noStrike" cap="none" spc="0">
+                <a:solidFill>
+                  <a:schemeClr val="tx1"/>
+                </a:solidFill>
+                <a:latin typeface="Times New Roman"/>
+                <a:cs typeface="Times New Roman"/>
+              </a:rPr>
+              <a:t> </a:t>
+            </a:r>
+            <a:r>
+              <a:rPr lang="ru-RU" sz="1800" b="0" i="0" u="none" strike="noStrike" cap="none" spc="0">
                 <a:solidFill>
                   <a:schemeClr val="tx1"/>
                 </a:solidFill>
@@ -12725,7 +13175,7 @@
               <a:t>перевірки</a:t>
             </a:r>
             <a:r>
-              <a:rPr lang="ru-RU" sz="1800" b="0" i="0" u="none" strike="noStrike" cap="none" spc="0" dirty="0">
+              <a:rPr lang="ru-RU" sz="1800" b="0" i="0" u="none" strike="noStrike" cap="none" spc="0">
                 <a:solidFill>
                   <a:schemeClr val="tx1"/>
                 </a:solidFill>
@@ -12735,7 +13185,7 @@
               <a:t> балансу та </a:t>
             </a:r>
             <a:r>
-              <a:rPr lang="ru-RU" sz="1800" b="0" i="0" u="none" strike="noStrike" cap="none" spc="0" dirty="0" err="1">
+              <a:rPr lang="ru-RU" sz="1800" b="0" i="0" u="none" strike="noStrike" cap="none" spc="0">
                 <a:solidFill>
                   <a:schemeClr val="tx1"/>
                 </a:solidFill>
@@ -12745,17 +13195,17 @@
               <a:t>створення</a:t>
             </a:r>
             <a:r>
-              <a:rPr lang="ru-RU" sz="1800" b="0" i="0" u="none" strike="noStrike" cap="none" spc="0" dirty="0">
-                <a:solidFill>
-                  <a:schemeClr val="tx1"/>
-                </a:solidFill>
-                <a:latin typeface="Times New Roman"/>
-                <a:cs typeface="Times New Roman"/>
-              </a:rPr>
-              <a:t> </a:t>
-            </a:r>
-            <a:r>
-              <a:rPr lang="ru-RU" sz="1800" b="0" i="0" u="none" strike="noStrike" cap="none" spc="0" dirty="0" err="1">
+              <a:rPr lang="ru-RU" sz="1800" b="0" i="0" u="none" strike="noStrike" cap="none" spc="0">
+                <a:solidFill>
+                  <a:schemeClr val="tx1"/>
+                </a:solidFill>
+                <a:latin typeface="Times New Roman"/>
+                <a:cs typeface="Times New Roman"/>
+              </a:rPr>
+              <a:t> </a:t>
+            </a:r>
+            <a:r>
+              <a:rPr lang="ru-RU" sz="1800" b="0" i="0" u="none" strike="noStrike" cap="none" spc="0">
                 <a:solidFill>
                   <a:schemeClr val="tx1"/>
                 </a:solidFill>
@@ -12765,7 +13215,7 @@
               <a:t>транзакцій</a:t>
             </a:r>
             <a:r>
-              <a:rPr lang="ru-RU" sz="1800" b="0" i="0" u="none" strike="noStrike" cap="none" spc="0" dirty="0">
+              <a:rPr lang="ru-RU" sz="1800" b="0" i="0" u="none" strike="noStrike" cap="none" spc="0">
                 <a:solidFill>
                   <a:schemeClr val="tx1"/>
                 </a:solidFill>
@@ -12775,7 +13225,7 @@
               <a:t>. </a:t>
             </a:r>
             <a:r>
-              <a:rPr lang="ru-RU" sz="1800" b="0" i="0" u="none" strike="noStrike" cap="none" spc="0" dirty="0" err="1">
+              <a:rPr lang="ru-RU" sz="1800" b="0" i="0" u="none" strike="noStrike" cap="none" spc="0">
                 <a:solidFill>
                   <a:schemeClr val="tx1"/>
                 </a:solidFill>
@@ -12785,7 +13235,7 @@
               <a:t>Нарешті</a:t>
             </a:r>
             <a:r>
-              <a:rPr lang="ru-RU" sz="1800" b="0" i="0" u="none" strike="noStrike" cap="none" spc="0" dirty="0">
+              <a:rPr lang="ru-RU" sz="1800" b="0" i="0" u="none" strike="noStrike" cap="none" spc="0">
                 <a:solidFill>
                   <a:schemeClr val="tx1"/>
                 </a:solidFill>
@@ -12795,7 +13245,7 @@
               <a:t>, контролер </a:t>
             </a:r>
             <a:r>
-              <a:rPr lang="ru-RU" sz="1800" b="0" i="0" u="none" strike="noStrike" cap="none" spc="0" dirty="0" err="1">
+              <a:rPr lang="ru-RU" sz="1800" b="0" i="0" u="none" strike="noStrike" cap="none" spc="0">
                 <a:solidFill>
                   <a:schemeClr val="tx1"/>
                 </a:solidFill>
@@ -12805,17 +13255,17 @@
               <a:t>обробляє</a:t>
             </a:r>
             <a:r>
-              <a:rPr lang="ru-RU" sz="1800" b="0" i="0" u="none" strike="noStrike" cap="none" spc="0" dirty="0">
-                <a:solidFill>
-                  <a:schemeClr val="tx1"/>
-                </a:solidFill>
-                <a:latin typeface="Times New Roman"/>
-                <a:cs typeface="Times New Roman"/>
-              </a:rPr>
-              <a:t> </a:t>
-            </a:r>
-            <a:r>
-              <a:rPr lang="ru-RU" sz="1800" b="0" i="0" u="none" strike="noStrike" cap="none" spc="0" dirty="0" err="1">
+              <a:rPr lang="ru-RU" sz="1800" b="0" i="0" u="none" strike="noStrike" cap="none" spc="0">
+                <a:solidFill>
+                  <a:schemeClr val="tx1"/>
+                </a:solidFill>
+                <a:latin typeface="Times New Roman"/>
+                <a:cs typeface="Times New Roman"/>
+              </a:rPr>
+              <a:t> </a:t>
+            </a:r>
+            <a:r>
+              <a:rPr lang="ru-RU" sz="1800" b="0" i="0" u="none" strike="noStrike" cap="none" spc="0">
                 <a:solidFill>
                   <a:schemeClr val="tx1"/>
                 </a:solidFill>
@@ -12825,7 +13275,7 @@
               <a:t>дані</a:t>
             </a:r>
             <a:r>
-              <a:rPr lang="ru-RU" sz="1800" b="0" i="0" u="none" strike="noStrike" cap="none" spc="0" dirty="0">
+              <a:rPr lang="ru-RU" sz="1800" b="0" i="0" u="none" strike="noStrike" cap="none" spc="0">
                 <a:solidFill>
                   <a:schemeClr val="tx1"/>
                 </a:solidFill>
@@ -12835,7 +13285,7 @@
               <a:t>, </a:t>
             </a:r>
             <a:r>
-              <a:rPr lang="ru-RU" sz="1800" b="0" i="0" u="none" strike="noStrike" cap="none" spc="0" dirty="0" err="1">
+              <a:rPr lang="ru-RU" sz="1800" b="0" i="0" u="none" strike="noStrike" cap="none" spc="0">
                 <a:solidFill>
                   <a:schemeClr val="tx1"/>
                 </a:solidFill>
@@ -12845,17 +13295,17 @@
               <a:t>введені</a:t>
             </a:r>
             <a:r>
-              <a:rPr lang="ru-RU" sz="1800" b="0" i="0" u="none" strike="noStrike" cap="none" spc="0" dirty="0">
-                <a:solidFill>
-                  <a:schemeClr val="tx1"/>
-                </a:solidFill>
-                <a:latin typeface="Times New Roman"/>
-                <a:cs typeface="Times New Roman"/>
-              </a:rPr>
-              <a:t> </a:t>
-            </a:r>
-            <a:r>
-              <a:rPr lang="ru-RU" sz="1800" b="0" i="0" u="none" strike="noStrike" cap="none" spc="0" dirty="0" err="1">
+              <a:rPr lang="ru-RU" sz="1800" b="0" i="0" u="none" strike="noStrike" cap="none" spc="0">
+                <a:solidFill>
+                  <a:schemeClr val="tx1"/>
+                </a:solidFill>
+                <a:latin typeface="Times New Roman"/>
+                <a:cs typeface="Times New Roman"/>
+              </a:rPr>
+              <a:t> </a:t>
+            </a:r>
+            <a:r>
+              <a:rPr lang="ru-RU" sz="1800" b="0" i="0" u="none" strike="noStrike" cap="none" spc="0">
                 <a:solidFill>
                   <a:schemeClr val="tx1"/>
                 </a:solidFill>
@@ -12865,7 +13315,7 @@
               <a:t>користувачем</a:t>
             </a:r>
             <a:r>
-              <a:rPr lang="ru-RU" sz="1800" b="0" i="0" u="none" strike="noStrike" cap="none" spc="0" dirty="0">
+              <a:rPr lang="ru-RU" sz="1800" b="0" i="0" u="none" strike="noStrike" cap="none" spc="0">
                 <a:solidFill>
                   <a:schemeClr val="tx1"/>
                 </a:solidFill>
@@ -12875,7 +13325,7 @@
               <a:t>, </a:t>
             </a:r>
             <a:r>
-              <a:rPr lang="ru-RU" sz="1800" b="0" i="0" u="none" strike="noStrike" cap="none" spc="0" dirty="0" err="1">
+              <a:rPr lang="ru-RU" sz="1800" b="0" i="0" u="none" strike="noStrike" cap="none" spc="0">
                 <a:solidFill>
                   <a:schemeClr val="tx1"/>
                 </a:solidFill>
@@ -12885,17 +13335,17 @@
               <a:t>виконуючи</a:t>
             </a:r>
             <a:r>
-              <a:rPr lang="ru-RU" sz="1800" b="0" i="0" u="none" strike="noStrike" cap="none" spc="0" dirty="0">
-                <a:solidFill>
-                  <a:schemeClr val="tx1"/>
-                </a:solidFill>
-                <a:latin typeface="Times New Roman"/>
-                <a:cs typeface="Times New Roman"/>
-              </a:rPr>
-              <a:t> </a:t>
-            </a:r>
-            <a:r>
-              <a:rPr lang="ru-RU" sz="1800" b="0" i="0" u="none" strike="noStrike" cap="none" spc="0" dirty="0" err="1">
+              <a:rPr lang="ru-RU" sz="1800" b="0" i="0" u="none" strike="noStrike" cap="none" spc="0">
+                <a:solidFill>
+                  <a:schemeClr val="tx1"/>
+                </a:solidFill>
+                <a:latin typeface="Times New Roman"/>
+                <a:cs typeface="Times New Roman"/>
+              </a:rPr>
+              <a:t> </a:t>
+            </a:r>
+            <a:r>
+              <a:rPr lang="ru-RU" sz="1800" b="0" i="0" u="none" strike="noStrike" cap="none" spc="0">
                 <a:solidFill>
                   <a:schemeClr val="tx1"/>
                 </a:solidFill>
@@ -12905,17 +13355,17 @@
               <a:t>такі</a:t>
             </a:r>
             <a:r>
-              <a:rPr lang="ru-RU" sz="1800" b="0" i="0" u="none" strike="noStrike" cap="none" spc="0" dirty="0">
-                <a:solidFill>
-                  <a:schemeClr val="tx1"/>
-                </a:solidFill>
-                <a:latin typeface="Times New Roman"/>
-                <a:cs typeface="Times New Roman"/>
-              </a:rPr>
-              <a:t> </a:t>
-            </a:r>
-            <a:r>
-              <a:rPr lang="ru-RU" sz="1800" b="0" i="0" u="none" strike="noStrike" cap="none" spc="0" dirty="0" err="1">
+              <a:rPr lang="ru-RU" sz="1800" b="0" i="0" u="none" strike="noStrike" cap="none" spc="0">
+                <a:solidFill>
+                  <a:schemeClr val="tx1"/>
+                </a:solidFill>
+                <a:latin typeface="Times New Roman"/>
+                <a:cs typeface="Times New Roman"/>
+              </a:rPr>
+              <a:t> </a:t>
+            </a:r>
+            <a:r>
+              <a:rPr lang="ru-RU" sz="1800" b="0" i="0" u="none" strike="noStrike" cap="none" spc="0">
                 <a:solidFill>
                   <a:schemeClr val="tx1"/>
                 </a:solidFill>
@@ -12925,7 +13375,7 @@
               <a:t>дії</a:t>
             </a:r>
             <a:r>
-              <a:rPr lang="ru-RU" sz="1800" b="0" i="0" u="none" strike="noStrike" cap="none" spc="0" dirty="0">
+              <a:rPr lang="ru-RU" sz="1800" b="0" i="0" u="none" strike="noStrike" cap="none" spc="0">
                 <a:solidFill>
                   <a:schemeClr val="tx1"/>
                 </a:solidFill>
@@ -12935,7 +13385,7 @@
               <a:t>, як </a:t>
             </a:r>
             <a:r>
-              <a:rPr lang="ru-RU" sz="1800" b="0" i="0" u="none" strike="noStrike" cap="none" spc="0" dirty="0" err="1">
+              <a:rPr lang="ru-RU" sz="1800" b="0" i="0" u="none" strike="noStrike" cap="none" spc="0">
                 <a:solidFill>
                   <a:schemeClr val="tx1"/>
                 </a:solidFill>
@@ -12945,7 +13395,7 @@
               <a:t>перевірка</a:t>
             </a:r>
             <a:r>
-              <a:rPr lang="ru-RU" sz="1800" b="0" i="0" u="none" strike="noStrike" cap="none" spc="0" dirty="0">
+              <a:rPr lang="ru-RU" sz="1800" b="0" i="0" u="none" strike="noStrike" cap="none" spc="0">
                 <a:solidFill>
                   <a:schemeClr val="tx1"/>
                 </a:solidFill>
@@ -12955,7 +13405,7 @@
               <a:t> балансу </a:t>
             </a:r>
             <a:r>
-              <a:rPr lang="ru-RU" sz="1800" b="0" i="0" u="none" strike="noStrike" cap="none" spc="0" dirty="0" err="1">
+              <a:rPr lang="ru-RU" sz="1800" b="0" i="0" u="none" strike="noStrike" cap="none" spc="0">
                 <a:solidFill>
                   <a:schemeClr val="tx1"/>
                 </a:solidFill>
@@ -12965,17 +13415,17 @@
               <a:t>рахунку</a:t>
             </a:r>
             <a:r>
-              <a:rPr lang="ru-RU" sz="1800" b="0" i="0" u="none" strike="noStrike" cap="none" spc="0" dirty="0">
-                <a:solidFill>
-                  <a:schemeClr val="tx1"/>
-                </a:solidFill>
-                <a:latin typeface="Times New Roman"/>
-                <a:cs typeface="Times New Roman"/>
-              </a:rPr>
-              <a:t> </a:t>
-            </a:r>
-            <a:r>
-              <a:rPr lang="ru-RU" sz="1800" b="0" i="0" u="none" strike="noStrike" cap="none" spc="0" dirty="0" err="1">
+              <a:rPr lang="ru-RU" sz="1800" b="0" i="0" u="none" strike="noStrike" cap="none" spc="0">
+                <a:solidFill>
+                  <a:schemeClr val="tx1"/>
+                </a:solidFill>
+                <a:latin typeface="Times New Roman"/>
+                <a:cs typeface="Times New Roman"/>
+              </a:rPr>
+              <a:t> </a:t>
+            </a:r>
+            <a:r>
+              <a:rPr lang="ru-RU" sz="1800" b="0" i="0" u="none" strike="noStrike" cap="none" spc="0">
                 <a:solidFill>
                   <a:schemeClr val="tx1"/>
                 </a:solidFill>
@@ -12985,17 +13435,17 @@
               <a:t>або</a:t>
             </a:r>
             <a:r>
-              <a:rPr lang="ru-RU" sz="1800" b="0" i="0" u="none" strike="noStrike" cap="none" spc="0" dirty="0">
-                <a:solidFill>
-                  <a:schemeClr val="tx1"/>
-                </a:solidFill>
-                <a:latin typeface="Times New Roman"/>
-                <a:cs typeface="Times New Roman"/>
-              </a:rPr>
-              <a:t> </a:t>
-            </a:r>
-            <a:r>
-              <a:rPr lang="ru-RU" sz="1800" b="0" i="0" u="none" strike="noStrike" cap="none" spc="0" dirty="0" err="1">
+              <a:rPr lang="ru-RU" sz="1800" b="0" i="0" u="none" strike="noStrike" cap="none" spc="0">
+                <a:solidFill>
+                  <a:schemeClr val="tx1"/>
+                </a:solidFill>
+                <a:latin typeface="Times New Roman"/>
+                <a:cs typeface="Times New Roman"/>
+              </a:rPr>
+              <a:t> </a:t>
+            </a:r>
+            <a:r>
+              <a:rPr lang="ru-RU" sz="1800" b="0" i="0" u="none" strike="noStrike" cap="none" spc="0">
                 <a:solidFill>
                   <a:schemeClr val="tx1"/>
                 </a:solidFill>
@@ -13005,17 +13455,17 @@
               <a:t>створення</a:t>
             </a:r>
             <a:r>
-              <a:rPr lang="ru-RU" sz="1800" b="0" i="0" u="none" strike="noStrike" cap="none" spc="0" dirty="0">
-                <a:solidFill>
-                  <a:schemeClr val="tx1"/>
-                </a:solidFill>
-                <a:latin typeface="Times New Roman"/>
-                <a:cs typeface="Times New Roman"/>
-              </a:rPr>
-              <a:t> </a:t>
-            </a:r>
-            <a:r>
-              <a:rPr lang="ru-RU" sz="1800" b="0" i="0" u="none" strike="noStrike" cap="none" spc="0" dirty="0" err="1">
+              <a:rPr lang="ru-RU" sz="1800" b="0" i="0" u="none" strike="noStrike" cap="none" spc="0">
+                <a:solidFill>
+                  <a:schemeClr val="tx1"/>
+                </a:solidFill>
+                <a:latin typeface="Times New Roman"/>
+                <a:cs typeface="Times New Roman"/>
+              </a:rPr>
+              <a:t> </a:t>
+            </a:r>
+            <a:r>
+              <a:rPr lang="ru-RU" sz="1800" b="0" i="0" u="none" strike="noStrike" cap="none" spc="0">
                 <a:solidFill>
                   <a:schemeClr val="tx1"/>
                 </a:solidFill>
@@ -13025,7 +13475,7 @@
               <a:t>транзакцій</a:t>
             </a:r>
             <a:r>
-              <a:rPr lang="ru-RU" sz="1800" b="0" i="0" u="none" strike="noStrike" cap="none" spc="0" dirty="0">
+              <a:rPr lang="ru-RU" sz="1800" b="0" i="0" u="none" strike="noStrike" cap="none" spc="0">
                 <a:solidFill>
                   <a:schemeClr val="tx1"/>
                 </a:solidFill>
@@ -13035,7 +13485,7 @@
               <a:t>. </a:t>
             </a:r>
             <a:r>
-              <a:rPr lang="ru-RU" sz="1800" b="0" i="0" u="none" strike="noStrike" cap="none" spc="0" dirty="0" err="1">
+              <a:rPr lang="ru-RU" sz="1800" b="0" i="0" u="none" strike="noStrike" cap="none" spc="0">
                 <a:solidFill>
                   <a:schemeClr val="tx1"/>
                 </a:solidFill>
@@ -13045,7 +13495,7 @@
               <a:t>Така</a:t>
             </a:r>
             <a:r>
-              <a:rPr lang="ru-RU" sz="1800" b="0" i="0" u="none" strike="noStrike" cap="none" spc="0" dirty="0">
+              <a:rPr lang="ru-RU" sz="1800" b="0" i="0" u="none" strike="noStrike" cap="none" spc="0">
                 <a:solidFill>
                   <a:schemeClr val="tx1"/>
                 </a:solidFill>
@@ -13055,7 +13505,7 @@
               <a:t> структура </a:t>
             </a:r>
             <a:r>
-              <a:rPr lang="ru-RU" sz="1800" b="0" i="0" u="none" strike="noStrike" cap="none" spc="0" dirty="0" err="1">
+              <a:rPr lang="ru-RU" sz="1800" b="0" i="0" u="none" strike="noStrike" cap="none" spc="0">
                 <a:solidFill>
                   <a:schemeClr val="tx1"/>
                 </a:solidFill>
@@ -13065,17 +13515,17 @@
               <a:t>забезпечує</a:t>
             </a:r>
             <a:r>
-              <a:rPr lang="ru-RU" sz="1800" b="0" i="0" u="none" strike="noStrike" cap="none" spc="0" dirty="0">
-                <a:solidFill>
-                  <a:schemeClr val="tx1"/>
-                </a:solidFill>
-                <a:latin typeface="Times New Roman"/>
-                <a:cs typeface="Times New Roman"/>
-              </a:rPr>
-              <a:t> </a:t>
-            </a:r>
-            <a:r>
-              <a:rPr lang="ru-RU" sz="1800" b="0" i="0" u="none" strike="noStrike" cap="none" spc="0" dirty="0" err="1">
+              <a:rPr lang="ru-RU" sz="1800" b="0" i="0" u="none" strike="noStrike" cap="none" spc="0">
+                <a:solidFill>
+                  <a:schemeClr val="tx1"/>
+                </a:solidFill>
+                <a:latin typeface="Times New Roman"/>
+                <a:cs typeface="Times New Roman"/>
+              </a:rPr>
+              <a:t> </a:t>
+            </a:r>
+            <a:r>
+              <a:rPr lang="ru-RU" sz="1800" b="0" i="0" u="none" strike="noStrike" cap="none" spc="0">
                 <a:solidFill>
                   <a:schemeClr val="tx1"/>
                 </a:solidFill>
@@ -13085,17 +13535,17 @@
               <a:t>ефективне</a:t>
             </a:r>
             <a:r>
-              <a:rPr lang="ru-RU" sz="1800" b="0" i="0" u="none" strike="noStrike" cap="none" spc="0" dirty="0">
-                <a:solidFill>
-                  <a:schemeClr val="tx1"/>
-                </a:solidFill>
-                <a:latin typeface="Times New Roman"/>
-                <a:cs typeface="Times New Roman"/>
-              </a:rPr>
-              <a:t> </a:t>
-            </a:r>
-            <a:r>
-              <a:rPr lang="ru-RU" sz="1800" b="0" i="0" u="none" strike="noStrike" cap="none" spc="0" dirty="0" err="1">
+              <a:rPr lang="ru-RU" sz="1800" b="0" i="0" u="none" strike="noStrike" cap="none" spc="0">
+                <a:solidFill>
+                  <a:schemeClr val="tx1"/>
+                </a:solidFill>
+                <a:latin typeface="Times New Roman"/>
+                <a:cs typeface="Times New Roman"/>
+              </a:rPr>
+              <a:t> </a:t>
+            </a:r>
+            <a:r>
+              <a:rPr lang="ru-RU" sz="1800" b="0" i="0" u="none" strike="noStrike" cap="none" spc="0">
                 <a:solidFill>
                   <a:schemeClr val="tx1"/>
                 </a:solidFill>
@@ -13105,17 +13555,17 @@
               <a:t>управління</a:t>
             </a:r>
             <a:r>
-              <a:rPr lang="ru-RU" sz="1800" b="0" i="0" u="none" strike="noStrike" cap="none" spc="0" dirty="0">
-                <a:solidFill>
-                  <a:schemeClr val="tx1"/>
-                </a:solidFill>
-                <a:latin typeface="Times New Roman"/>
-                <a:cs typeface="Times New Roman"/>
-              </a:rPr>
-              <a:t> </a:t>
-            </a:r>
-            <a:r>
-              <a:rPr lang="ru-RU" sz="1800" b="0" i="0" u="none" strike="noStrike" cap="none" spc="0" dirty="0" err="1">
+              <a:rPr lang="ru-RU" sz="1800" b="0" i="0" u="none" strike="noStrike" cap="none" spc="0">
+                <a:solidFill>
+                  <a:schemeClr val="tx1"/>
+                </a:solidFill>
+                <a:latin typeface="Times New Roman"/>
+                <a:cs typeface="Times New Roman"/>
+              </a:rPr>
+              <a:t> </a:t>
+            </a:r>
+            <a:r>
+              <a:rPr lang="ru-RU" sz="1800" b="0" i="0" u="none" strike="noStrike" cap="none" spc="0">
                 <a:solidFill>
                   <a:schemeClr val="tx1"/>
                 </a:solidFill>
@@ -13125,7 +13575,7 @@
               <a:t>даними</a:t>
             </a:r>
             <a:r>
-              <a:rPr lang="ru-RU" sz="1800" b="0" i="0" u="none" strike="noStrike" cap="none" spc="0" dirty="0">
+              <a:rPr lang="ru-RU" sz="1800" b="0" i="0" u="none" strike="noStrike" cap="none" spc="0">
                 <a:solidFill>
                   <a:schemeClr val="tx1"/>
                 </a:solidFill>
@@ -13135,7 +13585,7 @@
               <a:t>, </a:t>
             </a:r>
             <a:r>
-              <a:rPr lang="ru-RU" sz="1800" b="0" i="0" u="none" strike="noStrike" cap="none" spc="0" dirty="0" err="1">
+              <a:rPr lang="ru-RU" sz="1800" b="0" i="0" u="none" strike="noStrike" cap="none" spc="0">
                 <a:solidFill>
                   <a:schemeClr val="tx1"/>
                 </a:solidFill>
@@ -13145,17 +13595,17 @@
               <a:t>безперебійну</a:t>
             </a:r>
             <a:r>
-              <a:rPr lang="ru-RU" sz="1800" b="0" i="0" u="none" strike="noStrike" cap="none" spc="0" dirty="0">
-                <a:solidFill>
-                  <a:schemeClr val="tx1"/>
-                </a:solidFill>
-                <a:latin typeface="Times New Roman"/>
-                <a:cs typeface="Times New Roman"/>
-              </a:rPr>
-              <a:t> </a:t>
-            </a:r>
-            <a:r>
-              <a:rPr lang="ru-RU" sz="1800" b="0" i="0" u="none" strike="noStrike" cap="none" spc="0" dirty="0" err="1">
+              <a:rPr lang="ru-RU" sz="1800" b="0" i="0" u="none" strike="noStrike" cap="none" spc="0">
+                <a:solidFill>
+                  <a:schemeClr val="tx1"/>
+                </a:solidFill>
+                <a:latin typeface="Times New Roman"/>
+                <a:cs typeface="Times New Roman"/>
+              </a:rPr>
+              <a:t> </a:t>
+            </a:r>
+            <a:r>
+              <a:rPr lang="ru-RU" sz="1800" b="0" i="0" u="none" strike="noStrike" cap="none" spc="0">
                 <a:solidFill>
                   <a:schemeClr val="tx1"/>
                 </a:solidFill>
@@ -13165,7 +13615,7 @@
               <a:t>взаємодію</a:t>
             </a:r>
             <a:r>
-              <a:rPr lang="ru-RU" sz="1800" b="0" i="0" u="none" strike="noStrike" cap="none" spc="0" dirty="0">
+              <a:rPr lang="ru-RU" sz="1800" b="0" i="0" u="none" strike="noStrike" cap="none" spc="0">
                 <a:solidFill>
                   <a:schemeClr val="tx1"/>
                 </a:solidFill>
@@ -13175,7 +13625,7 @@
               <a:t> з </a:t>
             </a:r>
             <a:r>
-              <a:rPr lang="ru-RU" sz="1800" b="0" i="0" u="none" strike="noStrike" cap="none" spc="0" dirty="0" err="1">
+              <a:rPr lang="ru-RU" sz="1800" b="0" i="0" u="none" strike="noStrike" cap="none" spc="0">
                 <a:solidFill>
                   <a:schemeClr val="tx1"/>
                 </a:solidFill>
@@ -13185,17 +13635,17 @@
               <a:t>користувацьким</a:t>
             </a:r>
             <a:r>
-              <a:rPr lang="ru-RU" sz="1800" b="0" i="0" u="none" strike="noStrike" cap="none" spc="0" dirty="0">
-                <a:solidFill>
-                  <a:schemeClr val="tx1"/>
-                </a:solidFill>
-                <a:latin typeface="Times New Roman"/>
-                <a:cs typeface="Times New Roman"/>
-              </a:rPr>
-              <a:t> </a:t>
-            </a:r>
-            <a:r>
-              <a:rPr lang="ru-RU" sz="1800" b="0" i="0" u="none" strike="noStrike" cap="none" spc="0" dirty="0" err="1">
+              <a:rPr lang="ru-RU" sz="1800" b="0" i="0" u="none" strike="noStrike" cap="none" spc="0">
+                <a:solidFill>
+                  <a:schemeClr val="tx1"/>
+                </a:solidFill>
+                <a:latin typeface="Times New Roman"/>
+                <a:cs typeface="Times New Roman"/>
+              </a:rPr>
+              <a:t> </a:t>
+            </a:r>
+            <a:r>
+              <a:rPr lang="ru-RU" sz="1800" b="0" i="0" u="none" strike="noStrike" cap="none" spc="0">
                 <a:solidFill>
                   <a:schemeClr val="tx1"/>
                 </a:solidFill>
@@ -13205,7 +13655,7 @@
               <a:t>інтерфейсом</a:t>
             </a:r>
             <a:r>
-              <a:rPr lang="ru-RU" sz="1800" b="0" i="0" u="none" strike="noStrike" cap="none" spc="0" dirty="0">
+              <a:rPr lang="ru-RU" sz="1800" b="0" i="0" u="none" strike="noStrike" cap="none" spc="0">
                 <a:solidFill>
                   <a:schemeClr val="tx1"/>
                 </a:solidFill>
@@ -13215,7 +13665,7 @@
               <a:t> та </a:t>
             </a:r>
             <a:r>
-              <a:rPr lang="ru-RU" sz="1800" b="0" i="0" u="none" strike="noStrike" cap="none" spc="0" dirty="0" err="1">
+              <a:rPr lang="ru-RU" sz="1800" b="0" i="0" u="none" strike="noStrike" cap="none" spc="0">
                 <a:solidFill>
                   <a:schemeClr val="tx1"/>
                 </a:solidFill>
@@ -13225,17 +13675,17 @@
               <a:t>ефективну</a:t>
             </a:r>
             <a:r>
-              <a:rPr lang="ru-RU" sz="1800" b="0" i="0" u="none" strike="noStrike" cap="none" spc="0" dirty="0">
-                <a:solidFill>
-                  <a:schemeClr val="tx1"/>
-                </a:solidFill>
-                <a:latin typeface="Times New Roman"/>
-                <a:cs typeface="Times New Roman"/>
-              </a:rPr>
-              <a:t> </a:t>
-            </a:r>
-            <a:r>
-              <a:rPr lang="ru-RU" sz="1800" b="0" i="0" u="none" strike="noStrike" cap="none" spc="0" dirty="0" err="1">
+              <a:rPr lang="ru-RU" sz="1800" b="0" i="0" u="none" strike="noStrike" cap="none" spc="0">
+                <a:solidFill>
+                  <a:schemeClr val="tx1"/>
+                </a:solidFill>
+                <a:latin typeface="Times New Roman"/>
+                <a:cs typeface="Times New Roman"/>
+              </a:rPr>
+              <a:t> </a:t>
+            </a:r>
+            <a:r>
+              <a:rPr lang="ru-RU" sz="1800" b="0" i="0" u="none" strike="noStrike" cap="none" spc="0">
                 <a:solidFill>
                   <a:schemeClr val="tx1"/>
                 </a:solidFill>
@@ -13245,17 +13695,17 @@
               <a:t>обробку</a:t>
             </a:r>
             <a:r>
-              <a:rPr lang="ru-RU" sz="1800" b="0" i="0" u="none" strike="noStrike" cap="none" spc="0" dirty="0">
-                <a:solidFill>
-                  <a:schemeClr val="tx1"/>
-                </a:solidFill>
-                <a:latin typeface="Times New Roman"/>
-                <a:cs typeface="Times New Roman"/>
-              </a:rPr>
-              <a:t> </a:t>
-            </a:r>
-            <a:r>
-              <a:rPr lang="ru-RU" sz="1800" b="0" i="0" u="none" strike="noStrike" cap="none" spc="0" dirty="0" err="1">
+              <a:rPr lang="ru-RU" sz="1800" b="0" i="0" u="none" strike="noStrike" cap="none" spc="0">
+                <a:solidFill>
+                  <a:schemeClr val="tx1"/>
+                </a:solidFill>
+                <a:latin typeface="Times New Roman"/>
+                <a:cs typeface="Times New Roman"/>
+              </a:rPr>
+              <a:t> </a:t>
+            </a:r>
+            <a:r>
+              <a:rPr lang="ru-RU" sz="1800" b="0" i="0" u="none" strike="noStrike" cap="none" spc="0">
                 <a:solidFill>
                   <a:schemeClr val="tx1"/>
                 </a:solidFill>
@@ -13265,17 +13715,17 @@
               <a:t>дій</a:t>
             </a:r>
             <a:r>
-              <a:rPr lang="ru-RU" sz="1800" b="0" i="0" u="none" strike="noStrike" cap="none" spc="0" dirty="0">
-                <a:solidFill>
-                  <a:schemeClr val="tx1"/>
-                </a:solidFill>
-                <a:latin typeface="Times New Roman"/>
-                <a:cs typeface="Times New Roman"/>
-              </a:rPr>
-              <a:t> </a:t>
-            </a:r>
-            <a:r>
-              <a:rPr lang="ru-RU" sz="1800" b="0" i="0" u="none" strike="noStrike" cap="none" spc="0" dirty="0" err="1">
+              <a:rPr lang="ru-RU" sz="1800" b="0" i="0" u="none" strike="noStrike" cap="none" spc="0">
+                <a:solidFill>
+                  <a:schemeClr val="tx1"/>
+                </a:solidFill>
+                <a:latin typeface="Times New Roman"/>
+                <a:cs typeface="Times New Roman"/>
+              </a:rPr>
+              <a:t> </a:t>
+            </a:r>
+            <a:r>
+              <a:rPr lang="ru-RU" sz="1800" b="0" i="0" u="none" strike="noStrike" cap="none" spc="0">
                 <a:solidFill>
                   <a:schemeClr val="tx1"/>
                 </a:solidFill>
@@ -13285,7 +13735,7 @@
               <a:t>користувача</a:t>
             </a:r>
             <a:r>
-              <a:rPr lang="ru-RU" sz="1800" b="0" i="0" u="none" strike="noStrike" cap="none" spc="0" dirty="0">
+              <a:rPr lang="ru-RU" sz="1800" b="0" i="0" u="none" strike="noStrike" cap="none" spc="0">
                 <a:solidFill>
                   <a:schemeClr val="tx1"/>
                 </a:solidFill>
@@ -13295,7 +13745,7 @@
               <a:t>, </a:t>
             </a:r>
             <a:r>
-              <a:rPr lang="ru-RU" sz="1800" b="0" i="0" u="none" strike="noStrike" cap="none" spc="0" dirty="0" err="1">
+              <a:rPr lang="ru-RU" sz="1800" b="0" i="0" u="none" strike="noStrike" cap="none" spc="0">
                 <a:solidFill>
                   <a:schemeClr val="tx1"/>
                 </a:solidFill>
@@ -13305,7 +13755,7 @@
               <a:t>що</a:t>
             </a:r>
             <a:r>
-              <a:rPr lang="ru-RU" sz="1800" b="0" i="0" u="none" strike="noStrike" cap="none" spc="0" dirty="0">
+              <a:rPr lang="ru-RU" sz="1800" b="0" i="0" u="none" strike="noStrike" cap="none" spc="0">
                 <a:solidFill>
                   <a:schemeClr val="tx1"/>
                 </a:solidFill>
@@ -13315,7 +13765,7 @@
               <a:t> в </a:t>
             </a:r>
             <a:r>
-              <a:rPr lang="ru-RU" sz="1800" b="0" i="0" u="none" strike="noStrike" cap="none" spc="0" dirty="0" err="1">
+              <a:rPr lang="ru-RU" sz="1800" b="0" i="0" u="none" strike="noStrike" cap="none" spc="0">
                 <a:solidFill>
                   <a:schemeClr val="tx1"/>
                 </a:solidFill>
@@ -13325,17 +13775,17 @@
               <a:t>підсумку</a:t>
             </a:r>
             <a:r>
-              <a:rPr lang="ru-RU" sz="1800" b="0" i="0" u="none" strike="noStrike" cap="none" spc="0" dirty="0">
-                <a:solidFill>
-                  <a:schemeClr val="tx1"/>
-                </a:solidFill>
-                <a:latin typeface="Times New Roman"/>
-                <a:cs typeface="Times New Roman"/>
-              </a:rPr>
-              <a:t> </a:t>
-            </a:r>
-            <a:r>
-              <a:rPr lang="ru-RU" sz="1800" b="0" i="0" u="none" strike="noStrike" cap="none" spc="0" dirty="0" err="1">
+              <a:rPr lang="ru-RU" sz="1800" b="0" i="0" u="none" strike="noStrike" cap="none" spc="0">
+                <a:solidFill>
+                  <a:schemeClr val="tx1"/>
+                </a:solidFill>
+                <a:latin typeface="Times New Roman"/>
+                <a:cs typeface="Times New Roman"/>
+              </a:rPr>
+              <a:t> </a:t>
+            </a:r>
+            <a:r>
+              <a:rPr lang="ru-RU" sz="1800" b="0" i="0" u="none" strike="noStrike" cap="none" spc="0">
                 <a:solidFill>
                   <a:schemeClr val="tx1"/>
                 </a:solidFill>
@@ -13345,17 +13795,17 @@
               <a:t>створює</a:t>
             </a:r>
             <a:r>
-              <a:rPr lang="ru-RU" sz="1800" b="0" i="0" u="none" strike="noStrike" cap="none" spc="0" dirty="0">
-                <a:solidFill>
-                  <a:schemeClr val="tx1"/>
-                </a:solidFill>
-                <a:latin typeface="Times New Roman"/>
-                <a:cs typeface="Times New Roman"/>
-              </a:rPr>
-              <a:t> </a:t>
-            </a:r>
-            <a:r>
-              <a:rPr lang="ru-RU" sz="1800" b="0" i="0" u="none" strike="noStrike" cap="none" spc="0" dirty="0" err="1">
+              <a:rPr lang="ru-RU" sz="1800" b="0" i="0" u="none" strike="noStrike" cap="none" spc="0">
+                <a:solidFill>
+                  <a:schemeClr val="tx1"/>
+                </a:solidFill>
+                <a:latin typeface="Times New Roman"/>
+                <a:cs typeface="Times New Roman"/>
+              </a:rPr>
+              <a:t> </a:t>
+            </a:r>
+            <a:r>
+              <a:rPr lang="ru-RU" sz="1800" b="0" i="0" u="none" strike="noStrike" cap="none" spc="0">
                 <a:solidFill>
                   <a:schemeClr val="tx1"/>
                 </a:solidFill>
@@ -13365,7 +13815,7 @@
               <a:t>безперебійну</a:t>
             </a:r>
             <a:r>
-              <a:rPr lang="ru-RU" sz="1800" b="0" i="0" u="none" strike="noStrike" cap="none" spc="0" dirty="0">
+              <a:rPr lang="ru-RU" sz="1800" b="0" i="0" u="none" strike="noStrike" cap="none" spc="0">
                 <a:solidFill>
                   <a:schemeClr val="tx1"/>
                 </a:solidFill>
@@ -13375,7 +13825,7 @@
               <a:t> та </a:t>
             </a:r>
             <a:r>
-              <a:rPr lang="ru-RU" sz="1800" b="0" i="0" u="none" strike="noStrike" cap="none" spc="0" dirty="0" err="1">
+              <a:rPr lang="ru-RU" sz="1800" b="0" i="0" u="none" strike="noStrike" cap="none" spc="0">
                 <a:solidFill>
                   <a:schemeClr val="tx1"/>
                 </a:solidFill>
@@ -13385,17 +13835,17 @@
               <a:t>інтуїтивно</a:t>
             </a:r>
             <a:r>
-              <a:rPr lang="ru-RU" sz="1800" b="0" i="0" u="none" strike="noStrike" cap="none" spc="0" dirty="0">
-                <a:solidFill>
-                  <a:schemeClr val="tx1"/>
-                </a:solidFill>
-                <a:latin typeface="Times New Roman"/>
-                <a:cs typeface="Times New Roman"/>
-              </a:rPr>
-              <a:t> </a:t>
-            </a:r>
-            <a:r>
-              <a:rPr lang="ru-RU" sz="1800" b="0" i="0" u="none" strike="noStrike" cap="none" spc="0" dirty="0" err="1">
+              <a:rPr lang="ru-RU" sz="1800" b="0" i="0" u="none" strike="noStrike" cap="none" spc="0">
+                <a:solidFill>
+                  <a:schemeClr val="tx1"/>
+                </a:solidFill>
+                <a:latin typeface="Times New Roman"/>
+                <a:cs typeface="Times New Roman"/>
+              </a:rPr>
+              <a:t> </a:t>
+            </a:r>
+            <a:r>
+              <a:rPr lang="ru-RU" sz="1800" b="0" i="0" u="none" strike="noStrike" cap="none" spc="0">
                 <a:solidFill>
                   <a:schemeClr val="tx1"/>
                 </a:solidFill>
@@ -13405,7 +13855,7 @@
               <a:t>зрозумілу</a:t>
             </a:r>
             <a:r>
-              <a:rPr lang="ru-RU" sz="1800" b="0" i="0" u="none" strike="noStrike" cap="none" spc="0" dirty="0">
+              <a:rPr lang="ru-RU" sz="1800" b="0" i="0" u="none" strike="noStrike" cap="none" spc="0">
                 <a:solidFill>
                   <a:schemeClr val="tx1"/>
                 </a:solidFill>
@@ -13415,7 +13865,7 @@
               <a:t> роботу для </a:t>
             </a:r>
             <a:r>
-              <a:rPr lang="ru-RU" sz="1800" b="0" i="0" u="none" strike="noStrike" cap="none" spc="0" dirty="0" err="1">
+              <a:rPr lang="ru-RU" sz="1800" b="0" i="0" u="none" strike="noStrike" cap="none" spc="0">
                 <a:solidFill>
                   <a:schemeClr val="tx1"/>
                 </a:solidFill>
@@ -13425,17 +13875,17 @@
               <a:t>користувачів</a:t>
             </a:r>
             <a:r>
-              <a:rPr lang="ru-RU" sz="1800" b="0" i="0" u="none" strike="noStrike" cap="none" spc="0" dirty="0">
-                <a:solidFill>
-                  <a:schemeClr val="tx1"/>
-                </a:solidFill>
-                <a:latin typeface="Times New Roman"/>
-                <a:cs typeface="Times New Roman"/>
-              </a:rPr>
-              <a:t> </a:t>
-            </a:r>
-            <a:r>
-              <a:rPr lang="ru-RU" sz="1800" b="0" i="0" u="none" strike="noStrike" cap="none" spc="0" dirty="0" err="1">
+              <a:rPr lang="ru-RU" sz="1800" b="0" i="0" u="none" strike="noStrike" cap="none" spc="0">
+                <a:solidFill>
+                  <a:schemeClr val="tx1"/>
+                </a:solidFill>
+                <a:latin typeface="Times New Roman"/>
+                <a:cs typeface="Times New Roman"/>
+              </a:rPr>
+              <a:t> </a:t>
+            </a:r>
+            <a:r>
+              <a:rPr lang="ru-RU" sz="1800" b="0" i="0" u="none" strike="noStrike" cap="none" spc="0">
                 <a:solidFill>
                   <a:schemeClr val="tx1"/>
                 </a:solidFill>
@@ -13445,17 +13895,17 @@
               <a:t>нашого</a:t>
             </a:r>
             <a:r>
-              <a:rPr lang="ru-RU" sz="1800" b="0" i="0" u="none" strike="noStrike" cap="none" spc="0" dirty="0">
-                <a:solidFill>
-                  <a:schemeClr val="tx1"/>
-                </a:solidFill>
-                <a:latin typeface="Times New Roman"/>
-                <a:cs typeface="Times New Roman"/>
-              </a:rPr>
-              <a:t> </a:t>
-            </a:r>
-            <a:r>
-              <a:rPr lang="ru-RU" sz="1800" b="0" i="0" u="none" strike="noStrike" cap="none" spc="0" dirty="0" err="1">
+              <a:rPr lang="ru-RU" sz="1800" b="0" i="0" u="none" strike="noStrike" cap="none" spc="0">
+                <a:solidFill>
+                  <a:schemeClr val="tx1"/>
+                </a:solidFill>
+                <a:latin typeface="Times New Roman"/>
+                <a:cs typeface="Times New Roman"/>
+              </a:rPr>
+              <a:t> </a:t>
+            </a:r>
+            <a:r>
+              <a:rPr lang="ru-RU" sz="1800" b="0" i="0" u="none" strike="noStrike" cap="none" spc="0">
                 <a:solidFill>
                   <a:schemeClr val="tx1"/>
                 </a:solidFill>
@@ -13465,7 +13915,7 @@
               <a:t>гаманця</a:t>
             </a:r>
             <a:r>
-              <a:rPr lang="ru-RU" sz="1800" b="0" i="0" u="none" strike="noStrike" cap="none" spc="0" dirty="0">
+              <a:rPr lang="ru-RU" sz="1800" b="0" i="0" u="none" strike="noStrike" cap="none" spc="0">
                 <a:solidFill>
                   <a:schemeClr val="tx1"/>
                 </a:solidFill>
@@ -13474,7 +13924,7 @@
               </a:rPr>
               <a:t>.</a:t>
             </a:r>
-            <a:endParaRPr dirty="0">
+            <a:endParaRPr>
               <a:latin typeface="Times New Roman"/>
               <a:cs typeface="Times New Roman"/>
             </a:endParaRPr>
@@ -13486,12 +13936,20 @@
   <p:clrMapOvr>
     <a:masterClrMapping/>
   </p:clrMapOvr>
+  <mc:AlternateContent xmlns:mc="http://schemas.openxmlformats.org/markup-compatibility/2006">
+    <mc:Choice xmlns:p14="http://schemas.microsoft.com/office/powerpoint/2010/main" Requires="p14">
+      <p:transition p14:dur="2000" advClick="1"/>
+    </mc:Choice>
+    <mc:Fallback>
+      <p:transition advClick="1"/>
+    </mc:Fallback>
+  </mc:AlternateContent>
 </p:sld>
 </file>
 
 <file path=ppt/slides/slide8.xml><?xml version="1.0" encoding="utf-8"?>
-<p:sld xmlns:a="http://schemas.openxmlformats.org/drawingml/2006/main" xmlns:r="http://schemas.openxmlformats.org/officeDocument/2006/relationships" xmlns:p="http://schemas.openxmlformats.org/presentationml/2006/main" showMasterSp="0" showMasterPhAnim="0">
-  <p:cSld>
+<p:sld xmlns:a="http://schemas.openxmlformats.org/drawingml/2006/main" xmlns:r="http://schemas.openxmlformats.org/officeDocument/2006/relationships" xmlns:p="http://schemas.openxmlformats.org/presentationml/2006/main" xmlns:m="http://schemas.openxmlformats.org/officeDocument/2006/math" xmlns:w="http://schemas.openxmlformats.org/wordprocessingml/2006/main" showMasterPhAnim="0" showMasterSp="0" show="1">
+  <p:cSld name="">
     <p:spTree>
       <p:nvGrpSpPr>
         <p:cNvPr id="1" name=""/>
@@ -13648,7 +14106,7 @@
             </a:pPr>
             <a:fld id="{6D9D3FD9-B45B-911C-396B-1B60B15A8A81}" type="slidenum">
               <a:rPr sz="2800"/>
-              <a:t>8</a:t>
+              <a:t/>
             </a:fld>
             <a:endParaRPr/>
           </a:p>
@@ -13749,13 +14207,13 @@
               <a:defRPr/>
             </a:pPr>
             <a:r>
-              <a:rPr lang="uk-UA" sz="1800" dirty="0">
+              <a:rPr lang="uk-UA" sz="1800">
                 <a:latin typeface="Times New Roman"/>
                 <a:cs typeface="Times New Roman"/>
               </a:rPr>
               <a:t>Хоча цей аналіз даних не є остаточним доказом існування парадоксу Пуассона в біткоїні, доказ насправді криється в початковій гістограмі, а саме в її довгому хвості. Більшість респондентів у нашій вибірці чекають на підтвердження більше 10 хвилин, хоча середній час очікування становить 9,9 хвилин. Це пов'язано з довгим правим хвостом розподілу Пуассона. Іншими словами, існує більше можливостей виявити блок між 10-40 хвилинами, оскільки цей часовий інтервал в чотири рази більший, ніж інтервал 0-10 хвилин</a:t>
             </a:r>
-            <a:endParaRPr sz="1800" dirty="0">
+            <a:endParaRPr sz="1800">
               <a:latin typeface="Times New Roman"/>
               <a:cs typeface="Times New Roman"/>
             </a:endParaRPr>
@@ -13767,12 +14225,20 @@
   <p:clrMapOvr>
     <a:masterClrMapping/>
   </p:clrMapOvr>
+  <mc:AlternateContent xmlns:mc="http://schemas.openxmlformats.org/markup-compatibility/2006">
+    <mc:Choice xmlns:p14="http://schemas.microsoft.com/office/powerpoint/2010/main" Requires="p14">
+      <p:transition p14:dur="2000" advClick="1"/>
+    </mc:Choice>
+    <mc:Fallback>
+      <p:transition advClick="1"/>
+    </mc:Fallback>
+  </mc:AlternateContent>
 </p:sld>
 </file>
 
 <file path=ppt/slides/slide9.xml><?xml version="1.0" encoding="utf-8"?>
-<p:sld xmlns:a="http://schemas.openxmlformats.org/drawingml/2006/main" xmlns:r="http://schemas.openxmlformats.org/officeDocument/2006/relationships" xmlns:p="http://schemas.openxmlformats.org/presentationml/2006/main" showMasterSp="0" showMasterPhAnim="0">
-  <p:cSld>
+<p:sld xmlns:a="http://schemas.openxmlformats.org/drawingml/2006/main" xmlns:r="http://schemas.openxmlformats.org/officeDocument/2006/relationships" xmlns:p="http://schemas.openxmlformats.org/presentationml/2006/main" xmlns:m="http://schemas.openxmlformats.org/officeDocument/2006/math" xmlns:w="http://schemas.openxmlformats.org/wordprocessingml/2006/main" showMasterPhAnim="0" showMasterSp="0" show="1">
+  <p:cSld name="">
     <p:spTree>
       <p:nvGrpSpPr>
         <p:cNvPr id="1" name=""/>
@@ -13923,7 +14389,7 @@
             </a:pPr>
             <a:fld id="{2D730B54-BE92-220A-8662-B77F36053956}" type="slidenum">
               <a:rPr sz="2800"/>
-              <a:t>9</a:t>
+              <a:t/>
             </a:fld>
             <a:endParaRPr/>
           </a:p>
@@ -13974,7 +14440,7 @@
         <p:nvGraphicFramePr>
           <p:cNvPr id="588418955" name="Таблица 588418954"/>
           <p:cNvGraphicFramePr>
-            <a:graphicFrameLocks/>
+            <a:graphicFrameLocks xmlns:a="http://schemas.openxmlformats.org/drawingml/2006/main"/>
           </p:cNvGraphicFramePr>
           <p:nvPr/>
         </p:nvGraphicFramePr>
@@ -13985,30 +14451,17 @@
         <a:graphic>
           <a:graphicData uri="http://schemas.openxmlformats.org/drawingml/2006/table">
             <a:tbl>
-              <a:tblPr firstRow="1" firstCol="1" bandRow="1">
+              <a:tblPr firstRow="1" firstCol="1" lastRow="0" lastCol="0" bandRow="1" bandCol="0">
                 <a:tableStyleId>{5C22544A-7EE6-4342-B048-85BDC9FD1C3A}</a:tableStyleId>
               </a:tblPr>
               <a:tblGrid>
-                <a:gridCol w="2583610">
-                  <a:extLst>
-                    <a:ext uri="{9D8B030D-6E8A-4147-A177-3AD203B41FA5}">
-                      <a16:colId xmlns:a16="http://schemas.microsoft.com/office/drawing/2014/main" val="20000"/>
-                    </a:ext>
-                  </a:extLst>
-                </a:gridCol>
-                <a:gridCol w="2140511">
-                  <a:extLst>
-                    <a:ext uri="{9D8B030D-6E8A-4147-A177-3AD203B41FA5}">
-                      <a16:colId xmlns:a16="http://schemas.microsoft.com/office/drawing/2014/main" val="20001"/>
-                    </a:ext>
-                  </a:extLst>
-                </a:gridCol>
+                <a:gridCol w="2583610"/>
+                <a:gridCol w="2140511"/>
               </a:tblGrid>
               <a:tr h="1097291">
                 <a:tc>
                   <a:txBody>
                     <a:bodyPr/>
-                    <a:lstStyle/>
                     <a:p>
                       <a:pPr indent="269874" algn="just">
                         <a:lnSpc>
@@ -14037,7 +14490,6 @@
                 <a:tc>
                   <a:txBody>
                     <a:bodyPr/>
-                    <a:lstStyle/>
                     <a:p>
                       <a:pPr indent="269874" algn="just">
                         <a:lnSpc>
@@ -14063,17 +14515,11 @@
                   </a:txBody>
                   <a:tcPr/>
                 </a:tc>
-                <a:extLst>
-                  <a:ext uri="{0D108BD9-81ED-4DB2-BD59-A6C34878D82A}">
-                    <a16:rowId xmlns:a16="http://schemas.microsoft.com/office/drawing/2014/main" val="10000"/>
-                  </a:ext>
-                </a:extLst>
               </a:tr>
               <a:tr h="662868">
                 <a:tc>
                   <a:txBody>
                     <a:bodyPr/>
-                    <a:lstStyle/>
                     <a:p>
                       <a:pPr indent="269874" algn="just">
                         <a:lnSpc>
@@ -14102,7 +14548,6 @@
                 <a:tc>
                   <a:txBody>
                     <a:bodyPr/>
-                    <a:lstStyle/>
                     <a:p>
                       <a:pPr indent="269874" algn="just">
                         <a:lnSpc>
@@ -14128,17 +14573,11 @@
                   </a:txBody>
                   <a:tcPr/>
                 </a:tc>
-                <a:extLst>
-                  <a:ext uri="{0D108BD9-81ED-4DB2-BD59-A6C34878D82A}">
-                    <a16:rowId xmlns:a16="http://schemas.microsoft.com/office/drawing/2014/main" val="10001"/>
-                  </a:ext>
-                </a:extLst>
               </a:tr>
               <a:tr h="625418">
                 <a:tc>
                   <a:txBody>
                     <a:bodyPr/>
-                    <a:lstStyle/>
                     <a:p>
                       <a:pPr indent="269874" algn="just">
                         <a:lnSpc>
@@ -14167,7 +14606,6 @@
                 <a:tc>
                   <a:txBody>
                     <a:bodyPr/>
-                    <a:lstStyle/>
                     <a:p>
                       <a:pPr indent="269874" algn="just">
                         <a:lnSpc>
@@ -14193,11 +14631,6 @@
                   </a:txBody>
                   <a:tcPr/>
                 </a:tc>
-                <a:extLst>
-                  <a:ext uri="{0D108BD9-81ED-4DB2-BD59-A6C34878D82A}">
-                    <a16:rowId xmlns:a16="http://schemas.microsoft.com/office/drawing/2014/main" val="10002"/>
-                  </a:ext>
-                </a:extLst>
               </a:tr>
             </a:tbl>
           </a:graphicData>
@@ -14258,7 +14691,7 @@
         </p:nvPicPr>
         <p:blipFill>
           <a:blip r:embed="rId2"/>
-          <a:srcRect t="-1" r="906" b="1003"/>
+          <a:srcRect l="0" t="-1" r="906" b="1003"/>
           <a:stretch/>
         </p:blipFill>
         <p:spPr bwMode="auto">
@@ -14279,11 +14712,19 @@
   <p:clrMapOvr>
     <a:masterClrMapping/>
   </p:clrMapOvr>
+  <mc:AlternateContent xmlns:mc="http://schemas.openxmlformats.org/markup-compatibility/2006">
+    <mc:Choice xmlns:p14="http://schemas.microsoft.com/office/powerpoint/2010/main" Requires="p14">
+      <p:transition p14:dur="2000" advClick="1"/>
+    </mc:Choice>
+    <mc:Fallback>
+      <p:transition advClick="1"/>
+    </mc:Fallback>
+  </mc:AlternateContent>
 </p:sld>
 </file>
 
 <file path=ppt/theme/theme1.xml><?xml version="1.0" encoding="utf-8"?>
-<a:theme xmlns:a="http://schemas.openxmlformats.org/drawingml/2006/main" name="Office Theme">
+<a:theme xmlns:a="http://schemas.openxmlformats.org/drawingml/2006/main" xmlns:r="http://schemas.openxmlformats.org/officeDocument/2006/relationships" xmlns:p="http://schemas.openxmlformats.org/presentationml/2006/main" name="Office Theme">
   <a:themeElements>
     <a:clrScheme name="Office">
       <a:dk1>
@@ -14488,6 +14929,5 @@
     </a:fmtScheme>
   </a:themeElements>
   <a:objectDefaults/>
-  <a:extraClrSchemeLst/>
 </a:theme>
 </file>